--- a/Final Project/draft_presentation.pptx
+++ b/Final Project/draft_presentation.pptx
@@ -5,17 +5,23 @@
     <p:sldMasterId id="2147483648" r:id="rId1"/>
   </p:sldMasterIdLst>
   <p:notesMasterIdLst>
-    <p:notesMasterId r:id="rId10"/>
+    <p:notesMasterId r:id="rId16"/>
   </p:notesMasterIdLst>
   <p:sldIdLst>
     <p:sldId id="256" r:id="rId2"/>
-    <p:sldId id="257" r:id="rId3"/>
-    <p:sldId id="258" r:id="rId4"/>
-    <p:sldId id="259" r:id="rId5"/>
-    <p:sldId id="260" r:id="rId6"/>
-    <p:sldId id="261" r:id="rId7"/>
-    <p:sldId id="262" r:id="rId8"/>
-    <p:sldId id="263" r:id="rId9"/>
+    <p:sldId id="264" r:id="rId3"/>
+    <p:sldId id="257" r:id="rId4"/>
+    <p:sldId id="258" r:id="rId5"/>
+    <p:sldId id="265" r:id="rId6"/>
+    <p:sldId id="259" r:id="rId7"/>
+    <p:sldId id="266" r:id="rId8"/>
+    <p:sldId id="267" r:id="rId9"/>
+    <p:sldId id="268" r:id="rId10"/>
+    <p:sldId id="269" r:id="rId11"/>
+    <p:sldId id="270" r:id="rId12"/>
+    <p:sldId id="271" r:id="rId13"/>
+    <p:sldId id="272" r:id="rId14"/>
+    <p:sldId id="263" r:id="rId15"/>
   </p:sldIdLst>
   <p:sldSz cx="9144000" cy="6858000" type="screen4x3"/>
   <p:notesSz cx="6858000" cy="9144000"/>
@@ -511,6 +517,95 @@
           <a:bodyPr/>
           <a:lstStyle/>
           <a:p>
+            <a:r>
+              <a:rPr lang="en-US" dirty="0" smtClean="0"/>
+              <a:t>http://</a:t>
+            </a:r>
+            <a:r>
+              <a:rPr lang="en-US" dirty="0" err="1" smtClean="0"/>
+              <a:t>www.businessinsider.com</a:t>
+            </a:r>
+            <a:r>
+              <a:rPr lang="en-US" dirty="0" smtClean="0"/>
+              <a:t>/mind-blowing-growth-and-power-of-big-data-2015-6</a:t>
+            </a:r>
+          </a:p>
+          <a:p>
+            <a:r>
+              <a:rPr lang="en-US" dirty="0" smtClean="0"/>
+              <a:t>http://</a:t>
+            </a:r>
+            <a:r>
+              <a:rPr lang="en-US" dirty="0" err="1" smtClean="0"/>
+              <a:t>www.businessinsider.com</a:t>
+            </a:r>
+            <a:r>
+              <a:rPr lang="en-US" dirty="0" smtClean="0"/>
+              <a:t>/big-data-tackles-energy-waste-from-big-buildings-2015-5</a:t>
+            </a:r>
+          </a:p>
+          <a:p>
+            <a:endParaRPr lang="en-US" dirty="0" smtClean="0"/>
+          </a:p>
+          <a:p>
+            <a:r>
+              <a:rPr lang="en-US" dirty="0" smtClean="0"/>
+              <a:t>Big</a:t>
+            </a:r>
+            <a:r>
+              <a:rPr lang="en-US" baseline="0" dirty="0" smtClean="0"/>
+              <a:t> Data can analyze information at a much faster rate</a:t>
+            </a:r>
+          </a:p>
+          <a:p>
+            <a:endParaRPr lang="en-US" baseline="0" dirty="0" smtClean="0"/>
+          </a:p>
+          <a:p>
+            <a:r>
+              <a:rPr lang="en-US" baseline="0" dirty="0" smtClean="0"/>
+              <a:t>For example, Assessing the energy consumption of a building – The amount of time needed to assess one building can now be assessed in the thousands due to enhancements in processing Big Data</a:t>
+            </a:r>
+          </a:p>
+          <a:p>
+            <a:endParaRPr lang="en-US" baseline="0" dirty="0" smtClean="0"/>
+          </a:p>
+          <a:p>
+            <a:r>
+              <a:rPr lang="en-US" baseline="0" dirty="0" smtClean="0"/>
+              <a:t>NYU’s Center for Urban Science and Progress is partnered with NYC’s Hudson Yards neighborhood in developing our nation’s first quantified community. </a:t>
+            </a:r>
+          </a:p>
+          <a:p>
+            <a:r>
+              <a:rPr lang="en-US" baseline="0" dirty="0" smtClean="0"/>
+              <a:t>Tracking air quality, pedestrian traffic, energy production and consumption</a:t>
+            </a:r>
+          </a:p>
+          <a:p>
+            <a:endParaRPr lang="en-US" baseline="0" dirty="0" smtClean="0"/>
+          </a:p>
+          <a:p>
+            <a:r>
+              <a:rPr lang="en-US" baseline="0" dirty="0" smtClean="0"/>
+              <a:t>.5% of data is analyzed, this number is expected to shrink</a:t>
+            </a:r>
+          </a:p>
+          <a:p>
+            <a:endParaRPr lang="en-US" baseline="0" dirty="0" smtClean="0"/>
+          </a:p>
+          <a:p>
+            <a:r>
+              <a:rPr lang="en-US" baseline="0" dirty="0" smtClean="0"/>
+              <a:t>Data Breach Severity is often measured in rows, we are approaching it from the impact on an individual’s life</a:t>
+            </a:r>
+          </a:p>
+          <a:p>
+            <a:endParaRPr lang="en-US" baseline="0" dirty="0" smtClean="0"/>
+          </a:p>
+          <a:p>
+            <a:endParaRPr lang="en-US" dirty="0" smtClean="0"/>
+          </a:p>
+          <a:p>
             <a:endParaRPr lang="en-US" dirty="0"/>
           </a:p>
         </p:txBody>
@@ -533,6 +628,90 @@
             <a:fld id="{4B6ADD09-A426-694F-B3F1-BF5C032C9059}" type="slidenum">
               <a:rPr lang="en-US" smtClean="0"/>
               <a:t>3</a:t>
+            </a:fld>
+            <a:endParaRPr lang="en-US"/>
+          </a:p>
+        </p:txBody>
+      </p:sp>
+    </p:spTree>
+    <p:extLst>
+      <p:ext uri="{BB962C8B-B14F-4D97-AF65-F5344CB8AC3E}">
+        <p14:creationId xmlns:p14="http://schemas.microsoft.com/office/powerpoint/2010/main" val="3436776456"/>
+      </p:ext>
+    </p:extLst>
+  </p:cSld>
+  <p:clrMapOvr>
+    <a:masterClrMapping/>
+  </p:clrMapOvr>
+</p:notes>
+</file>
+
+<file path=ppt/notesSlides/notesSlide2.xml><?xml version="1.0" encoding="utf-8"?>
+<p:notes xmlns:a="http://schemas.openxmlformats.org/drawingml/2006/main" xmlns:r="http://schemas.openxmlformats.org/officeDocument/2006/relationships" xmlns:p="http://schemas.openxmlformats.org/presentationml/2006/main">
+  <p:cSld>
+    <p:spTree>
+      <p:nvGrpSpPr>
+        <p:cNvPr id="1" name=""/>
+        <p:cNvGrpSpPr/>
+        <p:nvPr/>
+      </p:nvGrpSpPr>
+      <p:grpSpPr>
+        <a:xfrm>
+          <a:off x="0" y="0"/>
+          <a:ext cx="0" cy="0"/>
+          <a:chOff x="0" y="0"/>
+          <a:chExt cx="0" cy="0"/>
+        </a:xfrm>
+      </p:grpSpPr>
+      <p:sp>
+        <p:nvSpPr>
+          <p:cNvPr id="2" name="Slide Image Placeholder 1"/>
+          <p:cNvSpPr>
+            <a:spLocks noGrp="1" noRot="1" noChangeAspect="1"/>
+          </p:cNvSpPr>
+          <p:nvPr>
+            <p:ph type="sldImg"/>
+          </p:nvPr>
+        </p:nvSpPr>
+        <p:spPr/>
+      </p:sp>
+      <p:sp>
+        <p:nvSpPr>
+          <p:cNvPr id="3" name="Notes Placeholder 2"/>
+          <p:cNvSpPr>
+            <a:spLocks noGrp="1"/>
+          </p:cNvSpPr>
+          <p:nvPr>
+            <p:ph type="body" idx="1"/>
+          </p:nvPr>
+        </p:nvSpPr>
+        <p:spPr/>
+        <p:txBody>
+          <a:bodyPr/>
+          <a:lstStyle/>
+          <a:p>
+            <a:endParaRPr lang="en-US" dirty="0"/>
+          </a:p>
+        </p:txBody>
+      </p:sp>
+      <p:sp>
+        <p:nvSpPr>
+          <p:cNvPr id="4" name="Slide Number Placeholder 3"/>
+          <p:cNvSpPr>
+            <a:spLocks noGrp="1"/>
+          </p:cNvSpPr>
+          <p:nvPr>
+            <p:ph type="sldNum" sz="quarter" idx="10"/>
+          </p:nvPr>
+        </p:nvSpPr>
+        <p:spPr/>
+        <p:txBody>
+          <a:bodyPr/>
+          <a:lstStyle/>
+          <a:p>
+            <a:fld id="{4B6ADD09-A426-694F-B3F1-BF5C032C9059}" type="slidenum">
+              <a:rPr lang="en-US" smtClean="0"/>
+              <a:t>4</a:t>
             </a:fld>
             <a:endParaRPr lang="en-US"/>
           </a:p>
@@ -542,6 +721,266 @@
     <p:extLst>
       <p:ext uri="{BB962C8B-B14F-4D97-AF65-F5344CB8AC3E}">
         <p14:creationId xmlns:p14="http://schemas.microsoft.com/office/powerpoint/2010/main" val="3395585990"/>
+      </p:ext>
+    </p:extLst>
+  </p:cSld>
+  <p:clrMapOvr>
+    <a:masterClrMapping/>
+  </p:clrMapOvr>
+</p:notes>
+</file>
+
+<file path=ppt/notesSlides/notesSlide3.xml><?xml version="1.0" encoding="utf-8"?>
+<p:notes xmlns:a="http://schemas.openxmlformats.org/drawingml/2006/main" xmlns:r="http://schemas.openxmlformats.org/officeDocument/2006/relationships" xmlns:p="http://schemas.openxmlformats.org/presentationml/2006/main">
+  <p:cSld>
+    <p:spTree>
+      <p:nvGrpSpPr>
+        <p:cNvPr id="1" name=""/>
+        <p:cNvGrpSpPr/>
+        <p:nvPr/>
+      </p:nvGrpSpPr>
+      <p:grpSpPr>
+        <a:xfrm>
+          <a:off x="0" y="0"/>
+          <a:ext cx="0" cy="0"/>
+          <a:chOff x="0" y="0"/>
+          <a:chExt cx="0" cy="0"/>
+        </a:xfrm>
+      </p:grpSpPr>
+      <p:sp>
+        <p:nvSpPr>
+          <p:cNvPr id="2" name="Slide Image Placeholder 1"/>
+          <p:cNvSpPr>
+            <a:spLocks noGrp="1" noRot="1" noChangeAspect="1"/>
+          </p:cNvSpPr>
+          <p:nvPr>
+            <p:ph type="sldImg"/>
+          </p:nvPr>
+        </p:nvSpPr>
+        <p:spPr/>
+      </p:sp>
+      <p:sp>
+        <p:nvSpPr>
+          <p:cNvPr id="3" name="Notes Placeholder 2"/>
+          <p:cNvSpPr>
+            <a:spLocks noGrp="1"/>
+          </p:cNvSpPr>
+          <p:nvPr>
+            <p:ph type="body" idx="1"/>
+          </p:nvPr>
+        </p:nvSpPr>
+        <p:spPr/>
+        <p:txBody>
+          <a:bodyPr/>
+          <a:lstStyle/>
+          <a:p>
+            <a:endParaRPr lang="en-US" dirty="0"/>
+          </a:p>
+        </p:txBody>
+      </p:sp>
+      <p:sp>
+        <p:nvSpPr>
+          <p:cNvPr id="4" name="Slide Number Placeholder 3"/>
+          <p:cNvSpPr>
+            <a:spLocks noGrp="1"/>
+          </p:cNvSpPr>
+          <p:nvPr>
+            <p:ph type="sldNum" sz="quarter" idx="10"/>
+          </p:nvPr>
+        </p:nvSpPr>
+        <p:spPr/>
+        <p:txBody>
+          <a:bodyPr/>
+          <a:lstStyle/>
+          <a:p>
+            <a:fld id="{4B6ADD09-A426-694F-B3F1-BF5C032C9059}" type="slidenum">
+              <a:rPr lang="en-US" smtClean="0"/>
+              <a:t>5</a:t>
+            </a:fld>
+            <a:endParaRPr lang="en-US"/>
+          </a:p>
+        </p:txBody>
+      </p:sp>
+    </p:spTree>
+    <p:extLst>
+      <p:ext uri="{BB962C8B-B14F-4D97-AF65-F5344CB8AC3E}">
+        <p14:creationId xmlns:p14="http://schemas.microsoft.com/office/powerpoint/2010/main" val="2418053015"/>
+      </p:ext>
+    </p:extLst>
+  </p:cSld>
+  <p:clrMapOvr>
+    <a:masterClrMapping/>
+  </p:clrMapOvr>
+</p:notes>
+</file>
+
+<file path=ppt/notesSlides/notesSlide4.xml><?xml version="1.0" encoding="utf-8"?>
+<p:notes xmlns:a="http://schemas.openxmlformats.org/drawingml/2006/main" xmlns:r="http://schemas.openxmlformats.org/officeDocument/2006/relationships" xmlns:p="http://schemas.openxmlformats.org/presentationml/2006/main">
+  <p:cSld>
+    <p:spTree>
+      <p:nvGrpSpPr>
+        <p:cNvPr id="1" name=""/>
+        <p:cNvGrpSpPr/>
+        <p:nvPr/>
+      </p:nvGrpSpPr>
+      <p:grpSpPr>
+        <a:xfrm>
+          <a:off x="0" y="0"/>
+          <a:ext cx="0" cy="0"/>
+          <a:chOff x="0" y="0"/>
+          <a:chExt cx="0" cy="0"/>
+        </a:xfrm>
+      </p:grpSpPr>
+      <p:sp>
+        <p:nvSpPr>
+          <p:cNvPr id="2" name="Slide Image Placeholder 1"/>
+          <p:cNvSpPr>
+            <a:spLocks noGrp="1" noRot="1" noChangeAspect="1"/>
+          </p:cNvSpPr>
+          <p:nvPr>
+            <p:ph type="sldImg"/>
+          </p:nvPr>
+        </p:nvSpPr>
+        <p:spPr/>
+      </p:sp>
+      <p:sp>
+        <p:nvSpPr>
+          <p:cNvPr id="3" name="Notes Placeholder 2"/>
+          <p:cNvSpPr>
+            <a:spLocks noGrp="1"/>
+          </p:cNvSpPr>
+          <p:nvPr>
+            <p:ph type="body" idx="1"/>
+          </p:nvPr>
+        </p:nvSpPr>
+        <p:spPr/>
+        <p:txBody>
+          <a:bodyPr/>
+          <a:lstStyle/>
+          <a:p>
+            <a:endParaRPr lang="en-US" dirty="0"/>
+          </a:p>
+        </p:txBody>
+      </p:sp>
+      <p:sp>
+        <p:nvSpPr>
+          <p:cNvPr id="4" name="Slide Number Placeholder 3"/>
+          <p:cNvSpPr>
+            <a:spLocks noGrp="1"/>
+          </p:cNvSpPr>
+          <p:nvPr>
+            <p:ph type="sldNum" sz="quarter" idx="10"/>
+          </p:nvPr>
+        </p:nvSpPr>
+        <p:spPr/>
+        <p:txBody>
+          <a:bodyPr/>
+          <a:lstStyle/>
+          <a:p>
+            <a:fld id="{4B6ADD09-A426-694F-B3F1-BF5C032C9059}" type="slidenum">
+              <a:rPr lang="en-US" smtClean="0"/>
+              <a:t>8</a:t>
+            </a:fld>
+            <a:endParaRPr lang="en-US"/>
+          </a:p>
+        </p:txBody>
+      </p:sp>
+    </p:spTree>
+    <p:extLst>
+      <p:ext uri="{BB962C8B-B14F-4D97-AF65-F5344CB8AC3E}">
+        <p14:creationId xmlns:p14="http://schemas.microsoft.com/office/powerpoint/2010/main" val="4259225559"/>
+      </p:ext>
+    </p:extLst>
+  </p:cSld>
+  <p:clrMapOvr>
+    <a:masterClrMapping/>
+  </p:clrMapOvr>
+</p:notes>
+</file>
+
+<file path=ppt/notesSlides/notesSlide5.xml><?xml version="1.0" encoding="utf-8"?>
+<p:notes xmlns:a="http://schemas.openxmlformats.org/drawingml/2006/main" xmlns:r="http://schemas.openxmlformats.org/officeDocument/2006/relationships" xmlns:p="http://schemas.openxmlformats.org/presentationml/2006/main">
+  <p:cSld>
+    <p:spTree>
+      <p:nvGrpSpPr>
+        <p:cNvPr id="1" name=""/>
+        <p:cNvGrpSpPr/>
+        <p:nvPr/>
+      </p:nvGrpSpPr>
+      <p:grpSpPr>
+        <a:xfrm>
+          <a:off x="0" y="0"/>
+          <a:ext cx="0" cy="0"/>
+          <a:chOff x="0" y="0"/>
+          <a:chExt cx="0" cy="0"/>
+        </a:xfrm>
+      </p:grpSpPr>
+      <p:sp>
+        <p:nvSpPr>
+          <p:cNvPr id="2" name="Slide Image Placeholder 1"/>
+          <p:cNvSpPr>
+            <a:spLocks noGrp="1" noRot="1" noChangeAspect="1"/>
+          </p:cNvSpPr>
+          <p:nvPr>
+            <p:ph type="sldImg"/>
+          </p:nvPr>
+        </p:nvSpPr>
+        <p:spPr/>
+      </p:sp>
+      <p:sp>
+        <p:nvSpPr>
+          <p:cNvPr id="3" name="Notes Placeholder 2"/>
+          <p:cNvSpPr>
+            <a:spLocks noGrp="1"/>
+          </p:cNvSpPr>
+          <p:nvPr>
+            <p:ph type="body" idx="1"/>
+          </p:nvPr>
+        </p:nvSpPr>
+        <p:spPr/>
+        <p:txBody>
+          <a:bodyPr/>
+          <a:lstStyle/>
+          <a:p>
+            <a:r>
+              <a:rPr lang="en-US" dirty="0" smtClean="0"/>
+              <a:t>Data should</a:t>
+            </a:r>
+            <a:r>
+              <a:rPr lang="en-US" baseline="0" dirty="0" smtClean="0"/>
+              <a:t> never be more specific than the original released data</a:t>
+            </a:r>
+            <a:endParaRPr lang="en-US" dirty="0"/>
+          </a:p>
+        </p:txBody>
+      </p:sp>
+      <p:sp>
+        <p:nvSpPr>
+          <p:cNvPr id="4" name="Slide Number Placeholder 3"/>
+          <p:cNvSpPr>
+            <a:spLocks noGrp="1"/>
+          </p:cNvSpPr>
+          <p:nvPr>
+            <p:ph type="sldNum" sz="quarter" idx="10"/>
+          </p:nvPr>
+        </p:nvSpPr>
+        <p:spPr/>
+        <p:txBody>
+          <a:bodyPr/>
+          <a:lstStyle/>
+          <a:p>
+            <a:fld id="{4B6ADD09-A426-694F-B3F1-BF5C032C9059}" type="slidenum">
+              <a:rPr lang="en-US" smtClean="0"/>
+              <a:t>12</a:t>
+            </a:fld>
+            <a:endParaRPr lang="en-US"/>
+          </a:p>
+        </p:txBody>
+      </p:sp>
+    </p:spTree>
+    <p:extLst>
+      <p:ext uri="{BB962C8B-B14F-4D97-AF65-F5344CB8AC3E}">
+        <p14:creationId xmlns:p14="http://schemas.microsoft.com/office/powerpoint/2010/main" val="3401244471"/>
       </p:ext>
     </p:extLst>
   </p:cSld>
@@ -3590,6 +4029,473 @@
 </p:sld>
 </file>
 
+<file path=ppt/slides/slide10.xml><?xml version="1.0" encoding="utf-8"?>
+<p:sld xmlns:a="http://schemas.openxmlformats.org/drawingml/2006/main" xmlns:r="http://schemas.openxmlformats.org/officeDocument/2006/relationships" xmlns:p="http://schemas.openxmlformats.org/presentationml/2006/main">
+  <p:cSld>
+    <p:spTree>
+      <p:nvGrpSpPr>
+        <p:cNvPr id="1" name=""/>
+        <p:cNvGrpSpPr/>
+        <p:nvPr/>
+      </p:nvGrpSpPr>
+      <p:grpSpPr>
+        <a:xfrm>
+          <a:off x="0" y="0"/>
+          <a:ext cx="0" cy="0"/>
+          <a:chOff x="0" y="0"/>
+          <a:chExt cx="0" cy="0"/>
+        </a:xfrm>
+      </p:grpSpPr>
+      <p:sp>
+        <p:nvSpPr>
+          <p:cNvPr id="2" name="Title 1"/>
+          <p:cNvSpPr>
+            <a:spLocks noGrp="1"/>
+          </p:cNvSpPr>
+          <p:nvPr>
+            <p:ph type="title"/>
+          </p:nvPr>
+        </p:nvSpPr>
+        <p:spPr/>
+        <p:txBody>
+          <a:bodyPr/>
+          <a:lstStyle/>
+          <a:p>
+            <a:r>
+              <a:rPr lang="en-US" dirty="0" smtClean="0"/>
+              <a:t>K-Anonymity</a:t>
+            </a:r>
+            <a:endParaRPr lang="en-US" dirty="0"/>
+          </a:p>
+        </p:txBody>
+      </p:sp>
+      <p:pic>
+        <p:nvPicPr>
+          <p:cNvPr id="4" name="Content Placeholder 3" descr="Screen Shot 2017-05-02 at 8.56.09 PM.png"/>
+          <p:cNvPicPr>
+            <a:picLocks noGrp="1" noChangeAspect="1"/>
+          </p:cNvPicPr>
+          <p:nvPr>
+            <p:ph idx="1"/>
+          </p:nvPr>
+        </p:nvPicPr>
+        <p:blipFill>
+          <a:blip r:embed="rId2">
+            <a:extLst>
+              <a:ext uri="{28A0092B-C50C-407E-A947-70E740481C1C}">
+                <a14:useLocalDpi xmlns:a14="http://schemas.microsoft.com/office/drawing/2010/main" val="0"/>
+              </a:ext>
+            </a:extLst>
+          </a:blip>
+          <a:srcRect l="4163" r="4163"/>
+          <a:stretch>
+            <a:fillRect/>
+          </a:stretch>
+        </p:blipFill>
+        <p:spPr/>
+      </p:pic>
+    </p:spTree>
+    <p:extLst>
+      <p:ext uri="{BB962C8B-B14F-4D97-AF65-F5344CB8AC3E}">
+        <p14:creationId xmlns:p14="http://schemas.microsoft.com/office/powerpoint/2010/main" val="1277469284"/>
+      </p:ext>
+    </p:extLst>
+  </p:cSld>
+  <p:clrMapOvr>
+    <a:masterClrMapping/>
+  </p:clrMapOvr>
+</p:sld>
+</file>
+
+<file path=ppt/slides/slide11.xml><?xml version="1.0" encoding="utf-8"?>
+<p:sld xmlns:a="http://schemas.openxmlformats.org/drawingml/2006/main" xmlns:r="http://schemas.openxmlformats.org/officeDocument/2006/relationships" xmlns:p="http://schemas.openxmlformats.org/presentationml/2006/main">
+  <p:cSld>
+    <p:spTree>
+      <p:nvGrpSpPr>
+        <p:cNvPr id="1" name=""/>
+        <p:cNvGrpSpPr/>
+        <p:nvPr/>
+      </p:nvGrpSpPr>
+      <p:grpSpPr>
+        <a:xfrm>
+          <a:off x="0" y="0"/>
+          <a:ext cx="0" cy="0"/>
+          <a:chOff x="0" y="0"/>
+          <a:chExt cx="0" cy="0"/>
+        </a:xfrm>
+      </p:grpSpPr>
+      <p:sp>
+        <p:nvSpPr>
+          <p:cNvPr id="2" name="Title 1"/>
+          <p:cNvSpPr>
+            <a:spLocks noGrp="1"/>
+          </p:cNvSpPr>
+          <p:nvPr>
+            <p:ph type="title"/>
+          </p:nvPr>
+        </p:nvSpPr>
+        <p:spPr/>
+        <p:txBody>
+          <a:bodyPr/>
+          <a:lstStyle/>
+          <a:p>
+            <a:r>
+              <a:rPr lang="en-US" dirty="0" smtClean="0"/>
+              <a:t>K-Anonymity</a:t>
+            </a:r>
+            <a:endParaRPr lang="en-US" dirty="0"/>
+          </a:p>
+        </p:txBody>
+      </p:sp>
+      <p:sp>
+        <p:nvSpPr>
+          <p:cNvPr id="3" name="Content Placeholder 2"/>
+          <p:cNvSpPr>
+            <a:spLocks noGrp="1"/>
+          </p:cNvSpPr>
+          <p:nvPr>
+            <p:ph idx="1"/>
+          </p:nvPr>
+        </p:nvSpPr>
+        <p:spPr/>
+        <p:txBody>
+          <a:bodyPr/>
+          <a:lstStyle/>
+          <a:p>
+            <a:r>
+              <a:rPr lang="en-US" dirty="0" smtClean="0"/>
+              <a:t>Attacks Against K-Anonymity</a:t>
+            </a:r>
+          </a:p>
+          <a:p>
+            <a:pPr lvl="1"/>
+            <a:r>
+              <a:rPr lang="en-US" dirty="0" smtClean="0"/>
+              <a:t>Unsorted matching</a:t>
+            </a:r>
+          </a:p>
+          <a:p>
+            <a:pPr lvl="2"/>
+            <a:r>
+              <a:rPr lang="en-US" dirty="0" smtClean="0"/>
+              <a:t>Row’s index matches private table’s positions</a:t>
+            </a:r>
+          </a:p>
+          <a:p>
+            <a:pPr lvl="1"/>
+            <a:r>
+              <a:rPr lang="en-US" dirty="0" smtClean="0"/>
+              <a:t>Complementary release</a:t>
+            </a:r>
+          </a:p>
+          <a:p>
+            <a:pPr lvl="2"/>
+            <a:r>
+              <a:rPr lang="en-US" dirty="0" smtClean="0"/>
+              <a:t>Two generalized tables form a linked table</a:t>
+            </a:r>
+          </a:p>
+          <a:p>
+            <a:pPr lvl="1"/>
+            <a:r>
+              <a:rPr lang="en-US" dirty="0" smtClean="0"/>
+              <a:t>Temporal attack</a:t>
+            </a:r>
+          </a:p>
+          <a:p>
+            <a:pPr lvl="2"/>
+            <a:r>
+              <a:rPr lang="en-US" dirty="0" smtClean="0"/>
+              <a:t>New generalized table based on the same data does not consider the original released table</a:t>
+            </a:r>
+          </a:p>
+          <a:p>
+            <a:pPr lvl="1"/>
+            <a:endParaRPr lang="en-US" dirty="0"/>
+          </a:p>
+        </p:txBody>
+      </p:sp>
+    </p:spTree>
+    <p:extLst>
+      <p:ext uri="{BB962C8B-B14F-4D97-AF65-F5344CB8AC3E}">
+        <p14:creationId xmlns:p14="http://schemas.microsoft.com/office/powerpoint/2010/main" val="2846033167"/>
+      </p:ext>
+    </p:extLst>
+  </p:cSld>
+  <p:clrMapOvr>
+    <a:masterClrMapping/>
+  </p:clrMapOvr>
+</p:sld>
+</file>
+
+<file path=ppt/slides/slide12.xml><?xml version="1.0" encoding="utf-8"?>
+<p:sld xmlns:a="http://schemas.openxmlformats.org/drawingml/2006/main" xmlns:r="http://schemas.openxmlformats.org/officeDocument/2006/relationships" xmlns:p="http://schemas.openxmlformats.org/presentationml/2006/main">
+  <p:cSld>
+    <p:spTree>
+      <p:nvGrpSpPr>
+        <p:cNvPr id="1" name=""/>
+        <p:cNvGrpSpPr/>
+        <p:nvPr/>
+      </p:nvGrpSpPr>
+      <p:grpSpPr>
+        <a:xfrm>
+          <a:off x="0" y="0"/>
+          <a:ext cx="0" cy="0"/>
+          <a:chOff x="0" y="0"/>
+          <a:chExt cx="0" cy="0"/>
+        </a:xfrm>
+      </p:grpSpPr>
+      <p:sp>
+        <p:nvSpPr>
+          <p:cNvPr id="2" name="Title 1"/>
+          <p:cNvSpPr>
+            <a:spLocks noGrp="1"/>
+          </p:cNvSpPr>
+          <p:nvPr>
+            <p:ph type="title"/>
+          </p:nvPr>
+        </p:nvSpPr>
+        <p:spPr/>
+        <p:txBody>
+          <a:bodyPr/>
+          <a:lstStyle/>
+          <a:p>
+            <a:r>
+              <a:rPr lang="en-US" dirty="0" smtClean="0"/>
+              <a:t>Example of a Temporal Attack</a:t>
+            </a:r>
+            <a:endParaRPr lang="en-US" dirty="0"/>
+          </a:p>
+        </p:txBody>
+      </p:sp>
+      <p:pic>
+        <p:nvPicPr>
+          <p:cNvPr id="4" name="Content Placeholder 3" descr="Screen Shot 2017-05-02 at 9.13.22 PM.png"/>
+          <p:cNvPicPr>
+            <a:picLocks noGrp="1" noChangeAspect="1"/>
+          </p:cNvPicPr>
+          <p:nvPr>
+            <p:ph idx="1"/>
+          </p:nvPr>
+        </p:nvPicPr>
+        <p:blipFill>
+          <a:blip r:embed="rId3">
+            <a:extLst>
+              <a:ext uri="{28A0092B-C50C-407E-A947-70E740481C1C}">
+                <a14:useLocalDpi xmlns:a14="http://schemas.microsoft.com/office/drawing/2010/main" val="0"/>
+              </a:ext>
+            </a:extLst>
+          </a:blip>
+          <a:srcRect l="11160" r="11160"/>
+          <a:stretch>
+            <a:fillRect/>
+          </a:stretch>
+        </p:blipFill>
+        <p:spPr/>
+      </p:pic>
+    </p:spTree>
+    <p:extLst>
+      <p:ext uri="{BB962C8B-B14F-4D97-AF65-F5344CB8AC3E}">
+        <p14:creationId xmlns:p14="http://schemas.microsoft.com/office/powerpoint/2010/main" val="951731632"/>
+      </p:ext>
+    </p:extLst>
+  </p:cSld>
+  <p:clrMapOvr>
+    <a:masterClrMapping/>
+  </p:clrMapOvr>
+</p:sld>
+</file>
+
+<file path=ppt/slides/slide13.xml><?xml version="1.0" encoding="utf-8"?>
+<p:sld xmlns:a="http://schemas.openxmlformats.org/drawingml/2006/main" xmlns:r="http://schemas.openxmlformats.org/officeDocument/2006/relationships" xmlns:p="http://schemas.openxmlformats.org/presentationml/2006/main">
+  <p:cSld>
+    <p:spTree>
+      <p:nvGrpSpPr>
+        <p:cNvPr id="1" name=""/>
+        <p:cNvGrpSpPr/>
+        <p:nvPr/>
+      </p:nvGrpSpPr>
+      <p:grpSpPr>
+        <a:xfrm>
+          <a:off x="0" y="0"/>
+          <a:ext cx="0" cy="0"/>
+          <a:chOff x="0" y="0"/>
+          <a:chExt cx="0" cy="0"/>
+        </a:xfrm>
+      </p:grpSpPr>
+      <p:sp>
+        <p:nvSpPr>
+          <p:cNvPr id="2" name="Title 1"/>
+          <p:cNvSpPr>
+            <a:spLocks noGrp="1"/>
+          </p:cNvSpPr>
+          <p:nvPr>
+            <p:ph type="title"/>
+          </p:nvPr>
+        </p:nvSpPr>
+        <p:spPr/>
+        <p:txBody>
+          <a:bodyPr/>
+          <a:lstStyle/>
+          <a:p>
+            <a:r>
+              <a:rPr lang="en-US" dirty="0" smtClean="0"/>
+              <a:t>L-Diversity</a:t>
+            </a:r>
+            <a:endParaRPr lang="en-US" dirty="0"/>
+          </a:p>
+        </p:txBody>
+      </p:sp>
+      <p:sp>
+        <p:nvSpPr>
+          <p:cNvPr id="3" name="Content Placeholder 2"/>
+          <p:cNvSpPr>
+            <a:spLocks noGrp="1"/>
+          </p:cNvSpPr>
+          <p:nvPr>
+            <p:ph idx="1"/>
+          </p:nvPr>
+        </p:nvSpPr>
+        <p:spPr/>
+        <p:txBody>
+          <a:bodyPr/>
+          <a:lstStyle/>
+          <a:p>
+            <a:endParaRPr lang="en-US"/>
+          </a:p>
+        </p:txBody>
+      </p:sp>
+    </p:spTree>
+    <p:extLst>
+      <p:ext uri="{BB962C8B-B14F-4D97-AF65-F5344CB8AC3E}">
+        <p14:creationId xmlns:p14="http://schemas.microsoft.com/office/powerpoint/2010/main" val="3636449696"/>
+      </p:ext>
+    </p:extLst>
+  </p:cSld>
+  <p:clrMapOvr>
+    <a:masterClrMapping/>
+  </p:clrMapOvr>
+</p:sld>
+</file>
+
+<file path=ppt/slides/slide14.xml><?xml version="1.0" encoding="utf-8"?>
+<p:sld xmlns:a="http://schemas.openxmlformats.org/drawingml/2006/main" xmlns:r="http://schemas.openxmlformats.org/officeDocument/2006/relationships" xmlns:p="http://schemas.openxmlformats.org/presentationml/2006/main">
+  <p:cSld>
+    <p:spTree>
+      <p:nvGrpSpPr>
+        <p:cNvPr id="1" name=""/>
+        <p:cNvGrpSpPr/>
+        <p:nvPr/>
+      </p:nvGrpSpPr>
+      <p:grpSpPr>
+        <a:xfrm>
+          <a:off x="0" y="0"/>
+          <a:ext cx="0" cy="0"/>
+          <a:chOff x="0" y="0"/>
+          <a:chExt cx="0" cy="0"/>
+        </a:xfrm>
+      </p:grpSpPr>
+      <p:sp>
+        <p:nvSpPr>
+          <p:cNvPr id="2" name="Title 1"/>
+          <p:cNvSpPr>
+            <a:spLocks noGrp="1"/>
+          </p:cNvSpPr>
+          <p:nvPr>
+            <p:ph type="title"/>
+          </p:nvPr>
+        </p:nvSpPr>
+        <p:spPr/>
+        <p:txBody>
+          <a:bodyPr/>
+          <a:lstStyle/>
+          <a:p>
+            <a:r>
+              <a:rPr lang="en-US" dirty="0" smtClean="0"/>
+              <a:t>L-Diversity</a:t>
+            </a:r>
+            <a:endParaRPr lang="en-US" dirty="0"/>
+          </a:p>
+        </p:txBody>
+      </p:sp>
+      <p:sp>
+        <p:nvSpPr>
+          <p:cNvPr id="3" name="Content Placeholder 2"/>
+          <p:cNvSpPr>
+            <a:spLocks noGrp="1"/>
+          </p:cNvSpPr>
+          <p:nvPr>
+            <p:ph idx="1"/>
+          </p:nvPr>
+        </p:nvSpPr>
+        <p:spPr/>
+        <p:txBody>
+          <a:bodyPr/>
+          <a:lstStyle/>
+          <a:p>
+            <a:r>
+              <a:rPr lang="en-US" dirty="0" smtClean="0"/>
+              <a:t>Presents two attacks on </a:t>
+            </a:r>
+            <a:r>
+              <a:rPr lang="en-US" i="1" dirty="0" smtClean="0"/>
+              <a:t>k</a:t>
+            </a:r>
+            <a:r>
+              <a:rPr lang="en-US" dirty="0" smtClean="0"/>
+              <a:t>-anonymity</a:t>
+            </a:r>
+          </a:p>
+          <a:p>
+            <a:pPr lvl="1"/>
+            <a:r>
+              <a:rPr lang="en-US" dirty="0" smtClean="0"/>
+              <a:t>Homogeneity Attack</a:t>
+            </a:r>
+          </a:p>
+          <a:p>
+            <a:pPr lvl="1"/>
+            <a:r>
+              <a:rPr lang="en-US" dirty="0" smtClean="0"/>
+              <a:t>Background Information</a:t>
+            </a:r>
+          </a:p>
+          <a:p>
+            <a:r>
+              <a:rPr lang="en-US" dirty="0" smtClean="0"/>
+              <a:t>Proposes two techniques</a:t>
+            </a:r>
+          </a:p>
+          <a:p>
+            <a:pPr lvl="1"/>
+            <a:r>
+              <a:rPr lang="en-US" dirty="0" smtClean="0"/>
+              <a:t>Bayes Optimal</a:t>
+            </a:r>
+          </a:p>
+          <a:p>
+            <a:pPr lvl="1"/>
+            <a:r>
+              <a:rPr lang="en-US" dirty="0" smtClean="0"/>
+              <a:t>L-Diversity</a:t>
+            </a:r>
+            <a:endParaRPr lang="en-US" dirty="0"/>
+          </a:p>
+        </p:txBody>
+      </p:sp>
+    </p:spTree>
+    <p:extLst>
+      <p:ext uri="{BB962C8B-B14F-4D97-AF65-F5344CB8AC3E}">
+        <p14:creationId xmlns:p14="http://schemas.microsoft.com/office/powerpoint/2010/main" val="2497568261"/>
+      </p:ext>
+    </p:extLst>
+  </p:cSld>
+  <p:clrMapOvr>
+    <a:masterClrMapping/>
+  </p:clrMapOvr>
+</p:sld>
+</file>
+
 <file path=ppt/slides/slide2.xml><?xml version="1.0" encoding="utf-8"?>
 <p:sld xmlns:a="http://schemas.openxmlformats.org/drawingml/2006/main" xmlns:r="http://schemas.openxmlformats.org/officeDocument/2006/relationships" xmlns:p="http://schemas.openxmlformats.org/presentationml/2006/main">
   <p:cSld>
@@ -3622,7 +4528,11 @@
           <a:bodyPr/>
           <a:lstStyle/>
           <a:p>
-            <a:endParaRPr lang="en-US"/>
+            <a:r>
+              <a:rPr lang="en-US" dirty="0" smtClean="0"/>
+              <a:t>Introduction</a:t>
+            </a:r>
+            <a:endParaRPr lang="en-US" dirty="0"/>
           </a:p>
         </p:txBody>
       </p:sp>
@@ -3638,49 +4548,65 @@
         </p:nvSpPr>
         <p:spPr/>
         <p:txBody>
-          <a:bodyPr/>
-          <a:lstStyle/>
-          <a:p>
-            <a:r>
-              <a:rPr lang="en-US" dirty="0" smtClean="0"/>
-              <a:t>Data grows exponentially</a:t>
-            </a:r>
-          </a:p>
-          <a:p>
-            <a:r>
-              <a:rPr lang="en-US" dirty="0" smtClean="0"/>
-              <a:t>.5% of data is analyzed</a:t>
-            </a:r>
-          </a:p>
-          <a:p>
-            <a:r>
-              <a:rPr lang="en-US" dirty="0" smtClean="0"/>
-              <a:t>Severity</a:t>
-            </a:r>
-          </a:p>
-          <a:p>
-            <a:pPr lvl="1"/>
-            <a:r>
-              <a:rPr lang="en-US" dirty="0" smtClean="0"/>
-              <a:t>Number of Rows</a:t>
-            </a:r>
-          </a:p>
-          <a:p>
-            <a:pPr lvl="1"/>
-            <a:r>
-              <a:rPr lang="en-US" dirty="0" smtClean="0"/>
-              <a:t>Data centric</a:t>
-            </a:r>
-          </a:p>
-          <a:p>
-            <a:endParaRPr lang="en-US" dirty="0" smtClean="0"/>
+          <a:bodyPr>
+            <a:normAutofit lnSpcReduction="10000"/>
+          </a:bodyPr>
+          <a:lstStyle/>
+          <a:p>
+            <a:r>
+              <a:rPr lang="en-US" dirty="0" smtClean="0"/>
+              <a:t>Data Trends</a:t>
+            </a:r>
+          </a:p>
+          <a:p>
+            <a:r>
+              <a:rPr lang="en-US" dirty="0" smtClean="0"/>
+              <a:t>Regulations</a:t>
+            </a:r>
+          </a:p>
+          <a:p>
+            <a:r>
+              <a:rPr lang="en-US" dirty="0" smtClean="0"/>
+              <a:t>Cost</a:t>
+            </a:r>
+          </a:p>
+          <a:p>
+            <a:r>
+              <a:rPr lang="en-US" dirty="0" smtClean="0"/>
+              <a:t>K-Anonymity</a:t>
+            </a:r>
+          </a:p>
+          <a:p>
+            <a:r>
+              <a:rPr lang="en-US" dirty="0" smtClean="0"/>
+              <a:t>L-Diversity</a:t>
+            </a:r>
+          </a:p>
+          <a:p>
+            <a:r>
+              <a:rPr lang="en-US" dirty="0" smtClean="0"/>
+              <a:t>Contribution</a:t>
+            </a:r>
+          </a:p>
+          <a:p>
+            <a:r>
+              <a:rPr lang="en-US" dirty="0" smtClean="0"/>
+              <a:t>Analysis</a:t>
+            </a:r>
+          </a:p>
+          <a:p>
+            <a:r>
+              <a:rPr lang="en-US" dirty="0" smtClean="0"/>
+              <a:t>Conclusion</a:t>
+            </a:r>
+            <a:endParaRPr lang="en-US" dirty="0"/>
           </a:p>
         </p:txBody>
       </p:sp>
     </p:spTree>
     <p:extLst>
       <p:ext uri="{BB962C8B-B14F-4D97-AF65-F5344CB8AC3E}">
-        <p14:creationId xmlns:p14="http://schemas.microsoft.com/office/powerpoint/2010/main" val="487835547"/>
+        <p14:creationId xmlns:p14="http://schemas.microsoft.com/office/powerpoint/2010/main" val="3971251042"/>
       </p:ext>
     </p:extLst>
   </p:cSld>
@@ -3722,7 +4648,11 @@
           <a:bodyPr/>
           <a:lstStyle/>
           <a:p>
-            <a:endParaRPr lang="en-US"/>
+            <a:r>
+              <a:rPr lang="en-US" dirty="0" smtClean="0"/>
+              <a:t>Big Data Trends</a:t>
+            </a:r>
+            <a:endParaRPr lang="en-US" dirty="0"/>
           </a:p>
         </p:txBody>
       </p:sp>
@@ -3743,26 +4673,48 @@
           <a:p>
             <a:r>
               <a:rPr lang="en-US" dirty="0" smtClean="0"/>
-              <a:t>Regulations</a:t>
+              <a:t>Data grows exponentially</a:t>
             </a:r>
           </a:p>
           <a:p>
             <a:pPr lvl="1"/>
             <a:r>
               <a:rPr lang="en-US" dirty="0" smtClean="0"/>
-              <a:t>ENISA</a:t>
-            </a:r>
-          </a:p>
-          <a:p>
-            <a:r>
-              <a:rPr lang="en-US" dirty="0" smtClean="0"/>
-              <a:t>Multiple factors</a:t>
-            </a:r>
-          </a:p>
-          <a:p>
-            <a:r>
-              <a:rPr lang="en-US" dirty="0" smtClean="0"/>
-              <a:t>Can impact business</a:t>
+              <a:t>Eliminate $200 Billion in waste</a:t>
+            </a:r>
+          </a:p>
+          <a:p>
+            <a:pPr lvl="1"/>
+            <a:r>
+              <a:rPr lang="en-US" dirty="0" smtClean="0"/>
+              <a:t>Smart Cities</a:t>
+            </a:r>
+          </a:p>
+          <a:p>
+            <a:pPr lvl="1"/>
+            <a:r>
+              <a:rPr lang="en-US" dirty="0" smtClean="0"/>
+              <a:t>.5% of data is analyzed</a:t>
+            </a:r>
+          </a:p>
+          <a:p>
+            <a:r>
+              <a:rPr lang="en-US" dirty="0" smtClean="0"/>
+              <a:t>Data Breach Severity</a:t>
+            </a:r>
+          </a:p>
+          <a:p>
+            <a:pPr lvl="1"/>
+            <a:r>
+              <a:rPr lang="en-US" dirty="0" smtClean="0"/>
+              <a:t>Number of Rows</a:t>
+            </a:r>
+          </a:p>
+          <a:p>
+            <a:pPr lvl="1"/>
+            <a:r>
+              <a:rPr lang="en-US" dirty="0" smtClean="0"/>
+              <a:t>Impact on an individual’s life</a:t>
             </a:r>
           </a:p>
         </p:txBody>
@@ -3770,7 +4722,7 @@
     </p:spTree>
     <p:extLst>
       <p:ext uri="{BB962C8B-B14F-4D97-AF65-F5344CB8AC3E}">
-        <p14:creationId xmlns:p14="http://schemas.microsoft.com/office/powerpoint/2010/main" val="2250648274"/>
+        <p14:creationId xmlns:p14="http://schemas.microsoft.com/office/powerpoint/2010/main" val="487835547"/>
       </p:ext>
     </p:extLst>
   </p:cSld>
@@ -3813,12 +4765,8 @@
           <a:lstStyle/>
           <a:p>
             <a:r>
-              <a:rPr lang="en-US" i="1" dirty="0"/>
-              <a:t>k</a:t>
-            </a:r>
-            <a:r>
-              <a:rPr lang="en-US" dirty="0" smtClean="0"/>
-              <a:t>-anonymity</a:t>
+              <a:rPr lang="en-US" dirty="0" smtClean="0"/>
+              <a:t>Regulations</a:t>
             </a:r>
             <a:endParaRPr lang="en-US" dirty="0"/>
           </a:p>
@@ -3841,71 +4789,43 @@
           <a:p>
             <a:r>
               <a:rPr lang="en-US" dirty="0" smtClean="0"/>
-              <a:t>Quasi-identifier must occur </a:t>
-            </a:r>
-            <a:r>
-              <a:rPr lang="en-US" i="1" dirty="0" smtClean="0"/>
-              <a:t>k</a:t>
-            </a:r>
-            <a:r>
-              <a:rPr lang="en-US" dirty="0" smtClean="0"/>
-              <a:t> </a:t>
-            </a:r>
-            <a:r>
-              <a:rPr lang="en-US" dirty="0" err="1" smtClean="0"/>
-              <a:t>numberof</a:t>
-            </a:r>
-            <a:r>
-              <a:rPr lang="en-US" dirty="0" smtClean="0"/>
-              <a:t> times</a:t>
-            </a:r>
-          </a:p>
-          <a:p>
-            <a:r>
-              <a:rPr lang="en-US" dirty="0" smtClean="0"/>
-              <a:t>87% of data can be linked using</a:t>
+              <a:t>European Union Agency for Network and Information Security</a:t>
             </a:r>
           </a:p>
           <a:p>
             <a:pPr lvl="1"/>
             <a:r>
               <a:rPr lang="en-US" dirty="0" smtClean="0"/>
-              <a:t>5 Digit zip code</a:t>
+              <a:t>Handles information and network security for the EU</a:t>
             </a:r>
           </a:p>
           <a:p>
             <a:pPr lvl="1"/>
             <a:r>
               <a:rPr lang="en-US" dirty="0" smtClean="0"/>
-              <a:t>Gender</a:t>
+              <a:t>Guidelines</a:t>
+            </a:r>
+          </a:p>
+          <a:p>
+            <a:pPr lvl="2"/>
+            <a:r>
+              <a:rPr lang="en-US" dirty="0" smtClean="0"/>
+              <a:t>Prepare, Detect, Notify and Respond</a:t>
             </a:r>
           </a:p>
           <a:p>
             <a:pPr lvl="1"/>
             <a:r>
               <a:rPr lang="en-US" dirty="0" smtClean="0"/>
-              <a:t>Date of birth</a:t>
-            </a:r>
-          </a:p>
-          <a:p>
-            <a:r>
-              <a:rPr lang="en-US" dirty="0" smtClean="0"/>
-              <a:t>Linkage and Inference attacks</a:t>
-            </a:r>
-          </a:p>
-          <a:p>
-            <a:r>
-              <a:rPr lang="en-US" dirty="0" smtClean="0"/>
-              <a:t>Data can be leaked through multiple queries</a:t>
-            </a:r>
-            <a:endParaRPr lang="en-US" dirty="0"/>
+              <a:t>Emphasis on measuring impact and severity</a:t>
+            </a:r>
           </a:p>
         </p:txBody>
       </p:sp>
     </p:spTree>
     <p:extLst>
       <p:ext uri="{BB962C8B-B14F-4D97-AF65-F5344CB8AC3E}">
-        <p14:creationId xmlns:p14="http://schemas.microsoft.com/office/powerpoint/2010/main" val="2701217694"/>
+        <p14:creationId xmlns:p14="http://schemas.microsoft.com/office/powerpoint/2010/main" val="2250648274"/>
       </p:ext>
     </p:extLst>
   </p:cSld>
@@ -3947,7 +4867,11 @@
           <a:bodyPr/>
           <a:lstStyle/>
           <a:p>
-            <a:endParaRPr lang="en-US"/>
+            <a:r>
+              <a:rPr lang="en-US" dirty="0" smtClean="0"/>
+              <a:t>Cost</a:t>
+            </a:r>
+            <a:endParaRPr lang="en-US" dirty="0"/>
           </a:p>
         </p:txBody>
       </p:sp>
@@ -3968,51 +4892,35 @@
           <a:p>
             <a:r>
               <a:rPr lang="en-US" dirty="0" smtClean="0"/>
-              <a:t>Statistical databases</a:t>
+              <a:t>Impact emphasis can be based on sector</a:t>
+            </a:r>
+          </a:p>
+          <a:p>
+            <a:r>
+              <a:rPr lang="en-US" dirty="0" smtClean="0"/>
+              <a:t>Public Organization</a:t>
             </a:r>
           </a:p>
           <a:p>
             <a:pPr lvl="1"/>
             <a:r>
               <a:rPr lang="en-US" dirty="0" smtClean="0"/>
-              <a:t>Generalization can damage utility of the data</a:t>
-            </a:r>
-          </a:p>
-          <a:p>
-            <a:r>
-              <a:rPr lang="en-US" dirty="0" smtClean="0"/>
-              <a:t>Multi-level databases</a:t>
+              <a:t>5% decrease in stock price due to confidential data breach</a:t>
             </a:r>
           </a:p>
           <a:p>
             <a:pPr lvl="1"/>
             <a:r>
               <a:rPr lang="en-US" dirty="0" smtClean="0"/>
-              <a:t>Should not be able to infer higher classified data from lower classified data</a:t>
+              <a:t>Data Breaches with no confidential data had zero impact</a:t>
             </a:r>
           </a:p>
           <a:p>
             <a:pPr lvl="1"/>
             <a:r>
               <a:rPr lang="en-US" dirty="0" smtClean="0"/>
-              <a:t>Mitigate with strong database design</a:t>
-            </a:r>
-          </a:p>
-          <a:p>
-            <a:pPr lvl="1"/>
-            <a:r>
-              <a:rPr lang="en-US" dirty="0" smtClean="0"/>
-              <a:t>Data can be copied and distributed in many places</a:t>
-            </a:r>
-          </a:p>
-          <a:p>
-            <a:pPr lvl="2"/>
-            <a:r>
-              <a:rPr lang="en-US" dirty="0" smtClean="0"/>
-              <a:t>Cannot be controlled</a:t>
-            </a:r>
-          </a:p>
-          <a:p>
+              <a:t>Loss of 2.1% in market value within 2 days of disclosure</a:t>
+            </a:r>
             <a:endParaRPr lang="en-US" dirty="0"/>
           </a:p>
         </p:txBody>
@@ -4020,7 +4928,7 @@
     </p:spTree>
     <p:extLst>
       <p:ext uri="{BB962C8B-B14F-4D97-AF65-F5344CB8AC3E}">
-        <p14:creationId xmlns:p14="http://schemas.microsoft.com/office/powerpoint/2010/main" val="37365383"/>
+        <p14:creationId xmlns:p14="http://schemas.microsoft.com/office/powerpoint/2010/main" val="4035562356"/>
       </p:ext>
     </p:extLst>
   </p:cSld>
@@ -4062,7 +4970,11 @@
           <a:bodyPr/>
           <a:lstStyle/>
           <a:p>
-            <a:endParaRPr lang="en-US"/>
+            <a:r>
+              <a:rPr lang="en-US" dirty="0" smtClean="0"/>
+              <a:t>K-Anonymity</a:t>
+            </a:r>
+            <a:endParaRPr lang="en-US" dirty="0"/>
           </a:p>
         </p:txBody>
       </p:sp>
@@ -4079,54 +4991,57 @@
         <p:spPr/>
         <p:txBody>
           <a:bodyPr>
-            <a:normAutofit lnSpcReduction="10000"/>
+            <a:normAutofit/>
           </a:bodyPr>
           <a:lstStyle/>
           <a:p>
             <a:r>
               <a:rPr lang="en-US" dirty="0" smtClean="0"/>
-              <a:t>Unsorted Matching</a:t>
+              <a:t>Sweeney et al.</a:t>
+            </a:r>
+            <a:endParaRPr lang="en-US" dirty="0" smtClean="0"/>
+          </a:p>
+          <a:p>
+            <a:r>
+              <a:rPr lang="en-US" dirty="0" smtClean="0"/>
+              <a:t>Quasi-identifiers must occur </a:t>
+            </a:r>
+            <a:r>
+              <a:rPr lang="en-US" i="1" dirty="0" smtClean="0"/>
+              <a:t>k</a:t>
+            </a:r>
+            <a:r>
+              <a:rPr lang="en-US" dirty="0" smtClean="0"/>
+              <a:t> number of times</a:t>
             </a:r>
           </a:p>
           <a:p>
             <a:pPr lvl="1"/>
             <a:r>
               <a:rPr lang="en-US" dirty="0" smtClean="0"/>
-              <a:t>Positions match original table</a:t>
+              <a:t>Q-block</a:t>
             </a:r>
           </a:p>
           <a:p>
             <a:pPr lvl="1"/>
             <a:r>
               <a:rPr lang="en-US" dirty="0" smtClean="0"/>
-              <a:t>Randomly sort the data</a:t>
-            </a:r>
-          </a:p>
-          <a:p>
-            <a:r>
-              <a:rPr lang="en-US" dirty="0" smtClean="0"/>
-              <a:t>Complementary attack</a:t>
+              <a:t>Each q-block will have </a:t>
+            </a:r>
+            <a:r>
+              <a:rPr lang="en-US" i="1" dirty="0" smtClean="0"/>
+              <a:t>k</a:t>
+            </a:r>
+            <a:r>
+              <a:rPr lang="en-US" dirty="0" smtClean="0"/>
+              <a:t> number of tuples with similar quasi-identifiers</a:t>
             </a:r>
           </a:p>
           <a:p>
             <a:pPr lvl="1"/>
             <a:r>
               <a:rPr lang="en-US" dirty="0" smtClean="0"/>
-              <a:t>Two generalized tables form a linked table</a:t>
-            </a:r>
-          </a:p>
-          <a:p>
-            <a:pPr lvl="1"/>
-            <a:r>
-              <a:rPr lang="en-US" dirty="0" smtClean="0"/>
-              <a:t>Use original quasi-identifier attributes or derive one table from the other</a:t>
-            </a:r>
-          </a:p>
-          <a:p>
-            <a:pPr lvl="1"/>
-            <a:r>
-              <a:rPr lang="en-US" dirty="0" smtClean="0"/>
-              <a:t>Values should not be more specific than the original table</a:t>
+              <a:t>87% of individuals could be identified with their 5-digit zip code, gender and date of birth</a:t>
             </a:r>
             <a:endParaRPr lang="en-US" dirty="0"/>
           </a:p>
@@ -4135,7 +5050,7 @@
     </p:spTree>
     <p:extLst>
       <p:ext uri="{BB962C8B-B14F-4D97-AF65-F5344CB8AC3E}">
-        <p14:creationId xmlns:p14="http://schemas.microsoft.com/office/powerpoint/2010/main" val="2963598511"/>
+        <p14:creationId xmlns:p14="http://schemas.microsoft.com/office/powerpoint/2010/main" val="2701217694"/>
       </p:ext>
     </p:extLst>
   </p:cSld>
@@ -4177,7 +5092,11 @@
           <a:bodyPr/>
           <a:lstStyle/>
           <a:p>
-            <a:endParaRPr lang="en-US"/>
+            <a:r>
+              <a:rPr lang="en-US" dirty="0" smtClean="0"/>
+              <a:t>K-Anonymity</a:t>
+            </a:r>
+            <a:endParaRPr lang="en-US" dirty="0"/>
           </a:p>
         </p:txBody>
       </p:sp>
@@ -4198,25 +5117,31 @@
           <a:p>
             <a:r>
               <a:rPr lang="en-US" dirty="0" smtClean="0"/>
-              <a:t>Temporal attack</a:t>
-            </a:r>
-          </a:p>
-          <a:p>
-            <a:pPr lvl="1"/>
-            <a:r>
-              <a:rPr lang="en-US" dirty="0" smtClean="0"/>
-              <a:t>New tuples added to private table</a:t>
-            </a:r>
-          </a:p>
-          <a:p>
-            <a:pPr lvl="1"/>
-            <a:r>
-              <a:rPr lang="en-US" dirty="0" smtClean="0"/>
-              <a:t>New released generalized table</a:t>
-            </a:r>
-          </a:p>
-          <a:p>
-            <a:pPr lvl="1"/>
+              <a:t>Protect against inference and linkage attacks</a:t>
+            </a:r>
+          </a:p>
+          <a:p>
+            <a:r>
+              <a:rPr lang="en-US" dirty="0" smtClean="0"/>
+              <a:t>Unintended disclosures</a:t>
+            </a:r>
+          </a:p>
+          <a:p>
+            <a:r>
+              <a:rPr lang="en-US" dirty="0" smtClean="0"/>
+              <a:t>Individual queries may not post a risk</a:t>
+            </a:r>
+          </a:p>
+          <a:p>
+            <a:r>
+              <a:rPr lang="en-US" dirty="0" smtClean="0"/>
+              <a:t>Linked together may disclose sensitive information</a:t>
+            </a:r>
+          </a:p>
+          <a:p>
+            <a:pPr marL="0" indent="0">
+              <a:buNone/>
+            </a:pPr>
             <a:endParaRPr lang="en-US" dirty="0"/>
           </a:p>
         </p:txBody>
@@ -4224,7 +5149,7 @@
     </p:spTree>
     <p:extLst>
       <p:ext uri="{BB962C8B-B14F-4D97-AF65-F5344CB8AC3E}">
-        <p14:creationId xmlns:p14="http://schemas.microsoft.com/office/powerpoint/2010/main" val="625858719"/>
+        <p14:creationId xmlns:p14="http://schemas.microsoft.com/office/powerpoint/2010/main" val="2513566931"/>
       </p:ext>
     </p:extLst>
   </p:cSld>
@@ -4268,7 +5193,7 @@
           <a:p>
             <a:r>
               <a:rPr lang="en-US" dirty="0" smtClean="0"/>
-              <a:t>L-Diversity</a:t>
+              <a:t>Traditional Techniques</a:t>
             </a:r>
             <a:endParaRPr lang="en-US" dirty="0"/>
           </a:p>
@@ -4286,54 +5211,68 @@
         </p:nvSpPr>
         <p:spPr/>
         <p:txBody>
-          <a:bodyPr/>
-          <a:lstStyle/>
-          <a:p>
-            <a:r>
-              <a:rPr lang="en-US" dirty="0" smtClean="0"/>
-              <a:t>Presents two attacks on </a:t>
-            </a:r>
-            <a:r>
-              <a:rPr lang="en-US" i="1" dirty="0" smtClean="0"/>
-              <a:t>k</a:t>
-            </a:r>
-            <a:r>
-              <a:rPr lang="en-US" dirty="0" smtClean="0"/>
-              <a:t>-anonymity</a:t>
+          <a:bodyPr>
+            <a:normAutofit fontScale="92500" lnSpcReduction="20000"/>
+          </a:bodyPr>
+          <a:lstStyle/>
+          <a:p>
+            <a:r>
+              <a:rPr lang="en-US" dirty="0" smtClean="0"/>
+              <a:t>Generalize data by adding noise</a:t>
             </a:r>
           </a:p>
           <a:p>
             <a:pPr lvl="1"/>
             <a:r>
               <a:rPr lang="en-US" dirty="0" smtClean="0"/>
-              <a:t>Homogeneity Attack</a:t>
+              <a:t>Damage the integrity</a:t>
             </a:r>
           </a:p>
           <a:p>
             <a:pPr lvl="1"/>
             <a:r>
               <a:rPr lang="en-US" dirty="0" smtClean="0"/>
-              <a:t>Background Information</a:t>
-            </a:r>
-          </a:p>
-          <a:p>
-            <a:r>
-              <a:rPr lang="en-US" dirty="0" smtClean="0"/>
-              <a:t>Proposes two techniques</a:t>
+              <a:t>Statistical Data</a:t>
+            </a:r>
+          </a:p>
+          <a:p>
+            <a:r>
+              <a:rPr lang="en-US" dirty="0" smtClean="0"/>
+              <a:t>Lower classified information can leak higher classified information</a:t>
             </a:r>
           </a:p>
           <a:p>
             <a:pPr lvl="1"/>
             <a:r>
               <a:rPr lang="en-US" dirty="0" smtClean="0"/>
-              <a:t>Bayes Optimal</a:t>
+              <a:t>Protect with a strong database design</a:t>
             </a:r>
           </a:p>
           <a:p>
             <a:pPr lvl="1"/>
             <a:r>
               <a:rPr lang="en-US" dirty="0" smtClean="0"/>
-              <a:t>L-Diversity</a:t>
+              <a:t>Problem: Data replication</a:t>
+            </a:r>
+          </a:p>
+          <a:p>
+            <a:pPr lvl="1"/>
+            <a:r>
+              <a:rPr lang="en-US" dirty="0" smtClean="0"/>
+              <a:t>Multi-level databases</a:t>
+            </a:r>
+          </a:p>
+          <a:p>
+            <a:r>
+              <a:rPr lang="en-US" dirty="0" smtClean="0"/>
+              <a:t>Suppress Data</a:t>
+            </a:r>
+          </a:p>
+          <a:p>
+            <a:pPr lvl="1"/>
+            <a:r>
+              <a:rPr lang="en-US" dirty="0" smtClean="0"/>
+              <a:t>Loses Utility</a:t>
             </a:r>
             <a:endParaRPr lang="en-US" dirty="0"/>
           </a:p>
@@ -4342,7 +5281,113 @@
     </p:spTree>
     <p:extLst>
       <p:ext uri="{BB962C8B-B14F-4D97-AF65-F5344CB8AC3E}">
-        <p14:creationId xmlns:p14="http://schemas.microsoft.com/office/powerpoint/2010/main" val="2497568261"/>
+        <p14:creationId xmlns:p14="http://schemas.microsoft.com/office/powerpoint/2010/main" val="1168426181"/>
+      </p:ext>
+    </p:extLst>
+  </p:cSld>
+  <p:clrMapOvr>
+    <a:masterClrMapping/>
+  </p:clrMapOvr>
+</p:sld>
+</file>
+
+<file path=ppt/slides/slide9.xml><?xml version="1.0" encoding="utf-8"?>
+<p:sld xmlns:a="http://schemas.openxmlformats.org/drawingml/2006/main" xmlns:r="http://schemas.openxmlformats.org/officeDocument/2006/relationships" xmlns:p="http://schemas.openxmlformats.org/presentationml/2006/main">
+  <p:cSld>
+    <p:spTree>
+      <p:nvGrpSpPr>
+        <p:cNvPr id="1" name=""/>
+        <p:cNvGrpSpPr/>
+        <p:nvPr/>
+      </p:nvGrpSpPr>
+      <p:grpSpPr>
+        <a:xfrm>
+          <a:off x="0" y="0"/>
+          <a:ext cx="0" cy="0"/>
+          <a:chOff x="0" y="0"/>
+          <a:chExt cx="0" cy="0"/>
+        </a:xfrm>
+      </p:grpSpPr>
+      <p:sp>
+        <p:nvSpPr>
+          <p:cNvPr id="2" name="Title 1"/>
+          <p:cNvSpPr>
+            <a:spLocks noGrp="1"/>
+          </p:cNvSpPr>
+          <p:nvPr>
+            <p:ph type="title"/>
+          </p:nvPr>
+        </p:nvSpPr>
+        <p:spPr/>
+        <p:txBody>
+          <a:bodyPr/>
+          <a:lstStyle/>
+          <a:p>
+            <a:r>
+              <a:rPr lang="en-US" dirty="0" smtClean="0"/>
+              <a:t>K-Anonymity</a:t>
+            </a:r>
+            <a:endParaRPr lang="en-US" dirty="0"/>
+          </a:p>
+        </p:txBody>
+      </p:sp>
+      <p:sp>
+        <p:nvSpPr>
+          <p:cNvPr id="3" name="Content Placeholder 2"/>
+          <p:cNvSpPr>
+            <a:spLocks noGrp="1"/>
+          </p:cNvSpPr>
+          <p:nvPr>
+            <p:ph idx="1"/>
+          </p:nvPr>
+        </p:nvSpPr>
+        <p:spPr/>
+        <p:txBody>
+          <a:bodyPr/>
+          <a:lstStyle/>
+          <a:p>
+            <a:r>
+              <a:rPr lang="en-US" dirty="0" smtClean="0"/>
+              <a:t>Each sequence of values appears </a:t>
+            </a:r>
+            <a:r>
+              <a:rPr lang="en-US" i="1" dirty="0" smtClean="0"/>
+              <a:t>k</a:t>
+            </a:r>
+            <a:r>
+              <a:rPr lang="en-US" dirty="0" smtClean="0"/>
+              <a:t> times</a:t>
+            </a:r>
+          </a:p>
+          <a:p>
+            <a:r>
+              <a:rPr lang="en-US" dirty="0" smtClean="0"/>
+              <a:t>Cannot link fewer than </a:t>
+            </a:r>
+            <a:r>
+              <a:rPr lang="en-US" i="1" dirty="0" smtClean="0"/>
+              <a:t>k </a:t>
+            </a:r>
+            <a:r>
+              <a:rPr lang="en-US" dirty="0" smtClean="0"/>
+              <a:t>individuals</a:t>
+            </a:r>
+          </a:p>
+          <a:p>
+            <a:r>
+              <a:rPr lang="en-US" dirty="0" smtClean="0"/>
+              <a:t>Protects against matching to known external sources</a:t>
+            </a:r>
+          </a:p>
+          <a:p>
+            <a:endParaRPr lang="en-US" dirty="0"/>
+          </a:p>
+        </p:txBody>
+      </p:sp>
+    </p:spTree>
+    <p:extLst>
+      <p:ext uri="{BB962C8B-B14F-4D97-AF65-F5344CB8AC3E}">
+        <p14:creationId xmlns:p14="http://schemas.microsoft.com/office/powerpoint/2010/main" val="3372331829"/>
       </p:ext>
     </p:extLst>
   </p:cSld>

--- a/Final Project/draft_presentation.pptx
+++ b/Final Project/draft_presentation.pptx
@@ -5,7 +5,7 @@
     <p:sldMasterId id="2147483648" r:id="rId1"/>
   </p:sldMasterIdLst>
   <p:notesMasterIdLst>
-    <p:notesMasterId r:id="rId16"/>
+    <p:notesMasterId r:id="rId39"/>
   </p:notesMasterIdLst>
   <p:sldIdLst>
     <p:sldId id="256" r:id="rId2"/>
@@ -21,7 +21,30 @@
     <p:sldId id="270" r:id="rId12"/>
     <p:sldId id="271" r:id="rId13"/>
     <p:sldId id="272" r:id="rId14"/>
-    <p:sldId id="263" r:id="rId15"/>
+    <p:sldId id="273" r:id="rId15"/>
+    <p:sldId id="275" r:id="rId16"/>
+    <p:sldId id="276" r:id="rId17"/>
+    <p:sldId id="274" r:id="rId18"/>
+    <p:sldId id="278" r:id="rId19"/>
+    <p:sldId id="277" r:id="rId20"/>
+    <p:sldId id="279" r:id="rId21"/>
+    <p:sldId id="280" r:id="rId22"/>
+    <p:sldId id="281" r:id="rId23"/>
+    <p:sldId id="282" r:id="rId24"/>
+    <p:sldId id="283" r:id="rId25"/>
+    <p:sldId id="263" r:id="rId26"/>
+    <p:sldId id="284" r:id="rId27"/>
+    <p:sldId id="285" r:id="rId28"/>
+    <p:sldId id="286" r:id="rId29"/>
+    <p:sldId id="287" r:id="rId30"/>
+    <p:sldId id="289" r:id="rId31"/>
+    <p:sldId id="290" r:id="rId32"/>
+    <p:sldId id="291" r:id="rId33"/>
+    <p:sldId id="292" r:id="rId34"/>
+    <p:sldId id="293" r:id="rId35"/>
+    <p:sldId id="294" r:id="rId36"/>
+    <p:sldId id="295" r:id="rId37"/>
+    <p:sldId id="288" r:id="rId38"/>
   </p:sldIdLst>
   <p:sldSz cx="9144000" cy="6858000" type="screen4x3"/>
   <p:notesSz cx="6858000" cy="9144000"/>
@@ -646,6 +669,777 @@
 </p:notes>
 </file>
 
+<file path=ppt/notesSlides/notesSlide10.xml><?xml version="1.0" encoding="utf-8"?>
+<p:notes xmlns:a="http://schemas.openxmlformats.org/drawingml/2006/main" xmlns:r="http://schemas.openxmlformats.org/officeDocument/2006/relationships" xmlns:p="http://schemas.openxmlformats.org/presentationml/2006/main">
+  <p:cSld>
+    <p:spTree>
+      <p:nvGrpSpPr>
+        <p:cNvPr id="1" name=""/>
+        <p:cNvGrpSpPr/>
+        <p:nvPr/>
+      </p:nvGrpSpPr>
+      <p:grpSpPr>
+        <a:xfrm>
+          <a:off x="0" y="0"/>
+          <a:ext cx="0" cy="0"/>
+          <a:chOff x="0" y="0"/>
+          <a:chExt cx="0" cy="0"/>
+        </a:xfrm>
+      </p:grpSpPr>
+      <p:sp>
+        <p:nvSpPr>
+          <p:cNvPr id="2" name="Slide Image Placeholder 1"/>
+          <p:cNvSpPr>
+            <a:spLocks noGrp="1" noRot="1" noChangeAspect="1"/>
+          </p:cNvSpPr>
+          <p:nvPr>
+            <p:ph type="sldImg"/>
+          </p:nvPr>
+        </p:nvSpPr>
+        <p:spPr/>
+      </p:sp>
+      <p:sp>
+        <p:nvSpPr>
+          <p:cNvPr id="3" name="Notes Placeholder 2"/>
+          <p:cNvSpPr>
+            <a:spLocks noGrp="1"/>
+          </p:cNvSpPr>
+          <p:nvPr>
+            <p:ph type="body" idx="1"/>
+          </p:nvPr>
+        </p:nvSpPr>
+        <p:spPr/>
+        <p:txBody>
+          <a:bodyPr/>
+          <a:lstStyle/>
+          <a:p>
+            <a:r>
+              <a:rPr lang="en-US" dirty="0" smtClean="0"/>
+              <a:t>Sum of the record sensitivity</a:t>
+            </a:r>
+            <a:endParaRPr lang="en-US" dirty="0"/>
+          </a:p>
+        </p:txBody>
+      </p:sp>
+      <p:sp>
+        <p:nvSpPr>
+          <p:cNvPr id="4" name="Slide Number Placeholder 3"/>
+          <p:cNvSpPr>
+            <a:spLocks noGrp="1"/>
+          </p:cNvSpPr>
+          <p:nvPr>
+            <p:ph type="sldNum" sz="quarter" idx="10"/>
+          </p:nvPr>
+        </p:nvSpPr>
+        <p:spPr/>
+        <p:txBody>
+          <a:bodyPr/>
+          <a:lstStyle/>
+          <a:p>
+            <a:fld id="{CEAFEE9F-8C33-2040-92CC-AFC84F8D4713}" type="slidenum">
+              <a:rPr lang="en-US" smtClean="0"/>
+              <a:t>26</a:t>
+            </a:fld>
+            <a:endParaRPr lang="en-US"/>
+          </a:p>
+        </p:txBody>
+      </p:sp>
+    </p:spTree>
+    <p:extLst>
+      <p:ext uri="{BB962C8B-B14F-4D97-AF65-F5344CB8AC3E}">
+        <p14:creationId xmlns:p14="http://schemas.microsoft.com/office/powerpoint/2010/main" val="2230434940"/>
+      </p:ext>
+    </p:extLst>
+  </p:cSld>
+  <p:clrMapOvr>
+    <a:masterClrMapping/>
+  </p:clrMapOvr>
+</p:notes>
+</file>
+
+<file path=ppt/notesSlides/notesSlide11.xml><?xml version="1.0" encoding="utf-8"?>
+<p:notes xmlns:a="http://schemas.openxmlformats.org/drawingml/2006/main" xmlns:r="http://schemas.openxmlformats.org/officeDocument/2006/relationships" xmlns:p="http://schemas.openxmlformats.org/presentationml/2006/main">
+  <p:cSld>
+    <p:spTree>
+      <p:nvGrpSpPr>
+        <p:cNvPr id="1" name=""/>
+        <p:cNvGrpSpPr/>
+        <p:nvPr/>
+      </p:nvGrpSpPr>
+      <p:grpSpPr>
+        <a:xfrm>
+          <a:off x="0" y="0"/>
+          <a:ext cx="0" cy="0"/>
+          <a:chOff x="0" y="0"/>
+          <a:chExt cx="0" cy="0"/>
+        </a:xfrm>
+      </p:grpSpPr>
+      <p:sp>
+        <p:nvSpPr>
+          <p:cNvPr id="2" name="Slide Image Placeholder 1"/>
+          <p:cNvSpPr>
+            <a:spLocks noGrp="1" noRot="1" noChangeAspect="1"/>
+          </p:cNvSpPr>
+          <p:nvPr>
+            <p:ph type="sldImg"/>
+          </p:nvPr>
+        </p:nvSpPr>
+        <p:spPr/>
+      </p:sp>
+      <p:sp>
+        <p:nvSpPr>
+          <p:cNvPr id="3" name="Notes Placeholder 2"/>
+          <p:cNvSpPr>
+            <a:spLocks noGrp="1"/>
+          </p:cNvSpPr>
+          <p:nvPr>
+            <p:ph type="body" idx="1"/>
+          </p:nvPr>
+        </p:nvSpPr>
+        <p:spPr/>
+        <p:txBody>
+          <a:bodyPr/>
+          <a:lstStyle/>
+          <a:p>
+            <a:r>
+              <a:rPr lang="en-US" dirty="0" smtClean="0"/>
+              <a:t>Node</a:t>
+            </a:r>
+            <a:r>
+              <a:rPr lang="en-US" baseline="0" dirty="0" smtClean="0"/>
+              <a:t> Sensitivity – defined by data model – will go over this later</a:t>
+            </a:r>
+          </a:p>
+        </p:txBody>
+      </p:sp>
+      <p:sp>
+        <p:nvSpPr>
+          <p:cNvPr id="4" name="Slide Number Placeholder 3"/>
+          <p:cNvSpPr>
+            <a:spLocks noGrp="1"/>
+          </p:cNvSpPr>
+          <p:nvPr>
+            <p:ph type="sldNum" sz="quarter" idx="10"/>
+          </p:nvPr>
+        </p:nvSpPr>
+        <p:spPr/>
+        <p:txBody>
+          <a:bodyPr/>
+          <a:lstStyle/>
+          <a:p>
+            <a:fld id="{CEAFEE9F-8C33-2040-92CC-AFC84F8D4713}" type="slidenum">
+              <a:rPr lang="en-US" smtClean="0"/>
+              <a:t>27</a:t>
+            </a:fld>
+            <a:endParaRPr lang="en-US"/>
+          </a:p>
+        </p:txBody>
+      </p:sp>
+    </p:spTree>
+    <p:extLst>
+      <p:ext uri="{BB962C8B-B14F-4D97-AF65-F5344CB8AC3E}">
+        <p14:creationId xmlns:p14="http://schemas.microsoft.com/office/powerpoint/2010/main" val="1289570180"/>
+      </p:ext>
+    </p:extLst>
+  </p:cSld>
+  <p:clrMapOvr>
+    <a:masterClrMapping/>
+  </p:clrMapOvr>
+</p:notes>
+</file>
+
+<file path=ppt/notesSlides/notesSlide12.xml><?xml version="1.0" encoding="utf-8"?>
+<p:notes xmlns:a="http://schemas.openxmlformats.org/drawingml/2006/main" xmlns:r="http://schemas.openxmlformats.org/officeDocument/2006/relationships" xmlns:p="http://schemas.openxmlformats.org/presentationml/2006/main">
+  <p:cSld>
+    <p:spTree>
+      <p:nvGrpSpPr>
+        <p:cNvPr id="1" name=""/>
+        <p:cNvGrpSpPr/>
+        <p:nvPr/>
+      </p:nvGrpSpPr>
+      <p:grpSpPr>
+        <a:xfrm>
+          <a:off x="0" y="0"/>
+          <a:ext cx="0" cy="0"/>
+          <a:chOff x="0" y="0"/>
+          <a:chExt cx="0" cy="0"/>
+        </a:xfrm>
+      </p:grpSpPr>
+      <p:sp>
+        <p:nvSpPr>
+          <p:cNvPr id="2" name="Slide Image Placeholder 1"/>
+          <p:cNvSpPr>
+            <a:spLocks noGrp="1" noRot="1" noChangeAspect="1"/>
+          </p:cNvSpPr>
+          <p:nvPr>
+            <p:ph type="sldImg"/>
+          </p:nvPr>
+        </p:nvSpPr>
+        <p:spPr/>
+      </p:sp>
+      <p:sp>
+        <p:nvSpPr>
+          <p:cNvPr id="3" name="Notes Placeholder 2"/>
+          <p:cNvSpPr>
+            <a:spLocks noGrp="1"/>
+          </p:cNvSpPr>
+          <p:nvPr>
+            <p:ph type="body" idx="1"/>
+          </p:nvPr>
+        </p:nvSpPr>
+        <p:spPr/>
+        <p:txBody>
+          <a:bodyPr/>
+          <a:lstStyle/>
+          <a:p>
+            <a:r>
+              <a:rPr lang="en-US" dirty="0" smtClean="0"/>
+              <a:t>Released data should never be more specific than the</a:t>
+            </a:r>
+            <a:r>
+              <a:rPr lang="en-US" baseline="0" dirty="0" smtClean="0"/>
+              <a:t> original</a:t>
+            </a:r>
+            <a:endParaRPr lang="en-US" dirty="0"/>
+          </a:p>
+        </p:txBody>
+      </p:sp>
+      <p:sp>
+        <p:nvSpPr>
+          <p:cNvPr id="4" name="Slide Number Placeholder 3"/>
+          <p:cNvSpPr>
+            <a:spLocks noGrp="1"/>
+          </p:cNvSpPr>
+          <p:nvPr>
+            <p:ph type="sldNum" sz="quarter" idx="10"/>
+          </p:nvPr>
+        </p:nvSpPr>
+        <p:spPr/>
+        <p:txBody>
+          <a:bodyPr/>
+          <a:lstStyle/>
+          <a:p>
+            <a:fld id="{4B6ADD09-A426-694F-B3F1-BF5C032C9059}" type="slidenum">
+              <a:rPr lang="en-US" smtClean="0"/>
+              <a:t>29</a:t>
+            </a:fld>
+            <a:endParaRPr lang="en-US"/>
+          </a:p>
+        </p:txBody>
+      </p:sp>
+    </p:spTree>
+    <p:extLst>
+      <p:ext uri="{BB962C8B-B14F-4D97-AF65-F5344CB8AC3E}">
+        <p14:creationId xmlns:p14="http://schemas.microsoft.com/office/powerpoint/2010/main" val="812316077"/>
+      </p:ext>
+    </p:extLst>
+  </p:cSld>
+  <p:clrMapOvr>
+    <a:masterClrMapping/>
+  </p:clrMapOvr>
+</p:notes>
+</file>
+
+<file path=ppt/notesSlides/notesSlide13.xml><?xml version="1.0" encoding="utf-8"?>
+<p:notes xmlns:a="http://schemas.openxmlformats.org/drawingml/2006/main" xmlns:r="http://schemas.openxmlformats.org/officeDocument/2006/relationships" xmlns:p="http://schemas.openxmlformats.org/presentationml/2006/main">
+  <p:cSld>
+    <p:spTree>
+      <p:nvGrpSpPr>
+        <p:cNvPr id="1" name=""/>
+        <p:cNvGrpSpPr/>
+        <p:nvPr/>
+      </p:nvGrpSpPr>
+      <p:grpSpPr>
+        <a:xfrm>
+          <a:off x="0" y="0"/>
+          <a:ext cx="0" cy="0"/>
+          <a:chOff x="0" y="0"/>
+          <a:chExt cx="0" cy="0"/>
+        </a:xfrm>
+      </p:grpSpPr>
+      <p:sp>
+        <p:nvSpPr>
+          <p:cNvPr id="2" name="Slide Image Placeholder 1"/>
+          <p:cNvSpPr>
+            <a:spLocks noGrp="1" noRot="1" noChangeAspect="1"/>
+          </p:cNvSpPr>
+          <p:nvPr>
+            <p:ph type="sldImg"/>
+          </p:nvPr>
+        </p:nvSpPr>
+        <p:spPr/>
+      </p:sp>
+      <p:sp>
+        <p:nvSpPr>
+          <p:cNvPr id="3" name="Notes Placeholder 2"/>
+          <p:cNvSpPr>
+            <a:spLocks noGrp="1"/>
+          </p:cNvSpPr>
+          <p:nvPr>
+            <p:ph type="body" idx="1"/>
+          </p:nvPr>
+        </p:nvSpPr>
+        <p:spPr/>
+        <p:txBody>
+          <a:bodyPr/>
+          <a:lstStyle/>
+          <a:p>
+            <a:r>
+              <a:rPr lang="en-US" dirty="0" smtClean="0"/>
+              <a:t>Too specific</a:t>
+            </a:r>
+            <a:endParaRPr lang="en-US" dirty="0"/>
+          </a:p>
+        </p:txBody>
+      </p:sp>
+      <p:sp>
+        <p:nvSpPr>
+          <p:cNvPr id="4" name="Slide Number Placeholder 3"/>
+          <p:cNvSpPr>
+            <a:spLocks noGrp="1"/>
+          </p:cNvSpPr>
+          <p:nvPr>
+            <p:ph type="sldNum" sz="quarter" idx="10"/>
+          </p:nvPr>
+        </p:nvSpPr>
+        <p:spPr/>
+        <p:txBody>
+          <a:bodyPr/>
+          <a:lstStyle/>
+          <a:p>
+            <a:fld id="{4B6ADD09-A426-694F-B3F1-BF5C032C9059}" type="slidenum">
+              <a:rPr lang="en-US" smtClean="0"/>
+              <a:t>32</a:t>
+            </a:fld>
+            <a:endParaRPr lang="en-US"/>
+          </a:p>
+        </p:txBody>
+      </p:sp>
+    </p:spTree>
+    <p:extLst>
+      <p:ext uri="{BB962C8B-B14F-4D97-AF65-F5344CB8AC3E}">
+        <p14:creationId xmlns:p14="http://schemas.microsoft.com/office/powerpoint/2010/main" val="3732187879"/>
+      </p:ext>
+    </p:extLst>
+  </p:cSld>
+  <p:clrMapOvr>
+    <a:masterClrMapping/>
+  </p:clrMapOvr>
+</p:notes>
+</file>
+
+<file path=ppt/notesSlides/notesSlide14.xml><?xml version="1.0" encoding="utf-8"?>
+<p:notes xmlns:a="http://schemas.openxmlformats.org/drawingml/2006/main" xmlns:r="http://schemas.openxmlformats.org/officeDocument/2006/relationships" xmlns:p="http://schemas.openxmlformats.org/presentationml/2006/main">
+  <p:cSld>
+    <p:spTree>
+      <p:nvGrpSpPr>
+        <p:cNvPr id="1" name=""/>
+        <p:cNvGrpSpPr/>
+        <p:nvPr/>
+      </p:nvGrpSpPr>
+      <p:grpSpPr>
+        <a:xfrm>
+          <a:off x="0" y="0"/>
+          <a:ext cx="0" cy="0"/>
+          <a:chOff x="0" y="0"/>
+          <a:chExt cx="0" cy="0"/>
+        </a:xfrm>
+      </p:grpSpPr>
+      <p:sp>
+        <p:nvSpPr>
+          <p:cNvPr id="2" name="Slide Image Placeholder 1"/>
+          <p:cNvSpPr>
+            <a:spLocks noGrp="1" noRot="1" noChangeAspect="1"/>
+          </p:cNvSpPr>
+          <p:nvPr>
+            <p:ph type="sldImg"/>
+          </p:nvPr>
+        </p:nvSpPr>
+        <p:spPr/>
+      </p:sp>
+      <p:sp>
+        <p:nvSpPr>
+          <p:cNvPr id="3" name="Notes Placeholder 2"/>
+          <p:cNvSpPr>
+            <a:spLocks noGrp="1"/>
+          </p:cNvSpPr>
+          <p:nvPr>
+            <p:ph type="body" idx="1"/>
+          </p:nvPr>
+        </p:nvSpPr>
+        <p:spPr/>
+        <p:txBody>
+          <a:bodyPr/>
+          <a:lstStyle/>
+          <a:p>
+            <a:r>
+              <a:rPr lang="en-US" dirty="0" smtClean="0"/>
+              <a:t>Attaching constant is a</a:t>
+            </a:r>
+            <a:r>
+              <a:rPr lang="en-US" baseline="0" dirty="0" smtClean="0"/>
+              <a:t> good idea</a:t>
+            </a:r>
+          </a:p>
+          <a:p>
+            <a:r>
+              <a:rPr lang="en-US" baseline="0" dirty="0" smtClean="0"/>
+              <a:t>Dynamic data, might not know what you’re getting/sending</a:t>
+            </a:r>
+          </a:p>
+          <a:p>
+            <a:r>
+              <a:rPr lang="en-US" baseline="0" dirty="0" smtClean="0"/>
+              <a:t>Can read properties of an object</a:t>
+            </a:r>
+          </a:p>
+          <a:p>
+            <a:r>
+              <a:rPr lang="en-US" baseline="0" dirty="0" smtClean="0"/>
+              <a:t>Maintenance – Forget to properly classify. Can then become a target of pulling data</a:t>
+            </a:r>
+          </a:p>
+          <a:p>
+            <a:r>
+              <a:rPr lang="en-US" baseline="0" dirty="0" smtClean="0"/>
+              <a:t>Pulling from table, data is constant unless specified. If the number of attributes can change dynamically, having constant for those not accounted for can be useful</a:t>
+            </a:r>
+          </a:p>
+          <a:p>
+            <a:r>
+              <a:rPr lang="en-US" baseline="0" dirty="0" smtClean="0"/>
+              <a:t>Property match to </a:t>
+            </a:r>
+            <a:r>
+              <a:rPr lang="en-US" baseline="0" dirty="0" err="1" smtClean="0"/>
+              <a:t>key|value</a:t>
+            </a:r>
+            <a:r>
+              <a:rPr lang="en-US" baseline="0" dirty="0" smtClean="0"/>
+              <a:t> pairs</a:t>
+            </a:r>
+          </a:p>
+          <a:p>
+            <a:endParaRPr lang="en-US" dirty="0"/>
+          </a:p>
+        </p:txBody>
+      </p:sp>
+      <p:sp>
+        <p:nvSpPr>
+          <p:cNvPr id="4" name="Slide Number Placeholder 3"/>
+          <p:cNvSpPr>
+            <a:spLocks noGrp="1"/>
+          </p:cNvSpPr>
+          <p:nvPr>
+            <p:ph type="sldNum" sz="quarter" idx="10"/>
+          </p:nvPr>
+        </p:nvSpPr>
+        <p:spPr/>
+        <p:txBody>
+          <a:bodyPr/>
+          <a:lstStyle/>
+          <a:p>
+            <a:fld id="{4B6ADD09-A426-694F-B3F1-BF5C032C9059}" type="slidenum">
+              <a:rPr lang="en-US" smtClean="0"/>
+              <a:t>33</a:t>
+            </a:fld>
+            <a:endParaRPr lang="en-US"/>
+          </a:p>
+        </p:txBody>
+      </p:sp>
+    </p:spTree>
+    <p:extLst>
+      <p:ext uri="{BB962C8B-B14F-4D97-AF65-F5344CB8AC3E}">
+        <p14:creationId xmlns:p14="http://schemas.microsoft.com/office/powerpoint/2010/main" val="2751741334"/>
+      </p:ext>
+    </p:extLst>
+  </p:cSld>
+  <p:clrMapOvr>
+    <a:masterClrMapping/>
+  </p:clrMapOvr>
+</p:notes>
+</file>
+
+<file path=ppt/notesSlides/notesSlide15.xml><?xml version="1.0" encoding="utf-8"?>
+<p:notes xmlns:a="http://schemas.openxmlformats.org/drawingml/2006/main" xmlns:r="http://schemas.openxmlformats.org/officeDocument/2006/relationships" xmlns:p="http://schemas.openxmlformats.org/presentationml/2006/main">
+  <p:cSld>
+    <p:spTree>
+      <p:nvGrpSpPr>
+        <p:cNvPr id="1" name=""/>
+        <p:cNvGrpSpPr/>
+        <p:nvPr/>
+      </p:nvGrpSpPr>
+      <p:grpSpPr>
+        <a:xfrm>
+          <a:off x="0" y="0"/>
+          <a:ext cx="0" cy="0"/>
+          <a:chOff x="0" y="0"/>
+          <a:chExt cx="0" cy="0"/>
+        </a:xfrm>
+      </p:grpSpPr>
+      <p:sp>
+        <p:nvSpPr>
+          <p:cNvPr id="2" name="Slide Image Placeholder 1"/>
+          <p:cNvSpPr>
+            <a:spLocks noGrp="1" noRot="1" noChangeAspect="1"/>
+          </p:cNvSpPr>
+          <p:nvPr>
+            <p:ph type="sldImg"/>
+          </p:nvPr>
+        </p:nvSpPr>
+        <p:spPr/>
+      </p:sp>
+      <p:sp>
+        <p:nvSpPr>
+          <p:cNvPr id="3" name="Notes Placeholder 2"/>
+          <p:cNvSpPr>
+            <a:spLocks noGrp="1"/>
+          </p:cNvSpPr>
+          <p:nvPr>
+            <p:ph type="body" idx="1"/>
+          </p:nvPr>
+        </p:nvSpPr>
+        <p:spPr/>
+        <p:txBody>
+          <a:bodyPr/>
+          <a:lstStyle/>
+          <a:p>
+            <a:r>
+              <a:rPr lang="en-US" dirty="0" smtClean="0"/>
+              <a:t>Homogeneity</a:t>
+            </a:r>
+          </a:p>
+          <a:p>
+            <a:r>
+              <a:rPr lang="en-US" dirty="0" smtClean="0"/>
+              <a:t>Diversity</a:t>
+            </a:r>
+          </a:p>
+          <a:p>
+            <a:r>
+              <a:rPr lang="en-US" dirty="0" smtClean="0"/>
+              <a:t>Well</a:t>
+            </a:r>
+            <a:r>
+              <a:rPr lang="en-US" baseline="0" dirty="0" smtClean="0"/>
+              <a:t> representation</a:t>
+            </a:r>
+            <a:endParaRPr lang="en-US" dirty="0"/>
+          </a:p>
+        </p:txBody>
+      </p:sp>
+      <p:sp>
+        <p:nvSpPr>
+          <p:cNvPr id="4" name="Slide Number Placeholder 3"/>
+          <p:cNvSpPr>
+            <a:spLocks noGrp="1"/>
+          </p:cNvSpPr>
+          <p:nvPr>
+            <p:ph type="sldNum" sz="quarter" idx="10"/>
+          </p:nvPr>
+        </p:nvSpPr>
+        <p:spPr/>
+        <p:txBody>
+          <a:bodyPr/>
+          <a:lstStyle/>
+          <a:p>
+            <a:fld id="{4B6ADD09-A426-694F-B3F1-BF5C032C9059}" type="slidenum">
+              <a:rPr lang="en-US" smtClean="0"/>
+              <a:t>34</a:t>
+            </a:fld>
+            <a:endParaRPr lang="en-US"/>
+          </a:p>
+        </p:txBody>
+      </p:sp>
+    </p:spTree>
+    <p:extLst>
+      <p:ext uri="{BB962C8B-B14F-4D97-AF65-F5344CB8AC3E}">
+        <p14:creationId xmlns:p14="http://schemas.microsoft.com/office/powerpoint/2010/main" val="4139784252"/>
+      </p:ext>
+    </p:extLst>
+  </p:cSld>
+  <p:clrMapOvr>
+    <a:masterClrMapping/>
+  </p:clrMapOvr>
+</p:notes>
+</file>
+
+<file path=ppt/notesSlides/notesSlide16.xml><?xml version="1.0" encoding="utf-8"?>
+<p:notes xmlns:a="http://schemas.openxmlformats.org/drawingml/2006/main" xmlns:r="http://schemas.openxmlformats.org/officeDocument/2006/relationships" xmlns:p="http://schemas.openxmlformats.org/presentationml/2006/main">
+  <p:cSld>
+    <p:spTree>
+      <p:nvGrpSpPr>
+        <p:cNvPr id="1" name=""/>
+        <p:cNvGrpSpPr/>
+        <p:nvPr/>
+      </p:nvGrpSpPr>
+      <p:grpSpPr>
+        <a:xfrm>
+          <a:off x="0" y="0"/>
+          <a:ext cx="0" cy="0"/>
+          <a:chOff x="0" y="0"/>
+          <a:chExt cx="0" cy="0"/>
+        </a:xfrm>
+      </p:grpSpPr>
+      <p:sp>
+        <p:nvSpPr>
+          <p:cNvPr id="2" name="Slide Image Placeholder 1"/>
+          <p:cNvSpPr>
+            <a:spLocks noGrp="1" noRot="1" noChangeAspect="1"/>
+          </p:cNvSpPr>
+          <p:nvPr>
+            <p:ph type="sldImg"/>
+          </p:nvPr>
+        </p:nvSpPr>
+        <p:spPr/>
+      </p:sp>
+      <p:sp>
+        <p:nvSpPr>
+          <p:cNvPr id="3" name="Notes Placeholder 2"/>
+          <p:cNvSpPr>
+            <a:spLocks noGrp="1"/>
+          </p:cNvSpPr>
+          <p:nvPr>
+            <p:ph type="body" idx="1"/>
+          </p:nvPr>
+        </p:nvSpPr>
+        <p:spPr/>
+        <p:txBody>
+          <a:bodyPr/>
+          <a:lstStyle/>
+          <a:p>
+            <a:r>
+              <a:rPr lang="en-US" dirty="0" smtClean="0"/>
+              <a:t>RW </a:t>
+            </a:r>
+            <a:r>
+              <a:rPr lang="en-US" baseline="0" dirty="0" smtClean="0"/>
+              <a:t>* [(</a:t>
+            </a:r>
+            <a:r>
+              <a:rPr lang="en-US" dirty="0" smtClean="0"/>
+              <a:t>CS/DF/</a:t>
+            </a:r>
+            <a:r>
+              <a:rPr lang="en-US" dirty="0" err="1" smtClean="0"/>
+              <a:t>DivFactor</a:t>
+            </a:r>
+            <a:r>
+              <a:rPr lang="en-US" dirty="0" smtClean="0"/>
+              <a:t>) + WR]</a:t>
+            </a:r>
+          </a:p>
+          <a:p>
+            <a:endParaRPr lang="en-US" dirty="0" smtClean="0"/>
+          </a:p>
+          <a:p>
+            <a:r>
+              <a:rPr lang="en-US" dirty="0" smtClean="0"/>
+              <a:t>CS = </a:t>
+            </a:r>
+            <a:r>
+              <a:rPr lang="en-US" dirty="0" err="1" smtClean="0"/>
+              <a:t>foreach</a:t>
+            </a:r>
+            <a:r>
+              <a:rPr lang="en-US" baseline="0" dirty="0" smtClean="0"/>
+              <a:t> classification Add the </a:t>
+            </a:r>
+            <a:r>
+              <a:rPr lang="en-US" baseline="0" dirty="0" err="1" smtClean="0"/>
+              <a:t>severirites</a:t>
+            </a:r>
+            <a:endParaRPr lang="en-US" baseline="0" dirty="0" smtClean="0"/>
+          </a:p>
+          <a:p>
+            <a:r>
+              <a:rPr lang="en-US" baseline="0" dirty="0" smtClean="0"/>
+              <a:t>DF = # of tuples that share the quasi-identifiers (size of q-block)</a:t>
+            </a:r>
+          </a:p>
+          <a:p>
+            <a:r>
+              <a:rPr lang="en-US" baseline="0" dirty="0" err="1" smtClean="0"/>
+              <a:t>DivFactor</a:t>
+            </a:r>
+            <a:r>
+              <a:rPr lang="en-US" baseline="0" dirty="0" smtClean="0"/>
+              <a:t> = # of sensitive values within that q-block</a:t>
+            </a:r>
+          </a:p>
+          <a:p>
+            <a:r>
+              <a:rPr lang="en-US" baseline="0" dirty="0" smtClean="0"/>
+              <a:t>WR = Well representation weight</a:t>
+            </a:r>
+            <a:endParaRPr lang="en-US" dirty="0" smtClean="0"/>
+          </a:p>
+          <a:p>
+            <a:r>
+              <a:rPr lang="en-US" dirty="0" smtClean="0"/>
+              <a:t>RW = # Rows</a:t>
+            </a:r>
+            <a:r>
+              <a:rPr lang="en-US" baseline="0" dirty="0" smtClean="0"/>
+              <a:t> weighted </a:t>
+            </a:r>
+          </a:p>
+          <a:p>
+            <a:endParaRPr lang="en-US" dirty="0" smtClean="0"/>
+          </a:p>
+          <a:p>
+            <a:r>
+              <a:rPr lang="en-US" dirty="0" smtClean="0"/>
+              <a:t>r1</a:t>
+            </a:r>
+            <a:r>
+              <a:rPr lang="en-US" baseline="0" dirty="0" smtClean="0"/>
+              <a:t> &lt; r2…</a:t>
+            </a:r>
+            <a:r>
+              <a:rPr lang="en-US" baseline="0" dirty="0" err="1" smtClean="0"/>
+              <a:t>rm</a:t>
+            </a:r>
+            <a:endParaRPr lang="en-US" dirty="0"/>
+          </a:p>
+        </p:txBody>
+      </p:sp>
+      <p:sp>
+        <p:nvSpPr>
+          <p:cNvPr id="4" name="Slide Number Placeholder 3"/>
+          <p:cNvSpPr>
+            <a:spLocks noGrp="1"/>
+          </p:cNvSpPr>
+          <p:nvPr>
+            <p:ph type="sldNum" sz="quarter" idx="10"/>
+          </p:nvPr>
+        </p:nvSpPr>
+        <p:spPr/>
+        <p:txBody>
+          <a:bodyPr/>
+          <a:lstStyle/>
+          <a:p>
+            <a:fld id="{4B6ADD09-A426-694F-B3F1-BF5C032C9059}" type="slidenum">
+              <a:rPr lang="en-US" smtClean="0"/>
+              <a:t>37</a:t>
+            </a:fld>
+            <a:endParaRPr lang="en-US"/>
+          </a:p>
+        </p:txBody>
+      </p:sp>
+    </p:spTree>
+    <p:extLst>
+      <p:ext uri="{BB962C8B-B14F-4D97-AF65-F5344CB8AC3E}">
+        <p14:creationId xmlns:p14="http://schemas.microsoft.com/office/powerpoint/2010/main" val="1977951988"/>
+      </p:ext>
+    </p:extLst>
+  </p:cSld>
+  <p:clrMapOvr>
+    <a:masterClrMapping/>
+  </p:clrMapOvr>
+</p:notes>
+</file>
+
 <file path=ppt/notesSlides/notesSlide2.xml><?xml version="1.0" encoding="utf-8"?>
 <p:notes xmlns:a="http://schemas.openxmlformats.org/drawingml/2006/main" xmlns:r="http://schemas.openxmlformats.org/officeDocument/2006/relationships" xmlns:p="http://schemas.openxmlformats.org/presentationml/2006/main">
   <p:cSld>
@@ -981,6 +1775,355 @@
     <p:extLst>
       <p:ext uri="{BB962C8B-B14F-4D97-AF65-F5344CB8AC3E}">
         <p14:creationId xmlns:p14="http://schemas.microsoft.com/office/powerpoint/2010/main" val="3401244471"/>
+      </p:ext>
+    </p:extLst>
+  </p:cSld>
+  <p:clrMapOvr>
+    <a:masterClrMapping/>
+  </p:clrMapOvr>
+</p:notes>
+</file>
+
+<file path=ppt/notesSlides/notesSlide6.xml><?xml version="1.0" encoding="utf-8"?>
+<p:notes xmlns:a="http://schemas.openxmlformats.org/drawingml/2006/main" xmlns:r="http://schemas.openxmlformats.org/officeDocument/2006/relationships" xmlns:p="http://schemas.openxmlformats.org/presentationml/2006/main">
+  <p:cSld>
+    <p:spTree>
+      <p:nvGrpSpPr>
+        <p:cNvPr id="1" name=""/>
+        <p:cNvGrpSpPr/>
+        <p:nvPr/>
+      </p:nvGrpSpPr>
+      <p:grpSpPr>
+        <a:xfrm>
+          <a:off x="0" y="0"/>
+          <a:ext cx="0" cy="0"/>
+          <a:chOff x="0" y="0"/>
+          <a:chExt cx="0" cy="0"/>
+        </a:xfrm>
+      </p:grpSpPr>
+      <p:sp>
+        <p:nvSpPr>
+          <p:cNvPr id="2" name="Slide Image Placeholder 1"/>
+          <p:cNvSpPr>
+            <a:spLocks noGrp="1" noRot="1" noChangeAspect="1"/>
+          </p:cNvSpPr>
+          <p:nvPr>
+            <p:ph type="sldImg"/>
+          </p:nvPr>
+        </p:nvSpPr>
+        <p:spPr/>
+      </p:sp>
+      <p:sp>
+        <p:nvSpPr>
+          <p:cNvPr id="3" name="Notes Placeholder 2"/>
+          <p:cNvSpPr>
+            <a:spLocks noGrp="1"/>
+          </p:cNvSpPr>
+          <p:nvPr>
+            <p:ph type="body" idx="1"/>
+          </p:nvPr>
+        </p:nvSpPr>
+        <p:spPr/>
+        <p:txBody>
+          <a:bodyPr/>
+          <a:lstStyle/>
+          <a:p>
+            <a:r>
+              <a:rPr lang="en-US" dirty="0" smtClean="0"/>
+              <a:t>Provide an example of each</a:t>
+            </a:r>
+          </a:p>
+          <a:p>
+            <a:endParaRPr lang="en-US" dirty="0" smtClean="0"/>
+          </a:p>
+          <a:p>
+            <a:endParaRPr lang="en-US" dirty="0"/>
+          </a:p>
+        </p:txBody>
+      </p:sp>
+      <p:sp>
+        <p:nvSpPr>
+          <p:cNvPr id="4" name="Slide Number Placeholder 3"/>
+          <p:cNvSpPr>
+            <a:spLocks noGrp="1"/>
+          </p:cNvSpPr>
+          <p:nvPr>
+            <p:ph type="sldNum" sz="quarter" idx="10"/>
+          </p:nvPr>
+        </p:nvSpPr>
+        <p:spPr/>
+        <p:txBody>
+          <a:bodyPr/>
+          <a:lstStyle/>
+          <a:p>
+            <a:fld id="{4B6ADD09-A426-694F-B3F1-BF5C032C9059}" type="slidenum">
+              <a:rPr lang="en-US" smtClean="0"/>
+              <a:t>14</a:t>
+            </a:fld>
+            <a:endParaRPr lang="en-US"/>
+          </a:p>
+        </p:txBody>
+      </p:sp>
+    </p:spTree>
+    <p:extLst>
+      <p:ext uri="{BB962C8B-B14F-4D97-AF65-F5344CB8AC3E}">
+        <p14:creationId xmlns:p14="http://schemas.microsoft.com/office/powerpoint/2010/main" val="1306802801"/>
+      </p:ext>
+    </p:extLst>
+  </p:cSld>
+  <p:clrMapOvr>
+    <a:masterClrMapping/>
+  </p:clrMapOvr>
+</p:notes>
+</file>
+
+<file path=ppt/notesSlides/notesSlide7.xml><?xml version="1.0" encoding="utf-8"?>
+<p:notes xmlns:a="http://schemas.openxmlformats.org/drawingml/2006/main" xmlns:r="http://schemas.openxmlformats.org/officeDocument/2006/relationships" xmlns:p="http://schemas.openxmlformats.org/presentationml/2006/main">
+  <p:cSld>
+    <p:spTree>
+      <p:nvGrpSpPr>
+        <p:cNvPr id="1" name=""/>
+        <p:cNvGrpSpPr/>
+        <p:nvPr/>
+      </p:nvGrpSpPr>
+      <p:grpSpPr>
+        <a:xfrm>
+          <a:off x="0" y="0"/>
+          <a:ext cx="0" cy="0"/>
+          <a:chOff x="0" y="0"/>
+          <a:chExt cx="0" cy="0"/>
+        </a:xfrm>
+      </p:grpSpPr>
+      <p:sp>
+        <p:nvSpPr>
+          <p:cNvPr id="2" name="Slide Image Placeholder 1"/>
+          <p:cNvSpPr>
+            <a:spLocks noGrp="1" noRot="1" noChangeAspect="1"/>
+          </p:cNvSpPr>
+          <p:nvPr>
+            <p:ph type="sldImg"/>
+          </p:nvPr>
+        </p:nvSpPr>
+        <p:spPr/>
+      </p:sp>
+      <p:sp>
+        <p:nvSpPr>
+          <p:cNvPr id="3" name="Notes Placeholder 2"/>
+          <p:cNvSpPr>
+            <a:spLocks noGrp="1"/>
+          </p:cNvSpPr>
+          <p:nvPr>
+            <p:ph type="body" idx="1"/>
+          </p:nvPr>
+        </p:nvSpPr>
+        <p:spPr/>
+        <p:txBody>
+          <a:bodyPr/>
+          <a:lstStyle/>
+          <a:p>
+            <a:endParaRPr lang="en-US" dirty="0"/>
+          </a:p>
+        </p:txBody>
+      </p:sp>
+      <p:sp>
+        <p:nvSpPr>
+          <p:cNvPr id="4" name="Slide Number Placeholder 3"/>
+          <p:cNvSpPr>
+            <a:spLocks noGrp="1"/>
+          </p:cNvSpPr>
+          <p:nvPr>
+            <p:ph type="sldNum" sz="quarter" idx="10"/>
+          </p:nvPr>
+        </p:nvSpPr>
+        <p:spPr/>
+        <p:txBody>
+          <a:bodyPr/>
+          <a:lstStyle/>
+          <a:p>
+            <a:fld id="{4B6ADD09-A426-694F-B3F1-BF5C032C9059}" type="slidenum">
+              <a:rPr lang="en-US" smtClean="0"/>
+              <a:t>18</a:t>
+            </a:fld>
+            <a:endParaRPr lang="en-US"/>
+          </a:p>
+        </p:txBody>
+      </p:sp>
+    </p:spTree>
+    <p:extLst>
+      <p:ext uri="{BB962C8B-B14F-4D97-AF65-F5344CB8AC3E}">
+        <p14:creationId xmlns:p14="http://schemas.microsoft.com/office/powerpoint/2010/main" val="944600044"/>
+      </p:ext>
+    </p:extLst>
+  </p:cSld>
+  <p:clrMapOvr>
+    <a:masterClrMapping/>
+  </p:clrMapOvr>
+</p:notes>
+</file>
+
+<file path=ppt/notesSlides/notesSlide8.xml><?xml version="1.0" encoding="utf-8"?>
+<p:notes xmlns:a="http://schemas.openxmlformats.org/drawingml/2006/main" xmlns:r="http://schemas.openxmlformats.org/officeDocument/2006/relationships" xmlns:p="http://schemas.openxmlformats.org/presentationml/2006/main">
+  <p:cSld>
+    <p:spTree>
+      <p:nvGrpSpPr>
+        <p:cNvPr id="1" name=""/>
+        <p:cNvGrpSpPr/>
+        <p:nvPr/>
+      </p:nvGrpSpPr>
+      <p:grpSpPr>
+        <a:xfrm>
+          <a:off x="0" y="0"/>
+          <a:ext cx="0" cy="0"/>
+          <a:chOff x="0" y="0"/>
+          <a:chExt cx="0" cy="0"/>
+        </a:xfrm>
+      </p:grpSpPr>
+      <p:sp>
+        <p:nvSpPr>
+          <p:cNvPr id="2" name="Slide Image Placeholder 1"/>
+          <p:cNvSpPr>
+            <a:spLocks noGrp="1" noRot="1" noChangeAspect="1"/>
+          </p:cNvSpPr>
+          <p:nvPr>
+            <p:ph type="sldImg"/>
+          </p:nvPr>
+        </p:nvSpPr>
+        <p:spPr/>
+      </p:sp>
+      <p:sp>
+        <p:nvSpPr>
+          <p:cNvPr id="3" name="Notes Placeholder 2"/>
+          <p:cNvSpPr>
+            <a:spLocks noGrp="1"/>
+          </p:cNvSpPr>
+          <p:nvPr>
+            <p:ph type="body" idx="1"/>
+          </p:nvPr>
+        </p:nvSpPr>
+        <p:spPr/>
+        <p:txBody>
+          <a:bodyPr/>
+          <a:lstStyle/>
+          <a:p>
+            <a:endParaRPr lang="en-US" dirty="0"/>
+          </a:p>
+        </p:txBody>
+      </p:sp>
+      <p:sp>
+        <p:nvSpPr>
+          <p:cNvPr id="4" name="Slide Number Placeholder 3"/>
+          <p:cNvSpPr>
+            <a:spLocks noGrp="1"/>
+          </p:cNvSpPr>
+          <p:nvPr>
+            <p:ph type="sldNum" sz="quarter" idx="10"/>
+          </p:nvPr>
+        </p:nvSpPr>
+        <p:spPr/>
+        <p:txBody>
+          <a:bodyPr/>
+          <a:lstStyle/>
+          <a:p>
+            <a:fld id="{4B6ADD09-A426-694F-B3F1-BF5C032C9059}" type="slidenum">
+              <a:rPr lang="en-US" smtClean="0"/>
+              <a:t>21</a:t>
+            </a:fld>
+            <a:endParaRPr lang="en-US"/>
+          </a:p>
+        </p:txBody>
+      </p:sp>
+    </p:spTree>
+    <p:extLst>
+      <p:ext uri="{BB962C8B-B14F-4D97-AF65-F5344CB8AC3E}">
+        <p14:creationId xmlns:p14="http://schemas.microsoft.com/office/powerpoint/2010/main" val="2387320060"/>
+      </p:ext>
+    </p:extLst>
+  </p:cSld>
+  <p:clrMapOvr>
+    <a:masterClrMapping/>
+  </p:clrMapOvr>
+</p:notes>
+</file>
+
+<file path=ppt/notesSlides/notesSlide9.xml><?xml version="1.0" encoding="utf-8"?>
+<p:notes xmlns:a="http://schemas.openxmlformats.org/drawingml/2006/main" xmlns:r="http://schemas.openxmlformats.org/officeDocument/2006/relationships" xmlns:p="http://schemas.openxmlformats.org/presentationml/2006/main">
+  <p:cSld>
+    <p:spTree>
+      <p:nvGrpSpPr>
+        <p:cNvPr id="1" name=""/>
+        <p:cNvGrpSpPr/>
+        <p:nvPr/>
+      </p:nvGrpSpPr>
+      <p:grpSpPr>
+        <a:xfrm>
+          <a:off x="0" y="0"/>
+          <a:ext cx="0" cy="0"/>
+          <a:chOff x="0" y="0"/>
+          <a:chExt cx="0" cy="0"/>
+        </a:xfrm>
+      </p:grpSpPr>
+      <p:sp>
+        <p:nvSpPr>
+          <p:cNvPr id="2" name="Slide Image Placeholder 1"/>
+          <p:cNvSpPr>
+            <a:spLocks noGrp="1" noRot="1" noChangeAspect="1"/>
+          </p:cNvSpPr>
+          <p:nvPr>
+            <p:ph type="sldImg"/>
+          </p:nvPr>
+        </p:nvSpPr>
+        <p:spPr/>
+      </p:sp>
+      <p:sp>
+        <p:nvSpPr>
+          <p:cNvPr id="3" name="Notes Placeholder 2"/>
+          <p:cNvSpPr>
+            <a:spLocks noGrp="1"/>
+          </p:cNvSpPr>
+          <p:nvPr>
+            <p:ph type="body" idx="1"/>
+          </p:nvPr>
+        </p:nvSpPr>
+        <p:spPr/>
+        <p:txBody>
+          <a:bodyPr/>
+          <a:lstStyle/>
+          <a:p>
+            <a:r>
+              <a:rPr lang="en-US" dirty="0" smtClean="0"/>
+              <a:t>K-anonymous positive disclosure table and l-diversity sensitive attributes</a:t>
+            </a:r>
+            <a:endParaRPr lang="en-US" dirty="0"/>
+          </a:p>
+        </p:txBody>
+      </p:sp>
+      <p:sp>
+        <p:nvSpPr>
+          <p:cNvPr id="4" name="Slide Number Placeholder 3"/>
+          <p:cNvSpPr>
+            <a:spLocks noGrp="1"/>
+          </p:cNvSpPr>
+          <p:nvPr>
+            <p:ph type="sldNum" sz="quarter" idx="10"/>
+          </p:nvPr>
+        </p:nvSpPr>
+        <p:spPr/>
+        <p:txBody>
+          <a:bodyPr/>
+          <a:lstStyle/>
+          <a:p>
+            <a:fld id="{4B6ADD09-A426-694F-B3F1-BF5C032C9059}" type="slidenum">
+              <a:rPr lang="en-US" smtClean="0"/>
+              <a:t>23</a:t>
+            </a:fld>
+            <a:endParaRPr lang="en-US"/>
+          </a:p>
+        </p:txBody>
+      </p:sp>
+    </p:spTree>
+    <p:extLst>
+      <p:ext uri="{BB962C8B-B14F-4D97-AF65-F5344CB8AC3E}">
+        <p14:creationId xmlns:p14="http://schemas.microsoft.com/office/powerpoint/2010/main" val="98091755"/>
       </p:ext>
     </p:extLst>
   </p:cSld>
@@ -4361,7 +5504,55 @@
           <a:bodyPr/>
           <a:lstStyle/>
           <a:p>
-            <a:endParaRPr lang="en-US"/>
+            <a:r>
+              <a:rPr lang="en-US" dirty="0" err="1" smtClean="0"/>
+              <a:t>Ashwin</a:t>
+            </a:r>
+            <a:r>
+              <a:rPr lang="en-US" dirty="0" smtClean="0"/>
+              <a:t> </a:t>
+            </a:r>
+            <a:r>
+              <a:rPr lang="en-US" dirty="0" err="1" smtClean="0"/>
+              <a:t>Machanavajjhala</a:t>
+            </a:r>
+            <a:r>
+              <a:rPr lang="en-US" dirty="0" smtClean="0"/>
+              <a:t> et al. </a:t>
+            </a:r>
+            <a:endParaRPr lang="en-US" dirty="0"/>
+          </a:p>
+          <a:p>
+            <a:r>
+              <a:rPr lang="en-US" dirty="0" smtClean="0"/>
+              <a:t>Enhancement of k-anonymity</a:t>
+            </a:r>
+          </a:p>
+          <a:p>
+            <a:r>
+              <a:rPr lang="en-US" dirty="0" smtClean="0"/>
+              <a:t>Presents 2 attacks</a:t>
+            </a:r>
+          </a:p>
+          <a:p>
+            <a:pPr lvl="1"/>
+            <a:r>
+              <a:rPr lang="en-US" dirty="0" smtClean="0"/>
+              <a:t>Homogeneity</a:t>
+            </a:r>
+          </a:p>
+          <a:p>
+            <a:pPr lvl="1"/>
+            <a:r>
+              <a:rPr lang="en-US" dirty="0" smtClean="0"/>
+              <a:t>Background information</a:t>
+            </a:r>
+          </a:p>
+          <a:p>
+            <a:pPr marL="0" indent="0">
+              <a:buNone/>
+            </a:pPr>
+            <a:endParaRPr lang="en-US" dirty="0"/>
           </a:p>
         </p:txBody>
       </p:sp>
@@ -4435,49 +5626,27 @@
           <a:p>
             <a:r>
               <a:rPr lang="en-US" dirty="0" smtClean="0"/>
-              <a:t>Presents two attacks on </a:t>
-            </a:r>
-            <a:r>
-              <a:rPr lang="en-US" i="1" dirty="0" smtClean="0"/>
-              <a:t>k</a:t>
-            </a:r>
-            <a:r>
-              <a:rPr lang="en-US" dirty="0" smtClean="0"/>
-              <a:t>-anonymity</a:t>
+              <a:t>Homogeneity</a:t>
             </a:r>
           </a:p>
           <a:p>
             <a:pPr lvl="1"/>
             <a:r>
               <a:rPr lang="en-US" dirty="0" smtClean="0"/>
-              <a:t>Homogeneity Attack</a:t>
+              <a:t>Sensitive attributes can be derived when data is not diverse enough</a:t>
+            </a:r>
+          </a:p>
+          <a:p>
+            <a:r>
+              <a:rPr lang="en-US" dirty="0" smtClean="0"/>
+              <a:t>Background Information</a:t>
             </a:r>
           </a:p>
           <a:p>
             <a:pPr lvl="1"/>
             <a:r>
               <a:rPr lang="en-US" dirty="0" smtClean="0"/>
-              <a:t>Background Information</a:t>
-            </a:r>
-          </a:p>
-          <a:p>
-            <a:r>
-              <a:rPr lang="en-US" dirty="0" smtClean="0"/>
-              <a:t>Proposes two techniques</a:t>
-            </a:r>
-          </a:p>
-          <a:p>
-            <a:pPr lvl="1"/>
-            <a:r>
-              <a:rPr lang="en-US" dirty="0" smtClean="0"/>
-              <a:t>Bayes Optimal</a:t>
-            </a:r>
-          </a:p>
-          <a:p>
-            <a:pPr lvl="1"/>
-            <a:r>
-              <a:rPr lang="en-US" dirty="0" smtClean="0"/>
-              <a:t>L-Diversity</a:t>
+              <a:t>Attack may have some level of background information to infer sensitive attributes</a:t>
             </a:r>
             <a:endParaRPr lang="en-US" dirty="0"/>
           </a:p>
@@ -4486,7 +5655,482 @@
     </p:spTree>
     <p:extLst>
       <p:ext uri="{BB962C8B-B14F-4D97-AF65-F5344CB8AC3E}">
-        <p14:creationId xmlns:p14="http://schemas.microsoft.com/office/powerpoint/2010/main" val="2497568261"/>
+        <p14:creationId xmlns:p14="http://schemas.microsoft.com/office/powerpoint/2010/main" val="589891373"/>
+      </p:ext>
+    </p:extLst>
+  </p:cSld>
+  <p:clrMapOvr>
+    <a:masterClrMapping/>
+  </p:clrMapOvr>
+</p:sld>
+</file>
+
+<file path=ppt/slides/slide15.xml><?xml version="1.0" encoding="utf-8"?>
+<p:sld xmlns:a="http://schemas.openxmlformats.org/drawingml/2006/main" xmlns:r="http://schemas.openxmlformats.org/officeDocument/2006/relationships" xmlns:p="http://schemas.openxmlformats.org/presentationml/2006/main">
+  <p:cSld>
+    <p:spTree>
+      <p:nvGrpSpPr>
+        <p:cNvPr id="1" name=""/>
+        <p:cNvGrpSpPr/>
+        <p:nvPr/>
+      </p:nvGrpSpPr>
+      <p:grpSpPr>
+        <a:xfrm>
+          <a:off x="0" y="0"/>
+          <a:ext cx="0" cy="0"/>
+          <a:chOff x="0" y="0"/>
+          <a:chExt cx="0" cy="0"/>
+        </a:xfrm>
+      </p:grpSpPr>
+      <p:sp>
+        <p:nvSpPr>
+          <p:cNvPr id="2" name="Title 1"/>
+          <p:cNvSpPr>
+            <a:spLocks noGrp="1"/>
+          </p:cNvSpPr>
+          <p:nvPr>
+            <p:ph type="title"/>
+          </p:nvPr>
+        </p:nvSpPr>
+        <p:spPr/>
+        <p:txBody>
+          <a:bodyPr/>
+          <a:lstStyle/>
+          <a:p>
+            <a:r>
+              <a:rPr lang="en-US" dirty="0" smtClean="0"/>
+              <a:t>Homogeneity Attack</a:t>
+            </a:r>
+            <a:endParaRPr lang="en-US" dirty="0"/>
+          </a:p>
+        </p:txBody>
+      </p:sp>
+      <p:sp>
+        <p:nvSpPr>
+          <p:cNvPr id="3" name="Content Placeholder 2"/>
+          <p:cNvSpPr>
+            <a:spLocks noGrp="1"/>
+          </p:cNvSpPr>
+          <p:nvPr>
+            <p:ph idx="1"/>
+          </p:nvPr>
+        </p:nvSpPr>
+        <p:spPr/>
+        <p:txBody>
+          <a:bodyPr/>
+          <a:lstStyle/>
+          <a:p>
+            <a:endParaRPr lang="en-US" dirty="0"/>
+          </a:p>
+        </p:txBody>
+      </p:sp>
+    </p:spTree>
+    <p:extLst>
+      <p:ext uri="{BB962C8B-B14F-4D97-AF65-F5344CB8AC3E}">
+        <p14:creationId xmlns:p14="http://schemas.microsoft.com/office/powerpoint/2010/main" val="3059298020"/>
+      </p:ext>
+    </p:extLst>
+  </p:cSld>
+  <p:clrMapOvr>
+    <a:masterClrMapping/>
+  </p:clrMapOvr>
+</p:sld>
+</file>
+
+<file path=ppt/slides/slide16.xml><?xml version="1.0" encoding="utf-8"?>
+<p:sld xmlns:a="http://schemas.openxmlformats.org/drawingml/2006/main" xmlns:r="http://schemas.openxmlformats.org/officeDocument/2006/relationships" xmlns:p="http://schemas.openxmlformats.org/presentationml/2006/main">
+  <p:cSld>
+    <p:spTree>
+      <p:nvGrpSpPr>
+        <p:cNvPr id="1" name=""/>
+        <p:cNvGrpSpPr/>
+        <p:nvPr/>
+      </p:nvGrpSpPr>
+      <p:grpSpPr>
+        <a:xfrm>
+          <a:off x="0" y="0"/>
+          <a:ext cx="0" cy="0"/>
+          <a:chOff x="0" y="0"/>
+          <a:chExt cx="0" cy="0"/>
+        </a:xfrm>
+      </p:grpSpPr>
+      <p:sp>
+        <p:nvSpPr>
+          <p:cNvPr id="2" name="Title 1"/>
+          <p:cNvSpPr>
+            <a:spLocks noGrp="1"/>
+          </p:cNvSpPr>
+          <p:nvPr>
+            <p:ph type="title"/>
+          </p:nvPr>
+        </p:nvSpPr>
+        <p:spPr/>
+        <p:txBody>
+          <a:bodyPr/>
+          <a:lstStyle/>
+          <a:p>
+            <a:r>
+              <a:rPr lang="en-US" dirty="0" smtClean="0"/>
+              <a:t>Background Information Attack</a:t>
+            </a:r>
+            <a:endParaRPr lang="en-US" dirty="0"/>
+          </a:p>
+        </p:txBody>
+      </p:sp>
+      <p:sp>
+        <p:nvSpPr>
+          <p:cNvPr id="3" name="Content Placeholder 2"/>
+          <p:cNvSpPr>
+            <a:spLocks noGrp="1"/>
+          </p:cNvSpPr>
+          <p:nvPr>
+            <p:ph idx="1"/>
+          </p:nvPr>
+        </p:nvSpPr>
+        <p:spPr/>
+        <p:txBody>
+          <a:bodyPr/>
+          <a:lstStyle/>
+          <a:p>
+            <a:endParaRPr lang="en-US"/>
+          </a:p>
+        </p:txBody>
+      </p:sp>
+    </p:spTree>
+    <p:extLst>
+      <p:ext uri="{BB962C8B-B14F-4D97-AF65-F5344CB8AC3E}">
+        <p14:creationId xmlns:p14="http://schemas.microsoft.com/office/powerpoint/2010/main" val="3073292352"/>
+      </p:ext>
+    </p:extLst>
+  </p:cSld>
+  <p:clrMapOvr>
+    <a:masterClrMapping/>
+  </p:clrMapOvr>
+</p:sld>
+</file>
+
+<file path=ppt/slides/slide17.xml><?xml version="1.0" encoding="utf-8"?>
+<p:sld xmlns:a="http://schemas.openxmlformats.org/drawingml/2006/main" xmlns:r="http://schemas.openxmlformats.org/officeDocument/2006/relationships" xmlns:p="http://schemas.openxmlformats.org/presentationml/2006/main">
+  <p:cSld>
+    <p:spTree>
+      <p:nvGrpSpPr>
+        <p:cNvPr id="1" name=""/>
+        <p:cNvGrpSpPr/>
+        <p:nvPr/>
+      </p:nvGrpSpPr>
+      <p:grpSpPr>
+        <a:xfrm>
+          <a:off x="0" y="0"/>
+          <a:ext cx="0" cy="0"/>
+          <a:chOff x="0" y="0"/>
+          <a:chExt cx="0" cy="0"/>
+        </a:xfrm>
+      </p:grpSpPr>
+      <p:sp>
+        <p:nvSpPr>
+          <p:cNvPr id="2" name="Title 1"/>
+          <p:cNvSpPr>
+            <a:spLocks noGrp="1"/>
+          </p:cNvSpPr>
+          <p:nvPr>
+            <p:ph type="title"/>
+          </p:nvPr>
+        </p:nvSpPr>
+        <p:spPr/>
+        <p:txBody>
+          <a:bodyPr/>
+          <a:lstStyle/>
+          <a:p>
+            <a:r>
+              <a:rPr lang="en-US" dirty="0" smtClean="0"/>
+              <a:t>L-Diversity</a:t>
+            </a:r>
+            <a:endParaRPr lang="en-US" dirty="0"/>
+          </a:p>
+        </p:txBody>
+      </p:sp>
+      <p:sp>
+        <p:nvSpPr>
+          <p:cNvPr id="3" name="Content Placeholder 2"/>
+          <p:cNvSpPr>
+            <a:spLocks noGrp="1"/>
+          </p:cNvSpPr>
+          <p:nvPr>
+            <p:ph idx="1"/>
+          </p:nvPr>
+        </p:nvSpPr>
+        <p:spPr/>
+        <p:txBody>
+          <a:bodyPr/>
+          <a:lstStyle/>
+          <a:p>
+            <a:r>
+              <a:rPr lang="en-US" dirty="0" smtClean="0"/>
+              <a:t>Each q-block should have the same frequency of sensitive values</a:t>
+            </a:r>
+          </a:p>
+          <a:p>
+            <a:r>
+              <a:rPr lang="en-US" dirty="0" smtClean="0"/>
+              <a:t>The frequency of sensitive attributes can protect against background knowledge</a:t>
+            </a:r>
+          </a:p>
+          <a:p>
+            <a:r>
+              <a:rPr lang="en-US" dirty="0" smtClean="0"/>
+              <a:t>Background Knowledge</a:t>
+            </a:r>
+          </a:p>
+          <a:p>
+            <a:pPr lvl="1"/>
+            <a:r>
+              <a:rPr lang="en-US" dirty="0" smtClean="0"/>
+              <a:t>Knows the domain of each attribute</a:t>
+            </a:r>
+          </a:p>
+          <a:p>
+            <a:pPr lvl="1"/>
+            <a:r>
+              <a:rPr lang="en-US" dirty="0" smtClean="0"/>
+              <a:t>Instance Level Knowledge</a:t>
+            </a:r>
+          </a:p>
+          <a:p>
+            <a:pPr lvl="1"/>
+            <a:r>
+              <a:rPr lang="en-US" dirty="0" smtClean="0"/>
+              <a:t>Knowledge of the distribution</a:t>
+            </a:r>
+          </a:p>
+          <a:p>
+            <a:pPr lvl="1"/>
+            <a:endParaRPr lang="en-US" dirty="0" smtClean="0"/>
+          </a:p>
+          <a:p>
+            <a:endParaRPr lang="en-US" dirty="0"/>
+          </a:p>
+        </p:txBody>
+      </p:sp>
+    </p:spTree>
+    <p:extLst>
+      <p:ext uri="{BB962C8B-B14F-4D97-AF65-F5344CB8AC3E}">
+        <p14:creationId xmlns:p14="http://schemas.microsoft.com/office/powerpoint/2010/main" val="2522032787"/>
+      </p:ext>
+    </p:extLst>
+  </p:cSld>
+  <p:clrMapOvr>
+    <a:masterClrMapping/>
+  </p:clrMapOvr>
+</p:sld>
+</file>
+
+<file path=ppt/slides/slide18.xml><?xml version="1.0" encoding="utf-8"?>
+<p:sld xmlns:a="http://schemas.openxmlformats.org/drawingml/2006/main" xmlns:r="http://schemas.openxmlformats.org/officeDocument/2006/relationships" xmlns:p="http://schemas.openxmlformats.org/presentationml/2006/main">
+  <p:cSld>
+    <p:spTree>
+      <p:nvGrpSpPr>
+        <p:cNvPr id="1" name=""/>
+        <p:cNvGrpSpPr/>
+        <p:nvPr/>
+      </p:nvGrpSpPr>
+      <p:grpSpPr>
+        <a:xfrm>
+          <a:off x="0" y="0"/>
+          <a:ext cx="0" cy="0"/>
+          <a:chOff x="0" y="0"/>
+          <a:chExt cx="0" cy="0"/>
+        </a:xfrm>
+      </p:grpSpPr>
+      <p:sp>
+        <p:nvSpPr>
+          <p:cNvPr id="2" name="Title 1"/>
+          <p:cNvSpPr>
+            <a:spLocks noGrp="1"/>
+          </p:cNvSpPr>
+          <p:nvPr>
+            <p:ph type="title"/>
+          </p:nvPr>
+        </p:nvSpPr>
+        <p:spPr/>
+        <p:txBody>
+          <a:bodyPr/>
+          <a:lstStyle/>
+          <a:p>
+            <a:r>
+              <a:rPr lang="en-US" dirty="0" smtClean="0"/>
+              <a:t>Bayes-Optimal</a:t>
+            </a:r>
+            <a:endParaRPr lang="en-US" dirty="0"/>
+          </a:p>
+        </p:txBody>
+      </p:sp>
+      <p:sp>
+        <p:nvSpPr>
+          <p:cNvPr id="3" name="Content Placeholder 2"/>
+          <p:cNvSpPr>
+            <a:spLocks noGrp="1"/>
+          </p:cNvSpPr>
+          <p:nvPr>
+            <p:ph idx="1"/>
+          </p:nvPr>
+        </p:nvSpPr>
+        <p:spPr/>
+        <p:txBody>
+          <a:bodyPr>
+            <a:normAutofit lnSpcReduction="10000"/>
+          </a:bodyPr>
+          <a:lstStyle/>
+          <a:p>
+            <a:r>
+              <a:rPr lang="en-US" dirty="0" smtClean="0"/>
+              <a:t>Models background knowledge over the attributes</a:t>
+            </a:r>
+          </a:p>
+          <a:p>
+            <a:r>
+              <a:rPr lang="en-US" dirty="0" smtClean="0"/>
+              <a:t>Bayesian inference techniques to rationalize privacy</a:t>
+            </a:r>
+          </a:p>
+          <a:p>
+            <a:pPr lvl="1"/>
+            <a:r>
+              <a:rPr lang="en-US" dirty="0" smtClean="0"/>
+              <a:t>P(A|B) = P(A) * P(A|B) / P(B)</a:t>
+            </a:r>
+            <a:endParaRPr lang="en-US" dirty="0" smtClean="0"/>
+          </a:p>
+          <a:p>
+            <a:r>
+              <a:rPr lang="en-US" dirty="0" smtClean="0"/>
+              <a:t>Strong Privacy</a:t>
+            </a:r>
+          </a:p>
+          <a:p>
+            <a:pPr lvl="1"/>
+            <a:r>
+              <a:rPr lang="en-US" dirty="0" smtClean="0"/>
+              <a:t>Assumption that the data publisher and adversary have complete knowledge of all sets of non-sensitive and sensitive attributes</a:t>
+            </a:r>
+          </a:p>
+          <a:p>
+            <a:endParaRPr lang="en-US" dirty="0"/>
+          </a:p>
+        </p:txBody>
+      </p:sp>
+    </p:spTree>
+    <p:extLst>
+      <p:ext uri="{BB962C8B-B14F-4D97-AF65-F5344CB8AC3E}">
+        <p14:creationId xmlns:p14="http://schemas.microsoft.com/office/powerpoint/2010/main" val="605045422"/>
+      </p:ext>
+    </p:extLst>
+  </p:cSld>
+  <p:clrMapOvr>
+    <a:masterClrMapping/>
+  </p:clrMapOvr>
+</p:sld>
+</file>
+
+<file path=ppt/slides/slide19.xml><?xml version="1.0" encoding="utf-8"?>
+<p:sld xmlns:a="http://schemas.openxmlformats.org/drawingml/2006/main" xmlns:r="http://schemas.openxmlformats.org/officeDocument/2006/relationships" xmlns:p="http://schemas.openxmlformats.org/presentationml/2006/main">
+  <p:cSld>
+    <p:spTree>
+      <p:nvGrpSpPr>
+        <p:cNvPr id="1" name=""/>
+        <p:cNvGrpSpPr/>
+        <p:nvPr/>
+      </p:nvGrpSpPr>
+      <p:grpSpPr>
+        <a:xfrm>
+          <a:off x="0" y="0"/>
+          <a:ext cx="0" cy="0"/>
+          <a:chOff x="0" y="0"/>
+          <a:chExt cx="0" cy="0"/>
+        </a:xfrm>
+      </p:grpSpPr>
+      <p:sp>
+        <p:nvSpPr>
+          <p:cNvPr id="2" name="Title 1"/>
+          <p:cNvSpPr>
+            <a:spLocks noGrp="1"/>
+          </p:cNvSpPr>
+          <p:nvPr>
+            <p:ph type="title"/>
+          </p:nvPr>
+        </p:nvSpPr>
+        <p:spPr/>
+        <p:txBody>
+          <a:bodyPr/>
+          <a:lstStyle/>
+          <a:p>
+            <a:r>
+              <a:rPr lang="en-US" dirty="0" smtClean="0"/>
+              <a:t>Bayes-Optimal</a:t>
+            </a:r>
+            <a:endParaRPr lang="en-US" dirty="0"/>
+          </a:p>
+        </p:txBody>
+      </p:sp>
+      <p:sp>
+        <p:nvSpPr>
+          <p:cNvPr id="3" name="Content Placeholder 2"/>
+          <p:cNvSpPr>
+            <a:spLocks noGrp="1"/>
+          </p:cNvSpPr>
+          <p:nvPr>
+            <p:ph idx="1"/>
+          </p:nvPr>
+        </p:nvSpPr>
+        <p:spPr/>
+        <p:txBody>
+          <a:bodyPr/>
+          <a:lstStyle/>
+          <a:p>
+            <a:r>
+              <a:rPr lang="en-US" dirty="0" smtClean="0"/>
+              <a:t>Prior Belief</a:t>
+            </a:r>
+          </a:p>
+          <a:p>
+            <a:pPr lvl="1"/>
+            <a:r>
+              <a:rPr lang="en-US" dirty="0" smtClean="0"/>
+              <a:t>Background Knowledge</a:t>
+            </a:r>
+          </a:p>
+          <a:p>
+            <a:r>
+              <a:rPr lang="en-US" dirty="0" smtClean="0"/>
+              <a:t>Posterior Belief</a:t>
+            </a:r>
+          </a:p>
+          <a:p>
+            <a:pPr lvl="1"/>
+            <a:r>
+              <a:rPr lang="en-US" dirty="0" smtClean="0"/>
+              <a:t>Knowledge after viewing the released table</a:t>
+            </a:r>
+            <a:endParaRPr lang="en-US" dirty="0" smtClean="0"/>
+          </a:p>
+          <a:p>
+            <a:r>
+              <a:rPr lang="en-US" dirty="0" smtClean="0"/>
+              <a:t>Principle 1: Uninformative Principle</a:t>
+            </a:r>
+          </a:p>
+          <a:p>
+            <a:pPr lvl="1"/>
+            <a:r>
+              <a:rPr lang="en-US" dirty="0" smtClean="0"/>
+              <a:t>There should not be a large different between the prior and posterior belief</a:t>
+            </a:r>
+          </a:p>
+        </p:txBody>
+      </p:sp>
+    </p:spTree>
+    <p:extLst>
+      <p:ext uri="{BB962C8B-B14F-4D97-AF65-F5344CB8AC3E}">
+        <p14:creationId xmlns:p14="http://schemas.microsoft.com/office/powerpoint/2010/main" val="138726964"/>
       </p:ext>
     </p:extLst>
   </p:cSld>
@@ -4616,6 +6260,987 @@
 </p:sld>
 </file>
 
+<file path=ppt/slides/slide20.xml><?xml version="1.0" encoding="utf-8"?>
+<p:sld xmlns:a="http://schemas.openxmlformats.org/drawingml/2006/main" xmlns:r="http://schemas.openxmlformats.org/officeDocument/2006/relationships" xmlns:p="http://schemas.openxmlformats.org/presentationml/2006/main">
+  <p:cSld>
+    <p:spTree>
+      <p:nvGrpSpPr>
+        <p:cNvPr id="1" name=""/>
+        <p:cNvGrpSpPr/>
+        <p:nvPr/>
+      </p:nvGrpSpPr>
+      <p:grpSpPr>
+        <a:xfrm>
+          <a:off x="0" y="0"/>
+          <a:ext cx="0" cy="0"/>
+          <a:chOff x="0" y="0"/>
+          <a:chExt cx="0" cy="0"/>
+        </a:xfrm>
+      </p:grpSpPr>
+      <p:sp>
+        <p:nvSpPr>
+          <p:cNvPr id="2" name="Title 1"/>
+          <p:cNvSpPr>
+            <a:spLocks noGrp="1"/>
+          </p:cNvSpPr>
+          <p:nvPr>
+            <p:ph type="title"/>
+          </p:nvPr>
+        </p:nvSpPr>
+        <p:spPr/>
+        <p:txBody>
+          <a:bodyPr>
+            <a:normAutofit/>
+          </a:bodyPr>
+          <a:lstStyle/>
+          <a:p>
+            <a:r>
+              <a:rPr lang="en-US" dirty="0" smtClean="0"/>
+              <a:t>Bayes-Optimal</a:t>
+            </a:r>
+            <a:endParaRPr lang="en-US" dirty="0"/>
+          </a:p>
+        </p:txBody>
+      </p:sp>
+      <p:sp>
+        <p:nvSpPr>
+          <p:cNvPr id="3" name="Content Placeholder 2"/>
+          <p:cNvSpPr>
+            <a:spLocks noGrp="1"/>
+          </p:cNvSpPr>
+          <p:nvPr>
+            <p:ph idx="1"/>
+          </p:nvPr>
+        </p:nvSpPr>
+        <p:spPr/>
+        <p:txBody>
+          <a:bodyPr/>
+          <a:lstStyle/>
+          <a:p>
+            <a:r>
+              <a:rPr lang="en-US" dirty="0" smtClean="0"/>
+              <a:t>Limitations</a:t>
+            </a:r>
+          </a:p>
+          <a:p>
+            <a:pPr lvl="1"/>
+            <a:r>
+              <a:rPr lang="en-US" dirty="0" smtClean="0"/>
+              <a:t>Insufficient Knowledge</a:t>
+            </a:r>
+          </a:p>
+          <a:p>
+            <a:pPr lvl="1"/>
+            <a:r>
+              <a:rPr lang="en-US" dirty="0" smtClean="0"/>
+              <a:t>Adversary’s knowledge is unknown</a:t>
+            </a:r>
+          </a:p>
+          <a:p>
+            <a:pPr lvl="1"/>
+            <a:r>
+              <a:rPr lang="en-US" dirty="0" smtClean="0"/>
+              <a:t>Instance Level Knowledge</a:t>
+            </a:r>
+          </a:p>
+          <a:p>
+            <a:pPr lvl="1"/>
+            <a:r>
+              <a:rPr lang="en-US" dirty="0" smtClean="0"/>
+              <a:t>Multiple Adversaries</a:t>
+            </a:r>
+            <a:endParaRPr lang="en-US" dirty="0"/>
+          </a:p>
+        </p:txBody>
+      </p:sp>
+    </p:spTree>
+    <p:extLst>
+      <p:ext uri="{BB962C8B-B14F-4D97-AF65-F5344CB8AC3E}">
+        <p14:creationId xmlns:p14="http://schemas.microsoft.com/office/powerpoint/2010/main" val="2209954027"/>
+      </p:ext>
+    </p:extLst>
+  </p:cSld>
+  <p:clrMapOvr>
+    <a:masterClrMapping/>
+  </p:clrMapOvr>
+</p:sld>
+</file>
+
+<file path=ppt/slides/slide21.xml><?xml version="1.0" encoding="utf-8"?>
+<p:sld xmlns:a="http://schemas.openxmlformats.org/drawingml/2006/main" xmlns:r="http://schemas.openxmlformats.org/officeDocument/2006/relationships" xmlns:p="http://schemas.openxmlformats.org/presentationml/2006/main">
+  <p:cSld>
+    <p:spTree>
+      <p:nvGrpSpPr>
+        <p:cNvPr id="1" name=""/>
+        <p:cNvGrpSpPr/>
+        <p:nvPr/>
+      </p:nvGrpSpPr>
+      <p:grpSpPr>
+        <a:xfrm>
+          <a:off x="0" y="0"/>
+          <a:ext cx="0" cy="0"/>
+          <a:chOff x="0" y="0"/>
+          <a:chExt cx="0" cy="0"/>
+        </a:xfrm>
+      </p:grpSpPr>
+      <p:sp>
+        <p:nvSpPr>
+          <p:cNvPr id="2" name="Title 1"/>
+          <p:cNvSpPr>
+            <a:spLocks noGrp="1"/>
+          </p:cNvSpPr>
+          <p:nvPr>
+            <p:ph type="title"/>
+          </p:nvPr>
+        </p:nvSpPr>
+        <p:spPr/>
+        <p:txBody>
+          <a:bodyPr/>
+          <a:lstStyle/>
+          <a:p>
+            <a:r>
+              <a:rPr lang="en-US" dirty="0" smtClean="0"/>
+              <a:t>L-Diversity</a:t>
+            </a:r>
+            <a:endParaRPr lang="en-US" dirty="0"/>
+          </a:p>
+        </p:txBody>
+      </p:sp>
+      <p:sp>
+        <p:nvSpPr>
+          <p:cNvPr id="3" name="Content Placeholder 2"/>
+          <p:cNvSpPr>
+            <a:spLocks noGrp="1"/>
+          </p:cNvSpPr>
+          <p:nvPr>
+            <p:ph idx="1"/>
+          </p:nvPr>
+        </p:nvSpPr>
+        <p:spPr/>
+        <p:txBody>
+          <a:bodyPr>
+            <a:normAutofit lnSpcReduction="10000"/>
+          </a:bodyPr>
+          <a:lstStyle/>
+          <a:p>
+            <a:r>
+              <a:rPr lang="en-US" dirty="0" smtClean="0"/>
+              <a:t>For each q-block there are L “well represented” values </a:t>
+            </a:r>
+          </a:p>
+          <a:p>
+            <a:pPr lvl="1"/>
+            <a:r>
+              <a:rPr lang="en-US" dirty="0" smtClean="0"/>
+              <a:t>Well represented is ambiguous</a:t>
+            </a:r>
+          </a:p>
+          <a:p>
+            <a:r>
+              <a:rPr lang="en-US" dirty="0" smtClean="0"/>
+              <a:t>Entropy L-Diversity</a:t>
+            </a:r>
+          </a:p>
+          <a:p>
+            <a:pPr lvl="1"/>
+            <a:r>
+              <a:rPr lang="en-US" dirty="0" smtClean="0"/>
+              <a:t>Higher the entropy mean the more well represented the group is</a:t>
+            </a:r>
+          </a:p>
+          <a:p>
+            <a:r>
+              <a:rPr lang="en-US" dirty="0" smtClean="0"/>
+              <a:t>Background knowledge can be protected using Recursive Diversity </a:t>
+            </a:r>
+          </a:p>
+          <a:p>
+            <a:pPr lvl="1"/>
+            <a:r>
+              <a:rPr lang="en-US" dirty="0" smtClean="0"/>
+              <a:t>(</a:t>
+            </a:r>
+            <a:r>
+              <a:rPr lang="en-US" dirty="0" err="1" smtClean="0"/>
+              <a:t>c,l</a:t>
+            </a:r>
+            <a:r>
+              <a:rPr lang="en-US" dirty="0" smtClean="0"/>
+              <a:t>) Diversity</a:t>
+            </a:r>
+          </a:p>
+        </p:txBody>
+      </p:sp>
+    </p:spTree>
+    <p:extLst>
+      <p:ext uri="{BB962C8B-B14F-4D97-AF65-F5344CB8AC3E}">
+        <p14:creationId xmlns:p14="http://schemas.microsoft.com/office/powerpoint/2010/main" val="3766471010"/>
+      </p:ext>
+    </p:extLst>
+  </p:cSld>
+  <p:clrMapOvr>
+    <a:masterClrMapping/>
+  </p:clrMapOvr>
+</p:sld>
+</file>
+
+<file path=ppt/slides/slide22.xml><?xml version="1.0" encoding="utf-8"?>
+<p:sld xmlns:a="http://schemas.openxmlformats.org/drawingml/2006/main" xmlns:r="http://schemas.openxmlformats.org/officeDocument/2006/relationships" xmlns:p="http://schemas.openxmlformats.org/presentationml/2006/main">
+  <p:cSld>
+    <p:spTree>
+      <p:nvGrpSpPr>
+        <p:cNvPr id="1" name=""/>
+        <p:cNvGrpSpPr/>
+        <p:nvPr/>
+      </p:nvGrpSpPr>
+      <p:grpSpPr>
+        <a:xfrm>
+          <a:off x="0" y="0"/>
+          <a:ext cx="0" cy="0"/>
+          <a:chOff x="0" y="0"/>
+          <a:chExt cx="0" cy="0"/>
+        </a:xfrm>
+      </p:grpSpPr>
+      <p:sp>
+        <p:nvSpPr>
+          <p:cNvPr id="2" name="Title 1"/>
+          <p:cNvSpPr>
+            <a:spLocks noGrp="1"/>
+          </p:cNvSpPr>
+          <p:nvPr>
+            <p:ph type="title"/>
+          </p:nvPr>
+        </p:nvSpPr>
+        <p:spPr/>
+        <p:txBody>
+          <a:bodyPr/>
+          <a:lstStyle/>
+          <a:p>
+            <a:r>
+              <a:rPr lang="en-US" dirty="0" smtClean="0"/>
+              <a:t>L-Diversity</a:t>
+            </a:r>
+            <a:endParaRPr lang="en-US" dirty="0"/>
+          </a:p>
+        </p:txBody>
+      </p:sp>
+      <p:sp>
+        <p:nvSpPr>
+          <p:cNvPr id="3" name="Content Placeholder 2"/>
+          <p:cNvSpPr>
+            <a:spLocks noGrp="1"/>
+          </p:cNvSpPr>
+          <p:nvPr>
+            <p:ph idx="1"/>
+          </p:nvPr>
+        </p:nvSpPr>
+        <p:spPr/>
+        <p:txBody>
+          <a:bodyPr/>
+          <a:lstStyle/>
+          <a:p>
+            <a:r>
+              <a:rPr lang="en-US" dirty="0" smtClean="0"/>
+              <a:t>The following disclosures occur when a generalized table is release</a:t>
+            </a:r>
+          </a:p>
+          <a:p>
+            <a:r>
+              <a:rPr lang="en-US" dirty="0" smtClean="0"/>
+              <a:t>Positive Disclosure</a:t>
+            </a:r>
+          </a:p>
+          <a:p>
+            <a:pPr lvl="1"/>
+            <a:r>
+              <a:rPr lang="en-US" dirty="0" smtClean="0"/>
+              <a:t>An adversary can identify sensitive attributes with high probability</a:t>
+            </a:r>
+          </a:p>
+          <a:p>
+            <a:r>
+              <a:rPr lang="en-US" dirty="0" smtClean="0"/>
+              <a:t>Negative Disclosure</a:t>
+            </a:r>
+          </a:p>
+          <a:p>
+            <a:pPr lvl="1"/>
+            <a:r>
+              <a:rPr lang="en-US" dirty="0" smtClean="0"/>
+              <a:t>An adversary can correctly eliminate sensitive attributes </a:t>
+            </a:r>
+          </a:p>
+          <a:p>
+            <a:pPr lvl="1"/>
+            <a:endParaRPr lang="en-US" dirty="0"/>
+          </a:p>
+        </p:txBody>
+      </p:sp>
+    </p:spTree>
+    <p:extLst>
+      <p:ext uri="{BB962C8B-B14F-4D97-AF65-F5344CB8AC3E}">
+        <p14:creationId xmlns:p14="http://schemas.microsoft.com/office/powerpoint/2010/main" val="324189903"/>
+      </p:ext>
+    </p:extLst>
+  </p:cSld>
+  <p:clrMapOvr>
+    <a:masterClrMapping/>
+  </p:clrMapOvr>
+</p:sld>
+</file>
+
+<file path=ppt/slides/slide23.xml><?xml version="1.0" encoding="utf-8"?>
+<p:sld xmlns:a="http://schemas.openxmlformats.org/drawingml/2006/main" xmlns:r="http://schemas.openxmlformats.org/officeDocument/2006/relationships" xmlns:p="http://schemas.openxmlformats.org/presentationml/2006/main">
+  <p:cSld>
+    <p:spTree>
+      <p:nvGrpSpPr>
+        <p:cNvPr id="1" name=""/>
+        <p:cNvGrpSpPr/>
+        <p:nvPr/>
+      </p:nvGrpSpPr>
+      <p:grpSpPr>
+        <a:xfrm>
+          <a:off x="0" y="0"/>
+          <a:ext cx="0" cy="0"/>
+          <a:chOff x="0" y="0"/>
+          <a:chExt cx="0" cy="0"/>
+        </a:xfrm>
+      </p:grpSpPr>
+      <p:sp>
+        <p:nvSpPr>
+          <p:cNvPr id="2" name="Title 1"/>
+          <p:cNvSpPr>
+            <a:spLocks noGrp="1"/>
+          </p:cNvSpPr>
+          <p:nvPr>
+            <p:ph type="title"/>
+          </p:nvPr>
+        </p:nvSpPr>
+        <p:spPr/>
+        <p:txBody>
+          <a:bodyPr>
+            <a:normAutofit/>
+          </a:bodyPr>
+          <a:lstStyle/>
+          <a:p>
+            <a:r>
+              <a:rPr lang="en-US" dirty="0" smtClean="0"/>
+              <a:t>L-Diversity</a:t>
+            </a:r>
+            <a:endParaRPr lang="en-US" dirty="0"/>
+          </a:p>
+        </p:txBody>
+      </p:sp>
+      <p:sp>
+        <p:nvSpPr>
+          <p:cNvPr id="3" name="Content Placeholder 2"/>
+          <p:cNvSpPr>
+            <a:spLocks noGrp="1"/>
+          </p:cNvSpPr>
+          <p:nvPr>
+            <p:ph idx="1"/>
+          </p:nvPr>
+        </p:nvSpPr>
+        <p:spPr/>
+        <p:txBody>
+          <a:bodyPr>
+            <a:normAutofit/>
+          </a:bodyPr>
+          <a:lstStyle/>
+          <a:p>
+            <a:r>
+              <a:rPr lang="en-US" dirty="0" smtClean="0"/>
+              <a:t>Positive disclosure may be allowed</a:t>
+            </a:r>
+          </a:p>
+          <a:p>
+            <a:pPr lvl="1"/>
+            <a:r>
+              <a:rPr lang="en-US" dirty="0" smtClean="0"/>
+              <a:t>Publishing unaltered tables</a:t>
+            </a:r>
+          </a:p>
+          <a:p>
+            <a:pPr lvl="1"/>
+            <a:r>
+              <a:rPr lang="en-US" dirty="0" smtClean="0"/>
+              <a:t>Separating groups can disclose information</a:t>
+            </a:r>
+          </a:p>
+          <a:p>
+            <a:pPr lvl="1"/>
+            <a:r>
+              <a:rPr lang="en-US" dirty="0" smtClean="0"/>
+              <a:t>Separating tables will be based on Utility</a:t>
+            </a:r>
+          </a:p>
+          <a:p>
+            <a:pPr lvl="2"/>
+            <a:r>
+              <a:rPr lang="en-US" dirty="0" smtClean="0"/>
+              <a:t>How complex to understand</a:t>
+            </a:r>
+          </a:p>
+          <a:p>
+            <a:r>
+              <a:rPr lang="en-US" dirty="0" smtClean="0"/>
+              <a:t>Positive Disclosure-Recursive Diversity</a:t>
+            </a:r>
+          </a:p>
+          <a:p>
+            <a:r>
+              <a:rPr lang="en-US" dirty="0" smtClean="0"/>
+              <a:t>Non-Positive Disclosure-Recursive Diversity</a:t>
+            </a:r>
+          </a:p>
+          <a:p>
+            <a:endParaRPr lang="en-US" dirty="0" smtClean="0"/>
+          </a:p>
+        </p:txBody>
+      </p:sp>
+    </p:spTree>
+    <p:extLst>
+      <p:ext uri="{BB962C8B-B14F-4D97-AF65-F5344CB8AC3E}">
+        <p14:creationId xmlns:p14="http://schemas.microsoft.com/office/powerpoint/2010/main" val="2033380484"/>
+      </p:ext>
+    </p:extLst>
+  </p:cSld>
+  <p:clrMapOvr>
+    <a:masterClrMapping/>
+  </p:clrMapOvr>
+</p:sld>
+</file>
+
+<file path=ppt/slides/slide24.xml><?xml version="1.0" encoding="utf-8"?>
+<p:sld xmlns:a="http://schemas.openxmlformats.org/drawingml/2006/main" xmlns:r="http://schemas.openxmlformats.org/officeDocument/2006/relationships" xmlns:p="http://schemas.openxmlformats.org/presentationml/2006/main">
+  <p:cSld>
+    <p:spTree>
+      <p:nvGrpSpPr>
+        <p:cNvPr id="1" name=""/>
+        <p:cNvGrpSpPr/>
+        <p:nvPr/>
+      </p:nvGrpSpPr>
+      <p:grpSpPr>
+        <a:xfrm>
+          <a:off x="0" y="0"/>
+          <a:ext cx="0" cy="0"/>
+          <a:chOff x="0" y="0"/>
+          <a:chExt cx="0" cy="0"/>
+        </a:xfrm>
+      </p:grpSpPr>
+      <p:sp>
+        <p:nvSpPr>
+          <p:cNvPr id="2" name="Title 1"/>
+          <p:cNvSpPr>
+            <a:spLocks noGrp="1"/>
+          </p:cNvSpPr>
+          <p:nvPr>
+            <p:ph type="title"/>
+          </p:nvPr>
+        </p:nvSpPr>
+        <p:spPr/>
+        <p:txBody>
+          <a:bodyPr/>
+          <a:lstStyle/>
+          <a:p>
+            <a:endParaRPr lang="en-US"/>
+          </a:p>
+        </p:txBody>
+      </p:sp>
+      <p:sp>
+        <p:nvSpPr>
+          <p:cNvPr id="3" name="Content Placeholder 2"/>
+          <p:cNvSpPr>
+            <a:spLocks noGrp="1"/>
+          </p:cNvSpPr>
+          <p:nvPr>
+            <p:ph idx="1"/>
+          </p:nvPr>
+        </p:nvSpPr>
+        <p:spPr/>
+        <p:txBody>
+          <a:bodyPr/>
+          <a:lstStyle/>
+          <a:p>
+            <a:pPr marL="0" indent="0">
+              <a:buNone/>
+            </a:pPr>
+            <a:endParaRPr lang="en-US" dirty="0"/>
+          </a:p>
+        </p:txBody>
+      </p:sp>
+    </p:spTree>
+    <p:extLst>
+      <p:ext uri="{BB962C8B-B14F-4D97-AF65-F5344CB8AC3E}">
+        <p14:creationId xmlns:p14="http://schemas.microsoft.com/office/powerpoint/2010/main" val="2627732634"/>
+      </p:ext>
+    </p:extLst>
+  </p:cSld>
+  <p:clrMapOvr>
+    <a:masterClrMapping/>
+  </p:clrMapOvr>
+</p:sld>
+</file>
+
+<file path=ppt/slides/slide25.xml><?xml version="1.0" encoding="utf-8"?>
+<p:sld xmlns:a="http://schemas.openxmlformats.org/drawingml/2006/main" xmlns:r="http://schemas.openxmlformats.org/officeDocument/2006/relationships" xmlns:p="http://schemas.openxmlformats.org/presentationml/2006/main">
+  <p:cSld>
+    <p:spTree>
+      <p:nvGrpSpPr>
+        <p:cNvPr id="1" name=""/>
+        <p:cNvGrpSpPr/>
+        <p:nvPr/>
+      </p:nvGrpSpPr>
+      <p:grpSpPr>
+        <a:xfrm>
+          <a:off x="0" y="0"/>
+          <a:ext cx="0" cy="0"/>
+          <a:chOff x="0" y="0"/>
+          <a:chExt cx="0" cy="0"/>
+        </a:xfrm>
+      </p:grpSpPr>
+      <p:sp>
+        <p:nvSpPr>
+          <p:cNvPr id="2" name="Title 1"/>
+          <p:cNvSpPr>
+            <a:spLocks noGrp="1"/>
+          </p:cNvSpPr>
+          <p:nvPr>
+            <p:ph type="title"/>
+          </p:nvPr>
+        </p:nvSpPr>
+        <p:spPr/>
+        <p:txBody>
+          <a:bodyPr/>
+          <a:lstStyle/>
+          <a:p>
+            <a:r>
+              <a:rPr lang="en-US" dirty="0" smtClean="0"/>
+              <a:t>L-Diversity</a:t>
+            </a:r>
+            <a:endParaRPr lang="en-US" dirty="0"/>
+          </a:p>
+        </p:txBody>
+      </p:sp>
+      <p:sp>
+        <p:nvSpPr>
+          <p:cNvPr id="3" name="Content Placeholder 2"/>
+          <p:cNvSpPr>
+            <a:spLocks noGrp="1"/>
+          </p:cNvSpPr>
+          <p:nvPr>
+            <p:ph idx="1"/>
+          </p:nvPr>
+        </p:nvSpPr>
+        <p:spPr/>
+        <p:txBody>
+          <a:bodyPr/>
+          <a:lstStyle/>
+          <a:p>
+            <a:r>
+              <a:rPr lang="en-US" dirty="0" smtClean="0"/>
+              <a:t>Presents two attacks on </a:t>
+            </a:r>
+            <a:r>
+              <a:rPr lang="en-US" i="1" dirty="0" smtClean="0"/>
+              <a:t>k</a:t>
+            </a:r>
+            <a:r>
+              <a:rPr lang="en-US" dirty="0" smtClean="0"/>
+              <a:t>-anonymity</a:t>
+            </a:r>
+          </a:p>
+          <a:p>
+            <a:pPr lvl="1"/>
+            <a:r>
+              <a:rPr lang="en-US" dirty="0" smtClean="0"/>
+              <a:t>Homogeneity Attack</a:t>
+            </a:r>
+          </a:p>
+          <a:p>
+            <a:pPr lvl="1"/>
+            <a:r>
+              <a:rPr lang="en-US" dirty="0" smtClean="0"/>
+              <a:t>Background Information</a:t>
+            </a:r>
+          </a:p>
+          <a:p>
+            <a:r>
+              <a:rPr lang="en-US" dirty="0" smtClean="0"/>
+              <a:t>Proposes two techniques</a:t>
+            </a:r>
+          </a:p>
+          <a:p>
+            <a:pPr lvl="1"/>
+            <a:r>
+              <a:rPr lang="en-US" dirty="0" smtClean="0"/>
+              <a:t>Bayes Optimal</a:t>
+            </a:r>
+          </a:p>
+          <a:p>
+            <a:pPr lvl="1"/>
+            <a:r>
+              <a:rPr lang="en-US" dirty="0" smtClean="0"/>
+              <a:t>L-Diversity</a:t>
+            </a:r>
+            <a:endParaRPr lang="en-US" dirty="0"/>
+          </a:p>
+        </p:txBody>
+      </p:sp>
+    </p:spTree>
+    <p:extLst>
+      <p:ext uri="{BB962C8B-B14F-4D97-AF65-F5344CB8AC3E}">
+        <p14:creationId xmlns:p14="http://schemas.microsoft.com/office/powerpoint/2010/main" val="2497568261"/>
+      </p:ext>
+    </p:extLst>
+  </p:cSld>
+  <p:clrMapOvr>
+    <a:masterClrMapping/>
+  </p:clrMapOvr>
+</p:sld>
+</file>
+
+<file path=ppt/slides/slide26.xml><?xml version="1.0" encoding="utf-8"?>
+<p:sld xmlns:a="http://schemas.openxmlformats.org/drawingml/2006/main" xmlns:r="http://schemas.openxmlformats.org/officeDocument/2006/relationships" xmlns:p="http://schemas.openxmlformats.org/presentationml/2006/main">
+  <p:cSld>
+    <p:spTree>
+      <p:nvGrpSpPr>
+        <p:cNvPr id="1" name=""/>
+        <p:cNvGrpSpPr/>
+        <p:nvPr/>
+      </p:nvGrpSpPr>
+      <p:grpSpPr>
+        <a:xfrm>
+          <a:off x="0" y="0"/>
+          <a:ext cx="0" cy="0"/>
+          <a:chOff x="0" y="0"/>
+          <a:chExt cx="0" cy="0"/>
+        </a:xfrm>
+      </p:grpSpPr>
+      <p:sp>
+        <p:nvSpPr>
+          <p:cNvPr id="2" name="Title 1"/>
+          <p:cNvSpPr>
+            <a:spLocks noGrp="1"/>
+          </p:cNvSpPr>
+          <p:nvPr>
+            <p:ph type="title"/>
+          </p:nvPr>
+        </p:nvSpPr>
+        <p:spPr/>
+        <p:txBody>
+          <a:bodyPr/>
+          <a:lstStyle/>
+          <a:p>
+            <a:r>
+              <a:rPr lang="en-US" dirty="0" smtClean="0"/>
+              <a:t>L-Severity</a:t>
+            </a:r>
+            <a:endParaRPr lang="en-US" dirty="0"/>
+          </a:p>
+        </p:txBody>
+      </p:sp>
+      <p:pic>
+        <p:nvPicPr>
+          <p:cNvPr id="4" name="Content Placeholder 3" descr="Screen Shot 2017-03-09 at 5.20.10 PM.png"/>
+          <p:cNvPicPr>
+            <a:picLocks noGrp="1" noChangeAspect="1"/>
+          </p:cNvPicPr>
+          <p:nvPr>
+            <p:ph idx="1"/>
+          </p:nvPr>
+        </p:nvPicPr>
+        <p:blipFill>
+          <a:blip r:embed="rId3">
+            <a:extLst>
+              <a:ext uri="{28A0092B-C50C-407E-A947-70E740481C1C}">
+                <a14:useLocalDpi xmlns:a14="http://schemas.microsoft.com/office/drawing/2010/main" val="0"/>
+              </a:ext>
+            </a:extLst>
+          </a:blip>
+          <a:srcRect t="-89831" b="-89831"/>
+          <a:stretch>
+            <a:fillRect/>
+          </a:stretch>
+        </p:blipFill>
+        <p:spPr/>
+      </p:pic>
+    </p:spTree>
+    <p:extLst>
+      <p:ext uri="{BB962C8B-B14F-4D97-AF65-F5344CB8AC3E}">
+        <p14:creationId xmlns:p14="http://schemas.microsoft.com/office/powerpoint/2010/main" val="1755485051"/>
+      </p:ext>
+    </p:extLst>
+  </p:cSld>
+  <p:clrMapOvr>
+    <a:masterClrMapping/>
+  </p:clrMapOvr>
+</p:sld>
+</file>
+
+<file path=ppt/slides/slide27.xml><?xml version="1.0" encoding="utf-8"?>
+<p:sld xmlns:a="http://schemas.openxmlformats.org/drawingml/2006/main" xmlns:r="http://schemas.openxmlformats.org/officeDocument/2006/relationships" xmlns:p="http://schemas.openxmlformats.org/presentationml/2006/main">
+  <p:cSld>
+    <p:spTree>
+      <p:nvGrpSpPr>
+        <p:cNvPr id="1" name=""/>
+        <p:cNvGrpSpPr/>
+        <p:nvPr/>
+      </p:nvGrpSpPr>
+      <p:grpSpPr>
+        <a:xfrm>
+          <a:off x="0" y="0"/>
+          <a:ext cx="0" cy="0"/>
+          <a:chOff x="0" y="0"/>
+          <a:chExt cx="0" cy="0"/>
+        </a:xfrm>
+      </p:grpSpPr>
+      <p:sp>
+        <p:nvSpPr>
+          <p:cNvPr id="2" name="Title 1"/>
+          <p:cNvSpPr>
+            <a:spLocks noGrp="1"/>
+          </p:cNvSpPr>
+          <p:nvPr>
+            <p:ph type="title"/>
+          </p:nvPr>
+        </p:nvSpPr>
+        <p:spPr/>
+        <p:txBody>
+          <a:bodyPr/>
+          <a:lstStyle/>
+          <a:p>
+            <a:r>
+              <a:rPr lang="en-US" dirty="0" smtClean="0"/>
+              <a:t>L-Severity</a:t>
+            </a:r>
+            <a:endParaRPr lang="en-US" dirty="0"/>
+          </a:p>
+        </p:txBody>
+      </p:sp>
+      <p:pic>
+        <p:nvPicPr>
+          <p:cNvPr id="4" name="Content Placeholder 3" descr="Screen Shot 2017-03-09 at 5.21.06 PM.png"/>
+          <p:cNvPicPr>
+            <a:picLocks noGrp="1" noChangeAspect="1"/>
+          </p:cNvPicPr>
+          <p:nvPr>
+            <p:ph idx="1"/>
+          </p:nvPr>
+        </p:nvPicPr>
+        <p:blipFill>
+          <a:blip r:embed="rId3">
+            <a:extLst>
+              <a:ext uri="{28A0092B-C50C-407E-A947-70E740481C1C}">
+                <a14:useLocalDpi xmlns:a14="http://schemas.microsoft.com/office/drawing/2010/main" val="0"/>
+              </a:ext>
+            </a:extLst>
+          </a:blip>
+          <a:srcRect t="-104104" b="-104104"/>
+          <a:stretch>
+            <a:fillRect/>
+          </a:stretch>
+        </p:blipFill>
+        <p:spPr/>
+      </p:pic>
+    </p:spTree>
+    <p:extLst>
+      <p:ext uri="{BB962C8B-B14F-4D97-AF65-F5344CB8AC3E}">
+        <p14:creationId xmlns:p14="http://schemas.microsoft.com/office/powerpoint/2010/main" val="1814004128"/>
+      </p:ext>
+    </p:extLst>
+  </p:cSld>
+  <p:clrMapOvr>
+    <a:masterClrMapping/>
+  </p:clrMapOvr>
+</p:sld>
+</file>
+
+<file path=ppt/slides/slide28.xml><?xml version="1.0" encoding="utf-8"?>
+<p:sld xmlns:a="http://schemas.openxmlformats.org/drawingml/2006/main" xmlns:r="http://schemas.openxmlformats.org/officeDocument/2006/relationships" xmlns:p="http://schemas.openxmlformats.org/presentationml/2006/main">
+  <p:cSld>
+    <p:spTree>
+      <p:nvGrpSpPr>
+        <p:cNvPr id="1" name=""/>
+        <p:cNvGrpSpPr/>
+        <p:nvPr/>
+      </p:nvGrpSpPr>
+      <p:grpSpPr>
+        <a:xfrm>
+          <a:off x="0" y="0"/>
+          <a:ext cx="0" cy="0"/>
+          <a:chOff x="0" y="0"/>
+          <a:chExt cx="0" cy="0"/>
+        </a:xfrm>
+      </p:grpSpPr>
+      <p:sp>
+        <p:nvSpPr>
+          <p:cNvPr id="2" name="Title 1"/>
+          <p:cNvSpPr>
+            <a:spLocks noGrp="1"/>
+          </p:cNvSpPr>
+          <p:nvPr>
+            <p:ph type="title"/>
+          </p:nvPr>
+        </p:nvSpPr>
+        <p:spPr/>
+        <p:txBody>
+          <a:bodyPr/>
+          <a:lstStyle/>
+          <a:p>
+            <a:r>
+              <a:rPr lang="en-US" dirty="0" smtClean="0"/>
+              <a:t>L-Severity</a:t>
+            </a:r>
+            <a:endParaRPr lang="en-US" dirty="0"/>
+          </a:p>
+        </p:txBody>
+      </p:sp>
+      <p:pic>
+        <p:nvPicPr>
+          <p:cNvPr id="4" name="Content Placeholder 3" descr="Screen Shot 2017-05-04 at 8.42.12 PM.png"/>
+          <p:cNvPicPr>
+            <a:picLocks noGrp="1" noChangeAspect="1"/>
+          </p:cNvPicPr>
+          <p:nvPr>
+            <p:ph idx="1"/>
+          </p:nvPr>
+        </p:nvPicPr>
+        <p:blipFill>
+          <a:blip r:embed="rId2">
+            <a:extLst>
+              <a:ext uri="{28A0092B-C50C-407E-A947-70E740481C1C}">
+                <a14:useLocalDpi xmlns:a14="http://schemas.microsoft.com/office/drawing/2010/main" val="0"/>
+              </a:ext>
+            </a:extLst>
+          </a:blip>
+          <a:srcRect t="-57763" b="-57763"/>
+          <a:stretch>
+            <a:fillRect/>
+          </a:stretch>
+        </p:blipFill>
+        <p:spPr/>
+      </p:pic>
+    </p:spTree>
+    <p:extLst>
+      <p:ext uri="{BB962C8B-B14F-4D97-AF65-F5344CB8AC3E}">
+        <p14:creationId xmlns:p14="http://schemas.microsoft.com/office/powerpoint/2010/main" val="3122395520"/>
+      </p:ext>
+    </p:extLst>
+  </p:cSld>
+  <p:clrMapOvr>
+    <a:masterClrMapping/>
+  </p:clrMapOvr>
+</p:sld>
+</file>
+
+<file path=ppt/slides/slide29.xml><?xml version="1.0" encoding="utf-8"?>
+<p:sld xmlns:a="http://schemas.openxmlformats.org/drawingml/2006/main" xmlns:r="http://schemas.openxmlformats.org/officeDocument/2006/relationships" xmlns:p="http://schemas.openxmlformats.org/presentationml/2006/main">
+  <p:cSld>
+    <p:spTree>
+      <p:nvGrpSpPr>
+        <p:cNvPr id="1" name=""/>
+        <p:cNvGrpSpPr/>
+        <p:nvPr/>
+      </p:nvGrpSpPr>
+      <p:grpSpPr>
+        <a:xfrm>
+          <a:off x="0" y="0"/>
+          <a:ext cx="0" cy="0"/>
+          <a:chOff x="0" y="0"/>
+          <a:chExt cx="0" cy="0"/>
+        </a:xfrm>
+      </p:grpSpPr>
+      <p:sp>
+        <p:nvSpPr>
+          <p:cNvPr id="2" name="Title 1"/>
+          <p:cNvSpPr>
+            <a:spLocks noGrp="1"/>
+          </p:cNvSpPr>
+          <p:nvPr>
+            <p:ph type="title"/>
+          </p:nvPr>
+        </p:nvSpPr>
+        <p:spPr/>
+        <p:txBody>
+          <a:bodyPr/>
+          <a:lstStyle/>
+          <a:p>
+            <a:r>
+              <a:rPr lang="en-US" dirty="0" smtClean="0"/>
+              <a:t>KL-Severity</a:t>
+            </a:r>
+            <a:endParaRPr lang="en-US" dirty="0"/>
+          </a:p>
+        </p:txBody>
+      </p:sp>
+      <p:sp>
+        <p:nvSpPr>
+          <p:cNvPr id="3" name="Content Placeholder 2"/>
+          <p:cNvSpPr>
+            <a:spLocks noGrp="1"/>
+          </p:cNvSpPr>
+          <p:nvPr>
+            <p:ph idx="1"/>
+          </p:nvPr>
+        </p:nvSpPr>
+        <p:spPr/>
+        <p:txBody>
+          <a:bodyPr/>
+          <a:lstStyle/>
+          <a:p>
+            <a:r>
+              <a:rPr lang="en-US" dirty="0" smtClean="0"/>
+              <a:t>Quasi-identifier</a:t>
+            </a:r>
+          </a:p>
+          <a:p>
+            <a:pPr lvl="1"/>
+            <a:r>
+              <a:rPr lang="en-US" dirty="0" smtClean="0"/>
+              <a:t>Logic Driven</a:t>
+            </a:r>
+          </a:p>
+          <a:p>
+            <a:r>
+              <a:rPr lang="en-US" dirty="0" smtClean="0"/>
+              <a:t>Non-Sensitive Values</a:t>
+            </a:r>
+          </a:p>
+          <a:p>
+            <a:r>
+              <a:rPr lang="en-US" dirty="0" smtClean="0"/>
+              <a:t>Classification</a:t>
+            </a:r>
+          </a:p>
+          <a:p>
+            <a:r>
+              <a:rPr lang="en-US" dirty="0" smtClean="0"/>
+              <a:t>Number of unique sensitive values in a q-block</a:t>
+            </a:r>
+          </a:p>
+          <a:p>
+            <a:r>
+              <a:rPr lang="en-US" dirty="0" smtClean="0"/>
+              <a:t>Well-Represented</a:t>
+            </a:r>
+            <a:endParaRPr lang="en-US" dirty="0"/>
+          </a:p>
+        </p:txBody>
+      </p:sp>
+    </p:spTree>
+    <p:extLst>
+      <p:ext uri="{BB962C8B-B14F-4D97-AF65-F5344CB8AC3E}">
+        <p14:creationId xmlns:p14="http://schemas.microsoft.com/office/powerpoint/2010/main" val="1964036521"/>
+      </p:ext>
+    </p:extLst>
+  </p:cSld>
+  <p:clrMapOvr>
+    <a:masterClrMapping/>
+  </p:clrMapOvr>
+</p:sld>
+</file>
+
 <file path=ppt/slides/slide3.xml><?xml version="1.0" encoding="utf-8"?>
 <p:sld xmlns:a="http://schemas.openxmlformats.org/drawingml/2006/main" xmlns:r="http://schemas.openxmlformats.org/officeDocument/2006/relationships" xmlns:p="http://schemas.openxmlformats.org/presentationml/2006/main">
   <p:cSld>
@@ -4723,6 +7348,1646 @@
     <p:extLst>
       <p:ext uri="{BB962C8B-B14F-4D97-AF65-F5344CB8AC3E}">
         <p14:creationId xmlns:p14="http://schemas.microsoft.com/office/powerpoint/2010/main" val="487835547"/>
+      </p:ext>
+    </p:extLst>
+  </p:cSld>
+  <p:clrMapOvr>
+    <a:masterClrMapping/>
+  </p:clrMapOvr>
+</p:sld>
+</file>
+
+<file path=ppt/slides/slide30.xml><?xml version="1.0" encoding="utf-8"?>
+<p:sld xmlns:a="http://schemas.openxmlformats.org/drawingml/2006/main" xmlns:r="http://schemas.openxmlformats.org/officeDocument/2006/relationships" xmlns:p="http://schemas.openxmlformats.org/presentationml/2006/main">
+  <p:cSld>
+    <p:spTree>
+      <p:nvGrpSpPr>
+        <p:cNvPr id="1" name=""/>
+        <p:cNvGrpSpPr/>
+        <p:nvPr/>
+      </p:nvGrpSpPr>
+      <p:grpSpPr>
+        <a:xfrm>
+          <a:off x="0" y="0"/>
+          <a:ext cx="0" cy="0"/>
+          <a:chOff x="0" y="0"/>
+          <a:chExt cx="0" cy="0"/>
+        </a:xfrm>
+      </p:grpSpPr>
+      <p:sp>
+        <p:nvSpPr>
+          <p:cNvPr id="2" name="Title 1"/>
+          <p:cNvSpPr>
+            <a:spLocks noGrp="1"/>
+          </p:cNvSpPr>
+          <p:nvPr>
+            <p:ph type="title"/>
+          </p:nvPr>
+        </p:nvSpPr>
+        <p:spPr/>
+        <p:txBody>
+          <a:bodyPr/>
+          <a:lstStyle/>
+          <a:p>
+            <a:r>
+              <a:rPr lang="en-US" dirty="0" smtClean="0"/>
+              <a:t>KL-Severity</a:t>
+            </a:r>
+            <a:endParaRPr lang="en-US" dirty="0"/>
+          </a:p>
+        </p:txBody>
+      </p:sp>
+      <p:sp>
+        <p:nvSpPr>
+          <p:cNvPr id="3" name="Content Placeholder 2"/>
+          <p:cNvSpPr>
+            <a:spLocks noGrp="1"/>
+          </p:cNvSpPr>
+          <p:nvPr>
+            <p:ph idx="1"/>
+          </p:nvPr>
+        </p:nvSpPr>
+        <p:spPr/>
+        <p:txBody>
+          <a:bodyPr/>
+          <a:lstStyle/>
+          <a:p>
+            <a:r>
+              <a:rPr lang="en-US" dirty="0" smtClean="0"/>
+              <a:t>Quasi-Identifiers</a:t>
+            </a:r>
+          </a:p>
+          <a:p>
+            <a:pPr lvl="1"/>
+            <a:r>
+              <a:rPr lang="en-US" dirty="0" smtClean="0"/>
+              <a:t>Minors</a:t>
+            </a:r>
+          </a:p>
+          <a:p>
+            <a:pPr lvl="2"/>
+            <a:r>
+              <a:rPr lang="en-US" dirty="0" smtClean="0"/>
+              <a:t>Age</a:t>
+            </a:r>
+          </a:p>
+          <a:p>
+            <a:pPr lvl="1"/>
+            <a:r>
+              <a:rPr lang="en-US" dirty="0" smtClean="0"/>
+              <a:t>Specifics</a:t>
+            </a:r>
+          </a:p>
+          <a:p>
+            <a:pPr lvl="2"/>
+            <a:r>
+              <a:rPr lang="en-US" dirty="0" smtClean="0"/>
+              <a:t>Zip code: 100** </a:t>
+            </a:r>
+            <a:r>
+              <a:rPr lang="en-US" dirty="0" err="1" smtClean="0"/>
+              <a:t>vs</a:t>
+            </a:r>
+            <a:r>
+              <a:rPr lang="en-US" dirty="0" smtClean="0"/>
+              <a:t> 1009*</a:t>
+            </a:r>
+          </a:p>
+          <a:p>
+            <a:pPr lvl="2"/>
+            <a:r>
+              <a:rPr lang="en-US" dirty="0" smtClean="0"/>
+              <a:t>Gender: Male/Female </a:t>
+            </a:r>
+            <a:r>
+              <a:rPr lang="en-US" dirty="0" err="1" smtClean="0"/>
+              <a:t>vs</a:t>
+            </a:r>
+            <a:r>
+              <a:rPr lang="en-US" dirty="0" smtClean="0"/>
+              <a:t> Generalized Value</a:t>
+            </a:r>
+          </a:p>
+          <a:p>
+            <a:r>
+              <a:rPr lang="en-US" dirty="0" smtClean="0"/>
+              <a:t>Sensitivity Score</a:t>
+            </a:r>
+            <a:endParaRPr lang="en-US" dirty="0"/>
+          </a:p>
+        </p:txBody>
+      </p:sp>
+    </p:spTree>
+    <p:extLst>
+      <p:ext uri="{BB962C8B-B14F-4D97-AF65-F5344CB8AC3E}">
+        <p14:creationId xmlns:p14="http://schemas.microsoft.com/office/powerpoint/2010/main" val="172875313"/>
+      </p:ext>
+    </p:extLst>
+  </p:cSld>
+  <p:clrMapOvr>
+    <a:masterClrMapping/>
+  </p:clrMapOvr>
+</p:sld>
+</file>
+
+<file path=ppt/slides/slide31.xml><?xml version="1.0" encoding="utf-8"?>
+<p:sld xmlns:a="http://schemas.openxmlformats.org/drawingml/2006/main" xmlns:r="http://schemas.openxmlformats.org/officeDocument/2006/relationships" xmlns:p="http://schemas.openxmlformats.org/presentationml/2006/main">
+  <p:cSld>
+    <p:spTree>
+      <p:nvGrpSpPr>
+        <p:cNvPr id="1" name=""/>
+        <p:cNvGrpSpPr/>
+        <p:nvPr/>
+      </p:nvGrpSpPr>
+      <p:grpSpPr>
+        <a:xfrm>
+          <a:off x="0" y="0"/>
+          <a:ext cx="0" cy="0"/>
+          <a:chOff x="0" y="0"/>
+          <a:chExt cx="0" cy="0"/>
+        </a:xfrm>
+      </p:grpSpPr>
+      <p:sp>
+        <p:nvSpPr>
+          <p:cNvPr id="2" name="Title 1"/>
+          <p:cNvSpPr>
+            <a:spLocks noGrp="1"/>
+          </p:cNvSpPr>
+          <p:nvPr>
+            <p:ph type="title"/>
+          </p:nvPr>
+        </p:nvSpPr>
+        <p:spPr/>
+        <p:txBody>
+          <a:bodyPr/>
+          <a:lstStyle/>
+          <a:p>
+            <a:r>
+              <a:rPr lang="en-US" dirty="0" smtClean="0"/>
+              <a:t>KL-Severity</a:t>
+            </a:r>
+            <a:endParaRPr lang="en-US" dirty="0"/>
+          </a:p>
+        </p:txBody>
+      </p:sp>
+      <p:graphicFrame>
+        <p:nvGraphicFramePr>
+          <p:cNvPr id="5" name="Content Placeholder 4"/>
+          <p:cNvGraphicFramePr>
+            <a:graphicFrameLocks noGrp="1"/>
+          </p:cNvGraphicFramePr>
+          <p:nvPr>
+            <p:ph idx="1"/>
+            <p:extLst>
+              <p:ext uri="{D42A27DB-BD31-4B8C-83A1-F6EECF244321}">
+                <p14:modId xmlns:p14="http://schemas.microsoft.com/office/powerpoint/2010/main" val="1697083512"/>
+              </p:ext>
+            </p:extLst>
+          </p:nvPr>
+        </p:nvGraphicFramePr>
+        <p:xfrm>
+          <a:off x="457200" y="1600200"/>
+          <a:ext cx="8229600" cy="741680"/>
+        </p:xfrm>
+        <a:graphic>
+          <a:graphicData uri="http://schemas.openxmlformats.org/drawingml/2006/table">
+            <a:tbl>
+              <a:tblPr firstRow="1" bandRow="1">
+                <a:tableStyleId>{5C22544A-7EE6-4342-B048-85BDC9FD1C3A}</a:tableStyleId>
+              </a:tblPr>
+              <a:tblGrid>
+                <a:gridCol w="2743200"/>
+                <a:gridCol w="2743200"/>
+                <a:gridCol w="2743200"/>
+              </a:tblGrid>
+              <a:tr h="370840">
+                <a:tc>
+                  <a:txBody>
+                    <a:bodyPr/>
+                    <a:lstStyle/>
+                    <a:p>
+                      <a:r>
+                        <a:rPr lang="en-US" dirty="0" smtClean="0"/>
+                        <a:t>Job</a:t>
+                      </a:r>
+                      <a:endParaRPr lang="en-US" dirty="0"/>
+                    </a:p>
+                  </a:txBody>
+                  <a:tcPr/>
+                </a:tc>
+                <a:tc>
+                  <a:txBody>
+                    <a:bodyPr/>
+                    <a:lstStyle/>
+                    <a:p>
+                      <a:r>
+                        <a:rPr lang="en-US" dirty="0" smtClean="0"/>
+                        <a:t>Age</a:t>
+                      </a:r>
+                      <a:endParaRPr lang="en-US" dirty="0"/>
+                    </a:p>
+                  </a:txBody>
+                  <a:tcPr/>
+                </a:tc>
+                <a:tc>
+                  <a:txBody>
+                    <a:bodyPr/>
+                    <a:lstStyle/>
+                    <a:p>
+                      <a:r>
+                        <a:rPr lang="en-US" dirty="0" smtClean="0"/>
+                        <a:t>Disease</a:t>
+                      </a:r>
+                      <a:endParaRPr lang="en-US" dirty="0"/>
+                    </a:p>
+                  </a:txBody>
+                  <a:tcPr/>
+                </a:tc>
+              </a:tr>
+              <a:tr h="370840">
+                <a:tc>
+                  <a:txBody>
+                    <a:bodyPr/>
+                    <a:lstStyle/>
+                    <a:p>
+                      <a:r>
+                        <a:rPr lang="en-US" dirty="0" smtClean="0"/>
+                        <a:t>Student</a:t>
+                      </a:r>
+                      <a:endParaRPr lang="en-US" dirty="0"/>
+                    </a:p>
+                  </a:txBody>
+                  <a:tcPr/>
+                </a:tc>
+                <a:tc>
+                  <a:txBody>
+                    <a:bodyPr/>
+                    <a:lstStyle/>
+                    <a:p>
+                      <a:r>
+                        <a:rPr lang="en-US" dirty="0" smtClean="0"/>
+                        <a:t>100</a:t>
+                      </a:r>
+                      <a:endParaRPr lang="en-US" dirty="0"/>
+                    </a:p>
+                  </a:txBody>
+                  <a:tcPr/>
+                </a:tc>
+                <a:tc>
+                  <a:txBody>
+                    <a:bodyPr/>
+                    <a:lstStyle/>
+                    <a:p>
+                      <a:r>
+                        <a:rPr lang="en-US" dirty="0" smtClean="0"/>
+                        <a:t>HIV</a:t>
+                      </a:r>
+                      <a:endParaRPr lang="en-US" dirty="0"/>
+                    </a:p>
+                  </a:txBody>
+                  <a:tcPr/>
+                </a:tc>
+              </a:tr>
+            </a:tbl>
+          </a:graphicData>
+        </a:graphic>
+      </p:graphicFrame>
+      <p:graphicFrame>
+        <p:nvGraphicFramePr>
+          <p:cNvPr id="7" name="Content Placeholder 4"/>
+          <p:cNvGraphicFramePr>
+            <a:graphicFrameLocks/>
+          </p:cNvGraphicFramePr>
+          <p:nvPr>
+            <p:extLst>
+              <p:ext uri="{D42A27DB-BD31-4B8C-83A1-F6EECF244321}">
+                <p14:modId xmlns:p14="http://schemas.microsoft.com/office/powerpoint/2010/main" val="247970368"/>
+              </p:ext>
+            </p:extLst>
+          </p:nvPr>
+        </p:nvGraphicFramePr>
+        <p:xfrm>
+          <a:off x="457200" y="3103036"/>
+          <a:ext cx="8229600" cy="741680"/>
+        </p:xfrm>
+        <a:graphic>
+          <a:graphicData uri="http://schemas.openxmlformats.org/drawingml/2006/table">
+            <a:tbl>
+              <a:tblPr firstRow="1" bandRow="1">
+                <a:tableStyleId>{5C22544A-7EE6-4342-B048-85BDC9FD1C3A}</a:tableStyleId>
+              </a:tblPr>
+              <a:tblGrid>
+                <a:gridCol w="2743200"/>
+                <a:gridCol w="2743200"/>
+                <a:gridCol w="2743200"/>
+              </a:tblGrid>
+              <a:tr h="370840">
+                <a:tc>
+                  <a:txBody>
+                    <a:bodyPr/>
+                    <a:lstStyle/>
+                    <a:p>
+                      <a:r>
+                        <a:rPr lang="en-US" dirty="0" smtClean="0"/>
+                        <a:t>Job</a:t>
+                      </a:r>
+                      <a:endParaRPr lang="en-US" dirty="0"/>
+                    </a:p>
+                  </a:txBody>
+                  <a:tcPr/>
+                </a:tc>
+                <a:tc>
+                  <a:txBody>
+                    <a:bodyPr/>
+                    <a:lstStyle/>
+                    <a:p>
+                      <a:r>
+                        <a:rPr lang="en-US" dirty="0" smtClean="0"/>
+                        <a:t>Age</a:t>
+                      </a:r>
+                      <a:endParaRPr lang="en-US" dirty="0"/>
+                    </a:p>
+                  </a:txBody>
+                  <a:tcPr/>
+                </a:tc>
+                <a:tc>
+                  <a:txBody>
+                    <a:bodyPr/>
+                    <a:lstStyle/>
+                    <a:p>
+                      <a:r>
+                        <a:rPr lang="en-US" dirty="0" smtClean="0"/>
+                        <a:t>Disease</a:t>
+                      </a:r>
+                      <a:endParaRPr lang="en-US" dirty="0"/>
+                    </a:p>
+                  </a:txBody>
+                  <a:tcPr/>
+                </a:tc>
+              </a:tr>
+              <a:tr h="370840">
+                <a:tc>
+                  <a:txBody>
+                    <a:bodyPr/>
+                    <a:lstStyle/>
+                    <a:p>
+                      <a:r>
+                        <a:rPr lang="en-US" dirty="0" smtClean="0"/>
+                        <a:t>Student</a:t>
+                      </a:r>
+                      <a:endParaRPr lang="en-US" dirty="0"/>
+                    </a:p>
+                  </a:txBody>
+                  <a:tcPr/>
+                </a:tc>
+                <a:tc>
+                  <a:txBody>
+                    <a:bodyPr/>
+                    <a:lstStyle/>
+                    <a:p>
+                      <a:r>
+                        <a:rPr lang="en-US" dirty="0" smtClean="0"/>
+                        <a:t>10</a:t>
+                      </a:r>
+                      <a:endParaRPr lang="en-US" dirty="0"/>
+                    </a:p>
+                  </a:txBody>
+                  <a:tcPr/>
+                </a:tc>
+                <a:tc>
+                  <a:txBody>
+                    <a:bodyPr/>
+                    <a:lstStyle/>
+                    <a:p>
+                      <a:r>
+                        <a:rPr lang="en-US" dirty="0" smtClean="0"/>
+                        <a:t>HIV</a:t>
+                      </a:r>
+                      <a:endParaRPr lang="en-US" dirty="0"/>
+                    </a:p>
+                  </a:txBody>
+                  <a:tcPr/>
+                </a:tc>
+              </a:tr>
+            </a:tbl>
+          </a:graphicData>
+        </a:graphic>
+      </p:graphicFrame>
+      <p:graphicFrame>
+        <p:nvGraphicFramePr>
+          <p:cNvPr id="9" name="Table 8"/>
+          <p:cNvGraphicFramePr>
+            <a:graphicFrameLocks noGrp="1"/>
+          </p:cNvGraphicFramePr>
+          <p:nvPr>
+            <p:extLst>
+              <p:ext uri="{D42A27DB-BD31-4B8C-83A1-F6EECF244321}">
+                <p14:modId xmlns:p14="http://schemas.microsoft.com/office/powerpoint/2010/main" val="3321117532"/>
+              </p:ext>
+            </p:extLst>
+          </p:nvPr>
+        </p:nvGraphicFramePr>
+        <p:xfrm>
+          <a:off x="457200" y="4513109"/>
+          <a:ext cx="3048000" cy="1010920"/>
+        </p:xfrm>
+        <a:graphic>
+          <a:graphicData uri="http://schemas.openxmlformats.org/drawingml/2006/table">
+            <a:tbl>
+              <a:tblPr firstRow="1" bandRow="1">
+                <a:tableStyleId>{5C22544A-7EE6-4342-B048-85BDC9FD1C3A}</a:tableStyleId>
+              </a:tblPr>
+              <a:tblGrid>
+                <a:gridCol w="3048000"/>
+              </a:tblGrid>
+              <a:tr h="370840">
+                <a:tc>
+                  <a:txBody>
+                    <a:bodyPr/>
+                    <a:lstStyle/>
+                    <a:p>
+                      <a:r>
+                        <a:rPr lang="en-US" dirty="0" smtClean="0"/>
+                        <a:t>Quasi-Identifier</a:t>
+                      </a:r>
+                      <a:endParaRPr lang="en-US" dirty="0"/>
+                    </a:p>
+                  </a:txBody>
+                  <a:tcPr/>
+                </a:tc>
+              </a:tr>
+              <a:tr h="370840">
+                <a:tc>
+                  <a:txBody>
+                    <a:bodyPr/>
+                    <a:lstStyle/>
+                    <a:p>
+                      <a:r>
+                        <a:rPr lang="en-US" dirty="0" smtClean="0"/>
+                        <a:t>f(age</a:t>
+                      </a:r>
+                      <a:r>
+                        <a:rPr lang="en-US" baseline="0" dirty="0" smtClean="0"/>
+                        <a:t> &lt; 10) = .8</a:t>
+                      </a:r>
+                      <a:br>
+                        <a:rPr lang="en-US" baseline="0" dirty="0" smtClean="0"/>
+                      </a:br>
+                      <a:r>
+                        <a:rPr lang="en-US" baseline="0" dirty="0" smtClean="0"/>
+                        <a:t>f(age) = .5</a:t>
+                      </a:r>
+                      <a:endParaRPr lang="en-US" dirty="0"/>
+                    </a:p>
+                  </a:txBody>
+                  <a:tcPr/>
+                </a:tc>
+              </a:tr>
+            </a:tbl>
+          </a:graphicData>
+        </a:graphic>
+      </p:graphicFrame>
+    </p:spTree>
+    <p:extLst>
+      <p:ext uri="{BB962C8B-B14F-4D97-AF65-F5344CB8AC3E}">
+        <p14:creationId xmlns:p14="http://schemas.microsoft.com/office/powerpoint/2010/main" val="3067596128"/>
+      </p:ext>
+    </p:extLst>
+  </p:cSld>
+  <p:clrMapOvr>
+    <a:masterClrMapping/>
+  </p:clrMapOvr>
+</p:sld>
+</file>
+
+<file path=ppt/slides/slide32.xml><?xml version="1.0" encoding="utf-8"?>
+<p:sld xmlns:a="http://schemas.openxmlformats.org/drawingml/2006/main" xmlns:r="http://schemas.openxmlformats.org/officeDocument/2006/relationships" xmlns:p="http://schemas.openxmlformats.org/presentationml/2006/main">
+  <p:cSld>
+    <p:spTree>
+      <p:nvGrpSpPr>
+        <p:cNvPr id="1" name=""/>
+        <p:cNvGrpSpPr/>
+        <p:nvPr/>
+      </p:nvGrpSpPr>
+      <p:grpSpPr>
+        <a:xfrm>
+          <a:off x="0" y="0"/>
+          <a:ext cx="0" cy="0"/>
+          <a:chOff x="0" y="0"/>
+          <a:chExt cx="0" cy="0"/>
+        </a:xfrm>
+      </p:grpSpPr>
+      <p:sp>
+        <p:nvSpPr>
+          <p:cNvPr id="2" name="Title 1"/>
+          <p:cNvSpPr>
+            <a:spLocks noGrp="1"/>
+          </p:cNvSpPr>
+          <p:nvPr>
+            <p:ph type="title"/>
+          </p:nvPr>
+        </p:nvSpPr>
+        <p:spPr/>
+        <p:txBody>
+          <a:bodyPr/>
+          <a:lstStyle/>
+          <a:p>
+            <a:r>
+              <a:rPr lang="en-US" dirty="0" smtClean="0"/>
+              <a:t>KL-Severity</a:t>
+            </a:r>
+            <a:endParaRPr lang="en-US" dirty="0"/>
+          </a:p>
+        </p:txBody>
+      </p:sp>
+      <p:sp>
+        <p:nvSpPr>
+          <p:cNvPr id="3" name="Content Placeholder 2"/>
+          <p:cNvSpPr>
+            <a:spLocks noGrp="1"/>
+          </p:cNvSpPr>
+          <p:nvPr>
+            <p:ph idx="1"/>
+          </p:nvPr>
+        </p:nvSpPr>
+        <p:spPr/>
+        <p:txBody>
+          <a:bodyPr/>
+          <a:lstStyle/>
+          <a:p>
+            <a:r>
+              <a:rPr lang="en-US" dirty="0" smtClean="0"/>
+              <a:t>Using the traditional L-Severity Model Severity would be equal</a:t>
+            </a:r>
+          </a:p>
+          <a:p>
+            <a:r>
+              <a:rPr lang="en-US" dirty="0" smtClean="0"/>
+              <a:t>Can group quasi-identifiers with severity</a:t>
+            </a:r>
+          </a:p>
+          <a:p>
+            <a:pPr lvl="1"/>
+            <a:r>
+              <a:rPr lang="en-US" dirty="0" smtClean="0"/>
+              <a:t>Cannot provide emphasis on one over the other</a:t>
+            </a:r>
+          </a:p>
+          <a:p>
+            <a:pPr lvl="1"/>
+            <a:r>
+              <a:rPr lang="en-US" dirty="0" smtClean="0"/>
+              <a:t>Keeping all values constant except quasi-identifier values can break a tie</a:t>
+            </a:r>
+          </a:p>
+        </p:txBody>
+      </p:sp>
+    </p:spTree>
+    <p:extLst>
+      <p:ext uri="{BB962C8B-B14F-4D97-AF65-F5344CB8AC3E}">
+        <p14:creationId xmlns:p14="http://schemas.microsoft.com/office/powerpoint/2010/main" val="582402146"/>
+      </p:ext>
+    </p:extLst>
+  </p:cSld>
+  <p:clrMapOvr>
+    <a:masterClrMapping/>
+  </p:clrMapOvr>
+</p:sld>
+</file>
+
+<file path=ppt/slides/slide33.xml><?xml version="1.0" encoding="utf-8"?>
+<p:sld xmlns:a="http://schemas.openxmlformats.org/drawingml/2006/main" xmlns:r="http://schemas.openxmlformats.org/officeDocument/2006/relationships" xmlns:p="http://schemas.openxmlformats.org/presentationml/2006/main">
+  <p:cSld>
+    <p:spTree>
+      <p:nvGrpSpPr>
+        <p:cNvPr id="1" name=""/>
+        <p:cNvGrpSpPr/>
+        <p:nvPr/>
+      </p:nvGrpSpPr>
+      <p:grpSpPr>
+        <a:xfrm>
+          <a:off x="0" y="0"/>
+          <a:ext cx="0" cy="0"/>
+          <a:chOff x="0" y="0"/>
+          <a:chExt cx="0" cy="0"/>
+        </a:xfrm>
+      </p:grpSpPr>
+      <p:sp>
+        <p:nvSpPr>
+          <p:cNvPr id="2" name="Title 1"/>
+          <p:cNvSpPr>
+            <a:spLocks noGrp="1"/>
+          </p:cNvSpPr>
+          <p:nvPr>
+            <p:ph type="title"/>
+          </p:nvPr>
+        </p:nvSpPr>
+        <p:spPr/>
+        <p:txBody>
+          <a:bodyPr/>
+          <a:lstStyle/>
+          <a:p>
+            <a:r>
+              <a:rPr lang="en-US" dirty="0" smtClean="0"/>
+              <a:t>KL-Severity</a:t>
+            </a:r>
+            <a:endParaRPr lang="en-US" dirty="0"/>
+          </a:p>
+        </p:txBody>
+      </p:sp>
+      <p:sp>
+        <p:nvSpPr>
+          <p:cNvPr id="3" name="Content Placeholder 2"/>
+          <p:cNvSpPr>
+            <a:spLocks noGrp="1"/>
+          </p:cNvSpPr>
+          <p:nvPr>
+            <p:ph idx="1"/>
+          </p:nvPr>
+        </p:nvSpPr>
+        <p:spPr/>
+        <p:txBody>
+          <a:bodyPr>
+            <a:normAutofit fontScale="92500" lnSpcReduction="10000"/>
+          </a:bodyPr>
+          <a:lstStyle/>
+          <a:p>
+            <a:r>
+              <a:rPr lang="en-US" dirty="0" smtClean="0"/>
+              <a:t>Non-sensitive attribute</a:t>
+            </a:r>
+          </a:p>
+          <a:p>
+            <a:pPr lvl="1"/>
+            <a:r>
+              <a:rPr lang="en-US" dirty="0" smtClean="0"/>
+              <a:t>Assume Non-sensitive != quasi-identifier</a:t>
+            </a:r>
+          </a:p>
+          <a:p>
+            <a:r>
+              <a:rPr lang="en-US" dirty="0" smtClean="0"/>
+              <a:t>Dynamic data</a:t>
+            </a:r>
+          </a:p>
+          <a:p>
+            <a:pPr marL="0" indent="0">
+              <a:buNone/>
+            </a:pPr>
+            <a:r>
+              <a:rPr lang="en-US" dirty="0" smtClean="0"/>
+              <a:t>{ </a:t>
+            </a:r>
+            <a:br>
+              <a:rPr lang="en-US" dirty="0" smtClean="0"/>
+            </a:br>
+            <a:r>
+              <a:rPr lang="en-US" dirty="0" smtClean="0"/>
+              <a:t>	property_1: value_1</a:t>
+            </a:r>
+            <a:br>
+              <a:rPr lang="en-US" dirty="0" smtClean="0"/>
+            </a:br>
+            <a:r>
+              <a:rPr lang="en-US" dirty="0" smtClean="0"/>
+              <a:t> },</a:t>
+            </a:r>
+          </a:p>
+          <a:p>
+            <a:pPr marL="0" indent="0">
+              <a:buNone/>
+            </a:pPr>
+            <a:r>
+              <a:rPr lang="en-US" dirty="0" smtClean="0"/>
+              <a:t>{ </a:t>
+            </a:r>
+            <a:br>
+              <a:rPr lang="en-US" dirty="0" smtClean="0"/>
+            </a:br>
+            <a:r>
+              <a:rPr lang="en-US" dirty="0" smtClean="0"/>
+              <a:t>	property_1: value_1, </a:t>
+            </a:r>
+            <a:br>
+              <a:rPr lang="en-US" dirty="0" smtClean="0"/>
+            </a:br>
+            <a:r>
+              <a:rPr lang="en-US" dirty="0" smtClean="0"/>
+              <a:t>	property_2: value_2</a:t>
+            </a:r>
+            <a:br>
+              <a:rPr lang="en-US" dirty="0" smtClean="0"/>
+            </a:br>
+            <a:r>
+              <a:rPr lang="en-US" dirty="0" smtClean="0"/>
+              <a:t>}	</a:t>
+            </a:r>
+          </a:p>
+          <a:p>
+            <a:endParaRPr lang="en-US" dirty="0" smtClean="0"/>
+          </a:p>
+        </p:txBody>
+      </p:sp>
+    </p:spTree>
+    <p:extLst>
+      <p:ext uri="{BB962C8B-B14F-4D97-AF65-F5344CB8AC3E}">
+        <p14:creationId xmlns:p14="http://schemas.microsoft.com/office/powerpoint/2010/main" val="970724351"/>
+      </p:ext>
+    </p:extLst>
+  </p:cSld>
+  <p:clrMapOvr>
+    <a:masterClrMapping/>
+  </p:clrMapOvr>
+</p:sld>
+</file>
+
+<file path=ppt/slides/slide34.xml><?xml version="1.0" encoding="utf-8"?>
+<p:sld xmlns:a="http://schemas.openxmlformats.org/drawingml/2006/main" xmlns:r="http://schemas.openxmlformats.org/officeDocument/2006/relationships" xmlns:p="http://schemas.openxmlformats.org/presentationml/2006/main">
+  <p:cSld>
+    <p:spTree>
+      <p:nvGrpSpPr>
+        <p:cNvPr id="1" name=""/>
+        <p:cNvGrpSpPr/>
+        <p:nvPr/>
+      </p:nvGrpSpPr>
+      <p:grpSpPr>
+        <a:xfrm>
+          <a:off x="0" y="0"/>
+          <a:ext cx="0" cy="0"/>
+          <a:chOff x="0" y="0"/>
+          <a:chExt cx="0" cy="0"/>
+        </a:xfrm>
+      </p:grpSpPr>
+      <p:sp>
+        <p:nvSpPr>
+          <p:cNvPr id="2" name="Title 1"/>
+          <p:cNvSpPr>
+            <a:spLocks noGrp="1"/>
+          </p:cNvSpPr>
+          <p:nvPr>
+            <p:ph type="title"/>
+          </p:nvPr>
+        </p:nvSpPr>
+        <p:spPr/>
+        <p:txBody>
+          <a:bodyPr/>
+          <a:lstStyle/>
+          <a:p>
+            <a:r>
+              <a:rPr lang="en-US" dirty="0" smtClean="0"/>
+              <a:t>KL-Severity</a:t>
+            </a:r>
+            <a:endParaRPr lang="en-US" dirty="0"/>
+          </a:p>
+        </p:txBody>
+      </p:sp>
+      <p:graphicFrame>
+        <p:nvGraphicFramePr>
+          <p:cNvPr id="4" name="Content Placeholder 3"/>
+          <p:cNvGraphicFramePr>
+            <a:graphicFrameLocks noGrp="1"/>
+          </p:cNvGraphicFramePr>
+          <p:nvPr>
+            <p:ph idx="1"/>
+            <p:extLst>
+              <p:ext uri="{D42A27DB-BD31-4B8C-83A1-F6EECF244321}">
+                <p14:modId xmlns:p14="http://schemas.microsoft.com/office/powerpoint/2010/main" val="2101153441"/>
+              </p:ext>
+            </p:extLst>
+          </p:nvPr>
+        </p:nvGraphicFramePr>
+        <p:xfrm>
+          <a:off x="457200" y="1600200"/>
+          <a:ext cx="8229600" cy="1854200"/>
+        </p:xfrm>
+        <a:graphic>
+          <a:graphicData uri="http://schemas.openxmlformats.org/drawingml/2006/table">
+            <a:tbl>
+              <a:tblPr firstRow="1" bandRow="1">
+                <a:tableStyleId>{5C22544A-7EE6-4342-B048-85BDC9FD1C3A}</a:tableStyleId>
+              </a:tblPr>
+              <a:tblGrid>
+                <a:gridCol w="2743200"/>
+                <a:gridCol w="2743200"/>
+                <a:gridCol w="2743200"/>
+              </a:tblGrid>
+              <a:tr h="370840">
+                <a:tc>
+                  <a:txBody>
+                    <a:bodyPr/>
+                    <a:lstStyle/>
+                    <a:p>
+                      <a:r>
+                        <a:rPr lang="en-US" dirty="0" smtClean="0"/>
+                        <a:t>Job</a:t>
+                      </a:r>
+                      <a:endParaRPr lang="en-US" dirty="0"/>
+                    </a:p>
+                  </a:txBody>
+                  <a:tcPr/>
+                </a:tc>
+                <a:tc>
+                  <a:txBody>
+                    <a:bodyPr/>
+                    <a:lstStyle/>
+                    <a:p>
+                      <a:r>
+                        <a:rPr lang="en-US" dirty="0" smtClean="0"/>
+                        <a:t>Age</a:t>
+                      </a:r>
+                      <a:endParaRPr lang="en-US" dirty="0"/>
+                    </a:p>
+                  </a:txBody>
+                  <a:tcPr/>
+                </a:tc>
+                <a:tc>
+                  <a:txBody>
+                    <a:bodyPr/>
+                    <a:lstStyle/>
+                    <a:p>
+                      <a:r>
+                        <a:rPr lang="en-US" dirty="0" smtClean="0"/>
+                        <a:t>Disease</a:t>
+                      </a:r>
+                      <a:endParaRPr lang="en-US" dirty="0"/>
+                    </a:p>
+                  </a:txBody>
+                  <a:tcPr/>
+                </a:tc>
+              </a:tr>
+              <a:tr h="370840">
+                <a:tc>
+                  <a:txBody>
+                    <a:bodyPr/>
+                    <a:lstStyle/>
+                    <a:p>
+                      <a:r>
+                        <a:rPr lang="en-US" dirty="0" smtClean="0"/>
+                        <a:t>Student</a:t>
+                      </a:r>
+                      <a:endParaRPr lang="en-US" dirty="0"/>
+                    </a:p>
+                  </a:txBody>
+                  <a:tcPr/>
+                </a:tc>
+                <a:tc>
+                  <a:txBody>
+                    <a:bodyPr/>
+                    <a:lstStyle/>
+                    <a:p>
+                      <a:r>
+                        <a:rPr lang="en-US" dirty="0" smtClean="0"/>
+                        <a:t>*</a:t>
+                      </a:r>
+                      <a:endParaRPr lang="en-US" dirty="0"/>
+                    </a:p>
+                  </a:txBody>
+                  <a:tcPr/>
+                </a:tc>
+                <a:tc>
+                  <a:txBody>
+                    <a:bodyPr/>
+                    <a:lstStyle/>
+                    <a:p>
+                      <a:r>
+                        <a:rPr lang="en-US" dirty="0" smtClean="0"/>
+                        <a:t>HIV</a:t>
+                      </a:r>
+                      <a:endParaRPr lang="en-US" dirty="0"/>
+                    </a:p>
+                  </a:txBody>
+                  <a:tcPr/>
+                </a:tc>
+              </a:tr>
+              <a:tr h="370840">
+                <a:tc>
+                  <a:txBody>
+                    <a:bodyPr/>
+                    <a:lstStyle/>
+                    <a:p>
+                      <a:pPr marL="0" marR="0" indent="0" algn="l" defTabSz="457200" rtl="0" eaLnBrk="1" fontAlgn="auto" latinLnBrk="0" hangingPunct="1">
+                        <a:lnSpc>
+                          <a:spcPct val="100000"/>
+                        </a:lnSpc>
+                        <a:spcBef>
+                          <a:spcPts val="0"/>
+                        </a:spcBef>
+                        <a:spcAft>
+                          <a:spcPts val="0"/>
+                        </a:spcAft>
+                        <a:buClrTx/>
+                        <a:buSzTx/>
+                        <a:buFontTx/>
+                        <a:buNone/>
+                        <a:tabLst/>
+                        <a:defRPr/>
+                      </a:pPr>
+                      <a:r>
+                        <a:rPr lang="en-US" dirty="0" smtClean="0"/>
+                        <a:t>Student</a:t>
+                      </a:r>
+                    </a:p>
+                  </a:txBody>
+                  <a:tcPr/>
+                </a:tc>
+                <a:tc>
+                  <a:txBody>
+                    <a:bodyPr/>
+                    <a:lstStyle/>
+                    <a:p>
+                      <a:r>
+                        <a:rPr lang="en-US" dirty="0" smtClean="0"/>
+                        <a:t>*</a:t>
+                      </a:r>
+                      <a:endParaRPr lang="en-US" dirty="0"/>
+                    </a:p>
+                  </a:txBody>
+                  <a:tcPr/>
+                </a:tc>
+                <a:tc>
+                  <a:txBody>
+                    <a:bodyPr/>
+                    <a:lstStyle/>
+                    <a:p>
+                      <a:r>
+                        <a:rPr lang="en-US" dirty="0" smtClean="0"/>
+                        <a:t>HIV</a:t>
+                      </a:r>
+                      <a:endParaRPr lang="en-US" dirty="0"/>
+                    </a:p>
+                  </a:txBody>
+                  <a:tcPr/>
+                </a:tc>
+              </a:tr>
+              <a:tr h="370840">
+                <a:tc>
+                  <a:txBody>
+                    <a:bodyPr/>
+                    <a:lstStyle/>
+                    <a:p>
+                      <a:pPr marL="0" marR="0" indent="0" algn="l" defTabSz="457200" rtl="0" eaLnBrk="1" fontAlgn="auto" latinLnBrk="0" hangingPunct="1">
+                        <a:lnSpc>
+                          <a:spcPct val="100000"/>
+                        </a:lnSpc>
+                        <a:spcBef>
+                          <a:spcPts val="0"/>
+                        </a:spcBef>
+                        <a:spcAft>
+                          <a:spcPts val="0"/>
+                        </a:spcAft>
+                        <a:buClrTx/>
+                        <a:buSzTx/>
+                        <a:buFontTx/>
+                        <a:buNone/>
+                        <a:tabLst/>
+                        <a:defRPr/>
+                      </a:pPr>
+                      <a:r>
+                        <a:rPr lang="en-US" dirty="0" smtClean="0"/>
+                        <a:t>Student</a:t>
+                      </a:r>
+                    </a:p>
+                  </a:txBody>
+                  <a:tcPr/>
+                </a:tc>
+                <a:tc>
+                  <a:txBody>
+                    <a:bodyPr/>
+                    <a:lstStyle/>
+                    <a:p>
+                      <a:r>
+                        <a:rPr lang="en-US" dirty="0" smtClean="0"/>
+                        <a:t>*</a:t>
+                      </a:r>
+                      <a:endParaRPr lang="en-US" dirty="0"/>
+                    </a:p>
+                  </a:txBody>
+                  <a:tcPr/>
+                </a:tc>
+                <a:tc>
+                  <a:txBody>
+                    <a:bodyPr/>
+                    <a:lstStyle/>
+                    <a:p>
+                      <a:r>
+                        <a:rPr lang="en-US" dirty="0" smtClean="0"/>
+                        <a:t>Heart Attack</a:t>
+                      </a:r>
+                      <a:endParaRPr lang="en-US" dirty="0"/>
+                    </a:p>
+                  </a:txBody>
+                  <a:tcPr/>
+                </a:tc>
+              </a:tr>
+              <a:tr h="370840">
+                <a:tc>
+                  <a:txBody>
+                    <a:bodyPr/>
+                    <a:lstStyle/>
+                    <a:p>
+                      <a:pPr marL="0" marR="0" indent="0" algn="l" defTabSz="457200" rtl="0" eaLnBrk="1" fontAlgn="auto" latinLnBrk="0" hangingPunct="1">
+                        <a:lnSpc>
+                          <a:spcPct val="100000"/>
+                        </a:lnSpc>
+                        <a:spcBef>
+                          <a:spcPts val="0"/>
+                        </a:spcBef>
+                        <a:spcAft>
+                          <a:spcPts val="0"/>
+                        </a:spcAft>
+                        <a:buClrTx/>
+                        <a:buSzTx/>
+                        <a:buFontTx/>
+                        <a:buNone/>
+                        <a:tabLst/>
+                        <a:defRPr/>
+                      </a:pPr>
+                      <a:r>
+                        <a:rPr lang="en-US" dirty="0" smtClean="0"/>
+                        <a:t>Student</a:t>
+                      </a:r>
+                    </a:p>
+                  </a:txBody>
+                  <a:tcPr/>
+                </a:tc>
+                <a:tc>
+                  <a:txBody>
+                    <a:bodyPr/>
+                    <a:lstStyle/>
+                    <a:p>
+                      <a:r>
+                        <a:rPr lang="en-US" dirty="0" smtClean="0"/>
+                        <a:t>*</a:t>
+                      </a:r>
+                      <a:endParaRPr lang="en-US" dirty="0"/>
+                    </a:p>
+                  </a:txBody>
+                  <a:tcPr/>
+                </a:tc>
+                <a:tc>
+                  <a:txBody>
+                    <a:bodyPr/>
+                    <a:lstStyle/>
+                    <a:p>
+                      <a:r>
+                        <a:rPr lang="en-US" dirty="0" smtClean="0"/>
+                        <a:t>HIV</a:t>
+                      </a:r>
+                      <a:endParaRPr lang="en-US" dirty="0"/>
+                    </a:p>
+                  </a:txBody>
+                  <a:tcPr/>
+                </a:tc>
+              </a:tr>
+            </a:tbl>
+          </a:graphicData>
+        </a:graphic>
+      </p:graphicFrame>
+      <p:graphicFrame>
+        <p:nvGraphicFramePr>
+          <p:cNvPr id="5" name="Content Placeholder 3"/>
+          <p:cNvGraphicFramePr>
+            <a:graphicFrameLocks/>
+          </p:cNvGraphicFramePr>
+          <p:nvPr>
+            <p:extLst>
+              <p:ext uri="{D42A27DB-BD31-4B8C-83A1-F6EECF244321}">
+                <p14:modId xmlns:p14="http://schemas.microsoft.com/office/powerpoint/2010/main" val="4122555528"/>
+              </p:ext>
+            </p:extLst>
+          </p:nvPr>
+        </p:nvGraphicFramePr>
+        <p:xfrm>
+          <a:off x="457200" y="4030193"/>
+          <a:ext cx="8229600" cy="1854200"/>
+        </p:xfrm>
+        <a:graphic>
+          <a:graphicData uri="http://schemas.openxmlformats.org/drawingml/2006/table">
+            <a:tbl>
+              <a:tblPr firstRow="1" bandRow="1">
+                <a:tableStyleId>{5C22544A-7EE6-4342-B048-85BDC9FD1C3A}</a:tableStyleId>
+              </a:tblPr>
+              <a:tblGrid>
+                <a:gridCol w="2743200"/>
+                <a:gridCol w="2743200"/>
+                <a:gridCol w="2743200"/>
+              </a:tblGrid>
+              <a:tr h="370840">
+                <a:tc>
+                  <a:txBody>
+                    <a:bodyPr/>
+                    <a:lstStyle/>
+                    <a:p>
+                      <a:r>
+                        <a:rPr lang="en-US" dirty="0" smtClean="0"/>
+                        <a:t>Job</a:t>
+                      </a:r>
+                      <a:endParaRPr lang="en-US" dirty="0"/>
+                    </a:p>
+                  </a:txBody>
+                  <a:tcPr/>
+                </a:tc>
+                <a:tc>
+                  <a:txBody>
+                    <a:bodyPr/>
+                    <a:lstStyle/>
+                    <a:p>
+                      <a:r>
+                        <a:rPr lang="en-US" dirty="0" smtClean="0"/>
+                        <a:t>Age</a:t>
+                      </a:r>
+                      <a:endParaRPr lang="en-US" dirty="0"/>
+                    </a:p>
+                  </a:txBody>
+                  <a:tcPr/>
+                </a:tc>
+                <a:tc>
+                  <a:txBody>
+                    <a:bodyPr/>
+                    <a:lstStyle/>
+                    <a:p>
+                      <a:r>
+                        <a:rPr lang="en-US" dirty="0" smtClean="0"/>
+                        <a:t>Disease</a:t>
+                      </a:r>
+                      <a:endParaRPr lang="en-US" dirty="0"/>
+                    </a:p>
+                  </a:txBody>
+                  <a:tcPr/>
+                </a:tc>
+              </a:tr>
+              <a:tr h="370840">
+                <a:tc>
+                  <a:txBody>
+                    <a:bodyPr/>
+                    <a:lstStyle/>
+                    <a:p>
+                      <a:pPr marL="0" marR="0" indent="0" algn="l" defTabSz="457200" rtl="0" eaLnBrk="1" fontAlgn="auto" latinLnBrk="0" hangingPunct="1">
+                        <a:lnSpc>
+                          <a:spcPct val="100000"/>
+                        </a:lnSpc>
+                        <a:spcBef>
+                          <a:spcPts val="0"/>
+                        </a:spcBef>
+                        <a:spcAft>
+                          <a:spcPts val="0"/>
+                        </a:spcAft>
+                        <a:buClrTx/>
+                        <a:buSzTx/>
+                        <a:buFontTx/>
+                        <a:buNone/>
+                        <a:tabLst/>
+                        <a:defRPr/>
+                      </a:pPr>
+                      <a:r>
+                        <a:rPr lang="en-US" dirty="0" smtClean="0"/>
+                        <a:t>Student</a:t>
+                      </a:r>
+                    </a:p>
+                  </a:txBody>
+                  <a:tcPr/>
+                </a:tc>
+                <a:tc>
+                  <a:txBody>
+                    <a:bodyPr/>
+                    <a:lstStyle/>
+                    <a:p>
+                      <a:r>
+                        <a:rPr lang="en-US" dirty="0" smtClean="0"/>
+                        <a:t>*</a:t>
+                      </a:r>
+                      <a:endParaRPr lang="en-US" dirty="0"/>
+                    </a:p>
+                  </a:txBody>
+                  <a:tcPr/>
+                </a:tc>
+                <a:tc>
+                  <a:txBody>
+                    <a:bodyPr/>
+                    <a:lstStyle/>
+                    <a:p>
+                      <a:r>
+                        <a:rPr lang="en-US" dirty="0" smtClean="0"/>
+                        <a:t>HIV</a:t>
+                      </a:r>
+                      <a:endParaRPr lang="en-US" dirty="0"/>
+                    </a:p>
+                  </a:txBody>
+                  <a:tcPr/>
+                </a:tc>
+              </a:tr>
+              <a:tr h="370840">
+                <a:tc>
+                  <a:txBody>
+                    <a:bodyPr/>
+                    <a:lstStyle/>
+                    <a:p>
+                      <a:pPr marL="0" marR="0" indent="0" algn="l" defTabSz="457200" rtl="0" eaLnBrk="1" fontAlgn="auto" latinLnBrk="0" hangingPunct="1">
+                        <a:lnSpc>
+                          <a:spcPct val="100000"/>
+                        </a:lnSpc>
+                        <a:spcBef>
+                          <a:spcPts val="0"/>
+                        </a:spcBef>
+                        <a:spcAft>
+                          <a:spcPts val="0"/>
+                        </a:spcAft>
+                        <a:buClrTx/>
+                        <a:buSzTx/>
+                        <a:buFontTx/>
+                        <a:buNone/>
+                        <a:tabLst/>
+                        <a:defRPr/>
+                      </a:pPr>
+                      <a:r>
+                        <a:rPr lang="en-US" dirty="0" smtClean="0"/>
+                        <a:t>Student</a:t>
+                      </a:r>
+                    </a:p>
+                  </a:txBody>
+                  <a:tcPr/>
+                </a:tc>
+                <a:tc>
+                  <a:txBody>
+                    <a:bodyPr/>
+                    <a:lstStyle/>
+                    <a:p>
+                      <a:r>
+                        <a:rPr lang="en-US" dirty="0" smtClean="0"/>
+                        <a:t>*</a:t>
+                      </a:r>
+                      <a:endParaRPr lang="en-US" dirty="0"/>
+                    </a:p>
+                  </a:txBody>
+                  <a:tcPr/>
+                </a:tc>
+                <a:tc>
+                  <a:txBody>
+                    <a:bodyPr/>
+                    <a:lstStyle/>
+                    <a:p>
+                      <a:r>
+                        <a:rPr lang="en-US" dirty="0" smtClean="0"/>
+                        <a:t>Heart Attack</a:t>
+                      </a:r>
+                      <a:endParaRPr lang="en-US" dirty="0"/>
+                    </a:p>
+                  </a:txBody>
+                  <a:tcPr/>
+                </a:tc>
+              </a:tr>
+              <a:tr h="370840">
+                <a:tc>
+                  <a:txBody>
+                    <a:bodyPr/>
+                    <a:lstStyle/>
+                    <a:p>
+                      <a:pPr marL="0" marR="0" indent="0" algn="l" defTabSz="457200" rtl="0" eaLnBrk="1" fontAlgn="auto" latinLnBrk="0" hangingPunct="1">
+                        <a:lnSpc>
+                          <a:spcPct val="100000"/>
+                        </a:lnSpc>
+                        <a:spcBef>
+                          <a:spcPts val="0"/>
+                        </a:spcBef>
+                        <a:spcAft>
+                          <a:spcPts val="0"/>
+                        </a:spcAft>
+                        <a:buClrTx/>
+                        <a:buSzTx/>
+                        <a:buFontTx/>
+                        <a:buNone/>
+                        <a:tabLst/>
+                        <a:defRPr/>
+                      </a:pPr>
+                      <a:r>
+                        <a:rPr lang="en-US" dirty="0" smtClean="0"/>
+                        <a:t>Student</a:t>
+                      </a:r>
+                    </a:p>
+                  </a:txBody>
+                  <a:tcPr/>
+                </a:tc>
+                <a:tc>
+                  <a:txBody>
+                    <a:bodyPr/>
+                    <a:lstStyle/>
+                    <a:p>
+                      <a:r>
+                        <a:rPr lang="en-US" dirty="0" smtClean="0"/>
+                        <a:t>*</a:t>
+                      </a:r>
+                      <a:endParaRPr lang="en-US" dirty="0"/>
+                    </a:p>
+                  </a:txBody>
+                  <a:tcPr/>
+                </a:tc>
+                <a:tc>
+                  <a:txBody>
+                    <a:bodyPr/>
+                    <a:lstStyle/>
+                    <a:p>
+                      <a:r>
+                        <a:rPr lang="en-US" dirty="0" smtClean="0"/>
+                        <a:t>Cancer</a:t>
+                      </a:r>
+                      <a:endParaRPr lang="en-US" dirty="0"/>
+                    </a:p>
+                  </a:txBody>
+                  <a:tcPr/>
+                </a:tc>
+              </a:tr>
+              <a:tr h="370840">
+                <a:tc>
+                  <a:txBody>
+                    <a:bodyPr/>
+                    <a:lstStyle/>
+                    <a:p>
+                      <a:pPr marL="0" marR="0" indent="0" algn="l" defTabSz="457200" rtl="0" eaLnBrk="1" fontAlgn="auto" latinLnBrk="0" hangingPunct="1">
+                        <a:lnSpc>
+                          <a:spcPct val="100000"/>
+                        </a:lnSpc>
+                        <a:spcBef>
+                          <a:spcPts val="0"/>
+                        </a:spcBef>
+                        <a:spcAft>
+                          <a:spcPts val="0"/>
+                        </a:spcAft>
+                        <a:buClrTx/>
+                        <a:buSzTx/>
+                        <a:buFontTx/>
+                        <a:buNone/>
+                        <a:tabLst/>
+                        <a:defRPr/>
+                      </a:pPr>
+                      <a:r>
+                        <a:rPr lang="en-US" dirty="0" smtClean="0"/>
+                        <a:t>Student</a:t>
+                      </a:r>
+                    </a:p>
+                  </a:txBody>
+                  <a:tcPr/>
+                </a:tc>
+                <a:tc>
+                  <a:txBody>
+                    <a:bodyPr/>
+                    <a:lstStyle/>
+                    <a:p>
+                      <a:r>
+                        <a:rPr lang="en-US" dirty="0" smtClean="0"/>
+                        <a:t>*</a:t>
+                      </a:r>
+                      <a:endParaRPr lang="en-US" dirty="0"/>
+                    </a:p>
+                  </a:txBody>
+                  <a:tcPr/>
+                </a:tc>
+                <a:tc>
+                  <a:txBody>
+                    <a:bodyPr/>
+                    <a:lstStyle/>
+                    <a:p>
+                      <a:r>
+                        <a:rPr lang="en-US" dirty="0" smtClean="0"/>
+                        <a:t>Meningitis</a:t>
+                      </a:r>
+                      <a:endParaRPr lang="en-US" dirty="0"/>
+                    </a:p>
+                  </a:txBody>
+                  <a:tcPr/>
+                </a:tc>
+              </a:tr>
+            </a:tbl>
+          </a:graphicData>
+        </a:graphic>
+      </p:graphicFrame>
+    </p:spTree>
+    <p:extLst>
+      <p:ext uri="{BB962C8B-B14F-4D97-AF65-F5344CB8AC3E}">
+        <p14:creationId xmlns:p14="http://schemas.microsoft.com/office/powerpoint/2010/main" val="58569793"/>
+      </p:ext>
+    </p:extLst>
+  </p:cSld>
+  <p:clrMapOvr>
+    <a:masterClrMapping/>
+  </p:clrMapOvr>
+</p:sld>
+</file>
+
+<file path=ppt/slides/slide35.xml><?xml version="1.0" encoding="utf-8"?>
+<p:sld xmlns:a="http://schemas.openxmlformats.org/drawingml/2006/main" xmlns:r="http://schemas.openxmlformats.org/officeDocument/2006/relationships" xmlns:p="http://schemas.openxmlformats.org/presentationml/2006/main">
+  <p:cSld>
+    <p:spTree>
+      <p:nvGrpSpPr>
+        <p:cNvPr id="1" name=""/>
+        <p:cNvGrpSpPr/>
+        <p:nvPr/>
+      </p:nvGrpSpPr>
+      <p:grpSpPr>
+        <a:xfrm>
+          <a:off x="0" y="0"/>
+          <a:ext cx="0" cy="0"/>
+          <a:chOff x="0" y="0"/>
+          <a:chExt cx="0" cy="0"/>
+        </a:xfrm>
+      </p:grpSpPr>
+      <p:sp>
+        <p:nvSpPr>
+          <p:cNvPr id="2" name="Title 1"/>
+          <p:cNvSpPr>
+            <a:spLocks noGrp="1"/>
+          </p:cNvSpPr>
+          <p:nvPr>
+            <p:ph type="title"/>
+          </p:nvPr>
+        </p:nvSpPr>
+        <p:spPr/>
+        <p:txBody>
+          <a:bodyPr/>
+          <a:lstStyle/>
+          <a:p>
+            <a:r>
+              <a:rPr lang="en-US" dirty="0" smtClean="0"/>
+              <a:t>Classification Score</a:t>
+            </a:r>
+            <a:endParaRPr lang="en-US" dirty="0"/>
+          </a:p>
+        </p:txBody>
+      </p:sp>
+      <p:pic>
+        <p:nvPicPr>
+          <p:cNvPr id="8" name="Content Placeholder 7" descr="Screen Shot 2017-05-04 at 9.43.06 PM.png"/>
+          <p:cNvPicPr>
+            <a:picLocks noGrp="1" noChangeAspect="1"/>
+          </p:cNvPicPr>
+          <p:nvPr>
+            <p:ph idx="1"/>
+          </p:nvPr>
+        </p:nvPicPr>
+        <p:blipFill>
+          <a:blip r:embed="rId2">
+            <a:extLst>
+              <a:ext uri="{28A0092B-C50C-407E-A947-70E740481C1C}">
+                <a14:useLocalDpi xmlns:a14="http://schemas.microsoft.com/office/drawing/2010/main" val="0"/>
+              </a:ext>
+            </a:extLst>
+          </a:blip>
+          <a:srcRect t="-22037" b="-22037"/>
+          <a:stretch>
+            <a:fillRect/>
+          </a:stretch>
+        </p:blipFill>
+        <p:spPr/>
+      </p:pic>
+    </p:spTree>
+    <p:extLst>
+      <p:ext uri="{BB962C8B-B14F-4D97-AF65-F5344CB8AC3E}">
+        <p14:creationId xmlns:p14="http://schemas.microsoft.com/office/powerpoint/2010/main" val="636434526"/>
+      </p:ext>
+    </p:extLst>
+  </p:cSld>
+  <p:clrMapOvr>
+    <a:masterClrMapping/>
+  </p:clrMapOvr>
+</p:sld>
+</file>
+
+<file path=ppt/slides/slide36.xml><?xml version="1.0" encoding="utf-8"?>
+<p:sld xmlns:a="http://schemas.openxmlformats.org/drawingml/2006/main" xmlns:r="http://schemas.openxmlformats.org/officeDocument/2006/relationships" xmlns:p="http://schemas.openxmlformats.org/presentationml/2006/main">
+  <p:cSld>
+    <p:spTree>
+      <p:nvGrpSpPr>
+        <p:cNvPr id="1" name=""/>
+        <p:cNvGrpSpPr/>
+        <p:nvPr/>
+      </p:nvGrpSpPr>
+      <p:grpSpPr>
+        <a:xfrm>
+          <a:off x="0" y="0"/>
+          <a:ext cx="0" cy="0"/>
+          <a:chOff x="0" y="0"/>
+          <a:chExt cx="0" cy="0"/>
+        </a:xfrm>
+      </p:grpSpPr>
+      <p:sp>
+        <p:nvSpPr>
+          <p:cNvPr id="2" name="Title 1"/>
+          <p:cNvSpPr>
+            <a:spLocks noGrp="1"/>
+          </p:cNvSpPr>
+          <p:nvPr>
+            <p:ph type="title"/>
+          </p:nvPr>
+        </p:nvSpPr>
+        <p:spPr/>
+        <p:txBody>
+          <a:bodyPr/>
+          <a:lstStyle/>
+          <a:p>
+            <a:endParaRPr lang="en-US" dirty="0"/>
+          </a:p>
+        </p:txBody>
+      </p:sp>
+      <p:sp>
+        <p:nvSpPr>
+          <p:cNvPr id="3" name="Content Placeholder 2"/>
+          <p:cNvSpPr>
+            <a:spLocks noGrp="1"/>
+          </p:cNvSpPr>
+          <p:nvPr>
+            <p:ph idx="1"/>
+          </p:nvPr>
+        </p:nvSpPr>
+        <p:spPr/>
+        <p:txBody>
+          <a:bodyPr/>
+          <a:lstStyle/>
+          <a:p>
+            <a:endParaRPr lang="en-US"/>
+          </a:p>
+        </p:txBody>
+      </p:sp>
+    </p:spTree>
+    <p:extLst>
+      <p:ext uri="{BB962C8B-B14F-4D97-AF65-F5344CB8AC3E}">
+        <p14:creationId xmlns:p14="http://schemas.microsoft.com/office/powerpoint/2010/main" val="772342782"/>
+      </p:ext>
+    </p:extLst>
+  </p:cSld>
+  <p:clrMapOvr>
+    <a:masterClrMapping/>
+  </p:clrMapOvr>
+</p:sld>
+</file>
+
+<file path=ppt/slides/slide37.xml><?xml version="1.0" encoding="utf-8"?>
+<p:sld xmlns:a="http://schemas.openxmlformats.org/drawingml/2006/main" xmlns:r="http://schemas.openxmlformats.org/officeDocument/2006/relationships" xmlns:p="http://schemas.openxmlformats.org/presentationml/2006/main">
+  <p:cSld>
+    <p:spTree>
+      <p:nvGrpSpPr>
+        <p:cNvPr id="1" name=""/>
+        <p:cNvGrpSpPr/>
+        <p:nvPr/>
+      </p:nvGrpSpPr>
+      <p:grpSpPr>
+        <a:xfrm>
+          <a:off x="0" y="0"/>
+          <a:ext cx="0" cy="0"/>
+          <a:chOff x="0" y="0"/>
+          <a:chExt cx="0" cy="0"/>
+        </a:xfrm>
+      </p:grpSpPr>
+      <p:sp>
+        <p:nvSpPr>
+          <p:cNvPr id="2" name="Title 1"/>
+          <p:cNvSpPr>
+            <a:spLocks noGrp="1"/>
+          </p:cNvSpPr>
+          <p:nvPr>
+            <p:ph type="title"/>
+          </p:nvPr>
+        </p:nvSpPr>
+        <p:spPr/>
+        <p:txBody>
+          <a:bodyPr/>
+          <a:lstStyle/>
+          <a:p>
+            <a:endParaRPr lang="en-US"/>
+          </a:p>
+        </p:txBody>
+      </p:sp>
+      <p:sp>
+        <p:nvSpPr>
+          <p:cNvPr id="3" name="Content Placeholder 2"/>
+          <p:cNvSpPr>
+            <a:spLocks noGrp="1"/>
+          </p:cNvSpPr>
+          <p:nvPr>
+            <p:ph idx="1"/>
+          </p:nvPr>
+        </p:nvSpPr>
+        <p:spPr/>
+        <p:txBody>
+          <a:bodyPr/>
+          <a:lstStyle/>
+          <a:p>
+            <a:r>
+              <a:rPr lang="en-US" dirty="0" smtClean="0"/>
+              <a:t>K represents the number of tuples per q-block</a:t>
+            </a:r>
+          </a:p>
+          <a:p>
+            <a:r>
+              <a:rPr lang="en-US" dirty="0" smtClean="0"/>
+              <a:t>L represents L-Severity’s well represented distinct values</a:t>
+            </a:r>
+            <a:endParaRPr lang="en-US" dirty="0"/>
+          </a:p>
+        </p:txBody>
+      </p:sp>
+    </p:spTree>
+    <p:extLst>
+      <p:ext uri="{BB962C8B-B14F-4D97-AF65-F5344CB8AC3E}">
+        <p14:creationId xmlns:p14="http://schemas.microsoft.com/office/powerpoint/2010/main" val="5843169"/>
       </p:ext>
     </p:extLst>
   </p:cSld>

--- a/Final Project/draft_presentation.pptx
+++ b/Final Project/draft_presentation.pptx
@@ -5,7 +5,7 @@
     <p:sldMasterId id="2147483648" r:id="rId1"/>
   </p:sldMasterIdLst>
   <p:notesMasterIdLst>
-    <p:notesMasterId r:id="rId39"/>
+    <p:notesMasterId r:id="rId51"/>
   </p:notesMasterIdLst>
   <p:sldIdLst>
     <p:sldId id="256" r:id="rId2"/>
@@ -36,15 +36,27 @@
     <p:sldId id="284" r:id="rId27"/>
     <p:sldId id="285" r:id="rId28"/>
     <p:sldId id="286" r:id="rId29"/>
-    <p:sldId id="287" r:id="rId30"/>
-    <p:sldId id="289" r:id="rId31"/>
-    <p:sldId id="290" r:id="rId32"/>
-    <p:sldId id="291" r:id="rId33"/>
-    <p:sldId id="292" r:id="rId34"/>
-    <p:sldId id="293" r:id="rId35"/>
-    <p:sldId id="294" r:id="rId36"/>
-    <p:sldId id="295" r:id="rId37"/>
-    <p:sldId id="288" r:id="rId38"/>
+    <p:sldId id="302" r:id="rId30"/>
+    <p:sldId id="288" r:id="rId31"/>
+    <p:sldId id="287" r:id="rId32"/>
+    <p:sldId id="289" r:id="rId33"/>
+    <p:sldId id="290" r:id="rId34"/>
+    <p:sldId id="291" r:id="rId35"/>
+    <p:sldId id="292" r:id="rId36"/>
+    <p:sldId id="293" r:id="rId37"/>
+    <p:sldId id="294" r:id="rId38"/>
+    <p:sldId id="295" r:id="rId39"/>
+    <p:sldId id="296" r:id="rId40"/>
+    <p:sldId id="297" r:id="rId41"/>
+    <p:sldId id="298" r:id="rId42"/>
+    <p:sldId id="299" r:id="rId43"/>
+    <p:sldId id="300" r:id="rId44"/>
+    <p:sldId id="303" r:id="rId45"/>
+    <p:sldId id="304" r:id="rId46"/>
+    <p:sldId id="306" r:id="rId47"/>
+    <p:sldId id="305" r:id="rId48"/>
+    <p:sldId id="307" r:id="rId49"/>
+    <p:sldId id="308" r:id="rId50"/>
   </p:sldIdLst>
   <p:sldSz cx="9144000" cy="6858000" type="screen4x3"/>
   <p:notesSz cx="6858000" cy="9144000"/>
@@ -894,11 +906,95 @@
           <a:p>
             <a:r>
               <a:rPr lang="en-US" dirty="0" smtClean="0"/>
-              <a:t>Released data should never be more specific than the</a:t>
+              <a:t>RW </a:t>
             </a:r>
             <a:r>
               <a:rPr lang="en-US" baseline="0" dirty="0" smtClean="0"/>
-              <a:t> original</a:t>
+              <a:t>* [(</a:t>
+            </a:r>
+            <a:r>
+              <a:rPr lang="en-US" dirty="0" smtClean="0"/>
+              <a:t>CS/DF/</a:t>
+            </a:r>
+            <a:r>
+              <a:rPr lang="en-US" dirty="0" err="1" smtClean="0"/>
+              <a:t>DivFactor</a:t>
+            </a:r>
+            <a:r>
+              <a:rPr lang="en-US" dirty="0" smtClean="0"/>
+              <a:t>) + WR]</a:t>
+            </a:r>
+          </a:p>
+          <a:p>
+            <a:endParaRPr lang="en-US" dirty="0" smtClean="0"/>
+          </a:p>
+          <a:p>
+            <a:r>
+              <a:rPr lang="en-US" dirty="0" smtClean="0"/>
+              <a:t>CS = </a:t>
+            </a:r>
+            <a:r>
+              <a:rPr lang="en-US" dirty="0" err="1" smtClean="0"/>
+              <a:t>foreach</a:t>
+            </a:r>
+            <a:r>
+              <a:rPr lang="en-US" baseline="0" dirty="0" smtClean="0"/>
+              <a:t> classification Add the </a:t>
+            </a:r>
+            <a:r>
+              <a:rPr lang="en-US" baseline="0" dirty="0" err="1" smtClean="0"/>
+              <a:t>severirites</a:t>
+            </a:r>
+            <a:endParaRPr lang="en-US" baseline="0" dirty="0" smtClean="0"/>
+          </a:p>
+          <a:p>
+            <a:r>
+              <a:rPr lang="en-US" baseline="0" dirty="0" smtClean="0"/>
+              <a:t>DF = # of tuples that share the quasi-identifiers (size of q-block)</a:t>
+            </a:r>
+          </a:p>
+          <a:p>
+            <a:r>
+              <a:rPr lang="en-US" baseline="0" dirty="0" err="1" smtClean="0"/>
+              <a:t>DivFactor</a:t>
+            </a:r>
+            <a:r>
+              <a:rPr lang="en-US" baseline="0" dirty="0" smtClean="0"/>
+              <a:t> = # of sensitive values within that q-block</a:t>
+            </a:r>
+          </a:p>
+          <a:p>
+            <a:r>
+              <a:rPr lang="en-US" baseline="0" dirty="0" smtClean="0"/>
+              <a:t>WR = Well representation weight</a:t>
+            </a:r>
+            <a:endParaRPr lang="en-US" dirty="0" smtClean="0"/>
+          </a:p>
+          <a:p>
+            <a:r>
+              <a:rPr lang="en-US" dirty="0" smtClean="0"/>
+              <a:t>RW = # Rows</a:t>
+            </a:r>
+            <a:r>
+              <a:rPr lang="en-US" baseline="0" dirty="0" smtClean="0"/>
+              <a:t> weighted </a:t>
+            </a:r>
+          </a:p>
+          <a:p>
+            <a:endParaRPr lang="en-US" dirty="0" smtClean="0"/>
+          </a:p>
+          <a:p>
+            <a:r>
+              <a:rPr lang="en-US" dirty="0" smtClean="0"/>
+              <a:t>r1</a:t>
+            </a:r>
+            <a:r>
+              <a:rPr lang="en-US" baseline="0" dirty="0" smtClean="0"/>
+              <a:t> &lt; r2…</a:t>
+            </a:r>
+            <a:r>
+              <a:rPr lang="en-US" baseline="0" dirty="0" err="1" smtClean="0"/>
+              <a:t>rm</a:t>
             </a:r>
             <a:endParaRPr lang="en-US" dirty="0"/>
           </a:p>
@@ -921,7 +1017,7 @@
           <a:p>
             <a:fld id="{4B6ADD09-A426-694F-B3F1-BF5C032C9059}" type="slidenum">
               <a:rPr lang="en-US" smtClean="0"/>
-              <a:t>29</a:t>
+              <a:t>30</a:t>
             </a:fld>
             <a:endParaRPr lang="en-US"/>
           </a:p>
@@ -930,7 +1026,7 @@
     </p:spTree>
     <p:extLst>
       <p:ext uri="{BB962C8B-B14F-4D97-AF65-F5344CB8AC3E}">
-        <p14:creationId xmlns:p14="http://schemas.microsoft.com/office/powerpoint/2010/main" val="812316077"/>
+        <p14:creationId xmlns:p14="http://schemas.microsoft.com/office/powerpoint/2010/main" val="1977951988"/>
       </p:ext>
     </p:extLst>
   </p:cSld>
@@ -986,7 +1082,11 @@
           <a:p>
             <a:r>
               <a:rPr lang="en-US" dirty="0" smtClean="0"/>
-              <a:t>Too specific</a:t>
+              <a:t>Released data should never be more specific than the</a:t>
+            </a:r>
+            <a:r>
+              <a:rPr lang="en-US" baseline="0" dirty="0" smtClean="0"/>
+              <a:t> original</a:t>
             </a:r>
             <a:endParaRPr lang="en-US" dirty="0"/>
           </a:p>
@@ -1009,7 +1109,7 @@
           <a:p>
             <a:fld id="{4B6ADD09-A426-694F-B3F1-BF5C032C9059}" type="slidenum">
               <a:rPr lang="en-US" smtClean="0"/>
-              <a:t>32</a:t>
+              <a:t>31</a:t>
             </a:fld>
             <a:endParaRPr lang="en-US"/>
           </a:p>
@@ -1018,7 +1118,7 @@
     </p:spTree>
     <p:extLst>
       <p:ext uri="{BB962C8B-B14F-4D97-AF65-F5344CB8AC3E}">
-        <p14:creationId xmlns:p14="http://schemas.microsoft.com/office/powerpoint/2010/main" val="3732187879"/>
+        <p14:creationId xmlns:p14="http://schemas.microsoft.com/office/powerpoint/2010/main" val="812316077"/>
       </p:ext>
     </p:extLst>
   </p:cSld>
@@ -1074,52 +1174,8 @@
           <a:p>
             <a:r>
               <a:rPr lang="en-US" dirty="0" smtClean="0"/>
-              <a:t>Attaching constant is a</a:t>
-            </a:r>
-            <a:r>
-              <a:rPr lang="en-US" baseline="0" dirty="0" smtClean="0"/>
-              <a:t> good idea</a:t>
-            </a:r>
-          </a:p>
-          <a:p>
-            <a:r>
-              <a:rPr lang="en-US" baseline="0" dirty="0" smtClean="0"/>
-              <a:t>Dynamic data, might not know what you’re getting/sending</a:t>
-            </a:r>
-          </a:p>
-          <a:p>
-            <a:r>
-              <a:rPr lang="en-US" baseline="0" dirty="0" smtClean="0"/>
-              <a:t>Can read properties of an object</a:t>
-            </a:r>
-          </a:p>
-          <a:p>
-            <a:r>
-              <a:rPr lang="en-US" baseline="0" dirty="0" smtClean="0"/>
-              <a:t>Maintenance – Forget to properly classify. Can then become a target of pulling data</a:t>
-            </a:r>
-          </a:p>
-          <a:p>
-            <a:r>
-              <a:rPr lang="en-US" baseline="0" dirty="0" smtClean="0"/>
-              <a:t>Pulling from table, data is constant unless specified. If the number of attributes can change dynamically, having constant for those not accounted for can be useful</a:t>
-            </a:r>
-          </a:p>
-          <a:p>
-            <a:r>
-              <a:rPr lang="en-US" baseline="0" dirty="0" smtClean="0"/>
-              <a:t>Property match to </a:t>
-            </a:r>
-            <a:r>
-              <a:rPr lang="en-US" baseline="0" dirty="0" err="1" smtClean="0"/>
-              <a:t>key|value</a:t>
-            </a:r>
-            <a:r>
-              <a:rPr lang="en-US" baseline="0" dirty="0" smtClean="0"/>
-              <a:t> pairs</a:t>
-            </a:r>
-          </a:p>
-          <a:p>
+              <a:t>Too specific</a:t>
+            </a:r>
             <a:endParaRPr lang="en-US" dirty="0"/>
           </a:p>
         </p:txBody>
@@ -1141,7 +1197,7 @@
           <a:p>
             <a:fld id="{4B6ADD09-A426-694F-B3F1-BF5C032C9059}" type="slidenum">
               <a:rPr lang="en-US" smtClean="0"/>
-              <a:t>33</a:t>
+              <a:t>34</a:t>
             </a:fld>
             <a:endParaRPr lang="en-US"/>
           </a:p>
@@ -1150,7 +1206,7 @@
     </p:spTree>
     <p:extLst>
       <p:ext uri="{BB962C8B-B14F-4D97-AF65-F5344CB8AC3E}">
-        <p14:creationId xmlns:p14="http://schemas.microsoft.com/office/powerpoint/2010/main" val="2751741334"/>
+        <p14:creationId xmlns:p14="http://schemas.microsoft.com/office/powerpoint/2010/main" val="3732187879"/>
       </p:ext>
     </p:extLst>
   </p:cSld>
@@ -1206,24 +1262,52 @@
           <a:p>
             <a:r>
               <a:rPr lang="en-US" dirty="0" smtClean="0"/>
-              <a:t>Homogeneity</a:t>
-            </a:r>
-          </a:p>
-          <a:p>
-            <a:r>
-              <a:rPr lang="en-US" dirty="0" smtClean="0"/>
-              <a:t>Diversity</a:t>
-            </a:r>
-          </a:p>
-          <a:p>
-            <a:r>
-              <a:rPr lang="en-US" dirty="0" smtClean="0"/>
-              <a:t>Well</a:t>
+              <a:t>Attaching constant is a</a:t>
             </a:r>
             <a:r>
               <a:rPr lang="en-US" baseline="0" dirty="0" smtClean="0"/>
-              <a:t> representation</a:t>
-            </a:r>
+              <a:t> good idea</a:t>
+            </a:r>
+          </a:p>
+          <a:p>
+            <a:r>
+              <a:rPr lang="en-US" baseline="0" dirty="0" smtClean="0"/>
+              <a:t>Dynamic data, might not know what you’re getting/sending</a:t>
+            </a:r>
+          </a:p>
+          <a:p>
+            <a:r>
+              <a:rPr lang="en-US" baseline="0" dirty="0" smtClean="0"/>
+              <a:t>Can read properties of an object</a:t>
+            </a:r>
+          </a:p>
+          <a:p>
+            <a:r>
+              <a:rPr lang="en-US" baseline="0" dirty="0" smtClean="0"/>
+              <a:t>Maintenance – Forget to properly classify. Can then become a target of pulling data</a:t>
+            </a:r>
+          </a:p>
+          <a:p>
+            <a:r>
+              <a:rPr lang="en-US" baseline="0" dirty="0" smtClean="0"/>
+              <a:t>Pulling from table, data is constant unless specified. If the number of attributes can change dynamically, having constant for those not accounted for can be useful</a:t>
+            </a:r>
+          </a:p>
+          <a:p>
+            <a:r>
+              <a:rPr lang="en-US" baseline="0" dirty="0" smtClean="0"/>
+              <a:t>Property match to </a:t>
+            </a:r>
+            <a:r>
+              <a:rPr lang="en-US" baseline="0" dirty="0" err="1" smtClean="0"/>
+              <a:t>key|value</a:t>
+            </a:r>
+            <a:r>
+              <a:rPr lang="en-US" baseline="0" dirty="0" smtClean="0"/>
+              <a:t> pairs</a:t>
+            </a:r>
+          </a:p>
+          <a:p>
             <a:endParaRPr lang="en-US" dirty="0"/>
           </a:p>
         </p:txBody>
@@ -1245,7 +1329,7 @@
           <a:p>
             <a:fld id="{4B6ADD09-A426-694F-B3F1-BF5C032C9059}" type="slidenum">
               <a:rPr lang="en-US" smtClean="0"/>
-              <a:t>34</a:t>
+              <a:t>35</a:t>
             </a:fld>
             <a:endParaRPr lang="en-US"/>
           </a:p>
@@ -1254,7 +1338,7 @@
     </p:spTree>
     <p:extLst>
       <p:ext uri="{BB962C8B-B14F-4D97-AF65-F5344CB8AC3E}">
-        <p14:creationId xmlns:p14="http://schemas.microsoft.com/office/powerpoint/2010/main" val="4139784252"/>
+        <p14:creationId xmlns:p14="http://schemas.microsoft.com/office/powerpoint/2010/main" val="2751741334"/>
       </p:ext>
     </p:extLst>
   </p:cSld>
@@ -1310,95 +1394,23 @@
           <a:p>
             <a:r>
               <a:rPr lang="en-US" dirty="0" smtClean="0"/>
-              <a:t>RW </a:t>
+              <a:t>Homogeneity</a:t>
+            </a:r>
+          </a:p>
+          <a:p>
+            <a:r>
+              <a:rPr lang="en-US" dirty="0" smtClean="0"/>
+              <a:t>Diversity</a:t>
+            </a:r>
+          </a:p>
+          <a:p>
+            <a:r>
+              <a:rPr lang="en-US" dirty="0" smtClean="0"/>
+              <a:t>Well</a:t>
             </a:r>
             <a:r>
               <a:rPr lang="en-US" baseline="0" dirty="0" smtClean="0"/>
-              <a:t>* [(</a:t>
-            </a:r>
-            <a:r>
-              <a:rPr lang="en-US" dirty="0" smtClean="0"/>
-              <a:t>CS/DF/</a:t>
-            </a:r>
-            <a:r>
-              <a:rPr lang="en-US" dirty="0" err="1" smtClean="0"/>
-              <a:t>DivFactor</a:t>
-            </a:r>
-            <a:r>
-              <a:rPr lang="en-US" dirty="0" smtClean="0"/>
-              <a:t>) + WR]</a:t>
-            </a:r>
-          </a:p>
-          <a:p>
-            <a:endParaRPr lang="en-US" dirty="0" smtClean="0"/>
-          </a:p>
-          <a:p>
-            <a:r>
-              <a:rPr lang="en-US" dirty="0" smtClean="0"/>
-              <a:t>CS = </a:t>
-            </a:r>
-            <a:r>
-              <a:rPr lang="en-US" dirty="0" err="1" smtClean="0"/>
-              <a:t>foreach</a:t>
-            </a:r>
-            <a:r>
-              <a:rPr lang="en-US" baseline="0" dirty="0" smtClean="0"/>
-              <a:t> classification Add the </a:t>
-            </a:r>
-            <a:r>
-              <a:rPr lang="en-US" baseline="0" dirty="0" err="1" smtClean="0"/>
-              <a:t>severirites</a:t>
-            </a:r>
-            <a:endParaRPr lang="en-US" baseline="0" dirty="0" smtClean="0"/>
-          </a:p>
-          <a:p>
-            <a:r>
-              <a:rPr lang="en-US" baseline="0" dirty="0" smtClean="0"/>
-              <a:t>DF = # of tuples that share the quasi-identifiers (size of q-block)</a:t>
-            </a:r>
-          </a:p>
-          <a:p>
-            <a:r>
-              <a:rPr lang="en-US" baseline="0" dirty="0" err="1" smtClean="0"/>
-              <a:t>DivFactor</a:t>
-            </a:r>
-            <a:r>
-              <a:rPr lang="en-US" baseline="0" dirty="0" smtClean="0"/>
-              <a:t> = # of sensitive values within that q-block</a:t>
-            </a:r>
-          </a:p>
-          <a:p>
-            <a:r>
-              <a:rPr lang="en-US" baseline="0" dirty="0" smtClean="0"/>
-              <a:t>WR = Well representation weight</a:t>
-            </a:r>
-            <a:endParaRPr lang="en-US" dirty="0" smtClean="0"/>
-          </a:p>
-          <a:p>
-            <a:r>
-              <a:rPr lang="en-US" dirty="0" smtClean="0"/>
-              <a:t>RW = # Rows</a:t>
-            </a:r>
-            <a:r>
-              <a:rPr lang="en-US" baseline="0" dirty="0" smtClean="0"/>
-              <a:t> weighted </a:t>
-            </a:r>
-          </a:p>
-          <a:p>
-            <a:endParaRPr lang="en-US" dirty="0" smtClean="0"/>
-          </a:p>
-          <a:p>
-            <a:r>
-              <a:rPr lang="en-US" dirty="0" smtClean="0"/>
-              <a:t>r1</a:t>
-            </a:r>
-            <a:r>
-              <a:rPr lang="en-US" baseline="0" dirty="0" smtClean="0"/>
-              <a:t> &lt; r2…</a:t>
-            </a:r>
-            <a:r>
-              <a:rPr lang="en-US" baseline="0" dirty="0" err="1" smtClean="0"/>
-              <a:t>rm</a:t>
+              <a:t> representation</a:t>
             </a:r>
             <a:endParaRPr lang="en-US" dirty="0"/>
           </a:p>
@@ -1421,7 +1433,7 @@
           <a:p>
             <a:fld id="{4B6ADD09-A426-694F-B3F1-BF5C032C9059}" type="slidenum">
               <a:rPr lang="en-US" smtClean="0"/>
-              <a:t>37</a:t>
+              <a:t>36</a:t>
             </a:fld>
             <a:endParaRPr lang="en-US"/>
           </a:p>
@@ -1430,7 +1442,298 @@
     </p:spTree>
     <p:extLst>
       <p:ext uri="{BB962C8B-B14F-4D97-AF65-F5344CB8AC3E}">
-        <p14:creationId xmlns:p14="http://schemas.microsoft.com/office/powerpoint/2010/main" val="1977951988"/>
+        <p14:creationId xmlns:p14="http://schemas.microsoft.com/office/powerpoint/2010/main" val="4139784252"/>
+      </p:ext>
+    </p:extLst>
+  </p:cSld>
+  <p:clrMapOvr>
+    <a:masterClrMapping/>
+  </p:clrMapOvr>
+</p:notes>
+</file>
+
+<file path=ppt/notesSlides/notesSlide17.xml><?xml version="1.0" encoding="utf-8"?>
+<p:notes xmlns:a="http://schemas.openxmlformats.org/drawingml/2006/main" xmlns:r="http://schemas.openxmlformats.org/officeDocument/2006/relationships" xmlns:p="http://schemas.openxmlformats.org/presentationml/2006/main">
+  <p:cSld>
+    <p:spTree>
+      <p:nvGrpSpPr>
+        <p:cNvPr id="1" name=""/>
+        <p:cNvGrpSpPr/>
+        <p:nvPr/>
+      </p:nvGrpSpPr>
+      <p:grpSpPr>
+        <a:xfrm>
+          <a:off x="0" y="0"/>
+          <a:ext cx="0" cy="0"/>
+          <a:chOff x="0" y="0"/>
+          <a:chExt cx="0" cy="0"/>
+        </a:xfrm>
+      </p:grpSpPr>
+      <p:sp>
+        <p:nvSpPr>
+          <p:cNvPr id="2" name="Slide Image Placeholder 1"/>
+          <p:cNvSpPr>
+            <a:spLocks noGrp="1" noRot="1" noChangeAspect="1"/>
+          </p:cNvSpPr>
+          <p:nvPr>
+            <p:ph type="sldImg"/>
+          </p:nvPr>
+        </p:nvSpPr>
+        <p:spPr/>
+      </p:sp>
+      <p:sp>
+        <p:nvSpPr>
+          <p:cNvPr id="3" name="Notes Placeholder 2"/>
+          <p:cNvSpPr>
+            <a:spLocks noGrp="1"/>
+          </p:cNvSpPr>
+          <p:nvPr>
+            <p:ph type="body" idx="1"/>
+          </p:nvPr>
+        </p:nvSpPr>
+        <p:spPr/>
+        <p:txBody>
+          <a:bodyPr/>
+          <a:lstStyle/>
+          <a:p>
+            <a:pPr marL="0" marR="0" indent="0" algn="l" defTabSz="457200" rtl="0" eaLnBrk="1" fontAlgn="auto" latinLnBrk="0" hangingPunct="1">
+              <a:lnSpc>
+                <a:spcPct val="100000"/>
+              </a:lnSpc>
+              <a:spcBef>
+                <a:spcPts val="0"/>
+              </a:spcBef>
+              <a:spcAft>
+                <a:spcPts val="0"/>
+              </a:spcAft>
+              <a:buClrTx/>
+              <a:buSzTx/>
+              <a:buFontTx/>
+              <a:buNone/>
+              <a:tabLst/>
+              <a:defRPr/>
+            </a:pPr>
+            <a:r>
+              <a:rPr lang="en-US" dirty="0" smtClean="0"/>
+              <a:t>RW </a:t>
+            </a:r>
+            <a:r>
+              <a:rPr lang="en-US" baseline="0" dirty="0" smtClean="0"/>
+              <a:t>* [(</a:t>
+            </a:r>
+            <a:r>
+              <a:rPr lang="en-US" dirty="0" smtClean="0"/>
+              <a:t>CS/DF/</a:t>
+            </a:r>
+            <a:r>
+              <a:rPr lang="en-US" dirty="0" err="1" smtClean="0"/>
+              <a:t>DivFactor</a:t>
+            </a:r>
+            <a:r>
+              <a:rPr lang="en-US" dirty="0" smtClean="0"/>
+              <a:t>) + WR]</a:t>
+            </a:r>
+          </a:p>
+          <a:p>
+            <a:endParaRPr lang="en-US" dirty="0"/>
+          </a:p>
+        </p:txBody>
+      </p:sp>
+      <p:sp>
+        <p:nvSpPr>
+          <p:cNvPr id="4" name="Slide Number Placeholder 3"/>
+          <p:cNvSpPr>
+            <a:spLocks noGrp="1"/>
+          </p:cNvSpPr>
+          <p:nvPr>
+            <p:ph type="sldNum" sz="quarter" idx="10"/>
+          </p:nvPr>
+        </p:nvSpPr>
+        <p:spPr/>
+        <p:txBody>
+          <a:bodyPr/>
+          <a:lstStyle/>
+          <a:p>
+            <a:fld id="{4B6ADD09-A426-694F-B3F1-BF5C032C9059}" type="slidenum">
+              <a:rPr lang="en-US" smtClean="0"/>
+              <a:t>38</a:t>
+            </a:fld>
+            <a:endParaRPr lang="en-US"/>
+          </a:p>
+        </p:txBody>
+      </p:sp>
+    </p:spTree>
+    <p:extLst>
+      <p:ext uri="{BB962C8B-B14F-4D97-AF65-F5344CB8AC3E}">
+        <p14:creationId xmlns:p14="http://schemas.microsoft.com/office/powerpoint/2010/main" val="1259065613"/>
+      </p:ext>
+    </p:extLst>
+  </p:cSld>
+  <p:clrMapOvr>
+    <a:masterClrMapping/>
+  </p:clrMapOvr>
+</p:notes>
+</file>
+
+<file path=ppt/notesSlides/notesSlide18.xml><?xml version="1.0" encoding="utf-8"?>
+<p:notes xmlns:a="http://schemas.openxmlformats.org/drawingml/2006/main" xmlns:r="http://schemas.openxmlformats.org/officeDocument/2006/relationships" xmlns:p="http://schemas.openxmlformats.org/presentationml/2006/main">
+  <p:cSld>
+    <p:spTree>
+      <p:nvGrpSpPr>
+        <p:cNvPr id="1" name=""/>
+        <p:cNvGrpSpPr/>
+        <p:nvPr/>
+      </p:nvGrpSpPr>
+      <p:grpSpPr>
+        <a:xfrm>
+          <a:off x="0" y="0"/>
+          <a:ext cx="0" cy="0"/>
+          <a:chOff x="0" y="0"/>
+          <a:chExt cx="0" cy="0"/>
+        </a:xfrm>
+      </p:grpSpPr>
+      <p:sp>
+        <p:nvSpPr>
+          <p:cNvPr id="2" name="Slide Image Placeholder 1"/>
+          <p:cNvSpPr>
+            <a:spLocks noGrp="1" noRot="1" noChangeAspect="1"/>
+          </p:cNvSpPr>
+          <p:nvPr>
+            <p:ph type="sldImg"/>
+          </p:nvPr>
+        </p:nvSpPr>
+        <p:spPr/>
+      </p:sp>
+      <p:sp>
+        <p:nvSpPr>
+          <p:cNvPr id="3" name="Notes Placeholder 2"/>
+          <p:cNvSpPr>
+            <a:spLocks noGrp="1"/>
+          </p:cNvSpPr>
+          <p:nvPr>
+            <p:ph type="body" idx="1"/>
+          </p:nvPr>
+        </p:nvSpPr>
+        <p:spPr/>
+        <p:txBody>
+          <a:bodyPr/>
+          <a:lstStyle/>
+          <a:p>
+            <a:endParaRPr lang="en-US" dirty="0"/>
+          </a:p>
+        </p:txBody>
+      </p:sp>
+      <p:sp>
+        <p:nvSpPr>
+          <p:cNvPr id="4" name="Slide Number Placeholder 3"/>
+          <p:cNvSpPr>
+            <a:spLocks noGrp="1"/>
+          </p:cNvSpPr>
+          <p:nvPr>
+            <p:ph type="sldNum" sz="quarter" idx="10"/>
+          </p:nvPr>
+        </p:nvSpPr>
+        <p:spPr/>
+        <p:txBody>
+          <a:bodyPr/>
+          <a:lstStyle/>
+          <a:p>
+            <a:fld id="{4B6ADD09-A426-694F-B3F1-BF5C032C9059}" type="slidenum">
+              <a:rPr lang="en-US" smtClean="0"/>
+              <a:t>41</a:t>
+            </a:fld>
+            <a:endParaRPr lang="en-US"/>
+          </a:p>
+        </p:txBody>
+      </p:sp>
+    </p:spTree>
+    <p:extLst>
+      <p:ext uri="{BB962C8B-B14F-4D97-AF65-F5344CB8AC3E}">
+        <p14:creationId xmlns:p14="http://schemas.microsoft.com/office/powerpoint/2010/main" val="3983756855"/>
+      </p:ext>
+    </p:extLst>
+  </p:cSld>
+  <p:clrMapOvr>
+    <a:masterClrMapping/>
+  </p:clrMapOvr>
+</p:notes>
+</file>
+
+<file path=ppt/notesSlides/notesSlide19.xml><?xml version="1.0" encoding="utf-8"?>
+<p:notes xmlns:a="http://schemas.openxmlformats.org/drawingml/2006/main" xmlns:r="http://schemas.openxmlformats.org/officeDocument/2006/relationships" xmlns:p="http://schemas.openxmlformats.org/presentationml/2006/main">
+  <p:cSld>
+    <p:spTree>
+      <p:nvGrpSpPr>
+        <p:cNvPr id="1" name=""/>
+        <p:cNvGrpSpPr/>
+        <p:nvPr/>
+      </p:nvGrpSpPr>
+      <p:grpSpPr>
+        <a:xfrm>
+          <a:off x="0" y="0"/>
+          <a:ext cx="0" cy="0"/>
+          <a:chOff x="0" y="0"/>
+          <a:chExt cx="0" cy="0"/>
+        </a:xfrm>
+      </p:grpSpPr>
+      <p:sp>
+        <p:nvSpPr>
+          <p:cNvPr id="2" name="Slide Image Placeholder 1"/>
+          <p:cNvSpPr>
+            <a:spLocks noGrp="1" noRot="1" noChangeAspect="1"/>
+          </p:cNvSpPr>
+          <p:nvPr>
+            <p:ph type="sldImg"/>
+          </p:nvPr>
+        </p:nvSpPr>
+        <p:spPr/>
+      </p:sp>
+      <p:sp>
+        <p:nvSpPr>
+          <p:cNvPr id="3" name="Notes Placeholder 2"/>
+          <p:cNvSpPr>
+            <a:spLocks noGrp="1"/>
+          </p:cNvSpPr>
+          <p:nvPr>
+            <p:ph type="body" idx="1"/>
+          </p:nvPr>
+        </p:nvSpPr>
+        <p:spPr/>
+        <p:txBody>
+          <a:bodyPr/>
+          <a:lstStyle/>
+          <a:p>
+            <a:endParaRPr lang="en-US" dirty="0"/>
+          </a:p>
+        </p:txBody>
+      </p:sp>
+      <p:sp>
+        <p:nvSpPr>
+          <p:cNvPr id="4" name="Slide Number Placeholder 3"/>
+          <p:cNvSpPr>
+            <a:spLocks noGrp="1"/>
+          </p:cNvSpPr>
+          <p:nvPr>
+            <p:ph type="sldNum" sz="quarter" idx="10"/>
+          </p:nvPr>
+        </p:nvSpPr>
+        <p:spPr/>
+        <p:txBody>
+          <a:bodyPr/>
+          <a:lstStyle/>
+          <a:p>
+            <a:fld id="{4B6ADD09-A426-694F-B3F1-BF5C032C9059}" type="slidenum">
+              <a:rPr lang="en-US" smtClean="0"/>
+              <a:t>42</a:t>
+            </a:fld>
+            <a:endParaRPr lang="en-US"/>
+          </a:p>
+        </p:txBody>
+      </p:sp>
+    </p:spTree>
+    <p:extLst>
+      <p:ext uri="{BB962C8B-B14F-4D97-AF65-F5344CB8AC3E}">
+        <p14:creationId xmlns:p14="http://schemas.microsoft.com/office/powerpoint/2010/main" val="378723745"/>
       </p:ext>
     </p:extLst>
   </p:cSld>
@@ -1515,6 +1818,90 @@
     <p:extLst>
       <p:ext uri="{BB962C8B-B14F-4D97-AF65-F5344CB8AC3E}">
         <p14:creationId xmlns:p14="http://schemas.microsoft.com/office/powerpoint/2010/main" val="3395585990"/>
+      </p:ext>
+    </p:extLst>
+  </p:cSld>
+  <p:clrMapOvr>
+    <a:masterClrMapping/>
+  </p:clrMapOvr>
+</p:notes>
+</file>
+
+<file path=ppt/notesSlides/notesSlide20.xml><?xml version="1.0" encoding="utf-8"?>
+<p:notes xmlns:a="http://schemas.openxmlformats.org/drawingml/2006/main" xmlns:r="http://schemas.openxmlformats.org/officeDocument/2006/relationships" xmlns:p="http://schemas.openxmlformats.org/presentationml/2006/main">
+  <p:cSld>
+    <p:spTree>
+      <p:nvGrpSpPr>
+        <p:cNvPr id="1" name=""/>
+        <p:cNvGrpSpPr/>
+        <p:nvPr/>
+      </p:nvGrpSpPr>
+      <p:grpSpPr>
+        <a:xfrm>
+          <a:off x="0" y="0"/>
+          <a:ext cx="0" cy="0"/>
+          <a:chOff x="0" y="0"/>
+          <a:chExt cx="0" cy="0"/>
+        </a:xfrm>
+      </p:grpSpPr>
+      <p:sp>
+        <p:nvSpPr>
+          <p:cNvPr id="2" name="Slide Image Placeholder 1"/>
+          <p:cNvSpPr>
+            <a:spLocks noGrp="1" noRot="1" noChangeAspect="1"/>
+          </p:cNvSpPr>
+          <p:nvPr>
+            <p:ph type="sldImg"/>
+          </p:nvPr>
+        </p:nvSpPr>
+        <p:spPr/>
+      </p:sp>
+      <p:sp>
+        <p:nvSpPr>
+          <p:cNvPr id="3" name="Notes Placeholder 2"/>
+          <p:cNvSpPr>
+            <a:spLocks noGrp="1"/>
+          </p:cNvSpPr>
+          <p:nvPr>
+            <p:ph type="body" idx="1"/>
+          </p:nvPr>
+        </p:nvSpPr>
+        <p:spPr/>
+        <p:txBody>
+          <a:bodyPr/>
+          <a:lstStyle/>
+          <a:p>
+            <a:endParaRPr lang="en-US" dirty="0"/>
+          </a:p>
+        </p:txBody>
+      </p:sp>
+      <p:sp>
+        <p:nvSpPr>
+          <p:cNvPr id="4" name="Slide Number Placeholder 3"/>
+          <p:cNvSpPr>
+            <a:spLocks noGrp="1"/>
+          </p:cNvSpPr>
+          <p:nvPr>
+            <p:ph type="sldNum" sz="quarter" idx="10"/>
+          </p:nvPr>
+        </p:nvSpPr>
+        <p:spPr/>
+        <p:txBody>
+          <a:bodyPr/>
+          <a:lstStyle/>
+          <a:p>
+            <a:fld id="{4B6ADD09-A426-694F-B3F1-BF5C032C9059}" type="slidenum">
+              <a:rPr lang="en-US" smtClean="0"/>
+              <a:t>44</a:t>
+            </a:fld>
+            <a:endParaRPr lang="en-US"/>
+          </a:p>
+        </p:txBody>
+      </p:sp>
+    </p:spTree>
+    <p:extLst>
+      <p:ext uri="{BB962C8B-B14F-4D97-AF65-F5344CB8AC3E}">
+        <p14:creationId xmlns:p14="http://schemas.microsoft.com/office/powerpoint/2010/main" val="1183413206"/>
       </p:ext>
     </p:extLst>
   </p:cSld>
@@ -5136,7 +5523,7 @@
           <a:bodyPr/>
           <a:lstStyle/>
           <a:p>
-            <a:endParaRPr lang="en-US"/>
+            <a:endParaRPr lang="en-US" dirty="0"/>
           </a:p>
         </p:txBody>
       </p:sp>
@@ -7168,7 +7555,7 @@
           <a:p>
             <a:r>
               <a:rPr lang="en-US" dirty="0" smtClean="0"/>
-              <a:t>KL-Severity</a:t>
+              <a:t>Motivation</a:t>
             </a:r>
             <a:endParaRPr lang="en-US" dirty="0"/>
           </a:p>
@@ -7191,38 +7578,50 @@
           <a:p>
             <a:r>
               <a:rPr lang="en-US" dirty="0" smtClean="0"/>
-              <a:t>Quasi-identifier</a:t>
+              <a:t>Lack of emphasis on anonymity</a:t>
             </a:r>
           </a:p>
           <a:p>
             <a:pPr lvl="1"/>
             <a:r>
-              <a:rPr lang="en-US" dirty="0" smtClean="0"/>
-              <a:t>Logic Driven</a:t>
-            </a:r>
-          </a:p>
-          <a:p>
-            <a:r>
-              <a:rPr lang="en-US" dirty="0" smtClean="0"/>
-              <a:t>Non-Sensitive Values</a:t>
-            </a:r>
-          </a:p>
-          <a:p>
-            <a:r>
-              <a:rPr lang="en-US" dirty="0" smtClean="0"/>
-              <a:t>Classification</a:t>
-            </a:r>
-          </a:p>
-          <a:p>
-            <a:r>
-              <a:rPr lang="en-US" dirty="0" smtClean="0"/>
-              <a:t>Number of unique sensitive values in a q-block</a:t>
-            </a:r>
-          </a:p>
-          <a:p>
-            <a:r>
-              <a:rPr lang="en-US" dirty="0" smtClean="0"/>
-              <a:t>Well-Represented</a:t>
+              <a:rPr lang="en-US" dirty="0" err="1" smtClean="0"/>
+              <a:t>Valvilis</a:t>
+            </a:r>
+            <a:r>
+              <a:rPr lang="en-US" dirty="0" smtClean="0"/>
+              <a:t> et al. suggestion</a:t>
+            </a:r>
+          </a:p>
+          <a:p>
+            <a:pPr lvl="1"/>
+            <a:r>
+              <a:rPr lang="en-US" dirty="0" smtClean="0"/>
+              <a:t>Contribution is to the severity based metric</a:t>
+            </a:r>
+          </a:p>
+          <a:p>
+            <a:r>
+              <a:rPr lang="en-US" dirty="0" smtClean="0"/>
+              <a:t>Many metrics to use</a:t>
+            </a:r>
+          </a:p>
+          <a:p>
+            <a:r>
+              <a:rPr lang="en-US" dirty="0" smtClean="0"/>
+              <a:t>Many factors</a:t>
+            </a:r>
+          </a:p>
+          <a:p>
+            <a:pPr lvl="1"/>
+            <a:r>
+              <a:rPr lang="en-US" dirty="0" smtClean="0"/>
+              <a:t>Insider attack/knowledge</a:t>
+            </a:r>
+          </a:p>
+          <a:p>
+            <a:r>
+              <a:rPr lang="en-US" dirty="0" smtClean="0"/>
+              <a:t>Many Types of privacy metrics</a:t>
             </a:r>
             <a:endParaRPr lang="en-US" dirty="0"/>
           </a:p>
@@ -7231,7 +7630,7 @@
     </p:spTree>
     <p:extLst>
       <p:ext uri="{BB962C8B-B14F-4D97-AF65-F5344CB8AC3E}">
-        <p14:creationId xmlns:p14="http://schemas.microsoft.com/office/powerpoint/2010/main" val="1964036521"/>
+        <p14:creationId xmlns:p14="http://schemas.microsoft.com/office/powerpoint/2010/main" val="2740561425"/>
       </p:ext>
     </p:extLst>
   </p:cSld>
@@ -7414,6 +7813,195 @@
           <a:p>
             <a:r>
               <a:rPr lang="en-US" dirty="0" smtClean="0"/>
+              <a:t>K represents the number of tuples per q-block</a:t>
+            </a:r>
+          </a:p>
+          <a:p>
+            <a:r>
+              <a:rPr lang="en-US" dirty="0" smtClean="0"/>
+              <a:t>L represents L-Severity’s well represented distinct values</a:t>
+            </a:r>
+            <a:endParaRPr lang="en-US" dirty="0"/>
+          </a:p>
+        </p:txBody>
+      </p:sp>
+    </p:spTree>
+    <p:extLst>
+      <p:ext uri="{BB962C8B-B14F-4D97-AF65-F5344CB8AC3E}">
+        <p14:creationId xmlns:p14="http://schemas.microsoft.com/office/powerpoint/2010/main" val="5843169"/>
+      </p:ext>
+    </p:extLst>
+  </p:cSld>
+  <p:clrMapOvr>
+    <a:masterClrMapping/>
+  </p:clrMapOvr>
+</p:sld>
+</file>
+
+<file path=ppt/slides/slide31.xml><?xml version="1.0" encoding="utf-8"?>
+<p:sld xmlns:a="http://schemas.openxmlformats.org/drawingml/2006/main" xmlns:r="http://schemas.openxmlformats.org/officeDocument/2006/relationships" xmlns:p="http://schemas.openxmlformats.org/presentationml/2006/main">
+  <p:cSld>
+    <p:spTree>
+      <p:nvGrpSpPr>
+        <p:cNvPr id="1" name=""/>
+        <p:cNvGrpSpPr/>
+        <p:nvPr/>
+      </p:nvGrpSpPr>
+      <p:grpSpPr>
+        <a:xfrm>
+          <a:off x="0" y="0"/>
+          <a:ext cx="0" cy="0"/>
+          <a:chOff x="0" y="0"/>
+          <a:chExt cx="0" cy="0"/>
+        </a:xfrm>
+      </p:grpSpPr>
+      <p:sp>
+        <p:nvSpPr>
+          <p:cNvPr id="2" name="Title 1"/>
+          <p:cNvSpPr>
+            <a:spLocks noGrp="1"/>
+          </p:cNvSpPr>
+          <p:nvPr>
+            <p:ph type="title"/>
+          </p:nvPr>
+        </p:nvSpPr>
+        <p:spPr/>
+        <p:txBody>
+          <a:bodyPr/>
+          <a:lstStyle/>
+          <a:p>
+            <a:r>
+              <a:rPr lang="en-US" dirty="0" smtClean="0"/>
+              <a:t>KL-Severity</a:t>
+            </a:r>
+            <a:endParaRPr lang="en-US" dirty="0"/>
+          </a:p>
+        </p:txBody>
+      </p:sp>
+      <p:sp>
+        <p:nvSpPr>
+          <p:cNvPr id="3" name="Content Placeholder 2"/>
+          <p:cNvSpPr>
+            <a:spLocks noGrp="1"/>
+          </p:cNvSpPr>
+          <p:nvPr>
+            <p:ph idx="1"/>
+          </p:nvPr>
+        </p:nvSpPr>
+        <p:spPr/>
+        <p:txBody>
+          <a:bodyPr/>
+          <a:lstStyle/>
+          <a:p>
+            <a:r>
+              <a:rPr lang="en-US" dirty="0" smtClean="0"/>
+              <a:t>Quasi-identifier</a:t>
+            </a:r>
+          </a:p>
+          <a:p>
+            <a:pPr lvl="1"/>
+            <a:r>
+              <a:rPr lang="en-US" dirty="0" smtClean="0"/>
+              <a:t>Logic Driven</a:t>
+            </a:r>
+          </a:p>
+          <a:p>
+            <a:r>
+              <a:rPr lang="en-US" dirty="0" smtClean="0"/>
+              <a:t>Non-Sensitive Values</a:t>
+            </a:r>
+          </a:p>
+          <a:p>
+            <a:r>
+              <a:rPr lang="en-US" dirty="0" smtClean="0"/>
+              <a:t>Classification</a:t>
+            </a:r>
+          </a:p>
+          <a:p>
+            <a:r>
+              <a:rPr lang="en-US" dirty="0" smtClean="0"/>
+              <a:t>Number of unique sensitive values in a q-block</a:t>
+            </a:r>
+          </a:p>
+          <a:p>
+            <a:r>
+              <a:rPr lang="en-US" dirty="0" smtClean="0"/>
+              <a:t>Well-Represented</a:t>
+            </a:r>
+            <a:endParaRPr lang="en-US" dirty="0"/>
+          </a:p>
+        </p:txBody>
+      </p:sp>
+    </p:spTree>
+    <p:extLst>
+      <p:ext uri="{BB962C8B-B14F-4D97-AF65-F5344CB8AC3E}">
+        <p14:creationId xmlns:p14="http://schemas.microsoft.com/office/powerpoint/2010/main" val="1964036521"/>
+      </p:ext>
+    </p:extLst>
+  </p:cSld>
+  <p:clrMapOvr>
+    <a:masterClrMapping/>
+  </p:clrMapOvr>
+</p:sld>
+</file>
+
+<file path=ppt/slides/slide32.xml><?xml version="1.0" encoding="utf-8"?>
+<p:sld xmlns:a="http://schemas.openxmlformats.org/drawingml/2006/main" xmlns:r="http://schemas.openxmlformats.org/officeDocument/2006/relationships" xmlns:p="http://schemas.openxmlformats.org/presentationml/2006/main">
+  <p:cSld>
+    <p:spTree>
+      <p:nvGrpSpPr>
+        <p:cNvPr id="1" name=""/>
+        <p:cNvGrpSpPr/>
+        <p:nvPr/>
+      </p:nvGrpSpPr>
+      <p:grpSpPr>
+        <a:xfrm>
+          <a:off x="0" y="0"/>
+          <a:ext cx="0" cy="0"/>
+          <a:chOff x="0" y="0"/>
+          <a:chExt cx="0" cy="0"/>
+        </a:xfrm>
+      </p:grpSpPr>
+      <p:sp>
+        <p:nvSpPr>
+          <p:cNvPr id="2" name="Title 1"/>
+          <p:cNvSpPr>
+            <a:spLocks noGrp="1"/>
+          </p:cNvSpPr>
+          <p:nvPr>
+            <p:ph type="title"/>
+          </p:nvPr>
+        </p:nvSpPr>
+        <p:spPr/>
+        <p:txBody>
+          <a:bodyPr/>
+          <a:lstStyle/>
+          <a:p>
+            <a:r>
+              <a:rPr lang="en-US" dirty="0" smtClean="0"/>
+              <a:t>KL-Severity</a:t>
+            </a:r>
+            <a:endParaRPr lang="en-US" dirty="0"/>
+          </a:p>
+        </p:txBody>
+      </p:sp>
+      <p:sp>
+        <p:nvSpPr>
+          <p:cNvPr id="3" name="Content Placeholder 2"/>
+          <p:cNvSpPr>
+            <a:spLocks noGrp="1"/>
+          </p:cNvSpPr>
+          <p:nvPr>
+            <p:ph idx="1"/>
+          </p:nvPr>
+        </p:nvSpPr>
+        <p:spPr/>
+        <p:txBody>
+          <a:bodyPr/>
+          <a:lstStyle/>
+          <a:p>
+            <a:r>
+              <a:rPr lang="en-US" dirty="0" smtClean="0"/>
               <a:t>Quasi-Identifiers</a:t>
             </a:r>
           </a:p>
@@ -7490,7 +8078,7 @@
 </p:sld>
 </file>
 
-<file path=ppt/slides/slide31.xml><?xml version="1.0" encoding="utf-8"?>
+<file path=ppt/slides/slide33.xml><?xml version="1.0" encoding="utf-8"?>
 <p:sld xmlns:a="http://schemas.openxmlformats.org/drawingml/2006/main" xmlns:r="http://schemas.openxmlformats.org/officeDocument/2006/relationships" xmlns:p="http://schemas.openxmlformats.org/presentationml/2006/main">
   <p:cSld>
     <p:spTree>
@@ -7860,7 +8448,7 @@
 </p:sld>
 </file>
 
-<file path=ppt/slides/slide32.xml><?xml version="1.0" encoding="utf-8"?>
+<file path=ppt/slides/slide34.xml><?xml version="1.0" encoding="utf-8"?>
 <p:sld xmlns:a="http://schemas.openxmlformats.org/drawingml/2006/main" xmlns:r="http://schemas.openxmlformats.org/officeDocument/2006/relationships" xmlns:p="http://schemas.openxmlformats.org/presentationml/2006/main">
   <p:cSld>
     <p:spTree>
@@ -7955,7 +8543,7 @@
 </p:sld>
 </file>
 
-<file path=ppt/slides/slide33.xml><?xml version="1.0" encoding="utf-8"?>
+<file path=ppt/slides/slide35.xml><?xml version="1.0" encoding="utf-8"?>
 <p:sld xmlns:a="http://schemas.openxmlformats.org/drawingml/2006/main" xmlns:r="http://schemas.openxmlformats.org/officeDocument/2006/relationships" xmlns:p="http://schemas.openxmlformats.org/presentationml/2006/main">
   <p:cSld>
     <p:spTree>
@@ -8101,7 +8689,7 @@
 </p:sld>
 </file>
 
-<file path=ppt/slides/slide34.xml><?xml version="1.0" encoding="utf-8"?>
+<file path=ppt/slides/slide36.xml><?xml version="1.0" encoding="utf-8"?>
 <p:sld xmlns:a="http://schemas.openxmlformats.org/drawingml/2006/main" xmlns:r="http://schemas.openxmlformats.org/officeDocument/2006/relationships" xmlns:p="http://schemas.openxmlformats.org/presentationml/2006/main">
   <p:cSld>
     <p:spTree>
@@ -8773,152 +9361,6 @@
 </p:sld>
 </file>
 
-<file path=ppt/slides/slide35.xml><?xml version="1.0" encoding="utf-8"?>
-<p:sld xmlns:a="http://schemas.openxmlformats.org/drawingml/2006/main" xmlns:r="http://schemas.openxmlformats.org/officeDocument/2006/relationships" xmlns:p="http://schemas.openxmlformats.org/presentationml/2006/main">
-  <p:cSld>
-    <p:spTree>
-      <p:nvGrpSpPr>
-        <p:cNvPr id="1" name=""/>
-        <p:cNvGrpSpPr/>
-        <p:nvPr/>
-      </p:nvGrpSpPr>
-      <p:grpSpPr>
-        <a:xfrm>
-          <a:off x="0" y="0"/>
-          <a:ext cx="0" cy="0"/>
-          <a:chOff x="0" y="0"/>
-          <a:chExt cx="0" cy="0"/>
-        </a:xfrm>
-      </p:grpSpPr>
-      <p:sp>
-        <p:nvSpPr>
-          <p:cNvPr id="2" name="Title 1"/>
-          <p:cNvSpPr>
-            <a:spLocks noGrp="1"/>
-          </p:cNvSpPr>
-          <p:nvPr>
-            <p:ph type="title"/>
-          </p:nvPr>
-        </p:nvSpPr>
-        <p:spPr/>
-        <p:txBody>
-          <a:bodyPr/>
-          <a:lstStyle/>
-          <a:p>
-            <a:r>
-              <a:rPr lang="en-US" dirty="0" smtClean="0"/>
-              <a:t>Classification Score</a:t>
-            </a:r>
-            <a:endParaRPr lang="en-US" dirty="0"/>
-          </a:p>
-        </p:txBody>
-      </p:sp>
-      <p:pic>
-        <p:nvPicPr>
-          <p:cNvPr id="8" name="Content Placeholder 7" descr="Screen Shot 2017-05-04 at 9.43.06 PM.png"/>
-          <p:cNvPicPr>
-            <a:picLocks noGrp="1" noChangeAspect="1"/>
-          </p:cNvPicPr>
-          <p:nvPr>
-            <p:ph idx="1"/>
-          </p:nvPr>
-        </p:nvPicPr>
-        <p:blipFill>
-          <a:blip r:embed="rId2">
-            <a:extLst>
-              <a:ext uri="{28A0092B-C50C-407E-A947-70E740481C1C}">
-                <a14:useLocalDpi xmlns:a14="http://schemas.microsoft.com/office/drawing/2010/main" val="0"/>
-              </a:ext>
-            </a:extLst>
-          </a:blip>
-          <a:srcRect t="-22037" b="-22037"/>
-          <a:stretch>
-            <a:fillRect/>
-          </a:stretch>
-        </p:blipFill>
-        <p:spPr/>
-      </p:pic>
-    </p:spTree>
-    <p:extLst>
-      <p:ext uri="{BB962C8B-B14F-4D97-AF65-F5344CB8AC3E}">
-        <p14:creationId xmlns:p14="http://schemas.microsoft.com/office/powerpoint/2010/main" val="636434526"/>
-      </p:ext>
-    </p:extLst>
-  </p:cSld>
-  <p:clrMapOvr>
-    <a:masterClrMapping/>
-  </p:clrMapOvr>
-</p:sld>
-</file>
-
-<file path=ppt/slides/slide36.xml><?xml version="1.0" encoding="utf-8"?>
-<p:sld xmlns:a="http://schemas.openxmlformats.org/drawingml/2006/main" xmlns:r="http://schemas.openxmlformats.org/officeDocument/2006/relationships" xmlns:p="http://schemas.openxmlformats.org/presentationml/2006/main">
-  <p:cSld>
-    <p:spTree>
-      <p:nvGrpSpPr>
-        <p:cNvPr id="1" name=""/>
-        <p:cNvGrpSpPr/>
-        <p:nvPr/>
-      </p:nvGrpSpPr>
-      <p:grpSpPr>
-        <a:xfrm>
-          <a:off x="0" y="0"/>
-          <a:ext cx="0" cy="0"/>
-          <a:chOff x="0" y="0"/>
-          <a:chExt cx="0" cy="0"/>
-        </a:xfrm>
-      </p:grpSpPr>
-      <p:sp>
-        <p:nvSpPr>
-          <p:cNvPr id="2" name="Title 1"/>
-          <p:cNvSpPr>
-            <a:spLocks noGrp="1"/>
-          </p:cNvSpPr>
-          <p:nvPr>
-            <p:ph type="title"/>
-          </p:nvPr>
-        </p:nvSpPr>
-        <p:spPr/>
-        <p:txBody>
-          <a:bodyPr/>
-          <a:lstStyle/>
-          <a:p>
-            <a:endParaRPr lang="en-US" dirty="0"/>
-          </a:p>
-        </p:txBody>
-      </p:sp>
-      <p:sp>
-        <p:nvSpPr>
-          <p:cNvPr id="3" name="Content Placeholder 2"/>
-          <p:cNvSpPr>
-            <a:spLocks noGrp="1"/>
-          </p:cNvSpPr>
-          <p:nvPr>
-            <p:ph idx="1"/>
-          </p:nvPr>
-        </p:nvSpPr>
-        <p:spPr/>
-        <p:txBody>
-          <a:bodyPr/>
-          <a:lstStyle/>
-          <a:p>
-            <a:endParaRPr lang="en-US"/>
-          </a:p>
-        </p:txBody>
-      </p:sp>
-    </p:spTree>
-    <p:extLst>
-      <p:ext uri="{BB962C8B-B14F-4D97-AF65-F5344CB8AC3E}">
-        <p14:creationId xmlns:p14="http://schemas.microsoft.com/office/powerpoint/2010/main" val="772342782"/>
-      </p:ext>
-    </p:extLst>
-  </p:cSld>
-  <p:clrMapOvr>
-    <a:masterClrMapping/>
-  </p:clrMapOvr>
-</p:sld>
-</file>
-
 <file path=ppt/slides/slide37.xml><?xml version="1.0" encoding="utf-8"?>
 <p:sld xmlns:a="http://schemas.openxmlformats.org/drawingml/2006/main" xmlns:r="http://schemas.openxmlformats.org/officeDocument/2006/relationships" xmlns:p="http://schemas.openxmlformats.org/presentationml/2006/main">
   <p:cSld>
@@ -8951,43 +9393,246 @@
           <a:bodyPr/>
           <a:lstStyle/>
           <a:p>
-            <a:endParaRPr lang="en-US"/>
-          </a:p>
-        </p:txBody>
-      </p:sp>
-      <p:sp>
-        <p:nvSpPr>
-          <p:cNvPr id="3" name="Content Placeholder 2"/>
-          <p:cNvSpPr>
-            <a:spLocks noGrp="1"/>
-          </p:cNvSpPr>
+            <a:r>
+              <a:rPr lang="en-US" dirty="0" smtClean="0"/>
+              <a:t>Classification Score</a:t>
+            </a:r>
+            <a:endParaRPr lang="en-US" dirty="0"/>
+          </a:p>
+        </p:txBody>
+      </p:sp>
+      <p:pic>
+        <p:nvPicPr>
+          <p:cNvPr id="8" name="Content Placeholder 7" descr="Screen Shot 2017-05-04 at 9.43.06 PM.png"/>
+          <p:cNvPicPr>
+            <a:picLocks noGrp="1" noChangeAspect="1"/>
+          </p:cNvPicPr>
           <p:nvPr>
             <p:ph idx="1"/>
           </p:nvPr>
-        </p:nvSpPr>
-        <p:spPr/>
-        <p:txBody>
-          <a:bodyPr/>
-          <a:lstStyle/>
-          <a:p>
-            <a:r>
-              <a:rPr lang="en-US" dirty="0" smtClean="0"/>
-              <a:t>K represents the number of tuples per q-block</a:t>
-            </a:r>
-          </a:p>
-          <a:p>
-            <a:r>
-              <a:rPr lang="en-US" dirty="0" smtClean="0"/>
-              <a:t>L represents L-Severity’s well represented distinct values</a:t>
-            </a:r>
-            <a:endParaRPr lang="en-US" dirty="0"/>
-          </a:p>
-        </p:txBody>
-      </p:sp>
+        </p:nvPicPr>
+        <p:blipFill>
+          <a:blip r:embed="rId2">
+            <a:extLst>
+              <a:ext uri="{28A0092B-C50C-407E-A947-70E740481C1C}">
+                <a14:useLocalDpi xmlns:a14="http://schemas.microsoft.com/office/drawing/2010/main" val="0"/>
+              </a:ext>
+            </a:extLst>
+          </a:blip>
+          <a:srcRect t="-22037" b="-22037"/>
+          <a:stretch>
+            <a:fillRect/>
+          </a:stretch>
+        </p:blipFill>
+        <p:spPr/>
+      </p:pic>
     </p:spTree>
     <p:extLst>
       <p:ext uri="{BB962C8B-B14F-4D97-AF65-F5344CB8AC3E}">
-        <p14:creationId xmlns:p14="http://schemas.microsoft.com/office/powerpoint/2010/main" val="5843169"/>
+        <p14:creationId xmlns:p14="http://schemas.microsoft.com/office/powerpoint/2010/main" val="636434526"/>
+      </p:ext>
+    </p:extLst>
+  </p:cSld>
+  <p:clrMapOvr>
+    <a:masterClrMapping/>
+  </p:clrMapOvr>
+</p:sld>
+</file>
+
+<file path=ppt/slides/slide38.xml><?xml version="1.0" encoding="utf-8"?>
+<p:sld xmlns:a="http://schemas.openxmlformats.org/drawingml/2006/main" xmlns:r="http://schemas.openxmlformats.org/officeDocument/2006/relationships" xmlns:p="http://schemas.openxmlformats.org/presentationml/2006/main">
+  <p:cSld>
+    <p:spTree>
+      <p:nvGrpSpPr>
+        <p:cNvPr id="1" name=""/>
+        <p:cNvGrpSpPr/>
+        <p:nvPr/>
+      </p:nvGrpSpPr>
+      <p:grpSpPr>
+        <a:xfrm>
+          <a:off x="0" y="0"/>
+          <a:ext cx="0" cy="0"/>
+          <a:chOff x="0" y="0"/>
+          <a:chExt cx="0" cy="0"/>
+        </a:xfrm>
+      </p:grpSpPr>
+      <p:sp>
+        <p:nvSpPr>
+          <p:cNvPr id="2" name="Title 1"/>
+          <p:cNvSpPr>
+            <a:spLocks noGrp="1"/>
+          </p:cNvSpPr>
+          <p:nvPr>
+            <p:ph type="title"/>
+          </p:nvPr>
+        </p:nvSpPr>
+        <p:spPr/>
+        <p:txBody>
+          <a:bodyPr/>
+          <a:lstStyle/>
+          <a:p>
+            <a:r>
+              <a:rPr lang="en-US" dirty="0" smtClean="0"/>
+              <a:t>Dependency Factor</a:t>
+            </a:r>
+            <a:endParaRPr lang="en-US" dirty="0"/>
+          </a:p>
+        </p:txBody>
+      </p:sp>
+      <p:sp>
+        <p:nvSpPr>
+          <p:cNvPr id="3" name="Content Placeholder 2"/>
+          <p:cNvSpPr>
+            <a:spLocks noGrp="1"/>
+          </p:cNvSpPr>
+          <p:nvPr>
+            <p:ph idx="1"/>
+          </p:nvPr>
+        </p:nvSpPr>
+        <p:spPr/>
+        <p:txBody>
+          <a:bodyPr>
+            <a:normAutofit fontScale="92500" lnSpcReduction="10000"/>
+          </a:bodyPr>
+          <a:lstStyle/>
+          <a:p>
+            <a:r>
+              <a:rPr lang="en-US" dirty="0" smtClean="0"/>
+              <a:t>Kept logic as-is</a:t>
+            </a:r>
+          </a:p>
+          <a:p>
+            <a:pPr lvl="1"/>
+            <a:r>
+              <a:rPr lang="en-US" dirty="0" smtClean="0"/>
+              <a:t>Represents the number of tuples in a q-block</a:t>
+            </a:r>
+          </a:p>
+          <a:p>
+            <a:pPr lvl="1"/>
+            <a:r>
+              <a:rPr lang="en-US" dirty="0" smtClean="0"/>
+              <a:t>Can add a weight to determine if table follows k-anonymity rule</a:t>
+            </a:r>
+          </a:p>
+          <a:p>
+            <a:pPr lvl="2"/>
+            <a:r>
+              <a:rPr lang="en-US" dirty="0" smtClean="0"/>
+              <a:t>How far from k is this q-block</a:t>
+            </a:r>
+          </a:p>
+          <a:p>
+            <a:pPr lvl="2"/>
+            <a:r>
+              <a:rPr lang="en-US" dirty="0" smtClean="0"/>
+              <a:t>Impact</a:t>
+            </a:r>
+          </a:p>
+          <a:p>
+            <a:r>
+              <a:rPr lang="en-US" dirty="0" smtClean="0"/>
+              <a:t>Not k-anonymity conforming</a:t>
+            </a:r>
+          </a:p>
+          <a:p>
+            <a:r>
+              <a:rPr lang="en-US" dirty="0" smtClean="0"/>
+              <a:t>How far from k?</a:t>
+            </a:r>
+          </a:p>
+          <a:p>
+            <a:pPr lvl="1"/>
+            <a:r>
+              <a:rPr lang="en-US" dirty="0" smtClean="0"/>
+              <a:t>Equivalent to how distinct a record is using the traditional DF method</a:t>
+            </a:r>
+            <a:endParaRPr lang="en-US" dirty="0"/>
+          </a:p>
+        </p:txBody>
+      </p:sp>
+    </p:spTree>
+    <p:extLst>
+      <p:ext uri="{BB962C8B-B14F-4D97-AF65-F5344CB8AC3E}">
+        <p14:creationId xmlns:p14="http://schemas.microsoft.com/office/powerpoint/2010/main" val="772342782"/>
+      </p:ext>
+    </p:extLst>
+  </p:cSld>
+  <p:clrMapOvr>
+    <a:masterClrMapping/>
+  </p:clrMapOvr>
+</p:sld>
+</file>
+
+<file path=ppt/slides/slide39.xml><?xml version="1.0" encoding="utf-8"?>
+<p:sld xmlns:a="http://schemas.openxmlformats.org/drawingml/2006/main" xmlns:r="http://schemas.openxmlformats.org/officeDocument/2006/relationships" xmlns:p="http://schemas.openxmlformats.org/presentationml/2006/main">
+  <p:cSld>
+    <p:spTree>
+      <p:nvGrpSpPr>
+        <p:cNvPr id="1" name=""/>
+        <p:cNvGrpSpPr/>
+        <p:nvPr/>
+      </p:nvGrpSpPr>
+      <p:grpSpPr>
+        <a:xfrm>
+          <a:off x="0" y="0"/>
+          <a:ext cx="0" cy="0"/>
+          <a:chOff x="0" y="0"/>
+          <a:chExt cx="0" cy="0"/>
+        </a:xfrm>
+      </p:grpSpPr>
+      <p:sp>
+        <p:nvSpPr>
+          <p:cNvPr id="2" name="Title 1"/>
+          <p:cNvSpPr>
+            <a:spLocks noGrp="1"/>
+          </p:cNvSpPr>
+          <p:nvPr>
+            <p:ph type="title"/>
+          </p:nvPr>
+        </p:nvSpPr>
+        <p:spPr/>
+        <p:txBody>
+          <a:bodyPr/>
+          <a:lstStyle/>
+          <a:p>
+            <a:r>
+              <a:rPr lang="en-US" dirty="0" smtClean="0"/>
+              <a:t>Q-Block</a:t>
+            </a:r>
+            <a:endParaRPr lang="en-US" dirty="0"/>
+          </a:p>
+        </p:txBody>
+      </p:sp>
+      <p:pic>
+        <p:nvPicPr>
+          <p:cNvPr id="4" name="Content Placeholder 3" descr="Screen Shot 2017-05-04 at 10.01.26 PM.png"/>
+          <p:cNvPicPr>
+            <a:picLocks noGrp="1" noChangeAspect="1"/>
+          </p:cNvPicPr>
+          <p:nvPr>
+            <p:ph idx="1"/>
+          </p:nvPr>
+        </p:nvPicPr>
+        <p:blipFill>
+          <a:blip r:embed="rId2">
+            <a:extLst>
+              <a:ext uri="{28A0092B-C50C-407E-A947-70E740481C1C}">
+                <a14:useLocalDpi xmlns:a14="http://schemas.microsoft.com/office/drawing/2010/main" val="0"/>
+              </a:ext>
+            </a:extLst>
+          </a:blip>
+          <a:srcRect t="-54285" b="-54285"/>
+          <a:stretch>
+            <a:fillRect/>
+          </a:stretch>
+        </p:blipFill>
+        <p:spPr/>
+      </p:pic>
+    </p:spTree>
+    <p:extLst>
+      <p:ext uri="{BB962C8B-B14F-4D97-AF65-F5344CB8AC3E}">
+        <p14:creationId xmlns:p14="http://schemas.microsoft.com/office/powerpoint/2010/main" val="2456637169"/>
       </p:ext>
     </p:extLst>
   </p:cSld>
@@ -9091,6 +9736,941 @@
     <p:extLst>
       <p:ext uri="{BB962C8B-B14F-4D97-AF65-F5344CB8AC3E}">
         <p14:creationId xmlns:p14="http://schemas.microsoft.com/office/powerpoint/2010/main" val="2250648274"/>
+      </p:ext>
+    </p:extLst>
+  </p:cSld>
+  <p:clrMapOvr>
+    <a:masterClrMapping/>
+  </p:clrMapOvr>
+</p:sld>
+</file>
+
+<file path=ppt/slides/slide40.xml><?xml version="1.0" encoding="utf-8"?>
+<p:sld xmlns:a="http://schemas.openxmlformats.org/drawingml/2006/main" xmlns:r="http://schemas.openxmlformats.org/officeDocument/2006/relationships" xmlns:p="http://schemas.openxmlformats.org/presentationml/2006/main">
+  <p:cSld>
+    <p:spTree>
+      <p:nvGrpSpPr>
+        <p:cNvPr id="1" name=""/>
+        <p:cNvGrpSpPr/>
+        <p:nvPr/>
+      </p:nvGrpSpPr>
+      <p:grpSpPr>
+        <a:xfrm>
+          <a:off x="0" y="0"/>
+          <a:ext cx="0" cy="0"/>
+          <a:chOff x="0" y="0"/>
+          <a:chExt cx="0" cy="0"/>
+        </a:xfrm>
+      </p:grpSpPr>
+      <p:sp>
+        <p:nvSpPr>
+          <p:cNvPr id="2" name="Title 1"/>
+          <p:cNvSpPr>
+            <a:spLocks noGrp="1"/>
+          </p:cNvSpPr>
+          <p:nvPr>
+            <p:ph type="title"/>
+          </p:nvPr>
+        </p:nvSpPr>
+        <p:spPr/>
+        <p:txBody>
+          <a:bodyPr/>
+          <a:lstStyle/>
+          <a:p>
+            <a:r>
+              <a:rPr lang="en-US" dirty="0" smtClean="0"/>
+              <a:t>Definition</a:t>
+            </a:r>
+            <a:endParaRPr lang="en-US" dirty="0"/>
+          </a:p>
+        </p:txBody>
+      </p:sp>
+      <p:sp>
+        <p:nvSpPr>
+          <p:cNvPr id="3" name="Content Placeholder 2"/>
+          <p:cNvSpPr>
+            <a:spLocks noGrp="1"/>
+          </p:cNvSpPr>
+          <p:nvPr>
+            <p:ph idx="1"/>
+          </p:nvPr>
+        </p:nvSpPr>
+        <p:spPr/>
+        <p:txBody>
+          <a:bodyPr/>
+          <a:lstStyle/>
+          <a:p>
+            <a:r>
+              <a:rPr lang="en-US" dirty="0" smtClean="0"/>
+              <a:t>Let QBS be the set of sensitive attributes in one q-block</a:t>
+            </a:r>
+          </a:p>
+          <a:p>
+            <a:endParaRPr lang="en-US" dirty="0"/>
+          </a:p>
+        </p:txBody>
+      </p:sp>
+    </p:spTree>
+    <p:extLst>
+      <p:ext uri="{BB962C8B-B14F-4D97-AF65-F5344CB8AC3E}">
+        <p14:creationId xmlns:p14="http://schemas.microsoft.com/office/powerpoint/2010/main" val="2361659114"/>
+      </p:ext>
+    </p:extLst>
+  </p:cSld>
+  <p:clrMapOvr>
+    <a:masterClrMapping/>
+  </p:clrMapOvr>
+</p:sld>
+</file>
+
+<file path=ppt/slides/slide41.xml><?xml version="1.0" encoding="utf-8"?>
+<p:sld xmlns:a="http://schemas.openxmlformats.org/drawingml/2006/main" xmlns:r="http://schemas.openxmlformats.org/officeDocument/2006/relationships" xmlns:p="http://schemas.openxmlformats.org/presentationml/2006/main">
+  <p:cSld>
+    <p:spTree>
+      <p:nvGrpSpPr>
+        <p:cNvPr id="1" name=""/>
+        <p:cNvGrpSpPr/>
+        <p:nvPr/>
+      </p:nvGrpSpPr>
+      <p:grpSpPr>
+        <a:xfrm>
+          <a:off x="0" y="0"/>
+          <a:ext cx="0" cy="0"/>
+          <a:chOff x="0" y="0"/>
+          <a:chExt cx="0" cy="0"/>
+        </a:xfrm>
+      </p:grpSpPr>
+      <p:sp>
+        <p:nvSpPr>
+          <p:cNvPr id="2" name="Title 1"/>
+          <p:cNvSpPr>
+            <a:spLocks noGrp="1"/>
+          </p:cNvSpPr>
+          <p:nvPr>
+            <p:ph type="title"/>
+          </p:nvPr>
+        </p:nvSpPr>
+        <p:spPr/>
+        <p:txBody>
+          <a:bodyPr/>
+          <a:lstStyle/>
+          <a:p>
+            <a:r>
+              <a:rPr lang="en-US" dirty="0" err="1" smtClean="0"/>
+              <a:t>DivFactor</a:t>
+            </a:r>
+            <a:endParaRPr lang="en-US" dirty="0"/>
+          </a:p>
+        </p:txBody>
+      </p:sp>
+      <p:pic>
+        <p:nvPicPr>
+          <p:cNvPr id="4" name="Content Placeholder 3" descr="Screen Shot 2017-05-04 at 10.06.36 PM.png"/>
+          <p:cNvPicPr>
+            <a:picLocks noGrp="1" noChangeAspect="1"/>
+          </p:cNvPicPr>
+          <p:nvPr>
+            <p:ph idx="1"/>
+          </p:nvPr>
+        </p:nvPicPr>
+        <p:blipFill>
+          <a:blip r:embed="rId3">
+            <a:extLst>
+              <a:ext uri="{28A0092B-C50C-407E-A947-70E740481C1C}">
+                <a14:useLocalDpi xmlns:a14="http://schemas.microsoft.com/office/drawing/2010/main" val="0"/>
+              </a:ext>
+            </a:extLst>
+          </a:blip>
+          <a:srcRect t="-125860" b="-125860"/>
+          <a:stretch>
+            <a:fillRect/>
+          </a:stretch>
+        </p:blipFill>
+        <p:spPr/>
+      </p:pic>
+    </p:spTree>
+    <p:extLst>
+      <p:ext uri="{BB962C8B-B14F-4D97-AF65-F5344CB8AC3E}">
+        <p14:creationId xmlns:p14="http://schemas.microsoft.com/office/powerpoint/2010/main" val="2470003929"/>
+      </p:ext>
+    </p:extLst>
+  </p:cSld>
+  <p:clrMapOvr>
+    <a:masterClrMapping/>
+  </p:clrMapOvr>
+</p:sld>
+</file>
+
+<file path=ppt/slides/slide42.xml><?xml version="1.0" encoding="utf-8"?>
+<p:sld xmlns:a="http://schemas.openxmlformats.org/drawingml/2006/main" xmlns:r="http://schemas.openxmlformats.org/officeDocument/2006/relationships" xmlns:p="http://schemas.openxmlformats.org/presentationml/2006/main">
+  <p:cSld>
+    <p:spTree>
+      <p:nvGrpSpPr>
+        <p:cNvPr id="1" name=""/>
+        <p:cNvGrpSpPr/>
+        <p:nvPr/>
+      </p:nvGrpSpPr>
+      <p:grpSpPr>
+        <a:xfrm>
+          <a:off x="0" y="0"/>
+          <a:ext cx="0" cy="0"/>
+          <a:chOff x="0" y="0"/>
+          <a:chExt cx="0" cy="0"/>
+        </a:xfrm>
+      </p:grpSpPr>
+      <p:sp>
+        <p:nvSpPr>
+          <p:cNvPr id="2" name="Title 1"/>
+          <p:cNvSpPr>
+            <a:spLocks noGrp="1"/>
+          </p:cNvSpPr>
+          <p:nvPr>
+            <p:ph type="title"/>
+          </p:nvPr>
+        </p:nvSpPr>
+        <p:spPr/>
+        <p:txBody>
+          <a:bodyPr/>
+          <a:lstStyle/>
+          <a:p>
+            <a:r>
+              <a:rPr lang="en-US" dirty="0" smtClean="0"/>
+              <a:t>Well Represented</a:t>
+            </a:r>
+            <a:endParaRPr lang="en-US" dirty="0"/>
+          </a:p>
+        </p:txBody>
+      </p:sp>
+      <p:pic>
+        <p:nvPicPr>
+          <p:cNvPr id="4" name="Content Placeholder 3" descr="Screen Shot 2017-05-04 at 10.16.25 PM.png"/>
+          <p:cNvPicPr>
+            <a:picLocks noGrp="1" noChangeAspect="1"/>
+          </p:cNvPicPr>
+          <p:nvPr>
+            <p:ph idx="1"/>
+          </p:nvPr>
+        </p:nvPicPr>
+        <p:blipFill>
+          <a:blip r:embed="rId3">
+            <a:extLst>
+              <a:ext uri="{28A0092B-C50C-407E-A947-70E740481C1C}">
+                <a14:useLocalDpi xmlns:a14="http://schemas.microsoft.com/office/drawing/2010/main" val="0"/>
+              </a:ext>
+            </a:extLst>
+          </a:blip>
+          <a:srcRect t="-71866" b="-71866"/>
+          <a:stretch>
+            <a:fillRect/>
+          </a:stretch>
+        </p:blipFill>
+        <p:spPr/>
+      </p:pic>
+    </p:spTree>
+    <p:extLst>
+      <p:ext uri="{BB962C8B-B14F-4D97-AF65-F5344CB8AC3E}">
+        <p14:creationId xmlns:p14="http://schemas.microsoft.com/office/powerpoint/2010/main" val="2987011738"/>
+      </p:ext>
+    </p:extLst>
+  </p:cSld>
+  <p:clrMapOvr>
+    <a:masterClrMapping/>
+  </p:clrMapOvr>
+</p:sld>
+</file>
+
+<file path=ppt/slides/slide43.xml><?xml version="1.0" encoding="utf-8"?>
+<p:sld xmlns:a="http://schemas.openxmlformats.org/drawingml/2006/main" xmlns:r="http://schemas.openxmlformats.org/officeDocument/2006/relationships" xmlns:p="http://schemas.openxmlformats.org/presentationml/2006/main">
+  <p:cSld>
+    <p:spTree>
+      <p:nvGrpSpPr>
+        <p:cNvPr id="1" name=""/>
+        <p:cNvGrpSpPr/>
+        <p:nvPr/>
+      </p:nvGrpSpPr>
+      <p:grpSpPr>
+        <a:xfrm>
+          <a:off x="0" y="0"/>
+          <a:ext cx="0" cy="0"/>
+          <a:chOff x="0" y="0"/>
+          <a:chExt cx="0" cy="0"/>
+        </a:xfrm>
+      </p:grpSpPr>
+      <p:sp>
+        <p:nvSpPr>
+          <p:cNvPr id="2" name="Title 1"/>
+          <p:cNvSpPr>
+            <a:spLocks noGrp="1"/>
+          </p:cNvSpPr>
+          <p:nvPr>
+            <p:ph type="title"/>
+          </p:nvPr>
+        </p:nvSpPr>
+        <p:spPr/>
+        <p:txBody>
+          <a:bodyPr/>
+          <a:lstStyle/>
+          <a:p>
+            <a:r>
+              <a:rPr lang="en-US" dirty="0" smtClean="0"/>
+              <a:t>KL-Diversity</a:t>
+            </a:r>
+            <a:endParaRPr lang="en-US" dirty="0"/>
+          </a:p>
+        </p:txBody>
+      </p:sp>
+      <p:pic>
+        <p:nvPicPr>
+          <p:cNvPr id="4" name="Content Placeholder 3" descr="Screen Shot 2017-05-04 at 10.24.19 PM.png"/>
+          <p:cNvPicPr>
+            <a:picLocks noGrp="1" noChangeAspect="1"/>
+          </p:cNvPicPr>
+          <p:nvPr>
+            <p:ph idx="1"/>
+          </p:nvPr>
+        </p:nvPicPr>
+        <p:blipFill>
+          <a:blip r:embed="rId2">
+            <a:extLst>
+              <a:ext uri="{28A0092B-C50C-407E-A947-70E740481C1C}">
+                <a14:useLocalDpi xmlns:a14="http://schemas.microsoft.com/office/drawing/2010/main" val="0"/>
+              </a:ext>
+            </a:extLst>
+          </a:blip>
+          <a:srcRect t="-25544" b="-25544"/>
+          <a:stretch>
+            <a:fillRect/>
+          </a:stretch>
+        </p:blipFill>
+        <p:spPr/>
+      </p:pic>
+    </p:spTree>
+    <p:extLst>
+      <p:ext uri="{BB962C8B-B14F-4D97-AF65-F5344CB8AC3E}">
+        <p14:creationId xmlns:p14="http://schemas.microsoft.com/office/powerpoint/2010/main" val="2282400106"/>
+      </p:ext>
+    </p:extLst>
+  </p:cSld>
+  <p:clrMapOvr>
+    <a:masterClrMapping/>
+  </p:clrMapOvr>
+</p:sld>
+</file>
+
+<file path=ppt/slides/slide44.xml><?xml version="1.0" encoding="utf-8"?>
+<p:sld xmlns:a="http://schemas.openxmlformats.org/drawingml/2006/main" xmlns:r="http://schemas.openxmlformats.org/officeDocument/2006/relationships" xmlns:p="http://schemas.openxmlformats.org/presentationml/2006/main">
+  <p:cSld>
+    <p:spTree>
+      <p:nvGrpSpPr>
+        <p:cNvPr id="1" name=""/>
+        <p:cNvGrpSpPr/>
+        <p:nvPr/>
+      </p:nvGrpSpPr>
+      <p:grpSpPr>
+        <a:xfrm>
+          <a:off x="0" y="0"/>
+          <a:ext cx="0" cy="0"/>
+          <a:chOff x="0" y="0"/>
+          <a:chExt cx="0" cy="0"/>
+        </a:xfrm>
+      </p:grpSpPr>
+      <p:sp>
+        <p:nvSpPr>
+          <p:cNvPr id="2" name="Title 1"/>
+          <p:cNvSpPr>
+            <a:spLocks noGrp="1"/>
+          </p:cNvSpPr>
+          <p:nvPr>
+            <p:ph type="title"/>
+          </p:nvPr>
+        </p:nvSpPr>
+        <p:spPr/>
+        <p:txBody>
+          <a:bodyPr/>
+          <a:lstStyle/>
+          <a:p>
+            <a:r>
+              <a:rPr lang="en-US" dirty="0" smtClean="0"/>
+              <a:t>KL-Diversity</a:t>
+            </a:r>
+            <a:endParaRPr lang="en-US" dirty="0"/>
+          </a:p>
+        </p:txBody>
+      </p:sp>
+      <p:sp>
+        <p:nvSpPr>
+          <p:cNvPr id="3" name="Content Placeholder 2"/>
+          <p:cNvSpPr>
+            <a:spLocks noGrp="1"/>
+          </p:cNvSpPr>
+          <p:nvPr>
+            <p:ph idx="1"/>
+          </p:nvPr>
+        </p:nvSpPr>
+        <p:spPr/>
+        <p:txBody>
+          <a:bodyPr/>
+          <a:lstStyle/>
+          <a:p>
+            <a:r>
+              <a:rPr lang="en-US" dirty="0" smtClean="0"/>
+              <a:t>L-Severity is good but limited</a:t>
+            </a:r>
+          </a:p>
+          <a:p>
+            <a:r>
+              <a:rPr lang="en-US" dirty="0" smtClean="0"/>
+              <a:t>DF was over generalized, but still serves as a good metric</a:t>
+            </a:r>
+          </a:p>
+          <a:p>
+            <a:r>
+              <a:rPr lang="en-US" dirty="0" smtClean="0"/>
+              <a:t>Diversity within the sensitive attributes</a:t>
+            </a:r>
+          </a:p>
+          <a:p>
+            <a:pPr lvl="1"/>
+            <a:r>
+              <a:rPr lang="en-US" dirty="0" smtClean="0"/>
+              <a:t>We represented sensitive attributes</a:t>
+            </a:r>
+          </a:p>
+          <a:p>
+            <a:r>
+              <a:rPr lang="en-US" dirty="0" smtClean="0"/>
+              <a:t>Weighted classifications for detailed analysis and flexibility</a:t>
+            </a:r>
+          </a:p>
+          <a:p>
+            <a:r>
+              <a:rPr lang="en-US" dirty="0" smtClean="0"/>
+              <a:t>Acknowledgement of non-sensitive attributes</a:t>
+            </a:r>
+          </a:p>
+          <a:p>
+            <a:endParaRPr lang="en-US" dirty="0"/>
+          </a:p>
+        </p:txBody>
+      </p:sp>
+    </p:spTree>
+    <p:extLst>
+      <p:ext uri="{BB962C8B-B14F-4D97-AF65-F5344CB8AC3E}">
+        <p14:creationId xmlns:p14="http://schemas.microsoft.com/office/powerpoint/2010/main" val="2678328503"/>
+      </p:ext>
+    </p:extLst>
+  </p:cSld>
+  <p:clrMapOvr>
+    <a:masterClrMapping/>
+  </p:clrMapOvr>
+</p:sld>
+</file>
+
+<file path=ppt/slides/slide45.xml><?xml version="1.0" encoding="utf-8"?>
+<p:sld xmlns:a="http://schemas.openxmlformats.org/drawingml/2006/main" xmlns:r="http://schemas.openxmlformats.org/officeDocument/2006/relationships" xmlns:p="http://schemas.openxmlformats.org/presentationml/2006/main">
+  <p:cSld>
+    <p:spTree>
+      <p:nvGrpSpPr>
+        <p:cNvPr id="1" name=""/>
+        <p:cNvGrpSpPr/>
+        <p:nvPr/>
+      </p:nvGrpSpPr>
+      <p:grpSpPr>
+        <a:xfrm>
+          <a:off x="0" y="0"/>
+          <a:ext cx="0" cy="0"/>
+          <a:chOff x="0" y="0"/>
+          <a:chExt cx="0" cy="0"/>
+        </a:xfrm>
+      </p:grpSpPr>
+      <p:sp>
+        <p:nvSpPr>
+          <p:cNvPr id="2" name="Title 1"/>
+          <p:cNvSpPr>
+            <a:spLocks noGrp="1"/>
+          </p:cNvSpPr>
+          <p:nvPr>
+            <p:ph type="title"/>
+          </p:nvPr>
+        </p:nvSpPr>
+        <p:spPr/>
+        <p:txBody>
+          <a:bodyPr/>
+          <a:lstStyle/>
+          <a:p>
+            <a:r>
+              <a:rPr lang="en-US" dirty="0" smtClean="0"/>
+              <a:t>Future Work</a:t>
+            </a:r>
+            <a:endParaRPr lang="en-US" dirty="0"/>
+          </a:p>
+        </p:txBody>
+      </p:sp>
+      <p:sp>
+        <p:nvSpPr>
+          <p:cNvPr id="3" name="Content Placeholder 2"/>
+          <p:cNvSpPr>
+            <a:spLocks noGrp="1"/>
+          </p:cNvSpPr>
+          <p:nvPr>
+            <p:ph idx="1"/>
+          </p:nvPr>
+        </p:nvSpPr>
+        <p:spPr/>
+        <p:txBody>
+          <a:bodyPr>
+            <a:normAutofit/>
+          </a:bodyPr>
+          <a:lstStyle/>
+          <a:p>
+            <a:r>
+              <a:rPr lang="en-US" dirty="0" smtClean="0"/>
+              <a:t>Privacy Metrics</a:t>
+            </a:r>
+          </a:p>
+          <a:p>
+            <a:pPr lvl="1"/>
+            <a:r>
+              <a:rPr lang="en-US" dirty="0" smtClean="0"/>
+              <a:t>T-Closeness</a:t>
+            </a:r>
+          </a:p>
+          <a:p>
+            <a:r>
+              <a:rPr lang="en-US" dirty="0" smtClean="0"/>
+              <a:t>Non-sensitive Attributes</a:t>
+            </a:r>
+          </a:p>
+          <a:p>
+            <a:pPr lvl="1"/>
+            <a:r>
+              <a:rPr lang="en-US" dirty="0" smtClean="0"/>
+              <a:t>Positive Disclosure L-Severity</a:t>
+            </a:r>
+          </a:p>
+          <a:p>
+            <a:pPr lvl="1"/>
+            <a:r>
+              <a:rPr lang="en-US" dirty="0" smtClean="0"/>
+              <a:t>Non-positive (negative) Disclosure L-Severity</a:t>
+            </a:r>
+          </a:p>
+          <a:p>
+            <a:pPr lvl="1"/>
+            <a:r>
+              <a:rPr lang="en-US" dirty="0" smtClean="0"/>
+              <a:t>Don’t care sets</a:t>
+            </a:r>
+          </a:p>
+        </p:txBody>
+      </p:sp>
+    </p:spTree>
+    <p:extLst>
+      <p:ext uri="{BB962C8B-B14F-4D97-AF65-F5344CB8AC3E}">
+        <p14:creationId xmlns:p14="http://schemas.microsoft.com/office/powerpoint/2010/main" val="3997635737"/>
+      </p:ext>
+    </p:extLst>
+  </p:cSld>
+  <p:clrMapOvr>
+    <a:masterClrMapping/>
+  </p:clrMapOvr>
+</p:sld>
+</file>
+
+<file path=ppt/slides/slide46.xml><?xml version="1.0" encoding="utf-8"?>
+<p:sld xmlns:a="http://schemas.openxmlformats.org/drawingml/2006/main" xmlns:r="http://schemas.openxmlformats.org/officeDocument/2006/relationships" xmlns:p="http://schemas.openxmlformats.org/presentationml/2006/main">
+  <p:cSld>
+    <p:spTree>
+      <p:nvGrpSpPr>
+        <p:cNvPr id="1" name=""/>
+        <p:cNvGrpSpPr/>
+        <p:nvPr/>
+      </p:nvGrpSpPr>
+      <p:grpSpPr>
+        <a:xfrm>
+          <a:off x="0" y="0"/>
+          <a:ext cx="0" cy="0"/>
+          <a:chOff x="0" y="0"/>
+          <a:chExt cx="0" cy="0"/>
+        </a:xfrm>
+      </p:grpSpPr>
+      <p:sp>
+        <p:nvSpPr>
+          <p:cNvPr id="2" name="Title 1"/>
+          <p:cNvSpPr>
+            <a:spLocks noGrp="1"/>
+          </p:cNvSpPr>
+          <p:nvPr>
+            <p:ph type="title"/>
+          </p:nvPr>
+        </p:nvSpPr>
+        <p:spPr/>
+        <p:txBody>
+          <a:bodyPr/>
+          <a:lstStyle/>
+          <a:p>
+            <a:r>
+              <a:rPr lang="en-US" dirty="0" smtClean="0"/>
+              <a:t>Future Work</a:t>
+            </a:r>
+            <a:endParaRPr lang="en-US" dirty="0"/>
+          </a:p>
+        </p:txBody>
+      </p:sp>
+      <p:sp>
+        <p:nvSpPr>
+          <p:cNvPr id="3" name="Content Placeholder 2"/>
+          <p:cNvSpPr>
+            <a:spLocks noGrp="1"/>
+          </p:cNvSpPr>
+          <p:nvPr>
+            <p:ph idx="1"/>
+          </p:nvPr>
+        </p:nvSpPr>
+        <p:spPr/>
+        <p:txBody>
+          <a:bodyPr/>
+          <a:lstStyle/>
+          <a:p>
+            <a:r>
+              <a:rPr lang="en-US" dirty="0" smtClean="0"/>
+              <a:t>Experiment</a:t>
+            </a:r>
+          </a:p>
+          <a:p>
+            <a:pPr lvl="1"/>
+            <a:r>
+              <a:rPr lang="en-US" dirty="0" smtClean="0"/>
+              <a:t>Build system that implements the algorithm</a:t>
+            </a:r>
+          </a:p>
+          <a:p>
+            <a:pPr lvl="1"/>
+            <a:r>
+              <a:rPr lang="en-US" dirty="0" smtClean="0"/>
+              <a:t>Use real data</a:t>
+            </a:r>
+          </a:p>
+          <a:p>
+            <a:pPr lvl="1"/>
+            <a:r>
+              <a:rPr lang="en-US" dirty="0" smtClean="0"/>
+              <a:t>Plan scenarios</a:t>
+            </a:r>
+          </a:p>
+          <a:p>
+            <a:pPr lvl="1"/>
+            <a:r>
+              <a:rPr lang="en-US" dirty="0" smtClean="0"/>
+              <a:t>Seek Vulnerabilities</a:t>
+            </a:r>
+          </a:p>
+          <a:p>
+            <a:endParaRPr lang="en-US" dirty="0"/>
+          </a:p>
+        </p:txBody>
+      </p:sp>
+    </p:spTree>
+    <p:extLst>
+      <p:ext uri="{BB962C8B-B14F-4D97-AF65-F5344CB8AC3E}">
+        <p14:creationId xmlns:p14="http://schemas.microsoft.com/office/powerpoint/2010/main" val="1124107514"/>
+      </p:ext>
+    </p:extLst>
+  </p:cSld>
+  <p:clrMapOvr>
+    <a:masterClrMapping/>
+  </p:clrMapOvr>
+</p:sld>
+</file>
+
+<file path=ppt/slides/slide47.xml><?xml version="1.0" encoding="utf-8"?>
+<p:sld xmlns:a="http://schemas.openxmlformats.org/drawingml/2006/main" xmlns:r="http://schemas.openxmlformats.org/officeDocument/2006/relationships" xmlns:p="http://schemas.openxmlformats.org/presentationml/2006/main">
+  <p:cSld>
+    <p:spTree>
+      <p:nvGrpSpPr>
+        <p:cNvPr id="1" name=""/>
+        <p:cNvGrpSpPr/>
+        <p:nvPr/>
+      </p:nvGrpSpPr>
+      <p:grpSpPr>
+        <a:xfrm>
+          <a:off x="0" y="0"/>
+          <a:ext cx="0" cy="0"/>
+          <a:chOff x="0" y="0"/>
+          <a:chExt cx="0" cy="0"/>
+        </a:xfrm>
+      </p:grpSpPr>
+      <p:sp>
+        <p:nvSpPr>
+          <p:cNvPr id="2" name="Title 1"/>
+          <p:cNvSpPr>
+            <a:spLocks noGrp="1"/>
+          </p:cNvSpPr>
+          <p:nvPr>
+            <p:ph type="title"/>
+          </p:nvPr>
+        </p:nvSpPr>
+        <p:spPr/>
+        <p:txBody>
+          <a:bodyPr/>
+          <a:lstStyle/>
+          <a:p>
+            <a:r>
+              <a:rPr lang="en-US" dirty="0" smtClean="0"/>
+              <a:t>Limitations</a:t>
+            </a:r>
+            <a:endParaRPr lang="en-US" dirty="0"/>
+          </a:p>
+        </p:txBody>
+      </p:sp>
+      <p:sp>
+        <p:nvSpPr>
+          <p:cNvPr id="3" name="Content Placeholder 2"/>
+          <p:cNvSpPr>
+            <a:spLocks noGrp="1"/>
+          </p:cNvSpPr>
+          <p:nvPr>
+            <p:ph idx="1"/>
+          </p:nvPr>
+        </p:nvSpPr>
+        <p:spPr/>
+        <p:txBody>
+          <a:bodyPr/>
+          <a:lstStyle/>
+          <a:p>
+            <a:r>
+              <a:rPr lang="en-US" dirty="0" smtClean="0"/>
+              <a:t>Structured Data</a:t>
+            </a:r>
+          </a:p>
+          <a:p>
+            <a:r>
+              <a:rPr lang="en-US" dirty="0" smtClean="0"/>
+              <a:t>Performance</a:t>
+            </a:r>
+          </a:p>
+          <a:p>
+            <a:r>
+              <a:rPr lang="en-US" dirty="0" err="1" smtClean="0"/>
+              <a:t>Overfitting</a:t>
+            </a:r>
+            <a:endParaRPr lang="en-US" dirty="0" smtClean="0"/>
+          </a:p>
+          <a:p>
+            <a:pPr lvl="1"/>
+            <a:r>
+              <a:rPr lang="en-US" dirty="0" smtClean="0"/>
+              <a:t>Too complex</a:t>
+            </a:r>
+          </a:p>
+          <a:p>
+            <a:pPr lvl="1"/>
+            <a:r>
+              <a:rPr lang="en-US" dirty="0" smtClean="0"/>
+              <a:t>Many variables and parameters</a:t>
+            </a:r>
+          </a:p>
+        </p:txBody>
+      </p:sp>
+    </p:spTree>
+    <p:extLst>
+      <p:ext uri="{BB962C8B-B14F-4D97-AF65-F5344CB8AC3E}">
+        <p14:creationId xmlns:p14="http://schemas.microsoft.com/office/powerpoint/2010/main" val="3961527975"/>
+      </p:ext>
+    </p:extLst>
+  </p:cSld>
+  <p:clrMapOvr>
+    <a:masterClrMapping/>
+  </p:clrMapOvr>
+</p:sld>
+</file>
+
+<file path=ppt/slides/slide48.xml><?xml version="1.0" encoding="utf-8"?>
+<p:sld xmlns:a="http://schemas.openxmlformats.org/drawingml/2006/main" xmlns:r="http://schemas.openxmlformats.org/officeDocument/2006/relationships" xmlns:p="http://schemas.openxmlformats.org/presentationml/2006/main">
+  <p:cSld>
+    <p:spTree>
+      <p:nvGrpSpPr>
+        <p:cNvPr id="1" name=""/>
+        <p:cNvGrpSpPr/>
+        <p:nvPr/>
+      </p:nvGrpSpPr>
+      <p:grpSpPr>
+        <a:xfrm>
+          <a:off x="0" y="0"/>
+          <a:ext cx="0" cy="0"/>
+          <a:chOff x="0" y="0"/>
+          <a:chExt cx="0" cy="0"/>
+        </a:xfrm>
+      </p:grpSpPr>
+      <p:sp>
+        <p:nvSpPr>
+          <p:cNvPr id="2" name="Title 1"/>
+          <p:cNvSpPr>
+            <a:spLocks noGrp="1"/>
+          </p:cNvSpPr>
+          <p:nvPr>
+            <p:ph type="title"/>
+          </p:nvPr>
+        </p:nvSpPr>
+        <p:spPr/>
+        <p:txBody>
+          <a:bodyPr/>
+          <a:lstStyle/>
+          <a:p>
+            <a:r>
+              <a:rPr lang="en-US" dirty="0" smtClean="0"/>
+              <a:t>Conclusion</a:t>
+            </a:r>
+            <a:endParaRPr lang="en-US" dirty="0"/>
+          </a:p>
+        </p:txBody>
+      </p:sp>
+      <p:sp>
+        <p:nvSpPr>
+          <p:cNvPr id="3" name="Content Placeholder 2"/>
+          <p:cNvSpPr>
+            <a:spLocks noGrp="1"/>
+          </p:cNvSpPr>
+          <p:nvPr>
+            <p:ph idx="1"/>
+          </p:nvPr>
+        </p:nvSpPr>
+        <p:spPr/>
+        <p:txBody>
+          <a:bodyPr/>
+          <a:lstStyle/>
+          <a:p>
+            <a:r>
+              <a:rPr lang="en-US" dirty="0" smtClean="0"/>
+              <a:t>Survey</a:t>
+            </a:r>
+          </a:p>
+          <a:p>
+            <a:pPr lvl="1"/>
+            <a:r>
+              <a:rPr lang="en-US" dirty="0" smtClean="0"/>
+              <a:t>K-Anonymity</a:t>
+            </a:r>
+          </a:p>
+          <a:p>
+            <a:pPr lvl="1"/>
+            <a:r>
+              <a:rPr lang="en-US" dirty="0" smtClean="0"/>
+              <a:t>L-Severity</a:t>
+            </a:r>
+          </a:p>
+          <a:p>
+            <a:pPr lvl="1"/>
+            <a:r>
+              <a:rPr lang="en-US" dirty="0" smtClean="0"/>
+              <a:t>M-Score</a:t>
+            </a:r>
+          </a:p>
+          <a:p>
+            <a:pPr lvl="1"/>
+            <a:r>
+              <a:rPr lang="en-US" dirty="0" smtClean="0"/>
+              <a:t>L-Diversity</a:t>
+            </a:r>
+          </a:p>
+          <a:p>
+            <a:r>
+              <a:rPr lang="en-US" dirty="0" smtClean="0"/>
+              <a:t>Proposed improvement on Severity</a:t>
+            </a:r>
+          </a:p>
+          <a:p>
+            <a:pPr lvl="1"/>
+            <a:r>
+              <a:rPr lang="en-US" dirty="0" smtClean="0"/>
+              <a:t>KL-Severity</a:t>
+            </a:r>
+          </a:p>
+          <a:p>
+            <a:r>
+              <a:rPr lang="en-US" dirty="0" smtClean="0"/>
+              <a:t>Future Work</a:t>
+            </a:r>
+            <a:endParaRPr lang="en-US" dirty="0"/>
+          </a:p>
+        </p:txBody>
+      </p:sp>
+    </p:spTree>
+    <p:extLst>
+      <p:ext uri="{BB962C8B-B14F-4D97-AF65-F5344CB8AC3E}">
+        <p14:creationId xmlns:p14="http://schemas.microsoft.com/office/powerpoint/2010/main" val="1885127672"/>
+      </p:ext>
+    </p:extLst>
+  </p:cSld>
+  <p:clrMapOvr>
+    <a:masterClrMapping/>
+  </p:clrMapOvr>
+</p:sld>
+</file>
+
+<file path=ppt/slides/slide49.xml><?xml version="1.0" encoding="utf-8"?>
+<p:sld xmlns:a="http://schemas.openxmlformats.org/drawingml/2006/main" xmlns:r="http://schemas.openxmlformats.org/officeDocument/2006/relationships" xmlns:p="http://schemas.openxmlformats.org/presentationml/2006/main">
+  <p:cSld>
+    <p:spTree>
+      <p:nvGrpSpPr>
+        <p:cNvPr id="1" name=""/>
+        <p:cNvGrpSpPr/>
+        <p:nvPr/>
+      </p:nvGrpSpPr>
+      <p:grpSpPr>
+        <a:xfrm>
+          <a:off x="0" y="0"/>
+          <a:ext cx="0" cy="0"/>
+          <a:chOff x="0" y="0"/>
+          <a:chExt cx="0" cy="0"/>
+        </a:xfrm>
+      </p:grpSpPr>
+      <p:sp>
+        <p:nvSpPr>
+          <p:cNvPr id="2" name="Title 1"/>
+          <p:cNvSpPr>
+            <a:spLocks noGrp="1"/>
+          </p:cNvSpPr>
+          <p:nvPr>
+            <p:ph type="title"/>
+          </p:nvPr>
+        </p:nvSpPr>
+        <p:spPr/>
+        <p:txBody>
+          <a:bodyPr/>
+          <a:lstStyle/>
+          <a:p>
+            <a:r>
+              <a:rPr lang="en-US" dirty="0" smtClean="0"/>
+              <a:t>References</a:t>
+            </a:r>
+            <a:endParaRPr lang="en-US" dirty="0"/>
+          </a:p>
+        </p:txBody>
+      </p:sp>
+      <p:sp>
+        <p:nvSpPr>
+          <p:cNvPr id="3" name="Content Placeholder 2"/>
+          <p:cNvSpPr>
+            <a:spLocks noGrp="1"/>
+          </p:cNvSpPr>
+          <p:nvPr>
+            <p:ph idx="1"/>
+          </p:nvPr>
+        </p:nvSpPr>
+        <p:spPr/>
+        <p:txBody>
+          <a:bodyPr/>
+          <a:lstStyle/>
+          <a:p>
+            <a:endParaRPr lang="en-US"/>
+          </a:p>
+        </p:txBody>
+      </p:sp>
+    </p:spTree>
+    <p:extLst>
+      <p:ext uri="{BB962C8B-B14F-4D97-AF65-F5344CB8AC3E}">
+        <p14:creationId xmlns:p14="http://schemas.microsoft.com/office/powerpoint/2010/main" val="3990906356"/>
       </p:ext>
     </p:extLst>
   </p:cSld>

--- a/Final Project/draft_presentation.pptx
+++ b/Final Project/draft_presentation.pptx
@@ -5,7 +5,7 @@
     <p:sldMasterId id="2147483648" r:id="rId1"/>
   </p:sldMasterIdLst>
   <p:notesMasterIdLst>
-    <p:notesMasterId r:id="rId51"/>
+    <p:notesMasterId r:id="rId53"/>
   </p:notesMasterIdLst>
   <p:sldIdLst>
     <p:sldId id="256" r:id="rId2"/>
@@ -13,17 +13,17 @@
     <p:sldId id="257" r:id="rId4"/>
     <p:sldId id="258" r:id="rId5"/>
     <p:sldId id="265" r:id="rId6"/>
-    <p:sldId id="259" r:id="rId7"/>
-    <p:sldId id="266" r:id="rId8"/>
-    <p:sldId id="267" r:id="rId9"/>
-    <p:sldId id="268" r:id="rId10"/>
-    <p:sldId id="269" r:id="rId11"/>
-    <p:sldId id="270" r:id="rId12"/>
-    <p:sldId id="271" r:id="rId13"/>
-    <p:sldId id="272" r:id="rId14"/>
-    <p:sldId id="273" r:id="rId15"/>
-    <p:sldId id="275" r:id="rId16"/>
-    <p:sldId id="276" r:id="rId17"/>
+    <p:sldId id="309" r:id="rId7"/>
+    <p:sldId id="259" r:id="rId8"/>
+    <p:sldId id="266" r:id="rId9"/>
+    <p:sldId id="267" r:id="rId10"/>
+    <p:sldId id="268" r:id="rId11"/>
+    <p:sldId id="269" r:id="rId12"/>
+    <p:sldId id="270" r:id="rId13"/>
+    <p:sldId id="271" r:id="rId14"/>
+    <p:sldId id="272" r:id="rId15"/>
+    <p:sldId id="273" r:id="rId16"/>
+    <p:sldId id="275" r:id="rId17"/>
     <p:sldId id="274" r:id="rId18"/>
     <p:sldId id="278" r:id="rId19"/>
     <p:sldId id="277" r:id="rId20"/>
@@ -31,32 +31,34 @@
     <p:sldId id="280" r:id="rId22"/>
     <p:sldId id="281" r:id="rId23"/>
     <p:sldId id="282" r:id="rId24"/>
-    <p:sldId id="283" r:id="rId25"/>
-    <p:sldId id="263" r:id="rId26"/>
-    <p:sldId id="284" r:id="rId27"/>
-    <p:sldId id="285" r:id="rId28"/>
-    <p:sldId id="286" r:id="rId29"/>
-    <p:sldId id="302" r:id="rId30"/>
-    <p:sldId id="288" r:id="rId31"/>
-    <p:sldId id="287" r:id="rId32"/>
-    <p:sldId id="289" r:id="rId33"/>
-    <p:sldId id="290" r:id="rId34"/>
-    <p:sldId id="291" r:id="rId35"/>
-    <p:sldId id="292" r:id="rId36"/>
-    <p:sldId id="293" r:id="rId37"/>
-    <p:sldId id="294" r:id="rId38"/>
-    <p:sldId id="295" r:id="rId39"/>
-    <p:sldId id="296" r:id="rId40"/>
-    <p:sldId id="297" r:id="rId41"/>
-    <p:sldId id="298" r:id="rId42"/>
-    <p:sldId id="299" r:id="rId43"/>
-    <p:sldId id="300" r:id="rId44"/>
-    <p:sldId id="303" r:id="rId45"/>
-    <p:sldId id="304" r:id="rId46"/>
-    <p:sldId id="306" r:id="rId47"/>
-    <p:sldId id="305" r:id="rId48"/>
-    <p:sldId id="307" r:id="rId49"/>
-    <p:sldId id="308" r:id="rId50"/>
+    <p:sldId id="302" r:id="rId25"/>
+    <p:sldId id="284" r:id="rId26"/>
+    <p:sldId id="285" r:id="rId27"/>
+    <p:sldId id="286" r:id="rId28"/>
+    <p:sldId id="288" r:id="rId29"/>
+    <p:sldId id="287" r:id="rId30"/>
+    <p:sldId id="289" r:id="rId31"/>
+    <p:sldId id="290" r:id="rId32"/>
+    <p:sldId id="291" r:id="rId33"/>
+    <p:sldId id="292" r:id="rId34"/>
+    <p:sldId id="293" r:id="rId35"/>
+    <p:sldId id="310" r:id="rId36"/>
+    <p:sldId id="294" r:id="rId37"/>
+    <p:sldId id="295" r:id="rId38"/>
+    <p:sldId id="296" r:id="rId39"/>
+    <p:sldId id="297" r:id="rId40"/>
+    <p:sldId id="298" r:id="rId41"/>
+    <p:sldId id="299" r:id="rId42"/>
+    <p:sldId id="300" r:id="rId43"/>
+    <p:sldId id="311" r:id="rId44"/>
+    <p:sldId id="312" r:id="rId45"/>
+    <p:sldId id="313" r:id="rId46"/>
+    <p:sldId id="303" r:id="rId47"/>
+    <p:sldId id="304" r:id="rId48"/>
+    <p:sldId id="306" r:id="rId49"/>
+    <p:sldId id="305" r:id="rId50"/>
+    <p:sldId id="307" r:id="rId51"/>
+    <p:sldId id="308" r:id="rId52"/>
   </p:sldIdLst>
   <p:sldSz cx="9144000" cy="6858000" type="screen4x3"/>
   <p:notesSz cx="6858000" cy="9144000"/>
@@ -552,95 +554,6 @@
           <a:bodyPr/>
           <a:lstStyle/>
           <a:p>
-            <a:r>
-              <a:rPr lang="en-US" dirty="0" smtClean="0"/>
-              <a:t>http://</a:t>
-            </a:r>
-            <a:r>
-              <a:rPr lang="en-US" dirty="0" err="1" smtClean="0"/>
-              <a:t>www.businessinsider.com</a:t>
-            </a:r>
-            <a:r>
-              <a:rPr lang="en-US" dirty="0" smtClean="0"/>
-              <a:t>/mind-blowing-growth-and-power-of-big-data-2015-6</a:t>
-            </a:r>
-          </a:p>
-          <a:p>
-            <a:r>
-              <a:rPr lang="en-US" dirty="0" smtClean="0"/>
-              <a:t>http://</a:t>
-            </a:r>
-            <a:r>
-              <a:rPr lang="en-US" dirty="0" err="1" smtClean="0"/>
-              <a:t>www.businessinsider.com</a:t>
-            </a:r>
-            <a:r>
-              <a:rPr lang="en-US" dirty="0" smtClean="0"/>
-              <a:t>/big-data-tackles-energy-waste-from-big-buildings-2015-5</a:t>
-            </a:r>
-          </a:p>
-          <a:p>
-            <a:endParaRPr lang="en-US" dirty="0" smtClean="0"/>
-          </a:p>
-          <a:p>
-            <a:r>
-              <a:rPr lang="en-US" dirty="0" smtClean="0"/>
-              <a:t>Big</a:t>
-            </a:r>
-            <a:r>
-              <a:rPr lang="en-US" baseline="0" dirty="0" smtClean="0"/>
-              <a:t> Data can analyze information at a much faster rate</a:t>
-            </a:r>
-          </a:p>
-          <a:p>
-            <a:endParaRPr lang="en-US" baseline="0" dirty="0" smtClean="0"/>
-          </a:p>
-          <a:p>
-            <a:r>
-              <a:rPr lang="en-US" baseline="0" dirty="0" smtClean="0"/>
-              <a:t>For example, Assessing the energy consumption of a building – The amount of time needed to assess one building can now be assessed in the thousands due to enhancements in processing Big Data</a:t>
-            </a:r>
-          </a:p>
-          <a:p>
-            <a:endParaRPr lang="en-US" baseline="0" dirty="0" smtClean="0"/>
-          </a:p>
-          <a:p>
-            <a:r>
-              <a:rPr lang="en-US" baseline="0" dirty="0" smtClean="0"/>
-              <a:t>NYU’s Center for Urban Science and Progress is partnered with NYC’s Hudson Yards neighborhood in developing our nation’s first quantified community. </a:t>
-            </a:r>
-          </a:p>
-          <a:p>
-            <a:r>
-              <a:rPr lang="en-US" baseline="0" dirty="0" smtClean="0"/>
-              <a:t>Tracking air quality, pedestrian traffic, energy production and consumption</a:t>
-            </a:r>
-          </a:p>
-          <a:p>
-            <a:endParaRPr lang="en-US" baseline="0" dirty="0" smtClean="0"/>
-          </a:p>
-          <a:p>
-            <a:r>
-              <a:rPr lang="en-US" baseline="0" dirty="0" smtClean="0"/>
-              <a:t>.5% of data is analyzed, this number is expected to shrink</a:t>
-            </a:r>
-          </a:p>
-          <a:p>
-            <a:endParaRPr lang="en-US" baseline="0" dirty="0" smtClean="0"/>
-          </a:p>
-          <a:p>
-            <a:r>
-              <a:rPr lang="en-US" baseline="0" dirty="0" smtClean="0"/>
-              <a:t>Data Breach Severity is often measured in rows, we are approaching it from the impact on an individual’s life</a:t>
-            </a:r>
-          </a:p>
-          <a:p>
-            <a:endParaRPr lang="en-US" baseline="0" dirty="0" smtClean="0"/>
-          </a:p>
-          <a:p>
-            <a:endParaRPr lang="en-US" dirty="0" smtClean="0"/>
-          </a:p>
-          <a:p>
             <a:endParaRPr lang="en-US" dirty="0"/>
           </a:p>
         </p:txBody>
@@ -662,7 +575,7 @@
           <a:p>
             <a:fld id="{4B6ADD09-A426-694F-B3F1-BF5C032C9059}" type="slidenum">
               <a:rPr lang="en-US" smtClean="0"/>
-              <a:t>3</a:t>
+              <a:t>1</a:t>
             </a:fld>
             <a:endParaRPr lang="en-US"/>
           </a:p>
@@ -671,7 +584,7 @@
     </p:spTree>
     <p:extLst>
       <p:ext uri="{BB962C8B-B14F-4D97-AF65-F5344CB8AC3E}">
-        <p14:creationId xmlns:p14="http://schemas.microsoft.com/office/powerpoint/2010/main" val="3436776456"/>
+        <p14:creationId xmlns:p14="http://schemas.microsoft.com/office/powerpoint/2010/main" val="643929192"/>
       </p:ext>
     </p:extLst>
   </p:cSld>
@@ -727,7 +640,7 @@
           <a:p>
             <a:r>
               <a:rPr lang="en-US" dirty="0" smtClean="0"/>
-              <a:t>Sum of the record sensitivity</a:t>
+              <a:t>K-anonymous positive disclosure table and l-diversity sensitive attributes</a:t>
             </a:r>
             <a:endParaRPr lang="en-US" dirty="0"/>
           </a:p>
@@ -748,9 +661,9 @@
           <a:bodyPr/>
           <a:lstStyle/>
           <a:p>
-            <a:fld id="{CEAFEE9F-8C33-2040-92CC-AFC84F8D4713}" type="slidenum">
+            <a:fld id="{4B6ADD09-A426-694F-B3F1-BF5C032C9059}" type="slidenum">
               <a:rPr lang="en-US" smtClean="0"/>
-              <a:t>26</a:t>
+              <a:t>23</a:t>
             </a:fld>
             <a:endParaRPr lang="en-US"/>
           </a:p>
@@ -759,7 +672,7 @@
     </p:spTree>
     <p:extLst>
       <p:ext uri="{BB962C8B-B14F-4D97-AF65-F5344CB8AC3E}">
-        <p14:creationId xmlns:p14="http://schemas.microsoft.com/office/powerpoint/2010/main" val="2230434940"/>
+        <p14:creationId xmlns:p14="http://schemas.microsoft.com/office/powerpoint/2010/main" val="98091755"/>
       </p:ext>
     </p:extLst>
   </p:cSld>
@@ -815,12 +728,9 @@
           <a:p>
             <a:r>
               <a:rPr lang="en-US" dirty="0" smtClean="0"/>
-              <a:t>Node</a:t>
-            </a:r>
-            <a:r>
-              <a:rPr lang="en-US" baseline="0" dirty="0" smtClean="0"/>
-              <a:t> Sensitivity – defined by data model – will go over this later</a:t>
-            </a:r>
+              <a:t>Sum of the record sensitivity</a:t>
+            </a:r>
+            <a:endParaRPr lang="en-US" dirty="0"/>
           </a:p>
         </p:txBody>
       </p:sp>
@@ -841,7 +751,7 @@
           <a:p>
             <a:fld id="{CEAFEE9F-8C33-2040-92CC-AFC84F8D4713}" type="slidenum">
               <a:rPr lang="en-US" smtClean="0"/>
-              <a:t>27</a:t>
+              <a:t>25</a:t>
             </a:fld>
             <a:endParaRPr lang="en-US"/>
           </a:p>
@@ -850,7 +760,7 @@
     </p:spTree>
     <p:extLst>
       <p:ext uri="{BB962C8B-B14F-4D97-AF65-F5344CB8AC3E}">
-        <p14:creationId xmlns:p14="http://schemas.microsoft.com/office/powerpoint/2010/main" val="1289570180"/>
+        <p14:creationId xmlns:p14="http://schemas.microsoft.com/office/powerpoint/2010/main" val="2230434940"/>
       </p:ext>
     </p:extLst>
   </p:cSld>
@@ -906,97 +816,12 @@
           <a:p>
             <a:r>
               <a:rPr lang="en-US" dirty="0" smtClean="0"/>
-              <a:t>RW </a:t>
+              <a:t>Node</a:t>
             </a:r>
             <a:r>
               <a:rPr lang="en-US" baseline="0" dirty="0" smtClean="0"/>
-              <a:t>* [(</a:t>
-            </a:r>
-            <a:r>
-              <a:rPr lang="en-US" dirty="0" smtClean="0"/>
-              <a:t>CS/DF/</a:t>
-            </a:r>
-            <a:r>
-              <a:rPr lang="en-US" dirty="0" err="1" smtClean="0"/>
-              <a:t>DivFactor</a:t>
-            </a:r>
-            <a:r>
-              <a:rPr lang="en-US" dirty="0" smtClean="0"/>
-              <a:t>) + WR]</a:t>
-            </a:r>
-          </a:p>
-          <a:p>
-            <a:endParaRPr lang="en-US" dirty="0" smtClean="0"/>
-          </a:p>
-          <a:p>
-            <a:r>
-              <a:rPr lang="en-US" dirty="0" smtClean="0"/>
-              <a:t>CS = </a:t>
-            </a:r>
-            <a:r>
-              <a:rPr lang="en-US" dirty="0" err="1" smtClean="0"/>
-              <a:t>foreach</a:t>
-            </a:r>
-            <a:r>
-              <a:rPr lang="en-US" baseline="0" dirty="0" smtClean="0"/>
-              <a:t> classification Add the </a:t>
-            </a:r>
-            <a:r>
-              <a:rPr lang="en-US" baseline="0" dirty="0" err="1" smtClean="0"/>
-              <a:t>severirites</a:t>
-            </a:r>
-            <a:endParaRPr lang="en-US" baseline="0" dirty="0" smtClean="0"/>
-          </a:p>
-          <a:p>
-            <a:r>
-              <a:rPr lang="en-US" baseline="0" dirty="0" smtClean="0"/>
-              <a:t>DF = # of tuples that share the quasi-identifiers (size of q-block)</a:t>
-            </a:r>
-          </a:p>
-          <a:p>
-            <a:r>
-              <a:rPr lang="en-US" baseline="0" dirty="0" err="1" smtClean="0"/>
-              <a:t>DivFactor</a:t>
-            </a:r>
-            <a:r>
-              <a:rPr lang="en-US" baseline="0" dirty="0" smtClean="0"/>
-              <a:t> = # of sensitive values within that q-block</a:t>
-            </a:r>
-          </a:p>
-          <a:p>
-            <a:r>
-              <a:rPr lang="en-US" baseline="0" dirty="0" smtClean="0"/>
-              <a:t>WR = Well representation weight</a:t>
-            </a:r>
-            <a:endParaRPr lang="en-US" dirty="0" smtClean="0"/>
-          </a:p>
-          <a:p>
-            <a:r>
-              <a:rPr lang="en-US" dirty="0" smtClean="0"/>
-              <a:t>RW = # Rows</a:t>
-            </a:r>
-            <a:r>
-              <a:rPr lang="en-US" baseline="0" dirty="0" smtClean="0"/>
-              <a:t> weighted </a:t>
-            </a:r>
-          </a:p>
-          <a:p>
-            <a:endParaRPr lang="en-US" dirty="0" smtClean="0"/>
-          </a:p>
-          <a:p>
-            <a:r>
-              <a:rPr lang="en-US" dirty="0" smtClean="0"/>
-              <a:t>r1</a:t>
-            </a:r>
-            <a:r>
-              <a:rPr lang="en-US" baseline="0" dirty="0" smtClean="0"/>
-              <a:t> &lt; r2…</a:t>
-            </a:r>
-            <a:r>
-              <a:rPr lang="en-US" baseline="0" dirty="0" err="1" smtClean="0"/>
-              <a:t>rm</a:t>
-            </a:r>
-            <a:endParaRPr lang="en-US" dirty="0"/>
+              <a:t> Sensitivity – defined by data model – will go over this later</a:t>
+            </a:r>
           </a:p>
         </p:txBody>
       </p:sp>
@@ -1015,9 +840,9 @@
           <a:bodyPr/>
           <a:lstStyle/>
           <a:p>
-            <a:fld id="{4B6ADD09-A426-694F-B3F1-BF5C032C9059}" type="slidenum">
+            <a:fld id="{CEAFEE9F-8C33-2040-92CC-AFC84F8D4713}" type="slidenum">
               <a:rPr lang="en-US" smtClean="0"/>
-              <a:t>30</a:t>
+              <a:t>26</a:t>
             </a:fld>
             <a:endParaRPr lang="en-US"/>
           </a:p>
@@ -1026,7 +851,7 @@
     </p:spTree>
     <p:extLst>
       <p:ext uri="{BB962C8B-B14F-4D97-AF65-F5344CB8AC3E}">
-        <p14:creationId xmlns:p14="http://schemas.microsoft.com/office/powerpoint/2010/main" val="1977951988"/>
+        <p14:creationId xmlns:p14="http://schemas.microsoft.com/office/powerpoint/2010/main" val="1289570180"/>
       </p:ext>
     </p:extLst>
   </p:cSld>
@@ -1082,11 +907,95 @@
           <a:p>
             <a:r>
               <a:rPr lang="en-US" dirty="0" smtClean="0"/>
-              <a:t>Released data should never be more specific than the</a:t>
+              <a:t>RW </a:t>
             </a:r>
             <a:r>
               <a:rPr lang="en-US" baseline="0" dirty="0" smtClean="0"/>
-              <a:t> original</a:t>
+              <a:t>* [(</a:t>
+            </a:r>
+            <a:r>
+              <a:rPr lang="en-US" dirty="0" smtClean="0"/>
+              <a:t>CS/DF/</a:t>
+            </a:r>
+            <a:r>
+              <a:rPr lang="en-US" dirty="0" err="1" smtClean="0"/>
+              <a:t>DivFactor</a:t>
+            </a:r>
+            <a:r>
+              <a:rPr lang="en-US" dirty="0" smtClean="0"/>
+              <a:t>) + WR]</a:t>
+            </a:r>
+          </a:p>
+          <a:p>
+            <a:endParaRPr lang="en-US" dirty="0" smtClean="0"/>
+          </a:p>
+          <a:p>
+            <a:r>
+              <a:rPr lang="en-US" dirty="0" smtClean="0"/>
+              <a:t>CS = </a:t>
+            </a:r>
+            <a:r>
+              <a:rPr lang="en-US" dirty="0" err="1" smtClean="0"/>
+              <a:t>foreach</a:t>
+            </a:r>
+            <a:r>
+              <a:rPr lang="en-US" baseline="0" dirty="0" smtClean="0"/>
+              <a:t> classification Add the </a:t>
+            </a:r>
+            <a:r>
+              <a:rPr lang="en-US" baseline="0" dirty="0" err="1" smtClean="0"/>
+              <a:t>severirites</a:t>
+            </a:r>
+            <a:endParaRPr lang="en-US" baseline="0" dirty="0" smtClean="0"/>
+          </a:p>
+          <a:p>
+            <a:r>
+              <a:rPr lang="en-US" baseline="0" dirty="0" smtClean="0"/>
+              <a:t>DF = # of tuples that share the quasi-identifiers (size of q-block)</a:t>
+            </a:r>
+          </a:p>
+          <a:p>
+            <a:r>
+              <a:rPr lang="en-US" baseline="0" dirty="0" err="1" smtClean="0"/>
+              <a:t>DivFactor</a:t>
+            </a:r>
+            <a:r>
+              <a:rPr lang="en-US" baseline="0" dirty="0" smtClean="0"/>
+              <a:t> = # of sensitive values within that q-block</a:t>
+            </a:r>
+          </a:p>
+          <a:p>
+            <a:r>
+              <a:rPr lang="en-US" baseline="0" dirty="0" smtClean="0"/>
+              <a:t>WR = Well representation weight</a:t>
+            </a:r>
+            <a:endParaRPr lang="en-US" dirty="0" smtClean="0"/>
+          </a:p>
+          <a:p>
+            <a:r>
+              <a:rPr lang="en-US" dirty="0" smtClean="0"/>
+              <a:t>RW = # Rows</a:t>
+            </a:r>
+            <a:r>
+              <a:rPr lang="en-US" baseline="0" dirty="0" smtClean="0"/>
+              <a:t> weighted </a:t>
+            </a:r>
+          </a:p>
+          <a:p>
+            <a:endParaRPr lang="en-US" dirty="0" smtClean="0"/>
+          </a:p>
+          <a:p>
+            <a:r>
+              <a:rPr lang="en-US" dirty="0" smtClean="0"/>
+              <a:t>r1</a:t>
+            </a:r>
+            <a:r>
+              <a:rPr lang="en-US" baseline="0" dirty="0" smtClean="0"/>
+              <a:t> &lt; r2…</a:t>
+            </a:r>
+            <a:r>
+              <a:rPr lang="en-US" baseline="0" dirty="0" err="1" smtClean="0"/>
+              <a:t>rm</a:t>
             </a:r>
             <a:endParaRPr lang="en-US" dirty="0"/>
           </a:p>
@@ -1109,7 +1018,7 @@
           <a:p>
             <a:fld id="{4B6ADD09-A426-694F-B3F1-BF5C032C9059}" type="slidenum">
               <a:rPr lang="en-US" smtClean="0"/>
-              <a:t>31</a:t>
+              <a:t>28</a:t>
             </a:fld>
             <a:endParaRPr lang="en-US"/>
           </a:p>
@@ -1118,7 +1027,7 @@
     </p:spTree>
     <p:extLst>
       <p:ext uri="{BB962C8B-B14F-4D97-AF65-F5344CB8AC3E}">
-        <p14:creationId xmlns:p14="http://schemas.microsoft.com/office/powerpoint/2010/main" val="812316077"/>
+        <p14:creationId xmlns:p14="http://schemas.microsoft.com/office/powerpoint/2010/main" val="1977951988"/>
       </p:ext>
     </p:extLst>
   </p:cSld>
@@ -1174,7 +1083,11 @@
           <a:p>
             <a:r>
               <a:rPr lang="en-US" dirty="0" smtClean="0"/>
-              <a:t>Too specific</a:t>
+              <a:t>Released data should never be more specific than the</a:t>
+            </a:r>
+            <a:r>
+              <a:rPr lang="en-US" baseline="0" dirty="0" smtClean="0"/>
+              <a:t> original</a:t>
             </a:r>
             <a:endParaRPr lang="en-US" dirty="0"/>
           </a:p>
@@ -1197,7 +1110,7 @@
           <a:p>
             <a:fld id="{4B6ADD09-A426-694F-B3F1-BF5C032C9059}" type="slidenum">
               <a:rPr lang="en-US" smtClean="0"/>
-              <a:t>34</a:t>
+              <a:t>29</a:t>
             </a:fld>
             <a:endParaRPr lang="en-US"/>
           </a:p>
@@ -1206,7 +1119,7 @@
     </p:spTree>
     <p:extLst>
       <p:ext uri="{BB962C8B-B14F-4D97-AF65-F5344CB8AC3E}">
-        <p14:creationId xmlns:p14="http://schemas.microsoft.com/office/powerpoint/2010/main" val="3732187879"/>
+        <p14:creationId xmlns:p14="http://schemas.microsoft.com/office/powerpoint/2010/main" val="812316077"/>
       </p:ext>
     </p:extLst>
   </p:cSld>
@@ -1262,52 +1175,8 @@
           <a:p>
             <a:r>
               <a:rPr lang="en-US" dirty="0" smtClean="0"/>
-              <a:t>Attaching constant is a</a:t>
-            </a:r>
-            <a:r>
-              <a:rPr lang="en-US" baseline="0" dirty="0" smtClean="0"/>
-              <a:t> good idea</a:t>
-            </a:r>
-          </a:p>
-          <a:p>
-            <a:r>
-              <a:rPr lang="en-US" baseline="0" dirty="0" smtClean="0"/>
-              <a:t>Dynamic data, might not know what you’re getting/sending</a:t>
-            </a:r>
-          </a:p>
-          <a:p>
-            <a:r>
-              <a:rPr lang="en-US" baseline="0" dirty="0" smtClean="0"/>
-              <a:t>Can read properties of an object</a:t>
-            </a:r>
-          </a:p>
-          <a:p>
-            <a:r>
-              <a:rPr lang="en-US" baseline="0" dirty="0" smtClean="0"/>
-              <a:t>Maintenance – Forget to properly classify. Can then become a target of pulling data</a:t>
-            </a:r>
-          </a:p>
-          <a:p>
-            <a:r>
-              <a:rPr lang="en-US" baseline="0" dirty="0" smtClean="0"/>
-              <a:t>Pulling from table, data is constant unless specified. If the number of attributes can change dynamically, having constant for those not accounted for can be useful</a:t>
-            </a:r>
-          </a:p>
-          <a:p>
-            <a:r>
-              <a:rPr lang="en-US" baseline="0" dirty="0" smtClean="0"/>
-              <a:t>Property match to </a:t>
-            </a:r>
-            <a:r>
-              <a:rPr lang="en-US" baseline="0" dirty="0" err="1" smtClean="0"/>
-              <a:t>key|value</a:t>
-            </a:r>
-            <a:r>
-              <a:rPr lang="en-US" baseline="0" dirty="0" smtClean="0"/>
-              <a:t> pairs</a:t>
-            </a:r>
-          </a:p>
-          <a:p>
+              <a:t>Too specific</a:t>
+            </a:r>
             <a:endParaRPr lang="en-US" dirty="0"/>
           </a:p>
         </p:txBody>
@@ -1329,7 +1198,7 @@
           <a:p>
             <a:fld id="{4B6ADD09-A426-694F-B3F1-BF5C032C9059}" type="slidenum">
               <a:rPr lang="en-US" smtClean="0"/>
-              <a:t>35</a:t>
+              <a:t>32</a:t>
             </a:fld>
             <a:endParaRPr lang="en-US"/>
           </a:p>
@@ -1338,7 +1207,7 @@
     </p:spTree>
     <p:extLst>
       <p:ext uri="{BB962C8B-B14F-4D97-AF65-F5344CB8AC3E}">
-        <p14:creationId xmlns:p14="http://schemas.microsoft.com/office/powerpoint/2010/main" val="2751741334"/>
+        <p14:creationId xmlns:p14="http://schemas.microsoft.com/office/powerpoint/2010/main" val="3732187879"/>
       </p:ext>
     </p:extLst>
   </p:cSld>
@@ -1394,24 +1263,52 @@
           <a:p>
             <a:r>
               <a:rPr lang="en-US" dirty="0" smtClean="0"/>
-              <a:t>Homogeneity</a:t>
-            </a:r>
-          </a:p>
-          <a:p>
-            <a:r>
-              <a:rPr lang="en-US" dirty="0" smtClean="0"/>
-              <a:t>Diversity</a:t>
-            </a:r>
-          </a:p>
-          <a:p>
-            <a:r>
-              <a:rPr lang="en-US" dirty="0" smtClean="0"/>
-              <a:t>Well</a:t>
+              <a:t>Attaching constant is a</a:t>
             </a:r>
             <a:r>
               <a:rPr lang="en-US" baseline="0" dirty="0" smtClean="0"/>
-              <a:t> representation</a:t>
-            </a:r>
+              <a:t> good idea</a:t>
+            </a:r>
+          </a:p>
+          <a:p>
+            <a:r>
+              <a:rPr lang="en-US" baseline="0" dirty="0" smtClean="0"/>
+              <a:t>Dynamic data, might not know what you’re getting/sending</a:t>
+            </a:r>
+          </a:p>
+          <a:p>
+            <a:r>
+              <a:rPr lang="en-US" baseline="0" dirty="0" smtClean="0"/>
+              <a:t>Can read properties of an object</a:t>
+            </a:r>
+          </a:p>
+          <a:p>
+            <a:r>
+              <a:rPr lang="en-US" baseline="0" dirty="0" smtClean="0"/>
+              <a:t>Maintenance – Forget to properly classify. Can then become a target of pulling data</a:t>
+            </a:r>
+          </a:p>
+          <a:p>
+            <a:r>
+              <a:rPr lang="en-US" baseline="0" dirty="0" smtClean="0"/>
+              <a:t>Pulling from table, data is constant unless specified. If the number of attributes can change dynamically, having constant for those not accounted for can be useful</a:t>
+            </a:r>
+          </a:p>
+          <a:p>
+            <a:r>
+              <a:rPr lang="en-US" baseline="0" dirty="0" smtClean="0"/>
+              <a:t>Property match to </a:t>
+            </a:r>
+            <a:r>
+              <a:rPr lang="en-US" baseline="0" dirty="0" err="1" smtClean="0"/>
+              <a:t>key|value</a:t>
+            </a:r>
+            <a:r>
+              <a:rPr lang="en-US" baseline="0" dirty="0" smtClean="0"/>
+              <a:t> pairs</a:t>
+            </a:r>
+          </a:p>
+          <a:p>
             <a:endParaRPr lang="en-US" dirty="0"/>
           </a:p>
         </p:txBody>
@@ -1433,7 +1330,7 @@
           <a:p>
             <a:fld id="{4B6ADD09-A426-694F-B3F1-BF5C032C9059}" type="slidenum">
               <a:rPr lang="en-US" smtClean="0"/>
-              <a:t>36</a:t>
+              <a:t>33</a:t>
             </a:fld>
             <a:endParaRPr lang="en-US"/>
           </a:p>
@@ -1442,7 +1339,7 @@
     </p:spTree>
     <p:extLst>
       <p:ext uri="{BB962C8B-B14F-4D97-AF65-F5344CB8AC3E}">
-        <p14:creationId xmlns:p14="http://schemas.microsoft.com/office/powerpoint/2010/main" val="4139784252"/>
+        <p14:creationId xmlns:p14="http://schemas.microsoft.com/office/powerpoint/2010/main" val="2751741334"/>
       </p:ext>
     </p:extLst>
   </p:cSld>
@@ -1496,45 +1393,26 @@
           <a:bodyPr/>
           <a:lstStyle/>
           <a:p>
-            <a:pPr marL="0" marR="0" indent="0" algn="l" defTabSz="457200" rtl="0" eaLnBrk="1" fontAlgn="auto" latinLnBrk="0" hangingPunct="1">
-              <a:lnSpc>
-                <a:spcPct val="100000"/>
-              </a:lnSpc>
-              <a:spcBef>
-                <a:spcPts val="0"/>
-              </a:spcBef>
-              <a:spcAft>
-                <a:spcPts val="0"/>
-              </a:spcAft>
-              <a:buClrTx/>
-              <a:buSzTx/>
-              <a:buFontTx/>
-              <a:buNone/>
-              <a:tabLst/>
-              <a:defRPr/>
-            </a:pPr>
-            <a:r>
-              <a:rPr lang="en-US" dirty="0" smtClean="0"/>
-              <a:t>RW </a:t>
+            <a:r>
+              <a:rPr lang="en-US" dirty="0" smtClean="0"/>
+              <a:t>Homogeneity</a:t>
+            </a:r>
+          </a:p>
+          <a:p>
+            <a:r>
+              <a:rPr lang="en-US" dirty="0" smtClean="0"/>
+              <a:t>Diversity</a:t>
+            </a:r>
+          </a:p>
+          <a:p>
+            <a:r>
+              <a:rPr lang="en-US" dirty="0" smtClean="0"/>
+              <a:t>Well</a:t>
             </a:r>
             <a:r>
               <a:rPr lang="en-US" baseline="0" dirty="0" smtClean="0"/>
-              <a:t>* [(</a:t>
-            </a:r>
-            <a:r>
-              <a:rPr lang="en-US" dirty="0" smtClean="0"/>
-              <a:t>CS/DF/</a:t>
-            </a:r>
-            <a:r>
-              <a:rPr lang="en-US" dirty="0" err="1" smtClean="0"/>
-              <a:t>DivFactor</a:t>
-            </a:r>
-            <a:r>
-              <a:rPr lang="en-US" dirty="0" smtClean="0"/>
-              <a:t>) + WR]</a:t>
-            </a:r>
-          </a:p>
-          <a:p>
+              <a:t> representation</a:t>
+            </a:r>
             <a:endParaRPr lang="en-US" dirty="0"/>
           </a:p>
         </p:txBody>
@@ -1556,7 +1434,7 @@
           <a:p>
             <a:fld id="{4B6ADD09-A426-694F-B3F1-BF5C032C9059}" type="slidenum">
               <a:rPr lang="en-US" smtClean="0"/>
-              <a:t>38</a:t>
+              <a:t>34</a:t>
             </a:fld>
             <a:endParaRPr lang="en-US"/>
           </a:p>
@@ -1565,7 +1443,7 @@
     </p:spTree>
     <p:extLst>
       <p:ext uri="{BB962C8B-B14F-4D97-AF65-F5344CB8AC3E}">
-        <p14:creationId xmlns:p14="http://schemas.microsoft.com/office/powerpoint/2010/main" val="1259065613"/>
+        <p14:creationId xmlns:p14="http://schemas.microsoft.com/office/powerpoint/2010/main" val="4139784252"/>
       </p:ext>
     </p:extLst>
   </p:cSld>
@@ -1619,6 +1497,45 @@
           <a:bodyPr/>
           <a:lstStyle/>
           <a:p>
+            <a:pPr marL="0" marR="0" indent="0" algn="l" defTabSz="457200" rtl="0" eaLnBrk="1" fontAlgn="auto" latinLnBrk="0" hangingPunct="1">
+              <a:lnSpc>
+                <a:spcPct val="100000"/>
+              </a:lnSpc>
+              <a:spcBef>
+                <a:spcPts val="0"/>
+              </a:spcBef>
+              <a:spcAft>
+                <a:spcPts val="0"/>
+              </a:spcAft>
+              <a:buClrTx/>
+              <a:buSzTx/>
+              <a:buFontTx/>
+              <a:buNone/>
+              <a:tabLst/>
+              <a:defRPr/>
+            </a:pPr>
+            <a:r>
+              <a:rPr lang="en-US" dirty="0" smtClean="0"/>
+              <a:t>RW </a:t>
+            </a:r>
+            <a:r>
+              <a:rPr lang="en-US" baseline="0" dirty="0" smtClean="0"/>
+              <a:t>* [(</a:t>
+            </a:r>
+            <a:r>
+              <a:rPr lang="en-US" dirty="0" smtClean="0"/>
+              <a:t>CS/DF/</a:t>
+            </a:r>
+            <a:r>
+              <a:rPr lang="en-US" dirty="0" err="1" smtClean="0"/>
+              <a:t>DivFactor</a:t>
+            </a:r>
+            <a:r>
+              <a:rPr lang="en-US" dirty="0" smtClean="0"/>
+              <a:t>) + WR]</a:t>
+            </a:r>
+          </a:p>
+          <a:p>
             <a:endParaRPr lang="en-US" dirty="0"/>
           </a:p>
         </p:txBody>
@@ -1640,7 +1557,7 @@
           <a:p>
             <a:fld id="{4B6ADD09-A426-694F-B3F1-BF5C032C9059}" type="slidenum">
               <a:rPr lang="en-US" smtClean="0"/>
-              <a:t>41</a:t>
+              <a:t>37</a:t>
             </a:fld>
             <a:endParaRPr lang="en-US"/>
           </a:p>
@@ -1649,7 +1566,7 @@
     </p:spTree>
     <p:extLst>
       <p:ext uri="{BB962C8B-B14F-4D97-AF65-F5344CB8AC3E}">
-        <p14:creationId xmlns:p14="http://schemas.microsoft.com/office/powerpoint/2010/main" val="3983756855"/>
+        <p14:creationId xmlns:p14="http://schemas.microsoft.com/office/powerpoint/2010/main" val="1259065613"/>
       </p:ext>
     </p:extLst>
   </p:cSld>
@@ -1724,7 +1641,7 @@
           <a:p>
             <a:fld id="{4B6ADD09-A426-694F-B3F1-BF5C032C9059}" type="slidenum">
               <a:rPr lang="en-US" smtClean="0"/>
-              <a:t>42</a:t>
+              <a:t>40</a:t>
             </a:fld>
             <a:endParaRPr lang="en-US"/>
           </a:p>
@@ -1733,7 +1650,7 @@
     </p:spTree>
     <p:extLst>
       <p:ext uri="{BB962C8B-B14F-4D97-AF65-F5344CB8AC3E}">
-        <p14:creationId xmlns:p14="http://schemas.microsoft.com/office/powerpoint/2010/main" val="378723745"/>
+        <p14:creationId xmlns:p14="http://schemas.microsoft.com/office/powerpoint/2010/main" val="3983756855"/>
       </p:ext>
     </p:extLst>
   </p:cSld>
@@ -1787,6 +1704,95 @@
           <a:bodyPr/>
           <a:lstStyle/>
           <a:p>
+            <a:r>
+              <a:rPr lang="en-US" dirty="0" smtClean="0"/>
+              <a:t>http://</a:t>
+            </a:r>
+            <a:r>
+              <a:rPr lang="en-US" dirty="0" err="1" smtClean="0"/>
+              <a:t>www.businessinsider.com</a:t>
+            </a:r>
+            <a:r>
+              <a:rPr lang="en-US" dirty="0" smtClean="0"/>
+              <a:t>/mind-blowing-growth-and-power-of-big-data-2015-6</a:t>
+            </a:r>
+          </a:p>
+          <a:p>
+            <a:r>
+              <a:rPr lang="en-US" dirty="0" smtClean="0"/>
+              <a:t>http://</a:t>
+            </a:r>
+            <a:r>
+              <a:rPr lang="en-US" dirty="0" err="1" smtClean="0"/>
+              <a:t>www.businessinsider.com</a:t>
+            </a:r>
+            <a:r>
+              <a:rPr lang="en-US" dirty="0" smtClean="0"/>
+              <a:t>/big-data-tackles-energy-waste-from-big-buildings-2015-5</a:t>
+            </a:r>
+          </a:p>
+          <a:p>
+            <a:endParaRPr lang="en-US" dirty="0" smtClean="0"/>
+          </a:p>
+          <a:p>
+            <a:r>
+              <a:rPr lang="en-US" dirty="0" smtClean="0"/>
+              <a:t>Big</a:t>
+            </a:r>
+            <a:r>
+              <a:rPr lang="en-US" baseline="0" dirty="0" smtClean="0"/>
+              <a:t> Data can analyze information at a much faster rate</a:t>
+            </a:r>
+          </a:p>
+          <a:p>
+            <a:endParaRPr lang="en-US" baseline="0" dirty="0" smtClean="0"/>
+          </a:p>
+          <a:p>
+            <a:r>
+              <a:rPr lang="en-US" baseline="0" dirty="0" smtClean="0"/>
+              <a:t>For example, Assessing the energy consumption of a building – The amount of time needed to assess one building can now be assessed in the thousands due to enhancements in processing Big Data</a:t>
+            </a:r>
+          </a:p>
+          <a:p>
+            <a:endParaRPr lang="en-US" baseline="0" dirty="0" smtClean="0"/>
+          </a:p>
+          <a:p>
+            <a:r>
+              <a:rPr lang="en-US" baseline="0" dirty="0" smtClean="0"/>
+              <a:t>NYU’s Center for Urban Science and Progress is partnered with NYC’s Hudson Yards neighborhood in developing our nation’s first quantified community. </a:t>
+            </a:r>
+          </a:p>
+          <a:p>
+            <a:r>
+              <a:rPr lang="en-US" baseline="0" dirty="0" smtClean="0"/>
+              <a:t>Tracking air quality, pedestrian traffic, energy production and consumption</a:t>
+            </a:r>
+          </a:p>
+          <a:p>
+            <a:endParaRPr lang="en-US" baseline="0" dirty="0" smtClean="0"/>
+          </a:p>
+          <a:p>
+            <a:r>
+              <a:rPr lang="en-US" baseline="0" dirty="0" smtClean="0"/>
+              <a:t>.5% of data is analyzed, this number is expected to shrink</a:t>
+            </a:r>
+          </a:p>
+          <a:p>
+            <a:endParaRPr lang="en-US" baseline="0" dirty="0" smtClean="0"/>
+          </a:p>
+          <a:p>
+            <a:r>
+              <a:rPr lang="en-US" baseline="0" dirty="0" smtClean="0"/>
+              <a:t>Data Breach Severity is often measured in rows, we are approaching it from the impact on an individual’s life</a:t>
+            </a:r>
+          </a:p>
+          <a:p>
+            <a:endParaRPr lang="en-US" baseline="0" dirty="0" smtClean="0"/>
+          </a:p>
+          <a:p>
+            <a:endParaRPr lang="en-US" dirty="0" smtClean="0"/>
+          </a:p>
+          <a:p>
             <a:endParaRPr lang="en-US" dirty="0"/>
           </a:p>
         </p:txBody>
@@ -1808,7 +1814,7 @@
           <a:p>
             <a:fld id="{4B6ADD09-A426-694F-B3F1-BF5C032C9059}" type="slidenum">
               <a:rPr lang="en-US" smtClean="0"/>
-              <a:t>4</a:t>
+              <a:t>3</a:t>
             </a:fld>
             <a:endParaRPr lang="en-US"/>
           </a:p>
@@ -1817,7 +1823,7 @@
     </p:spTree>
     <p:extLst>
       <p:ext uri="{BB962C8B-B14F-4D97-AF65-F5344CB8AC3E}">
-        <p14:creationId xmlns:p14="http://schemas.microsoft.com/office/powerpoint/2010/main" val="3395585990"/>
+        <p14:creationId xmlns:p14="http://schemas.microsoft.com/office/powerpoint/2010/main" val="3436776456"/>
       </p:ext>
     </p:extLst>
   </p:cSld>
@@ -1892,7 +1898,300 @@
           <a:p>
             <a:fld id="{4B6ADD09-A426-694F-B3F1-BF5C032C9059}" type="slidenum">
               <a:rPr lang="en-US" smtClean="0"/>
+              <a:t>41</a:t>
+            </a:fld>
+            <a:endParaRPr lang="en-US"/>
+          </a:p>
+        </p:txBody>
+      </p:sp>
+    </p:spTree>
+    <p:extLst>
+      <p:ext uri="{BB962C8B-B14F-4D97-AF65-F5344CB8AC3E}">
+        <p14:creationId xmlns:p14="http://schemas.microsoft.com/office/powerpoint/2010/main" val="378723745"/>
+      </p:ext>
+    </p:extLst>
+  </p:cSld>
+  <p:clrMapOvr>
+    <a:masterClrMapping/>
+  </p:clrMapOvr>
+</p:notes>
+</file>
+
+<file path=ppt/notesSlides/notesSlide21.xml><?xml version="1.0" encoding="utf-8"?>
+<p:notes xmlns:a="http://schemas.openxmlformats.org/drawingml/2006/main" xmlns:r="http://schemas.openxmlformats.org/officeDocument/2006/relationships" xmlns:p="http://schemas.openxmlformats.org/presentationml/2006/main">
+  <p:cSld>
+    <p:spTree>
+      <p:nvGrpSpPr>
+        <p:cNvPr id="1" name=""/>
+        <p:cNvGrpSpPr/>
+        <p:nvPr/>
+      </p:nvGrpSpPr>
+      <p:grpSpPr>
+        <a:xfrm>
+          <a:off x="0" y="0"/>
+          <a:ext cx="0" cy="0"/>
+          <a:chOff x="0" y="0"/>
+          <a:chExt cx="0" cy="0"/>
+        </a:xfrm>
+      </p:grpSpPr>
+      <p:sp>
+        <p:nvSpPr>
+          <p:cNvPr id="2" name="Slide Image Placeholder 1"/>
+          <p:cNvSpPr>
+            <a:spLocks noGrp="1" noRot="1" noChangeAspect="1"/>
+          </p:cNvSpPr>
+          <p:nvPr>
+            <p:ph type="sldImg"/>
+          </p:nvPr>
+        </p:nvSpPr>
+        <p:spPr/>
+      </p:sp>
+      <p:sp>
+        <p:nvSpPr>
+          <p:cNvPr id="3" name="Notes Placeholder 2"/>
+          <p:cNvSpPr>
+            <a:spLocks noGrp="1"/>
+          </p:cNvSpPr>
+          <p:nvPr>
+            <p:ph type="body" idx="1"/>
+          </p:nvPr>
+        </p:nvSpPr>
+        <p:spPr/>
+        <p:txBody>
+          <a:bodyPr/>
+          <a:lstStyle/>
+          <a:p>
+            <a:endParaRPr lang="en-US" dirty="0"/>
+          </a:p>
+        </p:txBody>
+      </p:sp>
+      <p:sp>
+        <p:nvSpPr>
+          <p:cNvPr id="4" name="Slide Number Placeholder 3"/>
+          <p:cNvSpPr>
+            <a:spLocks noGrp="1"/>
+          </p:cNvSpPr>
+          <p:nvPr>
+            <p:ph type="sldNum" sz="quarter" idx="10"/>
+          </p:nvPr>
+        </p:nvSpPr>
+        <p:spPr/>
+        <p:txBody>
+          <a:bodyPr/>
+          <a:lstStyle/>
+          <a:p>
+            <a:fld id="{4B6ADD09-A426-694F-B3F1-BF5C032C9059}" type="slidenum">
+              <a:rPr lang="en-US" smtClean="0"/>
               <a:t>44</a:t>
+            </a:fld>
+            <a:endParaRPr lang="en-US"/>
+          </a:p>
+        </p:txBody>
+      </p:sp>
+    </p:spTree>
+    <p:extLst>
+      <p:ext uri="{BB962C8B-B14F-4D97-AF65-F5344CB8AC3E}">
+        <p14:creationId xmlns:p14="http://schemas.microsoft.com/office/powerpoint/2010/main" val="3620357002"/>
+      </p:ext>
+    </p:extLst>
+  </p:cSld>
+  <p:clrMapOvr>
+    <a:masterClrMapping/>
+  </p:clrMapOvr>
+</p:notes>
+</file>
+
+<file path=ppt/notesSlides/notesSlide22.xml><?xml version="1.0" encoding="utf-8"?>
+<p:notes xmlns:a="http://schemas.openxmlformats.org/drawingml/2006/main" xmlns:r="http://schemas.openxmlformats.org/officeDocument/2006/relationships" xmlns:p="http://schemas.openxmlformats.org/presentationml/2006/main">
+  <p:cSld>
+    <p:spTree>
+      <p:nvGrpSpPr>
+        <p:cNvPr id="1" name=""/>
+        <p:cNvGrpSpPr/>
+        <p:nvPr/>
+      </p:nvGrpSpPr>
+      <p:grpSpPr>
+        <a:xfrm>
+          <a:off x="0" y="0"/>
+          <a:ext cx="0" cy="0"/>
+          <a:chOff x="0" y="0"/>
+          <a:chExt cx="0" cy="0"/>
+        </a:xfrm>
+      </p:grpSpPr>
+      <p:sp>
+        <p:nvSpPr>
+          <p:cNvPr id="2" name="Slide Image Placeholder 1"/>
+          <p:cNvSpPr>
+            <a:spLocks noGrp="1" noRot="1" noChangeAspect="1"/>
+          </p:cNvSpPr>
+          <p:nvPr>
+            <p:ph type="sldImg"/>
+          </p:nvPr>
+        </p:nvSpPr>
+        <p:spPr/>
+      </p:sp>
+      <p:sp>
+        <p:nvSpPr>
+          <p:cNvPr id="3" name="Notes Placeholder 2"/>
+          <p:cNvSpPr>
+            <a:spLocks noGrp="1"/>
+          </p:cNvSpPr>
+          <p:nvPr>
+            <p:ph type="body" idx="1"/>
+          </p:nvPr>
+        </p:nvSpPr>
+        <p:spPr/>
+        <p:txBody>
+          <a:bodyPr/>
+          <a:lstStyle/>
+          <a:p>
+            <a:r>
+              <a:rPr lang="en-US" dirty="0" smtClean="0"/>
+              <a:t>4 *</a:t>
+            </a:r>
+            <a:r>
+              <a:rPr lang="en-US" baseline="0" dirty="0" smtClean="0"/>
+              <a:t> (20 / 4 / 2) + 1</a:t>
+            </a:r>
+          </a:p>
+          <a:p>
+            <a:endParaRPr lang="en-US" baseline="0" dirty="0" smtClean="0"/>
+          </a:p>
+          <a:p>
+            <a:pPr marL="0" marR="0" indent="0" algn="l" defTabSz="457200" rtl="0" eaLnBrk="1" fontAlgn="auto" latinLnBrk="0" hangingPunct="1">
+              <a:lnSpc>
+                <a:spcPct val="100000"/>
+              </a:lnSpc>
+              <a:spcBef>
+                <a:spcPts val="0"/>
+              </a:spcBef>
+              <a:spcAft>
+                <a:spcPts val="0"/>
+              </a:spcAft>
+              <a:buClrTx/>
+              <a:buSzTx/>
+              <a:buFontTx/>
+              <a:buNone/>
+              <a:tabLst/>
+              <a:defRPr/>
+            </a:pPr>
+            <a:r>
+              <a:rPr lang="en-US" dirty="0" smtClean="0"/>
+              <a:t>4*</a:t>
+            </a:r>
+            <a:r>
+              <a:rPr lang="en-US" baseline="0" dirty="0" smtClean="0"/>
+              <a:t> (20 / 4 / 4) + 0</a:t>
+            </a:r>
+            <a:endParaRPr lang="en-US" dirty="0" smtClean="0"/>
+          </a:p>
+          <a:p>
+            <a:endParaRPr lang="en-US" dirty="0"/>
+          </a:p>
+        </p:txBody>
+      </p:sp>
+      <p:sp>
+        <p:nvSpPr>
+          <p:cNvPr id="4" name="Slide Number Placeholder 3"/>
+          <p:cNvSpPr>
+            <a:spLocks noGrp="1"/>
+          </p:cNvSpPr>
+          <p:nvPr>
+            <p:ph type="sldNum" sz="quarter" idx="10"/>
+          </p:nvPr>
+        </p:nvSpPr>
+        <p:spPr/>
+        <p:txBody>
+          <a:bodyPr/>
+          <a:lstStyle/>
+          <a:p>
+            <a:fld id="{4B6ADD09-A426-694F-B3F1-BF5C032C9059}" type="slidenum">
+              <a:rPr lang="en-US" smtClean="0"/>
+              <a:t>45</a:t>
+            </a:fld>
+            <a:endParaRPr lang="en-US"/>
+          </a:p>
+        </p:txBody>
+      </p:sp>
+    </p:spTree>
+    <p:extLst>
+      <p:ext uri="{BB962C8B-B14F-4D97-AF65-F5344CB8AC3E}">
+        <p14:creationId xmlns:p14="http://schemas.microsoft.com/office/powerpoint/2010/main" val="1734923379"/>
+      </p:ext>
+    </p:extLst>
+  </p:cSld>
+  <p:clrMapOvr>
+    <a:masterClrMapping/>
+  </p:clrMapOvr>
+</p:notes>
+</file>
+
+<file path=ppt/notesSlides/notesSlide23.xml><?xml version="1.0" encoding="utf-8"?>
+<p:notes xmlns:a="http://schemas.openxmlformats.org/drawingml/2006/main" xmlns:r="http://schemas.openxmlformats.org/officeDocument/2006/relationships" xmlns:p="http://schemas.openxmlformats.org/presentationml/2006/main">
+  <p:cSld>
+    <p:spTree>
+      <p:nvGrpSpPr>
+        <p:cNvPr id="1" name=""/>
+        <p:cNvGrpSpPr/>
+        <p:nvPr/>
+      </p:nvGrpSpPr>
+      <p:grpSpPr>
+        <a:xfrm>
+          <a:off x="0" y="0"/>
+          <a:ext cx="0" cy="0"/>
+          <a:chOff x="0" y="0"/>
+          <a:chExt cx="0" cy="0"/>
+        </a:xfrm>
+      </p:grpSpPr>
+      <p:sp>
+        <p:nvSpPr>
+          <p:cNvPr id="2" name="Slide Image Placeholder 1"/>
+          <p:cNvSpPr>
+            <a:spLocks noGrp="1" noRot="1" noChangeAspect="1"/>
+          </p:cNvSpPr>
+          <p:nvPr>
+            <p:ph type="sldImg"/>
+          </p:nvPr>
+        </p:nvSpPr>
+        <p:spPr/>
+      </p:sp>
+      <p:sp>
+        <p:nvSpPr>
+          <p:cNvPr id="3" name="Notes Placeholder 2"/>
+          <p:cNvSpPr>
+            <a:spLocks noGrp="1"/>
+          </p:cNvSpPr>
+          <p:nvPr>
+            <p:ph type="body" idx="1"/>
+          </p:nvPr>
+        </p:nvSpPr>
+        <p:spPr/>
+        <p:txBody>
+          <a:bodyPr/>
+          <a:lstStyle/>
+          <a:p>
+            <a:endParaRPr lang="en-US" dirty="0"/>
+          </a:p>
+        </p:txBody>
+      </p:sp>
+      <p:sp>
+        <p:nvSpPr>
+          <p:cNvPr id="4" name="Slide Number Placeholder 3"/>
+          <p:cNvSpPr>
+            <a:spLocks noGrp="1"/>
+          </p:cNvSpPr>
+          <p:nvPr>
+            <p:ph type="sldNum" sz="quarter" idx="10"/>
+          </p:nvPr>
+        </p:nvSpPr>
+        <p:spPr/>
+        <p:txBody>
+          <a:bodyPr/>
+          <a:lstStyle/>
+          <a:p>
+            <a:fld id="{4B6ADD09-A426-694F-B3F1-BF5C032C9059}" type="slidenum">
+              <a:rPr lang="en-US" smtClean="0"/>
+              <a:t>46</a:t>
             </a:fld>
             <a:endParaRPr lang="en-US"/>
           </a:p>
@@ -1976,7 +2275,7 @@
           <a:p>
             <a:fld id="{4B6ADD09-A426-694F-B3F1-BF5C032C9059}" type="slidenum">
               <a:rPr lang="en-US" smtClean="0"/>
-              <a:t>5</a:t>
+              <a:t>4</a:t>
             </a:fld>
             <a:endParaRPr lang="en-US"/>
           </a:p>
@@ -1985,7 +2284,7 @@
     </p:spTree>
     <p:extLst>
       <p:ext uri="{BB962C8B-B14F-4D97-AF65-F5344CB8AC3E}">
-        <p14:creationId xmlns:p14="http://schemas.microsoft.com/office/powerpoint/2010/main" val="2418053015"/>
+        <p14:creationId xmlns:p14="http://schemas.microsoft.com/office/powerpoint/2010/main" val="3395585990"/>
       </p:ext>
     </p:extLst>
   </p:cSld>
@@ -2060,7 +2359,7 @@
           <a:p>
             <a:fld id="{4B6ADD09-A426-694F-B3F1-BF5C032C9059}" type="slidenum">
               <a:rPr lang="en-US" smtClean="0"/>
-              <a:t>8</a:t>
+              <a:t>5</a:t>
             </a:fld>
             <a:endParaRPr lang="en-US"/>
           </a:p>
@@ -2069,7 +2368,7 @@
     </p:spTree>
     <p:extLst>
       <p:ext uri="{BB962C8B-B14F-4D97-AF65-F5344CB8AC3E}">
-        <p14:creationId xmlns:p14="http://schemas.microsoft.com/office/powerpoint/2010/main" val="4259225559"/>
+        <p14:creationId xmlns:p14="http://schemas.microsoft.com/office/powerpoint/2010/main" val="2418053015"/>
       </p:ext>
     </p:extLst>
   </p:cSld>
@@ -2123,14 +2422,6 @@
           <a:bodyPr/>
           <a:lstStyle/>
           <a:p>
-            <a:r>
-              <a:rPr lang="en-US" dirty="0" smtClean="0"/>
-              <a:t>Data should</a:t>
-            </a:r>
-            <a:r>
-              <a:rPr lang="en-US" baseline="0" dirty="0" smtClean="0"/>
-              <a:t> never be more specific than the original released data</a:t>
-            </a:r>
             <a:endParaRPr lang="en-US" dirty="0"/>
           </a:p>
         </p:txBody>
@@ -2152,7 +2443,7 @@
           <a:p>
             <a:fld id="{4B6ADD09-A426-694F-B3F1-BF5C032C9059}" type="slidenum">
               <a:rPr lang="en-US" smtClean="0"/>
-              <a:t>12</a:t>
+              <a:t>9</a:t>
             </a:fld>
             <a:endParaRPr lang="en-US"/>
           </a:p>
@@ -2161,7 +2452,7 @@
     </p:spTree>
     <p:extLst>
       <p:ext uri="{BB962C8B-B14F-4D97-AF65-F5344CB8AC3E}">
-        <p14:creationId xmlns:p14="http://schemas.microsoft.com/office/powerpoint/2010/main" val="3401244471"/>
+        <p14:creationId xmlns:p14="http://schemas.microsoft.com/office/powerpoint/2010/main" val="4259225559"/>
       </p:ext>
     </p:extLst>
   </p:cSld>
@@ -2217,13 +2508,12 @@
           <a:p>
             <a:r>
               <a:rPr lang="en-US" dirty="0" smtClean="0"/>
-              <a:t>Provide an example of each</a:t>
-            </a:r>
-          </a:p>
-          <a:p>
-            <a:endParaRPr lang="en-US" dirty="0" smtClean="0"/>
-          </a:p>
-          <a:p>
+              <a:t>Data should</a:t>
+            </a:r>
+            <a:r>
+              <a:rPr lang="en-US" baseline="0" dirty="0" smtClean="0"/>
+              <a:t> never be more specific than the original released data</a:t>
+            </a:r>
             <a:endParaRPr lang="en-US" dirty="0"/>
           </a:p>
         </p:txBody>
@@ -2245,7 +2535,7 @@
           <a:p>
             <a:fld id="{4B6ADD09-A426-694F-B3F1-BF5C032C9059}" type="slidenum">
               <a:rPr lang="en-US" smtClean="0"/>
-              <a:t>14</a:t>
+              <a:t>13</a:t>
             </a:fld>
             <a:endParaRPr lang="en-US"/>
           </a:p>
@@ -2254,7 +2544,7 @@
     </p:spTree>
     <p:extLst>
       <p:ext uri="{BB962C8B-B14F-4D97-AF65-F5344CB8AC3E}">
-        <p14:creationId xmlns:p14="http://schemas.microsoft.com/office/powerpoint/2010/main" val="1306802801"/>
+        <p14:creationId xmlns:p14="http://schemas.microsoft.com/office/powerpoint/2010/main" val="3401244471"/>
       </p:ext>
     </p:extLst>
   </p:cSld>
@@ -2308,6 +2598,15 @@
           <a:bodyPr/>
           <a:lstStyle/>
           <a:p>
+            <a:r>
+              <a:rPr lang="en-US" dirty="0" smtClean="0"/>
+              <a:t>Provide an example of each</a:t>
+            </a:r>
+          </a:p>
+          <a:p>
+            <a:endParaRPr lang="en-US" dirty="0" smtClean="0"/>
+          </a:p>
+          <a:p>
             <a:endParaRPr lang="en-US" dirty="0"/>
           </a:p>
         </p:txBody>
@@ -2329,7 +2628,7 @@
           <a:p>
             <a:fld id="{4B6ADD09-A426-694F-B3F1-BF5C032C9059}" type="slidenum">
               <a:rPr lang="en-US" smtClean="0"/>
-              <a:t>18</a:t>
+              <a:t>15</a:t>
             </a:fld>
             <a:endParaRPr lang="en-US"/>
           </a:p>
@@ -2338,7 +2637,7 @@
     </p:spTree>
     <p:extLst>
       <p:ext uri="{BB962C8B-B14F-4D97-AF65-F5344CB8AC3E}">
-        <p14:creationId xmlns:p14="http://schemas.microsoft.com/office/powerpoint/2010/main" val="944600044"/>
+        <p14:creationId xmlns:p14="http://schemas.microsoft.com/office/powerpoint/2010/main" val="1306802801"/>
       </p:ext>
     </p:extLst>
   </p:cSld>
@@ -2413,7 +2712,7 @@
           <a:p>
             <a:fld id="{4B6ADD09-A426-694F-B3F1-BF5C032C9059}" type="slidenum">
               <a:rPr lang="en-US" smtClean="0"/>
-              <a:t>21</a:t>
+              <a:t>18</a:t>
             </a:fld>
             <a:endParaRPr lang="en-US"/>
           </a:p>
@@ -2422,7 +2721,7 @@
     </p:spTree>
     <p:extLst>
       <p:ext uri="{BB962C8B-B14F-4D97-AF65-F5344CB8AC3E}">
-        <p14:creationId xmlns:p14="http://schemas.microsoft.com/office/powerpoint/2010/main" val="2387320060"/>
+        <p14:creationId xmlns:p14="http://schemas.microsoft.com/office/powerpoint/2010/main" val="944600044"/>
       </p:ext>
     </p:extLst>
   </p:cSld>
@@ -2476,10 +2775,6 @@
           <a:bodyPr/>
           <a:lstStyle/>
           <a:p>
-            <a:r>
-              <a:rPr lang="en-US" dirty="0" smtClean="0"/>
-              <a:t>K-anonymous positive disclosure table and l-diversity sensitive attributes</a:t>
-            </a:r>
             <a:endParaRPr lang="en-US" dirty="0"/>
           </a:p>
         </p:txBody>
@@ -2501,7 +2796,7 @@
           <a:p>
             <a:fld id="{4B6ADD09-A426-694F-B3F1-BF5C032C9059}" type="slidenum">
               <a:rPr lang="en-US" smtClean="0"/>
-              <a:t>23</a:t>
+              <a:t>21</a:t>
             </a:fld>
             <a:endParaRPr lang="en-US"/>
           </a:p>
@@ -2510,7 +2805,7 @@
     </p:spTree>
     <p:extLst>
       <p:ext uri="{BB962C8B-B14F-4D97-AF65-F5344CB8AC3E}">
-        <p14:creationId xmlns:p14="http://schemas.microsoft.com/office/powerpoint/2010/main" val="98091755"/>
+        <p14:creationId xmlns:p14="http://schemas.microsoft.com/office/powerpoint/2010/main" val="2387320060"/>
       </p:ext>
     </p:extLst>
   </p:cSld>
@@ -5599,35 +5894,71 @@
           </a:p>
         </p:txBody>
       </p:sp>
-      <p:pic>
-        <p:nvPicPr>
-          <p:cNvPr id="4" name="Content Placeholder 3" descr="Screen Shot 2017-05-02 at 8.56.09 PM.png"/>
-          <p:cNvPicPr>
-            <a:picLocks noGrp="1" noChangeAspect="1"/>
-          </p:cNvPicPr>
+      <p:sp>
+        <p:nvSpPr>
+          <p:cNvPr id="3" name="Content Placeholder 2"/>
+          <p:cNvSpPr>
+            <a:spLocks noGrp="1"/>
+          </p:cNvSpPr>
           <p:nvPr>
             <p:ph idx="1"/>
           </p:nvPr>
-        </p:nvPicPr>
-        <p:blipFill>
-          <a:blip r:embed="rId2">
-            <a:extLst>
-              <a:ext uri="{28A0092B-C50C-407E-A947-70E740481C1C}">
-                <a14:useLocalDpi xmlns:a14="http://schemas.microsoft.com/office/drawing/2010/main" val="0"/>
-              </a:ext>
-            </a:extLst>
-          </a:blip>
-          <a:srcRect l="4163" r="4163"/>
-          <a:stretch>
-            <a:fillRect/>
-          </a:stretch>
-        </p:blipFill>
-        <p:spPr/>
-      </p:pic>
+        </p:nvSpPr>
+        <p:spPr/>
+        <p:txBody>
+          <a:bodyPr/>
+          <a:lstStyle/>
+          <a:p>
+            <a:r>
+              <a:rPr lang="en-US" dirty="0" smtClean="0"/>
+              <a:t>Each sequence of quasi-identifier values appear </a:t>
+            </a:r>
+            <a:r>
+              <a:rPr lang="en-US" u="sng" dirty="0" smtClean="0"/>
+              <a:t>at least</a:t>
+            </a:r>
+            <a:r>
+              <a:rPr lang="en-US" dirty="0" smtClean="0"/>
+              <a:t> </a:t>
+            </a:r>
+            <a:r>
+              <a:rPr lang="en-US" i="1" dirty="0" smtClean="0"/>
+              <a:t>k</a:t>
+            </a:r>
+            <a:r>
+              <a:rPr lang="en-US" dirty="0" smtClean="0"/>
+              <a:t> times</a:t>
+            </a:r>
+          </a:p>
+          <a:p>
+            <a:r>
+              <a:rPr lang="en-US" dirty="0" smtClean="0"/>
+              <a:t>Cannot link fewer than </a:t>
+            </a:r>
+            <a:r>
+              <a:rPr lang="en-US" i="1" dirty="0" smtClean="0"/>
+              <a:t>k </a:t>
+            </a:r>
+            <a:r>
+              <a:rPr lang="en-US" dirty="0" smtClean="0"/>
+              <a:t>individuals</a:t>
+            </a:r>
+          </a:p>
+          <a:p>
+            <a:r>
+              <a:rPr lang="en-US" dirty="0" smtClean="0"/>
+              <a:t>Protects against matching to known external sources</a:t>
+            </a:r>
+          </a:p>
+          <a:p>
+            <a:endParaRPr lang="en-US" dirty="0"/>
+          </a:p>
+        </p:txBody>
+      </p:sp>
     </p:spTree>
     <p:extLst>
       <p:ext uri="{BB962C8B-B14F-4D97-AF65-F5344CB8AC3E}">
-        <p14:creationId xmlns:p14="http://schemas.microsoft.com/office/powerpoint/2010/main" val="1277469284"/>
+        <p14:creationId xmlns:p14="http://schemas.microsoft.com/office/powerpoint/2010/main" val="3372331829"/>
       </p:ext>
     </p:extLst>
   </p:cSld>
@@ -5677,78 +6008,454 @@
           </a:p>
         </p:txBody>
       </p:sp>
-      <p:sp>
-        <p:nvSpPr>
-          <p:cNvPr id="3" name="Content Placeholder 2"/>
-          <p:cNvSpPr>
-            <a:spLocks noGrp="1"/>
-          </p:cNvSpPr>
+      <p:graphicFrame>
+        <p:nvGraphicFramePr>
+          <p:cNvPr id="6" name="Content Placeholder 5"/>
+          <p:cNvGraphicFramePr>
+            <a:graphicFrameLocks noGrp="1"/>
+          </p:cNvGraphicFramePr>
           <p:nvPr>
             <p:ph idx="1"/>
-          </p:nvPr>
-        </p:nvSpPr>
-        <p:spPr/>
-        <p:txBody>
-          <a:bodyPr/>
-          <a:lstStyle/>
-          <a:p>
-            <a:r>
-              <a:rPr lang="en-US" dirty="0" smtClean="0"/>
-              <a:t>Attacks Against K-Anonymity</a:t>
-            </a:r>
-          </a:p>
-          <a:p>
-            <a:pPr lvl="1"/>
-            <a:r>
-              <a:rPr lang="en-US" dirty="0" smtClean="0"/>
-              <a:t>Unsorted matching</a:t>
-            </a:r>
-          </a:p>
-          <a:p>
-            <a:pPr lvl="2"/>
-            <a:r>
-              <a:rPr lang="en-US" dirty="0" smtClean="0"/>
-              <a:t>Row’s index matches private table’s positions</a:t>
-            </a:r>
-          </a:p>
-          <a:p>
-            <a:pPr lvl="1"/>
-            <a:r>
-              <a:rPr lang="en-US" dirty="0" smtClean="0"/>
-              <a:t>Complementary release</a:t>
-            </a:r>
-          </a:p>
-          <a:p>
-            <a:pPr lvl="2"/>
-            <a:r>
-              <a:rPr lang="en-US" dirty="0" smtClean="0"/>
-              <a:t>Two generalized tables form a linked table</a:t>
-            </a:r>
-          </a:p>
-          <a:p>
-            <a:pPr lvl="1"/>
-            <a:r>
-              <a:rPr lang="en-US" dirty="0" smtClean="0"/>
-              <a:t>Temporal attack</a:t>
-            </a:r>
-          </a:p>
-          <a:p>
-            <a:pPr lvl="2"/>
-            <a:r>
-              <a:rPr lang="en-US" dirty="0" smtClean="0"/>
-              <a:t>New generalized table based on the same data does not consider the original released table</a:t>
-            </a:r>
-          </a:p>
-          <a:p>
-            <a:pPr lvl="1"/>
-            <a:endParaRPr lang="en-US" dirty="0"/>
-          </a:p>
-        </p:txBody>
-      </p:sp>
+            <p:extLst>
+              <p:ext uri="{D42A27DB-BD31-4B8C-83A1-F6EECF244321}">
+                <p14:modId xmlns:p14="http://schemas.microsoft.com/office/powerpoint/2010/main" val="975245735"/>
+              </p:ext>
+            </p:extLst>
+          </p:nvPr>
+        </p:nvGraphicFramePr>
+        <p:xfrm>
+          <a:off x="457200" y="1600200"/>
+          <a:ext cx="8229600" cy="2595880"/>
+        </p:xfrm>
+        <a:graphic>
+          <a:graphicData uri="http://schemas.openxmlformats.org/drawingml/2006/table">
+            <a:tbl>
+              <a:tblPr firstRow="1" bandRow="1">
+                <a:tableStyleId>{5C22544A-7EE6-4342-B048-85BDC9FD1C3A}</a:tableStyleId>
+              </a:tblPr>
+              <a:tblGrid>
+                <a:gridCol w="2057400"/>
+                <a:gridCol w="2057400"/>
+                <a:gridCol w="2057400"/>
+                <a:gridCol w="2057400"/>
+              </a:tblGrid>
+              <a:tr h="370840">
+                <a:tc>
+                  <a:txBody>
+                    <a:bodyPr/>
+                    <a:lstStyle/>
+                    <a:p>
+                      <a:r>
+                        <a:rPr lang="en-US" dirty="0" smtClean="0"/>
+                        <a:t>Birth</a:t>
+                      </a:r>
+                      <a:endParaRPr lang="en-US" dirty="0"/>
+                    </a:p>
+                  </a:txBody>
+                  <a:tcPr/>
+                </a:tc>
+                <a:tc>
+                  <a:txBody>
+                    <a:bodyPr/>
+                    <a:lstStyle/>
+                    <a:p>
+                      <a:r>
+                        <a:rPr lang="en-US" dirty="0" smtClean="0"/>
+                        <a:t>Gender</a:t>
+                      </a:r>
+                      <a:endParaRPr lang="en-US" dirty="0"/>
+                    </a:p>
+                  </a:txBody>
+                  <a:tcPr/>
+                </a:tc>
+                <a:tc>
+                  <a:txBody>
+                    <a:bodyPr/>
+                    <a:lstStyle/>
+                    <a:p>
+                      <a:r>
+                        <a:rPr lang="en-US" dirty="0" smtClean="0"/>
+                        <a:t>Zip</a:t>
+                      </a:r>
+                      <a:endParaRPr lang="en-US" dirty="0"/>
+                    </a:p>
+                  </a:txBody>
+                  <a:tcPr/>
+                </a:tc>
+                <a:tc>
+                  <a:txBody>
+                    <a:bodyPr/>
+                    <a:lstStyle/>
+                    <a:p>
+                      <a:r>
+                        <a:rPr lang="en-US" dirty="0" smtClean="0"/>
+                        <a:t>Problem</a:t>
+                      </a:r>
+                      <a:endParaRPr lang="en-US" dirty="0"/>
+                    </a:p>
+                  </a:txBody>
+                  <a:tcPr/>
+                </a:tc>
+              </a:tr>
+              <a:tr h="370840">
+                <a:tc>
+                  <a:txBody>
+                    <a:bodyPr/>
+                    <a:lstStyle/>
+                    <a:p>
+                      <a:r>
+                        <a:rPr lang="en-US" dirty="0" smtClean="0"/>
+                        <a:t>1965</a:t>
+                      </a:r>
+                      <a:endParaRPr lang="en-US" dirty="0"/>
+                    </a:p>
+                  </a:txBody>
+                  <a:tcPr/>
+                </a:tc>
+                <a:tc>
+                  <a:txBody>
+                    <a:bodyPr/>
+                    <a:lstStyle/>
+                    <a:p>
+                      <a:r>
+                        <a:rPr lang="en-US" dirty="0" smtClean="0"/>
+                        <a:t>M</a:t>
+                      </a:r>
+                      <a:endParaRPr lang="en-US" dirty="0"/>
+                    </a:p>
+                  </a:txBody>
+                  <a:tcPr/>
+                </a:tc>
+                <a:tc>
+                  <a:txBody>
+                    <a:bodyPr/>
+                    <a:lstStyle/>
+                    <a:p>
+                      <a:r>
+                        <a:rPr lang="en-US" dirty="0" smtClean="0"/>
+                        <a:t>0214*</a:t>
+                      </a:r>
+                      <a:endParaRPr lang="en-US" dirty="0"/>
+                    </a:p>
+                  </a:txBody>
+                  <a:tcPr/>
+                </a:tc>
+                <a:tc>
+                  <a:txBody>
+                    <a:bodyPr/>
+                    <a:lstStyle/>
+                    <a:p>
+                      <a:r>
+                        <a:rPr lang="en-US" dirty="0" smtClean="0"/>
+                        <a:t>Short breath</a:t>
+                      </a:r>
+                      <a:endParaRPr lang="en-US" dirty="0"/>
+                    </a:p>
+                  </a:txBody>
+                  <a:tcPr/>
+                </a:tc>
+              </a:tr>
+              <a:tr h="370840">
+                <a:tc>
+                  <a:txBody>
+                    <a:bodyPr/>
+                    <a:lstStyle/>
+                    <a:p>
+                      <a:r>
+                        <a:rPr lang="en-US" dirty="0" smtClean="0"/>
+                        <a:t>1965</a:t>
+                      </a:r>
+                      <a:endParaRPr lang="en-US" dirty="0"/>
+                    </a:p>
+                  </a:txBody>
+                  <a:tcPr/>
+                </a:tc>
+                <a:tc>
+                  <a:txBody>
+                    <a:bodyPr/>
+                    <a:lstStyle/>
+                    <a:p>
+                      <a:r>
+                        <a:rPr lang="en-US" dirty="0" smtClean="0"/>
+                        <a:t>M</a:t>
+                      </a:r>
+                      <a:endParaRPr lang="en-US" dirty="0"/>
+                    </a:p>
+                  </a:txBody>
+                  <a:tcPr/>
+                </a:tc>
+                <a:tc>
+                  <a:txBody>
+                    <a:bodyPr/>
+                    <a:lstStyle/>
+                    <a:p>
+                      <a:r>
+                        <a:rPr lang="en-US" dirty="0" smtClean="0"/>
+                        <a:t>0214*</a:t>
+                      </a:r>
+                      <a:endParaRPr lang="en-US" dirty="0"/>
+                    </a:p>
+                  </a:txBody>
+                  <a:tcPr/>
+                </a:tc>
+                <a:tc>
+                  <a:txBody>
+                    <a:bodyPr/>
+                    <a:lstStyle/>
+                    <a:p>
+                      <a:r>
+                        <a:rPr lang="en-US" dirty="0" smtClean="0"/>
+                        <a:t>Chest</a:t>
+                      </a:r>
+                      <a:r>
+                        <a:rPr lang="en-US" baseline="0" dirty="0" smtClean="0"/>
+                        <a:t> Pain</a:t>
+                      </a:r>
+                      <a:endParaRPr lang="en-US" dirty="0"/>
+                    </a:p>
+                  </a:txBody>
+                  <a:tcPr/>
+                </a:tc>
+              </a:tr>
+              <a:tr h="370840">
+                <a:tc>
+                  <a:txBody>
+                    <a:bodyPr/>
+                    <a:lstStyle/>
+                    <a:p>
+                      <a:r>
+                        <a:rPr lang="en-US" dirty="0" smtClean="0"/>
+                        <a:t>1964</a:t>
+                      </a:r>
+                      <a:endParaRPr lang="en-US" dirty="0"/>
+                    </a:p>
+                  </a:txBody>
+                  <a:tcPr/>
+                </a:tc>
+                <a:tc>
+                  <a:txBody>
+                    <a:bodyPr/>
+                    <a:lstStyle/>
+                    <a:p>
+                      <a:r>
+                        <a:rPr lang="en-US" dirty="0" smtClean="0"/>
+                        <a:t>F</a:t>
+                      </a:r>
+                      <a:endParaRPr lang="en-US" dirty="0"/>
+                    </a:p>
+                  </a:txBody>
+                  <a:tcPr/>
+                </a:tc>
+                <a:tc>
+                  <a:txBody>
+                    <a:bodyPr/>
+                    <a:lstStyle/>
+                    <a:p>
+                      <a:r>
+                        <a:rPr lang="en-US" dirty="0" smtClean="0"/>
+                        <a:t>0213*</a:t>
+                      </a:r>
+                      <a:endParaRPr lang="en-US" dirty="0"/>
+                    </a:p>
+                  </a:txBody>
+                  <a:tcPr/>
+                </a:tc>
+                <a:tc>
+                  <a:txBody>
+                    <a:bodyPr/>
+                    <a:lstStyle/>
+                    <a:p>
+                      <a:r>
+                        <a:rPr lang="en-US" dirty="0" smtClean="0"/>
+                        <a:t>Hypertension</a:t>
+                      </a:r>
+                    </a:p>
+                  </a:txBody>
+                  <a:tcPr/>
+                </a:tc>
+              </a:tr>
+              <a:tr h="370840">
+                <a:tc>
+                  <a:txBody>
+                    <a:bodyPr/>
+                    <a:lstStyle/>
+                    <a:p>
+                      <a:r>
+                        <a:rPr lang="en-US" dirty="0" smtClean="0"/>
+                        <a:t>1964</a:t>
+                      </a:r>
+                      <a:endParaRPr lang="en-US" dirty="0"/>
+                    </a:p>
+                  </a:txBody>
+                  <a:tcPr/>
+                </a:tc>
+                <a:tc>
+                  <a:txBody>
+                    <a:bodyPr/>
+                    <a:lstStyle/>
+                    <a:p>
+                      <a:r>
+                        <a:rPr lang="en-US" dirty="0" smtClean="0"/>
+                        <a:t>F</a:t>
+                      </a:r>
+                      <a:endParaRPr lang="en-US" dirty="0"/>
+                    </a:p>
+                  </a:txBody>
+                  <a:tcPr/>
+                </a:tc>
+                <a:tc>
+                  <a:txBody>
+                    <a:bodyPr/>
+                    <a:lstStyle/>
+                    <a:p>
+                      <a:r>
+                        <a:rPr lang="en-US" dirty="0" smtClean="0"/>
+                        <a:t>0213*</a:t>
+                      </a:r>
+                      <a:endParaRPr lang="en-US" dirty="0"/>
+                    </a:p>
+                  </a:txBody>
+                  <a:tcPr/>
+                </a:tc>
+                <a:tc>
+                  <a:txBody>
+                    <a:bodyPr/>
+                    <a:lstStyle/>
+                    <a:p>
+                      <a:r>
+                        <a:rPr lang="en-US" dirty="0" smtClean="0"/>
+                        <a:t>Hypertension</a:t>
+                      </a:r>
+                      <a:endParaRPr lang="en-US" dirty="0"/>
+                    </a:p>
+                  </a:txBody>
+                  <a:tcPr/>
+                </a:tc>
+              </a:tr>
+              <a:tr h="370840">
+                <a:tc>
+                  <a:txBody>
+                    <a:bodyPr/>
+                    <a:lstStyle/>
+                    <a:p>
+                      <a:r>
+                        <a:rPr lang="en-US" dirty="0" smtClean="0"/>
+                        <a:t>1967</a:t>
+                      </a:r>
+                      <a:endParaRPr lang="en-US" dirty="0"/>
+                    </a:p>
+                  </a:txBody>
+                  <a:tcPr/>
+                </a:tc>
+                <a:tc>
+                  <a:txBody>
+                    <a:bodyPr/>
+                    <a:lstStyle/>
+                    <a:p>
+                      <a:r>
+                        <a:rPr lang="en-US" dirty="0" smtClean="0"/>
+                        <a:t>M</a:t>
+                      </a:r>
+                      <a:endParaRPr lang="en-US" dirty="0"/>
+                    </a:p>
+                  </a:txBody>
+                  <a:tcPr/>
+                </a:tc>
+                <a:tc>
+                  <a:txBody>
+                    <a:bodyPr/>
+                    <a:lstStyle/>
+                    <a:p>
+                      <a:r>
+                        <a:rPr lang="en-US" dirty="0" smtClean="0"/>
+                        <a:t>0213*</a:t>
+                      </a:r>
+                      <a:endParaRPr lang="en-US" dirty="0"/>
+                    </a:p>
+                  </a:txBody>
+                  <a:tcPr/>
+                </a:tc>
+                <a:tc>
+                  <a:txBody>
+                    <a:bodyPr/>
+                    <a:lstStyle/>
+                    <a:p>
+                      <a:r>
+                        <a:rPr lang="en-US" dirty="0" smtClean="0"/>
+                        <a:t>Chest Pain</a:t>
+                      </a:r>
+                      <a:endParaRPr lang="en-US" dirty="0"/>
+                    </a:p>
+                  </a:txBody>
+                  <a:tcPr/>
+                </a:tc>
+              </a:tr>
+              <a:tr h="370840">
+                <a:tc>
+                  <a:txBody>
+                    <a:bodyPr/>
+                    <a:lstStyle/>
+                    <a:p>
+                      <a:r>
+                        <a:rPr lang="en-US" dirty="0" smtClean="0"/>
+                        <a:t>1967</a:t>
+                      </a:r>
+                      <a:endParaRPr lang="en-US" dirty="0"/>
+                    </a:p>
+                  </a:txBody>
+                  <a:tcPr/>
+                </a:tc>
+                <a:tc>
+                  <a:txBody>
+                    <a:bodyPr/>
+                    <a:lstStyle/>
+                    <a:p>
+                      <a:r>
+                        <a:rPr lang="en-US" dirty="0" smtClean="0"/>
+                        <a:t>M</a:t>
+                      </a:r>
+                      <a:endParaRPr lang="en-US" dirty="0"/>
+                    </a:p>
+                  </a:txBody>
+                  <a:tcPr/>
+                </a:tc>
+                <a:tc>
+                  <a:txBody>
+                    <a:bodyPr/>
+                    <a:lstStyle/>
+                    <a:p>
+                      <a:r>
+                        <a:rPr lang="en-US" dirty="0" smtClean="0"/>
+                        <a:t>0213*</a:t>
+                      </a:r>
+                      <a:endParaRPr lang="en-US" dirty="0"/>
+                    </a:p>
+                  </a:txBody>
+                  <a:tcPr/>
+                </a:tc>
+                <a:tc>
+                  <a:txBody>
+                    <a:bodyPr/>
+                    <a:lstStyle/>
+                    <a:p>
+                      <a:r>
+                        <a:rPr lang="en-US" dirty="0" smtClean="0"/>
+                        <a:t>Chest Pain</a:t>
+                      </a:r>
+                      <a:endParaRPr lang="en-US" dirty="0"/>
+                    </a:p>
+                  </a:txBody>
+                  <a:tcPr/>
+                </a:tc>
+              </a:tr>
+            </a:tbl>
+          </a:graphicData>
+        </a:graphic>
+      </p:graphicFrame>
     </p:spTree>
     <p:extLst>
       <p:ext uri="{BB962C8B-B14F-4D97-AF65-F5344CB8AC3E}">
-        <p14:creationId xmlns:p14="http://schemas.microsoft.com/office/powerpoint/2010/main" val="2846033167"/>
+        <p14:creationId xmlns:p14="http://schemas.microsoft.com/office/powerpoint/2010/main" val="1277469284"/>
       </p:ext>
     </p:extLst>
   </p:cSld>
@@ -5792,41 +6499,84 @@
           <a:p>
             <a:r>
               <a:rPr lang="en-US" dirty="0" smtClean="0"/>
-              <a:t>Example of a Temporal Attack</a:t>
+              <a:t>K-Anonymity</a:t>
             </a:r>
             <a:endParaRPr lang="en-US" dirty="0"/>
           </a:p>
         </p:txBody>
       </p:sp>
-      <p:pic>
-        <p:nvPicPr>
-          <p:cNvPr id="4" name="Content Placeholder 3" descr="Screen Shot 2017-05-02 at 9.13.22 PM.png"/>
-          <p:cNvPicPr>
-            <a:picLocks noGrp="1" noChangeAspect="1"/>
-          </p:cNvPicPr>
+      <p:sp>
+        <p:nvSpPr>
+          <p:cNvPr id="3" name="Content Placeholder 2"/>
+          <p:cNvSpPr>
+            <a:spLocks noGrp="1"/>
+          </p:cNvSpPr>
           <p:nvPr>
             <p:ph idx="1"/>
           </p:nvPr>
-        </p:nvPicPr>
-        <p:blipFill>
-          <a:blip r:embed="rId3">
-            <a:extLst>
-              <a:ext uri="{28A0092B-C50C-407E-A947-70E740481C1C}">
-                <a14:useLocalDpi xmlns:a14="http://schemas.microsoft.com/office/drawing/2010/main" val="0"/>
-              </a:ext>
-            </a:extLst>
-          </a:blip>
-          <a:srcRect l="11160" r="11160"/>
-          <a:stretch>
-            <a:fillRect/>
-          </a:stretch>
-        </p:blipFill>
-        <p:spPr/>
-      </p:pic>
+        </p:nvSpPr>
+        <p:spPr/>
+        <p:txBody>
+          <a:bodyPr/>
+          <a:lstStyle/>
+          <a:p>
+            <a:r>
+              <a:rPr lang="en-US" dirty="0" smtClean="0"/>
+              <a:t>Attacks Against K-Anonymity</a:t>
+            </a:r>
+          </a:p>
+          <a:p>
+            <a:pPr lvl="1"/>
+            <a:r>
+              <a:rPr lang="en-US" dirty="0" smtClean="0"/>
+              <a:t>Unsorted matching</a:t>
+            </a:r>
+          </a:p>
+          <a:p>
+            <a:pPr lvl="2"/>
+            <a:r>
+              <a:rPr lang="en-US" dirty="0" smtClean="0"/>
+              <a:t>Row’s index matches private table’s positions</a:t>
+            </a:r>
+          </a:p>
+          <a:p>
+            <a:pPr lvl="1"/>
+            <a:r>
+              <a:rPr lang="en-US" dirty="0" smtClean="0"/>
+              <a:t>Complementary release</a:t>
+            </a:r>
+          </a:p>
+          <a:p>
+            <a:pPr lvl="2"/>
+            <a:r>
+              <a:rPr lang="en-US" dirty="0" smtClean="0"/>
+              <a:t>Two generalized tables form a linked table</a:t>
+            </a:r>
+          </a:p>
+          <a:p>
+            <a:pPr lvl="1"/>
+            <a:r>
+              <a:rPr lang="en-US" dirty="0" smtClean="0"/>
+              <a:t>Temporal attack</a:t>
+            </a:r>
+          </a:p>
+          <a:p>
+            <a:pPr lvl="2"/>
+            <a:r>
+              <a:rPr lang="en-US" dirty="0" smtClean="0"/>
+              <a:t>New generalized table based on the same data does not consider the original released table</a:t>
+            </a:r>
+          </a:p>
+          <a:p>
+            <a:pPr lvl="1"/>
+            <a:endParaRPr lang="en-US" dirty="0"/>
+          </a:p>
+        </p:txBody>
+      </p:sp>
     </p:spTree>
     <p:extLst>
       <p:ext uri="{BB962C8B-B14F-4D97-AF65-F5344CB8AC3E}">
-        <p14:creationId xmlns:p14="http://schemas.microsoft.com/office/powerpoint/2010/main" val="951731632"/>
+        <p14:creationId xmlns:p14="http://schemas.microsoft.com/office/powerpoint/2010/main" val="2846033167"/>
       </p:ext>
     </p:extLst>
   </p:cSld>
@@ -5870,83 +6620,41 @@
           <a:p>
             <a:r>
               <a:rPr lang="en-US" dirty="0" smtClean="0"/>
-              <a:t>L-Diversity</a:t>
+              <a:t>Example of a Temporal Attack</a:t>
             </a:r>
             <a:endParaRPr lang="en-US" dirty="0"/>
           </a:p>
         </p:txBody>
       </p:sp>
-      <p:sp>
-        <p:nvSpPr>
-          <p:cNvPr id="3" name="Content Placeholder 2"/>
-          <p:cNvSpPr>
-            <a:spLocks noGrp="1"/>
-          </p:cNvSpPr>
+      <p:pic>
+        <p:nvPicPr>
+          <p:cNvPr id="4" name="Content Placeholder 3" descr="Screen Shot 2017-05-02 at 9.13.22 PM.png"/>
+          <p:cNvPicPr>
+            <a:picLocks noGrp="1" noChangeAspect="1"/>
+          </p:cNvPicPr>
           <p:nvPr>
             <p:ph idx="1"/>
           </p:nvPr>
-        </p:nvSpPr>
-        <p:spPr/>
-        <p:txBody>
-          <a:bodyPr/>
-          <a:lstStyle/>
-          <a:p>
-            <a:r>
-              <a:rPr lang="en-US" dirty="0" err="1" smtClean="0"/>
-              <a:t>Ashwin</a:t>
-            </a:r>
-            <a:r>
-              <a:rPr lang="en-US" dirty="0" smtClean="0"/>
-              <a:t> </a:t>
-            </a:r>
-            <a:r>
-              <a:rPr lang="en-US" dirty="0" err="1" smtClean="0"/>
-              <a:t>Machanavajjhala</a:t>
-            </a:r>
-            <a:r>
-              <a:rPr lang="en-US" dirty="0" smtClean="0"/>
-              <a:t> et al. </a:t>
-            </a:r>
-            <a:endParaRPr lang="en-US" dirty="0"/>
-          </a:p>
-          <a:p>
-            <a:r>
-              <a:rPr lang="en-US" dirty="0" smtClean="0"/>
-              <a:t>Enhancement of k-anonymity</a:t>
-            </a:r>
-          </a:p>
-          <a:p>
-            <a:r>
-              <a:rPr lang="en-US" dirty="0" smtClean="0"/>
-              <a:t>Presents 2 attacks</a:t>
-            </a:r>
-          </a:p>
-          <a:p>
-            <a:pPr lvl="1"/>
-            <a:r>
-              <a:rPr lang="en-US" dirty="0" smtClean="0"/>
-              <a:t>Homogeneity</a:t>
-            </a:r>
-          </a:p>
-          <a:p>
-            <a:pPr lvl="1"/>
-            <a:r>
-              <a:rPr lang="en-US" dirty="0" smtClean="0"/>
-              <a:t>Background information</a:t>
-            </a:r>
-          </a:p>
-          <a:p>
-            <a:pPr marL="0" indent="0">
-              <a:buNone/>
-            </a:pPr>
-            <a:endParaRPr lang="en-US" dirty="0"/>
-          </a:p>
-        </p:txBody>
-      </p:sp>
+        </p:nvPicPr>
+        <p:blipFill>
+          <a:blip r:embed="rId3">
+            <a:extLst>
+              <a:ext uri="{28A0092B-C50C-407E-A947-70E740481C1C}">
+                <a14:useLocalDpi xmlns:a14="http://schemas.microsoft.com/office/drawing/2010/main" val="0"/>
+              </a:ext>
+            </a:extLst>
+          </a:blip>
+          <a:srcRect t="-14366" b="-14366"/>
+          <a:stretch>
+            <a:fillRect/>
+          </a:stretch>
+        </p:blipFill>
+        <p:spPr/>
+      </p:pic>
     </p:spTree>
     <p:extLst>
       <p:ext uri="{BB962C8B-B14F-4D97-AF65-F5344CB8AC3E}">
-        <p14:creationId xmlns:p14="http://schemas.microsoft.com/office/powerpoint/2010/main" val="3636449696"/>
+        <p14:creationId xmlns:p14="http://schemas.microsoft.com/office/powerpoint/2010/main" val="951731632"/>
       </p:ext>
     </p:extLst>
   </p:cSld>
@@ -6012,6 +6720,46 @@
           <a:lstStyle/>
           <a:p>
             <a:r>
+              <a:rPr lang="en-US" dirty="0" err="1" smtClean="0"/>
+              <a:t>Ashwin</a:t>
+            </a:r>
+            <a:r>
+              <a:rPr lang="en-US" dirty="0" smtClean="0"/>
+              <a:t> </a:t>
+            </a:r>
+            <a:r>
+              <a:rPr lang="en-US" dirty="0" err="1" smtClean="0"/>
+              <a:t>Machanavajjhala</a:t>
+            </a:r>
+            <a:r>
+              <a:rPr lang="en-US" dirty="0" smtClean="0"/>
+              <a:t> et al. </a:t>
+            </a:r>
+            <a:endParaRPr lang="en-US" dirty="0"/>
+          </a:p>
+          <a:p>
+            <a:r>
+              <a:rPr lang="en-US" dirty="0" smtClean="0"/>
+              <a:t>Enhancement of K-</a:t>
+            </a:r>
+            <a:r>
+              <a:rPr lang="en-US" dirty="0"/>
+              <a:t>A</a:t>
+            </a:r>
+            <a:r>
+              <a:rPr lang="en-US" dirty="0" smtClean="0"/>
+              <a:t>nonymity</a:t>
+            </a:r>
+          </a:p>
+          <a:p>
+            <a:r>
+              <a:rPr lang="en-US" dirty="0" smtClean="0"/>
+              <a:t>Presents 2 attacks</a:t>
+            </a:r>
+          </a:p>
+          <a:p>
+            <a:pPr lvl="1"/>
+            <a:r>
               <a:rPr lang="en-US" dirty="0" smtClean="0"/>
               <a:t>Homogeneity</a:t>
             </a:r>
@@ -6020,21 +6768,13 @@
             <a:pPr lvl="1"/>
             <a:r>
               <a:rPr lang="en-US" dirty="0" smtClean="0"/>
-              <a:t>Sensitive attributes can be derived when data is not diverse enough</a:t>
-            </a:r>
-          </a:p>
-          <a:p>
-            <a:r>
-              <a:rPr lang="en-US" dirty="0" smtClean="0"/>
-              <a:t>Background Information</a:t>
-            </a:r>
-          </a:p>
-          <a:p>
-            <a:pPr lvl="1"/>
-            <a:r>
-              <a:rPr lang="en-US" dirty="0" smtClean="0"/>
-              <a:t>Attack may have some level of background information to infer sensitive attributes</a:t>
-            </a:r>
+              <a:t>Background information</a:t>
+            </a:r>
+          </a:p>
+          <a:p>
+            <a:pPr marL="0" indent="0">
+              <a:buNone/>
+            </a:pPr>
             <a:endParaRPr lang="en-US" dirty="0"/>
           </a:p>
         </p:txBody>
@@ -6042,7 +6782,7 @@
     </p:spTree>
     <p:extLst>
       <p:ext uri="{BB962C8B-B14F-4D97-AF65-F5344CB8AC3E}">
-        <p14:creationId xmlns:p14="http://schemas.microsoft.com/office/powerpoint/2010/main" val="589891373"/>
+        <p14:creationId xmlns:p14="http://schemas.microsoft.com/office/powerpoint/2010/main" val="3636449696"/>
       </p:ext>
     </p:extLst>
   </p:cSld>
@@ -6086,7 +6826,7 @@
           <a:p>
             <a:r>
               <a:rPr lang="en-US" dirty="0" smtClean="0"/>
-              <a:t>Homogeneity Attack</a:t>
+              <a:t>L-Diversity</a:t>
             </a:r>
             <a:endParaRPr lang="en-US" dirty="0"/>
           </a:p>
@@ -6107,6 +6847,30 @@
           <a:bodyPr/>
           <a:lstStyle/>
           <a:p>
+            <a:r>
+              <a:rPr lang="en-US" dirty="0" smtClean="0"/>
+              <a:t>Homogeneity</a:t>
+            </a:r>
+          </a:p>
+          <a:p>
+            <a:pPr lvl="1"/>
+            <a:r>
+              <a:rPr lang="en-US" dirty="0" smtClean="0"/>
+              <a:t>Sensitive attributes can be derived when data is not diverse enough</a:t>
+            </a:r>
+          </a:p>
+          <a:p>
+            <a:r>
+              <a:rPr lang="en-US" dirty="0" smtClean="0"/>
+              <a:t>Background Information</a:t>
+            </a:r>
+          </a:p>
+          <a:p>
+            <a:pPr lvl="1"/>
+            <a:r>
+              <a:rPr lang="en-US" dirty="0" smtClean="0"/>
+              <a:t>Attack may have some level of background information to infer sensitive attributes</a:t>
+            </a:r>
             <a:endParaRPr lang="en-US" dirty="0"/>
           </a:p>
         </p:txBody>
@@ -6114,7 +6878,7 @@
     </p:spTree>
     <p:extLst>
       <p:ext uri="{BB962C8B-B14F-4D97-AF65-F5344CB8AC3E}">
-        <p14:creationId xmlns:p14="http://schemas.microsoft.com/office/powerpoint/2010/main" val="3059298020"/>
+        <p14:creationId xmlns:p14="http://schemas.microsoft.com/office/powerpoint/2010/main" val="589891373"/>
       </p:ext>
     </p:extLst>
   </p:cSld>
@@ -6153,40 +6917,495 @@
         </p:nvSpPr>
         <p:spPr/>
         <p:txBody>
-          <a:bodyPr/>
-          <a:lstStyle/>
-          <a:p>
-            <a:r>
-              <a:rPr lang="en-US" dirty="0" smtClean="0"/>
-              <a:t>Background Information Attack</a:t>
+          <a:bodyPr>
+            <a:normAutofit/>
+          </a:bodyPr>
+          <a:lstStyle/>
+          <a:p>
+            <a:r>
+              <a:rPr lang="en-US" dirty="0" smtClean="0"/>
+              <a:t>Example</a:t>
             </a:r>
             <a:endParaRPr lang="en-US" dirty="0"/>
           </a:p>
         </p:txBody>
       </p:sp>
-      <p:sp>
-        <p:nvSpPr>
-          <p:cNvPr id="3" name="Content Placeholder 2"/>
-          <p:cNvSpPr>
-            <a:spLocks noGrp="1"/>
-          </p:cNvSpPr>
+      <p:graphicFrame>
+        <p:nvGraphicFramePr>
+          <p:cNvPr id="8" name="Content Placeholder 7"/>
+          <p:cNvGraphicFramePr>
+            <a:graphicFrameLocks noGrp="1"/>
+          </p:cNvGraphicFramePr>
           <p:nvPr>
             <p:ph idx="1"/>
-          </p:nvPr>
-        </p:nvSpPr>
-        <p:spPr/>
-        <p:txBody>
-          <a:bodyPr/>
-          <a:lstStyle/>
-          <a:p>
-            <a:endParaRPr lang="en-US"/>
-          </a:p>
-        </p:txBody>
-      </p:sp>
+            <p:extLst>
+              <p:ext uri="{D42A27DB-BD31-4B8C-83A1-F6EECF244321}">
+                <p14:modId xmlns:p14="http://schemas.microsoft.com/office/powerpoint/2010/main" val="3065045341"/>
+              </p:ext>
+            </p:extLst>
+          </p:nvPr>
+        </p:nvGraphicFramePr>
+        <p:xfrm>
+          <a:off x="457200" y="1600200"/>
+          <a:ext cx="8229600" cy="2595880"/>
+        </p:xfrm>
+        <a:graphic>
+          <a:graphicData uri="http://schemas.openxmlformats.org/drawingml/2006/table">
+            <a:tbl>
+              <a:tblPr firstRow="1" bandRow="1">
+                <a:tableStyleId>{5C22544A-7EE6-4342-B048-85BDC9FD1C3A}</a:tableStyleId>
+              </a:tblPr>
+              <a:tblGrid>
+                <a:gridCol w="2057400"/>
+                <a:gridCol w="2057400"/>
+                <a:gridCol w="2057400"/>
+                <a:gridCol w="2057400"/>
+              </a:tblGrid>
+              <a:tr h="370840">
+                <a:tc>
+                  <a:txBody>
+                    <a:bodyPr/>
+                    <a:lstStyle/>
+                    <a:p>
+                      <a:r>
+                        <a:rPr lang="en-US" dirty="0" smtClean="0"/>
+                        <a:t>Birth</a:t>
+                      </a:r>
+                      <a:endParaRPr lang="en-US" dirty="0"/>
+                    </a:p>
+                  </a:txBody>
+                  <a:tcPr/>
+                </a:tc>
+                <a:tc>
+                  <a:txBody>
+                    <a:bodyPr/>
+                    <a:lstStyle/>
+                    <a:p>
+                      <a:r>
+                        <a:rPr lang="en-US" dirty="0" smtClean="0"/>
+                        <a:t>Gender</a:t>
+                      </a:r>
+                      <a:endParaRPr lang="en-US" dirty="0"/>
+                    </a:p>
+                  </a:txBody>
+                  <a:tcPr/>
+                </a:tc>
+                <a:tc>
+                  <a:txBody>
+                    <a:bodyPr/>
+                    <a:lstStyle/>
+                    <a:p>
+                      <a:r>
+                        <a:rPr lang="en-US" dirty="0" smtClean="0"/>
+                        <a:t>Zip</a:t>
+                      </a:r>
+                      <a:endParaRPr lang="en-US" dirty="0"/>
+                    </a:p>
+                  </a:txBody>
+                  <a:tcPr/>
+                </a:tc>
+                <a:tc>
+                  <a:txBody>
+                    <a:bodyPr/>
+                    <a:lstStyle/>
+                    <a:p>
+                      <a:r>
+                        <a:rPr lang="en-US" dirty="0" smtClean="0"/>
+                        <a:t>Problem</a:t>
+                      </a:r>
+                      <a:endParaRPr lang="en-US" dirty="0"/>
+                    </a:p>
+                  </a:txBody>
+                  <a:tcPr/>
+                </a:tc>
+              </a:tr>
+              <a:tr h="370840">
+                <a:tc>
+                  <a:txBody>
+                    <a:bodyPr/>
+                    <a:lstStyle/>
+                    <a:p>
+                      <a:r>
+                        <a:rPr lang="en-US" dirty="0" smtClean="0"/>
+                        <a:t>1965</a:t>
+                      </a:r>
+                      <a:endParaRPr lang="en-US" dirty="0"/>
+                    </a:p>
+                  </a:txBody>
+                  <a:tcPr/>
+                </a:tc>
+                <a:tc>
+                  <a:txBody>
+                    <a:bodyPr/>
+                    <a:lstStyle/>
+                    <a:p>
+                      <a:r>
+                        <a:rPr lang="en-US" dirty="0" smtClean="0"/>
+                        <a:t>M</a:t>
+                      </a:r>
+                      <a:endParaRPr lang="en-US" dirty="0"/>
+                    </a:p>
+                  </a:txBody>
+                  <a:tcPr/>
+                </a:tc>
+                <a:tc>
+                  <a:txBody>
+                    <a:bodyPr/>
+                    <a:lstStyle/>
+                    <a:p>
+                      <a:r>
+                        <a:rPr lang="en-US" dirty="0" smtClean="0"/>
+                        <a:t>0214*</a:t>
+                      </a:r>
+                      <a:endParaRPr lang="en-US" dirty="0"/>
+                    </a:p>
+                  </a:txBody>
+                  <a:tcPr/>
+                </a:tc>
+                <a:tc>
+                  <a:txBody>
+                    <a:bodyPr/>
+                    <a:lstStyle/>
+                    <a:p>
+                      <a:r>
+                        <a:rPr lang="en-US" dirty="0" smtClean="0"/>
+                        <a:t>Short breath</a:t>
+                      </a:r>
+                      <a:endParaRPr lang="en-US" dirty="0"/>
+                    </a:p>
+                  </a:txBody>
+                  <a:tcPr/>
+                </a:tc>
+              </a:tr>
+              <a:tr h="370840">
+                <a:tc>
+                  <a:txBody>
+                    <a:bodyPr/>
+                    <a:lstStyle/>
+                    <a:p>
+                      <a:r>
+                        <a:rPr lang="en-US" dirty="0" smtClean="0"/>
+                        <a:t>1965</a:t>
+                      </a:r>
+                      <a:endParaRPr lang="en-US" dirty="0"/>
+                    </a:p>
+                  </a:txBody>
+                  <a:tcPr/>
+                </a:tc>
+                <a:tc>
+                  <a:txBody>
+                    <a:bodyPr/>
+                    <a:lstStyle/>
+                    <a:p>
+                      <a:r>
+                        <a:rPr lang="en-US" dirty="0" smtClean="0"/>
+                        <a:t>M</a:t>
+                      </a:r>
+                      <a:endParaRPr lang="en-US" dirty="0"/>
+                    </a:p>
+                  </a:txBody>
+                  <a:tcPr/>
+                </a:tc>
+                <a:tc>
+                  <a:txBody>
+                    <a:bodyPr/>
+                    <a:lstStyle/>
+                    <a:p>
+                      <a:r>
+                        <a:rPr lang="en-US" dirty="0" smtClean="0"/>
+                        <a:t>0214*</a:t>
+                      </a:r>
+                      <a:endParaRPr lang="en-US" dirty="0"/>
+                    </a:p>
+                  </a:txBody>
+                  <a:tcPr/>
+                </a:tc>
+                <a:tc>
+                  <a:txBody>
+                    <a:bodyPr/>
+                    <a:lstStyle/>
+                    <a:p>
+                      <a:r>
+                        <a:rPr lang="en-US" dirty="0" smtClean="0"/>
+                        <a:t>Chest</a:t>
+                      </a:r>
+                      <a:r>
+                        <a:rPr lang="en-US" baseline="0" dirty="0" smtClean="0"/>
+                        <a:t> Pain</a:t>
+                      </a:r>
+                      <a:endParaRPr lang="en-US" dirty="0"/>
+                    </a:p>
+                  </a:txBody>
+                  <a:tcPr/>
+                </a:tc>
+              </a:tr>
+              <a:tr h="370840">
+                <a:tc>
+                  <a:txBody>
+                    <a:bodyPr/>
+                    <a:lstStyle/>
+                    <a:p>
+                      <a:r>
+                        <a:rPr lang="en-US" dirty="0" smtClean="0"/>
+                        <a:t>1964</a:t>
+                      </a:r>
+                      <a:endParaRPr lang="en-US" dirty="0"/>
+                    </a:p>
+                  </a:txBody>
+                  <a:tcPr/>
+                </a:tc>
+                <a:tc>
+                  <a:txBody>
+                    <a:bodyPr/>
+                    <a:lstStyle/>
+                    <a:p>
+                      <a:r>
+                        <a:rPr lang="en-US" dirty="0" smtClean="0"/>
+                        <a:t>F</a:t>
+                      </a:r>
+                      <a:endParaRPr lang="en-US" dirty="0"/>
+                    </a:p>
+                  </a:txBody>
+                  <a:tcPr/>
+                </a:tc>
+                <a:tc>
+                  <a:txBody>
+                    <a:bodyPr/>
+                    <a:lstStyle/>
+                    <a:p>
+                      <a:r>
+                        <a:rPr lang="en-US" dirty="0" smtClean="0"/>
+                        <a:t>0213*</a:t>
+                      </a:r>
+                      <a:endParaRPr lang="en-US" dirty="0"/>
+                    </a:p>
+                  </a:txBody>
+                  <a:tcPr/>
+                </a:tc>
+                <a:tc>
+                  <a:txBody>
+                    <a:bodyPr/>
+                    <a:lstStyle/>
+                    <a:p>
+                      <a:r>
+                        <a:rPr lang="en-US" dirty="0" smtClean="0">
+                          <a:solidFill>
+                            <a:srgbClr val="FF0000"/>
+                          </a:solidFill>
+                        </a:rPr>
+                        <a:t>Hypertension</a:t>
+                      </a:r>
+                    </a:p>
+                  </a:txBody>
+                  <a:tcPr/>
+                </a:tc>
+              </a:tr>
+              <a:tr h="370840">
+                <a:tc>
+                  <a:txBody>
+                    <a:bodyPr/>
+                    <a:lstStyle/>
+                    <a:p>
+                      <a:r>
+                        <a:rPr lang="en-US" dirty="0" smtClean="0"/>
+                        <a:t>1964</a:t>
+                      </a:r>
+                      <a:endParaRPr lang="en-US" dirty="0"/>
+                    </a:p>
+                  </a:txBody>
+                  <a:tcPr/>
+                </a:tc>
+                <a:tc>
+                  <a:txBody>
+                    <a:bodyPr/>
+                    <a:lstStyle/>
+                    <a:p>
+                      <a:r>
+                        <a:rPr lang="en-US" dirty="0" smtClean="0"/>
+                        <a:t>F</a:t>
+                      </a:r>
+                      <a:endParaRPr lang="en-US" dirty="0"/>
+                    </a:p>
+                  </a:txBody>
+                  <a:tcPr/>
+                </a:tc>
+                <a:tc>
+                  <a:txBody>
+                    <a:bodyPr/>
+                    <a:lstStyle/>
+                    <a:p>
+                      <a:r>
+                        <a:rPr lang="en-US" dirty="0" smtClean="0"/>
+                        <a:t>0213*</a:t>
+                      </a:r>
+                      <a:endParaRPr lang="en-US" dirty="0"/>
+                    </a:p>
+                  </a:txBody>
+                  <a:tcPr/>
+                </a:tc>
+                <a:tc>
+                  <a:txBody>
+                    <a:bodyPr/>
+                    <a:lstStyle/>
+                    <a:p>
+                      <a:r>
+                        <a:rPr lang="en-US" dirty="0" smtClean="0">
+                          <a:solidFill>
+                            <a:srgbClr val="FF0000"/>
+                          </a:solidFill>
+                        </a:rPr>
+                        <a:t>Hypertension</a:t>
+                      </a:r>
+                      <a:endParaRPr lang="en-US" dirty="0">
+                        <a:solidFill>
+                          <a:srgbClr val="FF0000"/>
+                        </a:solidFill>
+                      </a:endParaRPr>
+                    </a:p>
+                  </a:txBody>
+                  <a:tcPr/>
+                </a:tc>
+              </a:tr>
+              <a:tr h="370840">
+                <a:tc>
+                  <a:txBody>
+                    <a:bodyPr/>
+                    <a:lstStyle/>
+                    <a:p>
+                      <a:r>
+                        <a:rPr lang="en-US" dirty="0" smtClean="0"/>
+                        <a:t>1967</a:t>
+                      </a:r>
+                      <a:endParaRPr lang="en-US" dirty="0"/>
+                    </a:p>
+                  </a:txBody>
+                  <a:tcPr/>
+                </a:tc>
+                <a:tc>
+                  <a:txBody>
+                    <a:bodyPr/>
+                    <a:lstStyle/>
+                    <a:p>
+                      <a:r>
+                        <a:rPr lang="en-US" dirty="0" smtClean="0"/>
+                        <a:t>M</a:t>
+                      </a:r>
+                      <a:endParaRPr lang="en-US" dirty="0"/>
+                    </a:p>
+                  </a:txBody>
+                  <a:tcPr/>
+                </a:tc>
+                <a:tc>
+                  <a:txBody>
+                    <a:bodyPr/>
+                    <a:lstStyle/>
+                    <a:p>
+                      <a:r>
+                        <a:rPr lang="en-US" dirty="0" smtClean="0"/>
+                        <a:t>0213*</a:t>
+                      </a:r>
+                      <a:endParaRPr lang="en-US" dirty="0"/>
+                    </a:p>
+                  </a:txBody>
+                  <a:tcPr/>
+                </a:tc>
+                <a:tc>
+                  <a:txBody>
+                    <a:bodyPr/>
+                    <a:lstStyle/>
+                    <a:p>
+                      <a:r>
+                        <a:rPr lang="en-US" dirty="0" smtClean="0">
+                          <a:solidFill>
+                            <a:srgbClr val="FF0000"/>
+                          </a:solidFill>
+                        </a:rPr>
+                        <a:t>Chest Pain</a:t>
+                      </a:r>
+                      <a:endParaRPr lang="en-US" dirty="0">
+                        <a:solidFill>
+                          <a:srgbClr val="FF0000"/>
+                        </a:solidFill>
+                      </a:endParaRPr>
+                    </a:p>
+                  </a:txBody>
+                  <a:tcPr/>
+                </a:tc>
+              </a:tr>
+              <a:tr h="370840">
+                <a:tc>
+                  <a:txBody>
+                    <a:bodyPr/>
+                    <a:lstStyle/>
+                    <a:p>
+                      <a:r>
+                        <a:rPr lang="en-US" dirty="0" smtClean="0"/>
+                        <a:t>1967</a:t>
+                      </a:r>
+                      <a:endParaRPr lang="en-US" dirty="0"/>
+                    </a:p>
+                  </a:txBody>
+                  <a:tcPr/>
+                </a:tc>
+                <a:tc>
+                  <a:txBody>
+                    <a:bodyPr/>
+                    <a:lstStyle/>
+                    <a:p>
+                      <a:r>
+                        <a:rPr lang="en-US" dirty="0" smtClean="0"/>
+                        <a:t>M</a:t>
+                      </a:r>
+                      <a:endParaRPr lang="en-US" dirty="0"/>
+                    </a:p>
+                  </a:txBody>
+                  <a:tcPr/>
+                </a:tc>
+                <a:tc>
+                  <a:txBody>
+                    <a:bodyPr/>
+                    <a:lstStyle/>
+                    <a:p>
+                      <a:r>
+                        <a:rPr lang="en-US" dirty="0" smtClean="0"/>
+                        <a:t>0213*</a:t>
+                      </a:r>
+                      <a:endParaRPr lang="en-US" dirty="0"/>
+                    </a:p>
+                  </a:txBody>
+                  <a:tcPr/>
+                </a:tc>
+                <a:tc>
+                  <a:txBody>
+                    <a:bodyPr/>
+                    <a:lstStyle/>
+                    <a:p>
+                      <a:r>
+                        <a:rPr lang="en-US" dirty="0" smtClean="0">
+                          <a:solidFill>
+                            <a:srgbClr val="FF0000"/>
+                          </a:solidFill>
+                        </a:rPr>
+                        <a:t>Chest Pain</a:t>
+                      </a:r>
+                      <a:endParaRPr lang="en-US" dirty="0">
+                        <a:solidFill>
+                          <a:srgbClr val="FF0000"/>
+                        </a:solidFill>
+                      </a:endParaRPr>
+                    </a:p>
+                  </a:txBody>
+                  <a:tcPr/>
+                </a:tc>
+              </a:tr>
+            </a:tbl>
+          </a:graphicData>
+        </a:graphic>
+      </p:graphicFrame>
     </p:spTree>
     <p:extLst>
       <p:ext uri="{BB962C8B-B14F-4D97-AF65-F5344CB8AC3E}">
-        <p14:creationId xmlns:p14="http://schemas.microsoft.com/office/powerpoint/2010/main" val="3073292352"/>
+        <p14:creationId xmlns:p14="http://schemas.microsoft.com/office/powerpoint/2010/main" val="3059298020"/>
       </p:ext>
     </p:extLst>
   </p:cSld>
@@ -6253,13 +7472,14 @@
           <a:p>
             <a:r>
               <a:rPr lang="en-US" dirty="0" smtClean="0"/>
-              <a:t>Each q-block should have the same frequency of sensitive values</a:t>
-            </a:r>
-          </a:p>
-          <a:p>
-            <a:r>
-              <a:rPr lang="en-US" dirty="0" smtClean="0"/>
-              <a:t>The frequency of sensitive attributes can protect against background knowledge</a:t>
+              <a:t>Each q-block should have at least L well-represented sensitive attributes</a:t>
+            </a:r>
+          </a:p>
+          <a:p>
+            <a:pPr lvl="1"/>
+            <a:r>
+              <a:rPr lang="en-US" dirty="0" smtClean="0"/>
+              <a:t>Can protect against background knowledge</a:t>
             </a:r>
           </a:p>
           <a:p>
@@ -6364,7 +7584,7 @@
         <p:spPr/>
         <p:txBody>
           <a:bodyPr>
-            <a:normAutofit lnSpcReduction="10000"/>
+            <a:normAutofit/>
           </a:bodyPr>
           <a:lstStyle/>
           <a:p>
@@ -6378,14 +7598,6 @@
               <a:rPr lang="en-US" dirty="0" smtClean="0"/>
               <a:t>Bayesian inference techniques to rationalize privacy</a:t>
             </a:r>
-          </a:p>
-          <a:p>
-            <a:pPr lvl="1"/>
-            <a:r>
-              <a:rPr lang="en-US" dirty="0" smtClean="0"/>
-              <a:t>P(A|B) = P(A) * P(A|B) / P(B)</a:t>
-            </a:r>
-            <a:endParaRPr lang="en-US" dirty="0" smtClean="0"/>
           </a:p>
           <a:p>
             <a:r>
@@ -6509,7 +7721,7 @@
             <a:pPr lvl="1"/>
             <a:r>
               <a:rPr lang="en-US" dirty="0" smtClean="0"/>
-              <a:t>There should not be a large different between the prior and posterior belief</a:t>
+              <a:t>There should not be a large difference between the prior and posterior belief</a:t>
             </a:r>
           </a:p>
         </p:txBody>
@@ -6561,45 +7773,33 @@
           <a:p>
             <a:r>
               <a:rPr lang="en-US" dirty="0" smtClean="0"/>
+              <a:t>Outline</a:t>
+            </a:r>
+            <a:endParaRPr lang="en-US" dirty="0"/>
+          </a:p>
+        </p:txBody>
+      </p:sp>
+      <p:sp>
+        <p:nvSpPr>
+          <p:cNvPr id="3" name="Content Placeholder 2"/>
+          <p:cNvSpPr>
+            <a:spLocks noGrp="1"/>
+          </p:cNvSpPr>
+          <p:nvPr>
+            <p:ph idx="1"/>
+          </p:nvPr>
+        </p:nvSpPr>
+        <p:spPr/>
+        <p:txBody>
+          <a:bodyPr>
+            <a:normAutofit/>
+          </a:bodyPr>
+          <a:lstStyle/>
+          <a:p>
+            <a:r>
+              <a:rPr lang="en-US" dirty="0" smtClean="0"/>
               <a:t>Introduction</a:t>
             </a:r>
-            <a:endParaRPr lang="en-US" dirty="0"/>
-          </a:p>
-        </p:txBody>
-      </p:sp>
-      <p:sp>
-        <p:nvSpPr>
-          <p:cNvPr id="3" name="Content Placeholder 2"/>
-          <p:cNvSpPr>
-            <a:spLocks noGrp="1"/>
-          </p:cNvSpPr>
-          <p:nvPr>
-            <p:ph idx="1"/>
-          </p:nvPr>
-        </p:nvSpPr>
-        <p:spPr/>
-        <p:txBody>
-          <a:bodyPr>
-            <a:normAutofit lnSpcReduction="10000"/>
-          </a:bodyPr>
-          <a:lstStyle/>
-          <a:p>
-            <a:r>
-              <a:rPr lang="en-US" dirty="0" smtClean="0"/>
-              <a:t>Data Trends</a:t>
-            </a:r>
-          </a:p>
-          <a:p>
-            <a:r>
-              <a:rPr lang="en-US" dirty="0" smtClean="0"/>
-              <a:t>Regulations</a:t>
-            </a:r>
-          </a:p>
-          <a:p>
-            <a:r>
-              <a:rPr lang="en-US" dirty="0" smtClean="0"/>
-              <a:t>Cost</a:t>
-            </a:r>
           </a:p>
           <a:p>
             <a:r>
@@ -6616,19 +7816,25 @@
           <a:p>
             <a:r>
               <a:rPr lang="en-US" dirty="0" smtClean="0"/>
-              <a:t>Contribution</a:t>
-            </a:r>
-          </a:p>
-          <a:p>
-            <a:r>
-              <a:rPr lang="en-US" dirty="0" smtClean="0"/>
-              <a:t>Analysis</a:t>
+              <a:t>KL-Diversity</a:t>
+            </a:r>
+          </a:p>
+          <a:p>
+            <a:r>
+              <a:rPr lang="en-US" dirty="0" smtClean="0"/>
+              <a:t>Discussion</a:t>
             </a:r>
           </a:p>
           <a:p>
             <a:r>
               <a:rPr lang="en-US" dirty="0" smtClean="0"/>
               <a:t>Conclusion</a:t>
+            </a:r>
+          </a:p>
+          <a:p>
+            <a:r>
+              <a:rPr lang="en-US" dirty="0" smtClean="0"/>
+              <a:t>References</a:t>
             </a:r>
             <a:endParaRPr lang="en-US" dirty="0"/>
           </a:p>
@@ -6713,7 +7919,7 @@
             <a:pPr lvl="1"/>
             <a:r>
               <a:rPr lang="en-US" dirty="0" smtClean="0"/>
-              <a:t>Insufficient Knowledge</a:t>
+              <a:t>Data publisher and Adversary most likely has Insufficient knowledge</a:t>
             </a:r>
           </a:p>
           <a:p>
@@ -6727,14 +7933,36 @@
             <a:pPr lvl="1"/>
             <a:r>
               <a:rPr lang="en-US" dirty="0" smtClean="0"/>
-              <a:t>Instance Level Knowledge</a:t>
+              <a:t>Instance </a:t>
+            </a:r>
+            <a:r>
+              <a:rPr lang="en-US" dirty="0"/>
+              <a:t>k</a:t>
+            </a:r>
+            <a:r>
+              <a:rPr lang="en-US" dirty="0" smtClean="0"/>
+              <a:t>evel knowledge</a:t>
+            </a:r>
+          </a:p>
+          <a:p>
+            <a:pPr lvl="2"/>
+            <a:r>
+              <a:rPr lang="en-US" dirty="0" smtClean="0"/>
+              <a:t>Alice knows Bob doesn’t have the chicken pox</a:t>
             </a:r>
           </a:p>
           <a:p>
             <a:pPr lvl="1"/>
             <a:r>
               <a:rPr lang="en-US" dirty="0" smtClean="0"/>
-              <a:t>Multiple Adversaries</a:t>
+              <a:t>Multiple adversaries</a:t>
+            </a:r>
+          </a:p>
+          <a:p>
+            <a:pPr lvl="2"/>
+            <a:r>
+              <a:rPr lang="en-US" dirty="0" smtClean="0"/>
+              <a:t>Attackers with different levels on knowledge</a:t>
             </a:r>
             <a:endParaRPr lang="en-US" dirty="0"/>
           </a:p>
@@ -6832,7 +8060,7 @@
             <a:pPr lvl="1"/>
             <a:r>
               <a:rPr lang="en-US" dirty="0" smtClean="0"/>
-              <a:t>Higher the entropy mean the more well represented the group is</a:t>
+              <a:t>Higher the entropy means the more well represented the group is (uniform distribution)</a:t>
             </a:r>
           </a:p>
           <a:p>
@@ -6928,7 +8156,7 @@
           <a:p>
             <a:r>
               <a:rPr lang="en-US" dirty="0" smtClean="0"/>
-              <a:t>The following disclosures occur when a generalized table is release</a:t>
+              <a:t>The following disclosures may occur when a generalized table is release</a:t>
             </a:r>
           </a:p>
           <a:p>
@@ -7041,6 +8269,12 @@
             </a:r>
           </a:p>
           <a:p>
+            <a:r>
+              <a:rPr lang="en-US" dirty="0" smtClean="0"/>
+              <a:t>Risks</a:t>
+            </a:r>
+          </a:p>
+          <a:p>
             <a:pPr lvl="1"/>
             <a:r>
               <a:rPr lang="en-US" dirty="0" smtClean="0"/>
@@ -7058,14 +8292,14 @@
             <a:pPr lvl="1"/>
             <a:r>
               <a:rPr lang="en-US" dirty="0" smtClean="0"/>
-              <a:t>Separating tables will be based on Utility</a:t>
+              <a:t>Separating tables will be based on utility</a:t>
             </a:r>
           </a:p>
           <a:p>
             <a:pPr lvl="2"/>
             <a:r>
               <a:rPr lang="en-US" dirty="0" smtClean="0"/>
-              <a:t>How complex to understand</a:t>
+              <a:t>How complex it is to understand the data</a:t>
             </a:r>
           </a:p>
           <a:p>
@@ -7130,7 +8364,11 @@
           <a:bodyPr/>
           <a:lstStyle/>
           <a:p>
-            <a:endParaRPr lang="en-US"/>
+            <a:r>
+              <a:rPr lang="en-US" dirty="0" smtClean="0"/>
+              <a:t>Motivation</a:t>
+            </a:r>
+            <a:endParaRPr lang="en-US" dirty="0"/>
           </a:p>
         </p:txBody>
       </p:sp>
@@ -7149,9 +8387,63 @@
           <a:bodyPr/>
           <a:lstStyle/>
           <a:p>
-            <a:pPr marL="0" indent="0">
-              <a:buNone/>
-            </a:pPr>
+            <a:r>
+              <a:rPr lang="en-US" dirty="0" smtClean="0"/>
+              <a:t>L-Severity</a:t>
+            </a:r>
+          </a:p>
+          <a:p>
+            <a:r>
+              <a:rPr lang="en-US" dirty="0" smtClean="0"/>
+              <a:t>Lack </a:t>
+            </a:r>
+            <a:r>
+              <a:rPr lang="en-US" dirty="0" smtClean="0"/>
+              <a:t>of emphasis on anonymity</a:t>
+            </a:r>
+          </a:p>
+          <a:p>
+            <a:pPr lvl="1"/>
+            <a:r>
+              <a:rPr lang="en-US" dirty="0" err="1" smtClean="0"/>
+              <a:t>Valvilis</a:t>
+            </a:r>
+            <a:r>
+              <a:rPr lang="en-US" dirty="0" smtClean="0"/>
+              <a:t> et al. suggestion</a:t>
+            </a:r>
+          </a:p>
+          <a:p>
+            <a:pPr lvl="1"/>
+            <a:r>
+              <a:rPr lang="en-US" dirty="0" smtClean="0"/>
+              <a:t>Contribution is to the severity based metric</a:t>
+            </a:r>
+          </a:p>
+          <a:p>
+            <a:r>
+              <a:rPr lang="en-US" dirty="0" smtClean="0"/>
+              <a:t>Many metrics to use</a:t>
+            </a:r>
+          </a:p>
+          <a:p>
+            <a:r>
+              <a:rPr lang="en-US" dirty="0" smtClean="0"/>
+              <a:t>Many factors</a:t>
+            </a:r>
+          </a:p>
+          <a:p>
+            <a:pPr lvl="1"/>
+            <a:r>
+              <a:rPr lang="en-US" dirty="0" smtClean="0"/>
+              <a:t>Insider attack/knowledge</a:t>
+            </a:r>
+          </a:p>
+          <a:p>
+            <a:r>
+              <a:rPr lang="en-US" dirty="0" smtClean="0"/>
+              <a:t>Many Types of privacy metrics</a:t>
+            </a:r>
             <a:endParaRPr lang="en-US" dirty="0"/>
           </a:p>
         </p:txBody>
@@ -7159,7 +8451,7 @@
     </p:spTree>
     <p:extLst>
       <p:ext uri="{BB962C8B-B14F-4D97-AF65-F5344CB8AC3E}">
-        <p14:creationId xmlns:p14="http://schemas.microsoft.com/office/powerpoint/2010/main" val="2627732634"/>
+        <p14:creationId xmlns:p14="http://schemas.microsoft.com/office/powerpoint/2010/main" val="2740561425"/>
       </p:ext>
     </p:extLst>
   </p:cSld>
@@ -7203,81 +8495,41 @@
           <a:p>
             <a:r>
               <a:rPr lang="en-US" dirty="0" smtClean="0"/>
-              <a:t>L-Diversity</a:t>
+              <a:t>L-Severity</a:t>
             </a:r>
             <a:endParaRPr lang="en-US" dirty="0"/>
           </a:p>
         </p:txBody>
       </p:sp>
-      <p:sp>
-        <p:nvSpPr>
-          <p:cNvPr id="3" name="Content Placeholder 2"/>
-          <p:cNvSpPr>
-            <a:spLocks noGrp="1"/>
-          </p:cNvSpPr>
+      <p:pic>
+        <p:nvPicPr>
+          <p:cNvPr id="4" name="Content Placeholder 3" descr="Screen Shot 2017-03-09 at 5.20.10 PM.png"/>
+          <p:cNvPicPr>
+            <a:picLocks noGrp="1" noChangeAspect="1"/>
+          </p:cNvPicPr>
           <p:nvPr>
             <p:ph idx="1"/>
           </p:nvPr>
-        </p:nvSpPr>
-        <p:spPr/>
-        <p:txBody>
-          <a:bodyPr/>
-          <a:lstStyle/>
-          <a:p>
-            <a:r>
-              <a:rPr lang="en-US" dirty="0" smtClean="0"/>
-              <a:t>Presents two attacks on </a:t>
-            </a:r>
-            <a:r>
-              <a:rPr lang="en-US" i="1" dirty="0" smtClean="0"/>
-              <a:t>k</a:t>
-            </a:r>
-            <a:r>
-              <a:rPr lang="en-US" dirty="0" smtClean="0"/>
-              <a:t>-anonymity</a:t>
-            </a:r>
-          </a:p>
-          <a:p>
-            <a:pPr lvl="1"/>
-            <a:r>
-              <a:rPr lang="en-US" dirty="0" smtClean="0"/>
-              <a:t>Homogeneity Attack</a:t>
-            </a:r>
-          </a:p>
-          <a:p>
-            <a:pPr lvl="1"/>
-            <a:r>
-              <a:rPr lang="en-US" dirty="0" smtClean="0"/>
-              <a:t>Background Information</a:t>
-            </a:r>
-          </a:p>
-          <a:p>
-            <a:r>
-              <a:rPr lang="en-US" dirty="0" smtClean="0"/>
-              <a:t>Proposes two techniques</a:t>
-            </a:r>
-          </a:p>
-          <a:p>
-            <a:pPr lvl="1"/>
-            <a:r>
-              <a:rPr lang="en-US" dirty="0" smtClean="0"/>
-              <a:t>Bayes Optimal</a:t>
-            </a:r>
-          </a:p>
-          <a:p>
-            <a:pPr lvl="1"/>
-            <a:r>
-              <a:rPr lang="en-US" dirty="0" smtClean="0"/>
-              <a:t>L-Diversity</a:t>
-            </a:r>
-            <a:endParaRPr lang="en-US" dirty="0"/>
-          </a:p>
-        </p:txBody>
-      </p:sp>
+        </p:nvPicPr>
+        <p:blipFill>
+          <a:blip r:embed="rId3">
+            <a:extLst>
+              <a:ext uri="{28A0092B-C50C-407E-A947-70E740481C1C}">
+                <a14:useLocalDpi xmlns:a14="http://schemas.microsoft.com/office/drawing/2010/main" val="0"/>
+              </a:ext>
+            </a:extLst>
+          </a:blip>
+          <a:srcRect t="-89831" b="-89831"/>
+          <a:stretch>
+            <a:fillRect/>
+          </a:stretch>
+        </p:blipFill>
+        <p:spPr/>
+      </p:pic>
     </p:spTree>
     <p:extLst>
       <p:ext uri="{BB962C8B-B14F-4D97-AF65-F5344CB8AC3E}">
-        <p14:creationId xmlns:p14="http://schemas.microsoft.com/office/powerpoint/2010/main" val="2497568261"/>
+        <p14:creationId xmlns:p14="http://schemas.microsoft.com/office/powerpoint/2010/main" val="1755485051"/>
       </p:ext>
     </p:extLst>
   </p:cSld>
@@ -7329,7 +8581,7 @@
       </p:sp>
       <p:pic>
         <p:nvPicPr>
-          <p:cNvPr id="4" name="Content Placeholder 3" descr="Screen Shot 2017-03-09 at 5.20.10 PM.png"/>
+          <p:cNvPr id="4" name="Content Placeholder 3" descr="Screen Shot 2017-03-09 at 5.21.06 PM.png"/>
           <p:cNvPicPr>
             <a:picLocks noGrp="1" noChangeAspect="1"/>
           </p:cNvPicPr>
@@ -7345,7 +8597,7 @@
               </a:ext>
             </a:extLst>
           </a:blip>
-          <a:srcRect t="-89831" b="-89831"/>
+          <a:srcRect t="-104104" b="-104104"/>
           <a:stretch>
             <a:fillRect/>
           </a:stretch>
@@ -7355,7 +8607,7 @@
     </p:spTree>
     <p:extLst>
       <p:ext uri="{BB962C8B-B14F-4D97-AF65-F5344CB8AC3E}">
-        <p14:creationId xmlns:p14="http://schemas.microsoft.com/office/powerpoint/2010/main" val="1755485051"/>
+        <p14:creationId xmlns:p14="http://schemas.microsoft.com/office/powerpoint/2010/main" val="1814004128"/>
       </p:ext>
     </p:extLst>
   </p:cSld>
@@ -7407,7 +8659,7 @@
       </p:sp>
       <p:pic>
         <p:nvPicPr>
-          <p:cNvPr id="4" name="Content Placeholder 3" descr="Screen Shot 2017-03-09 at 5.21.06 PM.png"/>
+          <p:cNvPr id="4" name="Content Placeholder 3" descr="Screen Shot 2017-05-04 at 8.42.12 PM.png"/>
           <p:cNvPicPr>
             <a:picLocks noGrp="1" noChangeAspect="1"/>
           </p:cNvPicPr>
@@ -7416,14 +8668,14 @@
           </p:nvPr>
         </p:nvPicPr>
         <p:blipFill>
-          <a:blip r:embed="rId3">
+          <a:blip r:embed="rId2">
             <a:extLst>
               <a:ext uri="{28A0092B-C50C-407E-A947-70E740481C1C}">
                 <a14:useLocalDpi xmlns:a14="http://schemas.microsoft.com/office/drawing/2010/main" val="0"/>
               </a:ext>
             </a:extLst>
           </a:blip>
-          <a:srcRect t="-104104" b="-104104"/>
+          <a:srcRect t="-57763" b="-57763"/>
           <a:stretch>
             <a:fillRect/>
           </a:stretch>
@@ -7433,7 +8685,7 @@
     </p:spTree>
     <p:extLst>
       <p:ext uri="{BB962C8B-B14F-4D97-AF65-F5344CB8AC3E}">
-        <p14:creationId xmlns:p14="http://schemas.microsoft.com/office/powerpoint/2010/main" val="1814004128"/>
+        <p14:creationId xmlns:p14="http://schemas.microsoft.com/office/powerpoint/2010/main" val="3122395520"/>
       </p:ext>
     </p:extLst>
   </p:cSld>
@@ -7477,41 +8729,45 @@
           <a:p>
             <a:r>
               <a:rPr lang="en-US" dirty="0" smtClean="0"/>
-              <a:t>L-Severity</a:t>
+              <a:t>KL-Severity</a:t>
             </a:r>
             <a:endParaRPr lang="en-US" dirty="0"/>
           </a:p>
         </p:txBody>
       </p:sp>
-      <p:pic>
-        <p:nvPicPr>
-          <p:cNvPr id="4" name="Content Placeholder 3" descr="Screen Shot 2017-05-04 at 8.42.12 PM.png"/>
-          <p:cNvPicPr>
-            <a:picLocks noGrp="1" noChangeAspect="1"/>
-          </p:cNvPicPr>
+      <p:sp>
+        <p:nvSpPr>
+          <p:cNvPr id="3" name="Content Placeholder 2"/>
+          <p:cNvSpPr>
+            <a:spLocks noGrp="1"/>
+          </p:cNvSpPr>
           <p:nvPr>
             <p:ph idx="1"/>
           </p:nvPr>
-        </p:nvPicPr>
-        <p:blipFill>
-          <a:blip r:embed="rId2">
-            <a:extLst>
-              <a:ext uri="{28A0092B-C50C-407E-A947-70E740481C1C}">
-                <a14:useLocalDpi xmlns:a14="http://schemas.microsoft.com/office/drawing/2010/main" val="0"/>
-              </a:ext>
-            </a:extLst>
-          </a:blip>
-          <a:srcRect t="-57763" b="-57763"/>
-          <a:stretch>
-            <a:fillRect/>
-          </a:stretch>
-        </p:blipFill>
-        <p:spPr/>
-      </p:pic>
+        </p:nvSpPr>
+        <p:spPr/>
+        <p:txBody>
+          <a:bodyPr/>
+          <a:lstStyle/>
+          <a:p>
+            <a:r>
+              <a:rPr lang="en-US" dirty="0" smtClean="0"/>
+              <a:t>K represents the number of tuples per q-block</a:t>
+            </a:r>
+          </a:p>
+          <a:p>
+            <a:r>
+              <a:rPr lang="en-US" dirty="0" smtClean="0"/>
+              <a:t>L represents L-Severity’s well represented distinct values</a:t>
+            </a:r>
+            <a:endParaRPr lang="en-US" dirty="0"/>
+          </a:p>
+        </p:txBody>
+      </p:sp>
     </p:spTree>
     <p:extLst>
       <p:ext uri="{BB962C8B-B14F-4D97-AF65-F5344CB8AC3E}">
-        <p14:creationId xmlns:p14="http://schemas.microsoft.com/office/powerpoint/2010/main" val="3122395520"/>
+        <p14:creationId xmlns:p14="http://schemas.microsoft.com/office/powerpoint/2010/main" val="5843169"/>
       </p:ext>
     </p:extLst>
   </p:cSld>
@@ -7555,7 +8811,7 @@
           <a:p>
             <a:r>
               <a:rPr lang="en-US" dirty="0" smtClean="0"/>
-              <a:t>Motivation</a:t>
+              <a:t>KL-Severity</a:t>
             </a:r>
             <a:endParaRPr lang="en-US" dirty="0"/>
           </a:p>
@@ -7578,50 +8834,58 @@
           <a:p>
             <a:r>
               <a:rPr lang="en-US" dirty="0" smtClean="0"/>
-              <a:t>Lack of emphasis on anonymity</a:t>
+              <a:t>Quasi-identifier</a:t>
             </a:r>
           </a:p>
           <a:p>
             <a:pPr lvl="1"/>
             <a:r>
+              <a:rPr lang="en-US" dirty="0" smtClean="0"/>
+              <a:t>Provide scores for quasi-</a:t>
+            </a:r>
+            <a:r>
               <a:rPr lang="en-US" dirty="0" err="1" smtClean="0"/>
-              <a:t>Valvilis</a:t>
-            </a:r>
-            <a:r>
-              <a:rPr lang="en-US" dirty="0" smtClean="0"/>
-              <a:t> et al. suggestion</a:t>
-            </a:r>
+              <a:t>identfiers</a:t>
+            </a:r>
+            <a:endParaRPr lang="en-US" dirty="0" smtClean="0"/>
           </a:p>
           <a:p>
             <a:pPr lvl="1"/>
             <a:r>
               <a:rPr lang="en-US" dirty="0" smtClean="0"/>
-              <a:t>Contribution is to the severity based metric</a:t>
-            </a:r>
-          </a:p>
-          <a:p>
-            <a:r>
-              <a:rPr lang="en-US" dirty="0" smtClean="0"/>
-              <a:t>Many metrics to use</a:t>
-            </a:r>
-          </a:p>
-          <a:p>
-            <a:r>
-              <a:rPr lang="en-US" dirty="0" smtClean="0"/>
-              <a:t>Many factors</a:t>
+              <a:t>Scores can be based in rules</a:t>
+            </a:r>
+          </a:p>
+          <a:p>
+            <a:pPr lvl="2"/>
+            <a:r>
+              <a:rPr lang="en-US" dirty="0" smtClean="0"/>
+              <a:t>Age &lt; 18</a:t>
+            </a:r>
+          </a:p>
+          <a:p>
+            <a:r>
+              <a:rPr lang="en-US" dirty="0" smtClean="0"/>
+              <a:t>Non-Sensitive Values</a:t>
+            </a:r>
+          </a:p>
+          <a:p>
+            <a:r>
+              <a:rPr lang="en-US" dirty="0" smtClean="0"/>
+              <a:t>Classification</a:t>
+            </a:r>
+          </a:p>
+          <a:p>
+            <a:r>
+              <a:rPr lang="en-US" dirty="0" smtClean="0"/>
+              <a:t>Number of unique sensitive values in a q-block</a:t>
             </a:r>
           </a:p>
           <a:p>
             <a:pPr lvl="1"/>
             <a:r>
               <a:rPr lang="en-US" dirty="0" smtClean="0"/>
-              <a:t>Insider attack/knowledge</a:t>
-            </a:r>
-          </a:p>
-          <a:p>
-            <a:r>
-              <a:rPr lang="en-US" dirty="0" smtClean="0"/>
-              <a:t>Many Types of privacy metrics</a:t>
+              <a:t>Well-Represented</a:t>
             </a:r>
             <a:endParaRPr lang="en-US" dirty="0"/>
           </a:p>
@@ -7630,7 +8894,7 @@
     </p:spTree>
     <p:extLst>
       <p:ext uri="{BB962C8B-B14F-4D97-AF65-F5344CB8AC3E}">
-        <p14:creationId xmlns:p14="http://schemas.microsoft.com/office/powerpoint/2010/main" val="2740561425"/>
+        <p14:creationId xmlns:p14="http://schemas.microsoft.com/office/powerpoint/2010/main" val="1964036521"/>
       </p:ext>
     </p:extLst>
   </p:cSld>
@@ -7674,7 +8938,7 @@
           <a:p>
             <a:r>
               <a:rPr lang="en-US" dirty="0" smtClean="0"/>
-              <a:t>Big Data Trends</a:t>
+              <a:t>Introduction</a:t>
             </a:r>
             <a:endParaRPr lang="en-US" dirty="0"/>
           </a:p>
@@ -7813,207 +9077,11 @@
           <a:p>
             <a:r>
               <a:rPr lang="en-US" dirty="0" smtClean="0"/>
-              <a:t>K represents the number of tuples per q-block</a:t>
-            </a:r>
-          </a:p>
-          <a:p>
-            <a:r>
-              <a:rPr lang="en-US" dirty="0" smtClean="0"/>
-              <a:t>L represents L-Severity’s well represented distinct values</a:t>
-            </a:r>
-            <a:endParaRPr lang="en-US" dirty="0"/>
-          </a:p>
-        </p:txBody>
-      </p:sp>
-    </p:spTree>
-    <p:extLst>
-      <p:ext uri="{BB962C8B-B14F-4D97-AF65-F5344CB8AC3E}">
-        <p14:creationId xmlns:p14="http://schemas.microsoft.com/office/powerpoint/2010/main" val="5843169"/>
-      </p:ext>
-    </p:extLst>
-  </p:cSld>
-  <p:clrMapOvr>
-    <a:masterClrMapping/>
-  </p:clrMapOvr>
-</p:sld>
-</file>
-
-<file path=ppt/slides/slide31.xml><?xml version="1.0" encoding="utf-8"?>
-<p:sld xmlns:a="http://schemas.openxmlformats.org/drawingml/2006/main" xmlns:r="http://schemas.openxmlformats.org/officeDocument/2006/relationships" xmlns:p="http://schemas.openxmlformats.org/presentationml/2006/main">
-  <p:cSld>
-    <p:spTree>
-      <p:nvGrpSpPr>
-        <p:cNvPr id="1" name=""/>
-        <p:cNvGrpSpPr/>
-        <p:nvPr/>
-      </p:nvGrpSpPr>
-      <p:grpSpPr>
-        <a:xfrm>
-          <a:off x="0" y="0"/>
-          <a:ext cx="0" cy="0"/>
-          <a:chOff x="0" y="0"/>
-          <a:chExt cx="0" cy="0"/>
-        </a:xfrm>
-      </p:grpSpPr>
-      <p:sp>
-        <p:nvSpPr>
-          <p:cNvPr id="2" name="Title 1"/>
-          <p:cNvSpPr>
-            <a:spLocks noGrp="1"/>
-          </p:cNvSpPr>
-          <p:nvPr>
-            <p:ph type="title"/>
-          </p:nvPr>
-        </p:nvSpPr>
-        <p:spPr/>
-        <p:txBody>
-          <a:bodyPr/>
-          <a:lstStyle/>
-          <a:p>
-            <a:r>
-              <a:rPr lang="en-US" dirty="0" smtClean="0"/>
-              <a:t>KL-Severity</a:t>
-            </a:r>
-            <a:endParaRPr lang="en-US" dirty="0"/>
-          </a:p>
-        </p:txBody>
-      </p:sp>
-      <p:sp>
-        <p:nvSpPr>
-          <p:cNvPr id="3" name="Content Placeholder 2"/>
-          <p:cNvSpPr>
-            <a:spLocks noGrp="1"/>
-          </p:cNvSpPr>
-          <p:nvPr>
-            <p:ph idx="1"/>
-          </p:nvPr>
-        </p:nvSpPr>
-        <p:spPr/>
-        <p:txBody>
-          <a:bodyPr/>
-          <a:lstStyle/>
-          <a:p>
-            <a:r>
-              <a:rPr lang="en-US" dirty="0" smtClean="0"/>
-              <a:t>Quasi-identifier</a:t>
+              <a:t>Quasi-Identifiers</a:t>
             </a:r>
           </a:p>
           <a:p>
             <a:pPr lvl="1"/>
-            <a:r>
-              <a:rPr lang="en-US" dirty="0" smtClean="0"/>
-              <a:t>Logic Driven</a:t>
-            </a:r>
-          </a:p>
-          <a:p>
-            <a:r>
-              <a:rPr lang="en-US" dirty="0" smtClean="0"/>
-              <a:t>Non-Sensitive Values</a:t>
-            </a:r>
-          </a:p>
-          <a:p>
-            <a:r>
-              <a:rPr lang="en-US" dirty="0" smtClean="0"/>
-              <a:t>Classification</a:t>
-            </a:r>
-          </a:p>
-          <a:p>
-            <a:r>
-              <a:rPr lang="en-US" dirty="0" smtClean="0"/>
-              <a:t>Number of unique sensitive values in a q-block</a:t>
-            </a:r>
-          </a:p>
-          <a:p>
-            <a:r>
-              <a:rPr lang="en-US" dirty="0" smtClean="0"/>
-              <a:t>Well-Represented</a:t>
-            </a:r>
-            <a:endParaRPr lang="en-US" dirty="0"/>
-          </a:p>
-        </p:txBody>
-      </p:sp>
-    </p:spTree>
-    <p:extLst>
-      <p:ext uri="{BB962C8B-B14F-4D97-AF65-F5344CB8AC3E}">
-        <p14:creationId xmlns:p14="http://schemas.microsoft.com/office/powerpoint/2010/main" val="1964036521"/>
-      </p:ext>
-    </p:extLst>
-  </p:cSld>
-  <p:clrMapOvr>
-    <a:masterClrMapping/>
-  </p:clrMapOvr>
-</p:sld>
-</file>
-
-<file path=ppt/slides/slide32.xml><?xml version="1.0" encoding="utf-8"?>
-<p:sld xmlns:a="http://schemas.openxmlformats.org/drawingml/2006/main" xmlns:r="http://schemas.openxmlformats.org/officeDocument/2006/relationships" xmlns:p="http://schemas.openxmlformats.org/presentationml/2006/main">
-  <p:cSld>
-    <p:spTree>
-      <p:nvGrpSpPr>
-        <p:cNvPr id="1" name=""/>
-        <p:cNvGrpSpPr/>
-        <p:nvPr/>
-      </p:nvGrpSpPr>
-      <p:grpSpPr>
-        <a:xfrm>
-          <a:off x="0" y="0"/>
-          <a:ext cx="0" cy="0"/>
-          <a:chOff x="0" y="0"/>
-          <a:chExt cx="0" cy="0"/>
-        </a:xfrm>
-      </p:grpSpPr>
-      <p:sp>
-        <p:nvSpPr>
-          <p:cNvPr id="2" name="Title 1"/>
-          <p:cNvSpPr>
-            <a:spLocks noGrp="1"/>
-          </p:cNvSpPr>
-          <p:nvPr>
-            <p:ph type="title"/>
-          </p:nvPr>
-        </p:nvSpPr>
-        <p:spPr/>
-        <p:txBody>
-          <a:bodyPr/>
-          <a:lstStyle/>
-          <a:p>
-            <a:r>
-              <a:rPr lang="en-US" dirty="0" smtClean="0"/>
-              <a:t>KL-Severity</a:t>
-            </a:r>
-            <a:endParaRPr lang="en-US" dirty="0"/>
-          </a:p>
-        </p:txBody>
-      </p:sp>
-      <p:sp>
-        <p:nvSpPr>
-          <p:cNvPr id="3" name="Content Placeholder 2"/>
-          <p:cNvSpPr>
-            <a:spLocks noGrp="1"/>
-          </p:cNvSpPr>
-          <p:nvPr>
-            <p:ph idx="1"/>
-          </p:nvPr>
-        </p:nvSpPr>
-        <p:spPr/>
-        <p:txBody>
-          <a:bodyPr/>
-          <a:lstStyle/>
-          <a:p>
-            <a:r>
-              <a:rPr lang="en-US" dirty="0" smtClean="0"/>
-              <a:t>Quasi-Identifiers</a:t>
-            </a:r>
-          </a:p>
-          <a:p>
-            <a:pPr lvl="1"/>
-            <a:r>
-              <a:rPr lang="en-US" dirty="0" smtClean="0"/>
-              <a:t>Minors</a:t>
-            </a:r>
-          </a:p>
-          <a:p>
-            <a:pPr lvl="2"/>
             <a:r>
               <a:rPr lang="en-US" dirty="0" smtClean="0"/>
               <a:t>Age</a:t>
@@ -8078,7 +9146,7 @@
 </p:sld>
 </file>
 
-<file path=ppt/slides/slide33.xml><?xml version="1.0" encoding="utf-8"?>
+<file path=ppt/slides/slide31.xml><?xml version="1.0" encoding="utf-8"?>
 <p:sld xmlns:a="http://schemas.openxmlformats.org/drawingml/2006/main" xmlns:r="http://schemas.openxmlformats.org/officeDocument/2006/relationships" xmlns:p="http://schemas.openxmlformats.org/presentationml/2006/main">
   <p:cSld>
     <p:spTree>
@@ -8249,7 +9317,7 @@
           <p:nvPr>
             <p:extLst>
               <p:ext uri="{D42A27DB-BD31-4B8C-83A1-F6EECF244321}">
-                <p14:modId xmlns:p14="http://schemas.microsoft.com/office/powerpoint/2010/main" val="247970368"/>
+                <p14:modId xmlns:p14="http://schemas.microsoft.com/office/powerpoint/2010/main" val="3747477727"/>
               </p:ext>
             </p:extLst>
           </p:nvPr>
@@ -8349,7 +9417,7 @@
                     <a:p>
                       <a:r>
                         <a:rPr lang="en-US" dirty="0" smtClean="0"/>
-                        <a:t>HIV</a:t>
+                        <a:t>Ebola</a:t>
                       </a:r>
                       <a:endParaRPr lang="en-US" dirty="0"/>
                     </a:p>
@@ -8448,6 +9516,247 @@
 </p:sld>
 </file>
 
+<file path=ppt/slides/slide32.xml><?xml version="1.0" encoding="utf-8"?>
+<p:sld xmlns:a="http://schemas.openxmlformats.org/drawingml/2006/main" xmlns:r="http://schemas.openxmlformats.org/officeDocument/2006/relationships" xmlns:p="http://schemas.openxmlformats.org/presentationml/2006/main">
+  <p:cSld>
+    <p:spTree>
+      <p:nvGrpSpPr>
+        <p:cNvPr id="1" name=""/>
+        <p:cNvGrpSpPr/>
+        <p:nvPr/>
+      </p:nvGrpSpPr>
+      <p:grpSpPr>
+        <a:xfrm>
+          <a:off x="0" y="0"/>
+          <a:ext cx="0" cy="0"/>
+          <a:chOff x="0" y="0"/>
+          <a:chExt cx="0" cy="0"/>
+        </a:xfrm>
+      </p:grpSpPr>
+      <p:sp>
+        <p:nvSpPr>
+          <p:cNvPr id="2" name="Title 1"/>
+          <p:cNvSpPr>
+            <a:spLocks noGrp="1"/>
+          </p:cNvSpPr>
+          <p:nvPr>
+            <p:ph type="title"/>
+          </p:nvPr>
+        </p:nvSpPr>
+        <p:spPr/>
+        <p:txBody>
+          <a:bodyPr/>
+          <a:lstStyle/>
+          <a:p>
+            <a:r>
+              <a:rPr lang="en-US" dirty="0" smtClean="0"/>
+              <a:t>KL-Severity</a:t>
+            </a:r>
+            <a:endParaRPr lang="en-US" dirty="0"/>
+          </a:p>
+        </p:txBody>
+      </p:sp>
+      <p:sp>
+        <p:nvSpPr>
+          <p:cNvPr id="3" name="Content Placeholder 2"/>
+          <p:cNvSpPr>
+            <a:spLocks noGrp="1"/>
+          </p:cNvSpPr>
+          <p:nvPr>
+            <p:ph idx="1"/>
+          </p:nvPr>
+        </p:nvSpPr>
+        <p:spPr/>
+        <p:txBody>
+          <a:bodyPr/>
+          <a:lstStyle/>
+          <a:p>
+            <a:r>
+              <a:rPr lang="en-US" dirty="0" smtClean="0"/>
+              <a:t>Using the traditional L-Severity Model Severity would be equal</a:t>
+            </a:r>
+          </a:p>
+          <a:p>
+            <a:r>
+              <a:rPr lang="en-US" dirty="0" smtClean="0"/>
+              <a:t>Can group quasi-identifiers with severity</a:t>
+            </a:r>
+          </a:p>
+          <a:p>
+            <a:pPr lvl="1"/>
+            <a:r>
+              <a:rPr lang="en-US" dirty="0" smtClean="0"/>
+              <a:t>Cannot provide emphasis on one over the other</a:t>
+            </a:r>
+          </a:p>
+          <a:p>
+            <a:pPr lvl="1"/>
+            <a:r>
+              <a:rPr lang="en-US" dirty="0" smtClean="0"/>
+              <a:t>Keeping all values constant except quasi-identifier values can break a tie</a:t>
+            </a:r>
+          </a:p>
+        </p:txBody>
+      </p:sp>
+    </p:spTree>
+    <p:extLst>
+      <p:ext uri="{BB962C8B-B14F-4D97-AF65-F5344CB8AC3E}">
+        <p14:creationId xmlns:p14="http://schemas.microsoft.com/office/powerpoint/2010/main" val="582402146"/>
+      </p:ext>
+    </p:extLst>
+  </p:cSld>
+  <p:clrMapOvr>
+    <a:masterClrMapping/>
+  </p:clrMapOvr>
+</p:sld>
+</file>
+
+<file path=ppt/slides/slide33.xml><?xml version="1.0" encoding="utf-8"?>
+<p:sld xmlns:a="http://schemas.openxmlformats.org/drawingml/2006/main" xmlns:r="http://schemas.openxmlformats.org/officeDocument/2006/relationships" xmlns:p="http://schemas.openxmlformats.org/presentationml/2006/main">
+  <p:cSld>
+    <p:spTree>
+      <p:nvGrpSpPr>
+        <p:cNvPr id="1" name=""/>
+        <p:cNvGrpSpPr/>
+        <p:nvPr/>
+      </p:nvGrpSpPr>
+      <p:grpSpPr>
+        <a:xfrm>
+          <a:off x="0" y="0"/>
+          <a:ext cx="0" cy="0"/>
+          <a:chOff x="0" y="0"/>
+          <a:chExt cx="0" cy="0"/>
+        </a:xfrm>
+      </p:grpSpPr>
+      <p:sp>
+        <p:nvSpPr>
+          <p:cNvPr id="2" name="Title 1"/>
+          <p:cNvSpPr>
+            <a:spLocks noGrp="1"/>
+          </p:cNvSpPr>
+          <p:nvPr>
+            <p:ph type="title"/>
+          </p:nvPr>
+        </p:nvSpPr>
+        <p:spPr/>
+        <p:txBody>
+          <a:bodyPr/>
+          <a:lstStyle/>
+          <a:p>
+            <a:r>
+              <a:rPr lang="en-US" dirty="0" smtClean="0"/>
+              <a:t>KL-Severity</a:t>
+            </a:r>
+            <a:endParaRPr lang="en-US" dirty="0"/>
+          </a:p>
+        </p:txBody>
+      </p:sp>
+      <p:sp>
+        <p:nvSpPr>
+          <p:cNvPr id="3" name="Content Placeholder 2"/>
+          <p:cNvSpPr>
+            <a:spLocks noGrp="1"/>
+          </p:cNvSpPr>
+          <p:nvPr>
+            <p:ph idx="1"/>
+          </p:nvPr>
+        </p:nvSpPr>
+        <p:spPr/>
+        <p:txBody>
+          <a:bodyPr>
+            <a:normAutofit fontScale="92500" lnSpcReduction="10000"/>
+          </a:bodyPr>
+          <a:lstStyle/>
+          <a:p>
+            <a:r>
+              <a:rPr lang="en-US" dirty="0" smtClean="0"/>
+              <a:t>Non-sensitive attribute</a:t>
+            </a:r>
+          </a:p>
+          <a:p>
+            <a:pPr lvl="1"/>
+            <a:r>
+              <a:rPr lang="en-US" dirty="0" smtClean="0"/>
+              <a:t>Assume Non-sensitive != quasi-identifier</a:t>
+            </a:r>
+          </a:p>
+          <a:p>
+            <a:r>
+              <a:rPr lang="en-US" dirty="0" smtClean="0"/>
+              <a:t>Dynamic data</a:t>
+            </a:r>
+          </a:p>
+          <a:p>
+            <a:pPr marL="0" indent="0">
+              <a:buNone/>
+            </a:pPr>
+            <a:r>
+              <a:rPr lang="en-US" dirty="0" smtClean="0"/>
+              <a:t>{ </a:t>
+            </a:r>
+            <a:br>
+              <a:rPr lang="en-US" dirty="0" smtClean="0"/>
+            </a:br>
+            <a:r>
+              <a:rPr lang="en-US" dirty="0" smtClean="0"/>
+              <a:t>	property_1: value_1</a:t>
+            </a:r>
+            <a:br>
+              <a:rPr lang="en-US" dirty="0" smtClean="0"/>
+            </a:br>
+            <a:r>
+              <a:rPr lang="en-US" dirty="0" smtClean="0"/>
+              <a:t> },</a:t>
+            </a:r>
+          </a:p>
+          <a:p>
+            <a:pPr marL="0" indent="0">
+              <a:buNone/>
+            </a:pPr>
+            <a:r>
+              <a:rPr lang="en-US" dirty="0" smtClean="0"/>
+              <a:t>{ </a:t>
+            </a:r>
+            <a:br>
+              <a:rPr lang="en-US" dirty="0" smtClean="0"/>
+            </a:br>
+            <a:r>
+              <a:rPr lang="en-US" dirty="0" smtClean="0"/>
+              <a:t>	property_1: value_1, </a:t>
+            </a:r>
+            <a:br>
+              <a:rPr lang="en-US" dirty="0" smtClean="0"/>
+            </a:br>
+            <a:r>
+              <a:rPr lang="en-US" dirty="0" smtClean="0"/>
+              <a:t>	property_2: value_2</a:t>
+            </a:r>
+            <a:br>
+              <a:rPr lang="en-US" dirty="0" smtClean="0"/>
+            </a:br>
+            <a:r>
+              <a:rPr lang="en-US" dirty="0" smtClean="0"/>
+              <a:t>}	</a:t>
+            </a:r>
+          </a:p>
+          <a:p>
+            <a:endParaRPr lang="en-US" dirty="0" smtClean="0"/>
+          </a:p>
+        </p:txBody>
+      </p:sp>
+    </p:spTree>
+    <p:extLst>
+      <p:ext uri="{BB962C8B-B14F-4D97-AF65-F5344CB8AC3E}">
+        <p14:creationId xmlns:p14="http://schemas.microsoft.com/office/powerpoint/2010/main" val="970724351"/>
+      </p:ext>
+    </p:extLst>
+  </p:cSld>
+  <p:clrMapOvr>
+    <a:masterClrMapping/>
+  </p:clrMapOvr>
+</p:sld>
+</file>
+
 <file path=ppt/slides/slide34.xml><?xml version="1.0" encoding="utf-8"?>
 <p:sld xmlns:a="http://schemas.openxmlformats.org/drawingml/2006/main" xmlns:r="http://schemas.openxmlformats.org/officeDocument/2006/relationships" xmlns:p="http://schemas.openxmlformats.org/presentationml/2006/main">
   <p:cSld>
@@ -8488,247 +9797,6 @@
           </a:p>
         </p:txBody>
       </p:sp>
-      <p:sp>
-        <p:nvSpPr>
-          <p:cNvPr id="3" name="Content Placeholder 2"/>
-          <p:cNvSpPr>
-            <a:spLocks noGrp="1"/>
-          </p:cNvSpPr>
-          <p:nvPr>
-            <p:ph idx="1"/>
-          </p:nvPr>
-        </p:nvSpPr>
-        <p:spPr/>
-        <p:txBody>
-          <a:bodyPr/>
-          <a:lstStyle/>
-          <a:p>
-            <a:r>
-              <a:rPr lang="en-US" dirty="0" smtClean="0"/>
-              <a:t>Using the traditional L-Severity Model Severity would be equal</a:t>
-            </a:r>
-          </a:p>
-          <a:p>
-            <a:r>
-              <a:rPr lang="en-US" dirty="0" smtClean="0"/>
-              <a:t>Can group quasi-identifiers with severity</a:t>
-            </a:r>
-          </a:p>
-          <a:p>
-            <a:pPr lvl="1"/>
-            <a:r>
-              <a:rPr lang="en-US" dirty="0" smtClean="0"/>
-              <a:t>Cannot provide emphasis on one over the other</a:t>
-            </a:r>
-          </a:p>
-          <a:p>
-            <a:pPr lvl="1"/>
-            <a:r>
-              <a:rPr lang="en-US" dirty="0" smtClean="0"/>
-              <a:t>Keeping all values constant except quasi-identifier values can break a tie</a:t>
-            </a:r>
-          </a:p>
-        </p:txBody>
-      </p:sp>
-    </p:spTree>
-    <p:extLst>
-      <p:ext uri="{BB962C8B-B14F-4D97-AF65-F5344CB8AC3E}">
-        <p14:creationId xmlns:p14="http://schemas.microsoft.com/office/powerpoint/2010/main" val="582402146"/>
-      </p:ext>
-    </p:extLst>
-  </p:cSld>
-  <p:clrMapOvr>
-    <a:masterClrMapping/>
-  </p:clrMapOvr>
-</p:sld>
-</file>
-
-<file path=ppt/slides/slide35.xml><?xml version="1.0" encoding="utf-8"?>
-<p:sld xmlns:a="http://schemas.openxmlformats.org/drawingml/2006/main" xmlns:r="http://schemas.openxmlformats.org/officeDocument/2006/relationships" xmlns:p="http://schemas.openxmlformats.org/presentationml/2006/main">
-  <p:cSld>
-    <p:spTree>
-      <p:nvGrpSpPr>
-        <p:cNvPr id="1" name=""/>
-        <p:cNvGrpSpPr/>
-        <p:nvPr/>
-      </p:nvGrpSpPr>
-      <p:grpSpPr>
-        <a:xfrm>
-          <a:off x="0" y="0"/>
-          <a:ext cx="0" cy="0"/>
-          <a:chOff x="0" y="0"/>
-          <a:chExt cx="0" cy="0"/>
-        </a:xfrm>
-      </p:grpSpPr>
-      <p:sp>
-        <p:nvSpPr>
-          <p:cNvPr id="2" name="Title 1"/>
-          <p:cNvSpPr>
-            <a:spLocks noGrp="1"/>
-          </p:cNvSpPr>
-          <p:nvPr>
-            <p:ph type="title"/>
-          </p:nvPr>
-        </p:nvSpPr>
-        <p:spPr/>
-        <p:txBody>
-          <a:bodyPr/>
-          <a:lstStyle/>
-          <a:p>
-            <a:r>
-              <a:rPr lang="en-US" dirty="0" smtClean="0"/>
-              <a:t>KL-Severity</a:t>
-            </a:r>
-            <a:endParaRPr lang="en-US" dirty="0"/>
-          </a:p>
-        </p:txBody>
-      </p:sp>
-      <p:sp>
-        <p:nvSpPr>
-          <p:cNvPr id="3" name="Content Placeholder 2"/>
-          <p:cNvSpPr>
-            <a:spLocks noGrp="1"/>
-          </p:cNvSpPr>
-          <p:nvPr>
-            <p:ph idx="1"/>
-          </p:nvPr>
-        </p:nvSpPr>
-        <p:spPr/>
-        <p:txBody>
-          <a:bodyPr>
-            <a:normAutofit fontScale="92500" lnSpcReduction="10000"/>
-          </a:bodyPr>
-          <a:lstStyle/>
-          <a:p>
-            <a:r>
-              <a:rPr lang="en-US" dirty="0" smtClean="0"/>
-              <a:t>Non-sensitive attribute</a:t>
-            </a:r>
-          </a:p>
-          <a:p>
-            <a:pPr lvl="1"/>
-            <a:r>
-              <a:rPr lang="en-US" dirty="0" smtClean="0"/>
-              <a:t>Assume Non-sensitive != quasi-identifier</a:t>
-            </a:r>
-          </a:p>
-          <a:p>
-            <a:r>
-              <a:rPr lang="en-US" dirty="0" smtClean="0"/>
-              <a:t>Dynamic data</a:t>
-            </a:r>
-          </a:p>
-          <a:p>
-            <a:pPr marL="0" indent="0">
-              <a:buNone/>
-            </a:pPr>
-            <a:r>
-              <a:rPr lang="en-US" dirty="0" smtClean="0"/>
-              <a:t>{ </a:t>
-            </a:r>
-            <a:br>
-              <a:rPr lang="en-US" dirty="0" smtClean="0"/>
-            </a:br>
-            <a:r>
-              <a:rPr lang="en-US" dirty="0" smtClean="0"/>
-              <a:t>	property_1: value_1</a:t>
-            </a:r>
-            <a:br>
-              <a:rPr lang="en-US" dirty="0" smtClean="0"/>
-            </a:br>
-            <a:r>
-              <a:rPr lang="en-US" dirty="0" smtClean="0"/>
-              <a:t> },</a:t>
-            </a:r>
-          </a:p>
-          <a:p>
-            <a:pPr marL="0" indent="0">
-              <a:buNone/>
-            </a:pPr>
-            <a:r>
-              <a:rPr lang="en-US" dirty="0" smtClean="0"/>
-              <a:t>{ </a:t>
-            </a:r>
-            <a:br>
-              <a:rPr lang="en-US" dirty="0" smtClean="0"/>
-            </a:br>
-            <a:r>
-              <a:rPr lang="en-US" dirty="0" smtClean="0"/>
-              <a:t>	property_1: value_1, </a:t>
-            </a:r>
-            <a:br>
-              <a:rPr lang="en-US" dirty="0" smtClean="0"/>
-            </a:br>
-            <a:r>
-              <a:rPr lang="en-US" dirty="0" smtClean="0"/>
-              <a:t>	property_2: value_2</a:t>
-            </a:r>
-            <a:br>
-              <a:rPr lang="en-US" dirty="0" smtClean="0"/>
-            </a:br>
-            <a:r>
-              <a:rPr lang="en-US" dirty="0" smtClean="0"/>
-              <a:t>}	</a:t>
-            </a:r>
-          </a:p>
-          <a:p>
-            <a:endParaRPr lang="en-US" dirty="0" smtClean="0"/>
-          </a:p>
-        </p:txBody>
-      </p:sp>
-    </p:spTree>
-    <p:extLst>
-      <p:ext uri="{BB962C8B-B14F-4D97-AF65-F5344CB8AC3E}">
-        <p14:creationId xmlns:p14="http://schemas.microsoft.com/office/powerpoint/2010/main" val="970724351"/>
-      </p:ext>
-    </p:extLst>
-  </p:cSld>
-  <p:clrMapOvr>
-    <a:masterClrMapping/>
-  </p:clrMapOvr>
-</p:sld>
-</file>
-
-<file path=ppt/slides/slide36.xml><?xml version="1.0" encoding="utf-8"?>
-<p:sld xmlns:a="http://schemas.openxmlformats.org/drawingml/2006/main" xmlns:r="http://schemas.openxmlformats.org/officeDocument/2006/relationships" xmlns:p="http://schemas.openxmlformats.org/presentationml/2006/main">
-  <p:cSld>
-    <p:spTree>
-      <p:nvGrpSpPr>
-        <p:cNvPr id="1" name=""/>
-        <p:cNvGrpSpPr/>
-        <p:nvPr/>
-      </p:nvGrpSpPr>
-      <p:grpSpPr>
-        <a:xfrm>
-          <a:off x="0" y="0"/>
-          <a:ext cx="0" cy="0"/>
-          <a:chOff x="0" y="0"/>
-          <a:chExt cx="0" cy="0"/>
-        </a:xfrm>
-      </p:grpSpPr>
-      <p:sp>
-        <p:nvSpPr>
-          <p:cNvPr id="2" name="Title 1"/>
-          <p:cNvSpPr>
-            <a:spLocks noGrp="1"/>
-          </p:cNvSpPr>
-          <p:nvPr>
-            <p:ph type="title"/>
-          </p:nvPr>
-        </p:nvSpPr>
-        <p:spPr/>
-        <p:txBody>
-          <a:bodyPr/>
-          <a:lstStyle/>
-          <a:p>
-            <a:r>
-              <a:rPr lang="en-US" dirty="0" smtClean="0"/>
-              <a:t>KL-Severity</a:t>
-            </a:r>
-            <a:endParaRPr lang="en-US" dirty="0"/>
-          </a:p>
-        </p:txBody>
-      </p:sp>
       <p:graphicFrame>
         <p:nvGraphicFramePr>
           <p:cNvPr id="4" name="Content Placeholder 3"/>
@@ -8739,7 +9807,7 @@
             <p:ph idx="1"/>
             <p:extLst>
               <p:ext uri="{D42A27DB-BD31-4B8C-83A1-F6EECF244321}">
-                <p14:modId xmlns:p14="http://schemas.microsoft.com/office/powerpoint/2010/main" val="2101153441"/>
+                <p14:modId xmlns:p14="http://schemas.microsoft.com/office/powerpoint/2010/main" val="4240609773"/>
               </p:ext>
             </p:extLst>
           </p:nvPr>
@@ -8959,7 +10027,7 @@
                     <a:p>
                       <a:r>
                         <a:rPr lang="en-US" dirty="0" smtClean="0"/>
-                        <a:t>Heart Attack</a:t>
+                        <a:t>Ebola</a:t>
                       </a:r>
                       <a:endParaRPr lang="en-US" dirty="0"/>
                     </a:p>
@@ -9040,7 +10108,7 @@
           <p:nvPr>
             <p:extLst>
               <p:ext uri="{D42A27DB-BD31-4B8C-83A1-F6EECF244321}">
-                <p14:modId xmlns:p14="http://schemas.microsoft.com/office/powerpoint/2010/main" val="4122555528"/>
+                <p14:modId xmlns:p14="http://schemas.microsoft.com/office/powerpoint/2010/main" val="327910848"/>
               </p:ext>
             </p:extLst>
           </p:nvPr>
@@ -9216,7 +10284,7 @@
                     <a:p>
                       <a:r>
                         <a:rPr lang="en-US" dirty="0" smtClean="0"/>
-                        <a:t>Heart Attack</a:t>
+                        <a:t>Ebola</a:t>
                       </a:r>
                       <a:endParaRPr lang="en-US" dirty="0"/>
                     </a:p>
@@ -9361,6 +10429,180 @@
 </p:sld>
 </file>
 
+<file path=ppt/slides/slide35.xml><?xml version="1.0" encoding="utf-8"?>
+<p:sld xmlns:a="http://schemas.openxmlformats.org/drawingml/2006/main" xmlns:r="http://schemas.openxmlformats.org/officeDocument/2006/relationships" xmlns:p="http://schemas.openxmlformats.org/presentationml/2006/main">
+  <p:cSld>
+    <p:spTree>
+      <p:nvGrpSpPr>
+        <p:cNvPr id="1" name=""/>
+        <p:cNvGrpSpPr/>
+        <p:nvPr/>
+      </p:nvGrpSpPr>
+      <p:grpSpPr>
+        <a:xfrm>
+          <a:off x="0" y="0"/>
+          <a:ext cx="0" cy="0"/>
+          <a:chOff x="0" y="0"/>
+          <a:chExt cx="0" cy="0"/>
+        </a:xfrm>
+      </p:grpSpPr>
+      <p:sp>
+        <p:nvSpPr>
+          <p:cNvPr id="2" name="Title 1"/>
+          <p:cNvSpPr>
+            <a:spLocks noGrp="1"/>
+          </p:cNvSpPr>
+          <p:nvPr>
+            <p:ph type="title"/>
+          </p:nvPr>
+        </p:nvSpPr>
+        <p:spPr/>
+        <p:txBody>
+          <a:bodyPr/>
+          <a:lstStyle/>
+          <a:p>
+            <a:r>
+              <a:rPr lang="en-US" dirty="0" smtClean="0"/>
+              <a:t>KL-Severity</a:t>
+            </a:r>
+            <a:endParaRPr lang="en-US" dirty="0"/>
+          </a:p>
+        </p:txBody>
+      </p:sp>
+      <p:sp>
+        <p:nvSpPr>
+          <p:cNvPr id="3" name="Content Placeholder 2"/>
+          <p:cNvSpPr>
+            <a:spLocks noGrp="1"/>
+          </p:cNvSpPr>
+          <p:nvPr>
+            <p:ph idx="1"/>
+          </p:nvPr>
+        </p:nvSpPr>
+        <p:spPr/>
+        <p:txBody>
+          <a:bodyPr/>
+          <a:lstStyle/>
+          <a:p>
+            <a:r>
+              <a:rPr lang="en-US" dirty="0" smtClean="0"/>
+              <a:t>Severity Definition</a:t>
+            </a:r>
+          </a:p>
+          <a:p>
+            <a:pPr lvl="1"/>
+            <a:r>
+              <a:rPr lang="en-US" dirty="0" smtClean="0"/>
+              <a:t>Impact on Individual’s life</a:t>
+            </a:r>
+          </a:p>
+          <a:p>
+            <a:pPr lvl="1"/>
+            <a:r>
+              <a:rPr lang="en-US" dirty="0" smtClean="0"/>
+              <a:t>Value</a:t>
+            </a:r>
+          </a:p>
+          <a:p>
+            <a:r>
+              <a:rPr lang="en-US" dirty="0" smtClean="0"/>
+              <a:t>Severity should be clear and parameters will reflect this</a:t>
+            </a:r>
+            <a:endParaRPr lang="en-US" dirty="0"/>
+          </a:p>
+        </p:txBody>
+      </p:sp>
+    </p:spTree>
+    <p:extLst>
+      <p:ext uri="{BB962C8B-B14F-4D97-AF65-F5344CB8AC3E}">
+        <p14:creationId xmlns:p14="http://schemas.microsoft.com/office/powerpoint/2010/main" val="2147364595"/>
+      </p:ext>
+    </p:extLst>
+  </p:cSld>
+  <p:clrMapOvr>
+    <a:masterClrMapping/>
+  </p:clrMapOvr>
+</p:sld>
+</file>
+
+<file path=ppt/slides/slide36.xml><?xml version="1.0" encoding="utf-8"?>
+<p:sld xmlns:a="http://schemas.openxmlformats.org/drawingml/2006/main" xmlns:r="http://schemas.openxmlformats.org/officeDocument/2006/relationships" xmlns:p="http://schemas.openxmlformats.org/presentationml/2006/main">
+  <p:cSld>
+    <p:spTree>
+      <p:nvGrpSpPr>
+        <p:cNvPr id="1" name=""/>
+        <p:cNvGrpSpPr/>
+        <p:nvPr/>
+      </p:nvGrpSpPr>
+      <p:grpSpPr>
+        <a:xfrm>
+          <a:off x="0" y="0"/>
+          <a:ext cx="0" cy="0"/>
+          <a:chOff x="0" y="0"/>
+          <a:chExt cx="0" cy="0"/>
+        </a:xfrm>
+      </p:grpSpPr>
+      <p:sp>
+        <p:nvSpPr>
+          <p:cNvPr id="2" name="Title 1"/>
+          <p:cNvSpPr>
+            <a:spLocks noGrp="1"/>
+          </p:cNvSpPr>
+          <p:nvPr>
+            <p:ph type="title"/>
+          </p:nvPr>
+        </p:nvSpPr>
+        <p:spPr/>
+        <p:txBody>
+          <a:bodyPr/>
+          <a:lstStyle/>
+          <a:p>
+            <a:r>
+              <a:rPr lang="en-US" dirty="0" smtClean="0"/>
+              <a:t>Classification Score</a:t>
+            </a:r>
+            <a:endParaRPr lang="en-US" dirty="0"/>
+          </a:p>
+        </p:txBody>
+      </p:sp>
+      <p:pic>
+        <p:nvPicPr>
+          <p:cNvPr id="8" name="Content Placeholder 7" descr="Screen Shot 2017-05-04 at 9.43.06 PM.png"/>
+          <p:cNvPicPr>
+            <a:picLocks noGrp="1" noChangeAspect="1"/>
+          </p:cNvPicPr>
+          <p:nvPr>
+            <p:ph idx="1"/>
+          </p:nvPr>
+        </p:nvPicPr>
+        <p:blipFill>
+          <a:blip r:embed="rId2">
+            <a:extLst>
+              <a:ext uri="{28A0092B-C50C-407E-A947-70E740481C1C}">
+                <a14:useLocalDpi xmlns:a14="http://schemas.microsoft.com/office/drawing/2010/main" val="0"/>
+              </a:ext>
+            </a:extLst>
+          </a:blip>
+          <a:srcRect t="-22037" b="-22037"/>
+          <a:stretch>
+            <a:fillRect/>
+          </a:stretch>
+        </p:blipFill>
+        <p:spPr/>
+      </p:pic>
+    </p:spTree>
+    <p:extLst>
+      <p:ext uri="{BB962C8B-B14F-4D97-AF65-F5344CB8AC3E}">
+        <p14:creationId xmlns:p14="http://schemas.microsoft.com/office/powerpoint/2010/main" val="636434526"/>
+      </p:ext>
+    </p:extLst>
+  </p:cSld>
+  <p:clrMapOvr>
+    <a:masterClrMapping/>
+  </p:clrMapOvr>
+</p:sld>
+</file>
+
 <file path=ppt/slides/slide37.xml><?xml version="1.0" encoding="utf-8"?>
 <p:sld xmlns:a="http://schemas.openxmlformats.org/drawingml/2006/main" xmlns:r="http://schemas.openxmlformats.org/officeDocument/2006/relationships" xmlns:p="http://schemas.openxmlformats.org/presentationml/2006/main">
   <p:cSld>
@@ -9395,41 +10637,88 @@
           <a:p>
             <a:r>
               <a:rPr lang="en-US" dirty="0" smtClean="0"/>
-              <a:t>Classification Score</a:t>
+              <a:t>Dependency Factor</a:t>
             </a:r>
             <a:endParaRPr lang="en-US" dirty="0"/>
           </a:p>
         </p:txBody>
       </p:sp>
-      <p:pic>
-        <p:nvPicPr>
-          <p:cNvPr id="8" name="Content Placeholder 7" descr="Screen Shot 2017-05-04 at 9.43.06 PM.png"/>
-          <p:cNvPicPr>
-            <a:picLocks noGrp="1" noChangeAspect="1"/>
-          </p:cNvPicPr>
+      <p:sp>
+        <p:nvSpPr>
+          <p:cNvPr id="3" name="Content Placeholder 2"/>
+          <p:cNvSpPr>
+            <a:spLocks noGrp="1"/>
+          </p:cNvSpPr>
           <p:nvPr>
             <p:ph idx="1"/>
           </p:nvPr>
-        </p:nvPicPr>
-        <p:blipFill>
-          <a:blip r:embed="rId2">
-            <a:extLst>
-              <a:ext uri="{28A0092B-C50C-407E-A947-70E740481C1C}">
-                <a14:useLocalDpi xmlns:a14="http://schemas.microsoft.com/office/drawing/2010/main" val="0"/>
-              </a:ext>
-            </a:extLst>
-          </a:blip>
-          <a:srcRect t="-22037" b="-22037"/>
-          <a:stretch>
-            <a:fillRect/>
-          </a:stretch>
-        </p:blipFill>
-        <p:spPr/>
-      </p:pic>
+        </p:nvSpPr>
+        <p:spPr/>
+        <p:txBody>
+          <a:bodyPr>
+            <a:normAutofit fontScale="92500" lnSpcReduction="10000"/>
+          </a:bodyPr>
+          <a:lstStyle/>
+          <a:p>
+            <a:r>
+              <a:rPr lang="en-US" dirty="0" smtClean="0"/>
+              <a:t>Kept logic as-is</a:t>
+            </a:r>
+          </a:p>
+          <a:p>
+            <a:pPr lvl="1"/>
+            <a:r>
+              <a:rPr lang="en-US" dirty="0" smtClean="0"/>
+              <a:t>Represents the number of tuples in a q-block</a:t>
+            </a:r>
+          </a:p>
+          <a:p>
+            <a:pPr lvl="1"/>
+            <a:r>
+              <a:rPr lang="en-US" dirty="0" smtClean="0"/>
+              <a:t>Can add a weight to determine if table follows k-anonymity rule</a:t>
+            </a:r>
+          </a:p>
+          <a:p>
+            <a:pPr lvl="2"/>
+            <a:r>
+              <a:rPr lang="en-US" dirty="0" smtClean="0"/>
+              <a:t>How far from k is this q-block</a:t>
+            </a:r>
+          </a:p>
+          <a:p>
+            <a:pPr lvl="2"/>
+            <a:r>
+              <a:rPr lang="en-US" dirty="0" smtClean="0"/>
+              <a:t>Impact</a:t>
+            </a:r>
+          </a:p>
+          <a:p>
+            <a:r>
+              <a:rPr lang="en-US" dirty="0" smtClean="0"/>
+              <a:t>Not k-anonymity conforming</a:t>
+            </a:r>
+          </a:p>
+          <a:p>
+            <a:r>
+              <a:rPr lang="en-US" dirty="0" smtClean="0"/>
+              <a:t>How far from k?</a:t>
+            </a:r>
+          </a:p>
+          <a:p>
+            <a:pPr lvl="1"/>
+            <a:r>
+              <a:rPr lang="en-US" dirty="0" smtClean="0"/>
+              <a:t>Equivalent to how distinct a record is using the traditional DF method</a:t>
+            </a:r>
+            <a:endParaRPr lang="en-US" dirty="0"/>
+          </a:p>
+        </p:txBody>
+      </p:sp>
     </p:spTree>
     <p:extLst>
       <p:ext uri="{BB962C8B-B14F-4D97-AF65-F5344CB8AC3E}">
-        <p14:creationId xmlns:p14="http://schemas.microsoft.com/office/powerpoint/2010/main" val="636434526"/>
+        <p14:creationId xmlns:p14="http://schemas.microsoft.com/office/powerpoint/2010/main" val="772342782"/>
       </p:ext>
     </p:extLst>
   </p:cSld>
@@ -9473,88 +10762,41 @@
           <a:p>
             <a:r>
               <a:rPr lang="en-US" dirty="0" smtClean="0"/>
-              <a:t>Dependency Factor</a:t>
+              <a:t>Q-Block</a:t>
             </a:r>
             <a:endParaRPr lang="en-US" dirty="0"/>
           </a:p>
         </p:txBody>
       </p:sp>
-      <p:sp>
-        <p:nvSpPr>
-          <p:cNvPr id="3" name="Content Placeholder 2"/>
-          <p:cNvSpPr>
-            <a:spLocks noGrp="1"/>
-          </p:cNvSpPr>
+      <p:pic>
+        <p:nvPicPr>
+          <p:cNvPr id="4" name="Content Placeholder 3" descr="Screen Shot 2017-05-04 at 10.01.26 PM.png"/>
+          <p:cNvPicPr>
+            <a:picLocks noGrp="1" noChangeAspect="1"/>
+          </p:cNvPicPr>
           <p:nvPr>
             <p:ph idx="1"/>
           </p:nvPr>
-        </p:nvSpPr>
-        <p:spPr/>
-        <p:txBody>
-          <a:bodyPr>
-            <a:normAutofit fontScale="92500" lnSpcReduction="10000"/>
-          </a:bodyPr>
-          <a:lstStyle/>
-          <a:p>
-            <a:r>
-              <a:rPr lang="en-US" dirty="0" smtClean="0"/>
-              <a:t>Kept logic as-is</a:t>
-            </a:r>
-          </a:p>
-          <a:p>
-            <a:pPr lvl="1"/>
-            <a:r>
-              <a:rPr lang="en-US" dirty="0" smtClean="0"/>
-              <a:t>Represents the number of tuples in a q-block</a:t>
-            </a:r>
-          </a:p>
-          <a:p>
-            <a:pPr lvl="1"/>
-            <a:r>
-              <a:rPr lang="en-US" dirty="0" smtClean="0"/>
-              <a:t>Can add a weight to determine if table follows k-anonymity rule</a:t>
-            </a:r>
-          </a:p>
-          <a:p>
-            <a:pPr lvl="2"/>
-            <a:r>
-              <a:rPr lang="en-US" dirty="0" smtClean="0"/>
-              <a:t>How far from k is this q-block</a:t>
-            </a:r>
-          </a:p>
-          <a:p>
-            <a:pPr lvl="2"/>
-            <a:r>
-              <a:rPr lang="en-US" dirty="0" smtClean="0"/>
-              <a:t>Impact</a:t>
-            </a:r>
-          </a:p>
-          <a:p>
-            <a:r>
-              <a:rPr lang="en-US" dirty="0" smtClean="0"/>
-              <a:t>Not k-anonymity conforming</a:t>
-            </a:r>
-          </a:p>
-          <a:p>
-            <a:r>
-              <a:rPr lang="en-US" dirty="0" smtClean="0"/>
-              <a:t>How far from k?</a:t>
-            </a:r>
-          </a:p>
-          <a:p>
-            <a:pPr lvl="1"/>
-            <a:r>
-              <a:rPr lang="en-US" dirty="0" smtClean="0"/>
-              <a:t>Equivalent to how distinct a record is using the traditional DF method</a:t>
-            </a:r>
-            <a:endParaRPr lang="en-US" dirty="0"/>
-          </a:p>
-        </p:txBody>
-      </p:sp>
+        </p:nvPicPr>
+        <p:blipFill>
+          <a:blip r:embed="rId2">
+            <a:extLst>
+              <a:ext uri="{28A0092B-C50C-407E-A947-70E740481C1C}">
+                <a14:useLocalDpi xmlns:a14="http://schemas.microsoft.com/office/drawing/2010/main" val="0"/>
+              </a:ext>
+            </a:extLst>
+          </a:blip>
+          <a:srcRect t="-54285" b="-54285"/>
+          <a:stretch>
+            <a:fillRect/>
+          </a:stretch>
+        </p:blipFill>
+        <p:spPr/>
+      </p:pic>
     </p:spTree>
     <p:extLst>
       <p:ext uri="{BB962C8B-B14F-4D97-AF65-F5344CB8AC3E}">
-        <p14:creationId xmlns:p14="http://schemas.microsoft.com/office/powerpoint/2010/main" val="772342782"/>
+        <p14:creationId xmlns:p14="http://schemas.microsoft.com/office/powerpoint/2010/main" val="2456637169"/>
       </p:ext>
     </p:extLst>
   </p:cSld>
@@ -9598,41 +10840,41 @@
           <a:p>
             <a:r>
               <a:rPr lang="en-US" dirty="0" smtClean="0"/>
-              <a:t>Q-Block</a:t>
+              <a:t>Definition</a:t>
             </a:r>
             <a:endParaRPr lang="en-US" dirty="0"/>
           </a:p>
         </p:txBody>
       </p:sp>
-      <p:pic>
-        <p:nvPicPr>
-          <p:cNvPr id="4" name="Content Placeholder 3" descr="Screen Shot 2017-05-04 at 10.01.26 PM.png"/>
-          <p:cNvPicPr>
-            <a:picLocks noGrp="1" noChangeAspect="1"/>
-          </p:cNvPicPr>
+      <p:sp>
+        <p:nvSpPr>
+          <p:cNvPr id="3" name="Content Placeholder 2"/>
+          <p:cNvSpPr>
+            <a:spLocks noGrp="1"/>
+          </p:cNvSpPr>
           <p:nvPr>
             <p:ph idx="1"/>
           </p:nvPr>
-        </p:nvPicPr>
-        <p:blipFill>
-          <a:blip r:embed="rId2">
-            <a:extLst>
-              <a:ext uri="{28A0092B-C50C-407E-A947-70E740481C1C}">
-                <a14:useLocalDpi xmlns:a14="http://schemas.microsoft.com/office/drawing/2010/main" val="0"/>
-              </a:ext>
-            </a:extLst>
-          </a:blip>
-          <a:srcRect t="-54285" b="-54285"/>
-          <a:stretch>
-            <a:fillRect/>
-          </a:stretch>
-        </p:blipFill>
-        <p:spPr/>
-      </p:pic>
+        </p:nvSpPr>
+        <p:spPr/>
+        <p:txBody>
+          <a:bodyPr/>
+          <a:lstStyle/>
+          <a:p>
+            <a:r>
+              <a:rPr lang="en-US" dirty="0" smtClean="0"/>
+              <a:t>Let QBS be the set of sensitive attributes in one q-block</a:t>
+            </a:r>
+          </a:p>
+          <a:p>
+            <a:endParaRPr lang="en-US" dirty="0"/>
+          </a:p>
+        </p:txBody>
+      </p:sp>
     </p:spTree>
     <p:extLst>
       <p:ext uri="{BB962C8B-B14F-4D97-AF65-F5344CB8AC3E}">
-        <p14:creationId xmlns:p14="http://schemas.microsoft.com/office/powerpoint/2010/main" val="2456637169"/>
+        <p14:creationId xmlns:p14="http://schemas.microsoft.com/office/powerpoint/2010/main" val="2361659114"/>
       </p:ext>
     </p:extLst>
   </p:cSld>
@@ -9676,7 +10918,7 @@
           <a:p>
             <a:r>
               <a:rPr lang="en-US" dirty="0" smtClean="0"/>
-              <a:t>Regulations</a:t>
+              <a:t>Introduction</a:t>
             </a:r>
             <a:endParaRPr lang="en-US" dirty="0"/>
           </a:p>
@@ -9778,42 +11020,42 @@
           <a:lstStyle/>
           <a:p>
             <a:r>
-              <a:rPr lang="en-US" dirty="0" smtClean="0"/>
-              <a:t>Definition</a:t>
+              <a:rPr lang="en-US" dirty="0" err="1" smtClean="0"/>
+              <a:t>DivFactor</a:t>
             </a:r>
             <a:endParaRPr lang="en-US" dirty="0"/>
           </a:p>
         </p:txBody>
       </p:sp>
-      <p:sp>
-        <p:nvSpPr>
-          <p:cNvPr id="3" name="Content Placeholder 2"/>
-          <p:cNvSpPr>
-            <a:spLocks noGrp="1"/>
-          </p:cNvSpPr>
+      <p:pic>
+        <p:nvPicPr>
+          <p:cNvPr id="4" name="Content Placeholder 3" descr="Screen Shot 2017-05-04 at 10.06.36 PM.png"/>
+          <p:cNvPicPr>
+            <a:picLocks noGrp="1" noChangeAspect="1"/>
+          </p:cNvPicPr>
           <p:nvPr>
             <p:ph idx="1"/>
           </p:nvPr>
-        </p:nvSpPr>
-        <p:spPr/>
-        <p:txBody>
-          <a:bodyPr/>
-          <a:lstStyle/>
-          <a:p>
-            <a:r>
-              <a:rPr lang="en-US" dirty="0" smtClean="0"/>
-              <a:t>Let QBS be the set of sensitive attributes in one q-block</a:t>
-            </a:r>
-          </a:p>
-          <a:p>
-            <a:endParaRPr lang="en-US" dirty="0"/>
-          </a:p>
-        </p:txBody>
-      </p:sp>
+        </p:nvPicPr>
+        <p:blipFill>
+          <a:blip r:embed="rId3">
+            <a:extLst>
+              <a:ext uri="{28A0092B-C50C-407E-A947-70E740481C1C}">
+                <a14:useLocalDpi xmlns:a14="http://schemas.microsoft.com/office/drawing/2010/main" val="0"/>
+              </a:ext>
+            </a:extLst>
+          </a:blip>
+          <a:srcRect t="-125860" b="-125860"/>
+          <a:stretch>
+            <a:fillRect/>
+          </a:stretch>
+        </p:blipFill>
+        <p:spPr/>
+      </p:pic>
     </p:spTree>
     <p:extLst>
       <p:ext uri="{BB962C8B-B14F-4D97-AF65-F5344CB8AC3E}">
-        <p14:creationId xmlns:p14="http://schemas.microsoft.com/office/powerpoint/2010/main" val="2361659114"/>
+        <p14:creationId xmlns:p14="http://schemas.microsoft.com/office/powerpoint/2010/main" val="2470003929"/>
       </p:ext>
     </p:extLst>
   </p:cSld>
@@ -9856,8 +11098,8 @@
           <a:lstStyle/>
           <a:p>
             <a:r>
-              <a:rPr lang="en-US" dirty="0" err="1" smtClean="0"/>
-              <a:t>DivFactor</a:t>
+              <a:rPr lang="en-US" dirty="0" smtClean="0"/>
+              <a:t>Well Represented</a:t>
             </a:r>
             <a:endParaRPr lang="en-US" dirty="0"/>
           </a:p>
@@ -9865,7 +11107,7 @@
       </p:sp>
       <p:pic>
         <p:nvPicPr>
-          <p:cNvPr id="4" name="Content Placeholder 3" descr="Screen Shot 2017-05-04 at 10.06.36 PM.png"/>
+          <p:cNvPr id="4" name="Content Placeholder 3" descr="Screen Shot 2017-05-04 at 10.16.25 PM.png"/>
           <p:cNvPicPr>
             <a:picLocks noGrp="1" noChangeAspect="1"/>
           </p:cNvPicPr>
@@ -9881,7 +11123,7 @@
               </a:ext>
             </a:extLst>
           </a:blip>
-          <a:srcRect t="-125860" b="-125860"/>
+          <a:srcRect t="-71866" b="-71866"/>
           <a:stretch>
             <a:fillRect/>
           </a:stretch>
@@ -9891,7 +11133,7 @@
     </p:spTree>
     <p:extLst>
       <p:ext uri="{BB962C8B-B14F-4D97-AF65-F5344CB8AC3E}">
-        <p14:creationId xmlns:p14="http://schemas.microsoft.com/office/powerpoint/2010/main" val="2470003929"/>
+        <p14:creationId xmlns:p14="http://schemas.microsoft.com/office/powerpoint/2010/main" val="2987011738"/>
       </p:ext>
     </p:extLst>
   </p:cSld>
@@ -9935,7 +11177,7 @@
           <a:p>
             <a:r>
               <a:rPr lang="en-US" dirty="0" smtClean="0"/>
-              <a:t>Well Represented</a:t>
+              <a:t>KL-Diversity</a:t>
             </a:r>
             <a:endParaRPr lang="en-US" dirty="0"/>
           </a:p>
@@ -9943,7 +11185,7 @@
       </p:sp>
       <p:pic>
         <p:nvPicPr>
-          <p:cNvPr id="4" name="Content Placeholder 3" descr="Screen Shot 2017-05-04 at 10.16.25 PM.png"/>
+          <p:cNvPr id="4" name="Content Placeholder 3" descr="Screen Shot 2017-05-04 at 10.24.19 PM.png"/>
           <p:cNvPicPr>
             <a:picLocks noGrp="1" noChangeAspect="1"/>
           </p:cNvPicPr>
@@ -9952,14 +11194,14 @@
           </p:nvPr>
         </p:nvPicPr>
         <p:blipFill>
-          <a:blip r:embed="rId3">
+          <a:blip r:embed="rId2">
             <a:extLst>
               <a:ext uri="{28A0092B-C50C-407E-A947-70E740481C1C}">
                 <a14:useLocalDpi xmlns:a14="http://schemas.microsoft.com/office/drawing/2010/main" val="0"/>
               </a:ext>
             </a:extLst>
           </a:blip>
-          <a:srcRect t="-71866" b="-71866"/>
+          <a:srcRect t="-25544" b="-25544"/>
           <a:stretch>
             <a:fillRect/>
           </a:stretch>
@@ -9969,7 +11211,7 @@
     </p:spTree>
     <p:extLst>
       <p:ext uri="{BB962C8B-B14F-4D97-AF65-F5344CB8AC3E}">
-        <p14:creationId xmlns:p14="http://schemas.microsoft.com/office/powerpoint/2010/main" val="2987011738"/>
+        <p14:creationId xmlns:p14="http://schemas.microsoft.com/office/powerpoint/2010/main" val="2282400106"/>
       </p:ext>
     </p:extLst>
   </p:cSld>
@@ -10013,41 +11255,668 @@
           <a:p>
             <a:r>
               <a:rPr lang="en-US" dirty="0" smtClean="0"/>
-              <a:t>KL-Diversity</a:t>
+              <a:t>Example</a:t>
             </a:r>
             <a:endParaRPr lang="en-US" dirty="0"/>
           </a:p>
         </p:txBody>
       </p:sp>
-      <p:pic>
-        <p:nvPicPr>
-          <p:cNvPr id="4" name="Content Placeholder 3" descr="Screen Shot 2017-05-04 at 10.24.19 PM.png"/>
-          <p:cNvPicPr>
-            <a:picLocks noGrp="1" noChangeAspect="1"/>
-          </p:cNvPicPr>
+      <p:sp>
+        <p:nvSpPr>
+          <p:cNvPr id="3" name="Content Placeholder 2"/>
+          <p:cNvSpPr>
+            <a:spLocks noGrp="1"/>
+          </p:cNvSpPr>
           <p:nvPr>
             <p:ph idx="1"/>
           </p:nvPr>
-        </p:nvPicPr>
-        <p:blipFill>
-          <a:blip r:embed="rId2">
-            <a:extLst>
-              <a:ext uri="{28A0092B-C50C-407E-A947-70E740481C1C}">
-                <a14:useLocalDpi xmlns:a14="http://schemas.microsoft.com/office/drawing/2010/main" val="0"/>
-              </a:ext>
-            </a:extLst>
-          </a:blip>
-          <a:srcRect t="-25544" b="-25544"/>
-          <a:stretch>
-            <a:fillRect/>
-          </a:stretch>
-        </p:blipFill>
-        <p:spPr/>
-      </p:pic>
+        </p:nvSpPr>
+        <p:spPr/>
+        <p:txBody>
+          <a:bodyPr/>
+          <a:lstStyle/>
+          <a:p>
+            <a:pPr marL="0" indent="0">
+              <a:buNone/>
+            </a:pPr>
+            <a:endParaRPr lang="en-US" dirty="0" smtClean="0"/>
+          </a:p>
+          <a:p>
+            <a:pPr marL="0" indent="0">
+              <a:buNone/>
+            </a:pPr>
+            <a:endParaRPr lang="en-US" dirty="0" smtClean="0"/>
+          </a:p>
+          <a:p>
+            <a:endParaRPr lang="en-US" dirty="0"/>
+          </a:p>
+          <a:p>
+            <a:endParaRPr lang="en-US" dirty="0"/>
+          </a:p>
+        </p:txBody>
+      </p:sp>
+      <p:graphicFrame>
+        <p:nvGraphicFramePr>
+          <p:cNvPr id="8" name="Content Placeholder 3"/>
+          <p:cNvGraphicFramePr>
+            <a:graphicFrameLocks/>
+          </p:cNvGraphicFramePr>
+          <p:nvPr>
+            <p:extLst>
+              <p:ext uri="{D42A27DB-BD31-4B8C-83A1-F6EECF244321}">
+                <p14:modId xmlns:p14="http://schemas.microsoft.com/office/powerpoint/2010/main" val="2475262566"/>
+              </p:ext>
+            </p:extLst>
+          </p:nvPr>
+        </p:nvGraphicFramePr>
+        <p:xfrm>
+          <a:off x="457200" y="1600200"/>
+          <a:ext cx="8229600" cy="1854200"/>
+        </p:xfrm>
+        <a:graphic>
+          <a:graphicData uri="http://schemas.openxmlformats.org/drawingml/2006/table">
+            <a:tbl>
+              <a:tblPr firstRow="1" bandRow="1">
+                <a:tableStyleId>{5C22544A-7EE6-4342-B048-85BDC9FD1C3A}</a:tableStyleId>
+              </a:tblPr>
+              <a:tblGrid>
+                <a:gridCol w="2743200"/>
+                <a:gridCol w="2743200"/>
+                <a:gridCol w="2743200"/>
+              </a:tblGrid>
+              <a:tr h="370840">
+                <a:tc>
+                  <a:txBody>
+                    <a:bodyPr/>
+                    <a:lstStyle/>
+                    <a:p>
+                      <a:r>
+                        <a:rPr lang="en-US" dirty="0" smtClean="0"/>
+                        <a:t>Job</a:t>
+                      </a:r>
+                      <a:endParaRPr lang="en-US" dirty="0"/>
+                    </a:p>
+                  </a:txBody>
+                  <a:tcPr/>
+                </a:tc>
+                <a:tc>
+                  <a:txBody>
+                    <a:bodyPr/>
+                    <a:lstStyle/>
+                    <a:p>
+                      <a:r>
+                        <a:rPr lang="en-US" dirty="0" smtClean="0"/>
+                        <a:t>Age</a:t>
+                      </a:r>
+                      <a:endParaRPr lang="en-US" dirty="0"/>
+                    </a:p>
+                  </a:txBody>
+                  <a:tcPr/>
+                </a:tc>
+                <a:tc>
+                  <a:txBody>
+                    <a:bodyPr/>
+                    <a:lstStyle/>
+                    <a:p>
+                      <a:r>
+                        <a:rPr lang="en-US" dirty="0" smtClean="0"/>
+                        <a:t>Disease</a:t>
+                      </a:r>
+                      <a:endParaRPr lang="en-US" dirty="0"/>
+                    </a:p>
+                  </a:txBody>
+                  <a:tcPr/>
+                </a:tc>
+              </a:tr>
+              <a:tr h="370840">
+                <a:tc>
+                  <a:txBody>
+                    <a:bodyPr/>
+                    <a:lstStyle/>
+                    <a:p>
+                      <a:r>
+                        <a:rPr lang="en-US" dirty="0" smtClean="0"/>
+                        <a:t>Student</a:t>
+                      </a:r>
+                      <a:endParaRPr lang="en-US" dirty="0"/>
+                    </a:p>
+                  </a:txBody>
+                  <a:tcPr/>
+                </a:tc>
+                <a:tc>
+                  <a:txBody>
+                    <a:bodyPr/>
+                    <a:lstStyle/>
+                    <a:p>
+                      <a:r>
+                        <a:rPr lang="en-US" dirty="0" smtClean="0"/>
+                        <a:t>*</a:t>
+                      </a:r>
+                      <a:endParaRPr lang="en-US" dirty="0"/>
+                    </a:p>
+                  </a:txBody>
+                  <a:tcPr/>
+                </a:tc>
+                <a:tc>
+                  <a:txBody>
+                    <a:bodyPr/>
+                    <a:lstStyle/>
+                    <a:p>
+                      <a:r>
+                        <a:rPr lang="en-US" dirty="0" smtClean="0"/>
+                        <a:t>HIV</a:t>
+                      </a:r>
+                      <a:endParaRPr lang="en-US" dirty="0"/>
+                    </a:p>
+                  </a:txBody>
+                  <a:tcPr/>
+                </a:tc>
+              </a:tr>
+              <a:tr h="370840">
+                <a:tc>
+                  <a:txBody>
+                    <a:bodyPr/>
+                    <a:lstStyle/>
+                    <a:p>
+                      <a:pPr marL="0" marR="0" indent="0" algn="l" defTabSz="457200" rtl="0" eaLnBrk="1" fontAlgn="auto" latinLnBrk="0" hangingPunct="1">
+                        <a:lnSpc>
+                          <a:spcPct val="100000"/>
+                        </a:lnSpc>
+                        <a:spcBef>
+                          <a:spcPts val="0"/>
+                        </a:spcBef>
+                        <a:spcAft>
+                          <a:spcPts val="0"/>
+                        </a:spcAft>
+                        <a:buClrTx/>
+                        <a:buSzTx/>
+                        <a:buFontTx/>
+                        <a:buNone/>
+                        <a:tabLst/>
+                        <a:defRPr/>
+                      </a:pPr>
+                      <a:r>
+                        <a:rPr lang="en-US" dirty="0" smtClean="0"/>
+                        <a:t>Student</a:t>
+                      </a:r>
+                    </a:p>
+                  </a:txBody>
+                  <a:tcPr/>
+                </a:tc>
+                <a:tc>
+                  <a:txBody>
+                    <a:bodyPr/>
+                    <a:lstStyle/>
+                    <a:p>
+                      <a:r>
+                        <a:rPr lang="en-US" dirty="0" smtClean="0"/>
+                        <a:t>*</a:t>
+                      </a:r>
+                      <a:endParaRPr lang="en-US" dirty="0"/>
+                    </a:p>
+                  </a:txBody>
+                  <a:tcPr/>
+                </a:tc>
+                <a:tc>
+                  <a:txBody>
+                    <a:bodyPr/>
+                    <a:lstStyle/>
+                    <a:p>
+                      <a:r>
+                        <a:rPr lang="en-US" dirty="0" smtClean="0"/>
+                        <a:t>HIV</a:t>
+                      </a:r>
+                      <a:endParaRPr lang="en-US" dirty="0"/>
+                    </a:p>
+                  </a:txBody>
+                  <a:tcPr/>
+                </a:tc>
+              </a:tr>
+              <a:tr h="370840">
+                <a:tc>
+                  <a:txBody>
+                    <a:bodyPr/>
+                    <a:lstStyle/>
+                    <a:p>
+                      <a:pPr marL="0" marR="0" indent="0" algn="l" defTabSz="457200" rtl="0" eaLnBrk="1" fontAlgn="auto" latinLnBrk="0" hangingPunct="1">
+                        <a:lnSpc>
+                          <a:spcPct val="100000"/>
+                        </a:lnSpc>
+                        <a:spcBef>
+                          <a:spcPts val="0"/>
+                        </a:spcBef>
+                        <a:spcAft>
+                          <a:spcPts val="0"/>
+                        </a:spcAft>
+                        <a:buClrTx/>
+                        <a:buSzTx/>
+                        <a:buFontTx/>
+                        <a:buNone/>
+                        <a:tabLst/>
+                        <a:defRPr/>
+                      </a:pPr>
+                      <a:r>
+                        <a:rPr lang="en-US" dirty="0" smtClean="0"/>
+                        <a:t>Student</a:t>
+                      </a:r>
+                    </a:p>
+                  </a:txBody>
+                  <a:tcPr/>
+                </a:tc>
+                <a:tc>
+                  <a:txBody>
+                    <a:bodyPr/>
+                    <a:lstStyle/>
+                    <a:p>
+                      <a:r>
+                        <a:rPr lang="en-US" dirty="0" smtClean="0"/>
+                        <a:t>*</a:t>
+                      </a:r>
+                      <a:endParaRPr lang="en-US" dirty="0"/>
+                    </a:p>
+                  </a:txBody>
+                  <a:tcPr/>
+                </a:tc>
+                <a:tc>
+                  <a:txBody>
+                    <a:bodyPr/>
+                    <a:lstStyle/>
+                    <a:p>
+                      <a:r>
+                        <a:rPr lang="en-US" dirty="0" smtClean="0"/>
+                        <a:t>Ebola</a:t>
+                      </a:r>
+                      <a:endParaRPr lang="en-US" dirty="0"/>
+                    </a:p>
+                  </a:txBody>
+                  <a:tcPr/>
+                </a:tc>
+              </a:tr>
+              <a:tr h="370840">
+                <a:tc>
+                  <a:txBody>
+                    <a:bodyPr/>
+                    <a:lstStyle/>
+                    <a:p>
+                      <a:pPr marL="0" marR="0" indent="0" algn="l" defTabSz="457200" rtl="0" eaLnBrk="1" fontAlgn="auto" latinLnBrk="0" hangingPunct="1">
+                        <a:lnSpc>
+                          <a:spcPct val="100000"/>
+                        </a:lnSpc>
+                        <a:spcBef>
+                          <a:spcPts val="0"/>
+                        </a:spcBef>
+                        <a:spcAft>
+                          <a:spcPts val="0"/>
+                        </a:spcAft>
+                        <a:buClrTx/>
+                        <a:buSzTx/>
+                        <a:buFontTx/>
+                        <a:buNone/>
+                        <a:tabLst/>
+                        <a:defRPr/>
+                      </a:pPr>
+                      <a:r>
+                        <a:rPr lang="en-US" dirty="0" smtClean="0"/>
+                        <a:t>Student</a:t>
+                      </a:r>
+                    </a:p>
+                  </a:txBody>
+                  <a:tcPr/>
+                </a:tc>
+                <a:tc>
+                  <a:txBody>
+                    <a:bodyPr/>
+                    <a:lstStyle/>
+                    <a:p>
+                      <a:r>
+                        <a:rPr lang="en-US" dirty="0" smtClean="0"/>
+                        <a:t>*</a:t>
+                      </a:r>
+                      <a:endParaRPr lang="en-US" dirty="0"/>
+                    </a:p>
+                  </a:txBody>
+                  <a:tcPr/>
+                </a:tc>
+                <a:tc>
+                  <a:txBody>
+                    <a:bodyPr/>
+                    <a:lstStyle/>
+                    <a:p>
+                      <a:r>
+                        <a:rPr lang="en-US" dirty="0" smtClean="0"/>
+                        <a:t>HIV</a:t>
+                      </a:r>
+                      <a:endParaRPr lang="en-US" dirty="0"/>
+                    </a:p>
+                  </a:txBody>
+                  <a:tcPr/>
+                </a:tc>
+              </a:tr>
+            </a:tbl>
+          </a:graphicData>
+        </a:graphic>
+      </p:graphicFrame>
+      <p:graphicFrame>
+        <p:nvGraphicFramePr>
+          <p:cNvPr id="9" name="Content Placeholder 3"/>
+          <p:cNvGraphicFramePr>
+            <a:graphicFrameLocks/>
+          </p:cNvGraphicFramePr>
+          <p:nvPr>
+            <p:extLst>
+              <p:ext uri="{D42A27DB-BD31-4B8C-83A1-F6EECF244321}">
+                <p14:modId xmlns:p14="http://schemas.microsoft.com/office/powerpoint/2010/main" val="2997038081"/>
+              </p:ext>
+            </p:extLst>
+          </p:nvPr>
+        </p:nvGraphicFramePr>
+        <p:xfrm>
+          <a:off x="457200" y="4030193"/>
+          <a:ext cx="8229600" cy="1854200"/>
+        </p:xfrm>
+        <a:graphic>
+          <a:graphicData uri="http://schemas.openxmlformats.org/drawingml/2006/table">
+            <a:tbl>
+              <a:tblPr firstRow="1" bandRow="1">
+                <a:tableStyleId>{5C22544A-7EE6-4342-B048-85BDC9FD1C3A}</a:tableStyleId>
+              </a:tblPr>
+              <a:tblGrid>
+                <a:gridCol w="2743200"/>
+                <a:gridCol w="2743200"/>
+                <a:gridCol w="2743200"/>
+              </a:tblGrid>
+              <a:tr h="370840">
+                <a:tc>
+                  <a:txBody>
+                    <a:bodyPr/>
+                    <a:lstStyle/>
+                    <a:p>
+                      <a:r>
+                        <a:rPr lang="en-US" dirty="0" smtClean="0"/>
+                        <a:t>Job</a:t>
+                      </a:r>
+                      <a:endParaRPr lang="en-US" dirty="0"/>
+                    </a:p>
+                  </a:txBody>
+                  <a:tcPr/>
+                </a:tc>
+                <a:tc>
+                  <a:txBody>
+                    <a:bodyPr/>
+                    <a:lstStyle/>
+                    <a:p>
+                      <a:r>
+                        <a:rPr lang="en-US" dirty="0" smtClean="0"/>
+                        <a:t>Age</a:t>
+                      </a:r>
+                      <a:endParaRPr lang="en-US" dirty="0"/>
+                    </a:p>
+                  </a:txBody>
+                  <a:tcPr/>
+                </a:tc>
+                <a:tc>
+                  <a:txBody>
+                    <a:bodyPr/>
+                    <a:lstStyle/>
+                    <a:p>
+                      <a:r>
+                        <a:rPr lang="en-US" dirty="0" smtClean="0"/>
+                        <a:t>Disease</a:t>
+                      </a:r>
+                      <a:endParaRPr lang="en-US" dirty="0"/>
+                    </a:p>
+                  </a:txBody>
+                  <a:tcPr/>
+                </a:tc>
+              </a:tr>
+              <a:tr h="370840">
+                <a:tc>
+                  <a:txBody>
+                    <a:bodyPr/>
+                    <a:lstStyle/>
+                    <a:p>
+                      <a:pPr marL="0" marR="0" indent="0" algn="l" defTabSz="457200" rtl="0" eaLnBrk="1" fontAlgn="auto" latinLnBrk="0" hangingPunct="1">
+                        <a:lnSpc>
+                          <a:spcPct val="100000"/>
+                        </a:lnSpc>
+                        <a:spcBef>
+                          <a:spcPts val="0"/>
+                        </a:spcBef>
+                        <a:spcAft>
+                          <a:spcPts val="0"/>
+                        </a:spcAft>
+                        <a:buClrTx/>
+                        <a:buSzTx/>
+                        <a:buFontTx/>
+                        <a:buNone/>
+                        <a:tabLst/>
+                        <a:defRPr/>
+                      </a:pPr>
+                      <a:r>
+                        <a:rPr lang="en-US" dirty="0" smtClean="0"/>
+                        <a:t>Student</a:t>
+                      </a:r>
+                    </a:p>
+                  </a:txBody>
+                  <a:tcPr/>
+                </a:tc>
+                <a:tc>
+                  <a:txBody>
+                    <a:bodyPr/>
+                    <a:lstStyle/>
+                    <a:p>
+                      <a:r>
+                        <a:rPr lang="en-US" dirty="0" smtClean="0"/>
+                        <a:t>*</a:t>
+                      </a:r>
+                      <a:endParaRPr lang="en-US" dirty="0"/>
+                    </a:p>
+                  </a:txBody>
+                  <a:tcPr/>
+                </a:tc>
+                <a:tc>
+                  <a:txBody>
+                    <a:bodyPr/>
+                    <a:lstStyle/>
+                    <a:p>
+                      <a:r>
+                        <a:rPr lang="en-US" dirty="0" smtClean="0"/>
+                        <a:t>HIV</a:t>
+                      </a:r>
+                      <a:endParaRPr lang="en-US" dirty="0"/>
+                    </a:p>
+                  </a:txBody>
+                  <a:tcPr/>
+                </a:tc>
+              </a:tr>
+              <a:tr h="370840">
+                <a:tc>
+                  <a:txBody>
+                    <a:bodyPr/>
+                    <a:lstStyle/>
+                    <a:p>
+                      <a:pPr marL="0" marR="0" indent="0" algn="l" defTabSz="457200" rtl="0" eaLnBrk="1" fontAlgn="auto" latinLnBrk="0" hangingPunct="1">
+                        <a:lnSpc>
+                          <a:spcPct val="100000"/>
+                        </a:lnSpc>
+                        <a:spcBef>
+                          <a:spcPts val="0"/>
+                        </a:spcBef>
+                        <a:spcAft>
+                          <a:spcPts val="0"/>
+                        </a:spcAft>
+                        <a:buClrTx/>
+                        <a:buSzTx/>
+                        <a:buFontTx/>
+                        <a:buNone/>
+                        <a:tabLst/>
+                        <a:defRPr/>
+                      </a:pPr>
+                      <a:r>
+                        <a:rPr lang="en-US" dirty="0" smtClean="0"/>
+                        <a:t>Student</a:t>
+                      </a:r>
+                    </a:p>
+                  </a:txBody>
+                  <a:tcPr/>
+                </a:tc>
+                <a:tc>
+                  <a:txBody>
+                    <a:bodyPr/>
+                    <a:lstStyle/>
+                    <a:p>
+                      <a:r>
+                        <a:rPr lang="en-US" dirty="0" smtClean="0"/>
+                        <a:t>*</a:t>
+                      </a:r>
+                      <a:endParaRPr lang="en-US" dirty="0"/>
+                    </a:p>
+                  </a:txBody>
+                  <a:tcPr/>
+                </a:tc>
+                <a:tc>
+                  <a:txBody>
+                    <a:bodyPr/>
+                    <a:lstStyle/>
+                    <a:p>
+                      <a:r>
+                        <a:rPr lang="en-US" dirty="0" smtClean="0"/>
+                        <a:t>Ebola</a:t>
+                      </a:r>
+                      <a:endParaRPr lang="en-US" dirty="0"/>
+                    </a:p>
+                  </a:txBody>
+                  <a:tcPr/>
+                </a:tc>
+              </a:tr>
+              <a:tr h="370840">
+                <a:tc>
+                  <a:txBody>
+                    <a:bodyPr/>
+                    <a:lstStyle/>
+                    <a:p>
+                      <a:pPr marL="0" marR="0" indent="0" algn="l" defTabSz="457200" rtl="0" eaLnBrk="1" fontAlgn="auto" latinLnBrk="0" hangingPunct="1">
+                        <a:lnSpc>
+                          <a:spcPct val="100000"/>
+                        </a:lnSpc>
+                        <a:spcBef>
+                          <a:spcPts val="0"/>
+                        </a:spcBef>
+                        <a:spcAft>
+                          <a:spcPts val="0"/>
+                        </a:spcAft>
+                        <a:buClrTx/>
+                        <a:buSzTx/>
+                        <a:buFontTx/>
+                        <a:buNone/>
+                        <a:tabLst/>
+                        <a:defRPr/>
+                      </a:pPr>
+                      <a:r>
+                        <a:rPr lang="en-US" dirty="0" smtClean="0"/>
+                        <a:t>Student</a:t>
+                      </a:r>
+                    </a:p>
+                  </a:txBody>
+                  <a:tcPr/>
+                </a:tc>
+                <a:tc>
+                  <a:txBody>
+                    <a:bodyPr/>
+                    <a:lstStyle/>
+                    <a:p>
+                      <a:r>
+                        <a:rPr lang="en-US" dirty="0" smtClean="0"/>
+                        <a:t>*</a:t>
+                      </a:r>
+                      <a:endParaRPr lang="en-US" dirty="0"/>
+                    </a:p>
+                  </a:txBody>
+                  <a:tcPr/>
+                </a:tc>
+                <a:tc>
+                  <a:txBody>
+                    <a:bodyPr/>
+                    <a:lstStyle/>
+                    <a:p>
+                      <a:r>
+                        <a:rPr lang="en-US" dirty="0" smtClean="0"/>
+                        <a:t>Cancer</a:t>
+                      </a:r>
+                      <a:endParaRPr lang="en-US" dirty="0"/>
+                    </a:p>
+                  </a:txBody>
+                  <a:tcPr/>
+                </a:tc>
+              </a:tr>
+              <a:tr h="370840">
+                <a:tc>
+                  <a:txBody>
+                    <a:bodyPr/>
+                    <a:lstStyle/>
+                    <a:p>
+                      <a:pPr marL="0" marR="0" indent="0" algn="l" defTabSz="457200" rtl="0" eaLnBrk="1" fontAlgn="auto" latinLnBrk="0" hangingPunct="1">
+                        <a:lnSpc>
+                          <a:spcPct val="100000"/>
+                        </a:lnSpc>
+                        <a:spcBef>
+                          <a:spcPts val="0"/>
+                        </a:spcBef>
+                        <a:spcAft>
+                          <a:spcPts val="0"/>
+                        </a:spcAft>
+                        <a:buClrTx/>
+                        <a:buSzTx/>
+                        <a:buFontTx/>
+                        <a:buNone/>
+                        <a:tabLst/>
+                        <a:defRPr/>
+                      </a:pPr>
+                      <a:r>
+                        <a:rPr lang="en-US" dirty="0" smtClean="0"/>
+                        <a:t>Student</a:t>
+                      </a:r>
+                    </a:p>
+                  </a:txBody>
+                  <a:tcPr/>
+                </a:tc>
+                <a:tc>
+                  <a:txBody>
+                    <a:bodyPr/>
+                    <a:lstStyle/>
+                    <a:p>
+                      <a:r>
+                        <a:rPr lang="en-US" dirty="0" smtClean="0"/>
+                        <a:t>*</a:t>
+                      </a:r>
+                      <a:endParaRPr lang="en-US" dirty="0"/>
+                    </a:p>
+                  </a:txBody>
+                  <a:tcPr/>
+                </a:tc>
+                <a:tc>
+                  <a:txBody>
+                    <a:bodyPr/>
+                    <a:lstStyle/>
+                    <a:p>
+                      <a:r>
+                        <a:rPr lang="en-US" dirty="0" smtClean="0"/>
+                        <a:t>Meningitis</a:t>
+                      </a:r>
+                      <a:endParaRPr lang="en-US" dirty="0"/>
+                    </a:p>
+                  </a:txBody>
+                  <a:tcPr/>
+                </a:tc>
+              </a:tr>
+            </a:tbl>
+          </a:graphicData>
+        </a:graphic>
+      </p:graphicFrame>
     </p:spTree>
     <p:extLst>
       <p:ext uri="{BB962C8B-B14F-4D97-AF65-F5344CB8AC3E}">
-        <p14:creationId xmlns:p14="http://schemas.microsoft.com/office/powerpoint/2010/main" val="2282400106"/>
+        <p14:creationId xmlns:p14="http://schemas.microsoft.com/office/powerpoint/2010/main" val="1391532943"/>
       </p:ext>
     </p:extLst>
   </p:cSld>
@@ -10091,7 +11960,7 @@
           <a:p>
             <a:r>
               <a:rPr lang="en-US" dirty="0" smtClean="0"/>
-              <a:t>KL-Diversity</a:t>
+              <a:t>KL-Severity</a:t>
             </a:r>
             <a:endParaRPr lang="en-US" dirty="0"/>
           </a:p>
@@ -10114,49 +11983,78 @@
           <a:p>
             <a:r>
               <a:rPr lang="en-US" dirty="0" smtClean="0"/>
-              <a:t>L-Severity is good but limited</a:t>
-            </a:r>
-          </a:p>
-          <a:p>
-            <a:r>
-              <a:rPr lang="en-US" dirty="0" smtClean="0"/>
-              <a:t>DF was over generalized, but still serves as a good metric</a:t>
-            </a:r>
-          </a:p>
-          <a:p>
-            <a:r>
-              <a:rPr lang="en-US" dirty="0" smtClean="0"/>
-              <a:t>Diversity within the sensitive attributes</a:t>
+              <a:t>Job and Age QI</a:t>
             </a:r>
           </a:p>
           <a:p>
             <a:pPr lvl="1"/>
             <a:r>
               <a:rPr lang="en-US" dirty="0" smtClean="0"/>
-              <a:t>We represented sensitive attributes</a:t>
-            </a:r>
-          </a:p>
-          <a:p>
-            <a:r>
-              <a:rPr lang="en-US" dirty="0" smtClean="0"/>
-              <a:t>Weighted classifications for detailed analysis and flexibility</a:t>
-            </a:r>
-          </a:p>
-          <a:p>
-            <a:r>
-              <a:rPr lang="en-US" dirty="0" smtClean="0"/>
-              <a:t>Acknowledgement of non-sensitive attributes</a:t>
-            </a:r>
-          </a:p>
-          <a:p>
-            <a:endParaRPr lang="en-US" dirty="0"/>
+              <a:t>DF </a:t>
+            </a:r>
+            <a:r>
+              <a:rPr lang="en-US" dirty="0"/>
+              <a:t>=</a:t>
+            </a:r>
+            <a:r>
+              <a:rPr lang="en-US" dirty="0" smtClean="0"/>
+              <a:t> 4</a:t>
+            </a:r>
+          </a:p>
+          <a:p>
+            <a:r>
+              <a:rPr lang="en-US" dirty="0" smtClean="0"/>
+              <a:t>Table 1</a:t>
+            </a:r>
+          </a:p>
+          <a:p>
+            <a:pPr lvl="1"/>
+            <a:r>
+              <a:rPr lang="en-US" dirty="0" smtClean="0"/>
+              <a:t>2 </a:t>
+            </a:r>
+            <a:r>
+              <a:rPr lang="en-US" dirty="0" err="1" smtClean="0"/>
+              <a:t>DivFactor</a:t>
+            </a:r>
+            <a:endParaRPr lang="en-US" dirty="0" smtClean="0"/>
+          </a:p>
+          <a:p>
+            <a:r>
+              <a:rPr lang="en-US" dirty="0" smtClean="0"/>
+              <a:t>Table 2</a:t>
+            </a:r>
+          </a:p>
+          <a:p>
+            <a:pPr lvl="1"/>
+            <a:r>
+              <a:rPr lang="en-US" dirty="0" smtClean="0"/>
+              <a:t>4 </a:t>
+            </a:r>
+            <a:r>
+              <a:rPr lang="en-US" dirty="0" err="1" smtClean="0"/>
+              <a:t>DivFactor</a:t>
+            </a:r>
+            <a:endParaRPr lang="en-US" dirty="0" smtClean="0"/>
+          </a:p>
+          <a:p>
+            <a:r>
+              <a:rPr lang="en-US" dirty="0" smtClean="0"/>
+              <a:t>Assume severity is 20 for both tables</a:t>
+            </a:r>
+          </a:p>
+          <a:p>
+            <a:pPr marL="0" indent="0">
+              <a:buNone/>
+            </a:pPr>
+            <a:endParaRPr lang="en-US" dirty="0" smtClean="0"/>
           </a:p>
         </p:txBody>
       </p:sp>
     </p:spTree>
     <p:extLst>
       <p:ext uri="{BB962C8B-B14F-4D97-AF65-F5344CB8AC3E}">
-        <p14:creationId xmlns:p14="http://schemas.microsoft.com/office/powerpoint/2010/main" val="2678328503"/>
+        <p14:creationId xmlns:p14="http://schemas.microsoft.com/office/powerpoint/2010/main" val="2832725775"/>
       </p:ext>
     </p:extLst>
   </p:cSld>
@@ -10200,7 +12098,7 @@
           <a:p>
             <a:r>
               <a:rPr lang="en-US" dirty="0" smtClean="0"/>
-              <a:t>Future Work</a:t>
+              <a:t>KL-Severity</a:t>
             </a:r>
             <a:endParaRPr lang="en-US" dirty="0"/>
           </a:p>
@@ -10218,56 +12116,70 @@
         </p:nvSpPr>
         <p:spPr/>
         <p:txBody>
-          <a:bodyPr>
-            <a:normAutofit/>
-          </a:bodyPr>
-          <a:lstStyle/>
-          <a:p>
-            <a:r>
-              <a:rPr lang="en-US" dirty="0" smtClean="0"/>
-              <a:t>Privacy Metrics</a:t>
+          <a:bodyPr/>
+          <a:lstStyle/>
+          <a:p>
+            <a:r>
+              <a:rPr lang="en-US" dirty="0" smtClean="0"/>
+              <a:t>Table 1</a:t>
             </a:r>
           </a:p>
           <a:p>
             <a:pPr lvl="1"/>
             <a:r>
               <a:rPr lang="en-US" dirty="0" smtClean="0"/>
-              <a:t>T-Closeness</a:t>
-            </a:r>
-          </a:p>
-          <a:p>
-            <a:r>
-              <a:rPr lang="en-US" dirty="0" smtClean="0"/>
-              <a:t>Non-sensitive Attributes</a:t>
+              <a:t>4 *</a:t>
+            </a:r>
+            <a:r>
+              <a:rPr lang="en-US" baseline="0" dirty="0" smtClean="0"/>
+              <a:t> (20 / 4 / 2) + 1</a:t>
             </a:r>
           </a:p>
           <a:p>
             <a:pPr lvl="1"/>
             <a:r>
               <a:rPr lang="en-US" dirty="0" smtClean="0"/>
-              <a:t>Positive Disclosure L-Severity</a:t>
+              <a:t>Result is 11</a:t>
+            </a:r>
+          </a:p>
+          <a:p>
+            <a:r>
+              <a:rPr lang="en-US" dirty="0" smtClean="0"/>
+              <a:t>Table 2</a:t>
             </a:r>
           </a:p>
           <a:p>
             <a:pPr lvl="1"/>
             <a:r>
               <a:rPr lang="en-US" dirty="0" smtClean="0"/>
-              <a:t>Non-positive (negative) Disclosure L-Severity</a:t>
-            </a:r>
+              <a:t>4*</a:t>
+            </a:r>
+            <a:r>
+              <a:rPr lang="en-US" baseline="0" dirty="0" smtClean="0"/>
+              <a:t> (20 / 4 / 4) + 0</a:t>
+            </a:r>
+            <a:endParaRPr lang="en-US" dirty="0" smtClean="0"/>
           </a:p>
           <a:p>
             <a:pPr lvl="1"/>
             <a:r>
               <a:rPr lang="en-US" dirty="0" smtClean="0"/>
-              <a:t>Don’t care sets</a:t>
-            </a:r>
+              <a:t>Result is 5</a:t>
+            </a:r>
+          </a:p>
+          <a:p>
+            <a:r>
+              <a:rPr lang="en-US" dirty="0" smtClean="0"/>
+              <a:t>Table 1 is more severe!</a:t>
+            </a:r>
+            <a:endParaRPr lang="en-US" dirty="0"/>
           </a:p>
         </p:txBody>
       </p:sp>
     </p:spTree>
     <p:extLst>
       <p:ext uri="{BB962C8B-B14F-4D97-AF65-F5344CB8AC3E}">
-        <p14:creationId xmlns:p14="http://schemas.microsoft.com/office/powerpoint/2010/main" val="3997635737"/>
+        <p14:creationId xmlns:p14="http://schemas.microsoft.com/office/powerpoint/2010/main" val="93743784"/>
       </p:ext>
     </p:extLst>
   </p:cSld>
@@ -10311,7 +12223,7 @@
           <a:p>
             <a:r>
               <a:rPr lang="en-US" dirty="0" smtClean="0"/>
-              <a:t>Future Work</a:t>
+              <a:t>KL-Diversity</a:t>
             </a:r>
             <a:endParaRPr lang="en-US" dirty="0"/>
           </a:p>
@@ -10334,35 +12246,38 @@
           <a:p>
             <a:r>
               <a:rPr lang="en-US" dirty="0" smtClean="0"/>
-              <a:t>Experiment</a:t>
+              <a:t>L-Severity is a good foundation</a:t>
+            </a:r>
+          </a:p>
+          <a:p>
+            <a:r>
+              <a:rPr lang="en-US" dirty="0" smtClean="0"/>
+              <a:t>DF was over generalized, but still serves as a good metric</a:t>
+            </a:r>
+          </a:p>
+          <a:p>
+            <a:r>
+              <a:rPr lang="en-US" dirty="0" smtClean="0"/>
+              <a:t>Diversity within the sensitive attributes</a:t>
             </a:r>
           </a:p>
           <a:p>
             <a:pPr lvl="1"/>
             <a:r>
               <a:rPr lang="en-US" dirty="0" smtClean="0"/>
-              <a:t>Build system that implements the algorithm</a:t>
-            </a:r>
-          </a:p>
-          <a:p>
-            <a:pPr lvl="1"/>
-            <a:r>
-              <a:rPr lang="en-US" dirty="0" smtClean="0"/>
-              <a:t>Use real data</a:t>
-            </a:r>
-          </a:p>
-          <a:p>
-            <a:pPr lvl="1"/>
-            <a:r>
-              <a:rPr lang="en-US" dirty="0" smtClean="0"/>
-              <a:t>Plan scenarios</a:t>
-            </a:r>
-          </a:p>
-          <a:p>
-            <a:pPr lvl="1"/>
-            <a:r>
-              <a:rPr lang="en-US" dirty="0" smtClean="0"/>
-              <a:t>Seek Vulnerabilities</a:t>
+              <a:t>We represented sensitive attributes</a:t>
+            </a:r>
+          </a:p>
+          <a:p>
+            <a:r>
+              <a:rPr lang="en-US" dirty="0" smtClean="0"/>
+              <a:t>Weighted classifications for detailed analysis and flexibility</a:t>
+            </a:r>
+          </a:p>
+          <a:p>
+            <a:r>
+              <a:rPr lang="en-US" dirty="0" smtClean="0"/>
+              <a:t>Acknowledgement of non-sensitive attributes</a:t>
             </a:r>
           </a:p>
           <a:p>
@@ -10373,7 +12288,7 @@
     </p:spTree>
     <p:extLst>
       <p:ext uri="{BB962C8B-B14F-4D97-AF65-F5344CB8AC3E}">
-        <p14:creationId xmlns:p14="http://schemas.microsoft.com/office/powerpoint/2010/main" val="1124107514"/>
+        <p14:creationId xmlns:p14="http://schemas.microsoft.com/office/powerpoint/2010/main" val="2678328503"/>
       </p:ext>
     </p:extLst>
   </p:cSld>
@@ -10417,7 +12332,7 @@
           <a:p>
             <a:r>
               <a:rPr lang="en-US" dirty="0" smtClean="0"/>
-              <a:t>Limitations</a:t>
+              <a:t>Future Work</a:t>
             </a:r>
             <a:endParaRPr lang="en-US" dirty="0"/>
           </a:p>
@@ -10435,39 +12350,54 @@
         </p:nvSpPr>
         <p:spPr/>
         <p:txBody>
-          <a:bodyPr/>
-          <a:lstStyle/>
-          <a:p>
-            <a:r>
-              <a:rPr lang="en-US" dirty="0" smtClean="0"/>
-              <a:t>Structured Data</a:t>
-            </a:r>
-          </a:p>
-          <a:p>
-            <a:r>
-              <a:rPr lang="en-US" dirty="0" smtClean="0"/>
-              <a:t>Performance</a:t>
-            </a:r>
-          </a:p>
-          <a:p>
-            <a:r>
-              <a:rPr lang="en-US" dirty="0" err="1" smtClean="0"/>
-              <a:t>Overfitting</a:t>
-            </a:r>
-            <a:endParaRPr lang="en-US" dirty="0" smtClean="0"/>
+          <a:bodyPr>
+            <a:normAutofit/>
+          </a:bodyPr>
+          <a:lstStyle/>
+          <a:p>
+            <a:r>
+              <a:rPr lang="en-US" dirty="0" smtClean="0"/>
+              <a:t>Privacy Metrics</a:t>
+            </a:r>
           </a:p>
           <a:p>
             <a:pPr lvl="1"/>
             <a:r>
               <a:rPr lang="en-US" dirty="0" smtClean="0"/>
-              <a:t>Too complex</a:t>
+              <a:t>T-Closeness</a:t>
+            </a:r>
+          </a:p>
+          <a:p>
+            <a:r>
+              <a:rPr lang="en-US" dirty="0" smtClean="0"/>
+              <a:t>Non-sensitive Attributes</a:t>
             </a:r>
           </a:p>
           <a:p>
             <a:pPr lvl="1"/>
             <a:r>
               <a:rPr lang="en-US" dirty="0" smtClean="0"/>
-              <a:t>Many variables and parameters</a:t>
+              <a:t>Positive Disclosure L-Severity</a:t>
+            </a:r>
+          </a:p>
+          <a:p>
+            <a:pPr lvl="1"/>
+            <a:r>
+              <a:rPr lang="en-US" dirty="0" smtClean="0"/>
+              <a:t>Non-positive (negative) Disclosure L-Severity</a:t>
+            </a:r>
+          </a:p>
+          <a:p>
+            <a:pPr lvl="1"/>
+            <a:r>
+              <a:rPr lang="en-US" dirty="0" smtClean="0"/>
+              <a:t>Don’t care sets</a:t>
+            </a:r>
+          </a:p>
+          <a:p>
+            <a:r>
+              <a:rPr lang="en-US" dirty="0" smtClean="0"/>
+              <a:t>Social Networks</a:t>
             </a:r>
           </a:p>
         </p:txBody>
@@ -10475,7 +12405,7 @@
     </p:spTree>
     <p:extLst>
       <p:ext uri="{BB962C8B-B14F-4D97-AF65-F5344CB8AC3E}">
-        <p14:creationId xmlns:p14="http://schemas.microsoft.com/office/powerpoint/2010/main" val="3961527975"/>
+        <p14:creationId xmlns:p14="http://schemas.microsoft.com/office/powerpoint/2010/main" val="3997635737"/>
       </p:ext>
     </p:extLst>
   </p:cSld>
@@ -10519,7 +12449,7 @@
           <a:p>
             <a:r>
               <a:rPr lang="en-US" dirty="0" smtClean="0"/>
-              <a:t>Conclusion</a:t>
+              <a:t>Future Work</a:t>
             </a:r>
             <a:endParaRPr lang="en-US" dirty="0"/>
           </a:p>
@@ -10542,55 +12472,38 @@
           <a:p>
             <a:r>
               <a:rPr lang="en-US" dirty="0" smtClean="0"/>
-              <a:t>Survey</a:t>
+              <a:t>Experiment</a:t>
             </a:r>
           </a:p>
           <a:p>
             <a:pPr lvl="1"/>
             <a:r>
               <a:rPr lang="en-US" dirty="0" smtClean="0"/>
-              <a:t>K-Anonymity</a:t>
+              <a:t>Build system that implements the algorithm</a:t>
             </a:r>
           </a:p>
           <a:p>
             <a:pPr lvl="1"/>
             <a:r>
               <a:rPr lang="en-US" dirty="0" smtClean="0"/>
-              <a:t>L-Severity</a:t>
+              <a:t>Use real data</a:t>
             </a:r>
           </a:p>
           <a:p>
             <a:pPr lvl="1"/>
             <a:r>
               <a:rPr lang="en-US" dirty="0" smtClean="0"/>
-              <a:t>M-Score</a:t>
+              <a:t>Plan scenarios</a:t>
             </a:r>
           </a:p>
           <a:p>
             <a:pPr lvl="1"/>
             <a:r>
               <a:rPr lang="en-US" dirty="0" smtClean="0"/>
-              <a:t>L-Diversity</a:t>
-            </a:r>
-          </a:p>
-          <a:p>
-            <a:r>
-              <a:rPr lang="en-US" dirty="0" smtClean="0"/>
-              <a:t>Proposed improvement on Severity</a:t>
-            </a:r>
-          </a:p>
-          <a:p>
-            <a:pPr lvl="1"/>
-            <a:r>
-              <a:rPr lang="en-US" dirty="0" smtClean="0"/>
-              <a:t>KL-Severity</a:t>
-            </a:r>
-          </a:p>
-          <a:p>
-            <a:r>
-              <a:rPr lang="en-US" dirty="0" smtClean="0"/>
-              <a:t>Future Work</a:t>
-            </a:r>
+              <a:t>Seek Vulnerabilities</a:t>
+            </a:r>
+          </a:p>
+          <a:p>
             <a:endParaRPr lang="en-US" dirty="0"/>
           </a:p>
         </p:txBody>
@@ -10598,7 +12511,7 @@
     </p:spTree>
     <p:extLst>
       <p:ext uri="{BB962C8B-B14F-4D97-AF65-F5344CB8AC3E}">
-        <p14:creationId xmlns:p14="http://schemas.microsoft.com/office/powerpoint/2010/main" val="1885127672"/>
+        <p14:creationId xmlns:p14="http://schemas.microsoft.com/office/powerpoint/2010/main" val="1124107514"/>
       </p:ext>
     </p:extLst>
   </p:cSld>
@@ -10642,7 +12555,7 @@
           <a:p>
             <a:r>
               <a:rPr lang="en-US" dirty="0" smtClean="0"/>
-              <a:t>References</a:t>
+              <a:t>Limitations</a:t>
             </a:r>
             <a:endParaRPr lang="en-US" dirty="0"/>
           </a:p>
@@ -10663,14 +12576,44 @@
           <a:bodyPr/>
           <a:lstStyle/>
           <a:p>
-            <a:endParaRPr lang="en-US"/>
+            <a:r>
+              <a:rPr lang="en-US" dirty="0" smtClean="0"/>
+              <a:t>Structured Data</a:t>
+            </a:r>
+          </a:p>
+          <a:p>
+            <a:r>
+              <a:rPr lang="en-US" dirty="0" smtClean="0"/>
+              <a:t>Performance</a:t>
+            </a:r>
+          </a:p>
+          <a:p>
+            <a:r>
+              <a:rPr lang="en-US" dirty="0" err="1" smtClean="0"/>
+              <a:t>Overfitting</a:t>
+            </a:r>
+            <a:endParaRPr lang="en-US" dirty="0" smtClean="0"/>
+          </a:p>
+          <a:p>
+            <a:pPr lvl="1"/>
+            <a:r>
+              <a:rPr lang="en-US" dirty="0" smtClean="0"/>
+              <a:t>Too complex</a:t>
+            </a:r>
+          </a:p>
+          <a:p>
+            <a:pPr lvl="1"/>
+            <a:r>
+              <a:rPr lang="en-US" dirty="0" smtClean="0"/>
+              <a:t>Many variables and parameters</a:t>
+            </a:r>
           </a:p>
         </p:txBody>
       </p:sp>
     </p:spTree>
     <p:extLst>
       <p:ext uri="{BB962C8B-B14F-4D97-AF65-F5344CB8AC3E}">
-        <p14:creationId xmlns:p14="http://schemas.microsoft.com/office/powerpoint/2010/main" val="3990906356"/>
+        <p14:creationId xmlns:p14="http://schemas.microsoft.com/office/powerpoint/2010/main" val="3961527975"/>
       </p:ext>
     </p:extLst>
   </p:cSld>
@@ -10714,7 +12657,7 @@
           <a:p>
             <a:r>
               <a:rPr lang="en-US" dirty="0" smtClean="0"/>
-              <a:t>Cost</a:t>
+              <a:t>Introduction</a:t>
             </a:r>
             <a:endParaRPr lang="en-US" dirty="0"/>
           </a:p>
@@ -10774,6 +12717,201 @@
     <p:extLst>
       <p:ext uri="{BB962C8B-B14F-4D97-AF65-F5344CB8AC3E}">
         <p14:creationId xmlns:p14="http://schemas.microsoft.com/office/powerpoint/2010/main" val="4035562356"/>
+      </p:ext>
+    </p:extLst>
+  </p:cSld>
+  <p:clrMapOvr>
+    <a:masterClrMapping/>
+  </p:clrMapOvr>
+</p:sld>
+</file>
+
+<file path=ppt/slides/slide50.xml><?xml version="1.0" encoding="utf-8"?>
+<p:sld xmlns:a="http://schemas.openxmlformats.org/drawingml/2006/main" xmlns:r="http://schemas.openxmlformats.org/officeDocument/2006/relationships" xmlns:p="http://schemas.openxmlformats.org/presentationml/2006/main">
+  <p:cSld>
+    <p:spTree>
+      <p:nvGrpSpPr>
+        <p:cNvPr id="1" name=""/>
+        <p:cNvGrpSpPr/>
+        <p:nvPr/>
+      </p:nvGrpSpPr>
+      <p:grpSpPr>
+        <a:xfrm>
+          <a:off x="0" y="0"/>
+          <a:ext cx="0" cy="0"/>
+          <a:chOff x="0" y="0"/>
+          <a:chExt cx="0" cy="0"/>
+        </a:xfrm>
+      </p:grpSpPr>
+      <p:sp>
+        <p:nvSpPr>
+          <p:cNvPr id="2" name="Title 1"/>
+          <p:cNvSpPr>
+            <a:spLocks noGrp="1"/>
+          </p:cNvSpPr>
+          <p:nvPr>
+            <p:ph type="title"/>
+          </p:nvPr>
+        </p:nvSpPr>
+        <p:spPr/>
+        <p:txBody>
+          <a:bodyPr/>
+          <a:lstStyle/>
+          <a:p>
+            <a:r>
+              <a:rPr lang="en-US" dirty="0" smtClean="0"/>
+              <a:t>Conclusion</a:t>
+            </a:r>
+            <a:endParaRPr lang="en-US" dirty="0"/>
+          </a:p>
+        </p:txBody>
+      </p:sp>
+      <p:sp>
+        <p:nvSpPr>
+          <p:cNvPr id="3" name="Content Placeholder 2"/>
+          <p:cNvSpPr>
+            <a:spLocks noGrp="1"/>
+          </p:cNvSpPr>
+          <p:nvPr>
+            <p:ph idx="1"/>
+          </p:nvPr>
+        </p:nvSpPr>
+        <p:spPr/>
+        <p:txBody>
+          <a:bodyPr/>
+          <a:lstStyle/>
+          <a:p>
+            <a:r>
+              <a:rPr lang="en-US" dirty="0" smtClean="0"/>
+              <a:t>Survey</a:t>
+            </a:r>
+          </a:p>
+          <a:p>
+            <a:pPr lvl="1"/>
+            <a:r>
+              <a:rPr lang="en-US" dirty="0" smtClean="0"/>
+              <a:t>K-Anonymity</a:t>
+            </a:r>
+          </a:p>
+          <a:p>
+            <a:pPr lvl="1"/>
+            <a:r>
+              <a:rPr lang="en-US" dirty="0" smtClean="0"/>
+              <a:t>L-Severity</a:t>
+            </a:r>
+          </a:p>
+          <a:p>
+            <a:pPr lvl="1"/>
+            <a:r>
+              <a:rPr lang="en-US" dirty="0" smtClean="0"/>
+              <a:t>M-Score</a:t>
+            </a:r>
+          </a:p>
+          <a:p>
+            <a:pPr lvl="1"/>
+            <a:r>
+              <a:rPr lang="en-US" dirty="0" smtClean="0"/>
+              <a:t>L-Diversity</a:t>
+            </a:r>
+          </a:p>
+          <a:p>
+            <a:r>
+              <a:rPr lang="en-US" dirty="0" smtClean="0"/>
+              <a:t>Proposed improvement on Severity</a:t>
+            </a:r>
+          </a:p>
+          <a:p>
+            <a:pPr lvl="1"/>
+            <a:r>
+              <a:rPr lang="en-US" dirty="0" smtClean="0"/>
+              <a:t>KL-Severity</a:t>
+            </a:r>
+          </a:p>
+          <a:p>
+            <a:r>
+              <a:rPr lang="en-US" dirty="0" smtClean="0"/>
+              <a:t>Future Work</a:t>
+            </a:r>
+            <a:endParaRPr lang="en-US" dirty="0"/>
+          </a:p>
+        </p:txBody>
+      </p:sp>
+    </p:spTree>
+    <p:extLst>
+      <p:ext uri="{BB962C8B-B14F-4D97-AF65-F5344CB8AC3E}">
+        <p14:creationId xmlns:p14="http://schemas.microsoft.com/office/powerpoint/2010/main" val="1885127672"/>
+      </p:ext>
+    </p:extLst>
+  </p:cSld>
+  <p:clrMapOvr>
+    <a:masterClrMapping/>
+  </p:clrMapOvr>
+</p:sld>
+</file>
+
+<file path=ppt/slides/slide51.xml><?xml version="1.0" encoding="utf-8"?>
+<p:sld xmlns:a="http://schemas.openxmlformats.org/drawingml/2006/main" xmlns:r="http://schemas.openxmlformats.org/officeDocument/2006/relationships" xmlns:p="http://schemas.openxmlformats.org/presentationml/2006/main">
+  <p:cSld>
+    <p:spTree>
+      <p:nvGrpSpPr>
+        <p:cNvPr id="1" name=""/>
+        <p:cNvGrpSpPr/>
+        <p:nvPr/>
+      </p:nvGrpSpPr>
+      <p:grpSpPr>
+        <a:xfrm>
+          <a:off x="0" y="0"/>
+          <a:ext cx="0" cy="0"/>
+          <a:chOff x="0" y="0"/>
+          <a:chExt cx="0" cy="0"/>
+        </a:xfrm>
+      </p:grpSpPr>
+      <p:sp>
+        <p:nvSpPr>
+          <p:cNvPr id="2" name="Title 1"/>
+          <p:cNvSpPr>
+            <a:spLocks noGrp="1"/>
+          </p:cNvSpPr>
+          <p:nvPr>
+            <p:ph type="title"/>
+          </p:nvPr>
+        </p:nvSpPr>
+        <p:spPr/>
+        <p:txBody>
+          <a:bodyPr/>
+          <a:lstStyle/>
+          <a:p>
+            <a:r>
+              <a:rPr lang="en-US" dirty="0" smtClean="0"/>
+              <a:t>References</a:t>
+            </a:r>
+            <a:endParaRPr lang="en-US" dirty="0"/>
+          </a:p>
+        </p:txBody>
+      </p:sp>
+      <p:sp>
+        <p:nvSpPr>
+          <p:cNvPr id="3" name="Content Placeholder 2"/>
+          <p:cNvSpPr>
+            <a:spLocks noGrp="1"/>
+          </p:cNvSpPr>
+          <p:nvPr>
+            <p:ph idx="1"/>
+          </p:nvPr>
+        </p:nvSpPr>
+        <p:spPr/>
+        <p:txBody>
+          <a:bodyPr/>
+          <a:lstStyle/>
+          <a:p>
+            <a:endParaRPr lang="en-US"/>
+          </a:p>
+        </p:txBody>
+      </p:sp>
+    </p:spTree>
+    <p:extLst>
+      <p:ext uri="{BB962C8B-B14F-4D97-AF65-F5344CB8AC3E}">
+        <p14:creationId xmlns:p14="http://schemas.microsoft.com/office/powerpoint/2010/main" val="3990906356"/>
       </p:ext>
     </p:extLst>
   </p:cSld>
@@ -10817,7 +12955,7 @@
           <a:p>
             <a:r>
               <a:rPr lang="en-US" dirty="0" smtClean="0"/>
-              <a:t>K-Anonymity</a:t>
+              <a:t>Introduction</a:t>
             </a:r>
             <a:endParaRPr lang="en-US" dirty="0"/>
           </a:p>
@@ -10835,58 +12973,26 @@
         </p:nvSpPr>
         <p:spPr/>
         <p:txBody>
-          <a:bodyPr>
-            <a:normAutofit/>
-          </a:bodyPr>
-          <a:lstStyle/>
-          <a:p>
-            <a:r>
-              <a:rPr lang="en-US" dirty="0" smtClean="0"/>
-              <a:t>Sweeney et al.</a:t>
-            </a:r>
-            <a:endParaRPr lang="en-US" dirty="0" smtClean="0"/>
-          </a:p>
-          <a:p>
-            <a:r>
-              <a:rPr lang="en-US" dirty="0" smtClean="0"/>
-              <a:t>Quasi-identifiers must occur </a:t>
-            </a:r>
-            <a:r>
-              <a:rPr lang="en-US" i="1" dirty="0" smtClean="0"/>
-              <a:t>k</a:t>
-            </a:r>
-            <a:r>
-              <a:rPr lang="en-US" dirty="0" smtClean="0"/>
-              <a:t> number of times</a:t>
+          <a:bodyPr/>
+          <a:lstStyle/>
+          <a:p>
+            <a:r>
+              <a:rPr lang="en-US" dirty="0" smtClean="0"/>
+              <a:t>Propose KL-Severity</a:t>
             </a:r>
           </a:p>
           <a:p>
             <a:pPr lvl="1"/>
             <a:r>
               <a:rPr lang="en-US" dirty="0" smtClean="0"/>
-              <a:t>Q-block</a:t>
+              <a:t>K-Severity</a:t>
             </a:r>
           </a:p>
           <a:p>
             <a:pPr lvl="1"/>
             <a:r>
               <a:rPr lang="en-US" dirty="0" smtClean="0"/>
-              <a:t>Each q-block will have </a:t>
-            </a:r>
-            <a:r>
-              <a:rPr lang="en-US" i="1" dirty="0" smtClean="0"/>
-              <a:t>k</a:t>
-            </a:r>
-            <a:r>
-              <a:rPr lang="en-US" dirty="0" smtClean="0"/>
-              <a:t> number of tuples with similar quasi-identifiers</a:t>
-            </a:r>
-          </a:p>
-          <a:p>
-            <a:pPr lvl="1"/>
-            <a:r>
-              <a:rPr lang="en-US" dirty="0" smtClean="0"/>
-              <a:t>87% of individuals could be identified with their 5-digit zip code, gender and date of birth</a:t>
+              <a:t>L-Severity</a:t>
             </a:r>
             <a:endParaRPr lang="en-US" dirty="0"/>
           </a:p>
@@ -10895,7 +13001,7 @@
     </p:spTree>
     <p:extLst>
       <p:ext uri="{BB962C8B-B14F-4D97-AF65-F5344CB8AC3E}">
-        <p14:creationId xmlns:p14="http://schemas.microsoft.com/office/powerpoint/2010/main" val="2701217694"/>
+        <p14:creationId xmlns:p14="http://schemas.microsoft.com/office/powerpoint/2010/main" val="3339448617"/>
       </p:ext>
     </p:extLst>
   </p:cSld>
@@ -10957,36 +13063,59 @@
         </p:nvSpPr>
         <p:spPr/>
         <p:txBody>
-          <a:bodyPr/>
-          <a:lstStyle/>
-          <a:p>
-            <a:r>
-              <a:rPr lang="en-US" dirty="0" smtClean="0"/>
-              <a:t>Protect against inference and linkage attacks</a:t>
-            </a:r>
-          </a:p>
-          <a:p>
-            <a:r>
-              <a:rPr lang="en-US" dirty="0" smtClean="0"/>
-              <a:t>Unintended disclosures</a:t>
-            </a:r>
-          </a:p>
-          <a:p>
-            <a:r>
-              <a:rPr lang="en-US" dirty="0" smtClean="0"/>
-              <a:t>Individual queries may not post a risk</a:t>
-            </a:r>
-          </a:p>
-          <a:p>
-            <a:r>
-              <a:rPr lang="en-US" dirty="0" smtClean="0"/>
-              <a:t>Linked together may disclose sensitive information</a:t>
-            </a:r>
-          </a:p>
-          <a:p>
-            <a:pPr marL="0" indent="0">
-              <a:buNone/>
-            </a:pPr>
+          <a:bodyPr>
+            <a:normAutofit/>
+          </a:bodyPr>
+          <a:lstStyle/>
+          <a:p>
+            <a:r>
+              <a:rPr lang="en-US" dirty="0" smtClean="0"/>
+              <a:t>Sweeney et al.</a:t>
+            </a:r>
+            <a:endParaRPr lang="en-US" dirty="0" smtClean="0"/>
+          </a:p>
+          <a:p>
+            <a:r>
+              <a:rPr lang="en-US" dirty="0" smtClean="0"/>
+              <a:t>Quasi-identifiers must occur </a:t>
+            </a:r>
+            <a:r>
+              <a:rPr lang="en-US" i="1" dirty="0" smtClean="0"/>
+              <a:t>k</a:t>
+            </a:r>
+            <a:r>
+              <a:rPr lang="en-US" dirty="0" smtClean="0"/>
+              <a:t> number of times</a:t>
+            </a:r>
+          </a:p>
+          <a:p>
+            <a:pPr lvl="1"/>
+            <a:r>
+              <a:rPr lang="en-US" dirty="0" smtClean="0"/>
+              <a:t>Q-block</a:t>
+            </a:r>
+          </a:p>
+          <a:p>
+            <a:pPr lvl="1"/>
+            <a:r>
+              <a:rPr lang="en-US" dirty="0" smtClean="0"/>
+              <a:t>Each q-block will have </a:t>
+            </a:r>
+            <a:r>
+              <a:rPr lang="en-US" i="1" dirty="0" smtClean="0"/>
+              <a:t>k</a:t>
+            </a:r>
+            <a:r>
+              <a:rPr lang="en-US" dirty="0" smtClean="0"/>
+              <a:t> number of tuples with similar quasi-identifiers</a:t>
+            </a:r>
+          </a:p>
+          <a:p>
+            <a:pPr lvl="1"/>
+            <a:r>
+              <a:rPr lang="en-US" dirty="0" smtClean="0"/>
+              <a:t>87% of individuals could be identified with their 5-digit zip code, gender and date of birth</a:t>
+            </a:r>
             <a:endParaRPr lang="en-US" dirty="0"/>
           </a:p>
         </p:txBody>
@@ -10994,7 +13123,7 @@
     </p:spTree>
     <p:extLst>
       <p:ext uri="{BB962C8B-B14F-4D97-AF65-F5344CB8AC3E}">
-        <p14:creationId xmlns:p14="http://schemas.microsoft.com/office/powerpoint/2010/main" val="2513566931"/>
+        <p14:creationId xmlns:p14="http://schemas.microsoft.com/office/powerpoint/2010/main" val="2701217694"/>
       </p:ext>
     </p:extLst>
   </p:cSld>
@@ -11038,7 +13167,7 @@
           <a:p>
             <a:r>
               <a:rPr lang="en-US" dirty="0" smtClean="0"/>
-              <a:t>Traditional Techniques</a:t>
+              <a:t>K-Anonymity</a:t>
             </a:r>
             <a:endParaRPr lang="en-US" dirty="0"/>
           </a:p>
@@ -11056,69 +13185,36 @@
         </p:nvSpPr>
         <p:spPr/>
         <p:txBody>
-          <a:bodyPr>
-            <a:normAutofit fontScale="92500" lnSpcReduction="20000"/>
-          </a:bodyPr>
-          <a:lstStyle/>
-          <a:p>
-            <a:r>
-              <a:rPr lang="en-US" dirty="0" smtClean="0"/>
-              <a:t>Generalize data by adding noise</a:t>
-            </a:r>
-          </a:p>
-          <a:p>
-            <a:pPr lvl="1"/>
-            <a:r>
-              <a:rPr lang="en-US" dirty="0" smtClean="0"/>
-              <a:t>Damage the integrity</a:t>
-            </a:r>
-          </a:p>
-          <a:p>
-            <a:pPr lvl="1"/>
-            <a:r>
-              <a:rPr lang="en-US" dirty="0" smtClean="0"/>
-              <a:t>Statistical Data</a:t>
-            </a:r>
-          </a:p>
-          <a:p>
-            <a:r>
-              <a:rPr lang="en-US" dirty="0" smtClean="0"/>
-              <a:t>Lower classified information can leak higher classified information</a:t>
-            </a:r>
-          </a:p>
-          <a:p>
-            <a:pPr lvl="1"/>
-            <a:r>
-              <a:rPr lang="en-US" dirty="0" smtClean="0"/>
-              <a:t>Protect with a strong database design</a:t>
-            </a:r>
-          </a:p>
-          <a:p>
-            <a:pPr lvl="1"/>
-            <a:r>
-              <a:rPr lang="en-US" dirty="0" smtClean="0"/>
-              <a:t>Problem: Data replication</a:t>
-            </a:r>
-          </a:p>
-          <a:p>
-            <a:pPr lvl="1"/>
-            <a:r>
-              <a:rPr lang="en-US" dirty="0" smtClean="0"/>
-              <a:t>Multi-level databases</a:t>
-            </a:r>
-          </a:p>
-          <a:p>
-            <a:r>
-              <a:rPr lang="en-US" dirty="0" smtClean="0"/>
-              <a:t>Suppress Data</a:t>
-            </a:r>
-          </a:p>
-          <a:p>
-            <a:pPr lvl="1"/>
-            <a:r>
-              <a:rPr lang="en-US" dirty="0" smtClean="0"/>
-              <a:t>Loses Utility</a:t>
-            </a:r>
+          <a:bodyPr/>
+          <a:lstStyle/>
+          <a:p>
+            <a:r>
+              <a:rPr lang="en-US" dirty="0" smtClean="0"/>
+              <a:t>Protect against inference and linkage attacks</a:t>
+            </a:r>
+          </a:p>
+          <a:p>
+            <a:r>
+              <a:rPr lang="en-US" dirty="0" smtClean="0"/>
+              <a:t>Unintended disclosures</a:t>
+            </a:r>
+          </a:p>
+          <a:p>
+            <a:r>
+              <a:rPr lang="en-US" dirty="0" smtClean="0"/>
+              <a:t>Individual queries may not post a risk</a:t>
+            </a:r>
+          </a:p>
+          <a:p>
+            <a:r>
+              <a:rPr lang="en-US" dirty="0" smtClean="0"/>
+              <a:t>Linked together may disclose sensitive information</a:t>
+            </a:r>
+          </a:p>
+          <a:p>
+            <a:pPr marL="0" indent="0">
+              <a:buNone/>
+            </a:pPr>
             <a:endParaRPr lang="en-US" dirty="0"/>
           </a:p>
         </p:txBody>
@@ -11126,7 +13222,7 @@
     </p:spTree>
     <p:extLst>
       <p:ext uri="{BB962C8B-B14F-4D97-AF65-F5344CB8AC3E}">
-        <p14:creationId xmlns:p14="http://schemas.microsoft.com/office/powerpoint/2010/main" val="1168426181"/>
+        <p14:creationId xmlns:p14="http://schemas.microsoft.com/office/powerpoint/2010/main" val="2513566931"/>
       </p:ext>
     </p:extLst>
   </p:cSld>
@@ -11170,7 +13266,7 @@
           <a:p>
             <a:r>
               <a:rPr lang="en-US" dirty="0" smtClean="0"/>
-              <a:t>K-Anonymity</a:t>
+              <a:t>Traditional Techniques</a:t>
             </a:r>
             <a:endParaRPr lang="en-US" dirty="0"/>
           </a:p>
@@ -11188,43 +13284,69 @@
         </p:nvSpPr>
         <p:spPr/>
         <p:txBody>
-          <a:bodyPr/>
-          <a:lstStyle/>
-          <a:p>
-            <a:r>
-              <a:rPr lang="en-US" dirty="0" smtClean="0"/>
-              <a:t>Each sequence of values appears </a:t>
-            </a:r>
-            <a:r>
-              <a:rPr lang="en-US" i="1" dirty="0" smtClean="0"/>
-              <a:t>k</a:t>
-            </a:r>
-            <a:r>
-              <a:rPr lang="en-US" dirty="0" smtClean="0"/>
-              <a:t> times</a:t>
-            </a:r>
-          </a:p>
-          <a:p>
-            <a:r>
-              <a:rPr lang="en-US" dirty="0" smtClean="0"/>
-              <a:t>Cannot link fewer than </a:t>
-            </a:r>
-            <a:r>
-              <a:rPr lang="en-US" i="1" dirty="0" smtClean="0"/>
-              <a:t>k </a:t>
-            </a:r>
-            <a:r>
-              <a:rPr lang="en-US" dirty="0" smtClean="0"/>
-              <a:t>individuals</a:t>
-            </a:r>
-          </a:p>
-          <a:p>
-            <a:r>
-              <a:rPr lang="en-US" dirty="0" smtClean="0"/>
-              <a:t>Protects against matching to known external sources</a:t>
-            </a:r>
-          </a:p>
-          <a:p>
+          <a:bodyPr>
+            <a:normAutofit fontScale="92500" lnSpcReduction="20000"/>
+          </a:bodyPr>
+          <a:lstStyle/>
+          <a:p>
+            <a:r>
+              <a:rPr lang="en-US" dirty="0" smtClean="0"/>
+              <a:t>Generalize data by adding noise</a:t>
+            </a:r>
+          </a:p>
+          <a:p>
+            <a:pPr lvl="1"/>
+            <a:r>
+              <a:rPr lang="en-US" dirty="0" smtClean="0"/>
+              <a:t>Damage the integrity</a:t>
+            </a:r>
+          </a:p>
+          <a:p>
+            <a:pPr lvl="1"/>
+            <a:r>
+              <a:rPr lang="en-US" dirty="0" smtClean="0"/>
+              <a:t>Statistical Data</a:t>
+            </a:r>
+          </a:p>
+          <a:p>
+            <a:r>
+              <a:rPr lang="en-US" dirty="0" smtClean="0"/>
+              <a:t>Lower classified information can leak higher classified information</a:t>
+            </a:r>
+          </a:p>
+          <a:p>
+            <a:pPr lvl="1"/>
+            <a:r>
+              <a:rPr lang="en-US" dirty="0" smtClean="0"/>
+              <a:t>Protect with a strong database design</a:t>
+            </a:r>
+          </a:p>
+          <a:p>
+            <a:pPr lvl="1"/>
+            <a:r>
+              <a:rPr lang="en-US" dirty="0" smtClean="0"/>
+              <a:t>Problem: Data replication</a:t>
+            </a:r>
+          </a:p>
+          <a:p>
+            <a:pPr lvl="1"/>
+            <a:r>
+              <a:rPr lang="en-US" dirty="0" smtClean="0"/>
+              <a:t>Multi-level databases</a:t>
+            </a:r>
+          </a:p>
+          <a:p>
+            <a:r>
+              <a:rPr lang="en-US" dirty="0" smtClean="0"/>
+              <a:t>Suppress Data</a:t>
+            </a:r>
+          </a:p>
+          <a:p>
+            <a:pPr lvl="1"/>
+            <a:r>
+              <a:rPr lang="en-US" dirty="0" smtClean="0"/>
+              <a:t>Loses Utility</a:t>
+            </a:r>
             <a:endParaRPr lang="en-US" dirty="0"/>
           </a:p>
         </p:txBody>
@@ -11232,7 +13354,7 @@
     </p:spTree>
     <p:extLst>
       <p:ext uri="{BB962C8B-B14F-4D97-AF65-F5344CB8AC3E}">
-        <p14:creationId xmlns:p14="http://schemas.microsoft.com/office/powerpoint/2010/main" val="3372331829"/>
+        <p14:creationId xmlns:p14="http://schemas.microsoft.com/office/powerpoint/2010/main" val="1168426181"/>
       </p:ext>
     </p:extLst>
   </p:cSld>

--- a/Final Project/draft_presentation.pptx
+++ b/Final Project/draft_presentation.pptx
@@ -5,7 +5,7 @@
     <p:sldMasterId id="2147483648" r:id="rId1"/>
   </p:sldMasterIdLst>
   <p:notesMasterIdLst>
-    <p:notesMasterId r:id="rId53"/>
+    <p:notesMasterId r:id="rId54"/>
   </p:notesMasterIdLst>
   <p:sldIdLst>
     <p:sldId id="256" r:id="rId2"/>
@@ -42,23 +42,24 @@
     <p:sldId id="291" r:id="rId33"/>
     <p:sldId id="292" r:id="rId34"/>
     <p:sldId id="293" r:id="rId35"/>
-    <p:sldId id="310" r:id="rId36"/>
-    <p:sldId id="294" r:id="rId37"/>
-    <p:sldId id="295" r:id="rId38"/>
-    <p:sldId id="296" r:id="rId39"/>
-    <p:sldId id="297" r:id="rId40"/>
-    <p:sldId id="298" r:id="rId41"/>
-    <p:sldId id="299" r:id="rId42"/>
+    <p:sldId id="294" r:id="rId36"/>
+    <p:sldId id="295" r:id="rId37"/>
+    <p:sldId id="296" r:id="rId38"/>
+    <p:sldId id="297" r:id="rId39"/>
+    <p:sldId id="298" r:id="rId40"/>
+    <p:sldId id="299" r:id="rId41"/>
+    <p:sldId id="314" r:id="rId42"/>
     <p:sldId id="300" r:id="rId43"/>
     <p:sldId id="311" r:id="rId44"/>
-    <p:sldId id="312" r:id="rId45"/>
-    <p:sldId id="313" r:id="rId46"/>
-    <p:sldId id="303" r:id="rId47"/>
-    <p:sldId id="304" r:id="rId48"/>
-    <p:sldId id="306" r:id="rId49"/>
-    <p:sldId id="305" r:id="rId50"/>
-    <p:sldId id="307" r:id="rId51"/>
-    <p:sldId id="308" r:id="rId52"/>
+    <p:sldId id="310" r:id="rId45"/>
+    <p:sldId id="312" r:id="rId46"/>
+    <p:sldId id="313" r:id="rId47"/>
+    <p:sldId id="303" r:id="rId48"/>
+    <p:sldId id="304" r:id="rId49"/>
+    <p:sldId id="306" r:id="rId50"/>
+    <p:sldId id="305" r:id="rId51"/>
+    <p:sldId id="307" r:id="rId52"/>
+    <p:sldId id="308" r:id="rId53"/>
   </p:sldIdLst>
   <p:sldSz cx="9144000" cy="6858000" type="screen4x3"/>
   <p:notesSz cx="6858000" cy="9144000"/>
@@ -1557,7 +1558,7 @@
           <a:p>
             <a:fld id="{4B6ADD09-A426-694F-B3F1-BF5C032C9059}" type="slidenum">
               <a:rPr lang="en-US" smtClean="0"/>
-              <a:t>37</a:t>
+              <a:t>36</a:t>
             </a:fld>
             <a:endParaRPr lang="en-US"/>
           </a:p>
@@ -1641,7 +1642,7 @@
           <a:p>
             <a:fld id="{4B6ADD09-A426-694F-B3F1-BF5C032C9059}" type="slidenum">
               <a:rPr lang="en-US" smtClean="0"/>
-              <a:t>40</a:t>
+              <a:t>39</a:t>
             </a:fld>
             <a:endParaRPr lang="en-US"/>
           </a:p>
@@ -1898,7 +1899,7 @@
           <a:p>
             <a:fld id="{4B6ADD09-A426-694F-B3F1-BF5C032C9059}" type="slidenum">
               <a:rPr lang="en-US" smtClean="0"/>
-              <a:t>41</a:t>
+              <a:t>40</a:t>
             </a:fld>
             <a:endParaRPr lang="en-US"/>
           </a:p>
@@ -1982,7 +1983,7 @@
           <a:p>
             <a:fld id="{4B6ADD09-A426-694F-B3F1-BF5C032C9059}" type="slidenum">
               <a:rPr lang="en-US" smtClean="0"/>
-              <a:t>44</a:t>
+              <a:t>45</a:t>
             </a:fld>
             <a:endParaRPr lang="en-US"/>
           </a:p>
@@ -2107,7 +2108,7 @@
           <a:p>
             <a:fld id="{4B6ADD09-A426-694F-B3F1-BF5C032C9059}" type="slidenum">
               <a:rPr lang="en-US" smtClean="0"/>
-              <a:t>45</a:t>
+              <a:t>46</a:t>
             </a:fld>
             <a:endParaRPr lang="en-US"/>
           </a:p>
@@ -2191,7 +2192,7 @@
           <a:p>
             <a:fld id="{4B6ADD09-A426-694F-B3F1-BF5C032C9059}" type="slidenum">
               <a:rPr lang="en-US" smtClean="0"/>
-              <a:t>46</a:t>
+              <a:t>47</a:t>
             </a:fld>
             <a:endParaRPr lang="en-US"/>
           </a:p>
@@ -5818,6 +5819,10 @@
           <a:bodyPr/>
           <a:lstStyle/>
           <a:p>
+            <a:r>
+              <a:rPr lang="en-US" dirty="0" smtClean="0"/>
+              <a:t>Anonymity and Severity Analysis for Data Leakage Detection</a:t>
+            </a:r>
             <a:endParaRPr lang="en-US" dirty="0"/>
           </a:p>
         </p:txBody>
@@ -5837,7 +5842,17 @@
           <a:bodyPr/>
           <a:lstStyle/>
           <a:p>
-            <a:endParaRPr lang="en-US"/>
+            <a:r>
+              <a:rPr lang="en-US" dirty="0" smtClean="0"/>
+              <a:t>Jay Velasco</a:t>
+            </a:r>
+          </a:p>
+          <a:p>
+            <a:r>
+              <a:rPr lang="en-US" dirty="0" smtClean="0"/>
+              <a:t>5/6/2017</a:t>
+            </a:r>
+            <a:endParaRPr lang="en-US" dirty="0"/>
           </a:p>
         </p:txBody>
       </p:sp>
@@ -8366,7 +8381,7 @@
           <a:p>
             <a:r>
               <a:rPr lang="en-US" dirty="0" smtClean="0"/>
-              <a:t>Motivation</a:t>
+              <a:t>Motivation (Recap)</a:t>
             </a:r>
             <a:endParaRPr lang="en-US" dirty="0"/>
           </a:p>
@@ -9438,7 +9453,7 @@
           <p:nvPr>
             <p:extLst>
               <p:ext uri="{D42A27DB-BD31-4B8C-83A1-F6EECF244321}">
-                <p14:modId xmlns:p14="http://schemas.microsoft.com/office/powerpoint/2010/main" val="3321117532"/>
+                <p14:modId xmlns:p14="http://schemas.microsoft.com/office/powerpoint/2010/main" val="3663108851"/>
               </p:ext>
             </p:extLst>
           </p:nvPr>
@@ -9484,7 +9499,7 @@
                       </a:r>
                       <a:r>
                         <a:rPr lang="en-US" baseline="0" dirty="0" smtClean="0"/>
-                        <a:t> &lt; 10) = .8</a:t>
+                        <a:t> &lt; 18) = .8</a:t>
                       </a:r>
                       <a:br>
                         <a:rPr lang="en-US" baseline="0" dirty="0" smtClean="0"/>
@@ -10463,59 +10478,41 @@
           <a:p>
             <a:r>
               <a:rPr lang="en-US" dirty="0" smtClean="0"/>
-              <a:t>KL-Severity</a:t>
+              <a:t>Classification Score</a:t>
             </a:r>
             <a:endParaRPr lang="en-US" dirty="0"/>
           </a:p>
         </p:txBody>
       </p:sp>
-      <p:sp>
-        <p:nvSpPr>
-          <p:cNvPr id="3" name="Content Placeholder 2"/>
-          <p:cNvSpPr>
-            <a:spLocks noGrp="1"/>
-          </p:cNvSpPr>
+      <p:pic>
+        <p:nvPicPr>
+          <p:cNvPr id="12" name="Content Placeholder 11" descr="Screen Shot 2017-05-06 at 9.41.41 AM.png"/>
+          <p:cNvPicPr>
+            <a:picLocks noGrp="1" noChangeAspect="1"/>
+          </p:cNvPicPr>
           <p:nvPr>
             <p:ph idx="1"/>
           </p:nvPr>
-        </p:nvSpPr>
-        <p:spPr/>
-        <p:txBody>
-          <a:bodyPr/>
-          <a:lstStyle/>
-          <a:p>
-            <a:r>
-              <a:rPr lang="en-US" dirty="0" smtClean="0"/>
-              <a:t>Severity Definition</a:t>
-            </a:r>
-          </a:p>
-          <a:p>
-            <a:pPr lvl="1"/>
-            <a:r>
-              <a:rPr lang="en-US" dirty="0" smtClean="0"/>
-              <a:t>Impact on Individual’s life</a:t>
-            </a:r>
-          </a:p>
-          <a:p>
-            <a:pPr lvl="1"/>
-            <a:r>
-              <a:rPr lang="en-US" dirty="0" smtClean="0"/>
-              <a:t>Value</a:t>
-            </a:r>
-          </a:p>
-          <a:p>
-            <a:r>
-              <a:rPr lang="en-US" dirty="0" smtClean="0"/>
-              <a:t>Severity should be clear and parameters will reflect this</a:t>
-            </a:r>
-            <a:endParaRPr lang="en-US" dirty="0"/>
-          </a:p>
-        </p:txBody>
-      </p:sp>
+        </p:nvPicPr>
+        <p:blipFill>
+          <a:blip r:embed="rId2">
+            <a:extLst>
+              <a:ext uri="{28A0092B-C50C-407E-A947-70E740481C1C}">
+                <a14:useLocalDpi xmlns:a14="http://schemas.microsoft.com/office/drawing/2010/main" val="0"/>
+              </a:ext>
+            </a:extLst>
+          </a:blip>
+          <a:srcRect t="-18745" b="-18745"/>
+          <a:stretch>
+            <a:fillRect/>
+          </a:stretch>
+        </p:blipFill>
+        <p:spPr/>
+      </p:pic>
     </p:spTree>
     <p:extLst>
       <p:ext uri="{BB962C8B-B14F-4D97-AF65-F5344CB8AC3E}">
-        <p14:creationId xmlns:p14="http://schemas.microsoft.com/office/powerpoint/2010/main" val="2147364595"/>
+        <p14:creationId xmlns:p14="http://schemas.microsoft.com/office/powerpoint/2010/main" val="636434526"/>
       </p:ext>
     </p:extLst>
   </p:cSld>
@@ -10559,41 +10556,88 @@
           <a:p>
             <a:r>
               <a:rPr lang="en-US" dirty="0" smtClean="0"/>
-              <a:t>Classification Score</a:t>
+              <a:t>Dependency Factor</a:t>
             </a:r>
             <a:endParaRPr lang="en-US" dirty="0"/>
           </a:p>
         </p:txBody>
       </p:sp>
-      <p:pic>
-        <p:nvPicPr>
-          <p:cNvPr id="8" name="Content Placeholder 7" descr="Screen Shot 2017-05-04 at 9.43.06 PM.png"/>
-          <p:cNvPicPr>
-            <a:picLocks noGrp="1" noChangeAspect="1"/>
-          </p:cNvPicPr>
+      <p:sp>
+        <p:nvSpPr>
+          <p:cNvPr id="3" name="Content Placeholder 2"/>
+          <p:cNvSpPr>
+            <a:spLocks noGrp="1"/>
+          </p:cNvSpPr>
           <p:nvPr>
             <p:ph idx="1"/>
           </p:nvPr>
-        </p:nvPicPr>
-        <p:blipFill>
-          <a:blip r:embed="rId2">
-            <a:extLst>
-              <a:ext uri="{28A0092B-C50C-407E-A947-70E740481C1C}">
-                <a14:useLocalDpi xmlns:a14="http://schemas.microsoft.com/office/drawing/2010/main" val="0"/>
-              </a:ext>
-            </a:extLst>
-          </a:blip>
-          <a:srcRect t="-22037" b="-22037"/>
-          <a:stretch>
-            <a:fillRect/>
-          </a:stretch>
-        </p:blipFill>
-        <p:spPr/>
-      </p:pic>
+        </p:nvSpPr>
+        <p:spPr/>
+        <p:txBody>
+          <a:bodyPr>
+            <a:normAutofit fontScale="92500" lnSpcReduction="10000"/>
+          </a:bodyPr>
+          <a:lstStyle/>
+          <a:p>
+            <a:r>
+              <a:rPr lang="en-US" dirty="0" smtClean="0"/>
+              <a:t>Kept logic as-is</a:t>
+            </a:r>
+          </a:p>
+          <a:p>
+            <a:pPr lvl="1"/>
+            <a:r>
+              <a:rPr lang="en-US" dirty="0" smtClean="0"/>
+              <a:t>Represents the number of tuples in a q-block</a:t>
+            </a:r>
+          </a:p>
+          <a:p>
+            <a:pPr lvl="1"/>
+            <a:r>
+              <a:rPr lang="en-US" dirty="0" smtClean="0"/>
+              <a:t>Can add a weight to determine if table follows k-anonymity rule</a:t>
+            </a:r>
+          </a:p>
+          <a:p>
+            <a:pPr lvl="2"/>
+            <a:r>
+              <a:rPr lang="en-US" dirty="0" smtClean="0"/>
+              <a:t>How far from k is this q-block</a:t>
+            </a:r>
+          </a:p>
+          <a:p>
+            <a:pPr lvl="2"/>
+            <a:r>
+              <a:rPr lang="en-US" dirty="0" smtClean="0"/>
+              <a:t>Impact</a:t>
+            </a:r>
+          </a:p>
+          <a:p>
+            <a:r>
+              <a:rPr lang="en-US" dirty="0" smtClean="0"/>
+              <a:t>Not k-anonymity conforming</a:t>
+            </a:r>
+          </a:p>
+          <a:p>
+            <a:r>
+              <a:rPr lang="en-US" dirty="0" smtClean="0"/>
+              <a:t>How far from k?</a:t>
+            </a:r>
+          </a:p>
+          <a:p>
+            <a:pPr lvl="1"/>
+            <a:r>
+              <a:rPr lang="en-US" dirty="0" smtClean="0"/>
+              <a:t>Equivalent to how distinct a record is using the traditional DF method</a:t>
+            </a:r>
+            <a:endParaRPr lang="en-US" dirty="0"/>
+          </a:p>
+        </p:txBody>
+      </p:sp>
     </p:spTree>
     <p:extLst>
       <p:ext uri="{BB962C8B-B14F-4D97-AF65-F5344CB8AC3E}">
-        <p14:creationId xmlns:p14="http://schemas.microsoft.com/office/powerpoint/2010/main" val="636434526"/>
+        <p14:creationId xmlns:p14="http://schemas.microsoft.com/office/powerpoint/2010/main" val="772342782"/>
       </p:ext>
     </p:extLst>
   </p:cSld>
@@ -10637,88 +10681,41 @@
           <a:p>
             <a:r>
               <a:rPr lang="en-US" dirty="0" smtClean="0"/>
-              <a:t>Dependency Factor</a:t>
+              <a:t>Q-Block</a:t>
             </a:r>
             <a:endParaRPr lang="en-US" dirty="0"/>
           </a:p>
         </p:txBody>
       </p:sp>
-      <p:sp>
-        <p:nvSpPr>
-          <p:cNvPr id="3" name="Content Placeholder 2"/>
-          <p:cNvSpPr>
-            <a:spLocks noGrp="1"/>
-          </p:cNvSpPr>
+      <p:pic>
+        <p:nvPicPr>
+          <p:cNvPr id="4" name="Content Placeholder 3" descr="Screen Shot 2017-05-04 at 10.01.26 PM.png"/>
+          <p:cNvPicPr>
+            <a:picLocks noGrp="1" noChangeAspect="1"/>
+          </p:cNvPicPr>
           <p:nvPr>
             <p:ph idx="1"/>
           </p:nvPr>
-        </p:nvSpPr>
-        <p:spPr/>
-        <p:txBody>
-          <a:bodyPr>
-            <a:normAutofit fontScale="92500" lnSpcReduction="10000"/>
-          </a:bodyPr>
-          <a:lstStyle/>
-          <a:p>
-            <a:r>
-              <a:rPr lang="en-US" dirty="0" smtClean="0"/>
-              <a:t>Kept logic as-is</a:t>
-            </a:r>
-          </a:p>
-          <a:p>
-            <a:pPr lvl="1"/>
-            <a:r>
-              <a:rPr lang="en-US" dirty="0" smtClean="0"/>
-              <a:t>Represents the number of tuples in a q-block</a:t>
-            </a:r>
-          </a:p>
-          <a:p>
-            <a:pPr lvl="1"/>
-            <a:r>
-              <a:rPr lang="en-US" dirty="0" smtClean="0"/>
-              <a:t>Can add a weight to determine if table follows k-anonymity rule</a:t>
-            </a:r>
-          </a:p>
-          <a:p>
-            <a:pPr lvl="2"/>
-            <a:r>
-              <a:rPr lang="en-US" dirty="0" smtClean="0"/>
-              <a:t>How far from k is this q-block</a:t>
-            </a:r>
-          </a:p>
-          <a:p>
-            <a:pPr lvl="2"/>
-            <a:r>
-              <a:rPr lang="en-US" dirty="0" smtClean="0"/>
-              <a:t>Impact</a:t>
-            </a:r>
-          </a:p>
-          <a:p>
-            <a:r>
-              <a:rPr lang="en-US" dirty="0" smtClean="0"/>
-              <a:t>Not k-anonymity conforming</a:t>
-            </a:r>
-          </a:p>
-          <a:p>
-            <a:r>
-              <a:rPr lang="en-US" dirty="0" smtClean="0"/>
-              <a:t>How far from k?</a:t>
-            </a:r>
-          </a:p>
-          <a:p>
-            <a:pPr lvl="1"/>
-            <a:r>
-              <a:rPr lang="en-US" dirty="0" smtClean="0"/>
-              <a:t>Equivalent to how distinct a record is using the traditional DF method</a:t>
-            </a:r>
-            <a:endParaRPr lang="en-US" dirty="0"/>
-          </a:p>
-        </p:txBody>
-      </p:sp>
+        </p:nvPicPr>
+        <p:blipFill>
+          <a:blip r:embed="rId2">
+            <a:extLst>
+              <a:ext uri="{28A0092B-C50C-407E-A947-70E740481C1C}">
+                <a14:useLocalDpi xmlns:a14="http://schemas.microsoft.com/office/drawing/2010/main" val="0"/>
+              </a:ext>
+            </a:extLst>
+          </a:blip>
+          <a:srcRect t="-54285" b="-54285"/>
+          <a:stretch>
+            <a:fillRect/>
+          </a:stretch>
+        </p:blipFill>
+        <p:spPr/>
+      </p:pic>
     </p:spTree>
     <p:extLst>
       <p:ext uri="{BB962C8B-B14F-4D97-AF65-F5344CB8AC3E}">
-        <p14:creationId xmlns:p14="http://schemas.microsoft.com/office/powerpoint/2010/main" val="772342782"/>
+        <p14:creationId xmlns:p14="http://schemas.microsoft.com/office/powerpoint/2010/main" val="2456637169"/>
       </p:ext>
     </p:extLst>
   </p:cSld>
@@ -10762,41 +10759,41 @@
           <a:p>
             <a:r>
               <a:rPr lang="en-US" dirty="0" smtClean="0"/>
-              <a:t>Q-Block</a:t>
+              <a:t>Definition</a:t>
             </a:r>
             <a:endParaRPr lang="en-US" dirty="0"/>
           </a:p>
         </p:txBody>
       </p:sp>
-      <p:pic>
-        <p:nvPicPr>
-          <p:cNvPr id="4" name="Content Placeholder 3" descr="Screen Shot 2017-05-04 at 10.01.26 PM.png"/>
-          <p:cNvPicPr>
-            <a:picLocks noGrp="1" noChangeAspect="1"/>
-          </p:cNvPicPr>
+      <p:sp>
+        <p:nvSpPr>
+          <p:cNvPr id="3" name="Content Placeholder 2"/>
+          <p:cNvSpPr>
+            <a:spLocks noGrp="1"/>
+          </p:cNvSpPr>
           <p:nvPr>
             <p:ph idx="1"/>
           </p:nvPr>
-        </p:nvPicPr>
-        <p:blipFill>
-          <a:blip r:embed="rId2">
-            <a:extLst>
-              <a:ext uri="{28A0092B-C50C-407E-A947-70E740481C1C}">
-                <a14:useLocalDpi xmlns:a14="http://schemas.microsoft.com/office/drawing/2010/main" val="0"/>
-              </a:ext>
-            </a:extLst>
-          </a:blip>
-          <a:srcRect t="-54285" b="-54285"/>
-          <a:stretch>
-            <a:fillRect/>
-          </a:stretch>
-        </p:blipFill>
-        <p:spPr/>
-      </p:pic>
+        </p:nvSpPr>
+        <p:spPr/>
+        <p:txBody>
+          <a:bodyPr/>
+          <a:lstStyle/>
+          <a:p>
+            <a:r>
+              <a:rPr lang="en-US" dirty="0" smtClean="0"/>
+              <a:t>Let QBS be the set of sensitive attributes in one q-block</a:t>
+            </a:r>
+          </a:p>
+          <a:p>
+            <a:endParaRPr lang="en-US" dirty="0"/>
+          </a:p>
+        </p:txBody>
+      </p:sp>
     </p:spTree>
     <p:extLst>
       <p:ext uri="{BB962C8B-B14F-4D97-AF65-F5344CB8AC3E}">
-        <p14:creationId xmlns:p14="http://schemas.microsoft.com/office/powerpoint/2010/main" val="2456637169"/>
+        <p14:creationId xmlns:p14="http://schemas.microsoft.com/office/powerpoint/2010/main" val="2361659114"/>
       </p:ext>
     </p:extLst>
   </p:cSld>
@@ -10839,42 +10836,42 @@
           <a:lstStyle/>
           <a:p>
             <a:r>
-              <a:rPr lang="en-US" dirty="0" smtClean="0"/>
-              <a:t>Definition</a:t>
+              <a:rPr lang="en-US" dirty="0" err="1" smtClean="0"/>
+              <a:t>DivFactor</a:t>
             </a:r>
             <a:endParaRPr lang="en-US" dirty="0"/>
           </a:p>
         </p:txBody>
       </p:sp>
-      <p:sp>
-        <p:nvSpPr>
-          <p:cNvPr id="3" name="Content Placeholder 2"/>
-          <p:cNvSpPr>
-            <a:spLocks noGrp="1"/>
-          </p:cNvSpPr>
+      <p:pic>
+        <p:nvPicPr>
+          <p:cNvPr id="4" name="Content Placeholder 3" descr="Screen Shot 2017-05-04 at 10.06.36 PM.png"/>
+          <p:cNvPicPr>
+            <a:picLocks noGrp="1" noChangeAspect="1"/>
+          </p:cNvPicPr>
           <p:nvPr>
             <p:ph idx="1"/>
           </p:nvPr>
-        </p:nvSpPr>
-        <p:spPr/>
-        <p:txBody>
-          <a:bodyPr/>
-          <a:lstStyle/>
-          <a:p>
-            <a:r>
-              <a:rPr lang="en-US" dirty="0" smtClean="0"/>
-              <a:t>Let QBS be the set of sensitive attributes in one q-block</a:t>
-            </a:r>
-          </a:p>
-          <a:p>
-            <a:endParaRPr lang="en-US" dirty="0"/>
-          </a:p>
-        </p:txBody>
-      </p:sp>
+        </p:nvPicPr>
+        <p:blipFill>
+          <a:blip r:embed="rId3">
+            <a:extLst>
+              <a:ext uri="{28A0092B-C50C-407E-A947-70E740481C1C}">
+                <a14:useLocalDpi xmlns:a14="http://schemas.microsoft.com/office/drawing/2010/main" val="0"/>
+              </a:ext>
+            </a:extLst>
+          </a:blip>
+          <a:srcRect t="-125860" b="-125860"/>
+          <a:stretch>
+            <a:fillRect/>
+          </a:stretch>
+        </p:blipFill>
+        <p:spPr/>
+      </p:pic>
     </p:spTree>
     <p:extLst>
       <p:ext uri="{BB962C8B-B14F-4D97-AF65-F5344CB8AC3E}">
-        <p14:creationId xmlns:p14="http://schemas.microsoft.com/office/powerpoint/2010/main" val="2361659114"/>
+        <p14:creationId xmlns:p14="http://schemas.microsoft.com/office/powerpoint/2010/main" val="2470003929"/>
       </p:ext>
     </p:extLst>
   </p:cSld>
@@ -11020,8 +11017,8 @@
           <a:lstStyle/>
           <a:p>
             <a:r>
-              <a:rPr lang="en-US" dirty="0" err="1" smtClean="0"/>
-              <a:t>DivFactor</a:t>
+              <a:rPr lang="en-US" dirty="0" smtClean="0"/>
+              <a:t>Well Represented</a:t>
             </a:r>
             <a:endParaRPr lang="en-US" dirty="0"/>
           </a:p>
@@ -11029,7 +11026,7 @@
       </p:sp>
       <p:pic>
         <p:nvPicPr>
-          <p:cNvPr id="4" name="Content Placeholder 3" descr="Screen Shot 2017-05-04 at 10.06.36 PM.png"/>
+          <p:cNvPr id="4" name="Content Placeholder 3" descr="Screen Shot 2017-05-04 at 10.16.25 PM.png"/>
           <p:cNvPicPr>
             <a:picLocks noGrp="1" noChangeAspect="1"/>
           </p:cNvPicPr>
@@ -11045,7 +11042,7 @@
               </a:ext>
             </a:extLst>
           </a:blip>
-          <a:srcRect t="-125860" b="-125860"/>
+          <a:srcRect t="-71866" b="-71866"/>
           <a:stretch>
             <a:fillRect/>
           </a:stretch>
@@ -11055,7 +11052,7 @@
     </p:spTree>
     <p:extLst>
       <p:ext uri="{BB962C8B-B14F-4D97-AF65-F5344CB8AC3E}">
-        <p14:creationId xmlns:p14="http://schemas.microsoft.com/office/powerpoint/2010/main" val="2470003929"/>
+        <p14:creationId xmlns:p14="http://schemas.microsoft.com/office/powerpoint/2010/main" val="2987011738"/>
       </p:ext>
     </p:extLst>
   </p:cSld>
@@ -11099,41 +11096,62 @@
           <a:p>
             <a:r>
               <a:rPr lang="en-US" dirty="0" smtClean="0"/>
-              <a:t>Well Represented</a:t>
+              <a:t>Recursive L-Diversity</a:t>
             </a:r>
             <a:endParaRPr lang="en-US" dirty="0"/>
           </a:p>
         </p:txBody>
       </p:sp>
-      <p:pic>
-        <p:nvPicPr>
-          <p:cNvPr id="4" name="Content Placeholder 3" descr="Screen Shot 2017-05-04 at 10.16.25 PM.png"/>
-          <p:cNvPicPr>
-            <a:picLocks noGrp="1" noChangeAspect="1"/>
-          </p:cNvPicPr>
+      <p:sp>
+        <p:nvSpPr>
+          <p:cNvPr id="3" name="Content Placeholder 2"/>
+          <p:cNvSpPr>
+            <a:spLocks noGrp="1"/>
+          </p:cNvSpPr>
           <p:nvPr>
             <p:ph idx="1"/>
           </p:nvPr>
-        </p:nvPicPr>
-        <p:blipFill>
-          <a:blip r:embed="rId3">
-            <a:extLst>
-              <a:ext uri="{28A0092B-C50C-407E-A947-70E740481C1C}">
-                <a14:useLocalDpi xmlns:a14="http://schemas.microsoft.com/office/drawing/2010/main" val="0"/>
-              </a:ext>
-            </a:extLst>
-          </a:blip>
-          <a:srcRect t="-71866" b="-71866"/>
-          <a:stretch>
-            <a:fillRect/>
-          </a:stretch>
-        </p:blipFill>
-        <p:spPr/>
-      </p:pic>
+        </p:nvSpPr>
+        <p:spPr/>
+        <p:txBody>
+          <a:bodyPr/>
+          <a:lstStyle/>
+          <a:p>
+            <a:r>
+              <a:rPr lang="en-US" dirty="0" smtClean="0"/>
+              <a:t>Take the frequency of the most occurring sensitive attribute in a q-block</a:t>
+            </a:r>
+          </a:p>
+          <a:p>
+            <a:r>
+              <a:rPr lang="en-US" dirty="0" smtClean="0"/>
+              <a:t>R1</a:t>
+            </a:r>
+          </a:p>
+          <a:p>
+            <a:r>
+              <a:rPr lang="en-US" dirty="0" smtClean="0"/>
+              <a:t>R1 &lt; R2 + …. + </a:t>
+            </a:r>
+            <a:r>
+              <a:rPr lang="en-US" dirty="0" err="1" smtClean="0"/>
+              <a:t>Rm</a:t>
+            </a:r>
+            <a:endParaRPr lang="en-US" dirty="0" smtClean="0"/>
+          </a:p>
+          <a:p>
+            <a:r>
+              <a:rPr lang="en-US" dirty="0" smtClean="0"/>
+              <a:t>The most frequent sensitive value must be less than the remaining frequencies</a:t>
+            </a:r>
+            <a:endParaRPr lang="en-US" dirty="0"/>
+          </a:p>
+        </p:txBody>
+      </p:sp>
     </p:spTree>
     <p:extLst>
       <p:ext uri="{BB962C8B-B14F-4D97-AF65-F5344CB8AC3E}">
-        <p14:creationId xmlns:p14="http://schemas.microsoft.com/office/powerpoint/2010/main" val="2987011738"/>
+        <p14:creationId xmlns:p14="http://schemas.microsoft.com/office/powerpoint/2010/main" val="2532762262"/>
       </p:ext>
     </p:extLst>
   </p:cSld>
@@ -11983,78 +12001,36 @@
           <a:p>
             <a:r>
               <a:rPr lang="en-US" dirty="0" smtClean="0"/>
-              <a:t>Job and Age QI</a:t>
+              <a:t>Severity Definition</a:t>
             </a:r>
           </a:p>
           <a:p>
             <a:pPr lvl="1"/>
             <a:r>
               <a:rPr lang="en-US" dirty="0" smtClean="0"/>
-              <a:t>DF </a:t>
-            </a:r>
-            <a:r>
-              <a:rPr lang="en-US" dirty="0"/>
-              <a:t>=</a:t>
-            </a:r>
-            <a:r>
-              <a:rPr lang="en-US" dirty="0" smtClean="0"/>
-              <a:t> 4</a:t>
-            </a:r>
-          </a:p>
-          <a:p>
-            <a:r>
-              <a:rPr lang="en-US" dirty="0" smtClean="0"/>
-              <a:t>Table 1</a:t>
+              <a:t>Impact on Individual’s life</a:t>
             </a:r>
           </a:p>
           <a:p>
             <a:pPr lvl="1"/>
             <a:r>
               <a:rPr lang="en-US" dirty="0" smtClean="0"/>
-              <a:t>2 </a:t>
-            </a:r>
-            <a:r>
-              <a:rPr lang="en-US" dirty="0" err="1" smtClean="0"/>
-              <a:t>DivFactor</a:t>
-            </a:r>
-            <a:endParaRPr lang="en-US" dirty="0" smtClean="0"/>
-          </a:p>
-          <a:p>
-            <a:r>
-              <a:rPr lang="en-US" dirty="0" smtClean="0"/>
-              <a:t>Table 2</a:t>
-            </a:r>
-          </a:p>
-          <a:p>
-            <a:pPr lvl="1"/>
-            <a:r>
-              <a:rPr lang="en-US" dirty="0" smtClean="0"/>
-              <a:t>4 </a:t>
-            </a:r>
-            <a:r>
-              <a:rPr lang="en-US" dirty="0" err="1" smtClean="0"/>
-              <a:t>DivFactor</a:t>
-            </a:r>
-            <a:endParaRPr lang="en-US" dirty="0" smtClean="0"/>
-          </a:p>
-          <a:p>
-            <a:r>
-              <a:rPr lang="en-US" dirty="0" smtClean="0"/>
-              <a:t>Assume severity is 20 for both tables</a:t>
-            </a:r>
-          </a:p>
-          <a:p>
-            <a:pPr marL="0" indent="0">
-              <a:buNone/>
-            </a:pPr>
-            <a:endParaRPr lang="en-US" dirty="0" smtClean="0"/>
+              <a:t>Value</a:t>
+            </a:r>
+          </a:p>
+          <a:p>
+            <a:r>
+              <a:rPr lang="en-US" dirty="0" smtClean="0"/>
+              <a:t>Severity should be clear and parameters will reflect this</a:t>
+            </a:r>
+            <a:endParaRPr lang="en-US" dirty="0"/>
           </a:p>
         </p:txBody>
       </p:sp>
     </p:spTree>
     <p:extLst>
       <p:ext uri="{BB962C8B-B14F-4D97-AF65-F5344CB8AC3E}">
-        <p14:creationId xmlns:p14="http://schemas.microsoft.com/office/powerpoint/2010/main" val="2832725775"/>
+        <p14:creationId xmlns:p14="http://schemas.microsoft.com/office/powerpoint/2010/main" val="2147364595"/>
       </p:ext>
     </p:extLst>
   </p:cSld>
@@ -12121,6 +12097,27 @@
           <a:p>
             <a:r>
               <a:rPr lang="en-US" dirty="0" smtClean="0"/>
+              <a:t>Job and Age QI</a:t>
+            </a:r>
+          </a:p>
+          <a:p>
+            <a:pPr lvl="1"/>
+            <a:r>
+              <a:rPr lang="en-US" dirty="0" smtClean="0"/>
+              <a:t>DF </a:t>
+            </a:r>
+            <a:r>
+              <a:rPr lang="en-US" dirty="0"/>
+              <a:t>=</a:t>
+            </a:r>
+            <a:r>
+              <a:rPr lang="en-US" dirty="0" smtClean="0"/>
+              <a:t> 4</a:t>
+            </a:r>
+          </a:p>
+          <a:p>
+            <a:r>
+              <a:rPr lang="en-US" dirty="0" smtClean="0"/>
               <a:t>Table 1</a:t>
             </a:r>
           </a:p>
@@ -12128,58 +12125,50 @@
             <a:pPr lvl="1"/>
             <a:r>
               <a:rPr lang="en-US" dirty="0" smtClean="0"/>
-              <a:t>4 *</a:t>
-            </a:r>
-            <a:r>
-              <a:rPr lang="en-US" baseline="0" dirty="0" smtClean="0"/>
-              <a:t> (20 / 4 / 2) + 1</a:t>
+              <a:t>2 </a:t>
+            </a:r>
+            <a:r>
+              <a:rPr lang="en-US" dirty="0" err="1" smtClean="0"/>
+              <a:t>DivFactor</a:t>
+            </a:r>
+            <a:endParaRPr lang="en-US" dirty="0" smtClean="0"/>
+          </a:p>
+          <a:p>
+            <a:r>
+              <a:rPr lang="en-US" dirty="0" smtClean="0"/>
+              <a:t>Table 2</a:t>
             </a:r>
           </a:p>
           <a:p>
             <a:pPr lvl="1"/>
             <a:r>
               <a:rPr lang="en-US" dirty="0" smtClean="0"/>
-              <a:t>Result is 11</a:t>
-            </a:r>
-          </a:p>
-          <a:p>
-            <a:r>
-              <a:rPr lang="en-US" dirty="0" smtClean="0"/>
-              <a:t>Table 2</a:t>
-            </a:r>
-          </a:p>
-          <a:p>
-            <a:pPr lvl="1"/>
-            <a:r>
-              <a:rPr lang="en-US" dirty="0" smtClean="0"/>
-              <a:t>4*</a:t>
-            </a:r>
-            <a:r>
-              <a:rPr lang="en-US" baseline="0" dirty="0" smtClean="0"/>
-              <a:t> (20 / 4 / 4) + 0</a:t>
+              <a:t>4 </a:t>
+            </a:r>
+            <a:r>
+              <a:rPr lang="en-US" dirty="0" err="1" smtClean="0"/>
+              <a:t>DivFactor</a:t>
             </a:r>
             <a:endParaRPr lang="en-US" dirty="0" smtClean="0"/>
           </a:p>
           <a:p>
-            <a:pPr lvl="1"/>
-            <a:r>
-              <a:rPr lang="en-US" dirty="0" smtClean="0"/>
-              <a:t>Result is 5</a:t>
-            </a:r>
-          </a:p>
-          <a:p>
-            <a:r>
-              <a:rPr lang="en-US" dirty="0" smtClean="0"/>
-              <a:t>Table 1 is more severe!</a:t>
-            </a:r>
-            <a:endParaRPr lang="en-US" dirty="0"/>
+            <a:r>
+              <a:rPr lang="en-US" dirty="0" smtClean="0"/>
+              <a:t>Assume severity is 20 for both tables</a:t>
+            </a:r>
+          </a:p>
+          <a:p>
+            <a:pPr marL="0" indent="0">
+              <a:buNone/>
+            </a:pPr>
+            <a:endParaRPr lang="en-US" dirty="0" smtClean="0"/>
           </a:p>
         </p:txBody>
       </p:sp>
     </p:spTree>
     <p:extLst>
       <p:ext uri="{BB962C8B-B14F-4D97-AF65-F5344CB8AC3E}">
-        <p14:creationId xmlns:p14="http://schemas.microsoft.com/office/powerpoint/2010/main" val="93743784"/>
+        <p14:creationId xmlns:p14="http://schemas.microsoft.com/office/powerpoint/2010/main" val="2832725775"/>
       </p:ext>
     </p:extLst>
   </p:cSld>
@@ -12223,7 +12212,7 @@
           <a:p>
             <a:r>
               <a:rPr lang="en-US" dirty="0" smtClean="0"/>
-              <a:t>KL-Diversity</a:t>
+              <a:t>KL-Severity</a:t>
             </a:r>
             <a:endParaRPr lang="en-US" dirty="0"/>
           </a:p>
@@ -12246,41 +12235,57 @@
           <a:p>
             <a:r>
               <a:rPr lang="en-US" dirty="0" smtClean="0"/>
-              <a:t>L-Severity is a good foundation</a:t>
-            </a:r>
-          </a:p>
-          <a:p>
-            <a:r>
-              <a:rPr lang="en-US" dirty="0" smtClean="0"/>
-              <a:t>DF was over generalized, but still serves as a good metric</a:t>
-            </a:r>
-          </a:p>
-          <a:p>
-            <a:r>
-              <a:rPr lang="en-US" dirty="0" smtClean="0"/>
-              <a:t>Diversity within the sensitive attributes</a:t>
+              <a:t>Table 1</a:t>
             </a:r>
           </a:p>
           <a:p>
             <a:pPr lvl="1"/>
             <a:r>
               <a:rPr lang="en-US" dirty="0" smtClean="0"/>
-              <a:t>We represented sensitive attributes</a:t>
-            </a:r>
-          </a:p>
-          <a:p>
-            <a:r>
-              <a:rPr lang="en-US" dirty="0" smtClean="0"/>
-              <a:t>Weighted classifications for detailed analysis and flexibility</a:t>
-            </a:r>
-          </a:p>
-          <a:p>
-            <a:r>
-              <a:rPr lang="en-US" dirty="0" smtClean="0"/>
-              <a:t>Acknowledgement of non-sensitive attributes</a:t>
-            </a:r>
-          </a:p>
-          <a:p>
+              <a:t>4 *</a:t>
+            </a:r>
+            <a:r>
+              <a:rPr lang="en-US" baseline="0" dirty="0" smtClean="0"/>
+              <a:t> (20 / 4 / 2) + 1</a:t>
+            </a:r>
+          </a:p>
+          <a:p>
+            <a:pPr lvl="1"/>
+            <a:r>
+              <a:rPr lang="en-US" dirty="0" smtClean="0"/>
+              <a:t>Result is 11</a:t>
+            </a:r>
+          </a:p>
+          <a:p>
+            <a:r>
+              <a:rPr lang="en-US" dirty="0" smtClean="0"/>
+              <a:t>Table 2</a:t>
+            </a:r>
+          </a:p>
+          <a:p>
+            <a:pPr lvl="1"/>
+            <a:r>
+              <a:rPr lang="en-US" dirty="0" smtClean="0"/>
+              <a:t>4*</a:t>
+            </a:r>
+            <a:r>
+              <a:rPr lang="en-US" baseline="0" dirty="0" smtClean="0"/>
+              <a:t> (20 / 4 / 4) + 0</a:t>
+            </a:r>
+            <a:endParaRPr lang="en-US" dirty="0" smtClean="0"/>
+          </a:p>
+          <a:p>
+            <a:pPr lvl="1"/>
+            <a:r>
+              <a:rPr lang="en-US" dirty="0" smtClean="0"/>
+              <a:t>Result is 5</a:t>
+            </a:r>
+          </a:p>
+          <a:p>
+            <a:r>
+              <a:rPr lang="en-US" dirty="0" smtClean="0"/>
+              <a:t>Table 1 is more severe!</a:t>
+            </a:r>
             <a:endParaRPr lang="en-US" dirty="0"/>
           </a:p>
         </p:txBody>
@@ -12288,7 +12293,7 @@
     </p:spTree>
     <p:extLst>
       <p:ext uri="{BB962C8B-B14F-4D97-AF65-F5344CB8AC3E}">
-        <p14:creationId xmlns:p14="http://schemas.microsoft.com/office/powerpoint/2010/main" val="2678328503"/>
+        <p14:creationId xmlns:p14="http://schemas.microsoft.com/office/powerpoint/2010/main" val="93743784"/>
       </p:ext>
     </p:extLst>
   </p:cSld>
@@ -12332,7 +12337,7 @@
           <a:p>
             <a:r>
               <a:rPr lang="en-US" dirty="0" smtClean="0"/>
-              <a:t>Future Work</a:t>
+              <a:t>KL-Diversity</a:t>
             </a:r>
             <a:endParaRPr lang="en-US" dirty="0"/>
           </a:p>
@@ -12350,62 +12355,54 @@
         </p:nvSpPr>
         <p:spPr/>
         <p:txBody>
-          <a:bodyPr>
-            <a:normAutofit/>
-          </a:bodyPr>
-          <a:lstStyle/>
-          <a:p>
-            <a:r>
-              <a:rPr lang="en-US" dirty="0" smtClean="0"/>
-              <a:t>Privacy Metrics</a:t>
+          <a:bodyPr/>
+          <a:lstStyle/>
+          <a:p>
+            <a:r>
+              <a:rPr lang="en-US" dirty="0" smtClean="0"/>
+              <a:t>L-Severity is a good foundation</a:t>
+            </a:r>
+          </a:p>
+          <a:p>
+            <a:r>
+              <a:rPr lang="en-US" dirty="0" smtClean="0"/>
+              <a:t>DF was over generalized, but still serves as a good metric</a:t>
+            </a:r>
+          </a:p>
+          <a:p>
+            <a:r>
+              <a:rPr lang="en-US" dirty="0" smtClean="0"/>
+              <a:t>Diversity within the sensitive attributes</a:t>
             </a:r>
           </a:p>
           <a:p>
             <a:pPr lvl="1"/>
             <a:r>
               <a:rPr lang="en-US" dirty="0" smtClean="0"/>
-              <a:t>T-Closeness</a:t>
-            </a:r>
-          </a:p>
-          <a:p>
-            <a:r>
-              <a:rPr lang="en-US" dirty="0" smtClean="0"/>
-              <a:t>Non-sensitive Attributes</a:t>
-            </a:r>
-          </a:p>
-          <a:p>
-            <a:pPr lvl="1"/>
-            <a:r>
-              <a:rPr lang="en-US" dirty="0" smtClean="0"/>
-              <a:t>Positive Disclosure L-Severity</a:t>
-            </a:r>
-          </a:p>
-          <a:p>
-            <a:pPr lvl="1"/>
-            <a:r>
-              <a:rPr lang="en-US" dirty="0" smtClean="0"/>
-              <a:t>Non-positive (negative) Disclosure L-Severity</a:t>
-            </a:r>
-          </a:p>
-          <a:p>
-            <a:pPr lvl="1"/>
-            <a:r>
-              <a:rPr lang="en-US" dirty="0" smtClean="0"/>
-              <a:t>Don’t care sets</a:t>
-            </a:r>
-          </a:p>
-          <a:p>
-            <a:r>
-              <a:rPr lang="en-US" dirty="0" smtClean="0"/>
-              <a:t>Social Networks</a:t>
-            </a:r>
+              <a:t>We represented sensitive attributes</a:t>
+            </a:r>
+          </a:p>
+          <a:p>
+            <a:r>
+              <a:rPr lang="en-US" dirty="0" smtClean="0"/>
+              <a:t>Weighted classifications for detailed analysis and flexibility</a:t>
+            </a:r>
+          </a:p>
+          <a:p>
+            <a:r>
+              <a:rPr lang="en-US" dirty="0" smtClean="0"/>
+              <a:t>Acknowledgement of non-sensitive attributes</a:t>
+            </a:r>
+          </a:p>
+          <a:p>
+            <a:endParaRPr lang="en-US" dirty="0"/>
           </a:p>
         </p:txBody>
       </p:sp>
     </p:spTree>
     <p:extLst>
       <p:ext uri="{BB962C8B-B14F-4D97-AF65-F5344CB8AC3E}">
-        <p14:creationId xmlns:p14="http://schemas.microsoft.com/office/powerpoint/2010/main" val="3997635737"/>
+        <p14:creationId xmlns:p14="http://schemas.microsoft.com/office/powerpoint/2010/main" val="2678328503"/>
       </p:ext>
     </p:extLst>
   </p:cSld>
@@ -12467,51 +12464,62 @@
         </p:nvSpPr>
         <p:spPr/>
         <p:txBody>
-          <a:bodyPr/>
-          <a:lstStyle/>
-          <a:p>
-            <a:r>
-              <a:rPr lang="en-US" dirty="0" smtClean="0"/>
-              <a:t>Experiment</a:t>
+          <a:bodyPr>
+            <a:normAutofit/>
+          </a:bodyPr>
+          <a:lstStyle/>
+          <a:p>
+            <a:r>
+              <a:rPr lang="en-US" dirty="0" smtClean="0"/>
+              <a:t>Privacy Metrics</a:t>
             </a:r>
           </a:p>
           <a:p>
             <a:pPr lvl="1"/>
             <a:r>
               <a:rPr lang="en-US" dirty="0" smtClean="0"/>
-              <a:t>Build system that implements the algorithm</a:t>
+              <a:t>T-Closeness</a:t>
+            </a:r>
+          </a:p>
+          <a:p>
+            <a:r>
+              <a:rPr lang="en-US" dirty="0" smtClean="0"/>
+              <a:t>Non-sensitive Attributes</a:t>
             </a:r>
           </a:p>
           <a:p>
             <a:pPr lvl="1"/>
             <a:r>
               <a:rPr lang="en-US" dirty="0" smtClean="0"/>
-              <a:t>Use real data</a:t>
+              <a:t>Positive Disclosure L-Severity</a:t>
             </a:r>
           </a:p>
           <a:p>
             <a:pPr lvl="1"/>
             <a:r>
               <a:rPr lang="en-US" dirty="0" smtClean="0"/>
-              <a:t>Plan scenarios</a:t>
+              <a:t>Non-positive (negative) Disclosure L-Severity</a:t>
             </a:r>
           </a:p>
           <a:p>
             <a:pPr lvl="1"/>
             <a:r>
               <a:rPr lang="en-US" dirty="0" smtClean="0"/>
-              <a:t>Seek Vulnerabilities</a:t>
-            </a:r>
-          </a:p>
-          <a:p>
-            <a:endParaRPr lang="en-US" dirty="0"/>
+              <a:t>Don’t care sets</a:t>
+            </a:r>
+          </a:p>
+          <a:p>
+            <a:r>
+              <a:rPr lang="en-US" dirty="0" smtClean="0"/>
+              <a:t>Social Networks</a:t>
+            </a:r>
           </a:p>
         </p:txBody>
       </p:sp>
     </p:spTree>
     <p:extLst>
       <p:ext uri="{BB962C8B-B14F-4D97-AF65-F5344CB8AC3E}">
-        <p14:creationId xmlns:p14="http://schemas.microsoft.com/office/powerpoint/2010/main" val="1124107514"/>
+        <p14:creationId xmlns:p14="http://schemas.microsoft.com/office/powerpoint/2010/main" val="3997635737"/>
       </p:ext>
     </p:extLst>
   </p:cSld>
@@ -12555,7 +12563,7 @@
           <a:p>
             <a:r>
               <a:rPr lang="en-US" dirty="0" smtClean="0"/>
-              <a:t>Limitations</a:t>
+              <a:t>Future Work</a:t>
             </a:r>
             <a:endParaRPr lang="en-US" dirty="0"/>
           </a:p>
@@ -12578,42 +12586,46 @@
           <a:p>
             <a:r>
               <a:rPr lang="en-US" dirty="0" smtClean="0"/>
-              <a:t>Structured Data</a:t>
-            </a:r>
-          </a:p>
-          <a:p>
-            <a:r>
-              <a:rPr lang="en-US" dirty="0" smtClean="0"/>
-              <a:t>Performance</a:t>
-            </a:r>
-          </a:p>
-          <a:p>
-            <a:r>
-              <a:rPr lang="en-US" dirty="0" err="1" smtClean="0"/>
-              <a:t>Overfitting</a:t>
-            </a:r>
-            <a:endParaRPr lang="en-US" dirty="0" smtClean="0"/>
+              <a:t>Experiment</a:t>
+            </a:r>
           </a:p>
           <a:p>
             <a:pPr lvl="1"/>
             <a:r>
               <a:rPr lang="en-US" dirty="0" smtClean="0"/>
-              <a:t>Too complex</a:t>
+              <a:t>Build system that implements the algorithm</a:t>
             </a:r>
           </a:p>
           <a:p>
             <a:pPr lvl="1"/>
             <a:r>
               <a:rPr lang="en-US" dirty="0" smtClean="0"/>
-              <a:t>Many variables and parameters</a:t>
-            </a:r>
+              <a:t>Use real data</a:t>
+            </a:r>
+          </a:p>
+          <a:p>
+            <a:pPr lvl="1"/>
+            <a:r>
+              <a:rPr lang="en-US" dirty="0" smtClean="0"/>
+              <a:t>Plan scenarios</a:t>
+            </a:r>
+          </a:p>
+          <a:p>
+            <a:pPr lvl="1"/>
+            <a:r>
+              <a:rPr lang="en-US" dirty="0" smtClean="0"/>
+              <a:t>Seek Vulnerabilities</a:t>
+            </a:r>
+          </a:p>
+          <a:p>
+            <a:endParaRPr lang="en-US" dirty="0"/>
           </a:p>
         </p:txBody>
       </p:sp>
     </p:spTree>
     <p:extLst>
       <p:ext uri="{BB962C8B-B14F-4D97-AF65-F5344CB8AC3E}">
-        <p14:creationId xmlns:p14="http://schemas.microsoft.com/office/powerpoint/2010/main" val="3961527975"/>
+        <p14:creationId xmlns:p14="http://schemas.microsoft.com/office/powerpoint/2010/main" val="1124107514"/>
       </p:ext>
     </p:extLst>
   </p:cSld>
@@ -12760,7 +12772,7 @@
           <a:p>
             <a:r>
               <a:rPr lang="en-US" dirty="0" smtClean="0"/>
-              <a:t>Conclusion</a:t>
+              <a:t>Limitations</a:t>
             </a:r>
             <a:endParaRPr lang="en-US" dirty="0"/>
           </a:p>
@@ -12783,63 +12795,42 @@
           <a:p>
             <a:r>
               <a:rPr lang="en-US" dirty="0" smtClean="0"/>
-              <a:t>Survey</a:t>
-            </a:r>
+              <a:t>Structured Data</a:t>
+            </a:r>
+          </a:p>
+          <a:p>
+            <a:r>
+              <a:rPr lang="en-US" dirty="0" smtClean="0"/>
+              <a:t>Performance</a:t>
+            </a:r>
+          </a:p>
+          <a:p>
+            <a:r>
+              <a:rPr lang="en-US" dirty="0" err="1" smtClean="0"/>
+              <a:t>Overfitting</a:t>
+            </a:r>
+            <a:endParaRPr lang="en-US" dirty="0" smtClean="0"/>
           </a:p>
           <a:p>
             <a:pPr lvl="1"/>
             <a:r>
               <a:rPr lang="en-US" dirty="0" smtClean="0"/>
-              <a:t>K-Anonymity</a:t>
+              <a:t>Too complex</a:t>
             </a:r>
           </a:p>
           <a:p>
             <a:pPr lvl="1"/>
             <a:r>
               <a:rPr lang="en-US" dirty="0" smtClean="0"/>
-              <a:t>L-Severity</a:t>
-            </a:r>
-          </a:p>
-          <a:p>
-            <a:pPr lvl="1"/>
-            <a:r>
-              <a:rPr lang="en-US" dirty="0" smtClean="0"/>
-              <a:t>M-Score</a:t>
-            </a:r>
-          </a:p>
-          <a:p>
-            <a:pPr lvl="1"/>
-            <a:r>
-              <a:rPr lang="en-US" dirty="0" smtClean="0"/>
-              <a:t>L-Diversity</a:t>
-            </a:r>
-          </a:p>
-          <a:p>
-            <a:r>
-              <a:rPr lang="en-US" dirty="0" smtClean="0"/>
-              <a:t>Proposed improvement on Severity</a:t>
-            </a:r>
-          </a:p>
-          <a:p>
-            <a:pPr lvl="1"/>
-            <a:r>
-              <a:rPr lang="en-US" dirty="0" smtClean="0"/>
-              <a:t>KL-Severity</a:t>
-            </a:r>
-          </a:p>
-          <a:p>
-            <a:r>
-              <a:rPr lang="en-US" dirty="0" smtClean="0"/>
-              <a:t>Future Work</a:t>
-            </a:r>
-            <a:endParaRPr lang="en-US" dirty="0"/>
+              <a:t>Many variables and parameters</a:t>
+            </a:r>
           </a:p>
         </p:txBody>
       </p:sp>
     </p:spTree>
     <p:extLst>
       <p:ext uri="{BB962C8B-B14F-4D97-AF65-F5344CB8AC3E}">
-        <p14:creationId xmlns:p14="http://schemas.microsoft.com/office/powerpoint/2010/main" val="1885127672"/>
+        <p14:creationId xmlns:p14="http://schemas.microsoft.com/office/powerpoint/2010/main" val="3961527975"/>
       </p:ext>
     </p:extLst>
   </p:cSld>
@@ -12883,6 +12874,129 @@
           <a:p>
             <a:r>
               <a:rPr lang="en-US" dirty="0" smtClean="0"/>
+              <a:t>Conclusion</a:t>
+            </a:r>
+            <a:endParaRPr lang="en-US" dirty="0"/>
+          </a:p>
+        </p:txBody>
+      </p:sp>
+      <p:sp>
+        <p:nvSpPr>
+          <p:cNvPr id="3" name="Content Placeholder 2"/>
+          <p:cNvSpPr>
+            <a:spLocks noGrp="1"/>
+          </p:cNvSpPr>
+          <p:nvPr>
+            <p:ph idx="1"/>
+          </p:nvPr>
+        </p:nvSpPr>
+        <p:spPr/>
+        <p:txBody>
+          <a:bodyPr/>
+          <a:lstStyle/>
+          <a:p>
+            <a:r>
+              <a:rPr lang="en-US" dirty="0" smtClean="0"/>
+              <a:t>Survey</a:t>
+            </a:r>
+          </a:p>
+          <a:p>
+            <a:pPr lvl="1"/>
+            <a:r>
+              <a:rPr lang="en-US" dirty="0" smtClean="0"/>
+              <a:t>K-Anonymity</a:t>
+            </a:r>
+          </a:p>
+          <a:p>
+            <a:pPr lvl="1"/>
+            <a:r>
+              <a:rPr lang="en-US" dirty="0" smtClean="0"/>
+              <a:t>L-Severity</a:t>
+            </a:r>
+          </a:p>
+          <a:p>
+            <a:pPr lvl="1"/>
+            <a:r>
+              <a:rPr lang="en-US" dirty="0" smtClean="0"/>
+              <a:t>M-Score</a:t>
+            </a:r>
+          </a:p>
+          <a:p>
+            <a:pPr lvl="1"/>
+            <a:r>
+              <a:rPr lang="en-US" dirty="0" smtClean="0"/>
+              <a:t>L-Diversity</a:t>
+            </a:r>
+          </a:p>
+          <a:p>
+            <a:r>
+              <a:rPr lang="en-US" dirty="0" smtClean="0"/>
+              <a:t>Proposed improvement on Severity</a:t>
+            </a:r>
+          </a:p>
+          <a:p>
+            <a:pPr lvl="1"/>
+            <a:r>
+              <a:rPr lang="en-US" dirty="0" smtClean="0"/>
+              <a:t>KL-Severity</a:t>
+            </a:r>
+          </a:p>
+          <a:p>
+            <a:r>
+              <a:rPr lang="en-US" dirty="0" smtClean="0"/>
+              <a:t>Future Work</a:t>
+            </a:r>
+            <a:endParaRPr lang="en-US" dirty="0"/>
+          </a:p>
+        </p:txBody>
+      </p:sp>
+    </p:spTree>
+    <p:extLst>
+      <p:ext uri="{BB962C8B-B14F-4D97-AF65-F5344CB8AC3E}">
+        <p14:creationId xmlns:p14="http://schemas.microsoft.com/office/powerpoint/2010/main" val="1885127672"/>
+      </p:ext>
+    </p:extLst>
+  </p:cSld>
+  <p:clrMapOvr>
+    <a:masterClrMapping/>
+  </p:clrMapOvr>
+</p:sld>
+</file>
+
+<file path=ppt/slides/slide52.xml><?xml version="1.0" encoding="utf-8"?>
+<p:sld xmlns:a="http://schemas.openxmlformats.org/drawingml/2006/main" xmlns:r="http://schemas.openxmlformats.org/officeDocument/2006/relationships" xmlns:p="http://schemas.openxmlformats.org/presentationml/2006/main">
+  <p:cSld>
+    <p:spTree>
+      <p:nvGrpSpPr>
+        <p:cNvPr id="1" name=""/>
+        <p:cNvGrpSpPr/>
+        <p:nvPr/>
+      </p:nvGrpSpPr>
+      <p:grpSpPr>
+        <a:xfrm>
+          <a:off x="0" y="0"/>
+          <a:ext cx="0" cy="0"/>
+          <a:chOff x="0" y="0"/>
+          <a:chExt cx="0" cy="0"/>
+        </a:xfrm>
+      </p:grpSpPr>
+      <p:sp>
+        <p:nvSpPr>
+          <p:cNvPr id="2" name="Title 1"/>
+          <p:cNvSpPr>
+            <a:spLocks noGrp="1"/>
+          </p:cNvSpPr>
+          <p:nvPr>
+            <p:ph type="title"/>
+          </p:nvPr>
+        </p:nvSpPr>
+        <p:spPr/>
+        <p:txBody>
+          <a:bodyPr/>
+          <a:lstStyle/>
+          <a:p>
+            <a:r>
+              <a:rPr lang="en-US" dirty="0" smtClean="0"/>
               <a:t>References</a:t>
             </a:r>
             <a:endParaRPr lang="en-US" dirty="0"/>
@@ -12901,10 +13015,156 @@
         </p:nvSpPr>
         <p:spPr/>
         <p:txBody>
-          <a:bodyPr/>
-          <a:lstStyle/>
-          <a:p>
-            <a:endParaRPr lang="en-US"/>
+          <a:bodyPr>
+            <a:normAutofit fontScale="55000" lnSpcReduction="20000"/>
+          </a:bodyPr>
+          <a:lstStyle/>
+          <a:p>
+            <a:r>
+              <a:rPr lang="en-US" dirty="0" err="1" smtClean="0"/>
+              <a:t>Machanavajjhala</a:t>
+            </a:r>
+            <a:r>
+              <a:rPr lang="en-US" dirty="0" smtClean="0"/>
+              <a:t>, </a:t>
+            </a:r>
+            <a:r>
+              <a:rPr lang="en-US" dirty="0" err="1" smtClean="0"/>
+              <a:t>Ashwin</a:t>
+            </a:r>
+            <a:r>
+              <a:rPr lang="en-US" dirty="0" smtClean="0"/>
+              <a:t>, et al. "l-diversity: Privacy beyond k-anonymity." ACM Transactions on Knowledge Discovery from Data (TKDD) 1.1 (2007): 3.</a:t>
+            </a:r>
+          </a:p>
+          <a:p>
+            <a:r>
+              <a:rPr lang="en-US" dirty="0" err="1" smtClean="0"/>
+              <a:t>Vavilis</a:t>
+            </a:r>
+            <a:r>
+              <a:rPr lang="en-US" dirty="0" smtClean="0"/>
+              <a:t>, </a:t>
+            </a:r>
+            <a:r>
+              <a:rPr lang="en-US" dirty="0" err="1" smtClean="0"/>
+              <a:t>Sokratis</a:t>
+            </a:r>
+            <a:r>
+              <a:rPr lang="en-US" dirty="0" smtClean="0"/>
+              <a:t>, Milan </a:t>
+            </a:r>
+            <a:r>
+              <a:rPr lang="en-US" dirty="0" err="1" smtClean="0"/>
+              <a:t>Petković</a:t>
+            </a:r>
+            <a:r>
+              <a:rPr lang="en-US" dirty="0" smtClean="0"/>
+              <a:t>, and Nicola </a:t>
+            </a:r>
+            <a:r>
+              <a:rPr lang="en-US" dirty="0" err="1" smtClean="0"/>
+              <a:t>Zannone</a:t>
+            </a:r>
+            <a:r>
+              <a:rPr lang="en-US" dirty="0" smtClean="0"/>
+              <a:t>. "A severity-based quantification of data leakages in database systems." Journal of Computer Security 24.3 (2016): 321-345.</a:t>
+            </a:r>
+          </a:p>
+          <a:p>
+            <a:r>
+              <a:rPr lang="en-US" dirty="0" smtClean="0"/>
+              <a:t>Sweeney, </a:t>
+            </a:r>
+            <a:r>
+              <a:rPr lang="en-US" dirty="0" err="1" smtClean="0"/>
+              <a:t>Latanya</a:t>
+            </a:r>
+            <a:r>
+              <a:rPr lang="en-US" dirty="0" smtClean="0"/>
+              <a:t>. "k-anonymity: A model for protecting privacy." International Journal of Uncertainty, Fuzziness and Knowledge-Based Systems 10.05 (2002): 557-570.</a:t>
+            </a:r>
+          </a:p>
+          <a:p>
+            <a:r>
+              <a:rPr lang="en-US" dirty="0" err="1" smtClean="0"/>
+              <a:t>Vavilis</a:t>
+            </a:r>
+            <a:r>
+              <a:rPr lang="en-US" dirty="0" smtClean="0"/>
+              <a:t>, </a:t>
+            </a:r>
+            <a:r>
+              <a:rPr lang="en-US" dirty="0" err="1" smtClean="0"/>
+              <a:t>Sokratis</a:t>
+            </a:r>
+            <a:r>
+              <a:rPr lang="en-US" dirty="0" smtClean="0"/>
+              <a:t>, Milan </a:t>
+            </a:r>
+            <a:r>
+              <a:rPr lang="en-US" dirty="0" err="1" smtClean="0"/>
+              <a:t>Petković</a:t>
+            </a:r>
+            <a:r>
+              <a:rPr lang="en-US" dirty="0" smtClean="0"/>
+              <a:t>, and Nicola </a:t>
+            </a:r>
+            <a:r>
+              <a:rPr lang="en-US" dirty="0" err="1" smtClean="0"/>
+              <a:t>Zannone</a:t>
+            </a:r>
+            <a:r>
+              <a:rPr lang="en-US" dirty="0" smtClean="0"/>
+              <a:t>. "Data leakage quantification." IFIP Annual Conference on Data and Applications Security and Privacy. Springer Berlin Heidelberg, 2014.</a:t>
+            </a:r>
+          </a:p>
+          <a:p>
+            <a:r>
+              <a:rPr lang="en-US" dirty="0" err="1" smtClean="0"/>
+              <a:t>Goel</a:t>
+            </a:r>
+            <a:r>
+              <a:rPr lang="en-US" dirty="0" smtClean="0"/>
+              <a:t>, Sanjay, Christopher Brown, and </a:t>
+            </a:r>
+            <a:r>
+              <a:rPr lang="en-US" dirty="0" err="1" smtClean="0"/>
+              <a:t>Hany</a:t>
+            </a:r>
+            <a:r>
+              <a:rPr lang="en-US" dirty="0" smtClean="0"/>
+              <a:t> </a:t>
+            </a:r>
+            <a:r>
+              <a:rPr lang="en-US" dirty="0" err="1" smtClean="0"/>
+              <a:t>Shawky</a:t>
+            </a:r>
+            <a:r>
+              <a:rPr lang="en-US" dirty="0" smtClean="0"/>
+              <a:t>. "Measuring the impact of security breaches on stock valuations of firms." Information &amp; Management 46.7 (2009): 404-410.</a:t>
+            </a:r>
+          </a:p>
+          <a:p>
+            <a:r>
+              <a:rPr lang="en-US" dirty="0" smtClean="0">
+                <a:hlinkClick r:id="rId2"/>
+              </a:rPr>
+              <a:t>https://www.enisa.europa.eu/publications/dbn-severity</a:t>
+            </a:r>
+            <a:endParaRPr lang="en-US" dirty="0" smtClean="0"/>
+          </a:p>
+          <a:p>
+            <a:r>
+              <a:rPr lang="en-US" dirty="0" smtClean="0">
+                <a:hlinkClick r:id="rId3"/>
+              </a:rPr>
+              <a:t>https://www.mcafee.com/it/resources/reports/rp-data-exfiltration.pdf</a:t>
+            </a:r>
+            <a:endParaRPr lang="en-US" dirty="0" smtClean="0"/>
+          </a:p>
+          <a:p>
+            <a:endParaRPr lang="en-US" dirty="0"/>
           </a:p>
         </p:txBody>
       </p:sp>

--- a/Final Project/draft_presentation.pptx
+++ b/Final Project/draft_presentation.pptx
@@ -2,7 +2,7 @@
 <file path=ppt/presentation.xml><?xml version="1.0" encoding="utf-8"?>
 <p:presentation xmlns:a="http://schemas.openxmlformats.org/drawingml/2006/main" xmlns:r="http://schemas.openxmlformats.org/officeDocument/2006/relationships" xmlns:p="http://schemas.openxmlformats.org/presentationml/2006/main" saveSubsetFonts="1" autoCompressPictures="0">
   <p:sldMasterIdLst>
-    <p:sldMasterId id="2147483648" r:id="rId1"/>
+    <p:sldMasterId id="2147483660" r:id="rId1"/>
   </p:sldMasterIdLst>
   <p:notesMasterIdLst>
     <p:notesMasterId r:id="rId54"/>
@@ -2835,7 +2835,7 @@
       </p:grpSpPr>
       <p:sp>
         <p:nvSpPr>
-          <p:cNvPr id="2" name="Title 1"/>
+          <p:cNvPr id="14" name="Title 13"/>
           <p:cNvSpPr>
             <a:spLocks noGrp="1"/>
           </p:cNvSpPr>
@@ -2845,25 +2845,30 @@
         </p:nvSpPr>
         <p:spPr>
           <a:xfrm>
-            <a:off x="685800" y="2130425"/>
-            <a:ext cx="7772400" cy="1470025"/>
+            <a:off x="1432560" y="359898"/>
+            <a:ext cx="7406640" cy="1472184"/>
           </a:xfrm>
         </p:spPr>
         <p:txBody>
-          <a:bodyPr/>
-          <a:lstStyle/>
-          <a:p>
-            <a:r>
-              <a:rPr lang="en-US" smtClean="0"/>
+          <a:bodyPr anchor="b"/>
+          <a:lstStyle>
+            <a:lvl1pPr algn="l">
+              <a:defRPr/>
+            </a:lvl1pPr>
+            <a:extLst/>
+          </a:lstStyle>
+          <a:p>
+            <a:r>
+              <a:rPr kumimoji="0" lang="en-US" smtClean="0"/>
               <a:t>Click to edit Master title style</a:t>
             </a:r>
-            <a:endParaRPr lang="en-US"/>
-          </a:p>
-        </p:txBody>
-      </p:sp>
-      <p:sp>
-        <p:nvSpPr>
-          <p:cNvPr id="3" name="Subtitle 2"/>
+            <a:endParaRPr kumimoji="0" lang="en-US"/>
+          </a:p>
+        </p:txBody>
+      </p:sp>
+      <p:sp>
+        <p:nvSpPr>
+          <p:cNvPr id="22" name="Subtitle 21"/>
           <p:cNvSpPr>
             <a:spLocks noGrp="1"/>
           </p:cNvSpPr>
@@ -2873,116 +2878,62 @@
         </p:nvSpPr>
         <p:spPr>
           <a:xfrm>
-            <a:off x="1371600" y="3886200"/>
-            <a:ext cx="6400800" cy="1752600"/>
+            <a:off x="1432560" y="1850064"/>
+            <a:ext cx="7406640" cy="1752600"/>
           </a:xfrm>
         </p:spPr>
         <p:txBody>
-          <a:bodyPr/>
+          <a:bodyPr tIns="0"/>
           <a:lstStyle>
-            <a:lvl1pPr marL="0" indent="0" algn="ctr">
+            <a:lvl1pPr marL="27432" indent="0" algn="l">
               <a:buNone/>
-              <a:defRPr>
+              <a:defRPr sz="2600">
                 <a:solidFill>
-                  <a:schemeClr val="tx1">
-                    <a:tint val="75000"/>
+                  <a:schemeClr val="tx2">
+                    <a:shade val="30000"/>
+                    <a:satMod val="150000"/>
                   </a:schemeClr>
                 </a:solidFill>
               </a:defRPr>
             </a:lvl1pPr>
             <a:lvl2pPr marL="457200" indent="0" algn="ctr">
               <a:buNone/>
-              <a:defRPr>
-                <a:solidFill>
-                  <a:schemeClr val="tx1">
-                    <a:tint val="75000"/>
-                  </a:schemeClr>
-                </a:solidFill>
-              </a:defRPr>
             </a:lvl2pPr>
             <a:lvl3pPr marL="914400" indent="0" algn="ctr">
               <a:buNone/>
-              <a:defRPr>
-                <a:solidFill>
-                  <a:schemeClr val="tx1">
-                    <a:tint val="75000"/>
-                  </a:schemeClr>
-                </a:solidFill>
-              </a:defRPr>
             </a:lvl3pPr>
             <a:lvl4pPr marL="1371600" indent="0" algn="ctr">
               <a:buNone/>
-              <a:defRPr>
-                <a:solidFill>
-                  <a:schemeClr val="tx1">
-                    <a:tint val="75000"/>
-                  </a:schemeClr>
-                </a:solidFill>
-              </a:defRPr>
             </a:lvl4pPr>
             <a:lvl5pPr marL="1828800" indent="0" algn="ctr">
               <a:buNone/>
-              <a:defRPr>
-                <a:solidFill>
-                  <a:schemeClr val="tx1">
-                    <a:tint val="75000"/>
-                  </a:schemeClr>
-                </a:solidFill>
-              </a:defRPr>
             </a:lvl5pPr>
             <a:lvl6pPr marL="2286000" indent="0" algn="ctr">
               <a:buNone/>
-              <a:defRPr>
-                <a:solidFill>
-                  <a:schemeClr val="tx1">
-                    <a:tint val="75000"/>
-                  </a:schemeClr>
-                </a:solidFill>
-              </a:defRPr>
             </a:lvl6pPr>
             <a:lvl7pPr marL="2743200" indent="0" algn="ctr">
               <a:buNone/>
-              <a:defRPr>
-                <a:solidFill>
-                  <a:schemeClr val="tx1">
-                    <a:tint val="75000"/>
-                  </a:schemeClr>
-                </a:solidFill>
-              </a:defRPr>
             </a:lvl7pPr>
             <a:lvl8pPr marL="3200400" indent="0" algn="ctr">
               <a:buNone/>
-              <a:defRPr>
-                <a:solidFill>
-                  <a:schemeClr val="tx1">
-                    <a:tint val="75000"/>
-                  </a:schemeClr>
-                </a:solidFill>
-              </a:defRPr>
             </a:lvl8pPr>
             <a:lvl9pPr marL="3657600" indent="0" algn="ctr">
               <a:buNone/>
-              <a:defRPr>
-                <a:solidFill>
-                  <a:schemeClr val="tx1">
-                    <a:tint val="75000"/>
-                  </a:schemeClr>
-                </a:solidFill>
-              </a:defRPr>
             </a:lvl9pPr>
+            <a:extLst/>
           </a:lstStyle>
           <a:p>
             <a:r>
-              <a:rPr lang="en-US" smtClean="0"/>
+              <a:rPr kumimoji="0" lang="en-US" smtClean="0"/>
               <a:t>Click to edit Master subtitle style</a:t>
             </a:r>
-            <a:endParaRPr lang="en-US"/>
-          </a:p>
-        </p:txBody>
-      </p:sp>
-      <p:sp>
-        <p:nvSpPr>
-          <p:cNvPr id="4" name="Date Placeholder 3"/>
+            <a:endParaRPr kumimoji="0" lang="en-US"/>
+          </a:p>
+        </p:txBody>
+      </p:sp>
+      <p:sp>
+        <p:nvSpPr>
+          <p:cNvPr id="7" name="Date Placeholder 6"/>
           <p:cNvSpPr>
             <a:spLocks noGrp="1"/>
           </p:cNvSpPr>
@@ -2993,7 +2944,9 @@
         <p:spPr/>
         <p:txBody>
           <a:bodyPr/>
-          <a:lstStyle/>
+          <a:lstStyle>
+            <a:extLst/>
+          </a:lstStyle>
           <a:p>
             <a:fld id="{E94DEBB3-5177-3749-A3DA-6F59D78A5101}" type="datetimeFigureOut">
               <a:rPr lang="en-US" smtClean="0"/>
@@ -3005,7 +2958,7 @@
       </p:sp>
       <p:sp>
         <p:nvSpPr>
-          <p:cNvPr id="5" name="Footer Placeholder 4"/>
+          <p:cNvPr id="20" name="Footer Placeholder 19"/>
           <p:cNvSpPr>
             <a:spLocks noGrp="1"/>
           </p:cNvSpPr>
@@ -3016,7 +2969,9 @@
         <p:spPr/>
         <p:txBody>
           <a:bodyPr/>
-          <a:lstStyle/>
+          <a:lstStyle>
+            <a:extLst/>
+          </a:lstStyle>
           <a:p>
             <a:endParaRPr lang="en-US"/>
           </a:p>
@@ -3024,7 +2979,7 @@
       </p:sp>
       <p:sp>
         <p:nvSpPr>
-          <p:cNvPr id="6" name="Slide Number Placeholder 5"/>
+          <p:cNvPr id="10" name="Slide Number Placeholder 9"/>
           <p:cNvSpPr>
             <a:spLocks noGrp="1"/>
           </p:cNvSpPr>
@@ -3035,7 +2990,9 @@
         <p:spPr/>
         <p:txBody>
           <a:bodyPr/>
-          <a:lstStyle/>
+          <a:lstStyle>
+            <a:extLst/>
+          </a:lstStyle>
           <a:p>
             <a:fld id="{4432F49D-3860-2F4F-96B0-32A0BF13B7F0}" type="slidenum">
               <a:rPr lang="en-US" smtClean="0"/>
@@ -3045,12 +3002,145 @@
           </a:p>
         </p:txBody>
       </p:sp>
+      <p:sp>
+        <p:nvSpPr>
+          <p:cNvPr id="8" name="Oval 7"/>
+          <p:cNvSpPr/>
+          <p:nvPr/>
+        </p:nvSpPr>
+        <p:spPr>
+          <a:xfrm>
+            <a:off x="921433" y="1413802"/>
+            <a:ext cx="210312" cy="210312"/>
+          </a:xfrm>
+          <a:prstGeom prst="ellipse">
+            <a:avLst/>
+          </a:prstGeom>
+          <a:gradFill rotWithShape="1">
+            <a:gsLst>
+              <a:gs pos="0">
+                <a:schemeClr val="accent1">
+                  <a:tint val="20000"/>
+                  <a:satMod val="450000"/>
+                  <a:alpha val="95000"/>
+                </a:schemeClr>
+              </a:gs>
+              <a:gs pos="50000">
+                <a:schemeClr val="accent1">
+                  <a:tint val="38000"/>
+                  <a:satMod val="250000"/>
+                  <a:alpha val="90000"/>
+                </a:schemeClr>
+              </a:gs>
+              <a:gs pos="95000">
+                <a:schemeClr val="accent1">
+                  <a:tint val="75000"/>
+                  <a:satMod val="255000"/>
+                  <a:alpha val="88000"/>
+                </a:schemeClr>
+              </a:gs>
+              <a:gs pos="100000">
+                <a:schemeClr val="accent1">
+                  <a:tint val="100000"/>
+                  <a:shade val="90000"/>
+                  <a:satMod val="255000"/>
+                  <a:alpha val="85000"/>
+                </a:schemeClr>
+              </a:gs>
+            </a:gsLst>
+            <a:path path="circle">
+              <a:fillToRect l="25000" t="12500" r="75000" b="87500"/>
+            </a:path>
+          </a:gradFill>
+          <a:ln w="2000" cap="rnd" cmpd="sng" algn="ctr">
+            <a:solidFill>
+              <a:schemeClr val="accent1">
+                <a:shade val="90000"/>
+                <a:satMod val="110000"/>
+                <a:alpha val="60000"/>
+              </a:schemeClr>
+            </a:solidFill>
+            <a:prstDash val="solid"/>
+          </a:ln>
+          <a:effectLst/>
+        </p:spPr>
+        <p:style>
+          <a:lnRef idx="1">
+            <a:schemeClr val="accent1"/>
+          </a:lnRef>
+          <a:fillRef idx="2">
+            <a:schemeClr val="accent1"/>
+          </a:fillRef>
+          <a:effectRef idx="1">
+            <a:schemeClr val="accent1"/>
+          </a:effectRef>
+          <a:fontRef idx="minor">
+            <a:schemeClr val="dk1"/>
+          </a:fontRef>
+        </p:style>
+        <p:txBody>
+          <a:bodyPr anchor="ctr"/>
+          <a:lstStyle>
+            <a:extLst/>
+          </a:lstStyle>
+          <a:p>
+            <a:pPr algn="ctr" eaLnBrk="1" latinLnBrk="0" hangingPunct="1"/>
+            <a:endParaRPr kumimoji="0" lang="en-US"/>
+          </a:p>
+        </p:txBody>
+      </p:sp>
+      <p:sp>
+        <p:nvSpPr>
+          <p:cNvPr id="9" name="Oval 8"/>
+          <p:cNvSpPr/>
+          <p:nvPr/>
+        </p:nvSpPr>
+        <p:spPr>
+          <a:xfrm>
+            <a:off x="1157176" y="1345016"/>
+            <a:ext cx="64008" cy="64008"/>
+          </a:xfrm>
+          <a:prstGeom prst="ellipse">
+            <a:avLst/>
+          </a:prstGeom>
+          <a:noFill/>
+          <a:ln w="12700" cap="rnd" cmpd="sng" algn="ctr">
+            <a:solidFill>
+              <a:schemeClr val="accent1">
+                <a:shade val="75000"/>
+                <a:alpha val="60000"/>
+              </a:schemeClr>
+            </a:solidFill>
+            <a:prstDash val="solid"/>
+          </a:ln>
+          <a:effectLst/>
+        </p:spPr>
+        <p:style>
+          <a:lnRef idx="1">
+            <a:schemeClr val="accent1"/>
+          </a:lnRef>
+          <a:fillRef idx="2">
+            <a:schemeClr val="accent1"/>
+          </a:fillRef>
+          <a:effectRef idx="1">
+            <a:schemeClr val="accent1"/>
+          </a:effectRef>
+          <a:fontRef idx="minor">
+            <a:schemeClr val="dk1"/>
+          </a:fontRef>
+        </p:style>
+        <p:txBody>
+          <a:bodyPr anchor="ctr"/>
+          <a:lstStyle>
+            <a:extLst/>
+          </a:lstStyle>
+          <a:p>
+            <a:pPr algn="ctr" eaLnBrk="1" latinLnBrk="0" hangingPunct="1"/>
+            <a:endParaRPr kumimoji="0" lang="en-US"/>
+          </a:p>
+        </p:txBody>
+      </p:sp>
     </p:spTree>
-    <p:extLst>
-      <p:ext uri="{BB962C8B-B14F-4D97-AF65-F5344CB8AC3E}">
-        <p14:creationId xmlns:p14="http://schemas.microsoft.com/office/powerpoint/2010/main" val="873510095"/>
-      </p:ext>
-    </p:extLst>
   </p:cSld>
   <p:clrMapOvr>
     <a:masterClrMapping/>
@@ -3088,13 +3178,15 @@
         <p:spPr/>
         <p:txBody>
           <a:bodyPr/>
-          <a:lstStyle/>
-          <a:p>
-            <a:r>
-              <a:rPr lang="en-US" smtClean="0"/>
+          <a:lstStyle>
+            <a:extLst/>
+          </a:lstStyle>
+          <a:p>
+            <a:r>
+              <a:rPr kumimoji="0" lang="en-US" smtClean="0"/>
               <a:t>Click to edit Master title style</a:t>
             </a:r>
-            <a:endParaRPr lang="en-US"/>
+            <a:endParaRPr kumimoji="0" lang="en-US"/>
           </a:p>
         </p:txBody>
       </p:sp>
@@ -3111,42 +3203,44 @@
         <p:spPr/>
         <p:txBody>
           <a:bodyPr vert="eaVert"/>
-          <a:lstStyle/>
-          <a:p>
-            <a:pPr lvl="0"/>
+          <a:lstStyle>
+            <a:extLst/>
+          </a:lstStyle>
+          <a:p>
+            <a:pPr lvl="0" eaLnBrk="1" latinLnBrk="0" hangingPunct="1"/>
             <a:r>
               <a:rPr lang="en-US" smtClean="0"/>
               <a:t>Click to edit Master text styles</a:t>
             </a:r>
           </a:p>
           <a:p>
-            <a:pPr lvl="1"/>
+            <a:pPr lvl="1" eaLnBrk="1" latinLnBrk="0" hangingPunct="1"/>
             <a:r>
               <a:rPr lang="en-US" smtClean="0"/>
               <a:t>Second level</a:t>
             </a:r>
           </a:p>
           <a:p>
-            <a:pPr lvl="2"/>
+            <a:pPr lvl="2" eaLnBrk="1" latinLnBrk="0" hangingPunct="1"/>
             <a:r>
               <a:rPr lang="en-US" smtClean="0"/>
               <a:t>Third level</a:t>
             </a:r>
           </a:p>
           <a:p>
-            <a:pPr lvl="3"/>
+            <a:pPr lvl="3" eaLnBrk="1" latinLnBrk="0" hangingPunct="1"/>
             <a:r>
               <a:rPr lang="en-US" smtClean="0"/>
               <a:t>Fourth level</a:t>
             </a:r>
           </a:p>
           <a:p>
-            <a:pPr lvl="4"/>
+            <a:pPr lvl="4" eaLnBrk="1" latinLnBrk="0" hangingPunct="1"/>
             <a:r>
               <a:rPr lang="en-US" smtClean="0"/>
               <a:t>Fifth level</a:t>
             </a:r>
-            <a:endParaRPr lang="en-US"/>
+            <a:endParaRPr kumimoji="0" lang="en-US"/>
           </a:p>
         </p:txBody>
       </p:sp>
@@ -3163,7 +3257,9 @@
         <p:spPr/>
         <p:txBody>
           <a:bodyPr/>
-          <a:lstStyle/>
+          <a:lstStyle>
+            <a:extLst/>
+          </a:lstStyle>
           <a:p>
             <a:fld id="{E94DEBB3-5177-3749-A3DA-6F59D78A5101}" type="datetimeFigureOut">
               <a:rPr lang="en-US" smtClean="0"/>
@@ -3186,7 +3282,9 @@
         <p:spPr/>
         <p:txBody>
           <a:bodyPr/>
-          <a:lstStyle/>
+          <a:lstStyle>
+            <a:extLst/>
+          </a:lstStyle>
           <a:p>
             <a:endParaRPr lang="en-US"/>
           </a:p>
@@ -3205,7 +3303,9 @@
         <p:spPr/>
         <p:txBody>
           <a:bodyPr/>
-          <a:lstStyle/>
+          <a:lstStyle>
+            <a:extLst/>
+          </a:lstStyle>
           <a:p>
             <a:fld id="{4432F49D-3860-2F4F-96B0-32A0BF13B7F0}" type="slidenum">
               <a:rPr lang="en-US" smtClean="0"/>
@@ -3216,11 +3316,6 @@
         </p:txBody>
       </p:sp>
     </p:spTree>
-    <p:extLst>
-      <p:ext uri="{BB962C8B-B14F-4D97-AF65-F5344CB8AC3E}">
-        <p14:creationId xmlns:p14="http://schemas.microsoft.com/office/powerpoint/2010/main" val="2668500634"/>
-      </p:ext>
-    </p:extLst>
   </p:cSld>
   <p:clrMapOvr>
     <a:masterClrMapping/>
@@ -3257,19 +3352,21 @@
         </p:nvSpPr>
         <p:spPr>
           <a:xfrm>
-            <a:off x="6629400" y="274638"/>
-            <a:ext cx="2057400" cy="5851525"/>
+            <a:off x="6858000" y="274639"/>
+            <a:ext cx="1828800" cy="5851525"/>
           </a:xfrm>
         </p:spPr>
         <p:txBody>
           <a:bodyPr vert="eaVert"/>
-          <a:lstStyle/>
-          <a:p>
-            <a:r>
-              <a:rPr lang="en-US" smtClean="0"/>
+          <a:lstStyle>
+            <a:extLst/>
+          </a:lstStyle>
+          <a:p>
+            <a:r>
+              <a:rPr kumimoji="0" lang="en-US" smtClean="0"/>
               <a:t>Click to edit Master title style</a:t>
             </a:r>
-            <a:endParaRPr lang="en-US"/>
+            <a:endParaRPr kumimoji="0" lang="en-US"/>
           </a:p>
         </p:txBody>
       </p:sp>
@@ -3285,48 +3382,50 @@
         </p:nvSpPr>
         <p:spPr>
           <a:xfrm>
-            <a:off x="457200" y="274638"/>
-            <a:ext cx="6019800" cy="5851525"/>
+            <a:off x="1143000" y="274640"/>
+            <a:ext cx="5562600" cy="5851525"/>
           </a:xfrm>
         </p:spPr>
         <p:txBody>
           <a:bodyPr vert="eaVert"/>
-          <a:lstStyle/>
-          <a:p>
-            <a:pPr lvl="0"/>
+          <a:lstStyle>
+            <a:extLst/>
+          </a:lstStyle>
+          <a:p>
+            <a:pPr lvl="0" eaLnBrk="1" latinLnBrk="0" hangingPunct="1"/>
             <a:r>
               <a:rPr lang="en-US" smtClean="0"/>
               <a:t>Click to edit Master text styles</a:t>
             </a:r>
           </a:p>
           <a:p>
-            <a:pPr lvl="1"/>
+            <a:pPr lvl="1" eaLnBrk="1" latinLnBrk="0" hangingPunct="1"/>
             <a:r>
               <a:rPr lang="en-US" smtClean="0"/>
               <a:t>Second level</a:t>
             </a:r>
           </a:p>
           <a:p>
-            <a:pPr lvl="2"/>
+            <a:pPr lvl="2" eaLnBrk="1" latinLnBrk="0" hangingPunct="1"/>
             <a:r>
               <a:rPr lang="en-US" smtClean="0"/>
               <a:t>Third level</a:t>
             </a:r>
           </a:p>
           <a:p>
-            <a:pPr lvl="3"/>
+            <a:pPr lvl="3" eaLnBrk="1" latinLnBrk="0" hangingPunct="1"/>
             <a:r>
               <a:rPr lang="en-US" smtClean="0"/>
               <a:t>Fourth level</a:t>
             </a:r>
           </a:p>
           <a:p>
-            <a:pPr lvl="4"/>
+            <a:pPr lvl="4" eaLnBrk="1" latinLnBrk="0" hangingPunct="1"/>
             <a:r>
               <a:rPr lang="en-US" smtClean="0"/>
               <a:t>Fifth level</a:t>
             </a:r>
-            <a:endParaRPr lang="en-US"/>
+            <a:endParaRPr kumimoji="0" lang="en-US"/>
           </a:p>
         </p:txBody>
       </p:sp>
@@ -3343,7 +3442,9 @@
         <p:spPr/>
         <p:txBody>
           <a:bodyPr/>
-          <a:lstStyle/>
+          <a:lstStyle>
+            <a:extLst/>
+          </a:lstStyle>
           <a:p>
             <a:fld id="{E94DEBB3-5177-3749-A3DA-6F59D78A5101}" type="datetimeFigureOut">
               <a:rPr lang="en-US" smtClean="0"/>
@@ -3366,7 +3467,9 @@
         <p:spPr/>
         <p:txBody>
           <a:bodyPr/>
-          <a:lstStyle/>
+          <a:lstStyle>
+            <a:extLst/>
+          </a:lstStyle>
           <a:p>
             <a:endParaRPr lang="en-US"/>
           </a:p>
@@ -3385,7 +3488,9 @@
         <p:spPr/>
         <p:txBody>
           <a:bodyPr/>
-          <a:lstStyle/>
+          <a:lstStyle>
+            <a:extLst/>
+          </a:lstStyle>
           <a:p>
             <a:fld id="{4432F49D-3860-2F4F-96B0-32A0BF13B7F0}" type="slidenum">
               <a:rPr lang="en-US" smtClean="0"/>
@@ -3396,11 +3501,6 @@
         </p:txBody>
       </p:sp>
     </p:spTree>
-    <p:extLst>
-      <p:ext uri="{BB962C8B-B14F-4D97-AF65-F5344CB8AC3E}">
-        <p14:creationId xmlns:p14="http://schemas.microsoft.com/office/powerpoint/2010/main" val="24833431"/>
-      </p:ext>
-    </p:extLst>
   </p:cSld>
   <p:clrMapOvr>
     <a:masterClrMapping/>
@@ -3438,13 +3538,15 @@
         <p:spPr/>
         <p:txBody>
           <a:bodyPr/>
-          <a:lstStyle/>
-          <a:p>
-            <a:r>
-              <a:rPr lang="en-US" smtClean="0"/>
+          <a:lstStyle>
+            <a:extLst/>
+          </a:lstStyle>
+          <a:p>
+            <a:r>
+              <a:rPr kumimoji="0" lang="en-US" smtClean="0"/>
               <a:t>Click to edit Master title style</a:t>
             </a:r>
-            <a:endParaRPr lang="en-US"/>
+            <a:endParaRPr kumimoji="0" lang="en-US"/>
           </a:p>
         </p:txBody>
       </p:sp>
@@ -3461,42 +3563,44 @@
         <p:spPr/>
         <p:txBody>
           <a:bodyPr/>
-          <a:lstStyle/>
-          <a:p>
-            <a:pPr lvl="0"/>
+          <a:lstStyle>
+            <a:extLst/>
+          </a:lstStyle>
+          <a:p>
+            <a:pPr lvl="0" eaLnBrk="1" latinLnBrk="0" hangingPunct="1"/>
             <a:r>
               <a:rPr lang="en-US" smtClean="0"/>
               <a:t>Click to edit Master text styles</a:t>
             </a:r>
           </a:p>
           <a:p>
-            <a:pPr lvl="1"/>
+            <a:pPr lvl="1" eaLnBrk="1" latinLnBrk="0" hangingPunct="1"/>
             <a:r>
               <a:rPr lang="en-US" smtClean="0"/>
               <a:t>Second level</a:t>
             </a:r>
           </a:p>
           <a:p>
-            <a:pPr lvl="2"/>
+            <a:pPr lvl="2" eaLnBrk="1" latinLnBrk="0" hangingPunct="1"/>
             <a:r>
               <a:rPr lang="en-US" smtClean="0"/>
               <a:t>Third level</a:t>
             </a:r>
           </a:p>
           <a:p>
-            <a:pPr lvl="3"/>
+            <a:pPr lvl="3" eaLnBrk="1" latinLnBrk="0" hangingPunct="1"/>
             <a:r>
               <a:rPr lang="en-US" smtClean="0"/>
               <a:t>Fourth level</a:t>
             </a:r>
           </a:p>
           <a:p>
-            <a:pPr lvl="4"/>
+            <a:pPr lvl="4" eaLnBrk="1" latinLnBrk="0" hangingPunct="1"/>
             <a:r>
               <a:rPr lang="en-US" smtClean="0"/>
               <a:t>Fifth level</a:t>
             </a:r>
-            <a:endParaRPr lang="en-US"/>
+            <a:endParaRPr kumimoji="0" lang="en-US"/>
           </a:p>
         </p:txBody>
       </p:sp>
@@ -3513,7 +3617,9 @@
         <p:spPr/>
         <p:txBody>
           <a:bodyPr/>
-          <a:lstStyle/>
+          <a:lstStyle>
+            <a:extLst/>
+          </a:lstStyle>
           <a:p>
             <a:fld id="{E94DEBB3-5177-3749-A3DA-6F59D78A5101}" type="datetimeFigureOut">
               <a:rPr lang="en-US" smtClean="0"/>
@@ -3536,7 +3642,9 @@
         <p:spPr/>
         <p:txBody>
           <a:bodyPr/>
-          <a:lstStyle/>
+          <a:lstStyle>
+            <a:extLst/>
+          </a:lstStyle>
           <a:p>
             <a:endParaRPr lang="en-US"/>
           </a:p>
@@ -3555,7 +3663,9 @@
         <p:spPr/>
         <p:txBody>
           <a:bodyPr/>
-          <a:lstStyle/>
+          <a:lstStyle>
+            <a:extLst/>
+          </a:lstStyle>
           <a:p>
             <a:fld id="{4432F49D-3860-2F4F-96B0-32A0BF13B7F0}" type="slidenum">
               <a:rPr lang="en-US" smtClean="0"/>
@@ -3566,11 +3676,6 @@
         </p:txBody>
       </p:sp>
     </p:spTree>
-    <p:extLst>
-      <p:ext uri="{BB962C8B-B14F-4D97-AF65-F5344CB8AC3E}">
-        <p14:creationId xmlns:p14="http://schemas.microsoft.com/office/powerpoint/2010/main" val="2892133187"/>
-      </p:ext>
-    </p:extLst>
   </p:cSld>
   <p:clrMapOvr>
     <a:masterClrMapping/>
@@ -3579,7 +3684,7 @@
 </file>
 
 <file path=ppt/slideLayouts/slideLayout3.xml><?xml version="1.0" encoding="utf-8"?>
-<p:sldLayout xmlns:a="http://schemas.openxmlformats.org/drawingml/2006/main" xmlns:r="http://schemas.openxmlformats.org/officeDocument/2006/relationships" xmlns:p="http://schemas.openxmlformats.org/presentationml/2006/main" type="secHead" preserve="1">
+<p:sldLayout xmlns:a="http://schemas.openxmlformats.org/drawingml/2006/main" xmlns:r="http://schemas.openxmlformats.org/officeDocument/2006/relationships" xmlns:p="http://schemas.openxmlformats.org/presentationml/2006/main" showMasterSp="0" type="secHead" preserve="1">
   <p:cSld name="Section Header">
     <p:spTree>
       <p:nvGrpSpPr>
@@ -3597,33 +3702,86 @@
       </p:grpSpPr>
       <p:sp>
         <p:nvSpPr>
-          <p:cNvPr id="2" name="Title 1"/>
-          <p:cNvSpPr>
-            <a:spLocks noGrp="1"/>
-          </p:cNvSpPr>
-          <p:nvPr>
-            <p:ph type="title"/>
-          </p:nvPr>
+          <p:cNvPr id="7" name="Rectangle 6"/>
+          <p:cNvSpPr/>
+          <p:nvPr/>
         </p:nvSpPr>
         <p:spPr>
           <a:xfrm>
-            <a:off x="722313" y="4406900"/>
-            <a:ext cx="7772400" cy="1362075"/>
+            <a:off x="2282890" y="-54"/>
+            <a:ext cx="6858000" cy="6858054"/>
+          </a:xfrm>
+          <a:prstGeom prst="rect">
+            <a:avLst/>
+          </a:prstGeom>
+          <a:solidFill>
+            <a:schemeClr val="bg1"/>
+          </a:solidFill>
+          <a:ln w="25400" cap="rnd" cmpd="sng" algn="ctr">
+            <a:noFill/>
+            <a:prstDash val="solid"/>
+          </a:ln>
+          <a:effectLst/>
+        </p:spPr>
+        <p:style>
+          <a:lnRef idx="3">
+            <a:schemeClr val="lt1"/>
+          </a:lnRef>
+          <a:fillRef idx="1">
+            <a:schemeClr val="accent1"/>
+          </a:fillRef>
+          <a:effectRef idx="1">
+            <a:schemeClr val="accent1"/>
+          </a:effectRef>
+          <a:fontRef idx="minor">
+            <a:schemeClr val="lt1"/>
+          </a:fontRef>
+        </p:style>
+        <p:txBody>
+          <a:bodyPr anchor="ctr"/>
+          <a:lstStyle>
+            <a:extLst/>
+          </a:lstStyle>
+          <a:p>
+            <a:pPr algn="ctr" eaLnBrk="1" latinLnBrk="0" hangingPunct="1"/>
+            <a:endParaRPr kumimoji="0" lang="en-US"/>
+          </a:p>
+        </p:txBody>
+      </p:sp>
+      <p:sp>
+        <p:nvSpPr>
+          <p:cNvPr id="2" name="Title 1"/>
+          <p:cNvSpPr>
+            <a:spLocks noGrp="1"/>
+          </p:cNvSpPr>
+          <p:nvPr>
+            <p:ph type="title"/>
+          </p:nvPr>
+        </p:nvSpPr>
+        <p:spPr>
+          <a:xfrm>
+            <a:off x="2578392" y="2600325"/>
+            <a:ext cx="6400800" cy="2286000"/>
           </a:xfrm>
         </p:spPr>
         <p:txBody>
           <a:bodyPr anchor="t"/>
           <a:lstStyle>
             <a:lvl1pPr algn="l">
+              <a:lnSpc>
+                <a:spcPts val="4500"/>
+              </a:lnSpc>
+              <a:buNone/>
               <a:defRPr sz="4000" b="1" cap="all"/>
             </a:lvl1pPr>
+            <a:extLst/>
           </a:lstStyle>
           <a:p>
             <a:r>
-              <a:rPr lang="en-US" smtClean="0"/>
+              <a:rPr kumimoji="0" lang="en-US" smtClean="0"/>
               <a:t>Click to edit Master title style</a:t>
             </a:r>
-            <a:endParaRPr lang="en-US"/>
+            <a:endParaRPr kumimoji="0" lang="en-US"/>
           </a:p>
         </p:txBody>
       </p:sp>
@@ -3639,24 +3797,31 @@
         </p:nvSpPr>
         <p:spPr>
           <a:xfrm>
-            <a:off x="722313" y="2906713"/>
-            <a:ext cx="7772400" cy="1500187"/>
+            <a:off x="2578392" y="1066800"/>
+            <a:ext cx="6400800" cy="1509712"/>
           </a:xfrm>
         </p:spPr>
         <p:txBody>
           <a:bodyPr anchor="b"/>
           <a:lstStyle>
-            <a:lvl1pPr marL="0" indent="0">
+            <a:lvl1pPr marL="18288" indent="0">
+              <a:lnSpc>
+                <a:spcPts val="2300"/>
+              </a:lnSpc>
+              <a:spcBef>
+                <a:spcPts val="0"/>
+              </a:spcBef>
               <a:buNone/>
               <a:defRPr sz="2000">
                 <a:solidFill>
-                  <a:schemeClr val="tx1">
-                    <a:tint val="75000"/>
+                  <a:schemeClr val="tx2">
+                    <a:shade val="30000"/>
+                    <a:satMod val="150000"/>
                   </a:schemeClr>
                 </a:solidFill>
               </a:defRPr>
             </a:lvl1pPr>
-            <a:lvl2pPr marL="457200" indent="0">
+            <a:lvl2pPr>
               <a:buNone/>
               <a:defRPr sz="1800">
                 <a:solidFill>
@@ -3666,7 +3831,7 @@
                 </a:solidFill>
               </a:defRPr>
             </a:lvl2pPr>
-            <a:lvl3pPr marL="914400" indent="0">
+            <a:lvl3pPr>
               <a:buNone/>
               <a:defRPr sz="1600">
                 <a:solidFill>
@@ -3676,7 +3841,7 @@
                 </a:solidFill>
               </a:defRPr>
             </a:lvl3pPr>
-            <a:lvl4pPr marL="1371600" indent="0">
+            <a:lvl4pPr>
               <a:buNone/>
               <a:defRPr sz="1400">
                 <a:solidFill>
@@ -3686,7 +3851,7 @@
                 </a:solidFill>
               </a:defRPr>
             </a:lvl4pPr>
-            <a:lvl5pPr marL="1828800" indent="0">
+            <a:lvl5pPr>
               <a:buNone/>
               <a:defRPr sz="1400">
                 <a:solidFill>
@@ -3696,51 +3861,12 @@
                 </a:solidFill>
               </a:defRPr>
             </a:lvl5pPr>
-            <a:lvl6pPr marL="2286000" indent="0">
-              <a:buNone/>
-              <a:defRPr sz="1400">
-                <a:solidFill>
-                  <a:schemeClr val="tx1">
-                    <a:tint val="75000"/>
-                  </a:schemeClr>
-                </a:solidFill>
-              </a:defRPr>
-            </a:lvl6pPr>
-            <a:lvl7pPr marL="2743200" indent="0">
-              <a:buNone/>
-              <a:defRPr sz="1400">
-                <a:solidFill>
-                  <a:schemeClr val="tx1">
-                    <a:tint val="75000"/>
-                  </a:schemeClr>
-                </a:solidFill>
-              </a:defRPr>
-            </a:lvl7pPr>
-            <a:lvl8pPr marL="3200400" indent="0">
-              <a:buNone/>
-              <a:defRPr sz="1400">
-                <a:solidFill>
-                  <a:schemeClr val="tx1">
-                    <a:tint val="75000"/>
-                  </a:schemeClr>
-                </a:solidFill>
-              </a:defRPr>
-            </a:lvl8pPr>
-            <a:lvl9pPr marL="3657600" indent="0">
-              <a:buNone/>
-              <a:defRPr sz="1400">
-                <a:solidFill>
-                  <a:schemeClr val="tx1">
-                    <a:tint val="75000"/>
-                  </a:schemeClr>
-                </a:solidFill>
-              </a:defRPr>
-            </a:lvl9pPr>
+            <a:extLst/>
           </a:lstStyle>
           <a:p>
-            <a:pPr lvl="0"/>
-            <a:r>
-              <a:rPr lang="en-US" smtClean="0"/>
+            <a:pPr lvl="0" eaLnBrk="1" latinLnBrk="0" hangingPunct="1"/>
+            <a:r>
+              <a:rPr kumimoji="0" lang="en-US" smtClean="0"/>
               <a:t>Click to edit Master text styles</a:t>
             </a:r>
           </a:p>
@@ -3759,7 +3885,9 @@
         <p:spPr/>
         <p:txBody>
           <a:bodyPr/>
-          <a:lstStyle/>
+          <a:lstStyle>
+            <a:extLst/>
+          </a:lstStyle>
           <a:p>
             <a:fld id="{E94DEBB3-5177-3749-A3DA-6F59D78A5101}" type="datetimeFigureOut">
               <a:rPr lang="en-US" smtClean="0"/>
@@ -3782,7 +3910,9 @@
         <p:spPr/>
         <p:txBody>
           <a:bodyPr/>
-          <a:lstStyle/>
+          <a:lstStyle>
+            <a:extLst/>
+          </a:lstStyle>
           <a:p>
             <a:endParaRPr lang="en-US"/>
           </a:p>
@@ -3801,7 +3931,9 @@
         <p:spPr/>
         <p:txBody>
           <a:bodyPr/>
-          <a:lstStyle/>
+          <a:lstStyle>
+            <a:extLst/>
+          </a:lstStyle>
           <a:p>
             <a:fld id="{4432F49D-3860-2F4F-96B0-32A0BF13B7F0}" type="slidenum">
               <a:rPr lang="en-US" smtClean="0"/>
@@ -3811,12 +3943,201 @@
           </a:p>
         </p:txBody>
       </p:sp>
+      <p:sp>
+        <p:nvSpPr>
+          <p:cNvPr id="10" name="Rectangle 9"/>
+          <p:cNvSpPr/>
+          <p:nvPr/>
+        </p:nvSpPr>
+        <p:spPr bwMode="invGray">
+          <a:xfrm>
+            <a:off x="2286000" y="0"/>
+            <a:ext cx="76200" cy="6858054"/>
+          </a:xfrm>
+          <a:prstGeom prst="rect">
+            <a:avLst/>
+          </a:prstGeom>
+          <a:solidFill>
+            <a:schemeClr val="bg1"/>
+          </a:solidFill>
+          <a:ln w="25400" cap="rnd" cmpd="sng" algn="ctr">
+            <a:noFill/>
+            <a:prstDash val="solid"/>
+          </a:ln>
+          <a:effectLst>
+            <a:outerShdw blurRad="38550" dist="38000" dir="10800000" algn="tl" rotWithShape="0">
+              <a:schemeClr val="bg2">
+                <a:shade val="20000"/>
+                <a:satMod val="110000"/>
+                <a:alpha val="25000"/>
+              </a:schemeClr>
+            </a:outerShdw>
+          </a:effectLst>
+        </p:spPr>
+        <p:style>
+          <a:lnRef idx="3">
+            <a:schemeClr val="lt1"/>
+          </a:lnRef>
+          <a:fillRef idx="1">
+            <a:schemeClr val="accent1"/>
+          </a:fillRef>
+          <a:effectRef idx="1">
+            <a:schemeClr val="accent1"/>
+          </a:effectRef>
+          <a:fontRef idx="minor">
+            <a:schemeClr val="lt1"/>
+          </a:fontRef>
+        </p:style>
+        <p:txBody>
+          <a:bodyPr anchor="ctr"/>
+          <a:lstStyle>
+            <a:extLst/>
+          </a:lstStyle>
+          <a:p>
+            <a:pPr algn="ctr" eaLnBrk="1" latinLnBrk="0" hangingPunct="1"/>
+            <a:endParaRPr kumimoji="0" lang="en-US"/>
+          </a:p>
+        </p:txBody>
+      </p:sp>
+      <p:sp>
+        <p:nvSpPr>
+          <p:cNvPr id="8" name="Oval 7"/>
+          <p:cNvSpPr/>
+          <p:nvPr/>
+        </p:nvSpPr>
+        <p:spPr>
+          <a:xfrm>
+            <a:off x="2172321" y="2814656"/>
+            <a:ext cx="210312" cy="210312"/>
+          </a:xfrm>
+          <a:prstGeom prst="ellipse">
+            <a:avLst/>
+          </a:prstGeom>
+          <a:gradFill rotWithShape="1">
+            <a:gsLst>
+              <a:gs pos="0">
+                <a:schemeClr val="accent1">
+                  <a:tint val="20000"/>
+                  <a:satMod val="450000"/>
+                  <a:alpha val="95000"/>
+                </a:schemeClr>
+              </a:gs>
+              <a:gs pos="50000">
+                <a:schemeClr val="accent1">
+                  <a:tint val="38000"/>
+                  <a:satMod val="250000"/>
+                  <a:alpha val="90000"/>
+                </a:schemeClr>
+              </a:gs>
+              <a:gs pos="95000">
+                <a:schemeClr val="accent1">
+                  <a:tint val="75000"/>
+                  <a:satMod val="255000"/>
+                  <a:alpha val="88000"/>
+                </a:schemeClr>
+              </a:gs>
+              <a:gs pos="100000">
+                <a:schemeClr val="accent1">
+                  <a:tint val="100000"/>
+                  <a:shade val="90000"/>
+                  <a:satMod val="255000"/>
+                  <a:alpha val="85000"/>
+                </a:schemeClr>
+              </a:gs>
+            </a:gsLst>
+            <a:path path="circle">
+              <a:fillToRect l="25000" t="12500" r="75000" b="87500"/>
+            </a:path>
+          </a:gradFill>
+          <a:ln w="2000" cap="rnd" cmpd="sng" algn="ctr">
+            <a:solidFill>
+              <a:schemeClr val="accent1">
+                <a:shade val="90000"/>
+                <a:satMod val="110000"/>
+                <a:alpha val="60000"/>
+              </a:schemeClr>
+            </a:solidFill>
+            <a:prstDash val="solid"/>
+          </a:ln>
+          <a:effectLst/>
+        </p:spPr>
+        <p:style>
+          <a:lnRef idx="1">
+            <a:schemeClr val="accent1"/>
+          </a:lnRef>
+          <a:fillRef idx="2">
+            <a:schemeClr val="accent1"/>
+          </a:fillRef>
+          <a:effectRef idx="1">
+            <a:schemeClr val="accent1"/>
+          </a:effectRef>
+          <a:fontRef idx="minor">
+            <a:schemeClr val="dk1"/>
+          </a:fontRef>
+        </p:style>
+        <p:txBody>
+          <a:bodyPr anchor="ctr"/>
+          <a:lstStyle>
+            <a:extLst/>
+          </a:lstStyle>
+          <a:p>
+            <a:pPr algn="ctr" eaLnBrk="1" latinLnBrk="0" hangingPunct="1"/>
+            <a:endParaRPr kumimoji="0" lang="en-US"/>
+          </a:p>
+        </p:txBody>
+      </p:sp>
+      <p:sp>
+        <p:nvSpPr>
+          <p:cNvPr id="9" name="Oval 8"/>
+          <p:cNvSpPr/>
+          <p:nvPr/>
+        </p:nvSpPr>
+        <p:spPr>
+          <a:xfrm>
+            <a:off x="2408064" y="2745870"/>
+            <a:ext cx="64008" cy="64008"/>
+          </a:xfrm>
+          <a:prstGeom prst="ellipse">
+            <a:avLst/>
+          </a:prstGeom>
+          <a:noFill/>
+          <a:ln w="12700" cap="rnd" cmpd="sng" algn="ctr">
+            <a:solidFill>
+              <a:schemeClr val="accent1">
+                <a:shade val="75000"/>
+                <a:alpha val="60000"/>
+              </a:schemeClr>
+            </a:solidFill>
+            <a:prstDash val="solid"/>
+          </a:ln>
+          <a:effectLst/>
+        </p:spPr>
+        <p:style>
+          <a:lnRef idx="1">
+            <a:schemeClr val="accent1"/>
+          </a:lnRef>
+          <a:fillRef idx="2">
+            <a:schemeClr val="accent1"/>
+          </a:fillRef>
+          <a:effectRef idx="1">
+            <a:schemeClr val="accent1"/>
+          </a:effectRef>
+          <a:fontRef idx="minor">
+            <a:schemeClr val="dk1"/>
+          </a:fontRef>
+        </p:style>
+        <p:txBody>
+          <a:bodyPr anchor="ctr"/>
+          <a:lstStyle>
+            <a:extLst/>
+          </a:lstStyle>
+          <a:p>
+            <a:pPr algn="ctr" eaLnBrk="1" latinLnBrk="0" hangingPunct="1"/>
+            <a:endParaRPr kumimoji="0" lang="en-US"/>
+          </a:p>
+        </p:txBody>
+      </p:sp>
     </p:spTree>
-    <p:extLst>
-      <p:ext uri="{BB962C8B-B14F-4D97-AF65-F5344CB8AC3E}">
-        <p14:creationId xmlns:p14="http://schemas.microsoft.com/office/powerpoint/2010/main" val="2794856062"/>
-      </p:ext>
-    </p:extLst>
   </p:cSld>
   <p:clrMapOvr>
     <a:masterClrMapping/>
@@ -3851,33 +4172,40 @@
             <p:ph type="title"/>
           </p:nvPr>
         </p:nvSpPr>
-        <p:spPr/>
-        <p:txBody>
-          <a:bodyPr/>
-          <a:lstStyle/>
-          <a:p>
-            <a:r>
-              <a:rPr lang="en-US" smtClean="0"/>
-              <a:t>Click to edit Master title style</a:t>
-            </a:r>
-            <a:endParaRPr lang="en-US"/>
-          </a:p>
-        </p:txBody>
-      </p:sp>
-      <p:sp>
-        <p:nvSpPr>
-          <p:cNvPr id="3" name="Content Placeholder 2"/>
-          <p:cNvSpPr>
-            <a:spLocks noGrp="1"/>
-          </p:cNvSpPr>
-          <p:nvPr>
-            <p:ph sz="half" idx="1"/>
-          </p:nvPr>
-        </p:nvSpPr>
         <p:spPr>
           <a:xfrm>
-            <a:off x="457200" y="1600200"/>
-            <a:ext cx="4038600" cy="4525963"/>
+            <a:off x="1435608" y="274320"/>
+            <a:ext cx="7498080" cy="1143000"/>
+          </a:xfrm>
+        </p:spPr>
+        <p:txBody>
+          <a:bodyPr/>
+          <a:lstStyle>
+            <a:extLst/>
+          </a:lstStyle>
+          <a:p>
+            <a:r>
+              <a:rPr kumimoji="0" lang="en-US" smtClean="0"/>
+              <a:t>Click to edit Master title style</a:t>
+            </a:r>
+            <a:endParaRPr kumimoji="0" lang="en-US"/>
+          </a:p>
+        </p:txBody>
+      </p:sp>
+      <p:sp>
+        <p:nvSpPr>
+          <p:cNvPr id="3" name="Content Placeholder 2"/>
+          <p:cNvSpPr>
+            <a:spLocks noGrp="1"/>
+          </p:cNvSpPr>
+          <p:nvPr>
+            <p:ph sz="half" idx="1"/>
+          </p:nvPr>
+        </p:nvSpPr>
+        <p:spPr>
+          <a:xfrm>
+            <a:off x="1435608" y="1524000"/>
+            <a:ext cx="3657600" cy="4663440"/>
           </a:xfrm>
         </p:spPr>
         <p:txBody>
@@ -3898,54 +4226,43 @@
             <a:lvl5pPr>
               <a:defRPr sz="1800"/>
             </a:lvl5pPr>
-            <a:lvl6pPr>
-              <a:defRPr sz="1800"/>
-            </a:lvl6pPr>
-            <a:lvl7pPr>
-              <a:defRPr sz="1800"/>
-            </a:lvl7pPr>
-            <a:lvl8pPr>
-              <a:defRPr sz="1800"/>
-            </a:lvl8pPr>
-            <a:lvl9pPr>
-              <a:defRPr sz="1800"/>
-            </a:lvl9pPr>
+            <a:extLst/>
           </a:lstStyle>
           <a:p>
-            <a:pPr lvl="0"/>
+            <a:pPr lvl="0" eaLnBrk="1" latinLnBrk="0" hangingPunct="1"/>
             <a:r>
               <a:rPr lang="en-US" smtClean="0"/>
               <a:t>Click to edit Master text styles</a:t>
             </a:r>
           </a:p>
           <a:p>
-            <a:pPr lvl="1"/>
+            <a:pPr lvl="1" eaLnBrk="1" latinLnBrk="0" hangingPunct="1"/>
             <a:r>
               <a:rPr lang="en-US" smtClean="0"/>
               <a:t>Second level</a:t>
             </a:r>
           </a:p>
           <a:p>
-            <a:pPr lvl="2"/>
+            <a:pPr lvl="2" eaLnBrk="1" latinLnBrk="0" hangingPunct="1"/>
             <a:r>
               <a:rPr lang="en-US" smtClean="0"/>
               <a:t>Third level</a:t>
             </a:r>
           </a:p>
           <a:p>
-            <a:pPr lvl="3"/>
+            <a:pPr lvl="3" eaLnBrk="1" latinLnBrk="0" hangingPunct="1"/>
             <a:r>
               <a:rPr lang="en-US" smtClean="0"/>
               <a:t>Fourth level</a:t>
             </a:r>
           </a:p>
           <a:p>
-            <a:pPr lvl="4"/>
+            <a:pPr lvl="4" eaLnBrk="1" latinLnBrk="0" hangingPunct="1"/>
             <a:r>
               <a:rPr lang="en-US" smtClean="0"/>
               <a:t>Fifth level</a:t>
             </a:r>
-            <a:endParaRPr lang="en-US"/>
+            <a:endParaRPr kumimoji="0" lang="en-US"/>
           </a:p>
         </p:txBody>
       </p:sp>
@@ -3961,8 +4278,8 @@
         </p:nvSpPr>
         <p:spPr>
           <a:xfrm>
-            <a:off x="4648200" y="1600200"/>
-            <a:ext cx="4038600" cy="4525963"/>
+            <a:off x="5276088" y="1524000"/>
+            <a:ext cx="3657600" cy="4663440"/>
           </a:xfrm>
         </p:spPr>
         <p:txBody>
@@ -3983,54 +4300,43 @@
             <a:lvl5pPr>
               <a:defRPr sz="1800"/>
             </a:lvl5pPr>
-            <a:lvl6pPr>
-              <a:defRPr sz="1800"/>
-            </a:lvl6pPr>
-            <a:lvl7pPr>
-              <a:defRPr sz="1800"/>
-            </a:lvl7pPr>
-            <a:lvl8pPr>
-              <a:defRPr sz="1800"/>
-            </a:lvl8pPr>
-            <a:lvl9pPr>
-              <a:defRPr sz="1800"/>
-            </a:lvl9pPr>
+            <a:extLst/>
           </a:lstStyle>
           <a:p>
-            <a:pPr lvl="0"/>
+            <a:pPr lvl="0" eaLnBrk="1" latinLnBrk="0" hangingPunct="1"/>
             <a:r>
               <a:rPr lang="en-US" smtClean="0"/>
               <a:t>Click to edit Master text styles</a:t>
             </a:r>
           </a:p>
           <a:p>
-            <a:pPr lvl="1"/>
+            <a:pPr lvl="1" eaLnBrk="1" latinLnBrk="0" hangingPunct="1"/>
             <a:r>
               <a:rPr lang="en-US" smtClean="0"/>
               <a:t>Second level</a:t>
             </a:r>
           </a:p>
           <a:p>
-            <a:pPr lvl="2"/>
+            <a:pPr lvl="2" eaLnBrk="1" latinLnBrk="0" hangingPunct="1"/>
             <a:r>
               <a:rPr lang="en-US" smtClean="0"/>
               <a:t>Third level</a:t>
             </a:r>
           </a:p>
           <a:p>
-            <a:pPr lvl="3"/>
+            <a:pPr lvl="3" eaLnBrk="1" latinLnBrk="0" hangingPunct="1"/>
             <a:r>
               <a:rPr lang="en-US" smtClean="0"/>
               <a:t>Fourth level</a:t>
             </a:r>
           </a:p>
           <a:p>
-            <a:pPr lvl="4"/>
+            <a:pPr lvl="4" eaLnBrk="1" latinLnBrk="0" hangingPunct="1"/>
             <a:r>
               <a:rPr lang="en-US" smtClean="0"/>
               <a:t>Fifth level</a:t>
             </a:r>
-            <a:endParaRPr lang="en-US"/>
+            <a:endParaRPr kumimoji="0" lang="en-US"/>
           </a:p>
         </p:txBody>
       </p:sp>
@@ -4047,7 +4353,9 @@
         <p:spPr/>
         <p:txBody>
           <a:bodyPr/>
-          <a:lstStyle/>
+          <a:lstStyle>
+            <a:extLst/>
+          </a:lstStyle>
           <a:p>
             <a:fld id="{E94DEBB3-5177-3749-A3DA-6F59D78A5101}" type="datetimeFigureOut">
               <a:rPr lang="en-US" smtClean="0"/>
@@ -4070,7 +4378,9 @@
         <p:spPr/>
         <p:txBody>
           <a:bodyPr/>
-          <a:lstStyle/>
+          <a:lstStyle>
+            <a:extLst/>
+          </a:lstStyle>
           <a:p>
             <a:endParaRPr lang="en-US"/>
           </a:p>
@@ -4089,7 +4399,9 @@
         <p:spPr/>
         <p:txBody>
           <a:bodyPr/>
-          <a:lstStyle/>
+          <a:lstStyle>
+            <a:extLst/>
+          </a:lstStyle>
           <a:p>
             <a:fld id="{4432F49D-3860-2F4F-96B0-32A0BF13B7F0}" type="slidenum">
               <a:rPr lang="en-US" smtClean="0"/>
@@ -4100,11 +4412,6 @@
         </p:txBody>
       </p:sp>
     </p:spTree>
-    <p:extLst>
-      <p:ext uri="{BB962C8B-B14F-4D97-AF65-F5344CB8AC3E}">
-        <p14:creationId xmlns:p14="http://schemas.microsoft.com/office/powerpoint/2010/main" val="3978748673"/>
-      </p:ext>
-    </p:extLst>
   </p:cSld>
   <p:clrMapOvr>
     <a:masterClrMapping/>
@@ -4113,7 +4420,7 @@
 </file>
 
 <file path=ppt/slideLayouts/slideLayout5.xml><?xml version="1.0" encoding="utf-8"?>
-<p:sldLayout xmlns:a="http://schemas.openxmlformats.org/drawingml/2006/main" xmlns:r="http://schemas.openxmlformats.org/officeDocument/2006/relationships" xmlns:p="http://schemas.openxmlformats.org/presentationml/2006/main" type="twoTxTwoObj" preserve="1">
+<p:sldLayout xmlns:a="http://schemas.openxmlformats.org/drawingml/2006/main" xmlns:r="http://schemas.openxmlformats.org/officeDocument/2006/relationships" xmlns:p="http://schemas.openxmlformats.org/presentationml/2006/main" showMasterSp="0" type="twoTxTwoObj" preserve="1">
   <p:cSld name="Comparison">
     <p:spTree>
       <p:nvGrpSpPr>
@@ -4139,83 +4446,162 @@
             <p:ph type="title"/>
           </p:nvPr>
         </p:nvSpPr>
-        <p:spPr/>
-        <p:txBody>
-          <a:bodyPr/>
-          <a:lstStyle>
-            <a:lvl1pPr>
-              <a:defRPr/>
-            </a:lvl1pPr>
-          </a:lstStyle>
-          <a:p>
-            <a:r>
-              <a:rPr lang="en-US" smtClean="0"/>
-              <a:t>Click to edit Master title style</a:t>
-            </a:r>
-            <a:endParaRPr lang="en-US"/>
-          </a:p>
-        </p:txBody>
-      </p:sp>
-      <p:sp>
-        <p:nvSpPr>
-          <p:cNvPr id="3" name="Text Placeholder 2"/>
-          <p:cNvSpPr>
-            <a:spLocks noGrp="1"/>
-          </p:cNvSpPr>
-          <p:nvPr>
-            <p:ph type="body" idx="1"/>
-          </p:nvPr>
-        </p:nvSpPr>
         <p:spPr>
           <a:xfrm>
-            <a:off x="457200" y="1535113"/>
-            <a:ext cx="4040188" cy="639762"/>
+            <a:off x="457200" y="5160336"/>
+            <a:ext cx="8229600" cy="1143000"/>
           </a:xfrm>
         </p:spPr>
         <p:txBody>
-          <a:bodyPr anchor="b"/>
+          <a:bodyPr anchor="ctr"/>
           <a:lstStyle>
-            <a:lvl1pPr marL="0" indent="0">
+            <a:lvl1pPr algn="ctr">
+              <a:defRPr sz="4500" b="1" cap="none" baseline="0"/>
+            </a:lvl1pPr>
+            <a:extLst/>
+          </a:lstStyle>
+          <a:p>
+            <a:r>
+              <a:rPr kumimoji="0" lang="en-US" smtClean="0"/>
+              <a:t>Click to edit Master title style</a:t>
+            </a:r>
+            <a:endParaRPr kumimoji="0" lang="en-US"/>
+          </a:p>
+        </p:txBody>
+      </p:sp>
+      <p:sp>
+        <p:nvSpPr>
+          <p:cNvPr id="3" name="Text Placeholder 2"/>
+          <p:cNvSpPr>
+            <a:spLocks noGrp="1"/>
+          </p:cNvSpPr>
+          <p:nvPr>
+            <p:ph type="body" idx="1"/>
+          </p:nvPr>
+        </p:nvSpPr>
+        <p:spPr>
+          <a:xfrm>
+            <a:off x="457200" y="328278"/>
+            <a:ext cx="4023360" cy="640080"/>
+          </a:xfrm>
+          <a:solidFill>
+            <a:schemeClr val="bg1"/>
+          </a:solidFill>
+          <a:ln w="10795">
+            <a:solidFill>
+              <a:schemeClr val="bg1"/>
+            </a:solidFill>
+            <a:miter lim="800000"/>
+          </a:ln>
+        </p:spPr>
+        <p:txBody>
+          <a:bodyPr anchor="ctr"/>
+          <a:lstStyle>
+            <a:lvl1pPr marL="64008" indent="0" algn="l">
+              <a:lnSpc>
+                <a:spcPct val="100000"/>
+              </a:lnSpc>
+              <a:spcBef>
+                <a:spcPts val="100"/>
+              </a:spcBef>
               <a:buNone/>
-              <a:defRPr sz="2400" b="1"/>
+              <a:defRPr sz="1900" b="0">
+                <a:solidFill>
+                  <a:schemeClr val="tx1"/>
+                </a:solidFill>
+              </a:defRPr>
             </a:lvl1pPr>
-            <a:lvl2pPr marL="457200" indent="0">
+            <a:lvl2pPr>
               <a:buNone/>
               <a:defRPr sz="2000" b="1"/>
             </a:lvl2pPr>
-            <a:lvl3pPr marL="914400" indent="0">
+            <a:lvl3pPr>
               <a:buNone/>
               <a:defRPr sz="1800" b="1"/>
             </a:lvl3pPr>
-            <a:lvl4pPr marL="1371600" indent="0">
+            <a:lvl4pPr>
               <a:buNone/>
               <a:defRPr sz="1600" b="1"/>
             </a:lvl4pPr>
-            <a:lvl5pPr marL="1828800" indent="0">
+            <a:lvl5pPr>
               <a:buNone/>
               <a:defRPr sz="1600" b="1"/>
             </a:lvl5pPr>
-            <a:lvl6pPr marL="2286000" indent="0">
+            <a:extLst/>
+          </a:lstStyle>
+          <a:p>
+            <a:pPr lvl="0" eaLnBrk="1" latinLnBrk="0" hangingPunct="1"/>
+            <a:r>
+              <a:rPr kumimoji="0" lang="en-US" smtClean="0"/>
+              <a:t>Click to edit Master text styles</a:t>
+            </a:r>
+          </a:p>
+        </p:txBody>
+      </p:sp>
+      <p:sp>
+        <p:nvSpPr>
+          <p:cNvPr id="4" name="Text Placeholder 3"/>
+          <p:cNvSpPr>
+            <a:spLocks noGrp="1"/>
+          </p:cNvSpPr>
+          <p:nvPr>
+            <p:ph type="body" sz="half" idx="3"/>
+          </p:nvPr>
+        </p:nvSpPr>
+        <p:spPr>
+          <a:xfrm>
+            <a:off x="4663440" y="328278"/>
+            <a:ext cx="4023360" cy="640080"/>
+          </a:xfrm>
+          <a:solidFill>
+            <a:schemeClr val="bg1"/>
+          </a:solidFill>
+          <a:ln w="10795">
+            <a:solidFill>
+              <a:schemeClr val="bg1"/>
+            </a:solidFill>
+            <a:miter lim="800000"/>
+          </a:ln>
+        </p:spPr>
+        <p:txBody>
+          <a:bodyPr anchor="ctr"/>
+          <a:lstStyle>
+            <a:lvl1pPr marL="64008" indent="0" algn="l">
+              <a:lnSpc>
+                <a:spcPct val="100000"/>
+              </a:lnSpc>
+              <a:spcBef>
+                <a:spcPts val="100"/>
+              </a:spcBef>
+              <a:buNone/>
+              <a:defRPr sz="1900" b="0">
+                <a:solidFill>
+                  <a:schemeClr val="tx1"/>
+                </a:solidFill>
+              </a:defRPr>
+            </a:lvl1pPr>
+            <a:lvl2pPr>
+              <a:buNone/>
+              <a:defRPr sz="2000" b="1"/>
+            </a:lvl2pPr>
+            <a:lvl3pPr>
+              <a:buNone/>
+              <a:defRPr sz="1800" b="1"/>
+            </a:lvl3pPr>
+            <a:lvl4pPr>
               <a:buNone/>
               <a:defRPr sz="1600" b="1"/>
-            </a:lvl6pPr>
-            <a:lvl7pPr marL="2743200" indent="0">
+            </a:lvl4pPr>
+            <a:lvl5pPr>
               <a:buNone/>
               <a:defRPr sz="1600" b="1"/>
-            </a:lvl7pPr>
-            <a:lvl8pPr marL="3200400" indent="0">
-              <a:buNone/>
-              <a:defRPr sz="1600" b="1"/>
-            </a:lvl8pPr>
-            <a:lvl9pPr marL="3657600" indent="0">
-              <a:buNone/>
-              <a:defRPr sz="1600" b="1"/>
-            </a:lvl9pPr>
+            </a:lvl5pPr>
+            <a:extLst/>
           </a:lstStyle>
           <a:p>
-            <a:pPr lvl="0"/>
-            <a:r>
-              <a:rPr lang="en-US" smtClean="0"/>
+            <a:pPr lvl="0" eaLnBrk="1" latinLnBrk="0" hangingPunct="1"/>
+            <a:r>
+              <a:rPr kumimoji="0" lang="en-US" smtClean="0"/>
               <a:t>Click to edit Master text styles</a:t>
             </a:r>
           </a:p>
@@ -4223,236 +4609,223 @@
       </p:sp>
       <p:sp>
         <p:nvSpPr>
-          <p:cNvPr id="4" name="Content Placeholder 3"/>
-          <p:cNvSpPr>
-            <a:spLocks noGrp="1"/>
-          </p:cNvSpPr>
-          <p:nvPr>
-            <p:ph sz="half" idx="2"/>
+          <p:cNvPr id="5" name="Content Placeholder 4"/>
+          <p:cNvSpPr>
+            <a:spLocks noGrp="1"/>
+          </p:cNvSpPr>
+          <p:nvPr>
+            <p:ph sz="quarter" idx="2"/>
           </p:nvPr>
         </p:nvSpPr>
         <p:spPr>
           <a:xfrm>
-            <a:off x="457200" y="2174875"/>
-            <a:ext cx="4040188" cy="3951288"/>
+            <a:off x="457200" y="969336"/>
+            <a:ext cx="4023360" cy="4114800"/>
           </a:xfrm>
+          <a:ln w="10795">
+            <a:solidFill>
+              <a:schemeClr val="bg1"/>
+            </a:solidFill>
+            <a:prstDash val="dash"/>
+            <a:miter lim="800000"/>
+          </a:ln>
         </p:spPr>
         <p:txBody>
           <a:bodyPr/>
           <a:lstStyle>
-            <a:lvl1pPr>
+            <a:lvl1pPr marL="393192" indent="-274320">
+              <a:lnSpc>
+                <a:spcPct val="100000"/>
+              </a:lnSpc>
+              <a:spcBef>
+                <a:spcPts val="700"/>
+              </a:spcBef>
               <a:defRPr sz="2400"/>
             </a:lvl1pPr>
             <a:lvl2pPr>
+              <a:lnSpc>
+                <a:spcPct val="100000"/>
+              </a:lnSpc>
+              <a:spcBef>
+                <a:spcPts val="700"/>
+              </a:spcBef>
               <a:defRPr sz="2000"/>
             </a:lvl2pPr>
             <a:lvl3pPr>
+              <a:lnSpc>
+                <a:spcPct val="100000"/>
+              </a:lnSpc>
+              <a:spcBef>
+                <a:spcPts val="700"/>
+              </a:spcBef>
               <a:defRPr sz="1800"/>
             </a:lvl3pPr>
             <a:lvl4pPr>
+              <a:lnSpc>
+                <a:spcPct val="100000"/>
+              </a:lnSpc>
+              <a:spcBef>
+                <a:spcPts val="700"/>
+              </a:spcBef>
               <a:defRPr sz="1600"/>
             </a:lvl4pPr>
             <a:lvl5pPr>
+              <a:lnSpc>
+                <a:spcPct val="100000"/>
+              </a:lnSpc>
+              <a:spcBef>
+                <a:spcPts val="700"/>
+              </a:spcBef>
               <a:defRPr sz="1600"/>
             </a:lvl5pPr>
-            <a:lvl6pPr>
-              <a:defRPr sz="1600"/>
-            </a:lvl6pPr>
-            <a:lvl7pPr>
-              <a:defRPr sz="1600"/>
-            </a:lvl7pPr>
-            <a:lvl8pPr>
-              <a:defRPr sz="1600"/>
-            </a:lvl8pPr>
-            <a:lvl9pPr>
-              <a:defRPr sz="1600"/>
-            </a:lvl9pPr>
+            <a:extLst/>
           </a:lstStyle>
           <a:p>
-            <a:pPr lvl="0"/>
+            <a:pPr lvl="0" eaLnBrk="1" latinLnBrk="0" hangingPunct="1"/>
             <a:r>
               <a:rPr lang="en-US" smtClean="0"/>
               <a:t>Click to edit Master text styles</a:t>
             </a:r>
           </a:p>
           <a:p>
-            <a:pPr lvl="1"/>
+            <a:pPr lvl="1" eaLnBrk="1" latinLnBrk="0" hangingPunct="1"/>
             <a:r>
               <a:rPr lang="en-US" smtClean="0"/>
               <a:t>Second level</a:t>
             </a:r>
           </a:p>
           <a:p>
-            <a:pPr lvl="2"/>
+            <a:pPr lvl="2" eaLnBrk="1" latinLnBrk="0" hangingPunct="1"/>
             <a:r>
               <a:rPr lang="en-US" smtClean="0"/>
               <a:t>Third level</a:t>
             </a:r>
           </a:p>
           <a:p>
-            <a:pPr lvl="3"/>
+            <a:pPr lvl="3" eaLnBrk="1" latinLnBrk="0" hangingPunct="1"/>
             <a:r>
               <a:rPr lang="en-US" smtClean="0"/>
               <a:t>Fourth level</a:t>
             </a:r>
           </a:p>
           <a:p>
-            <a:pPr lvl="4"/>
+            <a:pPr lvl="4" eaLnBrk="1" latinLnBrk="0" hangingPunct="1"/>
             <a:r>
               <a:rPr lang="en-US" smtClean="0"/>
               <a:t>Fifth level</a:t>
             </a:r>
-            <a:endParaRPr lang="en-US"/>
-          </a:p>
-        </p:txBody>
-      </p:sp>
-      <p:sp>
-        <p:nvSpPr>
-          <p:cNvPr id="5" name="Text Placeholder 4"/>
-          <p:cNvSpPr>
-            <a:spLocks noGrp="1"/>
-          </p:cNvSpPr>
-          <p:nvPr>
-            <p:ph type="body" sz="quarter" idx="3"/>
+            <a:endParaRPr kumimoji="0" lang="en-US"/>
+          </a:p>
+        </p:txBody>
+      </p:sp>
+      <p:sp>
+        <p:nvSpPr>
+          <p:cNvPr id="6" name="Content Placeholder 5"/>
+          <p:cNvSpPr>
+            <a:spLocks noGrp="1"/>
+          </p:cNvSpPr>
+          <p:nvPr>
+            <p:ph sz="quarter" idx="4"/>
           </p:nvPr>
         </p:nvSpPr>
         <p:spPr>
           <a:xfrm>
-            <a:off x="4645025" y="1535113"/>
-            <a:ext cx="4041775" cy="639762"/>
+            <a:off x="4663440" y="969336"/>
+            <a:ext cx="4023360" cy="4114800"/>
           </a:xfrm>
+          <a:ln w="10795">
+            <a:solidFill>
+              <a:schemeClr val="bg1"/>
+            </a:solidFill>
+            <a:prstDash val="dash"/>
+            <a:miter lim="800000"/>
+          </a:ln>
         </p:spPr>
         <p:txBody>
-          <a:bodyPr anchor="b"/>
+          <a:bodyPr/>
           <a:lstStyle>
-            <a:lvl1pPr marL="0" indent="0">
-              <a:buNone/>
-              <a:defRPr sz="2400" b="1"/>
-            </a:lvl1pPr>
-            <a:lvl2pPr marL="457200" indent="0">
-              <a:buNone/>
-              <a:defRPr sz="2000" b="1"/>
-            </a:lvl2pPr>
-            <a:lvl3pPr marL="914400" indent="0">
-              <a:buNone/>
-              <a:defRPr sz="1800" b="1"/>
-            </a:lvl3pPr>
-            <a:lvl4pPr marL="1371600" indent="0">
-              <a:buNone/>
-              <a:defRPr sz="1600" b="1"/>
-            </a:lvl4pPr>
-            <a:lvl5pPr marL="1828800" indent="0">
-              <a:buNone/>
-              <a:defRPr sz="1600" b="1"/>
-            </a:lvl5pPr>
-            <a:lvl6pPr marL="2286000" indent="0">
-              <a:buNone/>
-              <a:defRPr sz="1600" b="1"/>
-            </a:lvl6pPr>
-            <a:lvl7pPr marL="2743200" indent="0">
-              <a:buNone/>
-              <a:defRPr sz="1600" b="1"/>
-            </a:lvl7pPr>
-            <a:lvl8pPr marL="3200400" indent="0">
-              <a:buNone/>
-              <a:defRPr sz="1600" b="1"/>
-            </a:lvl8pPr>
-            <a:lvl9pPr marL="3657600" indent="0">
-              <a:buNone/>
-              <a:defRPr sz="1600" b="1"/>
-            </a:lvl9pPr>
-          </a:lstStyle>
-          <a:p>
-            <a:pPr lvl="0"/>
-            <a:r>
-              <a:rPr lang="en-US" smtClean="0"/>
-              <a:t>Click to edit Master text styles</a:t>
-            </a:r>
-          </a:p>
-        </p:txBody>
-      </p:sp>
-      <p:sp>
-        <p:nvSpPr>
-          <p:cNvPr id="6" name="Content Placeholder 5"/>
-          <p:cNvSpPr>
-            <a:spLocks noGrp="1"/>
-          </p:cNvSpPr>
-          <p:nvPr>
-            <p:ph sz="quarter" idx="4"/>
-          </p:nvPr>
-        </p:nvSpPr>
-        <p:spPr>
-          <a:xfrm>
-            <a:off x="4645025" y="2174875"/>
-            <a:ext cx="4041775" cy="3951288"/>
-          </a:xfrm>
-        </p:spPr>
-        <p:txBody>
-          <a:bodyPr/>
-          <a:lstStyle>
-            <a:lvl1pPr>
+            <a:lvl1pPr marL="393192" indent="-274320">
+              <a:lnSpc>
+                <a:spcPct val="100000"/>
+              </a:lnSpc>
+              <a:spcBef>
+                <a:spcPts val="700"/>
+              </a:spcBef>
               <a:defRPr sz="2400"/>
             </a:lvl1pPr>
             <a:lvl2pPr>
+              <a:lnSpc>
+                <a:spcPct val="100000"/>
+              </a:lnSpc>
+              <a:spcBef>
+                <a:spcPts val="700"/>
+              </a:spcBef>
               <a:defRPr sz="2000"/>
             </a:lvl2pPr>
             <a:lvl3pPr>
+              <a:lnSpc>
+                <a:spcPct val="100000"/>
+              </a:lnSpc>
+              <a:spcBef>
+                <a:spcPts val="700"/>
+              </a:spcBef>
               <a:defRPr sz="1800"/>
             </a:lvl3pPr>
             <a:lvl4pPr>
+              <a:lnSpc>
+                <a:spcPct val="100000"/>
+              </a:lnSpc>
+              <a:spcBef>
+                <a:spcPts val="700"/>
+              </a:spcBef>
               <a:defRPr sz="1600"/>
             </a:lvl4pPr>
             <a:lvl5pPr>
+              <a:lnSpc>
+                <a:spcPct val="100000"/>
+              </a:lnSpc>
+              <a:spcBef>
+                <a:spcPts val="700"/>
+              </a:spcBef>
               <a:defRPr sz="1600"/>
             </a:lvl5pPr>
-            <a:lvl6pPr>
-              <a:defRPr sz="1600"/>
-            </a:lvl6pPr>
-            <a:lvl7pPr>
-              <a:defRPr sz="1600"/>
-            </a:lvl7pPr>
-            <a:lvl8pPr>
-              <a:defRPr sz="1600"/>
-            </a:lvl8pPr>
-            <a:lvl9pPr>
-              <a:defRPr sz="1600"/>
-            </a:lvl9pPr>
+            <a:extLst/>
           </a:lstStyle>
           <a:p>
-            <a:pPr lvl="0"/>
+            <a:pPr lvl="0" eaLnBrk="1" latinLnBrk="0" hangingPunct="1"/>
             <a:r>
               <a:rPr lang="en-US" smtClean="0"/>
               <a:t>Click to edit Master text styles</a:t>
             </a:r>
           </a:p>
           <a:p>
-            <a:pPr lvl="1"/>
+            <a:pPr lvl="1" eaLnBrk="1" latinLnBrk="0" hangingPunct="1"/>
             <a:r>
               <a:rPr lang="en-US" smtClean="0"/>
               <a:t>Second level</a:t>
             </a:r>
           </a:p>
           <a:p>
-            <a:pPr lvl="2"/>
+            <a:pPr lvl="2" eaLnBrk="1" latinLnBrk="0" hangingPunct="1"/>
             <a:r>
               <a:rPr lang="en-US" smtClean="0"/>
               <a:t>Third level</a:t>
             </a:r>
           </a:p>
           <a:p>
-            <a:pPr lvl="3"/>
+            <a:pPr lvl="3" eaLnBrk="1" latinLnBrk="0" hangingPunct="1"/>
             <a:r>
               <a:rPr lang="en-US" smtClean="0"/>
               <a:t>Fourth level</a:t>
             </a:r>
           </a:p>
           <a:p>
-            <a:pPr lvl="4"/>
+            <a:pPr lvl="4" eaLnBrk="1" latinLnBrk="0" hangingPunct="1"/>
             <a:r>
               <a:rPr lang="en-US" smtClean="0"/>
               <a:t>Fifth level</a:t>
             </a:r>
-            <a:endParaRPr lang="en-US"/>
+            <a:endParaRPr kumimoji="0" lang="en-US"/>
           </a:p>
         </p:txBody>
       </p:sp>
@@ -4469,7 +4842,9 @@
         <p:spPr/>
         <p:txBody>
           <a:bodyPr/>
-          <a:lstStyle/>
+          <a:lstStyle>
+            <a:extLst/>
+          </a:lstStyle>
           <a:p>
             <a:fld id="{E94DEBB3-5177-3749-A3DA-6F59D78A5101}" type="datetimeFigureOut">
               <a:rPr lang="en-US" smtClean="0"/>
@@ -4492,7 +4867,9 @@
         <p:spPr/>
         <p:txBody>
           <a:bodyPr/>
-          <a:lstStyle/>
+          <a:lstStyle>
+            <a:extLst/>
+          </a:lstStyle>
           <a:p>
             <a:endParaRPr lang="en-US"/>
           </a:p>
@@ -4511,7 +4888,9 @@
         <p:spPr/>
         <p:txBody>
           <a:bodyPr/>
-          <a:lstStyle/>
+          <a:lstStyle>
+            <a:extLst/>
+          </a:lstStyle>
           <a:p>
             <a:fld id="{4432F49D-3860-2F4F-96B0-32A0BF13B7F0}" type="slidenum">
               <a:rPr lang="en-US" smtClean="0"/>
@@ -4522,11 +4901,6 @@
         </p:txBody>
       </p:sp>
     </p:spTree>
-    <p:extLst>
-      <p:ext uri="{BB962C8B-B14F-4D97-AF65-F5344CB8AC3E}">
-        <p14:creationId xmlns:p14="http://schemas.microsoft.com/office/powerpoint/2010/main" val="630785817"/>
-      </p:ext>
-    </p:extLst>
   </p:cSld>
   <p:clrMapOvr>
     <a:masterClrMapping/>
@@ -4561,16 +4935,23 @@
             <p:ph type="title"/>
           </p:nvPr>
         </p:nvSpPr>
-        <p:spPr/>
-        <p:txBody>
-          <a:bodyPr/>
-          <a:lstStyle/>
-          <a:p>
-            <a:r>
-              <a:rPr lang="en-US" smtClean="0"/>
+        <p:spPr>
+          <a:xfrm>
+            <a:off x="1435608" y="274320"/>
+            <a:ext cx="7498080" cy="1143000"/>
+          </a:xfrm>
+        </p:spPr>
+        <p:txBody>
+          <a:bodyPr anchor="ctr"/>
+          <a:lstStyle>
+            <a:extLst/>
+          </a:lstStyle>
+          <a:p>
+            <a:r>
+              <a:rPr kumimoji="0" lang="en-US" smtClean="0"/>
               <a:t>Click to edit Master title style</a:t>
             </a:r>
-            <a:endParaRPr lang="en-US"/>
+            <a:endParaRPr kumimoji="0" lang="en-US"/>
           </a:p>
         </p:txBody>
       </p:sp>
@@ -4587,7 +4968,9 @@
         <p:spPr/>
         <p:txBody>
           <a:bodyPr/>
-          <a:lstStyle/>
+          <a:lstStyle>
+            <a:extLst/>
+          </a:lstStyle>
           <a:p>
             <a:fld id="{E94DEBB3-5177-3749-A3DA-6F59D78A5101}" type="datetimeFigureOut">
               <a:rPr lang="en-US" smtClean="0"/>
@@ -4610,7 +4993,9 @@
         <p:spPr/>
         <p:txBody>
           <a:bodyPr/>
-          <a:lstStyle/>
+          <a:lstStyle>
+            <a:extLst/>
+          </a:lstStyle>
           <a:p>
             <a:endParaRPr lang="en-US"/>
           </a:p>
@@ -4629,7 +5014,9 @@
         <p:spPr/>
         <p:txBody>
           <a:bodyPr/>
-          <a:lstStyle/>
+          <a:lstStyle>
+            <a:extLst/>
+          </a:lstStyle>
           <a:p>
             <a:fld id="{4432F49D-3860-2F4F-96B0-32A0BF13B7F0}" type="slidenum">
               <a:rPr lang="en-US" smtClean="0"/>
@@ -4640,11 +5027,6 @@
         </p:txBody>
       </p:sp>
     </p:spTree>
-    <p:extLst>
-      <p:ext uri="{BB962C8B-B14F-4D97-AF65-F5344CB8AC3E}">
-        <p14:creationId xmlns:p14="http://schemas.microsoft.com/office/powerpoint/2010/main" val="2582152130"/>
-      </p:ext>
-    </p:extLst>
   </p:cSld>
   <p:clrMapOvr>
     <a:masterClrMapping/>
@@ -4653,7 +5035,7 @@
 </file>
 
 <file path=ppt/slideLayouts/slideLayout7.xml><?xml version="1.0" encoding="utf-8"?>
-<p:sldLayout xmlns:a="http://schemas.openxmlformats.org/drawingml/2006/main" xmlns:r="http://schemas.openxmlformats.org/officeDocument/2006/relationships" xmlns:p="http://schemas.openxmlformats.org/presentationml/2006/main" type="blank" preserve="1">
+<p:sldLayout xmlns:a="http://schemas.openxmlformats.org/drawingml/2006/main" xmlns:r="http://schemas.openxmlformats.org/officeDocument/2006/relationships" xmlns:p="http://schemas.openxmlformats.org/presentationml/2006/main" showMasterSp="0" type="blank" preserve="1">
   <p:cSld name="Blank">
     <p:spTree>
       <p:nvGrpSpPr>
@@ -4671,6 +5053,54 @@
       </p:grpSpPr>
       <p:sp>
         <p:nvSpPr>
+          <p:cNvPr id="5" name="Rectangle 4"/>
+          <p:cNvSpPr/>
+          <p:nvPr/>
+        </p:nvSpPr>
+        <p:spPr>
+          <a:xfrm>
+            <a:off x="1014984" y="0"/>
+            <a:ext cx="8129016" cy="6858000"/>
+          </a:xfrm>
+          <a:prstGeom prst="rect">
+            <a:avLst/>
+          </a:prstGeom>
+          <a:solidFill>
+            <a:schemeClr val="bg1"/>
+          </a:solidFill>
+          <a:ln w="25400" cap="rnd" cmpd="sng" algn="ctr">
+            <a:noFill/>
+            <a:prstDash val="solid"/>
+          </a:ln>
+          <a:effectLst/>
+        </p:spPr>
+        <p:style>
+          <a:lnRef idx="3">
+            <a:schemeClr val="lt1"/>
+          </a:lnRef>
+          <a:fillRef idx="1">
+            <a:schemeClr val="accent1"/>
+          </a:fillRef>
+          <a:effectRef idx="1">
+            <a:schemeClr val="accent1"/>
+          </a:effectRef>
+          <a:fontRef idx="minor">
+            <a:schemeClr val="lt1"/>
+          </a:fontRef>
+        </p:style>
+        <p:txBody>
+          <a:bodyPr anchor="ctr"/>
+          <a:lstStyle>
+            <a:extLst/>
+          </a:lstStyle>
+          <a:p>
+            <a:pPr algn="ctr" eaLnBrk="1" latinLnBrk="0" hangingPunct="1"/>
+            <a:endParaRPr kumimoji="0" lang="en-US"/>
+          </a:p>
+        </p:txBody>
+      </p:sp>
+      <p:sp>
+        <p:nvSpPr>
           <p:cNvPr id="2" name="Date Placeholder 1"/>
           <p:cNvSpPr>
             <a:spLocks noGrp="1"/>
@@ -4682,7 +5112,9 @@
         <p:spPr/>
         <p:txBody>
           <a:bodyPr/>
-          <a:lstStyle/>
+          <a:lstStyle>
+            <a:extLst/>
+          </a:lstStyle>
           <a:p>
             <a:fld id="{E94DEBB3-5177-3749-A3DA-6F59D78A5101}" type="datetimeFigureOut">
               <a:rPr lang="en-US" smtClean="0"/>
@@ -4705,7 +5137,9 @@
         <p:spPr/>
         <p:txBody>
           <a:bodyPr/>
-          <a:lstStyle/>
+          <a:lstStyle>
+            <a:extLst/>
+          </a:lstStyle>
           <a:p>
             <a:endParaRPr lang="en-US"/>
           </a:p>
@@ -4724,7 +5158,9 @@
         <p:spPr/>
         <p:txBody>
           <a:bodyPr/>
-          <a:lstStyle/>
+          <a:lstStyle>
+            <a:extLst/>
+          </a:lstStyle>
           <a:p>
             <a:fld id="{4432F49D-3860-2F4F-96B0-32A0BF13B7F0}" type="slidenum">
               <a:rPr lang="en-US" smtClean="0"/>
@@ -4734,12 +5170,63 @@
           </a:p>
         </p:txBody>
       </p:sp>
+      <p:sp>
+        <p:nvSpPr>
+          <p:cNvPr id="6" name="Rectangle 5"/>
+          <p:cNvSpPr/>
+          <p:nvPr/>
+        </p:nvSpPr>
+        <p:spPr bwMode="invGray">
+          <a:xfrm>
+            <a:off x="1014984" y="-54"/>
+            <a:ext cx="73152" cy="6858054"/>
+          </a:xfrm>
+          <a:prstGeom prst="rect">
+            <a:avLst/>
+          </a:prstGeom>
+          <a:solidFill>
+            <a:schemeClr val="bg1"/>
+          </a:solidFill>
+          <a:ln w="25400" cap="rnd" cmpd="sng" algn="ctr">
+            <a:noFill/>
+            <a:prstDash val="solid"/>
+          </a:ln>
+          <a:effectLst>
+            <a:outerShdw blurRad="38550" dist="38000" dir="10800000" algn="tl" rotWithShape="0">
+              <a:schemeClr val="bg2">
+                <a:shade val="20000"/>
+                <a:satMod val="110000"/>
+                <a:alpha val="25000"/>
+              </a:schemeClr>
+            </a:outerShdw>
+          </a:effectLst>
+        </p:spPr>
+        <p:style>
+          <a:lnRef idx="3">
+            <a:schemeClr val="lt1"/>
+          </a:lnRef>
+          <a:fillRef idx="1">
+            <a:schemeClr val="accent1"/>
+          </a:fillRef>
+          <a:effectRef idx="1">
+            <a:schemeClr val="accent1"/>
+          </a:effectRef>
+          <a:fontRef idx="minor">
+            <a:schemeClr val="lt1"/>
+          </a:fontRef>
+        </p:style>
+        <p:txBody>
+          <a:bodyPr anchor="ctr"/>
+          <a:lstStyle>
+            <a:extLst/>
+          </a:lstStyle>
+          <a:p>
+            <a:pPr algn="ctr" eaLnBrk="1" latinLnBrk="0" hangingPunct="1"/>
+            <a:endParaRPr kumimoji="0" lang="en-US"/>
+          </a:p>
+        </p:txBody>
+      </p:sp>
     </p:spTree>
-    <p:extLst>
-      <p:ext uri="{BB962C8B-B14F-4D97-AF65-F5344CB8AC3E}">
-        <p14:creationId xmlns:p14="http://schemas.microsoft.com/office/powerpoint/2010/main" val="712080684"/>
-      </p:ext>
-    </p:extLst>
   </p:cSld>
   <p:clrMapOvr>
     <a:masterClrMapping/>
@@ -4748,7 +5235,7 @@
 </file>
 
 <file path=ppt/slideLayouts/slideLayout8.xml><?xml version="1.0" encoding="utf-8"?>
-<p:sldLayout xmlns:a="http://schemas.openxmlformats.org/drawingml/2006/main" xmlns:r="http://schemas.openxmlformats.org/officeDocument/2006/relationships" xmlns:p="http://schemas.openxmlformats.org/presentationml/2006/main" type="objTx" preserve="1">
+<p:sldLayout xmlns:a="http://schemas.openxmlformats.org/drawingml/2006/main" xmlns:r="http://schemas.openxmlformats.org/officeDocument/2006/relationships" xmlns:p="http://schemas.openxmlformats.org/presentationml/2006/main" showMasterSp="0" type="objTx" preserve="1">
   <p:cSld name="Content with Caption">
     <p:spTree>
       <p:nvGrpSpPr>
@@ -4776,40 +5263,104 @@
         </p:nvSpPr>
         <p:spPr>
           <a:xfrm>
-            <a:off x="457200" y="273050"/>
-            <a:ext cx="3008313" cy="1162050"/>
+            <a:off x="457200" y="216778"/>
+            <a:ext cx="3810000" cy="1162050"/>
           </a:xfrm>
+          <a:ln>
+            <a:noFill/>
+          </a:ln>
         </p:spPr>
         <p:txBody>
           <a:bodyPr anchor="b"/>
           <a:lstStyle>
             <a:lvl1pPr algn="l">
-              <a:defRPr sz="2000" b="1"/>
+              <a:lnSpc>
+                <a:spcPts val="2000"/>
+              </a:lnSpc>
+              <a:buNone/>
+              <a:defRPr sz="2200" b="1" cap="all" baseline="0"/>
             </a:lvl1pPr>
+            <a:extLst/>
           </a:lstStyle>
           <a:p>
             <a:r>
-              <a:rPr lang="en-US" smtClean="0"/>
+              <a:rPr kumimoji="0" lang="en-US" smtClean="0"/>
               <a:t>Click to edit Master title style</a:t>
             </a:r>
-            <a:endParaRPr lang="en-US"/>
-          </a:p>
-        </p:txBody>
-      </p:sp>
-      <p:sp>
-        <p:nvSpPr>
-          <p:cNvPr id="3" name="Content Placeholder 2"/>
-          <p:cNvSpPr>
-            <a:spLocks noGrp="1"/>
-          </p:cNvSpPr>
-          <p:nvPr>
-            <p:ph idx="1"/>
+            <a:endParaRPr kumimoji="0" lang="en-US"/>
+          </a:p>
+        </p:txBody>
+      </p:sp>
+      <p:sp>
+        <p:nvSpPr>
+          <p:cNvPr id="3" name="Text Placeholder 2"/>
+          <p:cNvSpPr>
+            <a:spLocks noGrp="1"/>
+          </p:cNvSpPr>
+          <p:nvPr>
+            <p:ph type="body" idx="2"/>
           </p:nvPr>
         </p:nvSpPr>
         <p:spPr>
           <a:xfrm>
-            <a:off x="3575050" y="273050"/>
-            <a:ext cx="5111750" cy="5853113"/>
+            <a:off x="457200" y="1406964"/>
+            <a:ext cx="3810000" cy="698500"/>
+          </a:xfrm>
+        </p:spPr>
+        <p:txBody>
+          <a:bodyPr/>
+          <a:lstStyle>
+            <a:lvl1pPr marL="45720" indent="0">
+              <a:lnSpc>
+                <a:spcPct val="100000"/>
+              </a:lnSpc>
+              <a:spcBef>
+                <a:spcPts val="0"/>
+              </a:spcBef>
+              <a:buNone/>
+              <a:defRPr sz="1400"/>
+            </a:lvl1pPr>
+            <a:lvl2pPr>
+              <a:buNone/>
+              <a:defRPr sz="1200"/>
+            </a:lvl2pPr>
+            <a:lvl3pPr>
+              <a:buNone/>
+              <a:defRPr sz="1000"/>
+            </a:lvl3pPr>
+            <a:lvl4pPr>
+              <a:buNone/>
+              <a:defRPr sz="900"/>
+            </a:lvl4pPr>
+            <a:lvl5pPr>
+              <a:buNone/>
+              <a:defRPr sz="900"/>
+            </a:lvl5pPr>
+            <a:extLst/>
+          </a:lstStyle>
+          <a:p>
+            <a:pPr lvl="0" eaLnBrk="1" latinLnBrk="0" hangingPunct="1"/>
+            <a:r>
+              <a:rPr kumimoji="0" lang="en-US" smtClean="0"/>
+              <a:t>Click to edit Master text styles</a:t>
+            </a:r>
+          </a:p>
+        </p:txBody>
+      </p:sp>
+      <p:sp>
+        <p:nvSpPr>
+          <p:cNvPr id="4" name="Content Placeholder 3"/>
+          <p:cNvSpPr>
+            <a:spLocks noGrp="1"/>
+          </p:cNvSpPr>
+          <p:nvPr>
+            <p:ph sz="half" idx="1"/>
+          </p:nvPr>
+        </p:nvSpPr>
+        <p:spPr>
+          <a:xfrm>
+            <a:off x="457200" y="2133600"/>
+            <a:ext cx="8153400" cy="3992563"/>
           </a:xfrm>
         </p:spPr>
         <p:txBody>
@@ -4830,136 +5381,62 @@
             <a:lvl5pPr>
               <a:defRPr sz="2000"/>
             </a:lvl5pPr>
-            <a:lvl6pPr>
-              <a:defRPr sz="2000"/>
-            </a:lvl6pPr>
-            <a:lvl7pPr>
-              <a:defRPr sz="2000"/>
-            </a:lvl7pPr>
-            <a:lvl8pPr>
-              <a:defRPr sz="2000"/>
-            </a:lvl8pPr>
-            <a:lvl9pPr>
-              <a:defRPr sz="2000"/>
-            </a:lvl9pPr>
+            <a:extLst/>
           </a:lstStyle>
           <a:p>
-            <a:pPr lvl="0"/>
+            <a:pPr lvl="0" eaLnBrk="1" latinLnBrk="0" hangingPunct="1"/>
             <a:r>
               <a:rPr lang="en-US" smtClean="0"/>
               <a:t>Click to edit Master text styles</a:t>
             </a:r>
           </a:p>
           <a:p>
-            <a:pPr lvl="1"/>
+            <a:pPr lvl="1" eaLnBrk="1" latinLnBrk="0" hangingPunct="1"/>
             <a:r>
               <a:rPr lang="en-US" smtClean="0"/>
               <a:t>Second level</a:t>
             </a:r>
           </a:p>
           <a:p>
-            <a:pPr lvl="2"/>
+            <a:pPr lvl="2" eaLnBrk="1" latinLnBrk="0" hangingPunct="1"/>
             <a:r>
               <a:rPr lang="en-US" smtClean="0"/>
               <a:t>Third level</a:t>
             </a:r>
           </a:p>
           <a:p>
-            <a:pPr lvl="3"/>
+            <a:pPr lvl="3" eaLnBrk="1" latinLnBrk="0" hangingPunct="1"/>
             <a:r>
               <a:rPr lang="en-US" smtClean="0"/>
               <a:t>Fourth level</a:t>
             </a:r>
           </a:p>
           <a:p>
-            <a:pPr lvl="4"/>
+            <a:pPr lvl="4" eaLnBrk="1" latinLnBrk="0" hangingPunct="1"/>
             <a:r>
               <a:rPr lang="en-US" smtClean="0"/>
               <a:t>Fifth level</a:t>
             </a:r>
-            <a:endParaRPr lang="en-US"/>
-          </a:p>
-        </p:txBody>
-      </p:sp>
-      <p:sp>
-        <p:nvSpPr>
-          <p:cNvPr id="4" name="Text Placeholder 3"/>
-          <p:cNvSpPr>
-            <a:spLocks noGrp="1"/>
-          </p:cNvSpPr>
-          <p:nvPr>
-            <p:ph type="body" sz="half" idx="2"/>
-          </p:nvPr>
-        </p:nvSpPr>
-        <p:spPr>
-          <a:xfrm>
-            <a:off x="457200" y="1435100"/>
-            <a:ext cx="3008313" cy="4691063"/>
-          </a:xfrm>
-        </p:spPr>
+            <a:endParaRPr kumimoji="0" lang="en-US"/>
+          </a:p>
+        </p:txBody>
+      </p:sp>
+      <p:sp>
+        <p:nvSpPr>
+          <p:cNvPr id="5" name="Date Placeholder 4"/>
+          <p:cNvSpPr>
+            <a:spLocks noGrp="1"/>
+          </p:cNvSpPr>
+          <p:nvPr>
+            <p:ph type="dt" sz="half" idx="10"/>
+          </p:nvPr>
+        </p:nvSpPr>
+        <p:spPr/>
         <p:txBody>
           <a:bodyPr/>
           <a:lstStyle>
-            <a:lvl1pPr marL="0" indent="0">
-              <a:buNone/>
-              <a:defRPr sz="1400"/>
-            </a:lvl1pPr>
-            <a:lvl2pPr marL="457200" indent="0">
-              <a:buNone/>
-              <a:defRPr sz="1200"/>
-            </a:lvl2pPr>
-            <a:lvl3pPr marL="914400" indent="0">
-              <a:buNone/>
-              <a:defRPr sz="1000"/>
-            </a:lvl3pPr>
-            <a:lvl4pPr marL="1371600" indent="0">
-              <a:buNone/>
-              <a:defRPr sz="900"/>
-            </a:lvl4pPr>
-            <a:lvl5pPr marL="1828800" indent="0">
-              <a:buNone/>
-              <a:defRPr sz="900"/>
-            </a:lvl5pPr>
-            <a:lvl6pPr marL="2286000" indent="0">
-              <a:buNone/>
-              <a:defRPr sz="900"/>
-            </a:lvl6pPr>
-            <a:lvl7pPr marL="2743200" indent="0">
-              <a:buNone/>
-              <a:defRPr sz="900"/>
-            </a:lvl7pPr>
-            <a:lvl8pPr marL="3200400" indent="0">
-              <a:buNone/>
-              <a:defRPr sz="900"/>
-            </a:lvl8pPr>
-            <a:lvl9pPr marL="3657600" indent="0">
-              <a:buNone/>
-              <a:defRPr sz="900"/>
-            </a:lvl9pPr>
+            <a:extLst/>
           </a:lstStyle>
-          <a:p>
-            <a:pPr lvl="0"/>
-            <a:r>
-              <a:rPr lang="en-US" smtClean="0"/>
-              <a:t>Click to edit Master text styles</a:t>
-            </a:r>
-          </a:p>
-        </p:txBody>
-      </p:sp>
-      <p:sp>
-        <p:nvSpPr>
-          <p:cNvPr id="5" name="Date Placeholder 4"/>
-          <p:cNvSpPr>
-            <a:spLocks noGrp="1"/>
-          </p:cNvSpPr>
-          <p:nvPr>
-            <p:ph type="dt" sz="half" idx="10"/>
-          </p:nvPr>
-        </p:nvSpPr>
-        <p:spPr/>
-        <p:txBody>
-          <a:bodyPr/>
-          <a:lstStyle/>
           <a:p>
             <a:fld id="{E94DEBB3-5177-3749-A3DA-6F59D78A5101}" type="datetimeFigureOut">
               <a:rPr lang="en-US" smtClean="0"/>
@@ -4982,7 +5459,9 @@
         <p:spPr/>
         <p:txBody>
           <a:bodyPr/>
-          <a:lstStyle/>
+          <a:lstStyle>
+            <a:extLst/>
+          </a:lstStyle>
           <a:p>
             <a:endParaRPr lang="en-US"/>
           </a:p>
@@ -5001,7 +5480,9 @@
         <p:spPr/>
         <p:txBody>
           <a:bodyPr/>
-          <a:lstStyle/>
+          <a:lstStyle>
+            <a:extLst/>
+          </a:lstStyle>
           <a:p>
             <a:fld id="{4432F49D-3860-2F4F-96B0-32A0BF13B7F0}" type="slidenum">
               <a:rPr lang="en-US" smtClean="0"/>
@@ -5012,11 +5493,6 @@
         </p:txBody>
       </p:sp>
     </p:spTree>
-    <p:extLst>
-      <p:ext uri="{BB962C8B-B14F-4D97-AF65-F5344CB8AC3E}">
-        <p14:creationId xmlns:p14="http://schemas.microsoft.com/office/powerpoint/2010/main" val="3635279608"/>
-      </p:ext>
-    </p:extLst>
   </p:cSld>
   <p:clrMapOvr>
     <a:masterClrMapping/>
@@ -5025,7 +5501,7 @@
 </file>
 
 <file path=ppt/slideLayouts/slideLayout9.xml><?xml version="1.0" encoding="utf-8"?>
-<p:sldLayout xmlns:a="http://schemas.openxmlformats.org/drawingml/2006/main" xmlns:r="http://schemas.openxmlformats.org/officeDocument/2006/relationships" xmlns:p="http://schemas.openxmlformats.org/presentationml/2006/main" type="picTx" preserve="1">
+<p:sldLayout xmlns:a="http://schemas.openxmlformats.org/drawingml/2006/main" xmlns:r="http://schemas.openxmlformats.org/officeDocument/2006/relationships" xmlns:p="http://schemas.openxmlformats.org/presentationml/2006/main" showMasterSp="0" type="picTx" preserve="1">
   <p:cSld name="Picture with Caption">
     <p:spTree>
       <p:nvGrpSpPr>
@@ -5053,166 +5529,48 @@
         </p:nvSpPr>
         <p:spPr>
           <a:xfrm>
-            <a:off x="1792288" y="4800600"/>
-            <a:ext cx="5486400" cy="566738"/>
+            <a:off x="5886896" y="1066800"/>
+            <a:ext cx="2743200" cy="1981200"/>
           </a:xfrm>
         </p:spPr>
         <p:txBody>
-          <a:bodyPr anchor="b"/>
+          <a:bodyPr anchor="b">
+            <a:noAutofit/>
+          </a:bodyPr>
           <a:lstStyle>
             <a:lvl1pPr algn="l">
-              <a:defRPr sz="2000" b="1"/>
+              <a:buNone/>
+              <a:defRPr sz="2100" b="1">
+                <a:effectLst/>
+              </a:defRPr>
             </a:lvl1pPr>
+            <a:extLst/>
           </a:lstStyle>
           <a:p>
             <a:r>
-              <a:rPr lang="en-US" smtClean="0"/>
+              <a:rPr kumimoji="0" lang="en-US" smtClean="0"/>
               <a:t>Click to edit Master title style</a:t>
             </a:r>
-            <a:endParaRPr lang="en-US"/>
-          </a:p>
-        </p:txBody>
-      </p:sp>
-      <p:sp>
-        <p:nvSpPr>
-          <p:cNvPr id="3" name="Picture Placeholder 2"/>
-          <p:cNvSpPr>
-            <a:spLocks noGrp="1"/>
-          </p:cNvSpPr>
-          <p:nvPr>
-            <p:ph type="pic" idx="1"/>
-          </p:nvPr>
-        </p:nvSpPr>
-        <p:spPr>
-          <a:xfrm>
-            <a:off x="1792288" y="612775"/>
-            <a:ext cx="5486400" cy="4114800"/>
-          </a:xfrm>
-        </p:spPr>
+            <a:endParaRPr kumimoji="0" lang="en-US"/>
+          </a:p>
+        </p:txBody>
+      </p:sp>
+      <p:sp>
+        <p:nvSpPr>
+          <p:cNvPr id="5" name="Date Placeholder 4"/>
+          <p:cNvSpPr>
+            <a:spLocks noGrp="1"/>
+          </p:cNvSpPr>
+          <p:nvPr>
+            <p:ph type="dt" sz="half" idx="10"/>
+          </p:nvPr>
+        </p:nvSpPr>
+        <p:spPr/>
         <p:txBody>
           <a:bodyPr/>
           <a:lstStyle>
-            <a:lvl1pPr marL="0" indent="0">
-              <a:buNone/>
-              <a:defRPr sz="3200"/>
-            </a:lvl1pPr>
-            <a:lvl2pPr marL="457200" indent="0">
-              <a:buNone/>
-              <a:defRPr sz="2800"/>
-            </a:lvl2pPr>
-            <a:lvl3pPr marL="914400" indent="0">
-              <a:buNone/>
-              <a:defRPr sz="2400"/>
-            </a:lvl3pPr>
-            <a:lvl4pPr marL="1371600" indent="0">
-              <a:buNone/>
-              <a:defRPr sz="2000"/>
-            </a:lvl4pPr>
-            <a:lvl5pPr marL="1828800" indent="0">
-              <a:buNone/>
-              <a:defRPr sz="2000"/>
-            </a:lvl5pPr>
-            <a:lvl6pPr marL="2286000" indent="0">
-              <a:buNone/>
-              <a:defRPr sz="2000"/>
-            </a:lvl6pPr>
-            <a:lvl7pPr marL="2743200" indent="0">
-              <a:buNone/>
-              <a:defRPr sz="2000"/>
-            </a:lvl7pPr>
-            <a:lvl8pPr marL="3200400" indent="0">
-              <a:buNone/>
-              <a:defRPr sz="2000"/>
-            </a:lvl8pPr>
-            <a:lvl9pPr marL="3657600" indent="0">
-              <a:buNone/>
-              <a:defRPr sz="2000"/>
-            </a:lvl9pPr>
+            <a:extLst/>
           </a:lstStyle>
-          <a:p>
-            <a:endParaRPr lang="en-US"/>
-          </a:p>
-        </p:txBody>
-      </p:sp>
-      <p:sp>
-        <p:nvSpPr>
-          <p:cNvPr id="4" name="Text Placeholder 3"/>
-          <p:cNvSpPr>
-            <a:spLocks noGrp="1"/>
-          </p:cNvSpPr>
-          <p:nvPr>
-            <p:ph type="body" sz="half" idx="2"/>
-          </p:nvPr>
-        </p:nvSpPr>
-        <p:spPr>
-          <a:xfrm>
-            <a:off x="1792288" y="5367338"/>
-            <a:ext cx="5486400" cy="804862"/>
-          </a:xfrm>
-        </p:spPr>
-        <p:txBody>
-          <a:bodyPr/>
-          <a:lstStyle>
-            <a:lvl1pPr marL="0" indent="0">
-              <a:buNone/>
-              <a:defRPr sz="1400"/>
-            </a:lvl1pPr>
-            <a:lvl2pPr marL="457200" indent="0">
-              <a:buNone/>
-              <a:defRPr sz="1200"/>
-            </a:lvl2pPr>
-            <a:lvl3pPr marL="914400" indent="0">
-              <a:buNone/>
-              <a:defRPr sz="1000"/>
-            </a:lvl3pPr>
-            <a:lvl4pPr marL="1371600" indent="0">
-              <a:buNone/>
-              <a:defRPr sz="900"/>
-            </a:lvl4pPr>
-            <a:lvl5pPr marL="1828800" indent="0">
-              <a:buNone/>
-              <a:defRPr sz="900"/>
-            </a:lvl5pPr>
-            <a:lvl6pPr marL="2286000" indent="0">
-              <a:buNone/>
-              <a:defRPr sz="900"/>
-            </a:lvl6pPr>
-            <a:lvl7pPr marL="2743200" indent="0">
-              <a:buNone/>
-              <a:defRPr sz="900"/>
-            </a:lvl7pPr>
-            <a:lvl8pPr marL="3200400" indent="0">
-              <a:buNone/>
-              <a:defRPr sz="900"/>
-            </a:lvl8pPr>
-            <a:lvl9pPr marL="3657600" indent="0">
-              <a:buNone/>
-              <a:defRPr sz="900"/>
-            </a:lvl9pPr>
-          </a:lstStyle>
-          <a:p>
-            <a:pPr lvl="0"/>
-            <a:r>
-              <a:rPr lang="en-US" smtClean="0"/>
-              <a:t>Click to edit Master text styles</a:t>
-            </a:r>
-          </a:p>
-        </p:txBody>
-      </p:sp>
-      <p:sp>
-        <p:nvSpPr>
-          <p:cNvPr id="5" name="Date Placeholder 4"/>
-          <p:cNvSpPr>
-            <a:spLocks noGrp="1"/>
-          </p:cNvSpPr>
-          <p:nvPr>
-            <p:ph type="dt" sz="half" idx="10"/>
-          </p:nvPr>
-        </p:nvSpPr>
-        <p:spPr/>
-        <p:txBody>
-          <a:bodyPr/>
-          <a:lstStyle/>
           <a:p>
             <a:fld id="{E94DEBB3-5177-3749-A3DA-6F59D78A5101}" type="datetimeFigureOut">
               <a:rPr lang="en-US" smtClean="0"/>
@@ -5235,7 +5593,9 @@
         <p:spPr/>
         <p:txBody>
           <a:bodyPr/>
-          <a:lstStyle/>
+          <a:lstStyle>
+            <a:extLst/>
+          </a:lstStyle>
           <a:p>
             <a:endParaRPr lang="en-US"/>
           </a:p>
@@ -5254,7 +5614,9 @@
         <p:spPr/>
         <p:txBody>
           <a:bodyPr/>
-          <a:lstStyle/>
+          <a:lstStyle>
+            <a:extLst/>
+          </a:lstStyle>
           <a:p>
             <a:fld id="{4432F49D-3860-2F4F-96B0-32A0BF13B7F0}" type="slidenum">
               <a:rPr lang="en-US" smtClean="0"/>
@@ -5264,12 +5626,309 @@
           </a:p>
         </p:txBody>
       </p:sp>
+      <p:sp>
+        <p:nvSpPr>
+          <p:cNvPr id="8" name="Rectangle 7"/>
+          <p:cNvSpPr/>
+          <p:nvPr/>
+        </p:nvSpPr>
+        <p:spPr>
+          <a:xfrm>
+            <a:off x="762000" y="1066800"/>
+            <a:ext cx="4572000" cy="4572000"/>
+          </a:xfrm>
+          <a:prstGeom prst="rect">
+            <a:avLst/>
+          </a:prstGeom>
+          <a:solidFill>
+            <a:srgbClr val="FFFFFF"/>
+          </a:solidFill>
+          <a:ln w="88900" cap="sq">
+            <a:solidFill>
+              <a:srgbClr val="FFFFFF"/>
+            </a:solidFill>
+            <a:miter lim="800000"/>
+          </a:ln>
+          <a:effectLst>
+            <a:outerShdw blurRad="55500" dist="18500" dir="5400000" algn="tl" rotWithShape="0">
+              <a:srgbClr val="000000">
+                <a:alpha val="35000"/>
+              </a:srgbClr>
+            </a:outerShdw>
+          </a:effectLst>
+          <a:scene3d>
+            <a:camera prst="orthographicFront"/>
+            <a:lightRig rig="twoPt" dir="t">
+              <a:rot lat="0" lon="0" rev="7200000"/>
+            </a:lightRig>
+          </a:scene3d>
+          <a:sp3d contourW="635">
+            <a:bevelT w="25400" h="19050"/>
+            <a:contourClr>
+              <a:srgbClr val="969696"/>
+            </a:contourClr>
+          </a:sp3d>
+        </p:spPr>
+        <p:txBody>
+          <a:bodyPr lIns="91440" tIns="274320" rtlCol="0" anchor="t">
+            <a:normAutofit/>
+          </a:bodyPr>
+          <a:lstStyle>
+            <a:extLst/>
+          </a:lstStyle>
+          <a:p>
+            <a:pPr marL="0" indent="-283464" algn="l" rtl="0" eaLnBrk="1" latinLnBrk="0" hangingPunct="1">
+              <a:lnSpc>
+                <a:spcPts val="3000"/>
+              </a:lnSpc>
+              <a:spcBef>
+                <a:spcPts val="600"/>
+              </a:spcBef>
+              <a:buClr>
+                <a:schemeClr val="accent1"/>
+              </a:buClr>
+              <a:buSzPct val="80000"/>
+              <a:buFont typeface="Wingdings 2"/>
+              <a:buNone/>
+            </a:pPr>
+            <a:endParaRPr kumimoji="0" lang="en-US" sz="3200" kern="1200">
+              <a:solidFill>
+                <a:schemeClr val="tx1"/>
+              </a:solidFill>
+              <a:latin typeface="+mn-lt"/>
+              <a:ea typeface="+mn-ea"/>
+              <a:cs typeface="+mn-cs"/>
+            </a:endParaRPr>
+          </a:p>
+        </p:txBody>
+      </p:sp>
+      <p:sp>
+        <p:nvSpPr>
+          <p:cNvPr id="3" name="Picture Placeholder 2"/>
+          <p:cNvSpPr>
+            <a:spLocks noGrp="1"/>
+          </p:cNvSpPr>
+          <p:nvPr>
+            <p:ph type="pic" idx="1"/>
+          </p:nvPr>
+        </p:nvSpPr>
+        <p:spPr>
+          <a:xfrm>
+            <a:off x="838200" y="1143003"/>
+            <a:ext cx="4419600" cy="3514531"/>
+          </a:xfrm>
+          <a:prstGeom prst="roundRect">
+            <a:avLst>
+              <a:gd name="adj" fmla="val 783"/>
+            </a:avLst>
+          </a:prstGeom>
+          <a:solidFill>
+            <a:schemeClr val="bg2"/>
+          </a:solidFill>
+          <a:ln w="127000">
+            <a:noFill/>
+            <a:miter lim="800000"/>
+          </a:ln>
+          <a:effectLst/>
+        </p:spPr>
+        <p:txBody>
+          <a:bodyPr lIns="91440" tIns="274320" anchor="t"/>
+          <a:lstStyle>
+            <a:lvl1pPr indent="0">
+              <a:buNone/>
+              <a:defRPr sz="3200"/>
+            </a:lvl1pPr>
+            <a:extLst/>
+          </a:lstStyle>
+          <a:p>
+            <a:pPr marL="0" algn="l" eaLnBrk="1" latinLnBrk="0" hangingPunct="1"/>
+            <a:r>
+              <a:rPr kumimoji="0" lang="en-US" smtClean="0"/>
+              <a:t>Drag picture to placeholder or click icon to add</a:t>
+            </a:r>
+            <a:endParaRPr kumimoji="0" lang="en-US" dirty="0"/>
+          </a:p>
+        </p:txBody>
+      </p:sp>
+      <p:sp>
+        <p:nvSpPr>
+          <p:cNvPr id="9" name="Process 8"/>
+          <p:cNvSpPr/>
+          <p:nvPr/>
+        </p:nvSpPr>
+        <p:spPr>
+          <a:xfrm rot="19468671">
+            <a:off x="396725" y="954341"/>
+            <a:ext cx="685800" cy="204310"/>
+          </a:xfrm>
+          <a:prstGeom prst="flowChartProcess">
+            <a:avLst/>
+          </a:prstGeom>
+          <a:solidFill>
+            <a:srgbClr val="FBFBFB">
+              <a:alpha val="45098"/>
+            </a:srgbClr>
+          </a:solidFill>
+          <a:ln w="6350" cap="rnd" cmpd="sng" algn="ctr">
+            <a:solidFill>
+              <a:srgbClr val="FFFFFF">
+                <a:alpha val="100000"/>
+              </a:srgbClr>
+            </a:solidFill>
+            <a:prstDash val="solid"/>
+          </a:ln>
+          <a:effectLst>
+            <a:outerShdw blurRad="25400" dist="25400" dir="3300000" sx="96000" sy="96000" algn="tl" rotWithShape="0">
+              <a:schemeClr val="bg2">
+                <a:shade val="90000"/>
+                <a:satMod val="200000"/>
+                <a:alpha val="40000"/>
+              </a:schemeClr>
+            </a:outerShdw>
+          </a:effectLst>
+        </p:spPr>
+        <p:style>
+          <a:lnRef idx="3">
+            <a:schemeClr val="lt1"/>
+          </a:lnRef>
+          <a:fillRef idx="1">
+            <a:schemeClr val="accent1"/>
+          </a:fillRef>
+          <a:effectRef idx="1">
+            <a:schemeClr val="accent1"/>
+          </a:effectRef>
+          <a:fontRef idx="minor">
+            <a:schemeClr val="lt1"/>
+          </a:fontRef>
+        </p:style>
+        <p:txBody>
+          <a:bodyPr anchor="ctr"/>
+          <a:lstStyle>
+            <a:extLst/>
+          </a:lstStyle>
+          <a:p>
+            <a:pPr algn="ctr" eaLnBrk="1" latinLnBrk="0" hangingPunct="1"/>
+            <a:endParaRPr kumimoji="0" lang="en-US"/>
+          </a:p>
+        </p:txBody>
+      </p:sp>
+      <p:sp>
+        <p:nvSpPr>
+          <p:cNvPr id="10" name="Process 9"/>
+          <p:cNvSpPr/>
+          <p:nvPr/>
+        </p:nvSpPr>
+        <p:spPr>
+          <a:xfrm rot="2103354" flipH="1">
+            <a:off x="5003667" y="936786"/>
+            <a:ext cx="649224" cy="204310"/>
+          </a:xfrm>
+          <a:prstGeom prst="flowChartProcess">
+            <a:avLst/>
+          </a:prstGeom>
+          <a:solidFill>
+            <a:srgbClr val="FBFBFB">
+              <a:alpha val="45098"/>
+            </a:srgbClr>
+          </a:solidFill>
+          <a:ln w="6350" cap="rnd" cmpd="sng" algn="ctr">
+            <a:solidFill>
+              <a:srgbClr val="FFFFFF">
+                <a:alpha val="100000"/>
+              </a:srgbClr>
+            </a:solidFill>
+            <a:prstDash val="solid"/>
+          </a:ln>
+          <a:effectLst>
+            <a:outerShdw blurRad="25400" dist="25400" dir="3300000" sx="96000" sy="96000" algn="tl" rotWithShape="0">
+              <a:schemeClr val="bg2">
+                <a:alpha val="20000"/>
+              </a:schemeClr>
+            </a:outerShdw>
+          </a:effectLst>
+        </p:spPr>
+        <p:style>
+          <a:lnRef idx="3">
+            <a:schemeClr val="lt1"/>
+          </a:lnRef>
+          <a:fillRef idx="1">
+            <a:schemeClr val="accent1"/>
+          </a:fillRef>
+          <a:effectRef idx="1">
+            <a:schemeClr val="accent1"/>
+          </a:effectRef>
+          <a:fontRef idx="minor">
+            <a:schemeClr val="lt1"/>
+          </a:fontRef>
+        </p:style>
+        <p:txBody>
+          <a:bodyPr anchor="ctr"/>
+          <a:lstStyle>
+            <a:extLst/>
+          </a:lstStyle>
+          <a:p>
+            <a:pPr algn="ctr" eaLnBrk="1" latinLnBrk="0" hangingPunct="1"/>
+            <a:endParaRPr kumimoji="0" lang="en-US" dirty="0"/>
+          </a:p>
+        </p:txBody>
+      </p:sp>
+      <p:sp>
+        <p:nvSpPr>
+          <p:cNvPr id="4" name="Text Placeholder 3"/>
+          <p:cNvSpPr>
+            <a:spLocks noGrp="1"/>
+          </p:cNvSpPr>
+          <p:nvPr>
+            <p:ph type="body" sz="half" idx="2"/>
+          </p:nvPr>
+        </p:nvSpPr>
+        <p:spPr>
+          <a:xfrm>
+            <a:off x="838200" y="4800600"/>
+            <a:ext cx="4419600" cy="762000"/>
+          </a:xfrm>
+        </p:spPr>
+        <p:txBody>
+          <a:bodyPr anchor="ctr"/>
+          <a:lstStyle>
+            <a:lvl1pPr marL="0" indent="0" algn="l">
+              <a:lnSpc>
+                <a:spcPts val="1600"/>
+              </a:lnSpc>
+              <a:spcBef>
+                <a:spcPts val="0"/>
+              </a:spcBef>
+              <a:buNone/>
+              <a:defRPr sz="1400">
+                <a:solidFill>
+                  <a:srgbClr val="777777"/>
+                </a:solidFill>
+              </a:defRPr>
+            </a:lvl1pPr>
+            <a:lvl2pPr>
+              <a:defRPr sz="1200"/>
+            </a:lvl2pPr>
+            <a:lvl3pPr>
+              <a:defRPr sz="1000"/>
+            </a:lvl3pPr>
+            <a:lvl4pPr>
+              <a:defRPr sz="900"/>
+            </a:lvl4pPr>
+            <a:lvl5pPr>
+              <a:defRPr sz="900"/>
+            </a:lvl5pPr>
+            <a:extLst/>
+          </a:lstStyle>
+          <a:p>
+            <a:pPr lvl="0" eaLnBrk="1" latinLnBrk="0" hangingPunct="1"/>
+            <a:r>
+              <a:rPr kumimoji="0" lang="en-US" smtClean="0"/>
+              <a:t>Click to edit Master text styles</a:t>
+            </a:r>
+          </a:p>
+        </p:txBody>
+      </p:sp>
     </p:spTree>
-    <p:extLst>
-      <p:ext uri="{BB962C8B-B14F-4D97-AF65-F5344CB8AC3E}">
-        <p14:creationId xmlns:p14="http://schemas.microsoft.com/office/powerpoint/2010/main" val="26005194"/>
-      </p:ext>
-    </p:extLst>
   </p:cSld>
   <p:clrMapOvr>
     <a:masterClrMapping/>
@@ -5281,8 +5940,8 @@
 <p:sldMaster xmlns:a="http://schemas.openxmlformats.org/drawingml/2006/main" xmlns:r="http://schemas.openxmlformats.org/officeDocument/2006/relationships" xmlns:p="http://schemas.openxmlformats.org/presentationml/2006/main">
   <p:cSld>
     <p:bg>
-      <p:bgRef idx="1001">
-        <a:schemeClr val="bg1"/>
+      <p:bgRef idx="1003">
+        <a:schemeClr val="bg2"/>
       </p:bgRef>
     </p:bg>
     <p:spTree>
@@ -5301,40 +5960,303 @@
       </p:grpSpPr>
       <p:sp>
         <p:nvSpPr>
-          <p:cNvPr id="2" name="Title Placeholder 1"/>
-          <p:cNvSpPr>
-            <a:spLocks noGrp="1"/>
-          </p:cNvSpPr>
-          <p:nvPr>
-            <p:ph type="title"/>
-          </p:nvPr>
+          <p:cNvPr id="7" name="Pie 6"/>
+          <p:cNvSpPr/>
+          <p:nvPr/>
         </p:nvSpPr>
         <p:spPr>
           <a:xfrm>
-            <a:off x="457200" y="274638"/>
-            <a:ext cx="8229600" cy="1143000"/>
+            <a:off x="-815927" y="-815922"/>
+            <a:ext cx="1638887" cy="1638887"/>
+          </a:xfrm>
+          <a:prstGeom prst="pie">
+            <a:avLst>
+              <a:gd name="adj1" fmla="val 0"/>
+              <a:gd name="adj2" fmla="val 5402120"/>
+            </a:avLst>
+          </a:prstGeom>
+          <a:solidFill>
+            <a:schemeClr val="bg2">
+              <a:tint val="18000"/>
+              <a:satMod val="220000"/>
+              <a:alpha val="33000"/>
+            </a:schemeClr>
+          </a:solidFill>
+          <a:ln w="3175" cap="rnd" cmpd="sng" algn="ctr">
+            <a:solidFill>
+              <a:schemeClr val="bg2">
+                <a:shade val="70000"/>
+                <a:satMod val="200000"/>
+                <a:alpha val="100000"/>
+              </a:schemeClr>
+            </a:solidFill>
+            <a:prstDash val="solid"/>
+          </a:ln>
+          <a:effectLst/>
+        </p:spPr>
+        <p:style>
+          <a:lnRef idx="3">
+            <a:schemeClr val="lt1"/>
+          </a:lnRef>
+          <a:fillRef idx="1">
+            <a:schemeClr val="accent1"/>
+          </a:fillRef>
+          <a:effectRef idx="1">
+            <a:schemeClr val="accent1"/>
+          </a:effectRef>
+          <a:fontRef idx="minor">
+            <a:schemeClr val="lt1"/>
+          </a:fontRef>
+        </p:style>
+        <p:txBody>
+          <a:bodyPr anchor="ctr"/>
+          <a:lstStyle>
+            <a:extLst/>
+          </a:lstStyle>
+          <a:p>
+            <a:pPr algn="ctr" eaLnBrk="1" latinLnBrk="0" hangingPunct="1"/>
+            <a:endParaRPr kumimoji="0" lang="en-US"/>
+          </a:p>
+        </p:txBody>
+      </p:sp>
+      <p:sp>
+        <p:nvSpPr>
+          <p:cNvPr id="8" name="Oval 7"/>
+          <p:cNvSpPr/>
+          <p:nvPr/>
+        </p:nvSpPr>
+        <p:spPr>
+          <a:xfrm>
+            <a:off x="168816" y="21102"/>
+            <a:ext cx="1702191" cy="1702191"/>
+          </a:xfrm>
+          <a:prstGeom prst="ellipse">
+            <a:avLst/>
+          </a:prstGeom>
+          <a:noFill/>
+          <a:ln w="27305" cap="rnd" cmpd="sng" algn="ctr">
+            <a:solidFill>
+              <a:schemeClr val="bg2">
+                <a:tint val="45000"/>
+                <a:satMod val="325000"/>
+                <a:alpha val="100000"/>
+              </a:schemeClr>
+            </a:solidFill>
+            <a:prstDash val="solid"/>
+          </a:ln>
+          <a:effectLst>
+            <a:outerShdw blurRad="25400" dist="25400" dir="5400000" algn="tl" rotWithShape="0">
+              <a:schemeClr val="bg2">
+                <a:shade val="50000"/>
+                <a:satMod val="150000"/>
+                <a:alpha val="85000"/>
+              </a:schemeClr>
+            </a:outerShdw>
+          </a:effectLst>
+        </p:spPr>
+        <p:style>
+          <a:lnRef idx="3">
+            <a:schemeClr val="lt1"/>
+          </a:lnRef>
+          <a:fillRef idx="1">
+            <a:schemeClr val="accent1"/>
+          </a:fillRef>
+          <a:effectRef idx="1">
+            <a:schemeClr val="accent1"/>
+          </a:effectRef>
+          <a:fontRef idx="minor">
+            <a:schemeClr val="lt1"/>
+          </a:fontRef>
+        </p:style>
+        <p:txBody>
+          <a:bodyPr anchor="ctr"/>
+          <a:lstStyle>
+            <a:extLst/>
+          </a:lstStyle>
+          <a:p>
+            <a:pPr algn="ctr" eaLnBrk="1" latinLnBrk="0" hangingPunct="1"/>
+            <a:endParaRPr kumimoji="0" lang="en-US"/>
+          </a:p>
+        </p:txBody>
+      </p:sp>
+      <p:sp>
+        <p:nvSpPr>
+          <p:cNvPr id="11" name="Donut 10"/>
+          <p:cNvSpPr/>
+          <p:nvPr/>
+        </p:nvSpPr>
+        <p:spPr>
+          <a:xfrm rot="2315675">
+            <a:off x="182881" y="1055077"/>
+            <a:ext cx="1125717" cy="1102624"/>
+          </a:xfrm>
+          <a:prstGeom prst="donut">
+            <a:avLst>
+              <a:gd name="adj" fmla="val 11833"/>
+            </a:avLst>
+          </a:prstGeom>
+          <a:gradFill rotWithShape="1">
+            <a:gsLst>
+              <a:gs pos="0">
+                <a:schemeClr val="bg2">
+                  <a:tint val="10000"/>
+                  <a:shade val="99000"/>
+                  <a:satMod val="355000"/>
+                  <a:alpha val="70000"/>
+                </a:schemeClr>
+              </a:gs>
+              <a:gs pos="70000">
+                <a:schemeClr val="bg2">
+                  <a:tint val="6000"/>
+                  <a:shade val="100000"/>
+                  <a:satMod val="400000"/>
+                  <a:alpha val="55000"/>
+                </a:schemeClr>
+              </a:gs>
+              <a:gs pos="100000">
+                <a:schemeClr val="bg2">
+                  <a:tint val="100000"/>
+                  <a:shade val="75000"/>
+                  <a:satMod val="370000"/>
+                  <a:alpha val="60000"/>
+                </a:schemeClr>
+              </a:gs>
+            </a:gsLst>
+            <a:path path="circle">
+              <a:fillToRect l="-407500" t="-50000" r="507500" b="150000"/>
+            </a:path>
+          </a:gradFill>
+          <a:ln w="7350" cap="rnd" cmpd="sng" algn="ctr">
+            <a:solidFill>
+              <a:schemeClr val="bg2">
+                <a:shade val="60000"/>
+                <a:satMod val="220000"/>
+                <a:alpha val="100000"/>
+              </a:schemeClr>
+            </a:solidFill>
+            <a:prstDash val="solid"/>
+          </a:ln>
+          <a:effectLst>
+            <a:outerShdw blurRad="12700" dist="15000" dir="4500000" algn="tl" rotWithShape="0">
+              <a:schemeClr val="bg2">
+                <a:shade val="10000"/>
+                <a:satMod val="200000"/>
+                <a:alpha val="35000"/>
+              </a:schemeClr>
+            </a:outerShdw>
+          </a:effectLst>
+        </p:spPr>
+        <p:style>
+          <a:lnRef idx="3">
+            <a:schemeClr val="lt1"/>
+          </a:lnRef>
+          <a:fillRef idx="1">
+            <a:schemeClr val="accent1"/>
+          </a:fillRef>
+          <a:effectRef idx="1">
+            <a:schemeClr val="accent1"/>
+          </a:effectRef>
+          <a:fontRef idx="minor">
+            <a:schemeClr val="lt1"/>
+          </a:fontRef>
+        </p:style>
+        <p:txBody>
+          <a:bodyPr anchor="ctr"/>
+          <a:lstStyle>
+            <a:extLst/>
+          </a:lstStyle>
+          <a:p>
+            <a:pPr algn="ctr" eaLnBrk="1" latinLnBrk="0" hangingPunct="1"/>
+            <a:endParaRPr kumimoji="0" lang="en-US"/>
+          </a:p>
+        </p:txBody>
+      </p:sp>
+      <p:sp>
+        <p:nvSpPr>
+          <p:cNvPr id="12" name="Rectangle 11"/>
+          <p:cNvSpPr/>
+          <p:nvPr/>
+        </p:nvSpPr>
+        <p:spPr>
+          <a:xfrm>
+            <a:off x="1012873" y="-54"/>
+            <a:ext cx="8131127" cy="6858054"/>
+          </a:xfrm>
+          <a:prstGeom prst="rect">
+            <a:avLst/>
+          </a:prstGeom>
+          <a:solidFill>
+            <a:schemeClr val="bg1"/>
+          </a:solidFill>
+          <a:ln w="25400" cap="rnd" cmpd="sng" algn="ctr">
+            <a:noFill/>
+            <a:prstDash val="solid"/>
+          </a:ln>
+          <a:effectLst/>
+        </p:spPr>
+        <p:style>
+          <a:lnRef idx="3">
+            <a:schemeClr val="lt1"/>
+          </a:lnRef>
+          <a:fillRef idx="1">
+            <a:schemeClr val="accent1"/>
+          </a:fillRef>
+          <a:effectRef idx="1">
+            <a:schemeClr val="accent1"/>
+          </a:effectRef>
+          <a:fontRef idx="minor">
+            <a:schemeClr val="lt1"/>
+          </a:fontRef>
+        </p:style>
+        <p:txBody>
+          <a:bodyPr anchor="ctr"/>
+          <a:lstStyle>
+            <a:extLst/>
+          </a:lstStyle>
+          <a:p>
+            <a:pPr algn="ctr" eaLnBrk="1" latinLnBrk="0" hangingPunct="1"/>
+            <a:endParaRPr kumimoji="0" lang="en-US"/>
+          </a:p>
+        </p:txBody>
+      </p:sp>
+      <p:sp>
+        <p:nvSpPr>
+          <p:cNvPr id="5" name="Title Placeholder 4"/>
+          <p:cNvSpPr>
+            <a:spLocks noGrp="1"/>
+          </p:cNvSpPr>
+          <p:nvPr>
+            <p:ph type="title"/>
+          </p:nvPr>
+        </p:nvSpPr>
+        <p:spPr>
+          <a:xfrm>
+            <a:off x="1435608" y="274638"/>
+            <a:ext cx="7498080" cy="1143000"/>
           </a:xfrm>
           <a:prstGeom prst="rect">
             <a:avLst/>
           </a:prstGeom>
         </p:spPr>
         <p:txBody>
-          <a:bodyPr vert="horz" lIns="91440" tIns="45720" rIns="91440" bIns="45720" rtlCol="0" anchor="ctr">
+          <a:bodyPr anchor="ctr">
             <a:normAutofit/>
           </a:bodyPr>
-          <a:lstStyle/>
-          <a:p>
-            <a:r>
-              <a:rPr lang="en-US" smtClean="0"/>
+          <a:lstStyle>
+            <a:extLst/>
+          </a:lstStyle>
+          <a:p>
+            <a:r>
+              <a:rPr kumimoji="0" lang="en-US" smtClean="0"/>
               <a:t>Click to edit Master title style</a:t>
             </a:r>
-            <a:endParaRPr lang="en-US"/>
-          </a:p>
-        </p:txBody>
-      </p:sp>
-      <p:sp>
-        <p:nvSpPr>
-          <p:cNvPr id="3" name="Text Placeholder 2"/>
+            <a:endParaRPr kumimoji="0" lang="en-US"/>
+          </a:p>
+        </p:txBody>
+      </p:sp>
+      <p:sp>
+        <p:nvSpPr>
+          <p:cNvPr id="9" name="Text Placeholder 8"/>
           <p:cNvSpPr>
             <a:spLocks noGrp="1"/>
           </p:cNvSpPr>
@@ -5344,59 +6266,61 @@
         </p:nvSpPr>
         <p:spPr>
           <a:xfrm>
-            <a:off x="457200" y="1600200"/>
-            <a:ext cx="8229600" cy="4525963"/>
+            <a:off x="1435608" y="1447800"/>
+            <a:ext cx="7498080" cy="4800600"/>
           </a:xfrm>
           <a:prstGeom prst="rect">
             <a:avLst/>
           </a:prstGeom>
         </p:spPr>
         <p:txBody>
-          <a:bodyPr vert="horz" lIns="91440" tIns="45720" rIns="91440" bIns="45720" rtlCol="0">
+          <a:bodyPr>
             <a:normAutofit/>
           </a:bodyPr>
-          <a:lstStyle/>
-          <a:p>
-            <a:pPr lvl="0"/>
-            <a:r>
-              <a:rPr lang="en-US" smtClean="0"/>
+          <a:lstStyle>
+            <a:extLst/>
+          </a:lstStyle>
+          <a:p>
+            <a:pPr lvl="0" eaLnBrk="1" latinLnBrk="0" hangingPunct="1"/>
+            <a:r>
+              <a:rPr kumimoji="0" lang="en-US" smtClean="0"/>
               <a:t>Click to edit Master text styles</a:t>
             </a:r>
           </a:p>
           <a:p>
-            <a:pPr lvl="1"/>
-            <a:r>
-              <a:rPr lang="en-US" smtClean="0"/>
+            <a:pPr lvl="1" eaLnBrk="1" latinLnBrk="0" hangingPunct="1"/>
+            <a:r>
+              <a:rPr kumimoji="0" lang="en-US" smtClean="0"/>
               <a:t>Second level</a:t>
             </a:r>
           </a:p>
           <a:p>
-            <a:pPr lvl="2"/>
-            <a:r>
-              <a:rPr lang="en-US" smtClean="0"/>
+            <a:pPr lvl="2" eaLnBrk="1" latinLnBrk="0" hangingPunct="1"/>
+            <a:r>
+              <a:rPr kumimoji="0" lang="en-US" smtClean="0"/>
               <a:t>Third level</a:t>
             </a:r>
           </a:p>
           <a:p>
-            <a:pPr lvl="3"/>
-            <a:r>
-              <a:rPr lang="en-US" smtClean="0"/>
+            <a:pPr lvl="3" eaLnBrk="1" latinLnBrk="0" hangingPunct="1"/>
+            <a:r>
+              <a:rPr kumimoji="0" lang="en-US" smtClean="0"/>
               <a:t>Fourth level</a:t>
             </a:r>
           </a:p>
           <a:p>
-            <a:pPr lvl="4"/>
-            <a:r>
-              <a:rPr lang="en-US" smtClean="0"/>
+            <a:pPr lvl="4" eaLnBrk="1" latinLnBrk="0" hangingPunct="1"/>
+            <a:r>
+              <a:rPr kumimoji="0" lang="en-US" smtClean="0"/>
               <a:t>Fifth level</a:t>
             </a:r>
-            <a:endParaRPr lang="en-US"/>
-          </a:p>
-        </p:txBody>
-      </p:sp>
-      <p:sp>
-        <p:nvSpPr>
-          <p:cNvPr id="4" name="Date Placeholder 3"/>
+            <a:endParaRPr kumimoji="0" lang="en-US"/>
+          </a:p>
+        </p:txBody>
+      </p:sp>
+      <p:sp>
+        <p:nvSpPr>
+          <p:cNvPr id="24" name="Date Placeholder 23"/>
           <p:cNvSpPr>
             <a:spLocks noGrp="1"/>
           </p:cNvSpPr>
@@ -5406,25 +6330,27 @@
         </p:nvSpPr>
         <p:spPr>
           <a:xfrm>
-            <a:off x="457200" y="6356350"/>
-            <a:ext cx="2133600" cy="365125"/>
+            <a:off x="3581400" y="6305550"/>
+            <a:ext cx="2133600" cy="476250"/>
           </a:xfrm>
           <a:prstGeom prst="rect">
             <a:avLst/>
           </a:prstGeom>
         </p:spPr>
         <p:txBody>
-          <a:bodyPr vert="horz" lIns="91440" tIns="45720" rIns="91440" bIns="45720" rtlCol="0" anchor="ctr"/>
+          <a:bodyPr anchor="b"/>
           <a:lstStyle>
-            <a:lvl1pPr algn="l">
-              <a:defRPr sz="1200">
+            <a:lvl1pPr algn="r" eaLnBrk="1" latinLnBrk="0" hangingPunct="1">
+              <a:defRPr kumimoji="0" sz="1200">
                 <a:solidFill>
-                  <a:schemeClr val="tx1">
-                    <a:tint val="75000"/>
+                  <a:schemeClr val="bg2">
+                    <a:shade val="50000"/>
+                    <a:satMod val="200000"/>
                   </a:schemeClr>
                 </a:solidFill>
               </a:defRPr>
             </a:lvl1pPr>
+            <a:extLst/>
           </a:lstStyle>
           <a:p>
             <a:fld id="{E94DEBB3-5177-3749-A3DA-6F59D78A5101}" type="datetimeFigureOut">
@@ -5437,7 +6363,7 @@
       </p:sp>
       <p:sp>
         <p:nvSpPr>
-          <p:cNvPr id="5" name="Footer Placeholder 4"/>
+          <p:cNvPr id="10" name="Footer Placeholder 9"/>
           <p:cNvSpPr>
             <a:spLocks noGrp="1"/>
           </p:cNvSpPr>
@@ -5447,25 +6373,28 @@
         </p:nvSpPr>
         <p:spPr>
           <a:xfrm>
-            <a:off x="3124200" y="6356350"/>
-            <a:ext cx="2895600" cy="365125"/>
+            <a:off x="5715000" y="6305550"/>
+            <a:ext cx="2895600" cy="476250"/>
           </a:xfrm>
           <a:prstGeom prst="rect">
             <a:avLst/>
           </a:prstGeom>
         </p:spPr>
         <p:txBody>
-          <a:bodyPr vert="horz" lIns="91440" tIns="45720" rIns="91440" bIns="45720" rtlCol="0" anchor="ctr"/>
+          <a:bodyPr anchor="b"/>
           <a:lstStyle>
-            <a:lvl1pPr algn="ctr">
-              <a:defRPr sz="1200">
+            <a:lvl1pPr eaLnBrk="1" latinLnBrk="0" hangingPunct="1">
+              <a:defRPr kumimoji="0" sz="1200">
                 <a:solidFill>
-                  <a:schemeClr val="tx1">
-                    <a:tint val="75000"/>
+                  <a:schemeClr val="bg2">
+                    <a:shade val="50000"/>
+                    <a:satMod val="200000"/>
                   </a:schemeClr>
                 </a:solidFill>
+                <a:effectLst/>
               </a:defRPr>
             </a:lvl1pPr>
+            <a:extLst/>
           </a:lstStyle>
           <a:p>
             <a:endParaRPr lang="en-US"/>
@@ -5474,7 +6403,7 @@
       </p:sp>
       <p:sp>
         <p:nvSpPr>
-          <p:cNvPr id="6" name="Slide Number Placeholder 5"/>
+          <p:cNvPr id="22" name="Slide Number Placeholder 21"/>
           <p:cNvSpPr>
             <a:spLocks noGrp="1"/>
           </p:cNvSpPr>
@@ -5484,25 +6413,28 @@
         </p:nvSpPr>
         <p:spPr>
           <a:xfrm>
-            <a:off x="6553200" y="6356350"/>
-            <a:ext cx="2133600" cy="365125"/>
+            <a:off x="8613648" y="6305550"/>
+            <a:ext cx="457200" cy="476250"/>
           </a:xfrm>
           <a:prstGeom prst="rect">
             <a:avLst/>
           </a:prstGeom>
         </p:spPr>
         <p:txBody>
-          <a:bodyPr vert="horz" lIns="91440" tIns="45720" rIns="91440" bIns="45720" rtlCol="0" anchor="ctr"/>
+          <a:bodyPr anchor="b"/>
           <a:lstStyle>
-            <a:lvl1pPr algn="r">
-              <a:defRPr sz="1200">
+            <a:lvl1pPr algn="ctr" eaLnBrk="1" latinLnBrk="0" hangingPunct="1">
+              <a:defRPr kumimoji="0" sz="1200">
                 <a:solidFill>
-                  <a:schemeClr val="tx1">
-                    <a:tint val="75000"/>
+                  <a:schemeClr val="bg2">
+                    <a:shade val="50000"/>
+                    <a:satMod val="200000"/>
                   </a:schemeClr>
                 </a:solidFill>
+                <a:effectLst/>
               </a:defRPr>
             </a:lvl1pPr>
+            <a:extLst/>
           </a:lstStyle>
           <a:p>
             <a:fld id="{4432F49D-3860-2F4F-96B0-32A0BF13B7F0}" type="slidenum">
@@ -5513,52 +6445,120 @@
           </a:p>
         </p:txBody>
       </p:sp>
+      <p:sp>
+        <p:nvSpPr>
+          <p:cNvPr id="15" name="Rectangle 14"/>
+          <p:cNvSpPr/>
+          <p:nvPr/>
+        </p:nvSpPr>
+        <p:spPr bwMode="invGray">
+          <a:xfrm>
+            <a:off x="1014984" y="-54"/>
+            <a:ext cx="73152" cy="6858054"/>
+          </a:xfrm>
+          <a:prstGeom prst="rect">
+            <a:avLst/>
+          </a:prstGeom>
+          <a:solidFill>
+            <a:schemeClr val="bg1"/>
+          </a:solidFill>
+          <a:ln w="25400" cap="rnd" cmpd="sng" algn="ctr">
+            <a:noFill/>
+            <a:prstDash val="solid"/>
+          </a:ln>
+          <a:effectLst>
+            <a:outerShdw blurRad="38550" dist="38000" dir="10800000" algn="tl" rotWithShape="0">
+              <a:schemeClr val="bg2">
+                <a:shade val="20000"/>
+                <a:satMod val="110000"/>
+                <a:alpha val="25000"/>
+              </a:schemeClr>
+            </a:outerShdw>
+          </a:effectLst>
+        </p:spPr>
+        <p:style>
+          <a:lnRef idx="3">
+            <a:schemeClr val="lt1"/>
+          </a:lnRef>
+          <a:fillRef idx="1">
+            <a:schemeClr val="accent1"/>
+          </a:fillRef>
+          <a:effectRef idx="1">
+            <a:schemeClr val="accent1"/>
+          </a:effectRef>
+          <a:fontRef idx="minor">
+            <a:schemeClr val="lt1"/>
+          </a:fontRef>
+        </p:style>
+        <p:txBody>
+          <a:bodyPr anchor="ctr"/>
+          <a:lstStyle>
+            <a:extLst/>
+          </a:lstStyle>
+          <a:p>
+            <a:pPr algn="ctr" eaLnBrk="1" latinLnBrk="0" hangingPunct="1"/>
+            <a:endParaRPr kumimoji="0" lang="en-US"/>
+          </a:p>
+        </p:txBody>
+      </p:sp>
     </p:spTree>
-    <p:extLst>
-      <p:ext uri="{BB962C8B-B14F-4D97-AF65-F5344CB8AC3E}">
-        <p14:creationId xmlns:p14="http://schemas.microsoft.com/office/powerpoint/2010/main" val="120538212"/>
-      </p:ext>
-    </p:extLst>
   </p:cSld>
   <p:clrMap bg1="lt1" tx1="dk1" bg2="lt2" tx2="dk2" accent1="accent1" accent2="accent2" accent3="accent3" accent4="accent4" accent5="accent5" accent6="accent6" hlink="hlink" folHlink="folHlink"/>
   <p:sldLayoutIdLst>
-    <p:sldLayoutId id="2147483649" r:id="rId1"/>
-    <p:sldLayoutId id="2147483650" r:id="rId2"/>
-    <p:sldLayoutId id="2147483651" r:id="rId3"/>
-    <p:sldLayoutId id="2147483652" r:id="rId4"/>
-    <p:sldLayoutId id="2147483653" r:id="rId5"/>
-    <p:sldLayoutId id="2147483654" r:id="rId6"/>
-    <p:sldLayoutId id="2147483655" r:id="rId7"/>
-    <p:sldLayoutId id="2147483656" r:id="rId8"/>
-    <p:sldLayoutId id="2147483657" r:id="rId9"/>
-    <p:sldLayoutId id="2147483658" r:id="rId10"/>
-    <p:sldLayoutId id="2147483659" r:id="rId11"/>
+    <p:sldLayoutId id="2147483661" r:id="rId1"/>
+    <p:sldLayoutId id="2147483662" r:id="rId2"/>
+    <p:sldLayoutId id="2147483663" r:id="rId3"/>
+    <p:sldLayoutId id="2147483664" r:id="rId4"/>
+    <p:sldLayoutId id="2147483665" r:id="rId5"/>
+    <p:sldLayoutId id="2147483666" r:id="rId6"/>
+    <p:sldLayoutId id="2147483667" r:id="rId7"/>
+    <p:sldLayoutId id="2147483668" r:id="rId8"/>
+    <p:sldLayoutId id="2147483669" r:id="rId9"/>
+    <p:sldLayoutId id="2147483670" r:id="rId10"/>
+    <p:sldLayoutId id="2147483671" r:id="rId11"/>
   </p:sldLayoutIdLst>
   <p:txStyles>
     <p:titleStyle>
-      <a:lvl1pPr algn="ctr" defTabSz="457200" rtl="0" eaLnBrk="1" latinLnBrk="0" hangingPunct="1">
+      <a:lvl1pPr algn="l" rtl="0" eaLnBrk="1" latinLnBrk="0" hangingPunct="1">
         <a:spcBef>
           <a:spcPct val="0"/>
         </a:spcBef>
         <a:buNone/>
-        <a:defRPr sz="4400" kern="1200">
+        <a:defRPr kumimoji="0" sz="4300" kern="1200">
           <a:solidFill>
-            <a:schemeClr val="tx1"/>
+            <a:schemeClr val="tx2">
+              <a:satMod val="130000"/>
+            </a:schemeClr>
           </a:solidFill>
+          <a:effectLst>
+            <a:outerShdw blurRad="50000" dist="30000" dir="5400000" algn="tl" rotWithShape="0">
+              <a:srgbClr val="000000">
+                <a:alpha val="30000"/>
+              </a:srgbClr>
+            </a:outerShdw>
+          </a:effectLst>
           <a:latin typeface="+mj-lt"/>
           <a:ea typeface="+mj-ea"/>
           <a:cs typeface="+mj-cs"/>
         </a:defRPr>
       </a:lvl1pPr>
+      <a:extLst/>
     </p:titleStyle>
     <p:bodyStyle>
-      <a:lvl1pPr marL="342900" indent="-342900" algn="l" defTabSz="457200" rtl="0" eaLnBrk="1" latinLnBrk="0" hangingPunct="1">
+      <a:lvl1pPr marL="365760" indent="-283464" algn="l" rtl="0" eaLnBrk="1" latinLnBrk="0" hangingPunct="1">
+        <a:lnSpc>
+          <a:spcPct val="100000"/>
+        </a:lnSpc>
         <a:spcBef>
-          <a:spcPct val="20000"/>
+          <a:spcPts val="600"/>
         </a:spcBef>
-        <a:buFont typeface="Arial"/>
-        <a:buChar char="•"/>
-        <a:defRPr sz="3200" kern="1200">
+        <a:buClr>
+          <a:schemeClr val="accent1"/>
+        </a:buClr>
+        <a:buSzPct val="80000"/>
+        <a:buFont typeface="Wingdings 2"/>
+        <a:buChar char=""/>
+        <a:defRPr kumimoji="0" sz="3200" kern="1200">
           <a:solidFill>
             <a:schemeClr val="tx1"/>
           </a:solidFill>
@@ -5567,13 +6567,19 @@
           <a:cs typeface="+mn-cs"/>
         </a:defRPr>
       </a:lvl1pPr>
-      <a:lvl2pPr marL="742950" indent="-285750" algn="l" defTabSz="457200" rtl="0" eaLnBrk="1" latinLnBrk="0" hangingPunct="1">
+      <a:lvl2pPr marL="640080" indent="-237744" algn="l" rtl="0" eaLnBrk="1" latinLnBrk="0" hangingPunct="1">
+        <a:lnSpc>
+          <a:spcPct val="100000"/>
+        </a:lnSpc>
         <a:spcBef>
-          <a:spcPct val="20000"/>
+          <a:spcPts val="550"/>
         </a:spcBef>
-        <a:buFont typeface="Arial"/>
-        <a:buChar char="–"/>
-        <a:defRPr sz="2800" kern="1200">
+        <a:buClr>
+          <a:schemeClr val="accent1"/>
+        </a:buClr>
+        <a:buFont typeface="Verdana"/>
+        <a:buChar char="◦"/>
+        <a:defRPr kumimoji="0" sz="2800" kern="1200">
           <a:solidFill>
             <a:schemeClr val="tx1"/>
           </a:solidFill>
@@ -5582,13 +6588,19 @@
           <a:cs typeface="+mn-cs"/>
         </a:defRPr>
       </a:lvl2pPr>
-      <a:lvl3pPr marL="1143000" indent="-228600" algn="l" defTabSz="457200" rtl="0" eaLnBrk="1" latinLnBrk="0" hangingPunct="1">
+      <a:lvl3pPr marL="886968" indent="-228600" algn="l" rtl="0" eaLnBrk="1" latinLnBrk="0" hangingPunct="1">
+        <a:lnSpc>
+          <a:spcPct val="100000"/>
+        </a:lnSpc>
         <a:spcBef>
           <a:spcPct val="20000"/>
         </a:spcBef>
-        <a:buFont typeface="Arial"/>
-        <a:buChar char="•"/>
-        <a:defRPr sz="2400" kern="1200">
+        <a:buClr>
+          <a:schemeClr val="accent2"/>
+        </a:buClr>
+        <a:buFont typeface="Wingdings 2"/>
+        <a:buChar char=""/>
+        <a:defRPr kumimoji="0" sz="2400" kern="1200">
           <a:solidFill>
             <a:schemeClr val="tx1"/>
           </a:solidFill>
@@ -5597,13 +6609,19 @@
           <a:cs typeface="+mn-cs"/>
         </a:defRPr>
       </a:lvl3pPr>
-      <a:lvl4pPr marL="1600200" indent="-228600" algn="l" defTabSz="457200" rtl="0" eaLnBrk="1" latinLnBrk="0" hangingPunct="1">
+      <a:lvl4pPr marL="1097280" indent="-173736" algn="l" rtl="0" eaLnBrk="1" latinLnBrk="0" hangingPunct="1">
+        <a:lnSpc>
+          <a:spcPct val="100000"/>
+        </a:lnSpc>
         <a:spcBef>
           <a:spcPct val="20000"/>
         </a:spcBef>
-        <a:buFont typeface="Arial"/>
-        <a:buChar char="–"/>
-        <a:defRPr sz="2000" kern="1200">
+        <a:buClr>
+          <a:schemeClr val="accent3"/>
+        </a:buClr>
+        <a:buFont typeface="Wingdings 2"/>
+        <a:buChar char=""/>
+        <a:defRPr kumimoji="0" sz="2000" kern="1200">
           <a:solidFill>
             <a:schemeClr val="tx1"/>
           </a:solidFill>
@@ -5612,13 +6630,19 @@
           <a:cs typeface="+mn-cs"/>
         </a:defRPr>
       </a:lvl4pPr>
-      <a:lvl5pPr marL="2057400" indent="-228600" algn="l" defTabSz="457200" rtl="0" eaLnBrk="1" latinLnBrk="0" hangingPunct="1">
+      <a:lvl5pPr marL="1298448" indent="-182880" algn="l" rtl="0" eaLnBrk="1" latinLnBrk="0" hangingPunct="1">
+        <a:lnSpc>
+          <a:spcPct val="100000"/>
+        </a:lnSpc>
         <a:spcBef>
           <a:spcPct val="20000"/>
         </a:spcBef>
-        <a:buFont typeface="Arial"/>
-        <a:buChar char="»"/>
-        <a:defRPr sz="2000" kern="1200">
+        <a:buClr>
+          <a:schemeClr val="accent4"/>
+        </a:buClr>
+        <a:buFont typeface="Wingdings 2"/>
+        <a:buChar char=""/>
+        <a:defRPr kumimoji="0" sz="2000" kern="1200">
           <a:solidFill>
             <a:schemeClr val="tx1"/>
           </a:solidFill>
@@ -5627,13 +6651,19 @@
           <a:cs typeface="+mn-cs"/>
         </a:defRPr>
       </a:lvl5pPr>
-      <a:lvl6pPr marL="2514600" indent="-228600" algn="l" defTabSz="457200" rtl="0" eaLnBrk="1" latinLnBrk="0" hangingPunct="1">
+      <a:lvl6pPr marL="1508760" indent="-182880" algn="l" rtl="0" eaLnBrk="1" latinLnBrk="0" hangingPunct="1">
+        <a:lnSpc>
+          <a:spcPct val="100000"/>
+        </a:lnSpc>
         <a:spcBef>
           <a:spcPct val="20000"/>
         </a:spcBef>
-        <a:buFont typeface="Arial"/>
-        <a:buChar char="•"/>
-        <a:defRPr sz="2000" kern="1200">
+        <a:buClr>
+          <a:schemeClr val="accent5"/>
+        </a:buClr>
+        <a:buFont typeface="Wingdings 2"/>
+        <a:buChar char=""/>
+        <a:defRPr kumimoji="0" sz="2000" kern="1200">
           <a:solidFill>
             <a:schemeClr val="tx1"/>
           </a:solidFill>
@@ -5642,13 +6672,19 @@
           <a:cs typeface="+mn-cs"/>
         </a:defRPr>
       </a:lvl6pPr>
-      <a:lvl7pPr marL="2971800" indent="-228600" algn="l" defTabSz="457200" rtl="0" eaLnBrk="1" latinLnBrk="0" hangingPunct="1">
+      <a:lvl7pPr marL="1719072" indent="-182880" algn="l" rtl="0" eaLnBrk="1" latinLnBrk="0" hangingPunct="1">
+        <a:lnSpc>
+          <a:spcPct val="100000"/>
+        </a:lnSpc>
         <a:spcBef>
           <a:spcPct val="20000"/>
         </a:spcBef>
-        <a:buFont typeface="Arial"/>
-        <a:buChar char="•"/>
-        <a:defRPr sz="2000" kern="1200">
+        <a:buClr>
+          <a:schemeClr val="accent6"/>
+        </a:buClr>
+        <a:buFont typeface="Wingdings 2"/>
+        <a:buChar char=""/>
+        <a:defRPr kumimoji="0" sz="2000" kern="1200">
           <a:solidFill>
             <a:schemeClr val="tx1"/>
           </a:solidFill>
@@ -5657,13 +6693,19 @@
           <a:cs typeface="+mn-cs"/>
         </a:defRPr>
       </a:lvl7pPr>
-      <a:lvl8pPr marL="3429000" indent="-228600" algn="l" defTabSz="457200" rtl="0" eaLnBrk="1" latinLnBrk="0" hangingPunct="1">
+      <a:lvl8pPr marL="1920240" indent="-182880" algn="l" rtl="0" eaLnBrk="1" latinLnBrk="0" hangingPunct="1">
+        <a:lnSpc>
+          <a:spcPct val="100000"/>
+        </a:lnSpc>
         <a:spcBef>
           <a:spcPct val="20000"/>
         </a:spcBef>
-        <a:buFont typeface="Arial"/>
-        <a:buChar char="•"/>
-        <a:defRPr sz="2000" kern="1200">
+        <a:buClr>
+          <a:schemeClr val="accent6"/>
+        </a:buClr>
+        <a:buFont typeface="Wingdings 2"/>
+        <a:buChar char=""/>
+        <a:defRPr kumimoji="0" sz="2000" kern="1200">
           <a:solidFill>
             <a:schemeClr val="tx1"/>
           </a:solidFill>
@@ -5672,13 +6714,19 @@
           <a:cs typeface="+mn-cs"/>
         </a:defRPr>
       </a:lvl8pPr>
-      <a:lvl9pPr marL="3886200" indent="-228600" algn="l" defTabSz="457200" rtl="0" eaLnBrk="1" latinLnBrk="0" hangingPunct="1">
+      <a:lvl9pPr marL="2130552" indent="-182880" algn="l" rtl="0" eaLnBrk="1" latinLnBrk="0" hangingPunct="1">
+        <a:lnSpc>
+          <a:spcPct val="100000"/>
+        </a:lnSpc>
         <a:spcBef>
           <a:spcPct val="20000"/>
         </a:spcBef>
-        <a:buFont typeface="Arial"/>
-        <a:buChar char="•"/>
-        <a:defRPr sz="2000" kern="1200">
+        <a:buClr>
+          <a:schemeClr val="accent6"/>
+        </a:buClr>
+        <a:buFont typeface="Wingdings 2"/>
+        <a:buChar char=""/>
+        <a:defRPr kumimoji="0" sz="2000" kern="1200">
           <a:solidFill>
             <a:schemeClr val="tx1"/>
           </a:solidFill>
@@ -5687,13 +6735,11 @@
           <a:cs typeface="+mn-cs"/>
         </a:defRPr>
       </a:lvl9pPr>
+      <a:extLst/>
     </p:bodyStyle>
     <p:otherStyle>
-      <a:defPPr>
-        <a:defRPr lang="en-US"/>
-      </a:defPPr>
-      <a:lvl1pPr marL="0" algn="l" defTabSz="457200" rtl="0" eaLnBrk="1" latinLnBrk="0" hangingPunct="1">
-        <a:defRPr sz="1800" kern="1200">
+      <a:lvl1pPr marL="0" algn="l" rtl="0" eaLnBrk="1" latinLnBrk="0" hangingPunct="1">
+        <a:defRPr kumimoji="0" kern="1200">
           <a:solidFill>
             <a:schemeClr val="tx1"/>
           </a:solidFill>
@@ -5702,8 +6748,8 @@
           <a:cs typeface="+mn-cs"/>
         </a:defRPr>
       </a:lvl1pPr>
-      <a:lvl2pPr marL="457200" algn="l" defTabSz="457200" rtl="0" eaLnBrk="1" latinLnBrk="0" hangingPunct="1">
-        <a:defRPr sz="1800" kern="1200">
+      <a:lvl2pPr marL="457200" algn="l" rtl="0" eaLnBrk="1" latinLnBrk="0" hangingPunct="1">
+        <a:defRPr kumimoji="0" kern="1200">
           <a:solidFill>
             <a:schemeClr val="tx1"/>
           </a:solidFill>
@@ -5712,8 +6758,8 @@
           <a:cs typeface="+mn-cs"/>
         </a:defRPr>
       </a:lvl2pPr>
-      <a:lvl3pPr marL="914400" algn="l" defTabSz="457200" rtl="0" eaLnBrk="1" latinLnBrk="0" hangingPunct="1">
-        <a:defRPr sz="1800" kern="1200">
+      <a:lvl3pPr marL="914400" algn="l" rtl="0" eaLnBrk="1" latinLnBrk="0" hangingPunct="1">
+        <a:defRPr kumimoji="0" kern="1200">
           <a:solidFill>
             <a:schemeClr val="tx1"/>
           </a:solidFill>
@@ -5722,8 +6768,8 @@
           <a:cs typeface="+mn-cs"/>
         </a:defRPr>
       </a:lvl3pPr>
-      <a:lvl4pPr marL="1371600" algn="l" defTabSz="457200" rtl="0" eaLnBrk="1" latinLnBrk="0" hangingPunct="1">
-        <a:defRPr sz="1800" kern="1200">
+      <a:lvl4pPr marL="1371600" algn="l" rtl="0" eaLnBrk="1" latinLnBrk="0" hangingPunct="1">
+        <a:defRPr kumimoji="0" kern="1200">
           <a:solidFill>
             <a:schemeClr val="tx1"/>
           </a:solidFill>
@@ -5732,8 +6778,8 @@
           <a:cs typeface="+mn-cs"/>
         </a:defRPr>
       </a:lvl4pPr>
-      <a:lvl5pPr marL="1828800" algn="l" defTabSz="457200" rtl="0" eaLnBrk="1" latinLnBrk="0" hangingPunct="1">
-        <a:defRPr sz="1800" kern="1200">
+      <a:lvl5pPr marL="1828800" algn="l" rtl="0" eaLnBrk="1" latinLnBrk="0" hangingPunct="1">
+        <a:defRPr kumimoji="0" kern="1200">
           <a:solidFill>
             <a:schemeClr val="tx1"/>
           </a:solidFill>
@@ -5742,8 +6788,8 @@
           <a:cs typeface="+mn-cs"/>
         </a:defRPr>
       </a:lvl5pPr>
-      <a:lvl6pPr marL="2286000" algn="l" defTabSz="457200" rtl="0" eaLnBrk="1" latinLnBrk="0" hangingPunct="1">
-        <a:defRPr sz="1800" kern="1200">
+      <a:lvl6pPr marL="2286000" algn="l" rtl="0" eaLnBrk="1" latinLnBrk="0" hangingPunct="1">
+        <a:defRPr kumimoji="0" kern="1200">
           <a:solidFill>
             <a:schemeClr val="tx1"/>
           </a:solidFill>
@@ -5752,8 +6798,8 @@
           <a:cs typeface="+mn-cs"/>
         </a:defRPr>
       </a:lvl6pPr>
-      <a:lvl7pPr marL="2743200" algn="l" defTabSz="457200" rtl="0" eaLnBrk="1" latinLnBrk="0" hangingPunct="1">
-        <a:defRPr sz="1800" kern="1200">
+      <a:lvl7pPr marL="2743200" algn="l" rtl="0" eaLnBrk="1" latinLnBrk="0" hangingPunct="1">
+        <a:defRPr kumimoji="0" kern="1200">
           <a:solidFill>
             <a:schemeClr val="tx1"/>
           </a:solidFill>
@@ -5762,8 +6808,8 @@
           <a:cs typeface="+mn-cs"/>
         </a:defRPr>
       </a:lvl7pPr>
-      <a:lvl8pPr marL="3200400" algn="l" defTabSz="457200" rtl="0" eaLnBrk="1" latinLnBrk="0" hangingPunct="1">
-        <a:defRPr sz="1800" kern="1200">
+      <a:lvl8pPr marL="3200400" algn="l" rtl="0" eaLnBrk="1" latinLnBrk="0" hangingPunct="1">
+        <a:defRPr kumimoji="0" kern="1200">
           <a:solidFill>
             <a:schemeClr val="tx1"/>
           </a:solidFill>
@@ -5772,8 +6818,8 @@
           <a:cs typeface="+mn-cs"/>
         </a:defRPr>
       </a:lvl8pPr>
-      <a:lvl9pPr marL="3657600" algn="l" defTabSz="457200" rtl="0" eaLnBrk="1" latinLnBrk="0" hangingPunct="1">
-        <a:defRPr sz="1800" kern="1200">
+      <a:lvl9pPr marL="3657600" algn="l" rtl="0" eaLnBrk="1" latinLnBrk="0" hangingPunct="1">
+        <a:defRPr kumimoji="0" kern="1200">
           <a:solidFill>
             <a:schemeClr val="tx1"/>
           </a:solidFill>
@@ -5782,6 +6828,7 @@
           <a:cs typeface="+mn-cs"/>
         </a:defRPr>
       </a:lvl9pPr>
+      <a:extLst/>
     </p:otherStyle>
   </p:txStyles>
 </p:sldMaster>
@@ -6039,8 +7086,8 @@
           </p:nvPr>
         </p:nvGraphicFramePr>
         <p:xfrm>
-          <a:off x="457200" y="1600200"/>
-          <a:ext cx="8229600" cy="2595880"/>
+          <a:off x="1435100" y="1447800"/>
+          <a:ext cx="7499352" cy="2595880"/>
         </p:xfrm>
         <a:graphic>
           <a:graphicData uri="http://schemas.openxmlformats.org/drawingml/2006/table">
@@ -6049,10 +7096,10 @@
                 <a:tableStyleId>{5C22544A-7EE6-4342-B048-85BDC9FD1C3A}</a:tableStyleId>
               </a:tblPr>
               <a:tblGrid>
-                <a:gridCol w="2057400"/>
-                <a:gridCol w="2057400"/>
-                <a:gridCol w="2057400"/>
-                <a:gridCol w="2057400"/>
+                <a:gridCol w="1874838"/>
+                <a:gridCol w="1874838"/>
+                <a:gridCol w="1874838"/>
+                <a:gridCol w="1874838"/>
               </a:tblGrid>
               <a:tr h="370840">
                 <a:tc>
@@ -6067,7 +7114,7 @@
                       <a:endParaRPr lang="en-US" dirty="0"/>
                     </a:p>
                   </a:txBody>
-                  <a:tcPr/>
+                  <a:tcPr marL="83326" marR="83326"/>
                 </a:tc>
                 <a:tc>
                   <a:txBody>
@@ -6081,7 +7128,7 @@
                       <a:endParaRPr lang="en-US" dirty="0"/>
                     </a:p>
                   </a:txBody>
-                  <a:tcPr/>
+                  <a:tcPr marL="83326" marR="83326"/>
                 </a:tc>
                 <a:tc>
                   <a:txBody>
@@ -6095,7 +7142,7 @@
                       <a:endParaRPr lang="en-US" dirty="0"/>
                     </a:p>
                   </a:txBody>
-                  <a:tcPr/>
+                  <a:tcPr marL="83326" marR="83326"/>
                 </a:tc>
                 <a:tc>
                   <a:txBody>
@@ -6109,7 +7156,7 @@
                       <a:endParaRPr lang="en-US" dirty="0"/>
                     </a:p>
                   </a:txBody>
-                  <a:tcPr/>
+                  <a:tcPr marL="83326" marR="83326"/>
                 </a:tc>
               </a:tr>
               <a:tr h="370840">
@@ -6125,7 +7172,7 @@
                       <a:endParaRPr lang="en-US" dirty="0"/>
                     </a:p>
                   </a:txBody>
-                  <a:tcPr/>
+                  <a:tcPr marL="83326" marR="83326"/>
                 </a:tc>
                 <a:tc>
                   <a:txBody>
@@ -6139,7 +7186,7 @@
                       <a:endParaRPr lang="en-US" dirty="0"/>
                     </a:p>
                   </a:txBody>
-                  <a:tcPr/>
+                  <a:tcPr marL="83326" marR="83326"/>
                 </a:tc>
                 <a:tc>
                   <a:txBody>
@@ -6153,7 +7200,7 @@
                       <a:endParaRPr lang="en-US" dirty="0"/>
                     </a:p>
                   </a:txBody>
-                  <a:tcPr/>
+                  <a:tcPr marL="83326" marR="83326"/>
                 </a:tc>
                 <a:tc>
                   <a:txBody>
@@ -6167,7 +7214,7 @@
                       <a:endParaRPr lang="en-US" dirty="0"/>
                     </a:p>
                   </a:txBody>
-                  <a:tcPr/>
+                  <a:tcPr marL="83326" marR="83326"/>
                 </a:tc>
               </a:tr>
               <a:tr h="370840">
@@ -6183,7 +7230,7 @@
                       <a:endParaRPr lang="en-US" dirty="0"/>
                     </a:p>
                   </a:txBody>
-                  <a:tcPr/>
+                  <a:tcPr marL="83326" marR="83326"/>
                 </a:tc>
                 <a:tc>
                   <a:txBody>
@@ -6197,7 +7244,7 @@
                       <a:endParaRPr lang="en-US" dirty="0"/>
                     </a:p>
                   </a:txBody>
-                  <a:tcPr/>
+                  <a:tcPr marL="83326" marR="83326"/>
                 </a:tc>
                 <a:tc>
                   <a:txBody>
@@ -6211,7 +7258,7 @@
                       <a:endParaRPr lang="en-US" dirty="0"/>
                     </a:p>
                   </a:txBody>
-                  <a:tcPr/>
+                  <a:tcPr marL="83326" marR="83326"/>
                 </a:tc>
                 <a:tc>
                   <a:txBody>
@@ -6229,7 +7276,7 @@
                       <a:endParaRPr lang="en-US" dirty="0"/>
                     </a:p>
                   </a:txBody>
-                  <a:tcPr/>
+                  <a:tcPr marL="83326" marR="83326"/>
                 </a:tc>
               </a:tr>
               <a:tr h="370840">
@@ -6245,7 +7292,7 @@
                       <a:endParaRPr lang="en-US" dirty="0"/>
                     </a:p>
                   </a:txBody>
-                  <a:tcPr/>
+                  <a:tcPr marL="83326" marR="83326"/>
                 </a:tc>
                 <a:tc>
                   <a:txBody>
@@ -6259,7 +7306,7 @@
                       <a:endParaRPr lang="en-US" dirty="0"/>
                     </a:p>
                   </a:txBody>
-                  <a:tcPr/>
+                  <a:tcPr marL="83326" marR="83326"/>
                 </a:tc>
                 <a:tc>
                   <a:txBody>
@@ -6273,7 +7320,7 @@
                       <a:endParaRPr lang="en-US" dirty="0"/>
                     </a:p>
                   </a:txBody>
-                  <a:tcPr/>
+                  <a:tcPr marL="83326" marR="83326"/>
                 </a:tc>
                 <a:tc>
                   <a:txBody>
@@ -6286,7 +7333,7 @@
                       </a:r>
                     </a:p>
                   </a:txBody>
-                  <a:tcPr/>
+                  <a:tcPr marL="83326" marR="83326"/>
                 </a:tc>
               </a:tr>
               <a:tr h="370840">
@@ -6302,7 +7349,7 @@
                       <a:endParaRPr lang="en-US" dirty="0"/>
                     </a:p>
                   </a:txBody>
-                  <a:tcPr/>
+                  <a:tcPr marL="83326" marR="83326"/>
                 </a:tc>
                 <a:tc>
                   <a:txBody>
@@ -6316,7 +7363,7 @@
                       <a:endParaRPr lang="en-US" dirty="0"/>
                     </a:p>
                   </a:txBody>
-                  <a:tcPr/>
+                  <a:tcPr marL="83326" marR="83326"/>
                 </a:tc>
                 <a:tc>
                   <a:txBody>
@@ -6330,7 +7377,7 @@
                       <a:endParaRPr lang="en-US" dirty="0"/>
                     </a:p>
                   </a:txBody>
-                  <a:tcPr/>
+                  <a:tcPr marL="83326" marR="83326"/>
                 </a:tc>
                 <a:tc>
                   <a:txBody>
@@ -6344,7 +7391,7 @@
                       <a:endParaRPr lang="en-US" dirty="0"/>
                     </a:p>
                   </a:txBody>
-                  <a:tcPr/>
+                  <a:tcPr marL="83326" marR="83326"/>
                 </a:tc>
               </a:tr>
               <a:tr h="370840">
@@ -6360,7 +7407,7 @@
                       <a:endParaRPr lang="en-US" dirty="0"/>
                     </a:p>
                   </a:txBody>
-                  <a:tcPr/>
+                  <a:tcPr marL="83326" marR="83326"/>
                 </a:tc>
                 <a:tc>
                   <a:txBody>
@@ -6374,7 +7421,7 @@
                       <a:endParaRPr lang="en-US" dirty="0"/>
                     </a:p>
                   </a:txBody>
-                  <a:tcPr/>
+                  <a:tcPr marL="83326" marR="83326"/>
                 </a:tc>
                 <a:tc>
                   <a:txBody>
@@ -6388,7 +7435,7 @@
                       <a:endParaRPr lang="en-US" dirty="0"/>
                     </a:p>
                   </a:txBody>
-                  <a:tcPr/>
+                  <a:tcPr marL="83326" marR="83326"/>
                 </a:tc>
                 <a:tc>
                   <a:txBody>
@@ -6402,7 +7449,7 @@
                       <a:endParaRPr lang="en-US" dirty="0"/>
                     </a:p>
                   </a:txBody>
-                  <a:tcPr/>
+                  <a:tcPr marL="83326" marR="83326"/>
                 </a:tc>
               </a:tr>
               <a:tr h="370840">
@@ -6418,7 +7465,7 @@
                       <a:endParaRPr lang="en-US" dirty="0"/>
                     </a:p>
                   </a:txBody>
-                  <a:tcPr/>
+                  <a:tcPr marL="83326" marR="83326"/>
                 </a:tc>
                 <a:tc>
                   <a:txBody>
@@ -6432,7 +7479,7 @@
                       <a:endParaRPr lang="en-US" dirty="0"/>
                     </a:p>
                   </a:txBody>
-                  <a:tcPr/>
+                  <a:tcPr marL="83326" marR="83326"/>
                 </a:tc>
                 <a:tc>
                   <a:txBody>
@@ -6446,7 +7493,7 @@
                       <a:endParaRPr lang="en-US" dirty="0"/>
                     </a:p>
                   </a:txBody>
-                  <a:tcPr/>
+                  <a:tcPr marL="83326" marR="83326"/>
                 </a:tc>
                 <a:tc>
                   <a:txBody>
@@ -6460,7 +7507,7 @@
                       <a:endParaRPr lang="en-US" dirty="0"/>
                     </a:p>
                   </a:txBody>
-                  <a:tcPr/>
+                  <a:tcPr marL="83326" marR="83326"/>
                 </a:tc>
               </a:tr>
             </a:tbl>
@@ -6659,7 +7706,7 @@
               </a:ext>
             </a:extLst>
           </a:blip>
-          <a:srcRect t="-14366" b="-14366"/>
+          <a:srcRect t="-24932" b="-24932"/>
           <a:stretch>
             <a:fillRect/>
           </a:stretch>
@@ -6961,8 +8008,8 @@
           </p:nvPr>
         </p:nvGraphicFramePr>
         <p:xfrm>
-          <a:off x="457200" y="1600200"/>
-          <a:ext cx="8229600" cy="2595880"/>
+          <a:off x="1435100" y="1447800"/>
+          <a:ext cx="7499352" cy="2595880"/>
         </p:xfrm>
         <a:graphic>
           <a:graphicData uri="http://schemas.openxmlformats.org/drawingml/2006/table">
@@ -6971,10 +8018,10 @@
                 <a:tableStyleId>{5C22544A-7EE6-4342-B048-85BDC9FD1C3A}</a:tableStyleId>
               </a:tblPr>
               <a:tblGrid>
-                <a:gridCol w="2057400"/>
-                <a:gridCol w="2057400"/>
-                <a:gridCol w="2057400"/>
-                <a:gridCol w="2057400"/>
+                <a:gridCol w="1874838"/>
+                <a:gridCol w="1874838"/>
+                <a:gridCol w="1874838"/>
+                <a:gridCol w="1874838"/>
               </a:tblGrid>
               <a:tr h="370840">
                 <a:tc>
@@ -6989,7 +8036,7 @@
                       <a:endParaRPr lang="en-US" dirty="0"/>
                     </a:p>
                   </a:txBody>
-                  <a:tcPr/>
+                  <a:tcPr marL="83326" marR="83326"/>
                 </a:tc>
                 <a:tc>
                   <a:txBody>
@@ -7003,7 +8050,7 @@
                       <a:endParaRPr lang="en-US" dirty="0"/>
                     </a:p>
                   </a:txBody>
-                  <a:tcPr/>
+                  <a:tcPr marL="83326" marR="83326"/>
                 </a:tc>
                 <a:tc>
                   <a:txBody>
@@ -7017,7 +8064,7 @@
                       <a:endParaRPr lang="en-US" dirty="0"/>
                     </a:p>
                   </a:txBody>
-                  <a:tcPr/>
+                  <a:tcPr marL="83326" marR="83326"/>
                 </a:tc>
                 <a:tc>
                   <a:txBody>
@@ -7031,7 +8078,7 @@
                       <a:endParaRPr lang="en-US" dirty="0"/>
                     </a:p>
                   </a:txBody>
-                  <a:tcPr/>
+                  <a:tcPr marL="83326" marR="83326"/>
                 </a:tc>
               </a:tr>
               <a:tr h="370840">
@@ -7047,7 +8094,7 @@
                       <a:endParaRPr lang="en-US" dirty="0"/>
                     </a:p>
                   </a:txBody>
-                  <a:tcPr/>
+                  <a:tcPr marL="83326" marR="83326"/>
                 </a:tc>
                 <a:tc>
                   <a:txBody>
@@ -7061,7 +8108,7 @@
                       <a:endParaRPr lang="en-US" dirty="0"/>
                     </a:p>
                   </a:txBody>
-                  <a:tcPr/>
+                  <a:tcPr marL="83326" marR="83326"/>
                 </a:tc>
                 <a:tc>
                   <a:txBody>
@@ -7075,7 +8122,7 @@
                       <a:endParaRPr lang="en-US" dirty="0"/>
                     </a:p>
                   </a:txBody>
-                  <a:tcPr/>
+                  <a:tcPr marL="83326" marR="83326"/>
                 </a:tc>
                 <a:tc>
                   <a:txBody>
@@ -7089,7 +8136,7 @@
                       <a:endParaRPr lang="en-US" dirty="0"/>
                     </a:p>
                   </a:txBody>
-                  <a:tcPr/>
+                  <a:tcPr marL="83326" marR="83326"/>
                 </a:tc>
               </a:tr>
               <a:tr h="370840">
@@ -7105,7 +8152,7 @@
                       <a:endParaRPr lang="en-US" dirty="0"/>
                     </a:p>
                   </a:txBody>
-                  <a:tcPr/>
+                  <a:tcPr marL="83326" marR="83326"/>
                 </a:tc>
                 <a:tc>
                   <a:txBody>
@@ -7119,7 +8166,7 @@
                       <a:endParaRPr lang="en-US" dirty="0"/>
                     </a:p>
                   </a:txBody>
-                  <a:tcPr/>
+                  <a:tcPr marL="83326" marR="83326"/>
                 </a:tc>
                 <a:tc>
                   <a:txBody>
@@ -7133,7 +8180,7 @@
                       <a:endParaRPr lang="en-US" dirty="0"/>
                     </a:p>
                   </a:txBody>
-                  <a:tcPr/>
+                  <a:tcPr marL="83326" marR="83326"/>
                 </a:tc>
                 <a:tc>
                   <a:txBody>
@@ -7151,7 +8198,7 @@
                       <a:endParaRPr lang="en-US" dirty="0"/>
                     </a:p>
                   </a:txBody>
-                  <a:tcPr/>
+                  <a:tcPr marL="83326" marR="83326"/>
                 </a:tc>
               </a:tr>
               <a:tr h="370840">
@@ -7167,7 +8214,7 @@
                       <a:endParaRPr lang="en-US" dirty="0"/>
                     </a:p>
                   </a:txBody>
-                  <a:tcPr/>
+                  <a:tcPr marL="83326" marR="83326"/>
                 </a:tc>
                 <a:tc>
                   <a:txBody>
@@ -7181,7 +8228,7 @@
                       <a:endParaRPr lang="en-US" dirty="0"/>
                     </a:p>
                   </a:txBody>
-                  <a:tcPr/>
+                  <a:tcPr marL="83326" marR="83326"/>
                 </a:tc>
                 <a:tc>
                   <a:txBody>
@@ -7195,7 +8242,7 @@
                       <a:endParaRPr lang="en-US" dirty="0"/>
                     </a:p>
                   </a:txBody>
-                  <a:tcPr/>
+                  <a:tcPr marL="83326" marR="83326"/>
                 </a:tc>
                 <a:tc>
                   <a:txBody>
@@ -7212,7 +8259,7 @@
                       </a:r>
                     </a:p>
                   </a:txBody>
-                  <a:tcPr/>
+                  <a:tcPr marL="83326" marR="83326"/>
                 </a:tc>
               </a:tr>
               <a:tr h="370840">
@@ -7228,7 +8275,7 @@
                       <a:endParaRPr lang="en-US" dirty="0"/>
                     </a:p>
                   </a:txBody>
-                  <a:tcPr/>
+                  <a:tcPr marL="83326" marR="83326"/>
                 </a:tc>
                 <a:tc>
                   <a:txBody>
@@ -7242,7 +8289,7 @@
                       <a:endParaRPr lang="en-US" dirty="0"/>
                     </a:p>
                   </a:txBody>
-                  <a:tcPr/>
+                  <a:tcPr marL="83326" marR="83326"/>
                 </a:tc>
                 <a:tc>
                   <a:txBody>
@@ -7256,7 +8303,7 @@
                       <a:endParaRPr lang="en-US" dirty="0"/>
                     </a:p>
                   </a:txBody>
-                  <a:tcPr/>
+                  <a:tcPr marL="83326" marR="83326"/>
                 </a:tc>
                 <a:tc>
                   <a:txBody>
@@ -7278,7 +8325,7 @@
                       </a:endParaRPr>
                     </a:p>
                   </a:txBody>
-                  <a:tcPr/>
+                  <a:tcPr marL="83326" marR="83326"/>
                 </a:tc>
               </a:tr>
               <a:tr h="370840">
@@ -7294,7 +8341,7 @@
                       <a:endParaRPr lang="en-US" dirty="0"/>
                     </a:p>
                   </a:txBody>
-                  <a:tcPr/>
+                  <a:tcPr marL="83326" marR="83326"/>
                 </a:tc>
                 <a:tc>
                   <a:txBody>
@@ -7308,7 +8355,7 @@
                       <a:endParaRPr lang="en-US" dirty="0"/>
                     </a:p>
                   </a:txBody>
-                  <a:tcPr/>
+                  <a:tcPr marL="83326" marR="83326"/>
                 </a:tc>
                 <a:tc>
                   <a:txBody>
@@ -7322,7 +8369,7 @@
                       <a:endParaRPr lang="en-US" dirty="0"/>
                     </a:p>
                   </a:txBody>
-                  <a:tcPr/>
+                  <a:tcPr marL="83326" marR="83326"/>
                 </a:tc>
                 <a:tc>
                   <a:txBody>
@@ -7344,7 +8391,7 @@
                       </a:endParaRPr>
                     </a:p>
                   </a:txBody>
-                  <a:tcPr/>
+                  <a:tcPr marL="83326" marR="83326"/>
                 </a:tc>
               </a:tr>
               <a:tr h="370840">
@@ -7360,7 +8407,7 @@
                       <a:endParaRPr lang="en-US" dirty="0"/>
                     </a:p>
                   </a:txBody>
-                  <a:tcPr/>
+                  <a:tcPr marL="83326" marR="83326"/>
                 </a:tc>
                 <a:tc>
                   <a:txBody>
@@ -7374,7 +8421,7 @@
                       <a:endParaRPr lang="en-US" dirty="0"/>
                     </a:p>
                   </a:txBody>
-                  <a:tcPr/>
+                  <a:tcPr marL="83326" marR="83326"/>
                 </a:tc>
                 <a:tc>
                   <a:txBody>
@@ -7388,7 +8435,7 @@
                       <a:endParaRPr lang="en-US" dirty="0"/>
                     </a:p>
                   </a:txBody>
-                  <a:tcPr/>
+                  <a:tcPr marL="83326" marR="83326"/>
                 </a:tc>
                 <a:tc>
                   <a:txBody>
@@ -7410,7 +8457,7 @@
                       </a:endParaRPr>
                     </a:p>
                   </a:txBody>
-                  <a:tcPr/>
+                  <a:tcPr marL="83326" marR="83326"/>
                 </a:tc>
               </a:tr>
             </a:tbl>
@@ -8534,7 +9581,7 @@
               </a:ext>
             </a:extLst>
           </a:blip>
-          <a:srcRect t="-89831" b="-89831"/>
+          <a:srcRect t="-112786" b="-112786"/>
           <a:stretch>
             <a:fillRect/>
           </a:stretch>
@@ -8612,7 +9659,7 @@
               </a:ext>
             </a:extLst>
           </a:blip>
-          <a:srcRect t="-104104" b="-104104"/>
+          <a:srcRect t="-129402" b="-129402"/>
           <a:stretch>
             <a:fillRect/>
           </a:stretch>
@@ -8690,7 +9737,7 @@
               </a:ext>
             </a:extLst>
           </a:blip>
-          <a:srcRect t="-57763" b="-57763"/>
+          <a:srcRect t="-75453" b="-75453"/>
           <a:stretch>
             <a:fillRect/>
           </a:stretch>
@@ -8976,7 +10023,7 @@
           <a:p>
             <a:r>
               <a:rPr lang="en-US" dirty="0" smtClean="0"/>
-              <a:t>Data grows exponentially</a:t>
+              <a:t>Data Processing</a:t>
             </a:r>
           </a:p>
           <a:p>
@@ -9211,13 +10258,13 @@
             <p:ph idx="1"/>
             <p:extLst>
               <p:ext uri="{D42A27DB-BD31-4B8C-83A1-F6EECF244321}">
-                <p14:modId xmlns:p14="http://schemas.microsoft.com/office/powerpoint/2010/main" val="1697083512"/>
+                <p14:modId xmlns:p14="http://schemas.microsoft.com/office/powerpoint/2010/main" val="809743870"/>
               </p:ext>
             </p:extLst>
           </p:nvPr>
         </p:nvGraphicFramePr>
         <p:xfrm>
-          <a:off x="457200" y="1600200"/>
+          <a:off x="457201" y="1447800"/>
           <a:ext cx="8229600" cy="741680"/>
         </p:xfrm>
         <a:graphic>
@@ -9244,7 +10291,7 @@
                       <a:endParaRPr lang="en-US" dirty="0"/>
                     </a:p>
                   </a:txBody>
-                  <a:tcPr/>
+                  <a:tcPr marL="83326" marR="83326"/>
                 </a:tc>
                 <a:tc>
                   <a:txBody>
@@ -9258,7 +10305,7 @@
                       <a:endParaRPr lang="en-US" dirty="0"/>
                     </a:p>
                   </a:txBody>
-                  <a:tcPr/>
+                  <a:tcPr marL="83326" marR="83326"/>
                 </a:tc>
                 <a:tc>
                   <a:txBody>
@@ -9272,7 +10319,7 @@
                       <a:endParaRPr lang="en-US" dirty="0"/>
                     </a:p>
                   </a:txBody>
-                  <a:tcPr/>
+                  <a:tcPr marL="83326" marR="83326"/>
                 </a:tc>
               </a:tr>
               <a:tr h="370840">
@@ -9288,7 +10335,7 @@
                       <a:endParaRPr lang="en-US" dirty="0"/>
                     </a:p>
                   </a:txBody>
-                  <a:tcPr/>
+                  <a:tcPr marL="83326" marR="83326"/>
                 </a:tc>
                 <a:tc>
                   <a:txBody>
@@ -9302,7 +10349,7 @@
                       <a:endParaRPr lang="en-US" dirty="0"/>
                     </a:p>
                   </a:txBody>
-                  <a:tcPr/>
+                  <a:tcPr marL="83326" marR="83326"/>
                 </a:tc>
                 <a:tc>
                   <a:txBody>
@@ -9316,7 +10363,7 @@
                       <a:endParaRPr lang="en-US" dirty="0"/>
                     </a:p>
                   </a:txBody>
-                  <a:tcPr/>
+                  <a:tcPr marL="83326" marR="83326"/>
                 </a:tc>
               </a:tr>
             </a:tbl>
@@ -9822,13 +10869,13 @@
             <p:ph idx="1"/>
             <p:extLst>
               <p:ext uri="{D42A27DB-BD31-4B8C-83A1-F6EECF244321}">
-                <p14:modId xmlns:p14="http://schemas.microsoft.com/office/powerpoint/2010/main" val="4240609773"/>
+                <p14:modId xmlns:p14="http://schemas.microsoft.com/office/powerpoint/2010/main" val="1391817708"/>
               </p:ext>
             </p:extLst>
           </p:nvPr>
         </p:nvGraphicFramePr>
         <p:xfrm>
-          <a:off x="457200" y="1600200"/>
+          <a:off x="457201" y="1489605"/>
           <a:ext cx="8229600" cy="1854200"/>
         </p:xfrm>
         <a:graphic>
@@ -9855,7 +10902,7 @@
                       <a:endParaRPr lang="en-US" dirty="0"/>
                     </a:p>
                   </a:txBody>
-                  <a:tcPr/>
+                  <a:tcPr marL="83326" marR="83326"/>
                 </a:tc>
                 <a:tc>
                   <a:txBody>
@@ -9869,7 +10916,7 @@
                       <a:endParaRPr lang="en-US" dirty="0"/>
                     </a:p>
                   </a:txBody>
-                  <a:tcPr/>
+                  <a:tcPr marL="83326" marR="83326"/>
                 </a:tc>
                 <a:tc>
                   <a:txBody>
@@ -9883,7 +10930,7 @@
                       <a:endParaRPr lang="en-US" dirty="0"/>
                     </a:p>
                   </a:txBody>
-                  <a:tcPr/>
+                  <a:tcPr marL="83326" marR="83326"/>
                 </a:tc>
               </a:tr>
               <a:tr h="370840">
@@ -9899,7 +10946,7 @@
                       <a:endParaRPr lang="en-US" dirty="0"/>
                     </a:p>
                   </a:txBody>
-                  <a:tcPr/>
+                  <a:tcPr marL="83326" marR="83326"/>
                 </a:tc>
                 <a:tc>
                   <a:txBody>
@@ -9913,7 +10960,7 @@
                       <a:endParaRPr lang="en-US" dirty="0"/>
                     </a:p>
                   </a:txBody>
-                  <a:tcPr/>
+                  <a:tcPr marL="83326" marR="83326"/>
                 </a:tc>
                 <a:tc>
                   <a:txBody>
@@ -9927,7 +10974,7 @@
                       <a:endParaRPr lang="en-US" dirty="0"/>
                     </a:p>
                   </a:txBody>
-                  <a:tcPr/>
+                  <a:tcPr marL="83326" marR="83326"/>
                 </a:tc>
               </a:tr>
               <a:tr h="370840">
@@ -9959,7 +11006,7 @@
                       </a:r>
                     </a:p>
                   </a:txBody>
-                  <a:tcPr/>
+                  <a:tcPr marL="83326" marR="83326"/>
                 </a:tc>
                 <a:tc>
                   <a:txBody>
@@ -9973,7 +11020,7 @@
                       <a:endParaRPr lang="en-US" dirty="0"/>
                     </a:p>
                   </a:txBody>
-                  <a:tcPr/>
+                  <a:tcPr marL="83326" marR="83326"/>
                 </a:tc>
                 <a:tc>
                   <a:txBody>
@@ -9987,7 +11034,7 @@
                       <a:endParaRPr lang="en-US" dirty="0"/>
                     </a:p>
                   </a:txBody>
-                  <a:tcPr/>
+                  <a:tcPr marL="83326" marR="83326"/>
                 </a:tc>
               </a:tr>
               <a:tr h="370840">
@@ -10019,7 +11066,7 @@
                       </a:r>
                     </a:p>
                   </a:txBody>
-                  <a:tcPr/>
+                  <a:tcPr marL="83326" marR="83326"/>
                 </a:tc>
                 <a:tc>
                   <a:txBody>
@@ -10033,7 +11080,7 @@
                       <a:endParaRPr lang="en-US" dirty="0"/>
                     </a:p>
                   </a:txBody>
-                  <a:tcPr/>
+                  <a:tcPr marL="83326" marR="83326"/>
                 </a:tc>
                 <a:tc>
                   <a:txBody>
@@ -10047,7 +11094,7 @@
                       <a:endParaRPr lang="en-US" dirty="0"/>
                     </a:p>
                   </a:txBody>
-                  <a:tcPr/>
+                  <a:tcPr marL="83326" marR="83326"/>
                 </a:tc>
               </a:tr>
               <a:tr h="370840">
@@ -10079,7 +11126,7 @@
                       </a:r>
                     </a:p>
                   </a:txBody>
-                  <a:tcPr/>
+                  <a:tcPr marL="83326" marR="83326"/>
                 </a:tc>
                 <a:tc>
                   <a:txBody>
@@ -10093,7 +11140,7 @@
                       <a:endParaRPr lang="en-US" dirty="0"/>
                     </a:p>
                   </a:txBody>
-                  <a:tcPr/>
+                  <a:tcPr marL="83326" marR="83326"/>
                 </a:tc>
                 <a:tc>
                   <a:txBody>
@@ -10107,7 +11154,7 @@
                       <a:endParaRPr lang="en-US" dirty="0"/>
                     </a:p>
                   </a:txBody>
-                  <a:tcPr/>
+                  <a:tcPr marL="83326" marR="83326"/>
                 </a:tc>
               </a:tr>
             </a:tbl>
@@ -10502,7 +11549,7 @@
               </a:ext>
             </a:extLst>
           </a:blip>
-          <a:srcRect t="-18745" b="-18745"/>
+          <a:srcRect t="-30030" b="-30030"/>
           <a:stretch>
             <a:fillRect/>
           </a:stretch>
@@ -10575,7 +11622,7 @@
         <p:spPr/>
         <p:txBody>
           <a:bodyPr>
-            <a:normAutofit fontScale="92500" lnSpcReduction="10000"/>
+            <a:normAutofit lnSpcReduction="10000"/>
           </a:bodyPr>
           <a:lstStyle/>
           <a:p>
@@ -10705,7 +11752,7 @@
               </a:ext>
             </a:extLst>
           </a:blip>
-          <a:srcRect t="-54285" b="-54285"/>
+          <a:srcRect t="-71405" b="-71405"/>
           <a:stretch>
             <a:fillRect/>
           </a:stretch>
@@ -10861,7 +11908,7 @@
               </a:ext>
             </a:extLst>
           </a:blip>
-          <a:srcRect t="-125860" b="-125860"/>
+          <a:srcRect t="-154729" b="-154729"/>
           <a:stretch>
             <a:fillRect/>
           </a:stretch>
@@ -11042,7 +12089,7 @@
               </a:ext>
             </a:extLst>
           </a:blip>
-          <a:srcRect t="-71866" b="-71866"/>
+          <a:srcRect t="-91872" b="-91872"/>
           <a:stretch>
             <a:fillRect/>
           </a:stretch>
@@ -11219,7 +12266,7 @@
               </a:ext>
             </a:extLst>
           </a:blip>
-          <a:srcRect t="-25544" b="-25544"/>
+          <a:srcRect t="-37946" b="-37946"/>
           <a:stretch>
             <a:fillRect/>
           </a:stretch>
@@ -13245,7 +14292,14 @@
             <a:pPr lvl="1"/>
             <a:r>
               <a:rPr lang="en-US" dirty="0" smtClean="0"/>
-              <a:t>K-Severity</a:t>
+              <a:t>K-Anonymity</a:t>
+            </a:r>
+          </a:p>
+          <a:p>
+            <a:pPr lvl="1"/>
+            <a:r>
+              <a:rPr lang="en-US" dirty="0" smtClean="0"/>
+              <a:t>L-Diversity</a:t>
             </a:r>
           </a:p>
           <a:p>
@@ -13521,12 +14575,14 @@
         </p:nvSpPr>
         <p:spPr/>
         <p:txBody>
-          <a:bodyPr/>
+          <a:bodyPr>
+            <a:normAutofit/>
+          </a:bodyPr>
           <a:lstStyle/>
           <a:p>
             <a:r>
               <a:rPr lang="en-US" dirty="0" smtClean="0"/>
-              <a:t>Traditional Techniques</a:t>
+              <a:t>K-Anonymity</a:t>
             </a:r>
             <a:endParaRPr lang="en-US" dirty="0"/>
           </a:p>
@@ -13545,7 +14601,7 @@
         <p:spPr/>
         <p:txBody>
           <a:bodyPr>
-            <a:normAutofit fontScale="92500" lnSpcReduction="20000"/>
+            <a:normAutofit fontScale="92500" lnSpcReduction="10000"/>
           </a:bodyPr>
           <a:lstStyle/>
           <a:p>
@@ -13625,9 +14681,9 @@
 </file>
 
 <file path=ppt/theme/theme1.xml><?xml version="1.0" encoding="utf-8"?>
-<a:theme xmlns:a="http://schemas.openxmlformats.org/drawingml/2006/main" name="Office Theme">
+<a:theme xmlns:a="http://schemas.openxmlformats.org/drawingml/2006/main" name="Solstice">
   <a:themeElements>
-    <a:clrScheme name="Office">
+    <a:clrScheme name="Solstice">
       <a:dk1>
         <a:sysClr val="windowText" lastClr="000000"/>
       </a:dk1>
@@ -13635,81 +14691,48 @@
         <a:sysClr val="window" lastClr="FFFFFF"/>
       </a:lt1>
       <a:dk2>
-        <a:srgbClr val="1F497D"/>
+        <a:srgbClr val="4F271C"/>
       </a:dk2>
       <a:lt2>
-        <a:srgbClr val="EEECE1"/>
+        <a:srgbClr val="E7DEC9"/>
       </a:lt2>
       <a:accent1>
-        <a:srgbClr val="4F81BD"/>
+        <a:srgbClr val="3891A7"/>
       </a:accent1>
       <a:accent2>
-        <a:srgbClr val="C0504D"/>
+        <a:srgbClr val="FEB80A"/>
       </a:accent2>
       <a:accent3>
-        <a:srgbClr val="9BBB59"/>
+        <a:srgbClr val="C32D2E"/>
       </a:accent3>
       <a:accent4>
-        <a:srgbClr val="8064A2"/>
+        <a:srgbClr val="84AA33"/>
       </a:accent4>
       <a:accent5>
-        <a:srgbClr val="4BACC6"/>
+        <a:srgbClr val="964305"/>
       </a:accent5>
       <a:accent6>
-        <a:srgbClr val="F79646"/>
+        <a:srgbClr val="475A8D"/>
       </a:accent6>
       <a:hlink>
-        <a:srgbClr val="0000FF"/>
+        <a:srgbClr val="8DC765"/>
       </a:hlink>
       <a:folHlink>
-        <a:srgbClr val="800080"/>
+        <a:srgbClr val="AA8A14"/>
       </a:folHlink>
     </a:clrScheme>
-    <a:fontScheme name="Office">
+    <a:fontScheme name="Solstice">
       <a:majorFont>
-        <a:latin typeface="Calibri"/>
+        <a:latin typeface="Gill Sans MT"/>
         <a:ea typeface=""/>
         <a:cs typeface=""/>
-        <a:font script="Jpan" typeface="ＭＳ Ｐゴシック"/>
-        <a:font script="Hang" typeface="맑은 고딕"/>
-        <a:font script="Hans" typeface="宋体"/>
-        <a:font script="Hant" typeface="新細明體"/>
-        <a:font script="Arab" typeface="Times New Roman"/>
-        <a:font script="Hebr" typeface="Times New Roman"/>
-        <a:font script="Thai" typeface="Angsana New"/>
-        <a:font script="Ethi" typeface="Nyala"/>
-        <a:font script="Beng" typeface="Vrinda"/>
-        <a:font script="Gujr" typeface="Shruti"/>
-        <a:font script="Khmr" typeface="MoolBoran"/>
-        <a:font script="Knda" typeface="Tunga"/>
-        <a:font script="Guru" typeface="Raavi"/>
-        <a:font script="Cans" typeface="Euphemia"/>
-        <a:font script="Cher" typeface="Plantagenet Cherokee"/>
-        <a:font script="Yiii" typeface="Microsoft Yi Baiti"/>
-        <a:font script="Tibt" typeface="Microsoft Himalaya"/>
-        <a:font script="Thaa" typeface="MV Boli"/>
-        <a:font script="Deva" typeface="Mangal"/>
-        <a:font script="Telu" typeface="Gautami"/>
-        <a:font script="Taml" typeface="Latha"/>
-        <a:font script="Syrc" typeface="Estrangelo Edessa"/>
-        <a:font script="Orya" typeface="Kalinga"/>
-        <a:font script="Mlym" typeface="Kartika"/>
-        <a:font script="Laoo" typeface="DokChampa"/>
-        <a:font script="Sinh" typeface="Iskoola Pota"/>
-        <a:font script="Mong" typeface="Mongolian Baiti"/>
-        <a:font script="Viet" typeface="Times New Roman"/>
-        <a:font script="Uigh" typeface="Microsoft Uighur"/>
-        <a:font script="Geor" typeface="Sylfaen"/>
-      </a:majorFont>
-      <a:minorFont>
-        <a:latin typeface="Calibri"/>
-        <a:ea typeface=""/>
-        <a:cs typeface=""/>
-        <a:font script="Jpan" typeface="ＭＳ Ｐゴシック"/>
-        <a:font script="Hang" typeface="맑은 고딕"/>
-        <a:font script="Hans" typeface="宋体"/>
-        <a:font script="Hant" typeface="新細明體"/>
-        <a:font script="Arab" typeface="Arial"/>
+        <a:font script="Grek" typeface="Corbel"/>
+        <a:font script="Cyrl" typeface="Corbel"/>
+        <a:font script="Jpan" typeface="ＭＳ ゴシック"/>
+        <a:font script="Hang" typeface="휴먼매직체"/>
+        <a:font script="Hans" typeface="华文中宋"/>
+        <a:font script="Hant" typeface="微軟正黑體"/>
+        <a:font script="Arab" typeface="Majalla UI"/>
         <a:font script="Hebr" typeface="Arial"/>
         <a:font script="Thai" typeface="Cordia New"/>
         <a:font script="Ethi" typeface="Nyala"/>
@@ -13732,12 +14755,47 @@
         <a:font script="Laoo" typeface="DokChampa"/>
         <a:font script="Sinh" typeface="Iskoola Pota"/>
         <a:font script="Mong" typeface="Mongolian Baiti"/>
-        <a:font script="Viet" typeface="Arial"/>
+        <a:font script="Viet" typeface="Tahoma"/>
         <a:font script="Uigh" typeface="Microsoft Uighur"/>
-        <a:font script="Geor" typeface="Sylfaen"/>
+      </a:majorFont>
+      <a:minorFont>
+        <a:latin typeface="Gill Sans MT"/>
+        <a:ea typeface=""/>
+        <a:cs typeface=""/>
+        <a:font script="Grek" typeface="Corbel"/>
+        <a:font script="Cyrl" typeface="Corbel"/>
+        <a:font script="Jpan" typeface="ＭＳ ゴシック"/>
+        <a:font script="Hang" typeface="HY엽서L"/>
+        <a:font script="Hans" typeface="华文中宋"/>
+        <a:font script="Hant" typeface="微軟正黑體"/>
+        <a:font script="Arab" typeface="Majalla UI"/>
+        <a:font script="Hebr" typeface="Arial"/>
+        <a:font script="Thai" typeface="Cordia New"/>
+        <a:font script="Ethi" typeface="Nyala"/>
+        <a:font script="Beng" typeface="Vrinda"/>
+        <a:font script="Gujr" typeface="Shruti"/>
+        <a:font script="Khmr" typeface="DaunPenh"/>
+        <a:font script="Knda" typeface="Tunga"/>
+        <a:font script="Guru" typeface="Raavi"/>
+        <a:font script="Cans" typeface="Euphemia"/>
+        <a:font script="Cher" typeface="Plantagenet Cherokee"/>
+        <a:font script="Yiii" typeface="Microsoft Yi Baiti"/>
+        <a:font script="Tibt" typeface="Microsoft Himalaya"/>
+        <a:font script="Thaa" typeface="MV Boli"/>
+        <a:font script="Deva" typeface="Mangal"/>
+        <a:font script="Telu" typeface="Gautami"/>
+        <a:font script="Taml" typeface="Latha"/>
+        <a:font script="Syrc" typeface="Estrangelo Edessa"/>
+        <a:font script="Orya" typeface="Kalinga"/>
+        <a:font script="Mlym" typeface="Kartika"/>
+        <a:font script="Laoo" typeface="DokChampa"/>
+        <a:font script="Sinh" typeface="Iskoola Pota"/>
+        <a:font script="Mong" typeface="Mongolian Baiti"/>
+        <a:font script="Viet" typeface="Tahoma"/>
+        <a:font script="Uigh" typeface="Microsoft Uighur"/>
       </a:minorFont>
     </a:fontScheme>
-    <a:fmtScheme name="Office">
+    <a:fmtScheme name="Solstice">
       <a:fillStyleLst>
         <a:solidFill>
           <a:schemeClr val="phClr"/>
@@ -13746,52 +14804,78 @@
           <a:gsLst>
             <a:gs pos="0">
               <a:schemeClr val="phClr">
-                <a:tint val="50000"/>
-                <a:satMod val="300000"/>
+                <a:tint val="35000"/>
+                <a:satMod val="253000"/>
               </a:schemeClr>
             </a:gs>
-            <a:gs pos="35000">
+            <a:gs pos="50000">
               <a:schemeClr val="phClr">
-                <a:tint val="37000"/>
-                <a:satMod val="300000"/>
+                <a:tint val="42000"/>
+                <a:satMod val="255000"/>
+              </a:schemeClr>
+            </a:gs>
+            <a:gs pos="97000">
+              <a:schemeClr val="phClr">
+                <a:tint val="53000"/>
+                <a:satMod val="260000"/>
               </a:schemeClr>
             </a:gs>
             <a:gs pos="100000">
               <a:schemeClr val="phClr">
-                <a:tint val="15000"/>
-                <a:satMod val="350000"/>
+                <a:tint val="56000"/>
+                <a:satMod val="275000"/>
               </a:schemeClr>
             </a:gs>
           </a:gsLst>
-          <a:lin ang="16200000" scaled="1"/>
+          <a:path path="circle">
+            <a:fillToRect l="50000" t="50000" r="50000" b="50000"/>
+          </a:path>
         </a:gradFill>
         <a:gradFill rotWithShape="1">
           <a:gsLst>
             <a:gs pos="0">
               <a:schemeClr val="phClr">
-                <a:tint val="100000"/>
-                <a:shade val="100000"/>
-                <a:satMod val="130000"/>
+                <a:tint val="92000"/>
+                <a:satMod val="170000"/>
+              </a:schemeClr>
+            </a:gs>
+            <a:gs pos="15000">
+              <a:schemeClr val="phClr">
+                <a:tint val="92000"/>
+                <a:shade val="99000"/>
+                <a:satMod val="170000"/>
+              </a:schemeClr>
+            </a:gs>
+            <a:gs pos="62000">
+              <a:schemeClr val="phClr">
+                <a:tint val="96000"/>
+                <a:shade val="80000"/>
+                <a:satMod val="170000"/>
+              </a:schemeClr>
+            </a:gs>
+            <a:gs pos="97000">
+              <a:schemeClr val="phClr">
+                <a:tint val="98000"/>
+                <a:shade val="63000"/>
+                <a:satMod val="170000"/>
               </a:schemeClr>
             </a:gs>
             <a:gs pos="100000">
               <a:schemeClr val="phClr">
-                <a:tint val="50000"/>
-                <a:shade val="100000"/>
-                <a:satMod val="350000"/>
+                <a:shade val="62000"/>
+                <a:satMod val="170000"/>
               </a:schemeClr>
             </a:gs>
           </a:gsLst>
-          <a:lin ang="16200000" scaled="0"/>
+          <a:path path="circle">
+            <a:fillToRect l="50000" t="50000" r="50000" b="50000"/>
+          </a:path>
         </a:gradFill>
       </a:fillStyleLst>
       <a:lnStyleLst>
         <a:ln w="9525" cap="flat" cmpd="sng" algn="ctr">
           <a:solidFill>
-            <a:schemeClr val="phClr">
-              <a:shade val="95000"/>
-              <a:satMod val="105000"/>
-            </a:schemeClr>
+            <a:schemeClr val="phClr"/>
           </a:solidFill>
           <a:prstDash val="solid"/>
         </a:ln>
@@ -13801,7 +14885,7 @@
           </a:solidFill>
           <a:prstDash val="solid"/>
         </a:ln>
-        <a:ln w="38100" cap="flat" cmpd="sng" algn="ctr">
+        <a:ln w="25400" cap="flat" cmpd="sng" algn="ctr">
           <a:solidFill>
             <a:schemeClr val="phClr"/>
           </a:solidFill>
@@ -13811,40 +14895,59 @@
       <a:effectStyleLst>
         <a:effectStyle>
           <a:effectLst>
-            <a:outerShdw blurRad="40000" dist="20000" dir="5400000" rotWithShape="0">
+            <a:outerShdw blurRad="63500" dist="25400" dir="5400000" rotWithShape="0">
               <a:srgbClr val="000000">
-                <a:alpha val="38000"/>
+                <a:alpha val="43137"/>
               </a:srgbClr>
             </a:outerShdw>
           </a:effectLst>
         </a:effectStyle>
         <a:effectStyle>
           <a:effectLst>
-            <a:outerShdw blurRad="40000" dist="23000" dir="5400000" rotWithShape="0">
+            <a:outerShdw blurRad="63500" dist="25400" dir="5400000" rotWithShape="0">
               <a:srgbClr val="000000">
-                <a:alpha val="35000"/>
-              </a:srgbClr>
-            </a:outerShdw>
-          </a:effectLst>
-        </a:effectStyle>
-        <a:effectStyle>
-          <a:effectLst>
-            <a:outerShdw blurRad="40000" dist="23000" dir="5400000" rotWithShape="0">
-              <a:srgbClr val="000000">
-                <a:alpha val="35000"/>
+                <a:alpha val="43137"/>
               </a:srgbClr>
             </a:outerShdw>
           </a:effectLst>
           <a:scene3d>
-            <a:camera prst="orthographicFront">
+            <a:camera prst="orthographicFront" fov="0">
               <a:rot lat="0" lon="0" rev="0"/>
             </a:camera>
-            <a:lightRig rig="threePt" dir="t">
-              <a:rot lat="0" lon="0" rev="1200000"/>
+            <a:lightRig rig="brightRoom" dir="tl">
+              <a:rot lat="0" lon="0" rev="8700000"/>
             </a:lightRig>
           </a:scene3d>
-          <a:sp3d>
-            <a:bevelT w="63500" h="25400"/>
+          <a:sp3d contourW="12700">
+            <a:bevelT w="0" h="0"/>
+            <a:contourClr>
+              <a:schemeClr val="phClr">
+                <a:shade val="80000"/>
+              </a:schemeClr>
+            </a:contourClr>
+          </a:sp3d>
+        </a:effectStyle>
+        <a:effectStyle>
+          <a:effectLst>
+            <a:outerShdw blurRad="63500" dist="25400" dir="5400000" rotWithShape="0">
+              <a:srgbClr val="000000">
+                <a:alpha val="43137"/>
+              </a:srgbClr>
+            </a:outerShdw>
+          </a:effectLst>
+          <a:scene3d>
+            <a:camera prst="orthographicFront" fov="0">
+              <a:rot lat="0" lon="0" rev="0"/>
+            </a:camera>
+            <a:lightRig rig="brightRoom" dir="tl">
+              <a:rot lat="0" lon="0" rev="5400000"/>
+            </a:lightRig>
+          </a:scene3d>
+          <a:sp3d contourW="12700">
+            <a:bevelT w="25400" h="50800" prst="angle"/>
+            <a:contourClr>
+              <a:schemeClr val="phClr"/>
+            </a:contourClr>
           </a:sp3d>
         </a:effectStyle>
       </a:effectStyleLst>
@@ -13856,55 +14959,54 @@
           <a:gsLst>
             <a:gs pos="0">
               <a:schemeClr val="phClr">
-                <a:tint val="40000"/>
-                <a:satMod val="350000"/>
+                <a:tint val="60000"/>
+                <a:satMod val="355000"/>
               </a:schemeClr>
             </a:gs>
             <a:gs pos="40000">
               <a:schemeClr val="phClr">
-                <a:tint val="45000"/>
-                <a:shade val="99000"/>
-                <a:satMod val="350000"/>
+                <a:tint val="85000"/>
+                <a:satMod val="320000"/>
               </a:schemeClr>
             </a:gs>
             <a:gs pos="100000">
               <a:schemeClr val="phClr">
-                <a:shade val="20000"/>
-                <a:satMod val="255000"/>
+                <a:shade val="55000"/>
+                <a:satMod val="300000"/>
               </a:schemeClr>
             </a:gs>
           </a:gsLst>
           <a:path path="circle">
-            <a:fillToRect l="50000" t="-80000" r="50000" b="180000"/>
+            <a:fillToRect l="-24500" t="-20000" r="124500" b="120000"/>
           </a:path>
         </a:gradFill>
-        <a:gradFill rotWithShape="1">
-          <a:gsLst>
-            <a:gs pos="0">
+        <a:blipFill>
+          <a:blip xmlns:r="http://schemas.openxmlformats.org/officeDocument/2006/relationships" r:embed="rId1">
+            <a:duotone>
               <a:schemeClr val="phClr">
-                <a:tint val="80000"/>
+                <a:shade val="9000"/>
                 <a:satMod val="300000"/>
               </a:schemeClr>
-            </a:gs>
-            <a:gs pos="100000">
               <a:schemeClr val="phClr">
-                <a:shade val="30000"/>
-                <a:satMod val="200000"/>
+                <a:tint val="90000"/>
+                <a:satMod val="225000"/>
               </a:schemeClr>
-            </a:gs>
-          </a:gsLst>
-          <a:path path="circle">
-            <a:fillToRect l="50000" t="50000" r="50000" b="50000"/>
-          </a:path>
-        </a:gradFill>
+            </a:duotone>
+          </a:blip>
+          <a:tile tx="0" ty="0" sx="90000" sy="90000" flip="xy" algn="tl"/>
+        </a:blipFill>
       </a:bgFillStyleLst>
     </a:fmtScheme>
   </a:themeElements>
   <a:objectDefaults>
     <a:spDef>
       <a:spPr/>
-      <a:bodyPr/>
-      <a:lstStyle/>
+      <a:bodyPr rtlCol="0" anchor="ctr"/>
+      <a:lstStyle>
+        <a:defPPr algn="ctr">
+          <a:defRPr/>
+        </a:defPPr>
+      </a:lstStyle>
       <a:style>
         <a:lnRef idx="1">
           <a:schemeClr val="accent1"/>
